--- a/Final Documents/Final Presentation.pptx
+++ b/Final Documents/Final Presentation.pptx
@@ -5,7 +5,7 @@
     <p:sldMasterId id="2147483660" r:id="rId1"/>
   </p:sldMasterIdLst>
   <p:notesMasterIdLst>
-    <p:notesMasterId r:id="rId13"/>
+    <p:notesMasterId r:id="rId12"/>
   </p:notesMasterIdLst>
   <p:sldIdLst>
     <p:sldId id="256" r:id="rId2"/>
@@ -15,10 +15,9 @@
     <p:sldId id="258" r:id="rId6"/>
     <p:sldId id="266" r:id="rId7"/>
     <p:sldId id="259" r:id="rId8"/>
-    <p:sldId id="260" r:id="rId9"/>
-    <p:sldId id="263" r:id="rId10"/>
-    <p:sldId id="267" r:id="rId11"/>
-    <p:sldId id="261" r:id="rId12"/>
+    <p:sldId id="263" r:id="rId9"/>
+    <p:sldId id="267" r:id="rId10"/>
+    <p:sldId id="261" r:id="rId11"/>
   </p:sldIdLst>
   <p:sldSz cx="9144000" cy="6858000" type="screen4x3"/>
   <p:notesSz cx="6858000" cy="9144000"/>
@@ -218,7 +217,7 @@
           <a:p>
             <a:fld id="{3054C299-8359-5B4D-8FA7-E9A587887A0D}" type="datetimeFigureOut">
               <a:rPr lang="en-US" smtClean="0"/>
-              <a:t>11/30/2015</a:t>
+              <a:t>12/1/2015</a:t>
             </a:fld>
             <a:endParaRPr lang="en-US"/>
           </a:p>
@@ -530,20 +529,6 @@
           <a:bodyPr/>
           <a:lstStyle/>
           <a:p>
-            <a:r>
-              <a:rPr lang="en-US" dirty="0" smtClean="0"/>
-              <a:t>Connor</a:t>
-            </a:r>
-          </a:p>
-          <a:p>
-            <a:r>
-              <a:rPr lang="en-US" dirty="0" smtClean="0"/>
-              <a:t>Changes needed</a:t>
-            </a:r>
-            <a:r>
-              <a:rPr lang="en-US" baseline="0" dirty="0" smtClean="0"/>
-              <a:t> here? I think we’re good. </a:t>
-            </a:r>
             <a:endParaRPr lang="en-US" dirty="0"/>
           </a:p>
         </p:txBody>
@@ -628,10 +613,6 @@
           <a:bodyPr/>
           <a:lstStyle/>
           <a:p>
-            <a:r>
-              <a:rPr lang="en-US" dirty="0" smtClean="0"/>
-              <a:t>Connor</a:t>
-            </a:r>
             <a:endParaRPr lang="en-US" dirty="0"/>
           </a:p>
         </p:txBody>
@@ -717,14 +698,12 @@
           <a:lstStyle/>
           <a:p>
             <a:r>
-              <a:rPr lang="en-US" dirty="0" smtClean="0"/>
-              <a:t>Chris</a:t>
-            </a:r>
-          </a:p>
-          <a:p>
-            <a:r>
               <a:rPr lang="en-US" sz="1200" dirty="0" smtClean="0"/>
-              <a:t>Need to update this chart: Server is on </a:t>
+              <a:t>Need </a:t>
+            </a:r>
+            <a:r>
+              <a:rPr lang="en-US" sz="1200" dirty="0" smtClean="0"/>
+              <a:t>to update this chart: Server is on </a:t>
             </a:r>
             <a:r>
               <a:rPr lang="en-US" sz="1200" dirty="0" err="1" smtClean="0"/>
@@ -820,16 +799,11 @@
           <a:p>
             <a:r>
               <a:rPr lang="en-US" dirty="0" smtClean="0"/>
-              <a:t>Dan</a:t>
-            </a:r>
-          </a:p>
-          <a:p>
-            <a:endParaRPr lang="en-US" dirty="0" smtClean="0"/>
-          </a:p>
-          <a:p>
+              <a:t>Need </a:t>
+            </a:r>
             <a:r>
               <a:rPr lang="en-US" dirty="0" smtClean="0"/>
-              <a:t>Need to update this:</a:t>
+              <a:t>to update this:</a:t>
             </a:r>
           </a:p>
           <a:p>
@@ -850,6 +824,24 @@
             <a:endParaRPr lang="en-US" dirty="0" smtClean="0"/>
           </a:p>
           <a:p>
+            <a:r>
+              <a:rPr lang="en-US" dirty="0" smtClean="0"/>
+              <a:t>Update</a:t>
+            </a:r>
+            <a:r>
+              <a:rPr lang="en-US" baseline="0" dirty="0" smtClean="0"/>
+              <a:t> frameworks used</a:t>
+            </a:r>
+          </a:p>
+          <a:p>
+            <a:r>
+              <a:rPr lang="en-US" baseline="0" dirty="0" smtClean="0"/>
+              <a:t>Update software flowchart (mostly </a:t>
+            </a:r>
+            <a:r>
+              <a:rPr lang="en-US" baseline="0" smtClean="0"/>
+              <a:t>the backend)</a:t>
+            </a:r>
             <a:endParaRPr lang="en-US" dirty="0"/>
           </a:p>
         </p:txBody>
@@ -935,26 +927,18 @@
           <a:lstStyle/>
           <a:p>
             <a:r>
-              <a:rPr lang="en-US" dirty="0" smtClean="0"/>
-              <a:t>Joe – at the end w/ advanced features mention a few stretch goals we may </a:t>
-            </a:r>
-            <a:r>
-              <a:rPr lang="en-US" dirty="0" smtClean="0"/>
-              <a:t>try</a:t>
-            </a:r>
-          </a:p>
-          <a:p>
-            <a:endParaRPr lang="en-US" dirty="0" smtClean="0"/>
-          </a:p>
-          <a:p>
-            <a:r>
-              <a:rPr lang="en-US" dirty="0" smtClean="0"/>
-              <a:t>Do we need this</a:t>
-            </a:r>
-            <a:r>
               <a:rPr lang="en-US" baseline="0" dirty="0" smtClean="0"/>
-              <a:t> slide?</a:t>
-            </a:r>
+              <a:t>Need to add some pictures of the project- </a:t>
+            </a:r>
+            <a:r>
+              <a:rPr lang="en-US" baseline="0" dirty="0" err="1" smtClean="0"/>
+              <a:t>Rpi</a:t>
+            </a:r>
+            <a:r>
+              <a:rPr lang="en-US" baseline="0" dirty="0" smtClean="0"/>
+              <a:t>, node fully set up, maybe screenshots of web UI?</a:t>
+            </a:r>
+            <a:endParaRPr lang="en-US" baseline="0" dirty="0" smtClean="0"/>
           </a:p>
         </p:txBody>
       </p:sp>
@@ -1038,16 +1022,6 @@
           <a:bodyPr/>
           <a:lstStyle/>
           <a:p>
-            <a:r>
-              <a:rPr lang="en-US" dirty="0" smtClean="0"/>
-              <a:t>Joe</a:t>
-            </a:r>
-          </a:p>
-          <a:p>
-            <a:r>
-              <a:rPr lang="en-US" dirty="0" smtClean="0"/>
-              <a:t>Do we need this slide?</a:t>
-            </a:r>
             <a:endParaRPr lang="en-US" dirty="0"/>
           </a:p>
         </p:txBody>
@@ -1078,7 +1052,7 @@
     </p:spTree>
     <p:extLst>
       <p:ext uri="{BB962C8B-B14F-4D97-AF65-F5344CB8AC3E}">
-        <p14:creationId xmlns:p14="http://schemas.microsoft.com/office/powerpoint/2010/main" val="4135037039"/>
+        <p14:creationId xmlns:p14="http://schemas.microsoft.com/office/powerpoint/2010/main" val="30328140"/>
       </p:ext>
     </p:extLst>
   </p:cSld>
@@ -1132,10 +1106,6 @@
           <a:bodyPr/>
           <a:lstStyle/>
           <a:p>
-            <a:r>
-              <a:rPr lang="en-US" dirty="0" smtClean="0"/>
-              <a:t>Gunnar</a:t>
-            </a:r>
             <a:endParaRPr lang="en-US" dirty="0"/>
           </a:p>
         </p:txBody>
@@ -1166,7 +1136,7 @@
     </p:spTree>
     <p:extLst>
       <p:ext uri="{BB962C8B-B14F-4D97-AF65-F5344CB8AC3E}">
-        <p14:creationId xmlns:p14="http://schemas.microsoft.com/office/powerpoint/2010/main" val="30328140"/>
+        <p14:creationId xmlns:p14="http://schemas.microsoft.com/office/powerpoint/2010/main" val="3647391457"/>
       </p:ext>
     </p:extLst>
   </p:cSld>
@@ -1220,19 +1190,6 @@
           <a:bodyPr/>
           <a:lstStyle/>
           <a:p>
-            <a:r>
-              <a:rPr lang="en-US" dirty="0" smtClean="0"/>
-              <a:t>Gunnar</a:t>
-            </a:r>
-          </a:p>
-          <a:p>
-            <a:endParaRPr lang="en-US" dirty="0" smtClean="0"/>
-          </a:p>
-          <a:p>
-            <a:r>
-              <a:rPr lang="en-US" smtClean="0"/>
-              <a:t>L</a:t>
-            </a:r>
             <a:endParaRPr lang="en-US" dirty="0"/>
           </a:p>
         </p:txBody>
@@ -1255,94 +1212,6 @@
             <a:fld id="{05332D8B-7B6C-A54D-BAC6-226B3ACA1459}" type="slidenum">
               <a:rPr lang="en-US" smtClean="0"/>
               <a:t>10</a:t>
-            </a:fld>
-            <a:endParaRPr lang="en-US"/>
-          </a:p>
-        </p:txBody>
-      </p:sp>
-    </p:spTree>
-    <p:extLst>
-      <p:ext uri="{BB962C8B-B14F-4D97-AF65-F5344CB8AC3E}">
-        <p14:creationId xmlns:p14="http://schemas.microsoft.com/office/powerpoint/2010/main" val="3647391457"/>
-      </p:ext>
-    </p:extLst>
-  </p:cSld>
-  <p:clrMapOvr>
-    <a:masterClrMapping/>
-  </p:clrMapOvr>
-</p:notes>
-</file>
-
-<file path=ppt/notesSlides/notesSlide9.xml><?xml version="1.0" encoding="utf-8"?>
-<p:notes xmlns:a="http://schemas.openxmlformats.org/drawingml/2006/main" xmlns:r="http://schemas.openxmlformats.org/officeDocument/2006/relationships" xmlns:p="http://schemas.openxmlformats.org/presentationml/2006/main">
-  <p:cSld>
-    <p:spTree>
-      <p:nvGrpSpPr>
-        <p:cNvPr id="1" name=""/>
-        <p:cNvGrpSpPr/>
-        <p:nvPr/>
-      </p:nvGrpSpPr>
-      <p:grpSpPr>
-        <a:xfrm>
-          <a:off x="0" y="0"/>
-          <a:ext cx="0" cy="0"/>
-          <a:chOff x="0" y="0"/>
-          <a:chExt cx="0" cy="0"/>
-        </a:xfrm>
-      </p:grpSpPr>
-      <p:sp>
-        <p:nvSpPr>
-          <p:cNvPr id="2" name="Slide Image Placeholder 1"/>
-          <p:cNvSpPr>
-            <a:spLocks noGrp="1" noRot="1" noChangeAspect="1"/>
-          </p:cNvSpPr>
-          <p:nvPr>
-            <p:ph type="sldImg"/>
-          </p:nvPr>
-        </p:nvSpPr>
-        <p:spPr/>
-      </p:sp>
-      <p:sp>
-        <p:nvSpPr>
-          <p:cNvPr id="3" name="Notes Placeholder 2"/>
-          <p:cNvSpPr>
-            <a:spLocks noGrp="1"/>
-          </p:cNvSpPr>
-          <p:nvPr>
-            <p:ph type="body" idx="1"/>
-          </p:nvPr>
-        </p:nvSpPr>
-        <p:spPr/>
-        <p:txBody>
-          <a:bodyPr/>
-          <a:lstStyle/>
-          <a:p>
-            <a:r>
-              <a:rPr lang="en-US" dirty="0" smtClean="0"/>
-              <a:t>Everyone</a:t>
-            </a:r>
-            <a:endParaRPr lang="en-US" dirty="0"/>
-          </a:p>
-        </p:txBody>
-      </p:sp>
-      <p:sp>
-        <p:nvSpPr>
-          <p:cNvPr id="4" name="Slide Number Placeholder 3"/>
-          <p:cNvSpPr>
-            <a:spLocks noGrp="1"/>
-          </p:cNvSpPr>
-          <p:nvPr>
-            <p:ph type="sldNum" sz="quarter" idx="10"/>
-          </p:nvPr>
-        </p:nvSpPr>
-        <p:spPr/>
-        <p:txBody>
-          <a:bodyPr/>
-          <a:lstStyle/>
-          <a:p>
-            <a:fld id="{05332D8B-7B6C-A54D-BAC6-226B3ACA1459}" type="slidenum">
-              <a:rPr lang="en-US" smtClean="0"/>
-              <a:t>11</a:t>
             </a:fld>
             <a:endParaRPr lang="en-US"/>
           </a:p>
@@ -1582,7 +1451,7 @@
           <a:p>
             <a:fld id="{651A0C47-018D-4460-B945-BFF7981B6CA6}" type="datetimeFigureOut">
               <a:rPr lang="en-US" smtClean="0"/>
-              <a:t>11/30/2015</a:t>
+              <a:t>12/1/2015</a:t>
             </a:fld>
             <a:endParaRPr lang="en-US"/>
           </a:p>
@@ -1914,7 +1783,7 @@
           <a:p>
             <a:fld id="{651A0C47-018D-4460-B945-BFF7981B6CA6}" type="datetimeFigureOut">
               <a:rPr lang="en-US" smtClean="0"/>
-              <a:t>11/30/2015</a:t>
+              <a:t>12/1/2015</a:t>
             </a:fld>
             <a:endParaRPr lang="en-US"/>
           </a:p>
@@ -2246,7 +2115,7 @@
           <a:p>
             <a:fld id="{651A0C47-018D-4460-B945-BFF7981B6CA6}" type="datetimeFigureOut">
               <a:rPr lang="en-US" smtClean="0"/>
-              <a:t>11/30/2015</a:t>
+              <a:t>12/1/2015</a:t>
             </a:fld>
             <a:endParaRPr lang="en-US"/>
           </a:p>
@@ -2578,7 +2447,7 @@
           <a:p>
             <a:fld id="{651A0C47-018D-4460-B945-BFF7981B6CA6}" type="datetimeFigureOut">
               <a:rPr lang="en-US" smtClean="0"/>
-              <a:t>11/30/2015</a:t>
+              <a:t>12/1/2015</a:t>
             </a:fld>
             <a:endParaRPr lang="en-US"/>
           </a:p>
@@ -3267,7 +3136,7 @@
           <a:p>
             <a:fld id="{651A0C47-018D-4460-B945-BFF7981B6CA6}" type="datetimeFigureOut">
               <a:rPr lang="en-US" smtClean="0"/>
-              <a:t>11/30/2015</a:t>
+              <a:t>12/1/2015</a:t>
             </a:fld>
             <a:endParaRPr lang="en-US"/>
           </a:p>
@@ -3446,7 +3315,7 @@
           <a:p>
             <a:fld id="{651A0C47-018D-4460-B945-BFF7981B6CA6}" type="datetimeFigureOut">
               <a:rPr lang="en-US" smtClean="0"/>
-              <a:t>11/30/2015</a:t>
+              <a:t>12/1/2015</a:t>
             </a:fld>
             <a:endParaRPr lang="en-US"/>
           </a:p>
@@ -3620,7 +3489,7 @@
           <a:p>
             <a:fld id="{651A0C47-018D-4460-B945-BFF7981B6CA6}" type="datetimeFigureOut">
               <a:rPr lang="en-US" smtClean="0"/>
-              <a:t>11/30/2015</a:t>
+              <a:t>12/1/2015</a:t>
             </a:fld>
             <a:endParaRPr lang="en-US"/>
           </a:p>
@@ -3868,7 +3737,7 @@
           <a:p>
             <a:fld id="{651A0C47-018D-4460-B945-BFF7981B6CA6}" type="datetimeFigureOut">
               <a:rPr lang="en-US" smtClean="0"/>
-              <a:t>11/30/2015</a:t>
+              <a:t>12/1/2015</a:t>
             </a:fld>
             <a:endParaRPr lang="en-US"/>
           </a:p>
@@ -4198,7 +4067,7 @@
           <a:p>
             <a:fld id="{651A0C47-018D-4460-B945-BFF7981B6CA6}" type="datetimeFigureOut">
               <a:rPr lang="en-US" smtClean="0"/>
-              <a:t>11/30/2015</a:t>
+              <a:t>12/1/2015</a:t>
             </a:fld>
             <a:endParaRPr lang="en-US"/>
           </a:p>
@@ -4490,7 +4359,7 @@
           <a:p>
             <a:fld id="{651A0C47-018D-4460-B945-BFF7981B6CA6}" type="datetimeFigureOut">
               <a:rPr lang="en-US" smtClean="0"/>
-              <a:t>11/30/2015</a:t>
+              <a:t>12/1/2015</a:t>
             </a:fld>
             <a:endParaRPr lang="en-US"/>
           </a:p>
@@ -4926,7 +4795,7 @@
           <a:p>
             <a:fld id="{651A0C47-018D-4460-B945-BFF7981B6CA6}" type="datetimeFigureOut">
               <a:rPr lang="en-US" smtClean="0"/>
-              <a:t>11/30/2015</a:t>
+              <a:t>12/1/2015</a:t>
             </a:fld>
             <a:endParaRPr lang="en-US"/>
           </a:p>
@@ -5113,7 +4982,7 @@
           <a:p>
             <a:fld id="{651A0C47-018D-4460-B945-BFF7981B6CA6}" type="datetimeFigureOut">
               <a:rPr lang="en-US" smtClean="0"/>
-              <a:t>11/30/2015</a:t>
+              <a:t>12/1/2015</a:t>
             </a:fld>
             <a:endParaRPr lang="en-US"/>
           </a:p>
@@ -5203,7 +5072,7 @@
           <a:p>
             <a:fld id="{651A0C47-018D-4460-B945-BFF7981B6CA6}" type="datetimeFigureOut">
               <a:rPr lang="en-US" smtClean="0"/>
-              <a:t>11/30/2015</a:t>
+              <a:t>12/1/2015</a:t>
             </a:fld>
             <a:endParaRPr lang="en-US"/>
           </a:p>
@@ -5484,7 +5353,7 @@
           <a:p>
             <a:fld id="{651A0C47-018D-4460-B945-BFF7981B6CA6}" type="datetimeFigureOut">
               <a:rPr lang="en-US" smtClean="0"/>
-              <a:t>11/30/2015</a:t>
+              <a:t>12/1/2015</a:t>
             </a:fld>
             <a:endParaRPr lang="en-US"/>
           </a:p>
@@ -5699,7 +5568,7 @@
           <a:p>
             <a:fld id="{651A0C47-018D-4460-B945-BFF7981B6CA6}" type="datetimeFigureOut">
               <a:rPr lang="en-US" smtClean="0"/>
-              <a:t>11/30/2015</a:t>
+              <a:t>12/1/2015</a:t>
             </a:fld>
             <a:endParaRPr lang="en-US"/>
           </a:p>
@@ -6274,15 +6143,7 @@
             </a:r>
             <a:r>
               <a:rPr lang="en-US" dirty="0" smtClean="0"/>
-              <a:t>Connor </a:t>
-            </a:r>
-            <a:r>
-              <a:rPr lang="en-US" dirty="0" smtClean="0"/>
-              <a:t>Igo, </a:t>
-            </a:r>
-            <a:r>
-              <a:rPr lang="en-US" dirty="0" smtClean="0"/>
-              <a:t>Chris </a:t>
+              <a:t>Connor Igo, Chris </a:t>
             </a:r>
             <a:r>
               <a:rPr lang="en-US" dirty="0" err="1" smtClean="0"/>
@@ -6366,146 +6227,6 @@
 </file>
 
 <file path=ppt/slides/slide10.xml><?xml version="1.0" encoding="utf-8"?>
-<p:sld xmlns:a="http://schemas.openxmlformats.org/drawingml/2006/main" xmlns:r="http://schemas.openxmlformats.org/officeDocument/2006/relationships" xmlns:p="http://schemas.openxmlformats.org/presentationml/2006/main">
-  <p:cSld>
-    <p:spTree>
-      <p:nvGrpSpPr>
-        <p:cNvPr id="1" name=""/>
-        <p:cNvGrpSpPr/>
-        <p:nvPr/>
-      </p:nvGrpSpPr>
-      <p:grpSpPr>
-        <a:xfrm>
-          <a:off x="0" y="0"/>
-          <a:ext cx="0" cy="0"/>
-          <a:chOff x="0" y="0"/>
-          <a:chExt cx="0" cy="0"/>
-        </a:xfrm>
-      </p:grpSpPr>
-      <p:sp>
-        <p:nvSpPr>
-          <p:cNvPr id="2" name="Title 1"/>
-          <p:cNvSpPr>
-            <a:spLocks noGrp="1"/>
-          </p:cNvSpPr>
-          <p:nvPr>
-            <p:ph type="title"/>
-          </p:nvPr>
-        </p:nvSpPr>
-        <p:spPr>
-          <a:xfrm>
-            <a:off x="547777" y="121023"/>
-            <a:ext cx="7770813" cy="1429871"/>
-          </a:xfrm>
-        </p:spPr>
-        <p:txBody>
-          <a:bodyPr/>
-          <a:lstStyle/>
-          <a:p>
-            <a:r>
-              <a:rPr lang="en-US" dirty="0" smtClean="0"/>
-              <a:t>Conclusion</a:t>
-            </a:r>
-            <a:endParaRPr lang="en-US" dirty="0"/>
-          </a:p>
-        </p:txBody>
-      </p:sp>
-      <p:sp>
-        <p:nvSpPr>
-          <p:cNvPr id="3" name="Content Placeholder 2"/>
-          <p:cNvSpPr>
-            <a:spLocks noGrp="1"/>
-          </p:cNvSpPr>
-          <p:nvPr>
-            <p:ph idx="1"/>
-          </p:nvPr>
-        </p:nvSpPr>
-        <p:spPr/>
-        <p:txBody>
-          <a:bodyPr>
-            <a:normAutofit fontScale="92500"/>
-          </a:bodyPr>
-          <a:lstStyle/>
-          <a:p>
-            <a:r>
-              <a:rPr lang="en-US" dirty="0" smtClean="0">
-                <a:effectLst/>
-              </a:rPr>
-              <a:t>Nosferatu is cheaper than the competition</a:t>
-            </a:r>
-          </a:p>
-          <a:p>
-            <a:r>
-              <a:rPr lang="en-US" dirty="0" smtClean="0">
-                <a:effectLst/>
-              </a:rPr>
-              <a:t>Nosferatu is easier to use</a:t>
-            </a:r>
-          </a:p>
-          <a:p>
-            <a:r>
-              <a:rPr lang="en-US" dirty="0" smtClean="0">
-                <a:effectLst/>
-              </a:rPr>
-              <a:t>Nosferatu is the most convenient way to manage your home lighting</a:t>
-            </a:r>
-          </a:p>
-          <a:p>
-            <a:r>
-              <a:rPr lang="en-US" dirty="0" smtClean="0">
-                <a:effectLst/>
-              </a:rPr>
-              <a:t>“I haven’t touched a light switch in weeks, 10/10” – Dan Cardin</a:t>
-            </a:r>
-          </a:p>
-          <a:p>
-            <a:r>
-              <a:rPr lang="en-US" dirty="0" smtClean="0">
-                <a:effectLst/>
-              </a:rPr>
-              <a:t>“Package still hasn’t arrived 1/5” – Amazon Reviewer </a:t>
-            </a:r>
-            <a:r>
-              <a:rPr lang="en-US" dirty="0" err="1" smtClean="0">
-                <a:effectLst/>
-              </a:rPr>
-              <a:t>squidw@rd</a:t>
-            </a:r>
-            <a:endParaRPr lang="en-US" dirty="0" smtClean="0">
-              <a:effectLst/>
-            </a:endParaRPr>
-          </a:p>
-          <a:p>
-            <a:r>
-              <a:rPr lang="en-US" dirty="0" smtClean="0">
-                <a:effectLst/>
-              </a:rPr>
-              <a:t>“Switch works great!  9/10, 10/10 with rice” –/u/DO_U_EVN_SPAGHETTI</a:t>
-            </a:r>
-          </a:p>
-        </p:txBody>
-      </p:sp>
-    </p:spTree>
-    <p:extLst>
-      <p:ext uri="{BB962C8B-B14F-4D97-AF65-F5344CB8AC3E}">
-        <p14:creationId xmlns:p14="http://schemas.microsoft.com/office/powerpoint/2010/main" val="1206270657"/>
-      </p:ext>
-    </p:extLst>
-  </p:cSld>
-  <p:clrMapOvr>
-    <a:masterClrMapping/>
-  </p:clrMapOvr>
-  <p:timing>
-    <p:tnLst>
-      <p:par>
-        <p:cTn id="1" dur="indefinite" restart="never" nodeType="tmRoot"/>
-      </p:par>
-    </p:tnLst>
-  </p:timing>
-</p:sld>
-</file>
-
-<file path=ppt/slides/slide11.xml><?xml version="1.0" encoding="utf-8"?>
 <p:sld xmlns:a="http://schemas.openxmlformats.org/drawingml/2006/main" xmlns:r="http://schemas.openxmlformats.org/officeDocument/2006/relationships" xmlns:p="http://schemas.openxmlformats.org/presentationml/2006/main">
   <p:cSld>
     <p:spTree>
@@ -7413,11 +7134,7 @@
           <a:p>
             <a:r>
               <a:rPr lang="en-US" dirty="0" smtClean="0"/>
-              <a:t>Hardware </a:t>
-            </a:r>
-            <a:r>
-              <a:rPr lang="en-US" dirty="0" smtClean="0"/>
-              <a:t>Layout</a:t>
+              <a:t>Hardware Layout</a:t>
             </a:r>
             <a:endParaRPr lang="en-US" dirty="0"/>
           </a:p>
@@ -8494,9 +8211,10 @@
               <a:buChar char="•"/>
             </a:pPr>
             <a:r>
-              <a:rPr lang="en-US" dirty="0" smtClean="0"/>
-              <a:t>Flask</a:t>
-            </a:r>
+              <a:rPr lang="en-US" dirty="0" err="1" smtClean="0"/>
+              <a:t>Gunicorn</a:t>
+            </a:r>
+            <a:endParaRPr lang="en-US" dirty="0" smtClean="0"/>
           </a:p>
           <a:p>
             <a:pPr marL="285750" indent="-285750">
@@ -8516,8 +8234,9 @@
             </a:pPr>
             <a:r>
               <a:rPr lang="en-US" dirty="0" smtClean="0"/>
-              <a:t>Celery (Maybe)</a:t>
-            </a:r>
+              <a:t>Celery</a:t>
+            </a:r>
+            <a:endParaRPr lang="en-US" dirty="0" smtClean="0"/>
           </a:p>
         </p:txBody>
       </p:sp>
@@ -8568,7 +8287,6 @@
               <a:rPr lang="en-US" dirty="0" smtClean="0"/>
               <a:t>PostgreSQL</a:t>
             </a:r>
-            <a:endParaRPr lang="en-US" dirty="0" smtClean="0"/>
           </a:p>
         </p:txBody>
       </p:sp>
@@ -9740,6200 +9458,12 @@
           <a:p>
             <a:r>
               <a:rPr lang="en-US" dirty="0" smtClean="0"/>
-              <a:t>Timeline</a:t>
+              <a:t>Build Process</a:t>
             </a:r>
             <a:endParaRPr lang="en-US" dirty="0"/>
           </a:p>
         </p:txBody>
       </p:sp>
-      <p:graphicFrame>
-        <p:nvGraphicFramePr>
-          <p:cNvPr id="7" name="Table 6"/>
-          <p:cNvGraphicFramePr>
-            <a:graphicFrameLocks noGrp="1"/>
-          </p:cNvGraphicFramePr>
-          <p:nvPr>
-            <p:extLst>
-              <p:ext uri="{D42A27DB-BD31-4B8C-83A1-F6EECF244321}">
-                <p14:modId xmlns:p14="http://schemas.microsoft.com/office/powerpoint/2010/main" val="607574352"/>
-              </p:ext>
-            </p:extLst>
-          </p:nvPr>
-        </p:nvGraphicFramePr>
-        <p:xfrm>
-          <a:off x="685801" y="1360578"/>
-          <a:ext cx="7770811" cy="5209101"/>
-        </p:xfrm>
-        <a:graphic>
-          <a:graphicData uri="http://schemas.openxmlformats.org/drawingml/2006/table">
-            <a:tbl>
-              <a:tblPr/>
-              <a:tblGrid>
-                <a:gridCol w="1098049"/>
-                <a:gridCol w="1925810"/>
-                <a:gridCol w="1098049"/>
-                <a:gridCol w="1098049"/>
-                <a:gridCol w="1098049"/>
-                <a:gridCol w="1452805"/>
-              </a:tblGrid>
-              <a:tr h="218807">
-                <a:tc>
-                  <a:txBody>
-                    <a:bodyPr/>
-                    <a:lstStyle/>
-                    <a:p>
-                      <a:pPr algn="ctr" fontAlgn="ctr"/>
-                      <a:r>
-                        <a:rPr lang="en-US" sz="900" b="0" i="0" u="none" strike="noStrike">
-                          <a:solidFill>
-                            <a:srgbClr val="000000"/>
-                          </a:solidFill>
-                          <a:effectLst/>
-                          <a:latin typeface="Calibri"/>
-                        </a:rPr>
-                        <a:t>ID </a:t>
-                      </a:r>
-                    </a:p>
-                  </a:txBody>
-                  <a:tcPr marL="9223" marR="9223" marT="9223" marB="0" anchor="ctr">
-                    <a:lnL w="6350" cap="flat" cmpd="sng" algn="ctr">
-                      <a:solidFill>
-                        <a:srgbClr val="000000"/>
-                      </a:solidFill>
-                      <a:prstDash val="solid"/>
-                      <a:round/>
-                      <a:headEnd type="none" w="med" len="med"/>
-                      <a:tailEnd type="none" w="med" len="med"/>
-                    </a:lnL>
-                    <a:lnR w="6350" cap="flat" cmpd="sng" algn="ctr">
-                      <a:solidFill>
-                        <a:srgbClr val="000000"/>
-                      </a:solidFill>
-                      <a:prstDash val="solid"/>
-                      <a:round/>
-                      <a:headEnd type="none" w="med" len="med"/>
-                      <a:tailEnd type="none" w="med" len="med"/>
-                    </a:lnR>
-                    <a:lnT w="6350" cap="flat" cmpd="sng" algn="ctr">
-                      <a:solidFill>
-                        <a:srgbClr val="000000"/>
-                      </a:solidFill>
-                      <a:prstDash val="solid"/>
-                      <a:round/>
-                      <a:headEnd type="none" w="med" len="med"/>
-                      <a:tailEnd type="none" w="med" len="med"/>
-                    </a:lnT>
-                    <a:lnB w="6350" cap="flat" cmpd="sng" algn="ctr">
-                      <a:solidFill>
-                        <a:srgbClr val="000000"/>
-                      </a:solidFill>
-                      <a:prstDash val="solid"/>
-                      <a:round/>
-                      <a:headEnd type="none" w="med" len="med"/>
-                      <a:tailEnd type="none" w="med" len="med"/>
-                    </a:lnB>
-                    <a:solidFill>
-                      <a:srgbClr val="B8CCE4"/>
-                    </a:solidFill>
-                  </a:tcPr>
-                </a:tc>
-                <a:tc>
-                  <a:txBody>
-                    <a:bodyPr/>
-                    <a:lstStyle/>
-                    <a:p>
-                      <a:pPr algn="ctr" fontAlgn="ctr"/>
-                      <a:r>
-                        <a:rPr lang="en-US" sz="900" b="0" i="0" u="none" strike="noStrike">
-                          <a:solidFill>
-                            <a:srgbClr val="000000"/>
-                          </a:solidFill>
-                          <a:effectLst/>
-                          <a:latin typeface="Calibri"/>
-                        </a:rPr>
-                        <a:t>Task Name </a:t>
-                      </a:r>
-                    </a:p>
-                  </a:txBody>
-                  <a:tcPr marL="9223" marR="9223" marT="9223" marB="0" anchor="ctr">
-                    <a:lnL w="6350" cap="flat" cmpd="sng" algn="ctr">
-                      <a:solidFill>
-                        <a:srgbClr val="000000"/>
-                      </a:solidFill>
-                      <a:prstDash val="solid"/>
-                      <a:round/>
-                      <a:headEnd type="none" w="med" len="med"/>
-                      <a:tailEnd type="none" w="med" len="med"/>
-                    </a:lnL>
-                    <a:lnR w="6350" cap="flat" cmpd="sng" algn="ctr">
-                      <a:solidFill>
-                        <a:srgbClr val="000000"/>
-                      </a:solidFill>
-                      <a:prstDash val="solid"/>
-                      <a:round/>
-                      <a:headEnd type="none" w="med" len="med"/>
-                      <a:tailEnd type="none" w="med" len="med"/>
-                    </a:lnR>
-                    <a:lnT w="6350" cap="flat" cmpd="sng" algn="ctr">
-                      <a:solidFill>
-                        <a:srgbClr val="000000"/>
-                      </a:solidFill>
-                      <a:prstDash val="solid"/>
-                      <a:round/>
-                      <a:headEnd type="none" w="med" len="med"/>
-                      <a:tailEnd type="none" w="med" len="med"/>
-                    </a:lnT>
-                    <a:lnB w="6350" cap="flat" cmpd="sng" algn="ctr">
-                      <a:solidFill>
-                        <a:srgbClr val="000000"/>
-                      </a:solidFill>
-                      <a:prstDash val="solid"/>
-                      <a:round/>
-                      <a:headEnd type="none" w="med" len="med"/>
-                      <a:tailEnd type="none" w="med" len="med"/>
-                    </a:lnB>
-                    <a:solidFill>
-                      <a:srgbClr val="B8CCE4"/>
-                    </a:solidFill>
-                  </a:tcPr>
-                </a:tc>
-                <a:tc>
-                  <a:txBody>
-                    <a:bodyPr/>
-                    <a:lstStyle/>
-                    <a:p>
-                      <a:pPr algn="ctr" fontAlgn="ctr"/>
-                      <a:r>
-                        <a:rPr lang="en-US" sz="900" b="0" i="0" u="none" strike="noStrike" dirty="0">
-                          <a:solidFill>
-                            <a:srgbClr val="000000"/>
-                          </a:solidFill>
-                          <a:effectLst/>
-                          <a:latin typeface="Calibri"/>
-                        </a:rPr>
-                        <a:t>Start </a:t>
-                      </a:r>
-                    </a:p>
-                  </a:txBody>
-                  <a:tcPr marL="9223" marR="9223" marT="9223" marB="0" anchor="ctr">
-                    <a:lnL w="6350" cap="flat" cmpd="sng" algn="ctr">
-                      <a:solidFill>
-                        <a:srgbClr val="000000"/>
-                      </a:solidFill>
-                      <a:prstDash val="solid"/>
-                      <a:round/>
-                      <a:headEnd type="none" w="med" len="med"/>
-                      <a:tailEnd type="none" w="med" len="med"/>
-                    </a:lnL>
-                    <a:lnR w="6350" cap="flat" cmpd="sng" algn="ctr">
-                      <a:solidFill>
-                        <a:srgbClr val="000000"/>
-                      </a:solidFill>
-                      <a:prstDash val="solid"/>
-                      <a:round/>
-                      <a:headEnd type="none" w="med" len="med"/>
-                      <a:tailEnd type="none" w="med" len="med"/>
-                    </a:lnR>
-                    <a:lnT w="6350" cap="flat" cmpd="sng" algn="ctr">
-                      <a:solidFill>
-                        <a:srgbClr val="000000"/>
-                      </a:solidFill>
-                      <a:prstDash val="solid"/>
-                      <a:round/>
-                      <a:headEnd type="none" w="med" len="med"/>
-                      <a:tailEnd type="none" w="med" len="med"/>
-                    </a:lnT>
-                    <a:lnB w="6350" cap="flat" cmpd="sng" algn="ctr">
-                      <a:solidFill>
-                        <a:srgbClr val="000000"/>
-                      </a:solidFill>
-                      <a:prstDash val="solid"/>
-                      <a:round/>
-                      <a:headEnd type="none" w="med" len="med"/>
-                      <a:tailEnd type="none" w="med" len="med"/>
-                    </a:lnB>
-                    <a:solidFill>
-                      <a:srgbClr val="B8CCE4"/>
-                    </a:solidFill>
-                  </a:tcPr>
-                </a:tc>
-                <a:tc>
-                  <a:txBody>
-                    <a:bodyPr/>
-                    <a:lstStyle/>
-                    <a:p>
-                      <a:pPr algn="ctr" fontAlgn="ctr"/>
-                      <a:r>
-                        <a:rPr lang="en-US" sz="900" b="0" i="0" u="none" strike="noStrike">
-                          <a:solidFill>
-                            <a:srgbClr val="000000"/>
-                          </a:solidFill>
-                          <a:effectLst/>
-                          <a:latin typeface="Calibri"/>
-                        </a:rPr>
-                        <a:t>Finish </a:t>
-                      </a:r>
-                    </a:p>
-                  </a:txBody>
-                  <a:tcPr marL="9223" marR="9223" marT="9223" marB="0" anchor="ctr">
-                    <a:lnL w="6350" cap="flat" cmpd="sng" algn="ctr">
-                      <a:solidFill>
-                        <a:srgbClr val="000000"/>
-                      </a:solidFill>
-                      <a:prstDash val="solid"/>
-                      <a:round/>
-                      <a:headEnd type="none" w="med" len="med"/>
-                      <a:tailEnd type="none" w="med" len="med"/>
-                    </a:lnL>
-                    <a:lnR w="6350" cap="flat" cmpd="sng" algn="ctr">
-                      <a:solidFill>
-                        <a:srgbClr val="000000"/>
-                      </a:solidFill>
-                      <a:prstDash val="solid"/>
-                      <a:round/>
-                      <a:headEnd type="none" w="med" len="med"/>
-                      <a:tailEnd type="none" w="med" len="med"/>
-                    </a:lnR>
-                    <a:lnT w="6350" cap="flat" cmpd="sng" algn="ctr">
-                      <a:solidFill>
-                        <a:srgbClr val="000000"/>
-                      </a:solidFill>
-                      <a:prstDash val="solid"/>
-                      <a:round/>
-                      <a:headEnd type="none" w="med" len="med"/>
-                      <a:tailEnd type="none" w="med" len="med"/>
-                    </a:lnT>
-                    <a:lnB w="6350" cap="flat" cmpd="sng" algn="ctr">
-                      <a:solidFill>
-                        <a:srgbClr val="000000"/>
-                      </a:solidFill>
-                      <a:prstDash val="solid"/>
-                      <a:round/>
-                      <a:headEnd type="none" w="med" len="med"/>
-                      <a:tailEnd type="none" w="med" len="med"/>
-                    </a:lnB>
-                    <a:solidFill>
-                      <a:srgbClr val="B8CCE4"/>
-                    </a:solidFill>
-                  </a:tcPr>
-                </a:tc>
-                <a:tc>
-                  <a:txBody>
-                    <a:bodyPr/>
-                    <a:lstStyle/>
-                    <a:p>
-                      <a:pPr algn="ctr" fontAlgn="ctr"/>
-                      <a:r>
-                        <a:rPr lang="en-US" sz="900" b="0" i="0" u="none" strike="noStrike">
-                          <a:solidFill>
-                            <a:srgbClr val="000000"/>
-                          </a:solidFill>
-                          <a:effectLst/>
-                          <a:latin typeface="Calibri"/>
-                        </a:rPr>
-                        <a:t>Duration </a:t>
-                      </a:r>
-                    </a:p>
-                  </a:txBody>
-                  <a:tcPr marL="9223" marR="9223" marT="9223" marB="0" anchor="ctr">
-                    <a:lnL w="6350" cap="flat" cmpd="sng" algn="ctr">
-                      <a:solidFill>
-                        <a:srgbClr val="000000"/>
-                      </a:solidFill>
-                      <a:prstDash val="solid"/>
-                      <a:round/>
-                      <a:headEnd type="none" w="med" len="med"/>
-                      <a:tailEnd type="none" w="med" len="med"/>
-                    </a:lnL>
-                    <a:lnR w="6350" cap="flat" cmpd="sng" algn="ctr">
-                      <a:solidFill>
-                        <a:srgbClr val="000000"/>
-                      </a:solidFill>
-                      <a:prstDash val="solid"/>
-                      <a:round/>
-                      <a:headEnd type="none" w="med" len="med"/>
-                      <a:tailEnd type="none" w="med" len="med"/>
-                    </a:lnR>
-                    <a:lnT w="6350" cap="flat" cmpd="sng" algn="ctr">
-                      <a:solidFill>
-                        <a:srgbClr val="000000"/>
-                      </a:solidFill>
-                      <a:prstDash val="solid"/>
-                      <a:round/>
-                      <a:headEnd type="none" w="med" len="med"/>
-                      <a:tailEnd type="none" w="med" len="med"/>
-                    </a:lnT>
-                    <a:lnB w="6350" cap="flat" cmpd="sng" algn="ctr">
-                      <a:solidFill>
-                        <a:srgbClr val="000000"/>
-                      </a:solidFill>
-                      <a:prstDash val="solid"/>
-                      <a:round/>
-                      <a:headEnd type="none" w="med" len="med"/>
-                      <a:tailEnd type="none" w="med" len="med"/>
-                    </a:lnB>
-                    <a:solidFill>
-                      <a:srgbClr val="B8CCE4"/>
-                    </a:solidFill>
-                  </a:tcPr>
-                </a:tc>
-                <a:tc>
-                  <a:txBody>
-                    <a:bodyPr/>
-                    <a:lstStyle/>
-                    <a:p>
-                      <a:pPr algn="ctr" fontAlgn="ctr"/>
-                      <a:r>
-                        <a:rPr lang="en-US" sz="900" b="0" i="0" u="none" strike="noStrike">
-                          <a:solidFill>
-                            <a:srgbClr val="000000"/>
-                          </a:solidFill>
-                          <a:effectLst/>
-                          <a:latin typeface="Calibri"/>
-                        </a:rPr>
-                        <a:t>Assigned To</a:t>
-                      </a:r>
-                    </a:p>
-                  </a:txBody>
-                  <a:tcPr marL="9223" marR="9223" marT="9223" marB="0" anchor="ctr">
-                    <a:lnL w="6350" cap="flat" cmpd="sng" algn="ctr">
-                      <a:solidFill>
-                        <a:srgbClr val="000000"/>
-                      </a:solidFill>
-                      <a:prstDash val="solid"/>
-                      <a:round/>
-                      <a:headEnd type="none" w="med" len="med"/>
-                      <a:tailEnd type="none" w="med" len="med"/>
-                    </a:lnL>
-                    <a:lnR w="6350" cap="flat" cmpd="sng" algn="ctr">
-                      <a:solidFill>
-                        <a:srgbClr val="000000"/>
-                      </a:solidFill>
-                      <a:prstDash val="solid"/>
-                      <a:round/>
-                      <a:headEnd type="none" w="med" len="med"/>
-                      <a:tailEnd type="none" w="med" len="med"/>
-                    </a:lnR>
-                    <a:lnT w="6350" cap="flat" cmpd="sng" algn="ctr">
-                      <a:solidFill>
-                        <a:srgbClr val="000000"/>
-                      </a:solidFill>
-                      <a:prstDash val="solid"/>
-                      <a:round/>
-                      <a:headEnd type="none" w="med" len="med"/>
-                      <a:tailEnd type="none" w="med" len="med"/>
-                    </a:lnT>
-                    <a:lnB w="6350" cap="flat" cmpd="sng" algn="ctr">
-                      <a:solidFill>
-                        <a:srgbClr val="000000"/>
-                      </a:solidFill>
-                      <a:prstDash val="solid"/>
-                      <a:round/>
-                      <a:headEnd type="none" w="med" len="med"/>
-                      <a:tailEnd type="none" w="med" len="med"/>
-                    </a:lnB>
-                    <a:solidFill>
-                      <a:srgbClr val="B8CCE4"/>
-                    </a:solidFill>
-                  </a:tcPr>
-                </a:tc>
-              </a:tr>
-              <a:tr h="270904">
-                <a:tc>
-                  <a:txBody>
-                    <a:bodyPr/>
-                    <a:lstStyle/>
-                    <a:p>
-                      <a:pPr algn="ctr" fontAlgn="ctr"/>
-                      <a:r>
-                        <a:rPr lang="en-US" sz="900" b="0" i="0" u="none" strike="noStrike">
-                          <a:solidFill>
-                            <a:srgbClr val="000000"/>
-                          </a:solidFill>
-                          <a:effectLst/>
-                          <a:latin typeface="Calibri"/>
-                        </a:rPr>
-                        <a:t>1</a:t>
-                      </a:r>
-                    </a:p>
-                  </a:txBody>
-                  <a:tcPr marL="9223" marR="9223" marT="9223" marB="0" anchor="ctr">
-                    <a:lnL w="6350" cap="flat" cmpd="sng" algn="ctr">
-                      <a:solidFill>
-                        <a:srgbClr val="000000"/>
-                      </a:solidFill>
-                      <a:prstDash val="solid"/>
-                      <a:round/>
-                      <a:headEnd type="none" w="med" len="med"/>
-                      <a:tailEnd type="none" w="med" len="med"/>
-                    </a:lnL>
-                    <a:lnR w="6350" cap="flat" cmpd="sng" algn="ctr">
-                      <a:solidFill>
-                        <a:srgbClr val="000000"/>
-                      </a:solidFill>
-                      <a:prstDash val="solid"/>
-                      <a:round/>
-                      <a:headEnd type="none" w="med" len="med"/>
-                      <a:tailEnd type="none" w="med" len="med"/>
-                    </a:lnR>
-                    <a:lnT w="6350" cap="flat" cmpd="sng" algn="ctr">
-                      <a:solidFill>
-                        <a:srgbClr val="000000"/>
-                      </a:solidFill>
-                      <a:prstDash val="solid"/>
-                      <a:round/>
-                      <a:headEnd type="none" w="med" len="med"/>
-                      <a:tailEnd type="none" w="med" len="med"/>
-                    </a:lnT>
-                    <a:lnB w="6350" cap="flat" cmpd="sng" algn="ctr">
-                      <a:solidFill>
-                        <a:srgbClr val="000000"/>
-                      </a:solidFill>
-                      <a:prstDash val="solid"/>
-                      <a:round/>
-                      <a:headEnd type="none" w="med" len="med"/>
-                      <a:tailEnd type="none" w="med" len="med"/>
-                    </a:lnB>
-                    <a:solidFill>
-                      <a:srgbClr val="B8CCE4"/>
-                    </a:solidFill>
-                  </a:tcPr>
-                </a:tc>
-                <a:tc>
-                  <a:txBody>
-                    <a:bodyPr/>
-                    <a:lstStyle/>
-                    <a:p>
-                      <a:pPr algn="ctr" fontAlgn="ctr"/>
-                      <a:r>
-                        <a:rPr lang="en-US" sz="900" b="0" i="0" u="none" strike="noStrike">
-                          <a:solidFill>
-                            <a:srgbClr val="000000"/>
-                          </a:solidFill>
-                          <a:effectLst/>
-                          <a:latin typeface="Calibri"/>
-                        </a:rPr>
-                        <a:t>Assemble Node </a:t>
-                      </a:r>
-                    </a:p>
-                  </a:txBody>
-                  <a:tcPr marL="9223" marR="9223" marT="9223" marB="0" anchor="ctr">
-                    <a:lnL w="6350" cap="flat" cmpd="sng" algn="ctr">
-                      <a:solidFill>
-                        <a:srgbClr val="000000"/>
-                      </a:solidFill>
-                      <a:prstDash val="solid"/>
-                      <a:round/>
-                      <a:headEnd type="none" w="med" len="med"/>
-                      <a:tailEnd type="none" w="med" len="med"/>
-                    </a:lnL>
-                    <a:lnR w="6350" cap="flat" cmpd="sng" algn="ctr">
-                      <a:solidFill>
-                        <a:srgbClr val="000000"/>
-                      </a:solidFill>
-                      <a:prstDash val="solid"/>
-                      <a:round/>
-                      <a:headEnd type="none" w="med" len="med"/>
-                      <a:tailEnd type="none" w="med" len="med"/>
-                    </a:lnR>
-                    <a:lnT w="6350" cap="flat" cmpd="sng" algn="ctr">
-                      <a:solidFill>
-                        <a:srgbClr val="000000"/>
-                      </a:solidFill>
-                      <a:prstDash val="solid"/>
-                      <a:round/>
-                      <a:headEnd type="none" w="med" len="med"/>
-                      <a:tailEnd type="none" w="med" len="med"/>
-                    </a:lnT>
-                    <a:lnB w="6350" cap="flat" cmpd="sng" algn="ctr">
-                      <a:solidFill>
-                        <a:srgbClr val="000000"/>
-                      </a:solidFill>
-                      <a:prstDash val="solid"/>
-                      <a:round/>
-                      <a:headEnd type="none" w="med" len="med"/>
-                      <a:tailEnd type="none" w="med" len="med"/>
-                    </a:lnB>
-                    <a:solidFill>
-                      <a:srgbClr val="B8CCE4"/>
-                    </a:solidFill>
-                  </a:tcPr>
-                </a:tc>
-                <a:tc>
-                  <a:txBody>
-                    <a:bodyPr/>
-                    <a:lstStyle/>
-                    <a:p>
-                      <a:pPr algn="ctr" fontAlgn="ctr"/>
-                      <a:r>
-                        <a:rPr lang="en-US" sz="900" b="0" i="0" u="none" strike="noStrike">
-                          <a:solidFill>
-                            <a:srgbClr val="000000"/>
-                          </a:solidFill>
-                          <a:effectLst/>
-                          <a:latin typeface="Calibri"/>
-                        </a:rPr>
-                        <a:t>9/11/15</a:t>
-                      </a:r>
-                    </a:p>
-                  </a:txBody>
-                  <a:tcPr marL="9223" marR="9223" marT="9223" marB="0" anchor="ctr">
-                    <a:lnL w="6350" cap="flat" cmpd="sng" algn="ctr">
-                      <a:solidFill>
-                        <a:srgbClr val="000000"/>
-                      </a:solidFill>
-                      <a:prstDash val="solid"/>
-                      <a:round/>
-                      <a:headEnd type="none" w="med" len="med"/>
-                      <a:tailEnd type="none" w="med" len="med"/>
-                    </a:lnL>
-                    <a:lnR w="6350" cap="flat" cmpd="sng" algn="ctr">
-                      <a:solidFill>
-                        <a:srgbClr val="000000"/>
-                      </a:solidFill>
-                      <a:prstDash val="solid"/>
-                      <a:round/>
-                      <a:headEnd type="none" w="med" len="med"/>
-                      <a:tailEnd type="none" w="med" len="med"/>
-                    </a:lnR>
-                    <a:lnT w="6350" cap="flat" cmpd="sng" algn="ctr">
-                      <a:solidFill>
-                        <a:srgbClr val="000000"/>
-                      </a:solidFill>
-                      <a:prstDash val="solid"/>
-                      <a:round/>
-                      <a:headEnd type="none" w="med" len="med"/>
-                      <a:tailEnd type="none" w="med" len="med"/>
-                    </a:lnT>
-                    <a:lnB w="6350" cap="flat" cmpd="sng" algn="ctr">
-                      <a:solidFill>
-                        <a:srgbClr val="000000"/>
-                      </a:solidFill>
-                      <a:prstDash val="solid"/>
-                      <a:round/>
-                      <a:headEnd type="none" w="med" len="med"/>
-                      <a:tailEnd type="none" w="med" len="med"/>
-                    </a:lnB>
-                    <a:solidFill>
-                      <a:srgbClr val="B8CCE4"/>
-                    </a:solidFill>
-                  </a:tcPr>
-                </a:tc>
-                <a:tc>
-                  <a:txBody>
-                    <a:bodyPr/>
-                    <a:lstStyle/>
-                    <a:p>
-                      <a:pPr algn="ctr" fontAlgn="ctr"/>
-                      <a:r>
-                        <a:rPr lang="en-US" sz="900" b="0" i="0" u="none" strike="noStrike">
-                          <a:solidFill>
-                            <a:srgbClr val="000000"/>
-                          </a:solidFill>
-                          <a:effectLst/>
-                          <a:latin typeface="Calibri"/>
-                        </a:rPr>
-                        <a:t>9/12/15</a:t>
-                      </a:r>
-                    </a:p>
-                  </a:txBody>
-                  <a:tcPr marL="9223" marR="9223" marT="9223" marB="0" anchor="ctr">
-                    <a:lnL w="6350" cap="flat" cmpd="sng" algn="ctr">
-                      <a:solidFill>
-                        <a:srgbClr val="000000"/>
-                      </a:solidFill>
-                      <a:prstDash val="solid"/>
-                      <a:round/>
-                      <a:headEnd type="none" w="med" len="med"/>
-                      <a:tailEnd type="none" w="med" len="med"/>
-                    </a:lnL>
-                    <a:lnR w="6350" cap="flat" cmpd="sng" algn="ctr">
-                      <a:solidFill>
-                        <a:srgbClr val="000000"/>
-                      </a:solidFill>
-                      <a:prstDash val="solid"/>
-                      <a:round/>
-                      <a:headEnd type="none" w="med" len="med"/>
-                      <a:tailEnd type="none" w="med" len="med"/>
-                    </a:lnR>
-                    <a:lnT w="6350" cap="flat" cmpd="sng" algn="ctr">
-                      <a:solidFill>
-                        <a:srgbClr val="000000"/>
-                      </a:solidFill>
-                      <a:prstDash val="solid"/>
-                      <a:round/>
-                      <a:headEnd type="none" w="med" len="med"/>
-                      <a:tailEnd type="none" w="med" len="med"/>
-                    </a:lnT>
-                    <a:lnB w="6350" cap="flat" cmpd="sng" algn="ctr">
-                      <a:solidFill>
-                        <a:srgbClr val="000000"/>
-                      </a:solidFill>
-                      <a:prstDash val="solid"/>
-                      <a:round/>
-                      <a:headEnd type="none" w="med" len="med"/>
-                      <a:tailEnd type="none" w="med" len="med"/>
-                    </a:lnB>
-                    <a:solidFill>
-                      <a:srgbClr val="B8CCE4"/>
-                    </a:solidFill>
-                  </a:tcPr>
-                </a:tc>
-                <a:tc>
-                  <a:txBody>
-                    <a:bodyPr/>
-                    <a:lstStyle/>
-                    <a:p>
-                      <a:pPr algn="ctr" fontAlgn="ctr"/>
-                      <a:r>
-                        <a:rPr lang="en-US" sz="900" b="0" i="0" u="none" strike="noStrike">
-                          <a:solidFill>
-                            <a:srgbClr val="000000"/>
-                          </a:solidFill>
-                          <a:effectLst/>
-                          <a:latin typeface="Calibri"/>
-                        </a:rPr>
-                        <a:t>2d </a:t>
-                      </a:r>
-                    </a:p>
-                  </a:txBody>
-                  <a:tcPr marL="9223" marR="9223" marT="9223" marB="0" anchor="ctr">
-                    <a:lnL w="6350" cap="flat" cmpd="sng" algn="ctr">
-                      <a:solidFill>
-                        <a:srgbClr val="000000"/>
-                      </a:solidFill>
-                      <a:prstDash val="solid"/>
-                      <a:round/>
-                      <a:headEnd type="none" w="med" len="med"/>
-                      <a:tailEnd type="none" w="med" len="med"/>
-                    </a:lnL>
-                    <a:lnR w="6350" cap="flat" cmpd="sng" algn="ctr">
-                      <a:solidFill>
-                        <a:srgbClr val="000000"/>
-                      </a:solidFill>
-                      <a:prstDash val="solid"/>
-                      <a:round/>
-                      <a:headEnd type="none" w="med" len="med"/>
-                      <a:tailEnd type="none" w="med" len="med"/>
-                    </a:lnR>
-                    <a:lnT w="6350" cap="flat" cmpd="sng" algn="ctr">
-                      <a:solidFill>
-                        <a:srgbClr val="000000"/>
-                      </a:solidFill>
-                      <a:prstDash val="solid"/>
-                      <a:round/>
-                      <a:headEnd type="none" w="med" len="med"/>
-                      <a:tailEnd type="none" w="med" len="med"/>
-                    </a:lnT>
-                    <a:lnB w="6350" cap="flat" cmpd="sng" algn="ctr">
-                      <a:solidFill>
-                        <a:srgbClr val="000000"/>
-                      </a:solidFill>
-                      <a:prstDash val="solid"/>
-                      <a:round/>
-                      <a:headEnd type="none" w="med" len="med"/>
-                      <a:tailEnd type="none" w="med" len="med"/>
-                    </a:lnB>
-                    <a:solidFill>
-                      <a:srgbClr val="B8CCE4"/>
-                    </a:solidFill>
-                  </a:tcPr>
-                </a:tc>
-                <a:tc>
-                  <a:txBody>
-                    <a:bodyPr/>
-                    <a:lstStyle/>
-                    <a:p>
-                      <a:pPr algn="ctr" fontAlgn="ctr"/>
-                      <a:r>
-                        <a:rPr lang="en-US" sz="900" b="0" i="0" u="none" strike="noStrike">
-                          <a:solidFill>
-                            <a:srgbClr val="000000"/>
-                          </a:solidFill>
-                          <a:effectLst/>
-                          <a:latin typeface="Calibri"/>
-                        </a:rPr>
-                        <a:t>Chris</a:t>
-                      </a:r>
-                    </a:p>
-                  </a:txBody>
-                  <a:tcPr marL="9223" marR="9223" marT="9223" marB="0" anchor="ctr">
-                    <a:lnL w="6350" cap="flat" cmpd="sng" algn="ctr">
-                      <a:solidFill>
-                        <a:srgbClr val="000000"/>
-                      </a:solidFill>
-                      <a:prstDash val="solid"/>
-                      <a:round/>
-                      <a:headEnd type="none" w="med" len="med"/>
-                      <a:tailEnd type="none" w="med" len="med"/>
-                    </a:lnL>
-                    <a:lnR w="6350" cap="flat" cmpd="sng" algn="ctr">
-                      <a:solidFill>
-                        <a:srgbClr val="000000"/>
-                      </a:solidFill>
-                      <a:prstDash val="solid"/>
-                      <a:round/>
-                      <a:headEnd type="none" w="med" len="med"/>
-                      <a:tailEnd type="none" w="med" len="med"/>
-                    </a:lnR>
-                    <a:lnT w="6350" cap="flat" cmpd="sng" algn="ctr">
-                      <a:solidFill>
-                        <a:srgbClr val="000000"/>
-                      </a:solidFill>
-                      <a:prstDash val="solid"/>
-                      <a:round/>
-                      <a:headEnd type="none" w="med" len="med"/>
-                      <a:tailEnd type="none" w="med" len="med"/>
-                    </a:lnT>
-                    <a:lnB w="6350" cap="flat" cmpd="sng" algn="ctr">
-                      <a:solidFill>
-                        <a:srgbClr val="000000"/>
-                      </a:solidFill>
-                      <a:prstDash val="solid"/>
-                      <a:round/>
-                      <a:headEnd type="none" w="med" len="med"/>
-                      <a:tailEnd type="none" w="med" len="med"/>
-                    </a:lnB>
-                    <a:solidFill>
-                      <a:srgbClr val="B8CCE4"/>
-                    </a:solidFill>
-                  </a:tcPr>
-                </a:tc>
-              </a:tr>
-              <a:tr h="270904">
-                <a:tc>
-                  <a:txBody>
-                    <a:bodyPr/>
-                    <a:lstStyle/>
-                    <a:p>
-                      <a:pPr algn="ctr" fontAlgn="ctr"/>
-                      <a:r>
-                        <a:rPr lang="en-US" sz="900" b="0" i="0" u="none" strike="noStrike">
-                          <a:solidFill>
-                            <a:srgbClr val="000000"/>
-                          </a:solidFill>
-                          <a:effectLst/>
-                          <a:latin typeface="Calibri"/>
-                        </a:rPr>
-                        <a:t>2</a:t>
-                      </a:r>
-                    </a:p>
-                  </a:txBody>
-                  <a:tcPr marL="9223" marR="9223" marT="9223" marB="0" anchor="ctr">
-                    <a:lnL w="6350" cap="flat" cmpd="sng" algn="ctr">
-                      <a:solidFill>
-                        <a:srgbClr val="000000"/>
-                      </a:solidFill>
-                      <a:prstDash val="solid"/>
-                      <a:round/>
-                      <a:headEnd type="none" w="med" len="med"/>
-                      <a:tailEnd type="none" w="med" len="med"/>
-                    </a:lnL>
-                    <a:lnR w="6350" cap="flat" cmpd="sng" algn="ctr">
-                      <a:solidFill>
-                        <a:srgbClr val="000000"/>
-                      </a:solidFill>
-                      <a:prstDash val="solid"/>
-                      <a:round/>
-                      <a:headEnd type="none" w="med" len="med"/>
-                      <a:tailEnd type="none" w="med" len="med"/>
-                    </a:lnR>
-                    <a:lnT w="6350" cap="flat" cmpd="sng" algn="ctr">
-                      <a:solidFill>
-                        <a:srgbClr val="000000"/>
-                      </a:solidFill>
-                      <a:prstDash val="solid"/>
-                      <a:round/>
-                      <a:headEnd type="none" w="med" len="med"/>
-                      <a:tailEnd type="none" w="med" len="med"/>
-                    </a:lnT>
-                    <a:lnB w="6350" cap="flat" cmpd="sng" algn="ctr">
-                      <a:solidFill>
-                        <a:srgbClr val="000000"/>
-                      </a:solidFill>
-                      <a:prstDash val="solid"/>
-                      <a:round/>
-                      <a:headEnd type="none" w="med" len="med"/>
-                      <a:tailEnd type="none" w="med" len="med"/>
-                    </a:lnB>
-                    <a:solidFill>
-                      <a:srgbClr val="B8CCE4"/>
-                    </a:solidFill>
-                  </a:tcPr>
-                </a:tc>
-                <a:tc>
-                  <a:txBody>
-                    <a:bodyPr/>
-                    <a:lstStyle/>
-                    <a:p>
-                      <a:pPr algn="ctr" fontAlgn="ctr"/>
-                      <a:r>
-                        <a:rPr lang="en-US" sz="900" b="0" i="0" u="none" strike="noStrike">
-                          <a:solidFill>
-                            <a:srgbClr val="000000"/>
-                          </a:solidFill>
-                          <a:effectLst/>
-                          <a:latin typeface="Calibri"/>
-                        </a:rPr>
-                        <a:t>Setup Raspberry Pi </a:t>
-                      </a:r>
-                    </a:p>
-                  </a:txBody>
-                  <a:tcPr marL="9223" marR="9223" marT="9223" marB="0" anchor="ctr">
-                    <a:lnL w="6350" cap="flat" cmpd="sng" algn="ctr">
-                      <a:solidFill>
-                        <a:srgbClr val="000000"/>
-                      </a:solidFill>
-                      <a:prstDash val="solid"/>
-                      <a:round/>
-                      <a:headEnd type="none" w="med" len="med"/>
-                      <a:tailEnd type="none" w="med" len="med"/>
-                    </a:lnL>
-                    <a:lnR w="6350" cap="flat" cmpd="sng" algn="ctr">
-                      <a:solidFill>
-                        <a:srgbClr val="000000"/>
-                      </a:solidFill>
-                      <a:prstDash val="solid"/>
-                      <a:round/>
-                      <a:headEnd type="none" w="med" len="med"/>
-                      <a:tailEnd type="none" w="med" len="med"/>
-                    </a:lnR>
-                    <a:lnT w="6350" cap="flat" cmpd="sng" algn="ctr">
-                      <a:solidFill>
-                        <a:srgbClr val="000000"/>
-                      </a:solidFill>
-                      <a:prstDash val="solid"/>
-                      <a:round/>
-                      <a:headEnd type="none" w="med" len="med"/>
-                      <a:tailEnd type="none" w="med" len="med"/>
-                    </a:lnT>
-                    <a:lnB w="6350" cap="flat" cmpd="sng" algn="ctr">
-                      <a:solidFill>
-                        <a:srgbClr val="000000"/>
-                      </a:solidFill>
-                      <a:prstDash val="solid"/>
-                      <a:round/>
-                      <a:headEnd type="none" w="med" len="med"/>
-                      <a:tailEnd type="none" w="med" len="med"/>
-                    </a:lnB>
-                    <a:solidFill>
-                      <a:srgbClr val="B8CCE4"/>
-                    </a:solidFill>
-                  </a:tcPr>
-                </a:tc>
-                <a:tc>
-                  <a:txBody>
-                    <a:bodyPr/>
-                    <a:lstStyle/>
-                    <a:p>
-                      <a:pPr algn="ctr" fontAlgn="ctr"/>
-                      <a:r>
-                        <a:rPr lang="en-US" sz="900" b="0" i="0" u="none" strike="noStrike">
-                          <a:solidFill>
-                            <a:srgbClr val="000000"/>
-                          </a:solidFill>
-                          <a:effectLst/>
-                          <a:latin typeface="Calibri"/>
-                        </a:rPr>
-                        <a:t>9/11/15</a:t>
-                      </a:r>
-                    </a:p>
-                  </a:txBody>
-                  <a:tcPr marL="9223" marR="9223" marT="9223" marB="0" anchor="ctr">
-                    <a:lnL w="6350" cap="flat" cmpd="sng" algn="ctr">
-                      <a:solidFill>
-                        <a:srgbClr val="000000"/>
-                      </a:solidFill>
-                      <a:prstDash val="solid"/>
-                      <a:round/>
-                      <a:headEnd type="none" w="med" len="med"/>
-                      <a:tailEnd type="none" w="med" len="med"/>
-                    </a:lnL>
-                    <a:lnR w="6350" cap="flat" cmpd="sng" algn="ctr">
-                      <a:solidFill>
-                        <a:srgbClr val="000000"/>
-                      </a:solidFill>
-                      <a:prstDash val="solid"/>
-                      <a:round/>
-                      <a:headEnd type="none" w="med" len="med"/>
-                      <a:tailEnd type="none" w="med" len="med"/>
-                    </a:lnR>
-                    <a:lnT w="6350" cap="flat" cmpd="sng" algn="ctr">
-                      <a:solidFill>
-                        <a:srgbClr val="000000"/>
-                      </a:solidFill>
-                      <a:prstDash val="solid"/>
-                      <a:round/>
-                      <a:headEnd type="none" w="med" len="med"/>
-                      <a:tailEnd type="none" w="med" len="med"/>
-                    </a:lnT>
-                    <a:lnB w="6350" cap="flat" cmpd="sng" algn="ctr">
-                      <a:solidFill>
-                        <a:srgbClr val="000000"/>
-                      </a:solidFill>
-                      <a:prstDash val="solid"/>
-                      <a:round/>
-                      <a:headEnd type="none" w="med" len="med"/>
-                      <a:tailEnd type="none" w="med" len="med"/>
-                    </a:lnB>
-                    <a:solidFill>
-                      <a:srgbClr val="B8CCE4"/>
-                    </a:solidFill>
-                  </a:tcPr>
-                </a:tc>
-                <a:tc>
-                  <a:txBody>
-                    <a:bodyPr/>
-                    <a:lstStyle/>
-                    <a:p>
-                      <a:pPr algn="ctr" fontAlgn="ctr"/>
-                      <a:r>
-                        <a:rPr lang="en-US" sz="900" b="0" i="0" u="none" strike="noStrike">
-                          <a:solidFill>
-                            <a:srgbClr val="000000"/>
-                          </a:solidFill>
-                          <a:effectLst/>
-                          <a:latin typeface="Calibri"/>
-                        </a:rPr>
-                        <a:t>9/11/15</a:t>
-                      </a:r>
-                    </a:p>
-                  </a:txBody>
-                  <a:tcPr marL="9223" marR="9223" marT="9223" marB="0" anchor="ctr">
-                    <a:lnL w="6350" cap="flat" cmpd="sng" algn="ctr">
-                      <a:solidFill>
-                        <a:srgbClr val="000000"/>
-                      </a:solidFill>
-                      <a:prstDash val="solid"/>
-                      <a:round/>
-                      <a:headEnd type="none" w="med" len="med"/>
-                      <a:tailEnd type="none" w="med" len="med"/>
-                    </a:lnL>
-                    <a:lnR w="6350" cap="flat" cmpd="sng" algn="ctr">
-                      <a:solidFill>
-                        <a:srgbClr val="000000"/>
-                      </a:solidFill>
-                      <a:prstDash val="solid"/>
-                      <a:round/>
-                      <a:headEnd type="none" w="med" len="med"/>
-                      <a:tailEnd type="none" w="med" len="med"/>
-                    </a:lnR>
-                    <a:lnT w="6350" cap="flat" cmpd="sng" algn="ctr">
-                      <a:solidFill>
-                        <a:srgbClr val="000000"/>
-                      </a:solidFill>
-                      <a:prstDash val="solid"/>
-                      <a:round/>
-                      <a:headEnd type="none" w="med" len="med"/>
-                      <a:tailEnd type="none" w="med" len="med"/>
-                    </a:lnT>
-                    <a:lnB w="6350" cap="flat" cmpd="sng" algn="ctr">
-                      <a:solidFill>
-                        <a:srgbClr val="000000"/>
-                      </a:solidFill>
-                      <a:prstDash val="solid"/>
-                      <a:round/>
-                      <a:headEnd type="none" w="med" len="med"/>
-                      <a:tailEnd type="none" w="med" len="med"/>
-                    </a:lnB>
-                    <a:solidFill>
-                      <a:srgbClr val="B8CCE4"/>
-                    </a:solidFill>
-                  </a:tcPr>
-                </a:tc>
-                <a:tc>
-                  <a:txBody>
-                    <a:bodyPr/>
-                    <a:lstStyle/>
-                    <a:p>
-                      <a:pPr algn="ctr" fontAlgn="ctr"/>
-                      <a:r>
-                        <a:rPr lang="en-US" sz="900" b="0" i="0" u="none" strike="noStrike">
-                          <a:solidFill>
-                            <a:srgbClr val="000000"/>
-                          </a:solidFill>
-                          <a:effectLst/>
-                          <a:latin typeface="Calibri"/>
-                        </a:rPr>
-                        <a:t>1d </a:t>
-                      </a:r>
-                    </a:p>
-                  </a:txBody>
-                  <a:tcPr marL="9223" marR="9223" marT="9223" marB="0" anchor="ctr">
-                    <a:lnL w="6350" cap="flat" cmpd="sng" algn="ctr">
-                      <a:solidFill>
-                        <a:srgbClr val="000000"/>
-                      </a:solidFill>
-                      <a:prstDash val="solid"/>
-                      <a:round/>
-                      <a:headEnd type="none" w="med" len="med"/>
-                      <a:tailEnd type="none" w="med" len="med"/>
-                    </a:lnL>
-                    <a:lnR w="6350" cap="flat" cmpd="sng" algn="ctr">
-                      <a:solidFill>
-                        <a:srgbClr val="000000"/>
-                      </a:solidFill>
-                      <a:prstDash val="solid"/>
-                      <a:round/>
-                      <a:headEnd type="none" w="med" len="med"/>
-                      <a:tailEnd type="none" w="med" len="med"/>
-                    </a:lnR>
-                    <a:lnT w="6350" cap="flat" cmpd="sng" algn="ctr">
-                      <a:solidFill>
-                        <a:srgbClr val="000000"/>
-                      </a:solidFill>
-                      <a:prstDash val="solid"/>
-                      <a:round/>
-                      <a:headEnd type="none" w="med" len="med"/>
-                      <a:tailEnd type="none" w="med" len="med"/>
-                    </a:lnT>
-                    <a:lnB w="6350" cap="flat" cmpd="sng" algn="ctr">
-                      <a:solidFill>
-                        <a:srgbClr val="000000"/>
-                      </a:solidFill>
-                      <a:prstDash val="solid"/>
-                      <a:round/>
-                      <a:headEnd type="none" w="med" len="med"/>
-                      <a:tailEnd type="none" w="med" len="med"/>
-                    </a:lnB>
-                    <a:solidFill>
-                      <a:srgbClr val="B8CCE4"/>
-                    </a:solidFill>
-                  </a:tcPr>
-                </a:tc>
-                <a:tc>
-                  <a:txBody>
-                    <a:bodyPr/>
-                    <a:lstStyle/>
-                    <a:p>
-                      <a:pPr algn="ctr" fontAlgn="ctr"/>
-                      <a:r>
-                        <a:rPr lang="en-US" sz="900" b="0" i="0" u="none" strike="noStrike">
-                          <a:solidFill>
-                            <a:srgbClr val="000000"/>
-                          </a:solidFill>
-                          <a:effectLst/>
-                          <a:latin typeface="Calibri"/>
-                        </a:rPr>
-                        <a:t>Joe</a:t>
-                      </a:r>
-                    </a:p>
-                  </a:txBody>
-                  <a:tcPr marL="9223" marR="9223" marT="9223" marB="0" anchor="ctr">
-                    <a:lnL w="6350" cap="flat" cmpd="sng" algn="ctr">
-                      <a:solidFill>
-                        <a:srgbClr val="000000"/>
-                      </a:solidFill>
-                      <a:prstDash val="solid"/>
-                      <a:round/>
-                      <a:headEnd type="none" w="med" len="med"/>
-                      <a:tailEnd type="none" w="med" len="med"/>
-                    </a:lnL>
-                    <a:lnR w="6350" cap="flat" cmpd="sng" algn="ctr">
-                      <a:solidFill>
-                        <a:srgbClr val="000000"/>
-                      </a:solidFill>
-                      <a:prstDash val="solid"/>
-                      <a:round/>
-                      <a:headEnd type="none" w="med" len="med"/>
-                      <a:tailEnd type="none" w="med" len="med"/>
-                    </a:lnR>
-                    <a:lnT w="6350" cap="flat" cmpd="sng" algn="ctr">
-                      <a:solidFill>
-                        <a:srgbClr val="000000"/>
-                      </a:solidFill>
-                      <a:prstDash val="solid"/>
-                      <a:round/>
-                      <a:headEnd type="none" w="med" len="med"/>
-                      <a:tailEnd type="none" w="med" len="med"/>
-                    </a:lnT>
-                    <a:lnB w="6350" cap="flat" cmpd="sng" algn="ctr">
-                      <a:solidFill>
-                        <a:srgbClr val="000000"/>
-                      </a:solidFill>
-                      <a:prstDash val="solid"/>
-                      <a:round/>
-                      <a:headEnd type="none" w="med" len="med"/>
-                      <a:tailEnd type="none" w="med" len="med"/>
-                    </a:lnB>
-                    <a:solidFill>
-                      <a:srgbClr val="B8CCE4"/>
-                    </a:solidFill>
-                  </a:tcPr>
-                </a:tc>
-              </a:tr>
-              <a:tr h="270904">
-                <a:tc>
-                  <a:txBody>
-                    <a:bodyPr/>
-                    <a:lstStyle/>
-                    <a:p>
-                      <a:pPr algn="ctr" fontAlgn="ctr"/>
-                      <a:r>
-                        <a:rPr lang="en-US" sz="900" b="0" i="0" u="none" strike="noStrike">
-                          <a:solidFill>
-                            <a:srgbClr val="000000"/>
-                          </a:solidFill>
-                          <a:effectLst/>
-                          <a:latin typeface="Calibri"/>
-                        </a:rPr>
-                        <a:t>3</a:t>
-                      </a:r>
-                    </a:p>
-                  </a:txBody>
-                  <a:tcPr marL="9223" marR="9223" marT="9223" marB="0" anchor="ctr">
-                    <a:lnL w="6350" cap="flat" cmpd="sng" algn="ctr">
-                      <a:solidFill>
-                        <a:srgbClr val="000000"/>
-                      </a:solidFill>
-                      <a:prstDash val="solid"/>
-                      <a:round/>
-                      <a:headEnd type="none" w="med" len="med"/>
-                      <a:tailEnd type="none" w="med" len="med"/>
-                    </a:lnL>
-                    <a:lnR w="6350" cap="flat" cmpd="sng" algn="ctr">
-                      <a:solidFill>
-                        <a:srgbClr val="000000"/>
-                      </a:solidFill>
-                      <a:prstDash val="solid"/>
-                      <a:round/>
-                      <a:headEnd type="none" w="med" len="med"/>
-                      <a:tailEnd type="none" w="med" len="med"/>
-                    </a:lnR>
-                    <a:lnT w="6350" cap="flat" cmpd="sng" algn="ctr">
-                      <a:solidFill>
-                        <a:srgbClr val="000000"/>
-                      </a:solidFill>
-                      <a:prstDash val="solid"/>
-                      <a:round/>
-                      <a:headEnd type="none" w="med" len="med"/>
-                      <a:tailEnd type="none" w="med" len="med"/>
-                    </a:lnT>
-                    <a:lnB w="6350" cap="flat" cmpd="sng" algn="ctr">
-                      <a:solidFill>
-                        <a:srgbClr val="000000"/>
-                      </a:solidFill>
-                      <a:prstDash val="solid"/>
-                      <a:round/>
-                      <a:headEnd type="none" w="med" len="med"/>
-                      <a:tailEnd type="none" w="med" len="med"/>
-                    </a:lnB>
-                    <a:solidFill>
-                      <a:srgbClr val="B8CCE4"/>
-                    </a:solidFill>
-                  </a:tcPr>
-                </a:tc>
-                <a:tc>
-                  <a:txBody>
-                    <a:bodyPr/>
-                    <a:lstStyle/>
-                    <a:p>
-                      <a:pPr algn="ctr" fontAlgn="ctr"/>
-                      <a:r>
-                        <a:rPr lang="en-US" sz="900" b="0" i="0" u="none" strike="noStrike">
-                          <a:solidFill>
-                            <a:srgbClr val="000000"/>
-                          </a:solidFill>
-                          <a:effectLst/>
-                          <a:latin typeface="Calibri"/>
-                        </a:rPr>
-                        <a:t>Create Web Server </a:t>
-                      </a:r>
-                    </a:p>
-                  </a:txBody>
-                  <a:tcPr marL="9223" marR="9223" marT="9223" marB="0" anchor="ctr">
-                    <a:lnL w="6350" cap="flat" cmpd="sng" algn="ctr">
-                      <a:solidFill>
-                        <a:srgbClr val="000000"/>
-                      </a:solidFill>
-                      <a:prstDash val="solid"/>
-                      <a:round/>
-                      <a:headEnd type="none" w="med" len="med"/>
-                      <a:tailEnd type="none" w="med" len="med"/>
-                    </a:lnL>
-                    <a:lnR w="6350" cap="flat" cmpd="sng" algn="ctr">
-                      <a:solidFill>
-                        <a:srgbClr val="000000"/>
-                      </a:solidFill>
-                      <a:prstDash val="solid"/>
-                      <a:round/>
-                      <a:headEnd type="none" w="med" len="med"/>
-                      <a:tailEnd type="none" w="med" len="med"/>
-                    </a:lnR>
-                    <a:lnT w="6350" cap="flat" cmpd="sng" algn="ctr">
-                      <a:solidFill>
-                        <a:srgbClr val="000000"/>
-                      </a:solidFill>
-                      <a:prstDash val="solid"/>
-                      <a:round/>
-                      <a:headEnd type="none" w="med" len="med"/>
-                      <a:tailEnd type="none" w="med" len="med"/>
-                    </a:lnT>
-                    <a:lnB w="6350" cap="flat" cmpd="sng" algn="ctr">
-                      <a:solidFill>
-                        <a:srgbClr val="000000"/>
-                      </a:solidFill>
-                      <a:prstDash val="solid"/>
-                      <a:round/>
-                      <a:headEnd type="none" w="med" len="med"/>
-                      <a:tailEnd type="none" w="med" len="med"/>
-                    </a:lnB>
-                    <a:solidFill>
-                      <a:srgbClr val="B8CCE4"/>
-                    </a:solidFill>
-                  </a:tcPr>
-                </a:tc>
-                <a:tc>
-                  <a:txBody>
-                    <a:bodyPr/>
-                    <a:lstStyle/>
-                    <a:p>
-                      <a:pPr algn="ctr" fontAlgn="ctr"/>
-                      <a:r>
-                        <a:rPr lang="en-US" sz="900" b="0" i="0" u="none" strike="noStrike">
-                          <a:solidFill>
-                            <a:srgbClr val="000000"/>
-                          </a:solidFill>
-                          <a:effectLst/>
-                          <a:latin typeface="Calibri"/>
-                        </a:rPr>
-                        <a:t>9/12/15</a:t>
-                      </a:r>
-                    </a:p>
-                  </a:txBody>
-                  <a:tcPr marL="9223" marR="9223" marT="9223" marB="0" anchor="ctr">
-                    <a:lnL w="6350" cap="flat" cmpd="sng" algn="ctr">
-                      <a:solidFill>
-                        <a:srgbClr val="000000"/>
-                      </a:solidFill>
-                      <a:prstDash val="solid"/>
-                      <a:round/>
-                      <a:headEnd type="none" w="med" len="med"/>
-                      <a:tailEnd type="none" w="med" len="med"/>
-                    </a:lnL>
-                    <a:lnR w="6350" cap="flat" cmpd="sng" algn="ctr">
-                      <a:solidFill>
-                        <a:srgbClr val="000000"/>
-                      </a:solidFill>
-                      <a:prstDash val="solid"/>
-                      <a:round/>
-                      <a:headEnd type="none" w="med" len="med"/>
-                      <a:tailEnd type="none" w="med" len="med"/>
-                    </a:lnR>
-                    <a:lnT w="6350" cap="flat" cmpd="sng" algn="ctr">
-                      <a:solidFill>
-                        <a:srgbClr val="000000"/>
-                      </a:solidFill>
-                      <a:prstDash val="solid"/>
-                      <a:round/>
-                      <a:headEnd type="none" w="med" len="med"/>
-                      <a:tailEnd type="none" w="med" len="med"/>
-                    </a:lnT>
-                    <a:lnB w="6350" cap="flat" cmpd="sng" algn="ctr">
-                      <a:solidFill>
-                        <a:srgbClr val="000000"/>
-                      </a:solidFill>
-                      <a:prstDash val="solid"/>
-                      <a:round/>
-                      <a:headEnd type="none" w="med" len="med"/>
-                      <a:tailEnd type="none" w="med" len="med"/>
-                    </a:lnB>
-                    <a:solidFill>
-                      <a:srgbClr val="B8CCE4"/>
-                    </a:solidFill>
-                  </a:tcPr>
-                </a:tc>
-                <a:tc>
-                  <a:txBody>
-                    <a:bodyPr/>
-                    <a:lstStyle/>
-                    <a:p>
-                      <a:pPr algn="ctr" fontAlgn="ctr"/>
-                      <a:r>
-                        <a:rPr lang="en-US" sz="900" b="0" i="0" u="none" strike="noStrike">
-                          <a:solidFill>
-                            <a:srgbClr val="000000"/>
-                          </a:solidFill>
-                          <a:effectLst/>
-                          <a:latin typeface="Calibri"/>
-                        </a:rPr>
-                        <a:t>9/13/15</a:t>
-                      </a:r>
-                    </a:p>
-                  </a:txBody>
-                  <a:tcPr marL="9223" marR="9223" marT="9223" marB="0" anchor="ctr">
-                    <a:lnL w="6350" cap="flat" cmpd="sng" algn="ctr">
-                      <a:solidFill>
-                        <a:srgbClr val="000000"/>
-                      </a:solidFill>
-                      <a:prstDash val="solid"/>
-                      <a:round/>
-                      <a:headEnd type="none" w="med" len="med"/>
-                      <a:tailEnd type="none" w="med" len="med"/>
-                    </a:lnL>
-                    <a:lnR w="6350" cap="flat" cmpd="sng" algn="ctr">
-                      <a:solidFill>
-                        <a:srgbClr val="000000"/>
-                      </a:solidFill>
-                      <a:prstDash val="solid"/>
-                      <a:round/>
-                      <a:headEnd type="none" w="med" len="med"/>
-                      <a:tailEnd type="none" w="med" len="med"/>
-                    </a:lnR>
-                    <a:lnT w="6350" cap="flat" cmpd="sng" algn="ctr">
-                      <a:solidFill>
-                        <a:srgbClr val="000000"/>
-                      </a:solidFill>
-                      <a:prstDash val="solid"/>
-                      <a:round/>
-                      <a:headEnd type="none" w="med" len="med"/>
-                      <a:tailEnd type="none" w="med" len="med"/>
-                    </a:lnT>
-                    <a:lnB w="6350" cap="flat" cmpd="sng" algn="ctr">
-                      <a:solidFill>
-                        <a:srgbClr val="000000"/>
-                      </a:solidFill>
-                      <a:prstDash val="solid"/>
-                      <a:round/>
-                      <a:headEnd type="none" w="med" len="med"/>
-                      <a:tailEnd type="none" w="med" len="med"/>
-                    </a:lnB>
-                    <a:solidFill>
-                      <a:srgbClr val="B8CCE4"/>
-                    </a:solidFill>
-                  </a:tcPr>
-                </a:tc>
-                <a:tc>
-                  <a:txBody>
-                    <a:bodyPr/>
-                    <a:lstStyle/>
-                    <a:p>
-                      <a:pPr algn="ctr" fontAlgn="ctr"/>
-                      <a:r>
-                        <a:rPr lang="en-US" sz="900" b="0" i="0" u="none" strike="noStrike">
-                          <a:solidFill>
-                            <a:srgbClr val="000000"/>
-                          </a:solidFill>
-                          <a:effectLst/>
-                          <a:latin typeface="Calibri"/>
-                        </a:rPr>
-                        <a:t>2d </a:t>
-                      </a:r>
-                    </a:p>
-                  </a:txBody>
-                  <a:tcPr marL="9223" marR="9223" marT="9223" marB="0" anchor="ctr">
-                    <a:lnL w="6350" cap="flat" cmpd="sng" algn="ctr">
-                      <a:solidFill>
-                        <a:srgbClr val="000000"/>
-                      </a:solidFill>
-                      <a:prstDash val="solid"/>
-                      <a:round/>
-                      <a:headEnd type="none" w="med" len="med"/>
-                      <a:tailEnd type="none" w="med" len="med"/>
-                    </a:lnL>
-                    <a:lnR w="6350" cap="flat" cmpd="sng" algn="ctr">
-                      <a:solidFill>
-                        <a:srgbClr val="000000"/>
-                      </a:solidFill>
-                      <a:prstDash val="solid"/>
-                      <a:round/>
-                      <a:headEnd type="none" w="med" len="med"/>
-                      <a:tailEnd type="none" w="med" len="med"/>
-                    </a:lnR>
-                    <a:lnT w="6350" cap="flat" cmpd="sng" algn="ctr">
-                      <a:solidFill>
-                        <a:srgbClr val="000000"/>
-                      </a:solidFill>
-                      <a:prstDash val="solid"/>
-                      <a:round/>
-                      <a:headEnd type="none" w="med" len="med"/>
-                      <a:tailEnd type="none" w="med" len="med"/>
-                    </a:lnT>
-                    <a:lnB w="6350" cap="flat" cmpd="sng" algn="ctr">
-                      <a:solidFill>
-                        <a:srgbClr val="000000"/>
-                      </a:solidFill>
-                      <a:prstDash val="solid"/>
-                      <a:round/>
-                      <a:headEnd type="none" w="med" len="med"/>
-                      <a:tailEnd type="none" w="med" len="med"/>
-                    </a:lnB>
-                    <a:solidFill>
-                      <a:srgbClr val="B8CCE4"/>
-                    </a:solidFill>
-                  </a:tcPr>
-                </a:tc>
-                <a:tc>
-                  <a:txBody>
-                    <a:bodyPr/>
-                    <a:lstStyle/>
-                    <a:p>
-                      <a:pPr algn="ctr" fontAlgn="ctr"/>
-                      <a:r>
-                        <a:rPr lang="en-US" sz="900" b="0" i="0" u="none" strike="noStrike">
-                          <a:solidFill>
-                            <a:srgbClr val="000000"/>
-                          </a:solidFill>
-                          <a:effectLst/>
-                          <a:latin typeface="Calibri"/>
-                        </a:rPr>
-                        <a:t>Dan</a:t>
-                      </a:r>
-                    </a:p>
-                  </a:txBody>
-                  <a:tcPr marL="9223" marR="9223" marT="9223" marB="0" anchor="ctr">
-                    <a:lnL w="6350" cap="flat" cmpd="sng" algn="ctr">
-                      <a:solidFill>
-                        <a:srgbClr val="000000"/>
-                      </a:solidFill>
-                      <a:prstDash val="solid"/>
-                      <a:round/>
-                      <a:headEnd type="none" w="med" len="med"/>
-                      <a:tailEnd type="none" w="med" len="med"/>
-                    </a:lnL>
-                    <a:lnR w="6350" cap="flat" cmpd="sng" algn="ctr">
-                      <a:solidFill>
-                        <a:srgbClr val="000000"/>
-                      </a:solidFill>
-                      <a:prstDash val="solid"/>
-                      <a:round/>
-                      <a:headEnd type="none" w="med" len="med"/>
-                      <a:tailEnd type="none" w="med" len="med"/>
-                    </a:lnR>
-                    <a:lnT w="6350" cap="flat" cmpd="sng" algn="ctr">
-                      <a:solidFill>
-                        <a:srgbClr val="000000"/>
-                      </a:solidFill>
-                      <a:prstDash val="solid"/>
-                      <a:round/>
-                      <a:headEnd type="none" w="med" len="med"/>
-                      <a:tailEnd type="none" w="med" len="med"/>
-                    </a:lnT>
-                    <a:lnB w="6350" cap="flat" cmpd="sng" algn="ctr">
-                      <a:solidFill>
-                        <a:srgbClr val="000000"/>
-                      </a:solidFill>
-                      <a:prstDash val="solid"/>
-                      <a:round/>
-                      <a:headEnd type="none" w="med" len="med"/>
-                      <a:tailEnd type="none" w="med" len="med"/>
-                    </a:lnB>
-                    <a:solidFill>
-                      <a:srgbClr val="B8CCE4"/>
-                    </a:solidFill>
-                  </a:tcPr>
-                </a:tc>
-              </a:tr>
-              <a:tr h="270904">
-                <a:tc>
-                  <a:txBody>
-                    <a:bodyPr/>
-                    <a:lstStyle/>
-                    <a:p>
-                      <a:pPr algn="ctr" fontAlgn="ctr"/>
-                      <a:r>
-                        <a:rPr lang="en-US" sz="900" b="0" i="0" u="none" strike="noStrike">
-                          <a:solidFill>
-                            <a:srgbClr val="000000"/>
-                          </a:solidFill>
-                          <a:effectLst/>
-                          <a:latin typeface="Calibri"/>
-                        </a:rPr>
-                        <a:t>4</a:t>
-                      </a:r>
-                    </a:p>
-                  </a:txBody>
-                  <a:tcPr marL="9223" marR="9223" marT="9223" marB="0" anchor="ctr">
-                    <a:lnL w="6350" cap="flat" cmpd="sng" algn="ctr">
-                      <a:solidFill>
-                        <a:srgbClr val="000000"/>
-                      </a:solidFill>
-                      <a:prstDash val="solid"/>
-                      <a:round/>
-                      <a:headEnd type="none" w="med" len="med"/>
-                      <a:tailEnd type="none" w="med" len="med"/>
-                    </a:lnL>
-                    <a:lnR w="6350" cap="flat" cmpd="sng" algn="ctr">
-                      <a:solidFill>
-                        <a:srgbClr val="000000"/>
-                      </a:solidFill>
-                      <a:prstDash val="solid"/>
-                      <a:round/>
-                      <a:headEnd type="none" w="med" len="med"/>
-                      <a:tailEnd type="none" w="med" len="med"/>
-                    </a:lnR>
-                    <a:lnT w="6350" cap="flat" cmpd="sng" algn="ctr">
-                      <a:solidFill>
-                        <a:srgbClr val="000000"/>
-                      </a:solidFill>
-                      <a:prstDash val="solid"/>
-                      <a:round/>
-                      <a:headEnd type="none" w="med" len="med"/>
-                      <a:tailEnd type="none" w="med" len="med"/>
-                    </a:lnT>
-                    <a:lnB w="6350" cap="flat" cmpd="sng" algn="ctr">
-                      <a:solidFill>
-                        <a:srgbClr val="000000"/>
-                      </a:solidFill>
-                      <a:prstDash val="solid"/>
-                      <a:round/>
-                      <a:headEnd type="none" w="med" len="med"/>
-                      <a:tailEnd type="none" w="med" len="med"/>
-                    </a:lnB>
-                    <a:solidFill>
-                      <a:srgbClr val="B8CCE4"/>
-                    </a:solidFill>
-                  </a:tcPr>
-                </a:tc>
-                <a:tc>
-                  <a:txBody>
-                    <a:bodyPr/>
-                    <a:lstStyle/>
-                    <a:p>
-                      <a:pPr algn="ctr" fontAlgn="ctr"/>
-                      <a:r>
-                        <a:rPr lang="en-US" sz="900" b="0" i="0" u="none" strike="noStrike">
-                          <a:solidFill>
-                            <a:srgbClr val="000000"/>
-                          </a:solidFill>
-                          <a:effectLst/>
-                          <a:latin typeface="Calibri"/>
-                        </a:rPr>
-                        <a:t>Setup Flask </a:t>
-                      </a:r>
-                    </a:p>
-                  </a:txBody>
-                  <a:tcPr marL="9223" marR="9223" marT="9223" marB="0" anchor="ctr">
-                    <a:lnL w="6350" cap="flat" cmpd="sng" algn="ctr">
-                      <a:solidFill>
-                        <a:srgbClr val="000000"/>
-                      </a:solidFill>
-                      <a:prstDash val="solid"/>
-                      <a:round/>
-                      <a:headEnd type="none" w="med" len="med"/>
-                      <a:tailEnd type="none" w="med" len="med"/>
-                    </a:lnL>
-                    <a:lnR w="6350" cap="flat" cmpd="sng" algn="ctr">
-                      <a:solidFill>
-                        <a:srgbClr val="000000"/>
-                      </a:solidFill>
-                      <a:prstDash val="solid"/>
-                      <a:round/>
-                      <a:headEnd type="none" w="med" len="med"/>
-                      <a:tailEnd type="none" w="med" len="med"/>
-                    </a:lnR>
-                    <a:lnT w="6350" cap="flat" cmpd="sng" algn="ctr">
-                      <a:solidFill>
-                        <a:srgbClr val="000000"/>
-                      </a:solidFill>
-                      <a:prstDash val="solid"/>
-                      <a:round/>
-                      <a:headEnd type="none" w="med" len="med"/>
-                      <a:tailEnd type="none" w="med" len="med"/>
-                    </a:lnT>
-                    <a:lnB w="6350" cap="flat" cmpd="sng" algn="ctr">
-                      <a:solidFill>
-                        <a:srgbClr val="000000"/>
-                      </a:solidFill>
-                      <a:prstDash val="solid"/>
-                      <a:round/>
-                      <a:headEnd type="none" w="med" len="med"/>
-                      <a:tailEnd type="none" w="med" len="med"/>
-                    </a:lnB>
-                    <a:solidFill>
-                      <a:srgbClr val="B8CCE4"/>
-                    </a:solidFill>
-                  </a:tcPr>
-                </a:tc>
-                <a:tc>
-                  <a:txBody>
-                    <a:bodyPr/>
-                    <a:lstStyle/>
-                    <a:p>
-                      <a:pPr algn="ctr" fontAlgn="ctr"/>
-                      <a:r>
-                        <a:rPr lang="en-US" sz="900" b="0" i="0" u="none" strike="noStrike">
-                          <a:solidFill>
-                            <a:srgbClr val="000000"/>
-                          </a:solidFill>
-                          <a:effectLst/>
-                          <a:latin typeface="Calibri"/>
-                        </a:rPr>
-                        <a:t>9/12/15</a:t>
-                      </a:r>
-                    </a:p>
-                  </a:txBody>
-                  <a:tcPr marL="9223" marR="9223" marT="9223" marB="0" anchor="ctr">
-                    <a:lnL w="6350" cap="flat" cmpd="sng" algn="ctr">
-                      <a:solidFill>
-                        <a:srgbClr val="000000"/>
-                      </a:solidFill>
-                      <a:prstDash val="solid"/>
-                      <a:round/>
-                      <a:headEnd type="none" w="med" len="med"/>
-                      <a:tailEnd type="none" w="med" len="med"/>
-                    </a:lnL>
-                    <a:lnR w="6350" cap="flat" cmpd="sng" algn="ctr">
-                      <a:solidFill>
-                        <a:srgbClr val="000000"/>
-                      </a:solidFill>
-                      <a:prstDash val="solid"/>
-                      <a:round/>
-                      <a:headEnd type="none" w="med" len="med"/>
-                      <a:tailEnd type="none" w="med" len="med"/>
-                    </a:lnR>
-                    <a:lnT w="6350" cap="flat" cmpd="sng" algn="ctr">
-                      <a:solidFill>
-                        <a:srgbClr val="000000"/>
-                      </a:solidFill>
-                      <a:prstDash val="solid"/>
-                      <a:round/>
-                      <a:headEnd type="none" w="med" len="med"/>
-                      <a:tailEnd type="none" w="med" len="med"/>
-                    </a:lnT>
-                    <a:lnB w="6350" cap="flat" cmpd="sng" algn="ctr">
-                      <a:solidFill>
-                        <a:srgbClr val="000000"/>
-                      </a:solidFill>
-                      <a:prstDash val="solid"/>
-                      <a:round/>
-                      <a:headEnd type="none" w="med" len="med"/>
-                      <a:tailEnd type="none" w="med" len="med"/>
-                    </a:lnB>
-                    <a:solidFill>
-                      <a:srgbClr val="B8CCE4"/>
-                    </a:solidFill>
-                  </a:tcPr>
-                </a:tc>
-                <a:tc>
-                  <a:txBody>
-                    <a:bodyPr/>
-                    <a:lstStyle/>
-                    <a:p>
-                      <a:pPr algn="ctr" fontAlgn="ctr"/>
-                      <a:r>
-                        <a:rPr lang="en-US" sz="900" b="0" i="0" u="none" strike="noStrike">
-                          <a:solidFill>
-                            <a:srgbClr val="000000"/>
-                          </a:solidFill>
-                          <a:effectLst/>
-                          <a:latin typeface="Calibri"/>
-                        </a:rPr>
-                        <a:t>9/13/15</a:t>
-                      </a:r>
-                    </a:p>
-                  </a:txBody>
-                  <a:tcPr marL="9223" marR="9223" marT="9223" marB="0" anchor="ctr">
-                    <a:lnL w="6350" cap="flat" cmpd="sng" algn="ctr">
-                      <a:solidFill>
-                        <a:srgbClr val="000000"/>
-                      </a:solidFill>
-                      <a:prstDash val="solid"/>
-                      <a:round/>
-                      <a:headEnd type="none" w="med" len="med"/>
-                      <a:tailEnd type="none" w="med" len="med"/>
-                    </a:lnL>
-                    <a:lnR w="6350" cap="flat" cmpd="sng" algn="ctr">
-                      <a:solidFill>
-                        <a:srgbClr val="000000"/>
-                      </a:solidFill>
-                      <a:prstDash val="solid"/>
-                      <a:round/>
-                      <a:headEnd type="none" w="med" len="med"/>
-                      <a:tailEnd type="none" w="med" len="med"/>
-                    </a:lnR>
-                    <a:lnT w="6350" cap="flat" cmpd="sng" algn="ctr">
-                      <a:solidFill>
-                        <a:srgbClr val="000000"/>
-                      </a:solidFill>
-                      <a:prstDash val="solid"/>
-                      <a:round/>
-                      <a:headEnd type="none" w="med" len="med"/>
-                      <a:tailEnd type="none" w="med" len="med"/>
-                    </a:lnT>
-                    <a:lnB w="6350" cap="flat" cmpd="sng" algn="ctr">
-                      <a:solidFill>
-                        <a:srgbClr val="000000"/>
-                      </a:solidFill>
-                      <a:prstDash val="solid"/>
-                      <a:round/>
-                      <a:headEnd type="none" w="med" len="med"/>
-                      <a:tailEnd type="none" w="med" len="med"/>
-                    </a:lnB>
-                    <a:solidFill>
-                      <a:srgbClr val="B8CCE4"/>
-                    </a:solidFill>
-                  </a:tcPr>
-                </a:tc>
-                <a:tc>
-                  <a:txBody>
-                    <a:bodyPr/>
-                    <a:lstStyle/>
-                    <a:p>
-                      <a:pPr algn="ctr" fontAlgn="ctr"/>
-                      <a:r>
-                        <a:rPr lang="en-US" sz="900" b="0" i="0" u="none" strike="noStrike">
-                          <a:solidFill>
-                            <a:srgbClr val="000000"/>
-                          </a:solidFill>
-                          <a:effectLst/>
-                          <a:latin typeface="Calibri"/>
-                        </a:rPr>
-                        <a:t>2d </a:t>
-                      </a:r>
-                    </a:p>
-                  </a:txBody>
-                  <a:tcPr marL="9223" marR="9223" marT="9223" marB="0" anchor="ctr">
-                    <a:lnL w="6350" cap="flat" cmpd="sng" algn="ctr">
-                      <a:solidFill>
-                        <a:srgbClr val="000000"/>
-                      </a:solidFill>
-                      <a:prstDash val="solid"/>
-                      <a:round/>
-                      <a:headEnd type="none" w="med" len="med"/>
-                      <a:tailEnd type="none" w="med" len="med"/>
-                    </a:lnL>
-                    <a:lnR w="6350" cap="flat" cmpd="sng" algn="ctr">
-                      <a:solidFill>
-                        <a:srgbClr val="000000"/>
-                      </a:solidFill>
-                      <a:prstDash val="solid"/>
-                      <a:round/>
-                      <a:headEnd type="none" w="med" len="med"/>
-                      <a:tailEnd type="none" w="med" len="med"/>
-                    </a:lnR>
-                    <a:lnT w="6350" cap="flat" cmpd="sng" algn="ctr">
-                      <a:solidFill>
-                        <a:srgbClr val="000000"/>
-                      </a:solidFill>
-                      <a:prstDash val="solid"/>
-                      <a:round/>
-                      <a:headEnd type="none" w="med" len="med"/>
-                      <a:tailEnd type="none" w="med" len="med"/>
-                    </a:lnT>
-                    <a:lnB w="6350" cap="flat" cmpd="sng" algn="ctr">
-                      <a:solidFill>
-                        <a:srgbClr val="000000"/>
-                      </a:solidFill>
-                      <a:prstDash val="solid"/>
-                      <a:round/>
-                      <a:headEnd type="none" w="med" len="med"/>
-                      <a:tailEnd type="none" w="med" len="med"/>
-                    </a:lnB>
-                    <a:solidFill>
-                      <a:srgbClr val="B8CCE4"/>
-                    </a:solidFill>
-                  </a:tcPr>
-                </a:tc>
-                <a:tc>
-                  <a:txBody>
-                    <a:bodyPr/>
-                    <a:lstStyle/>
-                    <a:p>
-                      <a:pPr algn="ctr" fontAlgn="ctr"/>
-                      <a:r>
-                        <a:rPr lang="en-US" sz="900" b="0" i="0" u="none" strike="noStrike">
-                          <a:solidFill>
-                            <a:srgbClr val="000000"/>
-                          </a:solidFill>
-                          <a:effectLst/>
-                          <a:latin typeface="Calibri"/>
-                        </a:rPr>
-                        <a:t>Gunnar</a:t>
-                      </a:r>
-                    </a:p>
-                  </a:txBody>
-                  <a:tcPr marL="9223" marR="9223" marT="9223" marB="0" anchor="ctr">
-                    <a:lnL w="6350" cap="flat" cmpd="sng" algn="ctr">
-                      <a:solidFill>
-                        <a:srgbClr val="000000"/>
-                      </a:solidFill>
-                      <a:prstDash val="solid"/>
-                      <a:round/>
-                      <a:headEnd type="none" w="med" len="med"/>
-                      <a:tailEnd type="none" w="med" len="med"/>
-                    </a:lnL>
-                    <a:lnR w="6350" cap="flat" cmpd="sng" algn="ctr">
-                      <a:solidFill>
-                        <a:srgbClr val="000000"/>
-                      </a:solidFill>
-                      <a:prstDash val="solid"/>
-                      <a:round/>
-                      <a:headEnd type="none" w="med" len="med"/>
-                      <a:tailEnd type="none" w="med" len="med"/>
-                    </a:lnR>
-                    <a:lnT w="6350" cap="flat" cmpd="sng" algn="ctr">
-                      <a:solidFill>
-                        <a:srgbClr val="000000"/>
-                      </a:solidFill>
-                      <a:prstDash val="solid"/>
-                      <a:round/>
-                      <a:headEnd type="none" w="med" len="med"/>
-                      <a:tailEnd type="none" w="med" len="med"/>
-                    </a:lnT>
-                    <a:lnB w="6350" cap="flat" cmpd="sng" algn="ctr">
-                      <a:solidFill>
-                        <a:srgbClr val="000000"/>
-                      </a:solidFill>
-                      <a:prstDash val="solid"/>
-                      <a:round/>
-                      <a:headEnd type="none" w="med" len="med"/>
-                      <a:tailEnd type="none" w="med" len="med"/>
-                    </a:lnB>
-                    <a:solidFill>
-                      <a:srgbClr val="B8CCE4"/>
-                    </a:solidFill>
-                  </a:tcPr>
-                </a:tc>
-              </a:tr>
-              <a:tr h="475274">
-                <a:tc>
-                  <a:txBody>
-                    <a:bodyPr/>
-                    <a:lstStyle/>
-                    <a:p>
-                      <a:pPr algn="ctr" fontAlgn="ctr"/>
-                      <a:r>
-                        <a:rPr lang="en-US" sz="900" b="0" i="0" u="none" strike="noStrike">
-                          <a:solidFill>
-                            <a:srgbClr val="000000"/>
-                          </a:solidFill>
-                          <a:effectLst/>
-                          <a:latin typeface="Calibri"/>
-                        </a:rPr>
-                        <a:t>5</a:t>
-                      </a:r>
-                    </a:p>
-                  </a:txBody>
-                  <a:tcPr marL="9223" marR="9223" marT="9223" marB="0" anchor="ctr">
-                    <a:lnL w="6350" cap="flat" cmpd="sng" algn="ctr">
-                      <a:solidFill>
-                        <a:srgbClr val="000000"/>
-                      </a:solidFill>
-                      <a:prstDash val="solid"/>
-                      <a:round/>
-                      <a:headEnd type="none" w="med" len="med"/>
-                      <a:tailEnd type="none" w="med" len="med"/>
-                    </a:lnL>
-                    <a:lnR w="6350" cap="flat" cmpd="sng" algn="ctr">
-                      <a:solidFill>
-                        <a:srgbClr val="000000"/>
-                      </a:solidFill>
-                      <a:prstDash val="solid"/>
-                      <a:round/>
-                      <a:headEnd type="none" w="med" len="med"/>
-                      <a:tailEnd type="none" w="med" len="med"/>
-                    </a:lnR>
-                    <a:lnT w="6350" cap="flat" cmpd="sng" algn="ctr">
-                      <a:solidFill>
-                        <a:srgbClr val="000000"/>
-                      </a:solidFill>
-                      <a:prstDash val="solid"/>
-                      <a:round/>
-                      <a:headEnd type="none" w="med" len="med"/>
-                      <a:tailEnd type="none" w="med" len="med"/>
-                    </a:lnT>
-                    <a:lnB w="6350" cap="flat" cmpd="sng" algn="ctr">
-                      <a:solidFill>
-                        <a:srgbClr val="000000"/>
-                      </a:solidFill>
-                      <a:prstDash val="solid"/>
-                      <a:round/>
-                      <a:headEnd type="none" w="med" len="med"/>
-                      <a:tailEnd type="none" w="med" len="med"/>
-                    </a:lnB>
-                    <a:solidFill>
-                      <a:srgbClr val="B8CCE4"/>
-                    </a:solidFill>
-                  </a:tcPr>
-                </a:tc>
-                <a:tc>
-                  <a:txBody>
-                    <a:bodyPr/>
-                    <a:lstStyle/>
-                    <a:p>
-                      <a:pPr algn="ctr" fontAlgn="ctr"/>
-                      <a:r>
-                        <a:rPr lang="en-US" sz="900" b="0" i="0" u="none" strike="noStrike">
-                          <a:solidFill>
-                            <a:srgbClr val="000000"/>
-                          </a:solidFill>
-                          <a:effectLst/>
-                          <a:latin typeface="Calibri"/>
-                        </a:rPr>
-                        <a:t>Hub -&gt; Microcontrollers Connection </a:t>
-                      </a:r>
-                    </a:p>
-                  </a:txBody>
-                  <a:tcPr marL="9223" marR="9223" marT="9223" marB="0" anchor="ctr">
-                    <a:lnL w="6350" cap="flat" cmpd="sng" algn="ctr">
-                      <a:solidFill>
-                        <a:srgbClr val="000000"/>
-                      </a:solidFill>
-                      <a:prstDash val="solid"/>
-                      <a:round/>
-                      <a:headEnd type="none" w="med" len="med"/>
-                      <a:tailEnd type="none" w="med" len="med"/>
-                    </a:lnL>
-                    <a:lnR w="6350" cap="flat" cmpd="sng" algn="ctr">
-                      <a:solidFill>
-                        <a:srgbClr val="000000"/>
-                      </a:solidFill>
-                      <a:prstDash val="solid"/>
-                      <a:round/>
-                      <a:headEnd type="none" w="med" len="med"/>
-                      <a:tailEnd type="none" w="med" len="med"/>
-                    </a:lnR>
-                    <a:lnT w="6350" cap="flat" cmpd="sng" algn="ctr">
-                      <a:solidFill>
-                        <a:srgbClr val="000000"/>
-                      </a:solidFill>
-                      <a:prstDash val="solid"/>
-                      <a:round/>
-                      <a:headEnd type="none" w="med" len="med"/>
-                      <a:tailEnd type="none" w="med" len="med"/>
-                    </a:lnT>
-                    <a:lnB w="6350" cap="flat" cmpd="sng" algn="ctr">
-                      <a:solidFill>
-                        <a:srgbClr val="000000"/>
-                      </a:solidFill>
-                      <a:prstDash val="solid"/>
-                      <a:round/>
-                      <a:headEnd type="none" w="med" len="med"/>
-                      <a:tailEnd type="none" w="med" len="med"/>
-                    </a:lnB>
-                    <a:solidFill>
-                      <a:srgbClr val="B8CCE4"/>
-                    </a:solidFill>
-                  </a:tcPr>
-                </a:tc>
-                <a:tc>
-                  <a:txBody>
-                    <a:bodyPr/>
-                    <a:lstStyle/>
-                    <a:p>
-                      <a:pPr algn="ctr" fontAlgn="ctr"/>
-                      <a:r>
-                        <a:rPr lang="en-US" sz="900" b="0" i="0" u="none" strike="noStrike">
-                          <a:solidFill>
-                            <a:srgbClr val="000000"/>
-                          </a:solidFill>
-                          <a:effectLst/>
-                          <a:latin typeface="Calibri"/>
-                        </a:rPr>
-                        <a:t>9/14/15</a:t>
-                      </a:r>
-                    </a:p>
-                  </a:txBody>
-                  <a:tcPr marL="9223" marR="9223" marT="9223" marB="0" anchor="ctr">
-                    <a:lnL w="6350" cap="flat" cmpd="sng" algn="ctr">
-                      <a:solidFill>
-                        <a:srgbClr val="000000"/>
-                      </a:solidFill>
-                      <a:prstDash val="solid"/>
-                      <a:round/>
-                      <a:headEnd type="none" w="med" len="med"/>
-                      <a:tailEnd type="none" w="med" len="med"/>
-                    </a:lnL>
-                    <a:lnR w="6350" cap="flat" cmpd="sng" algn="ctr">
-                      <a:solidFill>
-                        <a:srgbClr val="000000"/>
-                      </a:solidFill>
-                      <a:prstDash val="solid"/>
-                      <a:round/>
-                      <a:headEnd type="none" w="med" len="med"/>
-                      <a:tailEnd type="none" w="med" len="med"/>
-                    </a:lnR>
-                    <a:lnT w="6350" cap="flat" cmpd="sng" algn="ctr">
-                      <a:solidFill>
-                        <a:srgbClr val="000000"/>
-                      </a:solidFill>
-                      <a:prstDash val="solid"/>
-                      <a:round/>
-                      <a:headEnd type="none" w="med" len="med"/>
-                      <a:tailEnd type="none" w="med" len="med"/>
-                    </a:lnT>
-                    <a:lnB w="6350" cap="flat" cmpd="sng" algn="ctr">
-                      <a:solidFill>
-                        <a:srgbClr val="000000"/>
-                      </a:solidFill>
-                      <a:prstDash val="solid"/>
-                      <a:round/>
-                      <a:headEnd type="none" w="med" len="med"/>
-                      <a:tailEnd type="none" w="med" len="med"/>
-                    </a:lnB>
-                    <a:solidFill>
-                      <a:srgbClr val="B8CCE4"/>
-                    </a:solidFill>
-                  </a:tcPr>
-                </a:tc>
-                <a:tc>
-                  <a:txBody>
-                    <a:bodyPr/>
-                    <a:lstStyle/>
-                    <a:p>
-                      <a:pPr algn="ctr" fontAlgn="ctr"/>
-                      <a:r>
-                        <a:rPr lang="en-US" sz="900" b="0" i="0" u="none" strike="noStrike">
-                          <a:solidFill>
-                            <a:srgbClr val="000000"/>
-                          </a:solidFill>
-                          <a:effectLst/>
-                          <a:latin typeface="Calibri"/>
-                        </a:rPr>
-                        <a:t>9/20/15</a:t>
-                      </a:r>
-                    </a:p>
-                  </a:txBody>
-                  <a:tcPr marL="9223" marR="9223" marT="9223" marB="0" anchor="ctr">
-                    <a:lnL w="6350" cap="flat" cmpd="sng" algn="ctr">
-                      <a:solidFill>
-                        <a:srgbClr val="000000"/>
-                      </a:solidFill>
-                      <a:prstDash val="solid"/>
-                      <a:round/>
-                      <a:headEnd type="none" w="med" len="med"/>
-                      <a:tailEnd type="none" w="med" len="med"/>
-                    </a:lnL>
-                    <a:lnR w="6350" cap="flat" cmpd="sng" algn="ctr">
-                      <a:solidFill>
-                        <a:srgbClr val="000000"/>
-                      </a:solidFill>
-                      <a:prstDash val="solid"/>
-                      <a:round/>
-                      <a:headEnd type="none" w="med" len="med"/>
-                      <a:tailEnd type="none" w="med" len="med"/>
-                    </a:lnR>
-                    <a:lnT w="6350" cap="flat" cmpd="sng" algn="ctr">
-                      <a:solidFill>
-                        <a:srgbClr val="000000"/>
-                      </a:solidFill>
-                      <a:prstDash val="solid"/>
-                      <a:round/>
-                      <a:headEnd type="none" w="med" len="med"/>
-                      <a:tailEnd type="none" w="med" len="med"/>
-                    </a:lnT>
-                    <a:lnB w="6350" cap="flat" cmpd="sng" algn="ctr">
-                      <a:solidFill>
-                        <a:srgbClr val="000000"/>
-                      </a:solidFill>
-                      <a:prstDash val="solid"/>
-                      <a:round/>
-                      <a:headEnd type="none" w="med" len="med"/>
-                      <a:tailEnd type="none" w="med" len="med"/>
-                    </a:lnB>
-                    <a:solidFill>
-                      <a:srgbClr val="B8CCE4"/>
-                    </a:solidFill>
-                  </a:tcPr>
-                </a:tc>
-                <a:tc>
-                  <a:txBody>
-                    <a:bodyPr/>
-                    <a:lstStyle/>
-                    <a:p>
-                      <a:pPr algn="ctr" fontAlgn="ctr"/>
-                      <a:r>
-                        <a:rPr lang="en-US" sz="900" b="0" i="0" u="none" strike="noStrike">
-                          <a:solidFill>
-                            <a:srgbClr val="000000"/>
-                          </a:solidFill>
-                          <a:effectLst/>
-                          <a:latin typeface="Calibri"/>
-                        </a:rPr>
-                        <a:t>7d </a:t>
-                      </a:r>
-                    </a:p>
-                  </a:txBody>
-                  <a:tcPr marL="9223" marR="9223" marT="9223" marB="0" anchor="ctr">
-                    <a:lnL w="6350" cap="flat" cmpd="sng" algn="ctr">
-                      <a:solidFill>
-                        <a:srgbClr val="000000"/>
-                      </a:solidFill>
-                      <a:prstDash val="solid"/>
-                      <a:round/>
-                      <a:headEnd type="none" w="med" len="med"/>
-                      <a:tailEnd type="none" w="med" len="med"/>
-                    </a:lnL>
-                    <a:lnR w="6350" cap="flat" cmpd="sng" algn="ctr">
-                      <a:solidFill>
-                        <a:srgbClr val="000000"/>
-                      </a:solidFill>
-                      <a:prstDash val="solid"/>
-                      <a:round/>
-                      <a:headEnd type="none" w="med" len="med"/>
-                      <a:tailEnd type="none" w="med" len="med"/>
-                    </a:lnR>
-                    <a:lnT w="6350" cap="flat" cmpd="sng" algn="ctr">
-                      <a:solidFill>
-                        <a:srgbClr val="000000"/>
-                      </a:solidFill>
-                      <a:prstDash val="solid"/>
-                      <a:round/>
-                      <a:headEnd type="none" w="med" len="med"/>
-                      <a:tailEnd type="none" w="med" len="med"/>
-                    </a:lnT>
-                    <a:lnB w="6350" cap="flat" cmpd="sng" algn="ctr">
-                      <a:solidFill>
-                        <a:srgbClr val="000000"/>
-                      </a:solidFill>
-                      <a:prstDash val="solid"/>
-                      <a:round/>
-                      <a:headEnd type="none" w="med" len="med"/>
-                      <a:tailEnd type="none" w="med" len="med"/>
-                    </a:lnB>
-                    <a:solidFill>
-                      <a:srgbClr val="B8CCE4"/>
-                    </a:solidFill>
-                  </a:tcPr>
-                </a:tc>
-                <a:tc>
-                  <a:txBody>
-                    <a:bodyPr/>
-                    <a:lstStyle/>
-                    <a:p>
-                      <a:pPr algn="ctr" fontAlgn="ctr"/>
-                      <a:r>
-                        <a:rPr lang="en-US" sz="900" b="0" i="0" u="none" strike="noStrike">
-                          <a:solidFill>
-                            <a:srgbClr val="000000"/>
-                          </a:solidFill>
-                          <a:effectLst/>
-                          <a:latin typeface="Calibri"/>
-                        </a:rPr>
-                        <a:t>Joe</a:t>
-                      </a:r>
-                    </a:p>
-                  </a:txBody>
-                  <a:tcPr marL="9223" marR="9223" marT="9223" marB="0" anchor="ctr">
-                    <a:lnL w="6350" cap="flat" cmpd="sng" algn="ctr">
-                      <a:solidFill>
-                        <a:srgbClr val="000000"/>
-                      </a:solidFill>
-                      <a:prstDash val="solid"/>
-                      <a:round/>
-                      <a:headEnd type="none" w="med" len="med"/>
-                      <a:tailEnd type="none" w="med" len="med"/>
-                    </a:lnL>
-                    <a:lnR w="6350" cap="flat" cmpd="sng" algn="ctr">
-                      <a:solidFill>
-                        <a:srgbClr val="000000"/>
-                      </a:solidFill>
-                      <a:prstDash val="solid"/>
-                      <a:round/>
-                      <a:headEnd type="none" w="med" len="med"/>
-                      <a:tailEnd type="none" w="med" len="med"/>
-                    </a:lnR>
-                    <a:lnT w="6350" cap="flat" cmpd="sng" algn="ctr">
-                      <a:solidFill>
-                        <a:srgbClr val="000000"/>
-                      </a:solidFill>
-                      <a:prstDash val="solid"/>
-                      <a:round/>
-                      <a:headEnd type="none" w="med" len="med"/>
-                      <a:tailEnd type="none" w="med" len="med"/>
-                    </a:lnT>
-                    <a:lnB w="6350" cap="flat" cmpd="sng" algn="ctr">
-                      <a:solidFill>
-                        <a:srgbClr val="000000"/>
-                      </a:solidFill>
-                      <a:prstDash val="solid"/>
-                      <a:round/>
-                      <a:headEnd type="none" w="med" len="med"/>
-                      <a:tailEnd type="none" w="med" len="med"/>
-                    </a:lnB>
-                    <a:solidFill>
-                      <a:srgbClr val="B8CCE4"/>
-                    </a:solidFill>
-                  </a:tcPr>
-                </a:tc>
-              </a:tr>
-              <a:tr h="320322">
-                <a:tc>
-                  <a:txBody>
-                    <a:bodyPr/>
-                    <a:lstStyle/>
-                    <a:p>
-                      <a:pPr algn="ctr" fontAlgn="ctr"/>
-                      <a:r>
-                        <a:rPr lang="en-US" sz="900" b="0" i="0" u="none" strike="noStrike">
-                          <a:solidFill>
-                            <a:srgbClr val="000000"/>
-                          </a:solidFill>
-                          <a:effectLst/>
-                          <a:latin typeface="Calibri"/>
-                        </a:rPr>
-                        <a:t>6</a:t>
-                      </a:r>
-                    </a:p>
-                  </a:txBody>
-                  <a:tcPr marL="9223" marR="9223" marT="9223" marB="0" anchor="ctr">
-                    <a:lnL w="6350" cap="flat" cmpd="sng" algn="ctr">
-                      <a:solidFill>
-                        <a:srgbClr val="000000"/>
-                      </a:solidFill>
-                      <a:prstDash val="solid"/>
-                      <a:round/>
-                      <a:headEnd type="none" w="med" len="med"/>
-                      <a:tailEnd type="none" w="med" len="med"/>
-                    </a:lnL>
-                    <a:lnR w="6350" cap="flat" cmpd="sng" algn="ctr">
-                      <a:solidFill>
-                        <a:srgbClr val="000000"/>
-                      </a:solidFill>
-                      <a:prstDash val="solid"/>
-                      <a:round/>
-                      <a:headEnd type="none" w="med" len="med"/>
-                      <a:tailEnd type="none" w="med" len="med"/>
-                    </a:lnR>
-                    <a:lnT w="6350" cap="flat" cmpd="sng" algn="ctr">
-                      <a:solidFill>
-                        <a:srgbClr val="000000"/>
-                      </a:solidFill>
-                      <a:prstDash val="solid"/>
-                      <a:round/>
-                      <a:headEnd type="none" w="med" len="med"/>
-                      <a:tailEnd type="none" w="med" len="med"/>
-                    </a:lnT>
-                    <a:lnB w="6350" cap="flat" cmpd="sng" algn="ctr">
-                      <a:solidFill>
-                        <a:srgbClr val="000000"/>
-                      </a:solidFill>
-                      <a:prstDash val="solid"/>
-                      <a:round/>
-                      <a:headEnd type="none" w="med" len="med"/>
-                      <a:tailEnd type="none" w="med" len="med"/>
-                    </a:lnB>
-                    <a:solidFill>
-                      <a:srgbClr val="B8CCE4"/>
-                    </a:solidFill>
-                  </a:tcPr>
-                </a:tc>
-                <a:tc>
-                  <a:txBody>
-                    <a:bodyPr/>
-                    <a:lstStyle/>
-                    <a:p>
-                      <a:pPr algn="ctr" fontAlgn="ctr"/>
-                      <a:r>
-                        <a:rPr lang="en-US" sz="900" b="0" i="0" u="none" strike="noStrike">
-                          <a:solidFill>
-                            <a:srgbClr val="000000"/>
-                          </a:solidFill>
-                          <a:effectLst/>
-                          <a:latin typeface="Calibri"/>
-                        </a:rPr>
-                        <a:t>Microcontroller -&gt; Hub Connection </a:t>
-                      </a:r>
-                    </a:p>
-                  </a:txBody>
-                  <a:tcPr marL="9223" marR="9223" marT="9223" marB="0" anchor="ctr">
-                    <a:lnL w="6350" cap="flat" cmpd="sng" algn="ctr">
-                      <a:solidFill>
-                        <a:srgbClr val="000000"/>
-                      </a:solidFill>
-                      <a:prstDash val="solid"/>
-                      <a:round/>
-                      <a:headEnd type="none" w="med" len="med"/>
-                      <a:tailEnd type="none" w="med" len="med"/>
-                    </a:lnL>
-                    <a:lnR w="6350" cap="flat" cmpd="sng" algn="ctr">
-                      <a:solidFill>
-                        <a:srgbClr val="000000"/>
-                      </a:solidFill>
-                      <a:prstDash val="solid"/>
-                      <a:round/>
-                      <a:headEnd type="none" w="med" len="med"/>
-                      <a:tailEnd type="none" w="med" len="med"/>
-                    </a:lnR>
-                    <a:lnT w="6350" cap="flat" cmpd="sng" algn="ctr">
-                      <a:solidFill>
-                        <a:srgbClr val="000000"/>
-                      </a:solidFill>
-                      <a:prstDash val="solid"/>
-                      <a:round/>
-                      <a:headEnd type="none" w="med" len="med"/>
-                      <a:tailEnd type="none" w="med" len="med"/>
-                    </a:lnT>
-                    <a:lnB w="6350" cap="flat" cmpd="sng" algn="ctr">
-                      <a:solidFill>
-                        <a:srgbClr val="000000"/>
-                      </a:solidFill>
-                      <a:prstDash val="solid"/>
-                      <a:round/>
-                      <a:headEnd type="none" w="med" len="med"/>
-                      <a:tailEnd type="none" w="med" len="med"/>
-                    </a:lnB>
-                    <a:solidFill>
-                      <a:srgbClr val="B8CCE4"/>
-                    </a:solidFill>
-                  </a:tcPr>
-                </a:tc>
-                <a:tc>
-                  <a:txBody>
-                    <a:bodyPr/>
-                    <a:lstStyle/>
-                    <a:p>
-                      <a:pPr algn="ctr" fontAlgn="ctr"/>
-                      <a:r>
-                        <a:rPr lang="en-US" sz="900" b="0" i="0" u="none" strike="noStrike">
-                          <a:solidFill>
-                            <a:srgbClr val="000000"/>
-                          </a:solidFill>
-                          <a:effectLst/>
-                          <a:latin typeface="Calibri"/>
-                        </a:rPr>
-                        <a:t>9/21/15</a:t>
-                      </a:r>
-                    </a:p>
-                  </a:txBody>
-                  <a:tcPr marL="9223" marR="9223" marT="9223" marB="0" anchor="ctr">
-                    <a:lnL w="6350" cap="flat" cmpd="sng" algn="ctr">
-                      <a:solidFill>
-                        <a:srgbClr val="000000"/>
-                      </a:solidFill>
-                      <a:prstDash val="solid"/>
-                      <a:round/>
-                      <a:headEnd type="none" w="med" len="med"/>
-                      <a:tailEnd type="none" w="med" len="med"/>
-                    </a:lnL>
-                    <a:lnR w="6350" cap="flat" cmpd="sng" algn="ctr">
-                      <a:solidFill>
-                        <a:srgbClr val="000000"/>
-                      </a:solidFill>
-                      <a:prstDash val="solid"/>
-                      <a:round/>
-                      <a:headEnd type="none" w="med" len="med"/>
-                      <a:tailEnd type="none" w="med" len="med"/>
-                    </a:lnR>
-                    <a:lnT w="6350" cap="flat" cmpd="sng" algn="ctr">
-                      <a:solidFill>
-                        <a:srgbClr val="000000"/>
-                      </a:solidFill>
-                      <a:prstDash val="solid"/>
-                      <a:round/>
-                      <a:headEnd type="none" w="med" len="med"/>
-                      <a:tailEnd type="none" w="med" len="med"/>
-                    </a:lnT>
-                    <a:lnB w="6350" cap="flat" cmpd="sng" algn="ctr">
-                      <a:solidFill>
-                        <a:srgbClr val="000000"/>
-                      </a:solidFill>
-                      <a:prstDash val="solid"/>
-                      <a:round/>
-                      <a:headEnd type="none" w="med" len="med"/>
-                      <a:tailEnd type="none" w="med" len="med"/>
-                    </a:lnB>
-                    <a:solidFill>
-                      <a:srgbClr val="B8CCE4"/>
-                    </a:solidFill>
-                  </a:tcPr>
-                </a:tc>
-                <a:tc>
-                  <a:txBody>
-                    <a:bodyPr/>
-                    <a:lstStyle/>
-                    <a:p>
-                      <a:pPr algn="ctr" fontAlgn="ctr"/>
-                      <a:r>
-                        <a:rPr lang="en-US" sz="900" b="0" i="0" u="none" strike="noStrike">
-                          <a:solidFill>
-                            <a:srgbClr val="000000"/>
-                          </a:solidFill>
-                          <a:effectLst/>
-                          <a:latin typeface="Calibri"/>
-                        </a:rPr>
-                        <a:t>9/27/15</a:t>
-                      </a:r>
-                    </a:p>
-                  </a:txBody>
-                  <a:tcPr marL="9223" marR="9223" marT="9223" marB="0" anchor="ctr">
-                    <a:lnL w="6350" cap="flat" cmpd="sng" algn="ctr">
-                      <a:solidFill>
-                        <a:srgbClr val="000000"/>
-                      </a:solidFill>
-                      <a:prstDash val="solid"/>
-                      <a:round/>
-                      <a:headEnd type="none" w="med" len="med"/>
-                      <a:tailEnd type="none" w="med" len="med"/>
-                    </a:lnL>
-                    <a:lnR w="6350" cap="flat" cmpd="sng" algn="ctr">
-                      <a:solidFill>
-                        <a:srgbClr val="000000"/>
-                      </a:solidFill>
-                      <a:prstDash val="solid"/>
-                      <a:round/>
-                      <a:headEnd type="none" w="med" len="med"/>
-                      <a:tailEnd type="none" w="med" len="med"/>
-                    </a:lnR>
-                    <a:lnT w="6350" cap="flat" cmpd="sng" algn="ctr">
-                      <a:solidFill>
-                        <a:srgbClr val="000000"/>
-                      </a:solidFill>
-                      <a:prstDash val="solid"/>
-                      <a:round/>
-                      <a:headEnd type="none" w="med" len="med"/>
-                      <a:tailEnd type="none" w="med" len="med"/>
-                    </a:lnT>
-                    <a:lnB w="6350" cap="flat" cmpd="sng" algn="ctr">
-                      <a:solidFill>
-                        <a:srgbClr val="000000"/>
-                      </a:solidFill>
-                      <a:prstDash val="solid"/>
-                      <a:round/>
-                      <a:headEnd type="none" w="med" len="med"/>
-                      <a:tailEnd type="none" w="med" len="med"/>
-                    </a:lnB>
-                    <a:solidFill>
-                      <a:srgbClr val="B8CCE4"/>
-                    </a:solidFill>
-                  </a:tcPr>
-                </a:tc>
-                <a:tc>
-                  <a:txBody>
-                    <a:bodyPr/>
-                    <a:lstStyle/>
-                    <a:p>
-                      <a:pPr algn="ctr" fontAlgn="ctr"/>
-                      <a:r>
-                        <a:rPr lang="en-US" sz="900" b="0" i="0" u="none" strike="noStrike">
-                          <a:solidFill>
-                            <a:srgbClr val="000000"/>
-                          </a:solidFill>
-                          <a:effectLst/>
-                          <a:latin typeface="Calibri"/>
-                        </a:rPr>
-                        <a:t>7d </a:t>
-                      </a:r>
-                    </a:p>
-                  </a:txBody>
-                  <a:tcPr marL="9223" marR="9223" marT="9223" marB="0" anchor="ctr">
-                    <a:lnL w="6350" cap="flat" cmpd="sng" algn="ctr">
-                      <a:solidFill>
-                        <a:srgbClr val="000000"/>
-                      </a:solidFill>
-                      <a:prstDash val="solid"/>
-                      <a:round/>
-                      <a:headEnd type="none" w="med" len="med"/>
-                      <a:tailEnd type="none" w="med" len="med"/>
-                    </a:lnL>
-                    <a:lnR w="6350" cap="flat" cmpd="sng" algn="ctr">
-                      <a:solidFill>
-                        <a:srgbClr val="000000"/>
-                      </a:solidFill>
-                      <a:prstDash val="solid"/>
-                      <a:round/>
-                      <a:headEnd type="none" w="med" len="med"/>
-                      <a:tailEnd type="none" w="med" len="med"/>
-                    </a:lnR>
-                    <a:lnT w="6350" cap="flat" cmpd="sng" algn="ctr">
-                      <a:solidFill>
-                        <a:srgbClr val="000000"/>
-                      </a:solidFill>
-                      <a:prstDash val="solid"/>
-                      <a:round/>
-                      <a:headEnd type="none" w="med" len="med"/>
-                      <a:tailEnd type="none" w="med" len="med"/>
-                    </a:lnT>
-                    <a:lnB w="6350" cap="flat" cmpd="sng" algn="ctr">
-                      <a:solidFill>
-                        <a:srgbClr val="000000"/>
-                      </a:solidFill>
-                      <a:prstDash val="solid"/>
-                      <a:round/>
-                      <a:headEnd type="none" w="med" len="med"/>
-                      <a:tailEnd type="none" w="med" len="med"/>
-                    </a:lnB>
-                    <a:solidFill>
-                      <a:srgbClr val="B8CCE4"/>
-                    </a:solidFill>
-                  </a:tcPr>
-                </a:tc>
-                <a:tc>
-                  <a:txBody>
-                    <a:bodyPr/>
-                    <a:lstStyle/>
-                    <a:p>
-                      <a:pPr algn="ctr" fontAlgn="ctr"/>
-                      <a:r>
-                        <a:rPr lang="en-US" sz="900" b="0" i="0" u="none" strike="noStrike">
-                          <a:solidFill>
-                            <a:srgbClr val="000000"/>
-                          </a:solidFill>
-                          <a:effectLst/>
-                          <a:latin typeface="Calibri"/>
-                        </a:rPr>
-                        <a:t>Connor</a:t>
-                      </a:r>
-                    </a:p>
-                  </a:txBody>
-                  <a:tcPr marL="9223" marR="9223" marT="9223" marB="0" anchor="ctr">
-                    <a:lnL w="6350" cap="flat" cmpd="sng" algn="ctr">
-                      <a:solidFill>
-                        <a:srgbClr val="000000"/>
-                      </a:solidFill>
-                      <a:prstDash val="solid"/>
-                      <a:round/>
-                      <a:headEnd type="none" w="med" len="med"/>
-                      <a:tailEnd type="none" w="med" len="med"/>
-                    </a:lnL>
-                    <a:lnR w="6350" cap="flat" cmpd="sng" algn="ctr">
-                      <a:solidFill>
-                        <a:srgbClr val="000000"/>
-                      </a:solidFill>
-                      <a:prstDash val="solid"/>
-                      <a:round/>
-                      <a:headEnd type="none" w="med" len="med"/>
-                      <a:tailEnd type="none" w="med" len="med"/>
-                    </a:lnR>
-                    <a:lnT w="6350" cap="flat" cmpd="sng" algn="ctr">
-                      <a:solidFill>
-                        <a:srgbClr val="000000"/>
-                      </a:solidFill>
-                      <a:prstDash val="solid"/>
-                      <a:round/>
-                      <a:headEnd type="none" w="med" len="med"/>
-                      <a:tailEnd type="none" w="med" len="med"/>
-                    </a:lnT>
-                    <a:lnB w="6350" cap="flat" cmpd="sng" algn="ctr">
-                      <a:solidFill>
-                        <a:srgbClr val="000000"/>
-                      </a:solidFill>
-                      <a:prstDash val="solid"/>
-                      <a:round/>
-                      <a:headEnd type="none" w="med" len="med"/>
-                      <a:tailEnd type="none" w="med" len="med"/>
-                    </a:lnB>
-                    <a:solidFill>
-                      <a:srgbClr val="B8CCE4"/>
-                    </a:solidFill>
-                  </a:tcPr>
-                </a:tc>
-              </a:tr>
-              <a:tr h="320322">
-                <a:tc>
-                  <a:txBody>
-                    <a:bodyPr/>
-                    <a:lstStyle/>
-                    <a:p>
-                      <a:pPr algn="ctr" fontAlgn="ctr"/>
-                      <a:r>
-                        <a:rPr lang="en-US" sz="900" b="0" i="0" u="none" strike="noStrike">
-                          <a:solidFill>
-                            <a:srgbClr val="000000"/>
-                          </a:solidFill>
-                          <a:effectLst/>
-                          <a:latin typeface="Calibri"/>
-                        </a:rPr>
-                        <a:t>7</a:t>
-                      </a:r>
-                    </a:p>
-                  </a:txBody>
-                  <a:tcPr marL="9223" marR="9223" marT="9223" marB="0" anchor="ctr">
-                    <a:lnL w="6350" cap="flat" cmpd="sng" algn="ctr">
-                      <a:solidFill>
-                        <a:srgbClr val="000000"/>
-                      </a:solidFill>
-                      <a:prstDash val="solid"/>
-                      <a:round/>
-                      <a:headEnd type="none" w="med" len="med"/>
-                      <a:tailEnd type="none" w="med" len="med"/>
-                    </a:lnL>
-                    <a:lnR w="6350" cap="flat" cmpd="sng" algn="ctr">
-                      <a:solidFill>
-                        <a:srgbClr val="000000"/>
-                      </a:solidFill>
-                      <a:prstDash val="solid"/>
-                      <a:round/>
-                      <a:headEnd type="none" w="med" len="med"/>
-                      <a:tailEnd type="none" w="med" len="med"/>
-                    </a:lnR>
-                    <a:lnT w="6350" cap="flat" cmpd="sng" algn="ctr">
-                      <a:solidFill>
-                        <a:srgbClr val="000000"/>
-                      </a:solidFill>
-                      <a:prstDash val="solid"/>
-                      <a:round/>
-                      <a:headEnd type="none" w="med" len="med"/>
-                      <a:tailEnd type="none" w="med" len="med"/>
-                    </a:lnT>
-                    <a:lnB w="6350" cap="flat" cmpd="sng" algn="ctr">
-                      <a:solidFill>
-                        <a:srgbClr val="000000"/>
-                      </a:solidFill>
-                      <a:prstDash val="solid"/>
-                      <a:round/>
-                      <a:headEnd type="none" w="med" len="med"/>
-                      <a:tailEnd type="none" w="med" len="med"/>
-                    </a:lnB>
-                    <a:solidFill>
-                      <a:srgbClr val="B8CCE4"/>
-                    </a:solidFill>
-                  </a:tcPr>
-                </a:tc>
-                <a:tc>
-                  <a:txBody>
-                    <a:bodyPr/>
-                    <a:lstStyle/>
-                    <a:p>
-                      <a:pPr algn="ctr" fontAlgn="ctr"/>
-                      <a:r>
-                        <a:rPr lang="en-US" sz="900" b="0" i="0" u="none" strike="noStrike">
-                          <a:solidFill>
-                            <a:srgbClr val="000000"/>
-                          </a:solidFill>
-                          <a:effectLst/>
-                          <a:latin typeface="Calibri"/>
-                        </a:rPr>
-                        <a:t>Relay Interface (Software) </a:t>
-                      </a:r>
-                    </a:p>
-                  </a:txBody>
-                  <a:tcPr marL="9223" marR="9223" marT="9223" marB="0" anchor="ctr">
-                    <a:lnL w="6350" cap="flat" cmpd="sng" algn="ctr">
-                      <a:solidFill>
-                        <a:srgbClr val="000000"/>
-                      </a:solidFill>
-                      <a:prstDash val="solid"/>
-                      <a:round/>
-                      <a:headEnd type="none" w="med" len="med"/>
-                      <a:tailEnd type="none" w="med" len="med"/>
-                    </a:lnL>
-                    <a:lnR w="6350" cap="flat" cmpd="sng" algn="ctr">
-                      <a:solidFill>
-                        <a:srgbClr val="000000"/>
-                      </a:solidFill>
-                      <a:prstDash val="solid"/>
-                      <a:round/>
-                      <a:headEnd type="none" w="med" len="med"/>
-                      <a:tailEnd type="none" w="med" len="med"/>
-                    </a:lnR>
-                    <a:lnT w="6350" cap="flat" cmpd="sng" algn="ctr">
-                      <a:solidFill>
-                        <a:srgbClr val="000000"/>
-                      </a:solidFill>
-                      <a:prstDash val="solid"/>
-                      <a:round/>
-                      <a:headEnd type="none" w="med" len="med"/>
-                      <a:tailEnd type="none" w="med" len="med"/>
-                    </a:lnT>
-                    <a:lnB w="6350" cap="flat" cmpd="sng" algn="ctr">
-                      <a:solidFill>
-                        <a:srgbClr val="000000"/>
-                      </a:solidFill>
-                      <a:prstDash val="solid"/>
-                      <a:round/>
-                      <a:headEnd type="none" w="med" len="med"/>
-                      <a:tailEnd type="none" w="med" len="med"/>
-                    </a:lnB>
-                    <a:solidFill>
-                      <a:srgbClr val="B8CCE4"/>
-                    </a:solidFill>
-                  </a:tcPr>
-                </a:tc>
-                <a:tc>
-                  <a:txBody>
-                    <a:bodyPr/>
-                    <a:lstStyle/>
-                    <a:p>
-                      <a:pPr algn="ctr" fontAlgn="ctr"/>
-                      <a:r>
-                        <a:rPr lang="en-US" sz="900" b="0" i="0" u="none" strike="noStrike">
-                          <a:solidFill>
-                            <a:srgbClr val="000000"/>
-                          </a:solidFill>
-                          <a:effectLst/>
-                          <a:latin typeface="Calibri"/>
-                        </a:rPr>
-                        <a:t>9/14/15</a:t>
-                      </a:r>
-                    </a:p>
-                  </a:txBody>
-                  <a:tcPr marL="9223" marR="9223" marT="9223" marB="0" anchor="ctr">
-                    <a:lnL w="6350" cap="flat" cmpd="sng" algn="ctr">
-                      <a:solidFill>
-                        <a:srgbClr val="000000"/>
-                      </a:solidFill>
-                      <a:prstDash val="solid"/>
-                      <a:round/>
-                      <a:headEnd type="none" w="med" len="med"/>
-                      <a:tailEnd type="none" w="med" len="med"/>
-                    </a:lnL>
-                    <a:lnR w="6350" cap="flat" cmpd="sng" algn="ctr">
-                      <a:solidFill>
-                        <a:srgbClr val="000000"/>
-                      </a:solidFill>
-                      <a:prstDash val="solid"/>
-                      <a:round/>
-                      <a:headEnd type="none" w="med" len="med"/>
-                      <a:tailEnd type="none" w="med" len="med"/>
-                    </a:lnR>
-                    <a:lnT w="6350" cap="flat" cmpd="sng" algn="ctr">
-                      <a:solidFill>
-                        <a:srgbClr val="000000"/>
-                      </a:solidFill>
-                      <a:prstDash val="solid"/>
-                      <a:round/>
-                      <a:headEnd type="none" w="med" len="med"/>
-                      <a:tailEnd type="none" w="med" len="med"/>
-                    </a:lnT>
-                    <a:lnB w="6350" cap="flat" cmpd="sng" algn="ctr">
-                      <a:solidFill>
-                        <a:srgbClr val="000000"/>
-                      </a:solidFill>
-                      <a:prstDash val="solid"/>
-                      <a:round/>
-                      <a:headEnd type="none" w="med" len="med"/>
-                      <a:tailEnd type="none" w="med" len="med"/>
-                    </a:lnB>
-                    <a:solidFill>
-                      <a:srgbClr val="B8CCE4"/>
-                    </a:solidFill>
-                  </a:tcPr>
-                </a:tc>
-                <a:tc>
-                  <a:txBody>
-                    <a:bodyPr/>
-                    <a:lstStyle/>
-                    <a:p>
-                      <a:pPr algn="ctr" fontAlgn="ctr"/>
-                      <a:r>
-                        <a:rPr lang="en-US" sz="900" b="0" i="0" u="none" strike="noStrike">
-                          <a:solidFill>
-                            <a:srgbClr val="000000"/>
-                          </a:solidFill>
-                          <a:effectLst/>
-                          <a:latin typeface="Calibri"/>
-                        </a:rPr>
-                        <a:t>9/15/15</a:t>
-                      </a:r>
-                    </a:p>
-                  </a:txBody>
-                  <a:tcPr marL="9223" marR="9223" marT="9223" marB="0" anchor="ctr">
-                    <a:lnL w="6350" cap="flat" cmpd="sng" algn="ctr">
-                      <a:solidFill>
-                        <a:srgbClr val="000000"/>
-                      </a:solidFill>
-                      <a:prstDash val="solid"/>
-                      <a:round/>
-                      <a:headEnd type="none" w="med" len="med"/>
-                      <a:tailEnd type="none" w="med" len="med"/>
-                    </a:lnL>
-                    <a:lnR w="6350" cap="flat" cmpd="sng" algn="ctr">
-                      <a:solidFill>
-                        <a:srgbClr val="000000"/>
-                      </a:solidFill>
-                      <a:prstDash val="solid"/>
-                      <a:round/>
-                      <a:headEnd type="none" w="med" len="med"/>
-                      <a:tailEnd type="none" w="med" len="med"/>
-                    </a:lnR>
-                    <a:lnT w="6350" cap="flat" cmpd="sng" algn="ctr">
-                      <a:solidFill>
-                        <a:srgbClr val="000000"/>
-                      </a:solidFill>
-                      <a:prstDash val="solid"/>
-                      <a:round/>
-                      <a:headEnd type="none" w="med" len="med"/>
-                      <a:tailEnd type="none" w="med" len="med"/>
-                    </a:lnT>
-                    <a:lnB w="6350" cap="flat" cmpd="sng" algn="ctr">
-                      <a:solidFill>
-                        <a:srgbClr val="000000"/>
-                      </a:solidFill>
-                      <a:prstDash val="solid"/>
-                      <a:round/>
-                      <a:headEnd type="none" w="med" len="med"/>
-                      <a:tailEnd type="none" w="med" len="med"/>
-                    </a:lnB>
-                    <a:solidFill>
-                      <a:srgbClr val="B8CCE4"/>
-                    </a:solidFill>
-                  </a:tcPr>
-                </a:tc>
-                <a:tc>
-                  <a:txBody>
-                    <a:bodyPr/>
-                    <a:lstStyle/>
-                    <a:p>
-                      <a:pPr algn="ctr" fontAlgn="ctr"/>
-                      <a:r>
-                        <a:rPr lang="en-US" sz="900" b="0" i="0" u="none" strike="noStrike">
-                          <a:solidFill>
-                            <a:srgbClr val="000000"/>
-                          </a:solidFill>
-                          <a:effectLst/>
-                          <a:latin typeface="Calibri"/>
-                        </a:rPr>
-                        <a:t>2d </a:t>
-                      </a:r>
-                    </a:p>
-                  </a:txBody>
-                  <a:tcPr marL="9223" marR="9223" marT="9223" marB="0" anchor="ctr">
-                    <a:lnL w="6350" cap="flat" cmpd="sng" algn="ctr">
-                      <a:solidFill>
-                        <a:srgbClr val="000000"/>
-                      </a:solidFill>
-                      <a:prstDash val="solid"/>
-                      <a:round/>
-                      <a:headEnd type="none" w="med" len="med"/>
-                      <a:tailEnd type="none" w="med" len="med"/>
-                    </a:lnL>
-                    <a:lnR w="6350" cap="flat" cmpd="sng" algn="ctr">
-                      <a:solidFill>
-                        <a:srgbClr val="000000"/>
-                      </a:solidFill>
-                      <a:prstDash val="solid"/>
-                      <a:round/>
-                      <a:headEnd type="none" w="med" len="med"/>
-                      <a:tailEnd type="none" w="med" len="med"/>
-                    </a:lnR>
-                    <a:lnT w="6350" cap="flat" cmpd="sng" algn="ctr">
-                      <a:solidFill>
-                        <a:srgbClr val="000000"/>
-                      </a:solidFill>
-                      <a:prstDash val="solid"/>
-                      <a:round/>
-                      <a:headEnd type="none" w="med" len="med"/>
-                      <a:tailEnd type="none" w="med" len="med"/>
-                    </a:lnT>
-                    <a:lnB w="6350" cap="flat" cmpd="sng" algn="ctr">
-                      <a:solidFill>
-                        <a:srgbClr val="000000"/>
-                      </a:solidFill>
-                      <a:prstDash val="solid"/>
-                      <a:round/>
-                      <a:headEnd type="none" w="med" len="med"/>
-                      <a:tailEnd type="none" w="med" len="med"/>
-                    </a:lnB>
-                    <a:solidFill>
-                      <a:srgbClr val="B8CCE4"/>
-                    </a:solidFill>
-                  </a:tcPr>
-                </a:tc>
-                <a:tc>
-                  <a:txBody>
-                    <a:bodyPr/>
-                    <a:lstStyle/>
-                    <a:p>
-                      <a:pPr algn="ctr" fontAlgn="ctr"/>
-                      <a:r>
-                        <a:rPr lang="en-US" sz="900" b="0" i="0" u="none" strike="noStrike">
-                          <a:solidFill>
-                            <a:srgbClr val="000000"/>
-                          </a:solidFill>
-                          <a:effectLst/>
-                          <a:latin typeface="Calibri"/>
-                        </a:rPr>
-                        <a:t>Connor</a:t>
-                      </a:r>
-                    </a:p>
-                  </a:txBody>
-                  <a:tcPr marL="9223" marR="9223" marT="9223" marB="0" anchor="ctr">
-                    <a:lnL w="6350" cap="flat" cmpd="sng" algn="ctr">
-                      <a:solidFill>
-                        <a:srgbClr val="000000"/>
-                      </a:solidFill>
-                      <a:prstDash val="solid"/>
-                      <a:round/>
-                      <a:headEnd type="none" w="med" len="med"/>
-                      <a:tailEnd type="none" w="med" len="med"/>
-                    </a:lnL>
-                    <a:lnR w="6350" cap="flat" cmpd="sng" algn="ctr">
-                      <a:solidFill>
-                        <a:srgbClr val="000000"/>
-                      </a:solidFill>
-                      <a:prstDash val="solid"/>
-                      <a:round/>
-                      <a:headEnd type="none" w="med" len="med"/>
-                      <a:tailEnd type="none" w="med" len="med"/>
-                    </a:lnR>
-                    <a:lnT w="6350" cap="flat" cmpd="sng" algn="ctr">
-                      <a:solidFill>
-                        <a:srgbClr val="000000"/>
-                      </a:solidFill>
-                      <a:prstDash val="solid"/>
-                      <a:round/>
-                      <a:headEnd type="none" w="med" len="med"/>
-                      <a:tailEnd type="none" w="med" len="med"/>
-                    </a:lnT>
-                    <a:lnB w="6350" cap="flat" cmpd="sng" algn="ctr">
-                      <a:solidFill>
-                        <a:srgbClr val="000000"/>
-                      </a:solidFill>
-                      <a:prstDash val="solid"/>
-                      <a:round/>
-                      <a:headEnd type="none" w="med" len="med"/>
-                      <a:tailEnd type="none" w="med" len="med"/>
-                    </a:lnB>
-                    <a:solidFill>
-                      <a:srgbClr val="B8CCE4"/>
-                    </a:solidFill>
-                  </a:tcPr>
-                </a:tc>
-              </a:tr>
-              <a:tr h="270904">
-                <a:tc>
-                  <a:txBody>
-                    <a:bodyPr/>
-                    <a:lstStyle/>
-                    <a:p>
-                      <a:pPr algn="ctr" fontAlgn="ctr"/>
-                      <a:r>
-                        <a:rPr lang="en-US" sz="900" b="0" i="0" u="none" strike="noStrike">
-                          <a:solidFill>
-                            <a:srgbClr val="000000"/>
-                          </a:solidFill>
-                          <a:effectLst/>
-                          <a:latin typeface="Calibri"/>
-                        </a:rPr>
-                        <a:t>8</a:t>
-                      </a:r>
-                    </a:p>
-                  </a:txBody>
-                  <a:tcPr marL="9223" marR="9223" marT="9223" marB="0" anchor="ctr">
-                    <a:lnL w="6350" cap="flat" cmpd="sng" algn="ctr">
-                      <a:solidFill>
-                        <a:srgbClr val="000000"/>
-                      </a:solidFill>
-                      <a:prstDash val="solid"/>
-                      <a:round/>
-                      <a:headEnd type="none" w="med" len="med"/>
-                      <a:tailEnd type="none" w="med" len="med"/>
-                    </a:lnL>
-                    <a:lnR w="6350" cap="flat" cmpd="sng" algn="ctr">
-                      <a:solidFill>
-                        <a:srgbClr val="000000"/>
-                      </a:solidFill>
-                      <a:prstDash val="solid"/>
-                      <a:round/>
-                      <a:headEnd type="none" w="med" len="med"/>
-                      <a:tailEnd type="none" w="med" len="med"/>
-                    </a:lnR>
-                    <a:lnT w="6350" cap="flat" cmpd="sng" algn="ctr">
-                      <a:solidFill>
-                        <a:srgbClr val="000000"/>
-                      </a:solidFill>
-                      <a:prstDash val="solid"/>
-                      <a:round/>
-                      <a:headEnd type="none" w="med" len="med"/>
-                      <a:tailEnd type="none" w="med" len="med"/>
-                    </a:lnT>
-                    <a:lnB w="6350" cap="flat" cmpd="sng" algn="ctr">
-                      <a:solidFill>
-                        <a:srgbClr val="000000"/>
-                      </a:solidFill>
-                      <a:prstDash val="solid"/>
-                      <a:round/>
-                      <a:headEnd type="none" w="med" len="med"/>
-                      <a:tailEnd type="none" w="med" len="med"/>
-                    </a:lnB>
-                    <a:solidFill>
-                      <a:srgbClr val="B8CCE4"/>
-                    </a:solidFill>
-                  </a:tcPr>
-                </a:tc>
-                <a:tc>
-                  <a:txBody>
-                    <a:bodyPr/>
-                    <a:lstStyle/>
-                    <a:p>
-                      <a:pPr algn="ctr" fontAlgn="ctr"/>
-                      <a:r>
-                        <a:rPr lang="en-US" sz="900" b="0" i="0" u="none" strike="noStrike">
-                          <a:solidFill>
-                            <a:srgbClr val="000000"/>
-                          </a:solidFill>
-                          <a:effectLst/>
-                          <a:latin typeface="Calibri"/>
-                        </a:rPr>
-                        <a:t>Motion Sensor Logic </a:t>
-                      </a:r>
-                    </a:p>
-                  </a:txBody>
-                  <a:tcPr marL="9223" marR="9223" marT="9223" marB="0" anchor="ctr">
-                    <a:lnL w="6350" cap="flat" cmpd="sng" algn="ctr">
-                      <a:solidFill>
-                        <a:srgbClr val="000000"/>
-                      </a:solidFill>
-                      <a:prstDash val="solid"/>
-                      <a:round/>
-                      <a:headEnd type="none" w="med" len="med"/>
-                      <a:tailEnd type="none" w="med" len="med"/>
-                    </a:lnL>
-                    <a:lnR w="6350" cap="flat" cmpd="sng" algn="ctr">
-                      <a:solidFill>
-                        <a:srgbClr val="000000"/>
-                      </a:solidFill>
-                      <a:prstDash val="solid"/>
-                      <a:round/>
-                      <a:headEnd type="none" w="med" len="med"/>
-                      <a:tailEnd type="none" w="med" len="med"/>
-                    </a:lnR>
-                    <a:lnT w="6350" cap="flat" cmpd="sng" algn="ctr">
-                      <a:solidFill>
-                        <a:srgbClr val="000000"/>
-                      </a:solidFill>
-                      <a:prstDash val="solid"/>
-                      <a:round/>
-                      <a:headEnd type="none" w="med" len="med"/>
-                      <a:tailEnd type="none" w="med" len="med"/>
-                    </a:lnT>
-                    <a:lnB w="6350" cap="flat" cmpd="sng" algn="ctr">
-                      <a:solidFill>
-                        <a:srgbClr val="000000"/>
-                      </a:solidFill>
-                      <a:prstDash val="solid"/>
-                      <a:round/>
-                      <a:headEnd type="none" w="med" len="med"/>
-                      <a:tailEnd type="none" w="med" len="med"/>
-                    </a:lnB>
-                    <a:solidFill>
-                      <a:srgbClr val="B8CCE4"/>
-                    </a:solidFill>
-                  </a:tcPr>
-                </a:tc>
-                <a:tc>
-                  <a:txBody>
-                    <a:bodyPr/>
-                    <a:lstStyle/>
-                    <a:p>
-                      <a:pPr algn="ctr" fontAlgn="ctr"/>
-                      <a:r>
-                        <a:rPr lang="en-US" sz="900" b="0" i="0" u="none" strike="noStrike">
-                          <a:solidFill>
-                            <a:srgbClr val="000000"/>
-                          </a:solidFill>
-                          <a:effectLst/>
-                          <a:latin typeface="Calibri"/>
-                        </a:rPr>
-                        <a:t>9/16/15</a:t>
-                      </a:r>
-                    </a:p>
-                  </a:txBody>
-                  <a:tcPr marL="9223" marR="9223" marT="9223" marB="0" anchor="ctr">
-                    <a:lnL w="6350" cap="flat" cmpd="sng" algn="ctr">
-                      <a:solidFill>
-                        <a:srgbClr val="000000"/>
-                      </a:solidFill>
-                      <a:prstDash val="solid"/>
-                      <a:round/>
-                      <a:headEnd type="none" w="med" len="med"/>
-                      <a:tailEnd type="none" w="med" len="med"/>
-                    </a:lnL>
-                    <a:lnR w="6350" cap="flat" cmpd="sng" algn="ctr">
-                      <a:solidFill>
-                        <a:srgbClr val="000000"/>
-                      </a:solidFill>
-                      <a:prstDash val="solid"/>
-                      <a:round/>
-                      <a:headEnd type="none" w="med" len="med"/>
-                      <a:tailEnd type="none" w="med" len="med"/>
-                    </a:lnR>
-                    <a:lnT w="6350" cap="flat" cmpd="sng" algn="ctr">
-                      <a:solidFill>
-                        <a:srgbClr val="000000"/>
-                      </a:solidFill>
-                      <a:prstDash val="solid"/>
-                      <a:round/>
-                      <a:headEnd type="none" w="med" len="med"/>
-                      <a:tailEnd type="none" w="med" len="med"/>
-                    </a:lnT>
-                    <a:lnB w="6350" cap="flat" cmpd="sng" algn="ctr">
-                      <a:solidFill>
-                        <a:srgbClr val="000000"/>
-                      </a:solidFill>
-                      <a:prstDash val="solid"/>
-                      <a:round/>
-                      <a:headEnd type="none" w="med" len="med"/>
-                      <a:tailEnd type="none" w="med" len="med"/>
-                    </a:lnB>
-                    <a:solidFill>
-                      <a:srgbClr val="B8CCE4"/>
-                    </a:solidFill>
-                  </a:tcPr>
-                </a:tc>
-                <a:tc>
-                  <a:txBody>
-                    <a:bodyPr/>
-                    <a:lstStyle/>
-                    <a:p>
-                      <a:pPr algn="ctr" fontAlgn="ctr"/>
-                      <a:r>
-                        <a:rPr lang="en-US" sz="900" b="0" i="0" u="none" strike="noStrike">
-                          <a:solidFill>
-                            <a:srgbClr val="000000"/>
-                          </a:solidFill>
-                          <a:effectLst/>
-                          <a:latin typeface="Calibri"/>
-                        </a:rPr>
-                        <a:t>9/17/15</a:t>
-                      </a:r>
-                    </a:p>
-                  </a:txBody>
-                  <a:tcPr marL="9223" marR="9223" marT="9223" marB="0" anchor="ctr">
-                    <a:lnL w="6350" cap="flat" cmpd="sng" algn="ctr">
-                      <a:solidFill>
-                        <a:srgbClr val="000000"/>
-                      </a:solidFill>
-                      <a:prstDash val="solid"/>
-                      <a:round/>
-                      <a:headEnd type="none" w="med" len="med"/>
-                      <a:tailEnd type="none" w="med" len="med"/>
-                    </a:lnL>
-                    <a:lnR w="6350" cap="flat" cmpd="sng" algn="ctr">
-                      <a:solidFill>
-                        <a:srgbClr val="000000"/>
-                      </a:solidFill>
-                      <a:prstDash val="solid"/>
-                      <a:round/>
-                      <a:headEnd type="none" w="med" len="med"/>
-                      <a:tailEnd type="none" w="med" len="med"/>
-                    </a:lnR>
-                    <a:lnT w="6350" cap="flat" cmpd="sng" algn="ctr">
-                      <a:solidFill>
-                        <a:srgbClr val="000000"/>
-                      </a:solidFill>
-                      <a:prstDash val="solid"/>
-                      <a:round/>
-                      <a:headEnd type="none" w="med" len="med"/>
-                      <a:tailEnd type="none" w="med" len="med"/>
-                    </a:lnT>
-                    <a:lnB w="6350" cap="flat" cmpd="sng" algn="ctr">
-                      <a:solidFill>
-                        <a:srgbClr val="000000"/>
-                      </a:solidFill>
-                      <a:prstDash val="solid"/>
-                      <a:round/>
-                      <a:headEnd type="none" w="med" len="med"/>
-                      <a:tailEnd type="none" w="med" len="med"/>
-                    </a:lnB>
-                    <a:solidFill>
-                      <a:srgbClr val="B8CCE4"/>
-                    </a:solidFill>
-                  </a:tcPr>
-                </a:tc>
-                <a:tc>
-                  <a:txBody>
-                    <a:bodyPr/>
-                    <a:lstStyle/>
-                    <a:p>
-                      <a:pPr algn="ctr" fontAlgn="ctr"/>
-                      <a:r>
-                        <a:rPr lang="en-US" sz="900" b="0" i="0" u="none" strike="noStrike">
-                          <a:solidFill>
-                            <a:srgbClr val="000000"/>
-                          </a:solidFill>
-                          <a:effectLst/>
-                          <a:latin typeface="Calibri"/>
-                        </a:rPr>
-                        <a:t>2d </a:t>
-                      </a:r>
-                    </a:p>
-                  </a:txBody>
-                  <a:tcPr marL="9223" marR="9223" marT="9223" marB="0" anchor="ctr">
-                    <a:lnL w="6350" cap="flat" cmpd="sng" algn="ctr">
-                      <a:solidFill>
-                        <a:srgbClr val="000000"/>
-                      </a:solidFill>
-                      <a:prstDash val="solid"/>
-                      <a:round/>
-                      <a:headEnd type="none" w="med" len="med"/>
-                      <a:tailEnd type="none" w="med" len="med"/>
-                    </a:lnL>
-                    <a:lnR w="6350" cap="flat" cmpd="sng" algn="ctr">
-                      <a:solidFill>
-                        <a:srgbClr val="000000"/>
-                      </a:solidFill>
-                      <a:prstDash val="solid"/>
-                      <a:round/>
-                      <a:headEnd type="none" w="med" len="med"/>
-                      <a:tailEnd type="none" w="med" len="med"/>
-                    </a:lnR>
-                    <a:lnT w="6350" cap="flat" cmpd="sng" algn="ctr">
-                      <a:solidFill>
-                        <a:srgbClr val="000000"/>
-                      </a:solidFill>
-                      <a:prstDash val="solid"/>
-                      <a:round/>
-                      <a:headEnd type="none" w="med" len="med"/>
-                      <a:tailEnd type="none" w="med" len="med"/>
-                    </a:lnT>
-                    <a:lnB w="6350" cap="flat" cmpd="sng" algn="ctr">
-                      <a:solidFill>
-                        <a:srgbClr val="000000"/>
-                      </a:solidFill>
-                      <a:prstDash val="solid"/>
-                      <a:round/>
-                      <a:headEnd type="none" w="med" len="med"/>
-                      <a:tailEnd type="none" w="med" len="med"/>
-                    </a:lnB>
-                    <a:solidFill>
-                      <a:srgbClr val="B8CCE4"/>
-                    </a:solidFill>
-                  </a:tcPr>
-                </a:tc>
-                <a:tc>
-                  <a:txBody>
-                    <a:bodyPr/>
-                    <a:lstStyle/>
-                    <a:p>
-                      <a:pPr algn="ctr" fontAlgn="ctr"/>
-                      <a:r>
-                        <a:rPr lang="en-US" sz="900" b="0" i="0" u="none" strike="noStrike">
-                          <a:solidFill>
-                            <a:srgbClr val="000000"/>
-                          </a:solidFill>
-                          <a:effectLst/>
-                          <a:latin typeface="Calibri"/>
-                        </a:rPr>
-                        <a:t>Joe</a:t>
-                      </a:r>
-                    </a:p>
-                  </a:txBody>
-                  <a:tcPr marL="9223" marR="9223" marT="9223" marB="0" anchor="ctr">
-                    <a:lnL w="6350" cap="flat" cmpd="sng" algn="ctr">
-                      <a:solidFill>
-                        <a:srgbClr val="000000"/>
-                      </a:solidFill>
-                      <a:prstDash val="solid"/>
-                      <a:round/>
-                      <a:headEnd type="none" w="med" len="med"/>
-                      <a:tailEnd type="none" w="med" len="med"/>
-                    </a:lnL>
-                    <a:lnR w="6350" cap="flat" cmpd="sng" algn="ctr">
-                      <a:solidFill>
-                        <a:srgbClr val="000000"/>
-                      </a:solidFill>
-                      <a:prstDash val="solid"/>
-                      <a:round/>
-                      <a:headEnd type="none" w="med" len="med"/>
-                      <a:tailEnd type="none" w="med" len="med"/>
-                    </a:lnR>
-                    <a:lnT w="6350" cap="flat" cmpd="sng" algn="ctr">
-                      <a:solidFill>
-                        <a:srgbClr val="000000"/>
-                      </a:solidFill>
-                      <a:prstDash val="solid"/>
-                      <a:round/>
-                      <a:headEnd type="none" w="med" len="med"/>
-                      <a:tailEnd type="none" w="med" len="med"/>
-                    </a:lnT>
-                    <a:lnB w="6350" cap="flat" cmpd="sng" algn="ctr">
-                      <a:solidFill>
-                        <a:srgbClr val="000000"/>
-                      </a:solidFill>
-                      <a:prstDash val="solid"/>
-                      <a:round/>
-                      <a:headEnd type="none" w="med" len="med"/>
-                      <a:tailEnd type="none" w="med" len="med"/>
-                    </a:lnB>
-                    <a:solidFill>
-                      <a:srgbClr val="B8CCE4"/>
-                    </a:solidFill>
-                  </a:tcPr>
-                </a:tc>
-              </a:tr>
-              <a:tr h="320322">
-                <a:tc>
-                  <a:txBody>
-                    <a:bodyPr/>
-                    <a:lstStyle/>
-                    <a:p>
-                      <a:pPr algn="ctr" fontAlgn="ctr"/>
-                      <a:r>
-                        <a:rPr lang="en-US" sz="900" b="0" i="0" u="none" strike="noStrike">
-                          <a:solidFill>
-                            <a:srgbClr val="000000"/>
-                          </a:solidFill>
-                          <a:effectLst/>
-                          <a:latin typeface="Calibri"/>
-                        </a:rPr>
-                        <a:t>9</a:t>
-                      </a:r>
-                    </a:p>
-                  </a:txBody>
-                  <a:tcPr marL="9223" marR="9223" marT="9223" marB="0" anchor="ctr">
-                    <a:lnL w="6350" cap="flat" cmpd="sng" algn="ctr">
-                      <a:solidFill>
-                        <a:srgbClr val="000000"/>
-                      </a:solidFill>
-                      <a:prstDash val="solid"/>
-                      <a:round/>
-                      <a:headEnd type="none" w="med" len="med"/>
-                      <a:tailEnd type="none" w="med" len="med"/>
-                    </a:lnL>
-                    <a:lnR w="6350" cap="flat" cmpd="sng" algn="ctr">
-                      <a:solidFill>
-                        <a:srgbClr val="000000"/>
-                      </a:solidFill>
-                      <a:prstDash val="solid"/>
-                      <a:round/>
-                      <a:headEnd type="none" w="med" len="med"/>
-                      <a:tailEnd type="none" w="med" len="med"/>
-                    </a:lnR>
-                    <a:lnT w="6350" cap="flat" cmpd="sng" algn="ctr">
-                      <a:solidFill>
-                        <a:srgbClr val="000000"/>
-                      </a:solidFill>
-                      <a:prstDash val="solid"/>
-                      <a:round/>
-                      <a:headEnd type="none" w="med" len="med"/>
-                      <a:tailEnd type="none" w="med" len="med"/>
-                    </a:lnT>
-                    <a:lnB w="6350" cap="flat" cmpd="sng" algn="ctr">
-                      <a:solidFill>
-                        <a:srgbClr val="000000"/>
-                      </a:solidFill>
-                      <a:prstDash val="solid"/>
-                      <a:round/>
-                      <a:headEnd type="none" w="med" len="med"/>
-                      <a:tailEnd type="none" w="med" len="med"/>
-                    </a:lnB>
-                    <a:solidFill>
-                      <a:srgbClr val="B8CCE4"/>
-                    </a:solidFill>
-                  </a:tcPr>
-                </a:tc>
-                <a:tc>
-                  <a:txBody>
-                    <a:bodyPr/>
-                    <a:lstStyle/>
-                    <a:p>
-                      <a:pPr algn="ctr" fontAlgn="ctr"/>
-                      <a:r>
-                        <a:rPr lang="en-US" sz="900" b="0" i="0" u="none" strike="noStrike">
-                          <a:solidFill>
-                            <a:srgbClr val="000000"/>
-                          </a:solidFill>
-                          <a:effectLst/>
-                          <a:latin typeface="Calibri"/>
-                        </a:rPr>
-                        <a:t>Web Server Logic (Base) </a:t>
-                      </a:r>
-                    </a:p>
-                  </a:txBody>
-                  <a:tcPr marL="9223" marR="9223" marT="9223" marB="0" anchor="ctr">
-                    <a:lnL w="6350" cap="flat" cmpd="sng" algn="ctr">
-                      <a:solidFill>
-                        <a:srgbClr val="000000"/>
-                      </a:solidFill>
-                      <a:prstDash val="solid"/>
-                      <a:round/>
-                      <a:headEnd type="none" w="med" len="med"/>
-                      <a:tailEnd type="none" w="med" len="med"/>
-                    </a:lnL>
-                    <a:lnR w="6350" cap="flat" cmpd="sng" algn="ctr">
-                      <a:solidFill>
-                        <a:srgbClr val="000000"/>
-                      </a:solidFill>
-                      <a:prstDash val="solid"/>
-                      <a:round/>
-                      <a:headEnd type="none" w="med" len="med"/>
-                      <a:tailEnd type="none" w="med" len="med"/>
-                    </a:lnR>
-                    <a:lnT w="6350" cap="flat" cmpd="sng" algn="ctr">
-                      <a:solidFill>
-                        <a:srgbClr val="000000"/>
-                      </a:solidFill>
-                      <a:prstDash val="solid"/>
-                      <a:round/>
-                      <a:headEnd type="none" w="med" len="med"/>
-                      <a:tailEnd type="none" w="med" len="med"/>
-                    </a:lnT>
-                    <a:lnB w="6350" cap="flat" cmpd="sng" algn="ctr">
-                      <a:solidFill>
-                        <a:srgbClr val="000000"/>
-                      </a:solidFill>
-                      <a:prstDash val="solid"/>
-                      <a:round/>
-                      <a:headEnd type="none" w="med" len="med"/>
-                      <a:tailEnd type="none" w="med" len="med"/>
-                    </a:lnB>
-                    <a:solidFill>
-                      <a:srgbClr val="B8CCE4"/>
-                    </a:solidFill>
-                  </a:tcPr>
-                </a:tc>
-                <a:tc>
-                  <a:txBody>
-                    <a:bodyPr/>
-                    <a:lstStyle/>
-                    <a:p>
-                      <a:pPr algn="ctr" fontAlgn="ctr"/>
-                      <a:r>
-                        <a:rPr lang="en-US" sz="900" b="0" i="0" u="none" strike="noStrike">
-                          <a:solidFill>
-                            <a:srgbClr val="000000"/>
-                          </a:solidFill>
-                          <a:effectLst/>
-                          <a:latin typeface="Calibri"/>
-                        </a:rPr>
-                        <a:t>9/25/15</a:t>
-                      </a:r>
-                    </a:p>
-                  </a:txBody>
-                  <a:tcPr marL="9223" marR="9223" marT="9223" marB="0" anchor="ctr">
-                    <a:lnL w="6350" cap="flat" cmpd="sng" algn="ctr">
-                      <a:solidFill>
-                        <a:srgbClr val="000000"/>
-                      </a:solidFill>
-                      <a:prstDash val="solid"/>
-                      <a:round/>
-                      <a:headEnd type="none" w="med" len="med"/>
-                      <a:tailEnd type="none" w="med" len="med"/>
-                    </a:lnL>
-                    <a:lnR w="6350" cap="flat" cmpd="sng" algn="ctr">
-                      <a:solidFill>
-                        <a:srgbClr val="000000"/>
-                      </a:solidFill>
-                      <a:prstDash val="solid"/>
-                      <a:round/>
-                      <a:headEnd type="none" w="med" len="med"/>
-                      <a:tailEnd type="none" w="med" len="med"/>
-                    </a:lnR>
-                    <a:lnT w="6350" cap="flat" cmpd="sng" algn="ctr">
-                      <a:solidFill>
-                        <a:srgbClr val="000000"/>
-                      </a:solidFill>
-                      <a:prstDash val="solid"/>
-                      <a:round/>
-                      <a:headEnd type="none" w="med" len="med"/>
-                      <a:tailEnd type="none" w="med" len="med"/>
-                    </a:lnT>
-                    <a:lnB w="6350" cap="flat" cmpd="sng" algn="ctr">
-                      <a:solidFill>
-                        <a:srgbClr val="000000"/>
-                      </a:solidFill>
-                      <a:prstDash val="solid"/>
-                      <a:round/>
-                      <a:headEnd type="none" w="med" len="med"/>
-                      <a:tailEnd type="none" w="med" len="med"/>
-                    </a:lnB>
-                    <a:solidFill>
-                      <a:srgbClr val="B8CCE4"/>
-                    </a:solidFill>
-                  </a:tcPr>
-                </a:tc>
-                <a:tc>
-                  <a:txBody>
-                    <a:bodyPr/>
-                    <a:lstStyle/>
-                    <a:p>
-                      <a:pPr algn="ctr" fontAlgn="ctr"/>
-                      <a:r>
-                        <a:rPr lang="en-US" sz="900" b="0" i="0" u="none" strike="noStrike">
-                          <a:solidFill>
-                            <a:srgbClr val="000000"/>
-                          </a:solidFill>
-                          <a:effectLst/>
-                          <a:latin typeface="Calibri"/>
-                        </a:rPr>
-                        <a:t>10/1/15</a:t>
-                      </a:r>
-                    </a:p>
-                  </a:txBody>
-                  <a:tcPr marL="9223" marR="9223" marT="9223" marB="0" anchor="ctr">
-                    <a:lnL w="6350" cap="flat" cmpd="sng" algn="ctr">
-                      <a:solidFill>
-                        <a:srgbClr val="000000"/>
-                      </a:solidFill>
-                      <a:prstDash val="solid"/>
-                      <a:round/>
-                      <a:headEnd type="none" w="med" len="med"/>
-                      <a:tailEnd type="none" w="med" len="med"/>
-                    </a:lnL>
-                    <a:lnR w="6350" cap="flat" cmpd="sng" algn="ctr">
-                      <a:solidFill>
-                        <a:srgbClr val="000000"/>
-                      </a:solidFill>
-                      <a:prstDash val="solid"/>
-                      <a:round/>
-                      <a:headEnd type="none" w="med" len="med"/>
-                      <a:tailEnd type="none" w="med" len="med"/>
-                    </a:lnR>
-                    <a:lnT w="6350" cap="flat" cmpd="sng" algn="ctr">
-                      <a:solidFill>
-                        <a:srgbClr val="000000"/>
-                      </a:solidFill>
-                      <a:prstDash val="solid"/>
-                      <a:round/>
-                      <a:headEnd type="none" w="med" len="med"/>
-                      <a:tailEnd type="none" w="med" len="med"/>
-                    </a:lnT>
-                    <a:lnB w="6350" cap="flat" cmpd="sng" algn="ctr">
-                      <a:solidFill>
-                        <a:srgbClr val="000000"/>
-                      </a:solidFill>
-                      <a:prstDash val="solid"/>
-                      <a:round/>
-                      <a:headEnd type="none" w="med" len="med"/>
-                      <a:tailEnd type="none" w="med" len="med"/>
-                    </a:lnB>
-                    <a:solidFill>
-                      <a:srgbClr val="B8CCE4"/>
-                    </a:solidFill>
-                  </a:tcPr>
-                </a:tc>
-                <a:tc>
-                  <a:txBody>
-                    <a:bodyPr/>
-                    <a:lstStyle/>
-                    <a:p>
-                      <a:pPr algn="ctr" fontAlgn="ctr"/>
-                      <a:r>
-                        <a:rPr lang="en-US" sz="900" b="0" i="0" u="none" strike="noStrike">
-                          <a:solidFill>
-                            <a:srgbClr val="000000"/>
-                          </a:solidFill>
-                          <a:effectLst/>
-                          <a:latin typeface="Calibri"/>
-                        </a:rPr>
-                        <a:t>7d </a:t>
-                      </a:r>
-                    </a:p>
-                  </a:txBody>
-                  <a:tcPr marL="9223" marR="9223" marT="9223" marB="0" anchor="ctr">
-                    <a:lnL w="6350" cap="flat" cmpd="sng" algn="ctr">
-                      <a:solidFill>
-                        <a:srgbClr val="000000"/>
-                      </a:solidFill>
-                      <a:prstDash val="solid"/>
-                      <a:round/>
-                      <a:headEnd type="none" w="med" len="med"/>
-                      <a:tailEnd type="none" w="med" len="med"/>
-                    </a:lnL>
-                    <a:lnR w="6350" cap="flat" cmpd="sng" algn="ctr">
-                      <a:solidFill>
-                        <a:srgbClr val="000000"/>
-                      </a:solidFill>
-                      <a:prstDash val="solid"/>
-                      <a:round/>
-                      <a:headEnd type="none" w="med" len="med"/>
-                      <a:tailEnd type="none" w="med" len="med"/>
-                    </a:lnR>
-                    <a:lnT w="6350" cap="flat" cmpd="sng" algn="ctr">
-                      <a:solidFill>
-                        <a:srgbClr val="000000"/>
-                      </a:solidFill>
-                      <a:prstDash val="solid"/>
-                      <a:round/>
-                      <a:headEnd type="none" w="med" len="med"/>
-                      <a:tailEnd type="none" w="med" len="med"/>
-                    </a:lnT>
-                    <a:lnB w="6350" cap="flat" cmpd="sng" algn="ctr">
-                      <a:solidFill>
-                        <a:srgbClr val="000000"/>
-                      </a:solidFill>
-                      <a:prstDash val="solid"/>
-                      <a:round/>
-                      <a:headEnd type="none" w="med" len="med"/>
-                      <a:tailEnd type="none" w="med" len="med"/>
-                    </a:lnB>
-                    <a:solidFill>
-                      <a:srgbClr val="B8CCE4"/>
-                    </a:solidFill>
-                  </a:tcPr>
-                </a:tc>
-                <a:tc>
-                  <a:txBody>
-                    <a:bodyPr/>
-                    <a:lstStyle/>
-                    <a:p>
-                      <a:pPr algn="ctr" fontAlgn="ctr"/>
-                      <a:r>
-                        <a:rPr lang="en-US" sz="900" b="0" i="0" u="none" strike="noStrike">
-                          <a:solidFill>
-                            <a:srgbClr val="000000"/>
-                          </a:solidFill>
-                          <a:effectLst/>
-                          <a:latin typeface="Calibri"/>
-                        </a:rPr>
-                        <a:t>Dan</a:t>
-                      </a:r>
-                    </a:p>
-                  </a:txBody>
-                  <a:tcPr marL="9223" marR="9223" marT="9223" marB="0" anchor="ctr">
-                    <a:lnL w="6350" cap="flat" cmpd="sng" algn="ctr">
-                      <a:solidFill>
-                        <a:srgbClr val="000000"/>
-                      </a:solidFill>
-                      <a:prstDash val="solid"/>
-                      <a:round/>
-                      <a:headEnd type="none" w="med" len="med"/>
-                      <a:tailEnd type="none" w="med" len="med"/>
-                    </a:lnL>
-                    <a:lnR w="6350" cap="flat" cmpd="sng" algn="ctr">
-                      <a:solidFill>
-                        <a:srgbClr val="000000"/>
-                      </a:solidFill>
-                      <a:prstDash val="solid"/>
-                      <a:round/>
-                      <a:headEnd type="none" w="med" len="med"/>
-                      <a:tailEnd type="none" w="med" len="med"/>
-                    </a:lnR>
-                    <a:lnT w="6350" cap="flat" cmpd="sng" algn="ctr">
-                      <a:solidFill>
-                        <a:srgbClr val="000000"/>
-                      </a:solidFill>
-                      <a:prstDash val="solid"/>
-                      <a:round/>
-                      <a:headEnd type="none" w="med" len="med"/>
-                      <a:tailEnd type="none" w="med" len="med"/>
-                    </a:lnT>
-                    <a:lnB w="6350" cap="flat" cmpd="sng" algn="ctr">
-                      <a:solidFill>
-                        <a:srgbClr val="000000"/>
-                      </a:solidFill>
-                      <a:prstDash val="solid"/>
-                      <a:round/>
-                      <a:headEnd type="none" w="med" len="med"/>
-                      <a:tailEnd type="none" w="med" len="med"/>
-                    </a:lnB>
-                    <a:solidFill>
-                      <a:srgbClr val="B8CCE4"/>
-                    </a:solidFill>
-                  </a:tcPr>
-                </a:tc>
-              </a:tr>
-              <a:tr h="270904">
-                <a:tc>
-                  <a:txBody>
-                    <a:bodyPr/>
-                    <a:lstStyle/>
-                    <a:p>
-                      <a:pPr algn="ctr" fontAlgn="ctr"/>
-                      <a:r>
-                        <a:rPr lang="en-US" sz="900" b="0" i="0" u="none" strike="noStrike">
-                          <a:solidFill>
-                            <a:srgbClr val="000000"/>
-                          </a:solidFill>
-                          <a:effectLst/>
-                          <a:latin typeface="Calibri"/>
-                        </a:rPr>
-                        <a:t>10</a:t>
-                      </a:r>
-                    </a:p>
-                  </a:txBody>
-                  <a:tcPr marL="9223" marR="9223" marT="9223" marB="0" anchor="ctr">
-                    <a:lnL w="6350" cap="flat" cmpd="sng" algn="ctr">
-                      <a:solidFill>
-                        <a:srgbClr val="000000"/>
-                      </a:solidFill>
-                      <a:prstDash val="solid"/>
-                      <a:round/>
-                      <a:headEnd type="none" w="med" len="med"/>
-                      <a:tailEnd type="none" w="med" len="med"/>
-                    </a:lnL>
-                    <a:lnR w="6350" cap="flat" cmpd="sng" algn="ctr">
-                      <a:solidFill>
-                        <a:srgbClr val="000000"/>
-                      </a:solidFill>
-                      <a:prstDash val="solid"/>
-                      <a:round/>
-                      <a:headEnd type="none" w="med" len="med"/>
-                      <a:tailEnd type="none" w="med" len="med"/>
-                    </a:lnR>
-                    <a:lnT w="6350" cap="flat" cmpd="sng" algn="ctr">
-                      <a:solidFill>
-                        <a:srgbClr val="000000"/>
-                      </a:solidFill>
-                      <a:prstDash val="solid"/>
-                      <a:round/>
-                      <a:headEnd type="none" w="med" len="med"/>
-                      <a:tailEnd type="none" w="med" len="med"/>
-                    </a:lnT>
-                    <a:lnB w="6350" cap="flat" cmpd="sng" algn="ctr">
-                      <a:solidFill>
-                        <a:srgbClr val="000000"/>
-                      </a:solidFill>
-                      <a:prstDash val="solid"/>
-                      <a:round/>
-                      <a:headEnd type="none" w="med" len="med"/>
-                      <a:tailEnd type="none" w="med" len="med"/>
-                    </a:lnB>
-                    <a:solidFill>
-                      <a:srgbClr val="B8CCE4"/>
-                    </a:solidFill>
-                  </a:tcPr>
-                </a:tc>
-                <a:tc>
-                  <a:txBody>
-                    <a:bodyPr/>
-                    <a:lstStyle/>
-                    <a:p>
-                      <a:pPr algn="ctr" fontAlgn="ctr"/>
-                      <a:r>
-                        <a:rPr lang="en-US" sz="900" b="0" i="0" u="none" strike="noStrike">
-                          <a:solidFill>
-                            <a:srgbClr val="000000"/>
-                          </a:solidFill>
-                          <a:effectLst/>
-                          <a:latin typeface="Calibri"/>
-                        </a:rPr>
-                        <a:t>Expand UI </a:t>
-                      </a:r>
-                    </a:p>
-                  </a:txBody>
-                  <a:tcPr marL="9223" marR="9223" marT="9223" marB="0" anchor="ctr">
-                    <a:lnL w="6350" cap="flat" cmpd="sng" algn="ctr">
-                      <a:solidFill>
-                        <a:srgbClr val="000000"/>
-                      </a:solidFill>
-                      <a:prstDash val="solid"/>
-                      <a:round/>
-                      <a:headEnd type="none" w="med" len="med"/>
-                      <a:tailEnd type="none" w="med" len="med"/>
-                    </a:lnL>
-                    <a:lnR w="6350" cap="flat" cmpd="sng" algn="ctr">
-                      <a:solidFill>
-                        <a:srgbClr val="000000"/>
-                      </a:solidFill>
-                      <a:prstDash val="solid"/>
-                      <a:round/>
-                      <a:headEnd type="none" w="med" len="med"/>
-                      <a:tailEnd type="none" w="med" len="med"/>
-                    </a:lnR>
-                    <a:lnT w="6350" cap="flat" cmpd="sng" algn="ctr">
-                      <a:solidFill>
-                        <a:srgbClr val="000000"/>
-                      </a:solidFill>
-                      <a:prstDash val="solid"/>
-                      <a:round/>
-                      <a:headEnd type="none" w="med" len="med"/>
-                      <a:tailEnd type="none" w="med" len="med"/>
-                    </a:lnT>
-                    <a:lnB w="6350" cap="flat" cmpd="sng" algn="ctr">
-                      <a:solidFill>
-                        <a:srgbClr val="000000"/>
-                      </a:solidFill>
-                      <a:prstDash val="solid"/>
-                      <a:round/>
-                      <a:headEnd type="none" w="med" len="med"/>
-                      <a:tailEnd type="none" w="med" len="med"/>
-                    </a:lnB>
-                    <a:solidFill>
-                      <a:srgbClr val="B8CCE4"/>
-                    </a:solidFill>
-                  </a:tcPr>
-                </a:tc>
-                <a:tc>
-                  <a:txBody>
-                    <a:bodyPr/>
-                    <a:lstStyle/>
-                    <a:p>
-                      <a:pPr algn="ctr" fontAlgn="ctr"/>
-                      <a:r>
-                        <a:rPr lang="en-US" sz="900" b="0" i="0" u="none" strike="noStrike">
-                          <a:solidFill>
-                            <a:srgbClr val="000000"/>
-                          </a:solidFill>
-                          <a:effectLst/>
-                          <a:latin typeface="Calibri"/>
-                        </a:rPr>
-                        <a:t>10/2/15</a:t>
-                      </a:r>
-                    </a:p>
-                  </a:txBody>
-                  <a:tcPr marL="9223" marR="9223" marT="9223" marB="0" anchor="ctr">
-                    <a:lnL w="6350" cap="flat" cmpd="sng" algn="ctr">
-                      <a:solidFill>
-                        <a:srgbClr val="000000"/>
-                      </a:solidFill>
-                      <a:prstDash val="solid"/>
-                      <a:round/>
-                      <a:headEnd type="none" w="med" len="med"/>
-                      <a:tailEnd type="none" w="med" len="med"/>
-                    </a:lnL>
-                    <a:lnR w="6350" cap="flat" cmpd="sng" algn="ctr">
-                      <a:solidFill>
-                        <a:srgbClr val="000000"/>
-                      </a:solidFill>
-                      <a:prstDash val="solid"/>
-                      <a:round/>
-                      <a:headEnd type="none" w="med" len="med"/>
-                      <a:tailEnd type="none" w="med" len="med"/>
-                    </a:lnR>
-                    <a:lnT w="6350" cap="flat" cmpd="sng" algn="ctr">
-                      <a:solidFill>
-                        <a:srgbClr val="000000"/>
-                      </a:solidFill>
-                      <a:prstDash val="solid"/>
-                      <a:round/>
-                      <a:headEnd type="none" w="med" len="med"/>
-                      <a:tailEnd type="none" w="med" len="med"/>
-                    </a:lnT>
-                    <a:lnB w="6350" cap="flat" cmpd="sng" algn="ctr">
-                      <a:solidFill>
-                        <a:srgbClr val="000000"/>
-                      </a:solidFill>
-                      <a:prstDash val="solid"/>
-                      <a:round/>
-                      <a:headEnd type="none" w="med" len="med"/>
-                      <a:tailEnd type="none" w="med" len="med"/>
-                    </a:lnB>
-                    <a:solidFill>
-                      <a:srgbClr val="B8CCE4"/>
-                    </a:solidFill>
-                  </a:tcPr>
-                </a:tc>
-                <a:tc>
-                  <a:txBody>
-                    <a:bodyPr/>
-                    <a:lstStyle/>
-                    <a:p>
-                      <a:pPr algn="ctr" fontAlgn="ctr"/>
-                      <a:r>
-                        <a:rPr lang="en-US" sz="900" b="0" i="0" u="none" strike="noStrike">
-                          <a:solidFill>
-                            <a:srgbClr val="000000"/>
-                          </a:solidFill>
-                          <a:effectLst/>
-                          <a:latin typeface="Calibri"/>
-                        </a:rPr>
-                        <a:t>10/8/15</a:t>
-                      </a:r>
-                    </a:p>
-                  </a:txBody>
-                  <a:tcPr marL="9223" marR="9223" marT="9223" marB="0" anchor="ctr">
-                    <a:lnL w="6350" cap="flat" cmpd="sng" algn="ctr">
-                      <a:solidFill>
-                        <a:srgbClr val="000000"/>
-                      </a:solidFill>
-                      <a:prstDash val="solid"/>
-                      <a:round/>
-                      <a:headEnd type="none" w="med" len="med"/>
-                      <a:tailEnd type="none" w="med" len="med"/>
-                    </a:lnL>
-                    <a:lnR w="6350" cap="flat" cmpd="sng" algn="ctr">
-                      <a:solidFill>
-                        <a:srgbClr val="000000"/>
-                      </a:solidFill>
-                      <a:prstDash val="solid"/>
-                      <a:round/>
-                      <a:headEnd type="none" w="med" len="med"/>
-                      <a:tailEnd type="none" w="med" len="med"/>
-                    </a:lnR>
-                    <a:lnT w="6350" cap="flat" cmpd="sng" algn="ctr">
-                      <a:solidFill>
-                        <a:srgbClr val="000000"/>
-                      </a:solidFill>
-                      <a:prstDash val="solid"/>
-                      <a:round/>
-                      <a:headEnd type="none" w="med" len="med"/>
-                      <a:tailEnd type="none" w="med" len="med"/>
-                    </a:lnT>
-                    <a:lnB w="6350" cap="flat" cmpd="sng" algn="ctr">
-                      <a:solidFill>
-                        <a:srgbClr val="000000"/>
-                      </a:solidFill>
-                      <a:prstDash val="solid"/>
-                      <a:round/>
-                      <a:headEnd type="none" w="med" len="med"/>
-                      <a:tailEnd type="none" w="med" len="med"/>
-                    </a:lnB>
-                    <a:solidFill>
-                      <a:srgbClr val="B8CCE4"/>
-                    </a:solidFill>
-                  </a:tcPr>
-                </a:tc>
-                <a:tc>
-                  <a:txBody>
-                    <a:bodyPr/>
-                    <a:lstStyle/>
-                    <a:p>
-                      <a:pPr algn="ctr" fontAlgn="ctr"/>
-                      <a:r>
-                        <a:rPr lang="en-US" sz="900" b="0" i="0" u="none" strike="noStrike">
-                          <a:solidFill>
-                            <a:srgbClr val="000000"/>
-                          </a:solidFill>
-                          <a:effectLst/>
-                          <a:latin typeface="Calibri"/>
-                        </a:rPr>
-                        <a:t>7d </a:t>
-                      </a:r>
-                    </a:p>
-                  </a:txBody>
-                  <a:tcPr marL="9223" marR="9223" marT="9223" marB="0" anchor="ctr">
-                    <a:lnL w="6350" cap="flat" cmpd="sng" algn="ctr">
-                      <a:solidFill>
-                        <a:srgbClr val="000000"/>
-                      </a:solidFill>
-                      <a:prstDash val="solid"/>
-                      <a:round/>
-                      <a:headEnd type="none" w="med" len="med"/>
-                      <a:tailEnd type="none" w="med" len="med"/>
-                    </a:lnL>
-                    <a:lnR w="6350" cap="flat" cmpd="sng" algn="ctr">
-                      <a:solidFill>
-                        <a:srgbClr val="000000"/>
-                      </a:solidFill>
-                      <a:prstDash val="solid"/>
-                      <a:round/>
-                      <a:headEnd type="none" w="med" len="med"/>
-                      <a:tailEnd type="none" w="med" len="med"/>
-                    </a:lnR>
-                    <a:lnT w="6350" cap="flat" cmpd="sng" algn="ctr">
-                      <a:solidFill>
-                        <a:srgbClr val="000000"/>
-                      </a:solidFill>
-                      <a:prstDash val="solid"/>
-                      <a:round/>
-                      <a:headEnd type="none" w="med" len="med"/>
-                      <a:tailEnd type="none" w="med" len="med"/>
-                    </a:lnT>
-                    <a:lnB w="6350" cap="flat" cmpd="sng" algn="ctr">
-                      <a:solidFill>
-                        <a:srgbClr val="000000"/>
-                      </a:solidFill>
-                      <a:prstDash val="solid"/>
-                      <a:round/>
-                      <a:headEnd type="none" w="med" len="med"/>
-                      <a:tailEnd type="none" w="med" len="med"/>
-                    </a:lnB>
-                    <a:solidFill>
-                      <a:srgbClr val="B8CCE4"/>
-                    </a:solidFill>
-                  </a:tcPr>
-                </a:tc>
-                <a:tc>
-                  <a:txBody>
-                    <a:bodyPr/>
-                    <a:lstStyle/>
-                    <a:p>
-                      <a:pPr algn="ctr" fontAlgn="ctr"/>
-                      <a:r>
-                        <a:rPr lang="en-US" sz="900" b="0" i="0" u="none" strike="noStrike">
-                          <a:solidFill>
-                            <a:srgbClr val="000000"/>
-                          </a:solidFill>
-                          <a:effectLst/>
-                          <a:latin typeface="Calibri"/>
-                        </a:rPr>
-                        <a:t>Gunnar</a:t>
-                      </a:r>
-                    </a:p>
-                  </a:txBody>
-                  <a:tcPr marL="9223" marR="9223" marT="9223" marB="0" anchor="ctr">
-                    <a:lnL w="6350" cap="flat" cmpd="sng" algn="ctr">
-                      <a:solidFill>
-                        <a:srgbClr val="000000"/>
-                      </a:solidFill>
-                      <a:prstDash val="solid"/>
-                      <a:round/>
-                      <a:headEnd type="none" w="med" len="med"/>
-                      <a:tailEnd type="none" w="med" len="med"/>
-                    </a:lnL>
-                    <a:lnR w="6350" cap="flat" cmpd="sng" algn="ctr">
-                      <a:solidFill>
-                        <a:srgbClr val="000000"/>
-                      </a:solidFill>
-                      <a:prstDash val="solid"/>
-                      <a:round/>
-                      <a:headEnd type="none" w="med" len="med"/>
-                      <a:tailEnd type="none" w="med" len="med"/>
-                    </a:lnR>
-                    <a:lnT w="6350" cap="flat" cmpd="sng" algn="ctr">
-                      <a:solidFill>
-                        <a:srgbClr val="000000"/>
-                      </a:solidFill>
-                      <a:prstDash val="solid"/>
-                      <a:round/>
-                      <a:headEnd type="none" w="med" len="med"/>
-                      <a:tailEnd type="none" w="med" len="med"/>
-                    </a:lnT>
-                    <a:lnB w="6350" cap="flat" cmpd="sng" algn="ctr">
-                      <a:solidFill>
-                        <a:srgbClr val="000000"/>
-                      </a:solidFill>
-                      <a:prstDash val="solid"/>
-                      <a:round/>
-                      <a:headEnd type="none" w="med" len="med"/>
-                      <a:tailEnd type="none" w="med" len="med"/>
-                    </a:lnB>
-                    <a:solidFill>
-                      <a:srgbClr val="B8CCE4"/>
-                    </a:solidFill>
-                  </a:tcPr>
-                </a:tc>
-              </a:tr>
-              <a:tr h="475274">
-                <a:tc>
-                  <a:txBody>
-                    <a:bodyPr/>
-                    <a:lstStyle/>
-                    <a:p>
-                      <a:pPr algn="ctr" fontAlgn="ctr"/>
-                      <a:r>
-                        <a:rPr lang="en-US" sz="900" b="0" i="0" u="none" strike="noStrike">
-                          <a:solidFill>
-                            <a:srgbClr val="000000"/>
-                          </a:solidFill>
-                          <a:effectLst/>
-                          <a:latin typeface="Calibri"/>
-                        </a:rPr>
-                        <a:t>11</a:t>
-                      </a:r>
-                    </a:p>
-                  </a:txBody>
-                  <a:tcPr marL="9223" marR="9223" marT="9223" marB="0" anchor="ctr">
-                    <a:lnL w="6350" cap="flat" cmpd="sng" algn="ctr">
-                      <a:solidFill>
-                        <a:srgbClr val="000000"/>
-                      </a:solidFill>
-                      <a:prstDash val="solid"/>
-                      <a:round/>
-                      <a:headEnd type="none" w="med" len="med"/>
-                      <a:tailEnd type="none" w="med" len="med"/>
-                    </a:lnL>
-                    <a:lnR w="6350" cap="flat" cmpd="sng" algn="ctr">
-                      <a:solidFill>
-                        <a:srgbClr val="000000"/>
-                      </a:solidFill>
-                      <a:prstDash val="solid"/>
-                      <a:round/>
-                      <a:headEnd type="none" w="med" len="med"/>
-                      <a:tailEnd type="none" w="med" len="med"/>
-                    </a:lnR>
-                    <a:lnT w="6350" cap="flat" cmpd="sng" algn="ctr">
-                      <a:solidFill>
-                        <a:srgbClr val="000000"/>
-                      </a:solidFill>
-                      <a:prstDash val="solid"/>
-                      <a:round/>
-                      <a:headEnd type="none" w="med" len="med"/>
-                      <a:tailEnd type="none" w="med" len="med"/>
-                    </a:lnT>
-                    <a:lnB w="6350" cap="flat" cmpd="sng" algn="ctr">
-                      <a:solidFill>
-                        <a:srgbClr val="000000"/>
-                      </a:solidFill>
-                      <a:prstDash val="solid"/>
-                      <a:round/>
-                      <a:headEnd type="none" w="med" len="med"/>
-                      <a:tailEnd type="none" w="med" len="med"/>
-                    </a:lnB>
-                    <a:solidFill>
-                      <a:srgbClr val="B8CCE4"/>
-                    </a:solidFill>
-                  </a:tcPr>
-                </a:tc>
-                <a:tc>
-                  <a:txBody>
-                    <a:bodyPr/>
-                    <a:lstStyle/>
-                    <a:p>
-                      <a:pPr algn="ctr" fontAlgn="ctr"/>
-                      <a:r>
-                        <a:rPr lang="en-US" sz="900" b="0" i="0" u="none" strike="noStrike">
-                          <a:solidFill>
-                            <a:srgbClr val="000000"/>
-                          </a:solidFill>
-                          <a:effectLst/>
-                          <a:latin typeface="Calibri"/>
-                        </a:rPr>
-                        <a:t>Design Node Enclosure (Create/Print) </a:t>
-                      </a:r>
-                    </a:p>
-                  </a:txBody>
-                  <a:tcPr marL="9223" marR="9223" marT="9223" marB="0" anchor="ctr">
-                    <a:lnL w="6350" cap="flat" cmpd="sng" algn="ctr">
-                      <a:solidFill>
-                        <a:srgbClr val="000000"/>
-                      </a:solidFill>
-                      <a:prstDash val="solid"/>
-                      <a:round/>
-                      <a:headEnd type="none" w="med" len="med"/>
-                      <a:tailEnd type="none" w="med" len="med"/>
-                    </a:lnL>
-                    <a:lnR w="6350" cap="flat" cmpd="sng" algn="ctr">
-                      <a:solidFill>
-                        <a:srgbClr val="000000"/>
-                      </a:solidFill>
-                      <a:prstDash val="solid"/>
-                      <a:round/>
-                      <a:headEnd type="none" w="med" len="med"/>
-                      <a:tailEnd type="none" w="med" len="med"/>
-                    </a:lnR>
-                    <a:lnT w="6350" cap="flat" cmpd="sng" algn="ctr">
-                      <a:solidFill>
-                        <a:srgbClr val="000000"/>
-                      </a:solidFill>
-                      <a:prstDash val="solid"/>
-                      <a:round/>
-                      <a:headEnd type="none" w="med" len="med"/>
-                      <a:tailEnd type="none" w="med" len="med"/>
-                    </a:lnT>
-                    <a:lnB w="6350" cap="flat" cmpd="sng" algn="ctr">
-                      <a:solidFill>
-                        <a:srgbClr val="000000"/>
-                      </a:solidFill>
-                      <a:prstDash val="solid"/>
-                      <a:round/>
-                      <a:headEnd type="none" w="med" len="med"/>
-                      <a:tailEnd type="none" w="med" len="med"/>
-                    </a:lnB>
-                    <a:solidFill>
-                      <a:srgbClr val="B8CCE4"/>
-                    </a:solidFill>
-                  </a:tcPr>
-                </a:tc>
-                <a:tc>
-                  <a:txBody>
-                    <a:bodyPr/>
-                    <a:lstStyle/>
-                    <a:p>
-                      <a:pPr algn="ctr" fontAlgn="ctr"/>
-                      <a:r>
-                        <a:rPr lang="en-US" sz="900" b="0" i="0" u="none" strike="noStrike">
-                          <a:solidFill>
-                            <a:srgbClr val="000000"/>
-                          </a:solidFill>
-                          <a:effectLst/>
-                          <a:latin typeface="Calibri"/>
-                        </a:rPr>
-                        <a:t>10/2/15</a:t>
-                      </a:r>
-                    </a:p>
-                  </a:txBody>
-                  <a:tcPr marL="9223" marR="9223" marT="9223" marB="0" anchor="ctr">
-                    <a:lnL w="6350" cap="flat" cmpd="sng" algn="ctr">
-                      <a:solidFill>
-                        <a:srgbClr val="000000"/>
-                      </a:solidFill>
-                      <a:prstDash val="solid"/>
-                      <a:round/>
-                      <a:headEnd type="none" w="med" len="med"/>
-                      <a:tailEnd type="none" w="med" len="med"/>
-                    </a:lnL>
-                    <a:lnR w="6350" cap="flat" cmpd="sng" algn="ctr">
-                      <a:solidFill>
-                        <a:srgbClr val="000000"/>
-                      </a:solidFill>
-                      <a:prstDash val="solid"/>
-                      <a:round/>
-                      <a:headEnd type="none" w="med" len="med"/>
-                      <a:tailEnd type="none" w="med" len="med"/>
-                    </a:lnR>
-                    <a:lnT w="6350" cap="flat" cmpd="sng" algn="ctr">
-                      <a:solidFill>
-                        <a:srgbClr val="000000"/>
-                      </a:solidFill>
-                      <a:prstDash val="solid"/>
-                      <a:round/>
-                      <a:headEnd type="none" w="med" len="med"/>
-                      <a:tailEnd type="none" w="med" len="med"/>
-                    </a:lnT>
-                    <a:lnB w="6350" cap="flat" cmpd="sng" algn="ctr">
-                      <a:solidFill>
-                        <a:srgbClr val="000000"/>
-                      </a:solidFill>
-                      <a:prstDash val="solid"/>
-                      <a:round/>
-                      <a:headEnd type="none" w="med" len="med"/>
-                      <a:tailEnd type="none" w="med" len="med"/>
-                    </a:lnB>
-                    <a:solidFill>
-                      <a:srgbClr val="B8CCE4"/>
-                    </a:solidFill>
-                  </a:tcPr>
-                </a:tc>
-                <a:tc>
-                  <a:txBody>
-                    <a:bodyPr/>
-                    <a:lstStyle/>
-                    <a:p>
-                      <a:pPr algn="ctr" fontAlgn="ctr"/>
-                      <a:r>
-                        <a:rPr lang="en-US" sz="900" b="0" i="0" u="none" strike="noStrike">
-                          <a:solidFill>
-                            <a:srgbClr val="000000"/>
-                          </a:solidFill>
-                          <a:effectLst/>
-                          <a:latin typeface="Calibri"/>
-                        </a:rPr>
-                        <a:t>10/13/15</a:t>
-                      </a:r>
-                    </a:p>
-                  </a:txBody>
-                  <a:tcPr marL="9223" marR="9223" marT="9223" marB="0" anchor="ctr">
-                    <a:lnL w="6350" cap="flat" cmpd="sng" algn="ctr">
-                      <a:solidFill>
-                        <a:srgbClr val="000000"/>
-                      </a:solidFill>
-                      <a:prstDash val="solid"/>
-                      <a:round/>
-                      <a:headEnd type="none" w="med" len="med"/>
-                      <a:tailEnd type="none" w="med" len="med"/>
-                    </a:lnL>
-                    <a:lnR w="6350" cap="flat" cmpd="sng" algn="ctr">
-                      <a:solidFill>
-                        <a:srgbClr val="000000"/>
-                      </a:solidFill>
-                      <a:prstDash val="solid"/>
-                      <a:round/>
-                      <a:headEnd type="none" w="med" len="med"/>
-                      <a:tailEnd type="none" w="med" len="med"/>
-                    </a:lnR>
-                    <a:lnT w="6350" cap="flat" cmpd="sng" algn="ctr">
-                      <a:solidFill>
-                        <a:srgbClr val="000000"/>
-                      </a:solidFill>
-                      <a:prstDash val="solid"/>
-                      <a:round/>
-                      <a:headEnd type="none" w="med" len="med"/>
-                      <a:tailEnd type="none" w="med" len="med"/>
-                    </a:lnT>
-                    <a:lnB w="6350" cap="flat" cmpd="sng" algn="ctr">
-                      <a:solidFill>
-                        <a:srgbClr val="000000"/>
-                      </a:solidFill>
-                      <a:prstDash val="solid"/>
-                      <a:round/>
-                      <a:headEnd type="none" w="med" len="med"/>
-                      <a:tailEnd type="none" w="med" len="med"/>
-                    </a:lnB>
-                    <a:solidFill>
-                      <a:srgbClr val="B8CCE4"/>
-                    </a:solidFill>
-                  </a:tcPr>
-                </a:tc>
-                <a:tc>
-                  <a:txBody>
-                    <a:bodyPr/>
-                    <a:lstStyle/>
-                    <a:p>
-                      <a:pPr algn="ctr" fontAlgn="ctr"/>
-                      <a:r>
-                        <a:rPr lang="en-US" sz="900" b="0" i="0" u="none" strike="noStrike">
-                          <a:solidFill>
-                            <a:srgbClr val="000000"/>
-                          </a:solidFill>
-                          <a:effectLst/>
-                          <a:latin typeface="Calibri"/>
-                        </a:rPr>
-                        <a:t>12d </a:t>
-                      </a:r>
-                    </a:p>
-                  </a:txBody>
-                  <a:tcPr marL="9223" marR="9223" marT="9223" marB="0" anchor="ctr">
-                    <a:lnL w="6350" cap="flat" cmpd="sng" algn="ctr">
-                      <a:solidFill>
-                        <a:srgbClr val="000000"/>
-                      </a:solidFill>
-                      <a:prstDash val="solid"/>
-                      <a:round/>
-                      <a:headEnd type="none" w="med" len="med"/>
-                      <a:tailEnd type="none" w="med" len="med"/>
-                    </a:lnL>
-                    <a:lnR w="6350" cap="flat" cmpd="sng" algn="ctr">
-                      <a:solidFill>
-                        <a:srgbClr val="000000"/>
-                      </a:solidFill>
-                      <a:prstDash val="solid"/>
-                      <a:round/>
-                      <a:headEnd type="none" w="med" len="med"/>
-                      <a:tailEnd type="none" w="med" len="med"/>
-                    </a:lnR>
-                    <a:lnT w="6350" cap="flat" cmpd="sng" algn="ctr">
-                      <a:solidFill>
-                        <a:srgbClr val="000000"/>
-                      </a:solidFill>
-                      <a:prstDash val="solid"/>
-                      <a:round/>
-                      <a:headEnd type="none" w="med" len="med"/>
-                      <a:tailEnd type="none" w="med" len="med"/>
-                    </a:lnT>
-                    <a:lnB w="6350" cap="flat" cmpd="sng" algn="ctr">
-                      <a:solidFill>
-                        <a:srgbClr val="000000"/>
-                      </a:solidFill>
-                      <a:prstDash val="solid"/>
-                      <a:round/>
-                      <a:headEnd type="none" w="med" len="med"/>
-                      <a:tailEnd type="none" w="med" len="med"/>
-                    </a:lnB>
-                    <a:solidFill>
-                      <a:srgbClr val="B8CCE4"/>
-                    </a:solidFill>
-                  </a:tcPr>
-                </a:tc>
-                <a:tc>
-                  <a:txBody>
-                    <a:bodyPr/>
-                    <a:lstStyle/>
-                    <a:p>
-                      <a:pPr algn="ctr" fontAlgn="ctr"/>
-                      <a:r>
-                        <a:rPr lang="en-US" sz="900" b="0" i="0" u="none" strike="noStrike">
-                          <a:solidFill>
-                            <a:srgbClr val="000000"/>
-                          </a:solidFill>
-                          <a:effectLst/>
-                          <a:latin typeface="Calibri"/>
-                        </a:rPr>
-                        <a:t>Dan / Gunnar</a:t>
-                      </a:r>
-                    </a:p>
-                  </a:txBody>
-                  <a:tcPr marL="9223" marR="9223" marT="9223" marB="0" anchor="ctr">
-                    <a:lnL w="6350" cap="flat" cmpd="sng" algn="ctr">
-                      <a:solidFill>
-                        <a:srgbClr val="000000"/>
-                      </a:solidFill>
-                      <a:prstDash val="solid"/>
-                      <a:round/>
-                      <a:headEnd type="none" w="med" len="med"/>
-                      <a:tailEnd type="none" w="med" len="med"/>
-                    </a:lnL>
-                    <a:lnR w="6350" cap="flat" cmpd="sng" algn="ctr">
-                      <a:solidFill>
-                        <a:srgbClr val="000000"/>
-                      </a:solidFill>
-                      <a:prstDash val="solid"/>
-                      <a:round/>
-                      <a:headEnd type="none" w="med" len="med"/>
-                      <a:tailEnd type="none" w="med" len="med"/>
-                    </a:lnR>
-                    <a:lnT w="6350" cap="flat" cmpd="sng" algn="ctr">
-                      <a:solidFill>
-                        <a:srgbClr val="000000"/>
-                      </a:solidFill>
-                      <a:prstDash val="solid"/>
-                      <a:round/>
-                      <a:headEnd type="none" w="med" len="med"/>
-                      <a:tailEnd type="none" w="med" len="med"/>
-                    </a:lnT>
-                    <a:lnB w="6350" cap="flat" cmpd="sng" algn="ctr">
-                      <a:solidFill>
-                        <a:srgbClr val="000000"/>
-                      </a:solidFill>
-                      <a:prstDash val="solid"/>
-                      <a:round/>
-                      <a:headEnd type="none" w="med" len="med"/>
-                      <a:tailEnd type="none" w="med" len="med"/>
-                    </a:lnB>
-                    <a:solidFill>
-                      <a:srgbClr val="B8CCE4"/>
-                    </a:solidFill>
-                  </a:tcPr>
-                </a:tc>
-              </a:tr>
-              <a:tr h="320322">
-                <a:tc>
-                  <a:txBody>
-                    <a:bodyPr/>
-                    <a:lstStyle/>
-                    <a:p>
-                      <a:pPr algn="ctr" fontAlgn="ctr"/>
-                      <a:r>
-                        <a:rPr lang="en-US" sz="900" b="0" i="0" u="none" strike="noStrike">
-                          <a:solidFill>
-                            <a:srgbClr val="000000"/>
-                          </a:solidFill>
-                          <a:effectLst/>
-                          <a:latin typeface="Calibri"/>
-                        </a:rPr>
-                        <a:t>12</a:t>
-                      </a:r>
-                    </a:p>
-                  </a:txBody>
-                  <a:tcPr marL="9223" marR="9223" marT="9223" marB="0" anchor="ctr">
-                    <a:lnL w="6350" cap="flat" cmpd="sng" algn="ctr">
-                      <a:solidFill>
-                        <a:srgbClr val="000000"/>
-                      </a:solidFill>
-                      <a:prstDash val="solid"/>
-                      <a:round/>
-                      <a:headEnd type="none" w="med" len="med"/>
-                      <a:tailEnd type="none" w="med" len="med"/>
-                    </a:lnL>
-                    <a:lnR w="6350" cap="flat" cmpd="sng" algn="ctr">
-                      <a:solidFill>
-                        <a:srgbClr val="000000"/>
-                      </a:solidFill>
-                      <a:prstDash val="solid"/>
-                      <a:round/>
-                      <a:headEnd type="none" w="med" len="med"/>
-                      <a:tailEnd type="none" w="med" len="med"/>
-                    </a:lnR>
-                    <a:lnT w="6350" cap="flat" cmpd="sng" algn="ctr">
-                      <a:solidFill>
-                        <a:srgbClr val="000000"/>
-                      </a:solidFill>
-                      <a:prstDash val="solid"/>
-                      <a:round/>
-                      <a:headEnd type="none" w="med" len="med"/>
-                      <a:tailEnd type="none" w="med" len="med"/>
-                    </a:lnT>
-                    <a:lnB w="6350" cap="flat" cmpd="sng" algn="ctr">
-                      <a:solidFill>
-                        <a:srgbClr val="000000"/>
-                      </a:solidFill>
-                      <a:prstDash val="solid"/>
-                      <a:round/>
-                      <a:headEnd type="none" w="med" len="med"/>
-                      <a:tailEnd type="none" w="med" len="med"/>
-                    </a:lnB>
-                    <a:solidFill>
-                      <a:srgbClr val="B8CCE4"/>
-                    </a:solidFill>
-                  </a:tcPr>
-                </a:tc>
-                <a:tc>
-                  <a:txBody>
-                    <a:bodyPr/>
-                    <a:lstStyle/>
-                    <a:p>
-                      <a:pPr algn="ctr" fontAlgn="ctr"/>
-                      <a:r>
-                        <a:rPr lang="en-US" sz="900" b="0" i="0" u="none" strike="noStrike">
-                          <a:solidFill>
-                            <a:srgbClr val="000000"/>
-                          </a:solidFill>
-                          <a:effectLst/>
-                          <a:latin typeface="Calibri"/>
-                        </a:rPr>
-                        <a:t>Setup Test Enviornment </a:t>
-                      </a:r>
-                    </a:p>
-                  </a:txBody>
-                  <a:tcPr marL="9223" marR="9223" marT="9223" marB="0" anchor="ctr">
-                    <a:lnL w="6350" cap="flat" cmpd="sng" algn="ctr">
-                      <a:solidFill>
-                        <a:srgbClr val="000000"/>
-                      </a:solidFill>
-                      <a:prstDash val="solid"/>
-                      <a:round/>
-                      <a:headEnd type="none" w="med" len="med"/>
-                      <a:tailEnd type="none" w="med" len="med"/>
-                    </a:lnL>
-                    <a:lnR w="6350" cap="flat" cmpd="sng" algn="ctr">
-                      <a:solidFill>
-                        <a:srgbClr val="000000"/>
-                      </a:solidFill>
-                      <a:prstDash val="solid"/>
-                      <a:round/>
-                      <a:headEnd type="none" w="med" len="med"/>
-                      <a:tailEnd type="none" w="med" len="med"/>
-                    </a:lnR>
-                    <a:lnT w="6350" cap="flat" cmpd="sng" algn="ctr">
-                      <a:solidFill>
-                        <a:srgbClr val="000000"/>
-                      </a:solidFill>
-                      <a:prstDash val="solid"/>
-                      <a:round/>
-                      <a:headEnd type="none" w="med" len="med"/>
-                      <a:tailEnd type="none" w="med" len="med"/>
-                    </a:lnT>
-                    <a:lnB w="6350" cap="flat" cmpd="sng" algn="ctr">
-                      <a:solidFill>
-                        <a:srgbClr val="000000"/>
-                      </a:solidFill>
-                      <a:prstDash val="solid"/>
-                      <a:round/>
-                      <a:headEnd type="none" w="med" len="med"/>
-                      <a:tailEnd type="none" w="med" len="med"/>
-                    </a:lnB>
-                    <a:solidFill>
-                      <a:srgbClr val="B8CCE4"/>
-                    </a:solidFill>
-                  </a:tcPr>
-                </a:tc>
-                <a:tc>
-                  <a:txBody>
-                    <a:bodyPr/>
-                    <a:lstStyle/>
-                    <a:p>
-                      <a:pPr algn="ctr" fontAlgn="ctr"/>
-                      <a:r>
-                        <a:rPr lang="en-US" sz="900" b="0" i="0" u="none" strike="noStrike">
-                          <a:solidFill>
-                            <a:srgbClr val="000000"/>
-                          </a:solidFill>
-                          <a:effectLst/>
-                          <a:latin typeface="Calibri"/>
-                        </a:rPr>
-                        <a:t>10/12/15</a:t>
-                      </a:r>
-                    </a:p>
-                  </a:txBody>
-                  <a:tcPr marL="9223" marR="9223" marT="9223" marB="0" anchor="ctr">
-                    <a:lnL w="6350" cap="flat" cmpd="sng" algn="ctr">
-                      <a:solidFill>
-                        <a:srgbClr val="000000"/>
-                      </a:solidFill>
-                      <a:prstDash val="solid"/>
-                      <a:round/>
-                      <a:headEnd type="none" w="med" len="med"/>
-                      <a:tailEnd type="none" w="med" len="med"/>
-                    </a:lnL>
-                    <a:lnR w="6350" cap="flat" cmpd="sng" algn="ctr">
-                      <a:solidFill>
-                        <a:srgbClr val="000000"/>
-                      </a:solidFill>
-                      <a:prstDash val="solid"/>
-                      <a:round/>
-                      <a:headEnd type="none" w="med" len="med"/>
-                      <a:tailEnd type="none" w="med" len="med"/>
-                    </a:lnR>
-                    <a:lnT w="6350" cap="flat" cmpd="sng" algn="ctr">
-                      <a:solidFill>
-                        <a:srgbClr val="000000"/>
-                      </a:solidFill>
-                      <a:prstDash val="solid"/>
-                      <a:round/>
-                      <a:headEnd type="none" w="med" len="med"/>
-                      <a:tailEnd type="none" w="med" len="med"/>
-                    </a:lnT>
-                    <a:lnB w="6350" cap="flat" cmpd="sng" algn="ctr">
-                      <a:solidFill>
-                        <a:srgbClr val="000000"/>
-                      </a:solidFill>
-                      <a:prstDash val="solid"/>
-                      <a:round/>
-                      <a:headEnd type="none" w="med" len="med"/>
-                      <a:tailEnd type="none" w="med" len="med"/>
-                    </a:lnB>
-                    <a:solidFill>
-                      <a:srgbClr val="B8CCE4"/>
-                    </a:solidFill>
-                  </a:tcPr>
-                </a:tc>
-                <a:tc>
-                  <a:txBody>
-                    <a:bodyPr/>
-                    <a:lstStyle/>
-                    <a:p>
-                      <a:pPr algn="ctr" fontAlgn="ctr"/>
-                      <a:r>
-                        <a:rPr lang="en-US" sz="900" b="0" i="0" u="none" strike="noStrike">
-                          <a:solidFill>
-                            <a:srgbClr val="000000"/>
-                          </a:solidFill>
-                          <a:effectLst/>
-                          <a:latin typeface="Calibri"/>
-                        </a:rPr>
-                        <a:t>10/13/15</a:t>
-                      </a:r>
-                    </a:p>
-                  </a:txBody>
-                  <a:tcPr marL="9223" marR="9223" marT="9223" marB="0" anchor="ctr">
-                    <a:lnL w="6350" cap="flat" cmpd="sng" algn="ctr">
-                      <a:solidFill>
-                        <a:srgbClr val="000000"/>
-                      </a:solidFill>
-                      <a:prstDash val="solid"/>
-                      <a:round/>
-                      <a:headEnd type="none" w="med" len="med"/>
-                      <a:tailEnd type="none" w="med" len="med"/>
-                    </a:lnL>
-                    <a:lnR w="6350" cap="flat" cmpd="sng" algn="ctr">
-                      <a:solidFill>
-                        <a:srgbClr val="000000"/>
-                      </a:solidFill>
-                      <a:prstDash val="solid"/>
-                      <a:round/>
-                      <a:headEnd type="none" w="med" len="med"/>
-                      <a:tailEnd type="none" w="med" len="med"/>
-                    </a:lnR>
-                    <a:lnT w="6350" cap="flat" cmpd="sng" algn="ctr">
-                      <a:solidFill>
-                        <a:srgbClr val="000000"/>
-                      </a:solidFill>
-                      <a:prstDash val="solid"/>
-                      <a:round/>
-                      <a:headEnd type="none" w="med" len="med"/>
-                      <a:tailEnd type="none" w="med" len="med"/>
-                    </a:lnT>
-                    <a:lnB w="6350" cap="flat" cmpd="sng" algn="ctr">
-                      <a:solidFill>
-                        <a:srgbClr val="000000"/>
-                      </a:solidFill>
-                      <a:prstDash val="solid"/>
-                      <a:round/>
-                      <a:headEnd type="none" w="med" len="med"/>
-                      <a:tailEnd type="none" w="med" len="med"/>
-                    </a:lnB>
-                    <a:solidFill>
-                      <a:srgbClr val="B8CCE4"/>
-                    </a:solidFill>
-                  </a:tcPr>
-                </a:tc>
-                <a:tc>
-                  <a:txBody>
-                    <a:bodyPr/>
-                    <a:lstStyle/>
-                    <a:p>
-                      <a:pPr algn="ctr" fontAlgn="ctr"/>
-                      <a:r>
-                        <a:rPr lang="en-US" sz="900" b="0" i="0" u="none" strike="noStrike">
-                          <a:solidFill>
-                            <a:srgbClr val="000000"/>
-                          </a:solidFill>
-                          <a:effectLst/>
-                          <a:latin typeface="Calibri"/>
-                        </a:rPr>
-                        <a:t>2d </a:t>
-                      </a:r>
-                    </a:p>
-                  </a:txBody>
-                  <a:tcPr marL="9223" marR="9223" marT="9223" marB="0" anchor="ctr">
-                    <a:lnL w="6350" cap="flat" cmpd="sng" algn="ctr">
-                      <a:solidFill>
-                        <a:srgbClr val="000000"/>
-                      </a:solidFill>
-                      <a:prstDash val="solid"/>
-                      <a:round/>
-                      <a:headEnd type="none" w="med" len="med"/>
-                      <a:tailEnd type="none" w="med" len="med"/>
-                    </a:lnL>
-                    <a:lnR w="6350" cap="flat" cmpd="sng" algn="ctr">
-                      <a:solidFill>
-                        <a:srgbClr val="000000"/>
-                      </a:solidFill>
-                      <a:prstDash val="solid"/>
-                      <a:round/>
-                      <a:headEnd type="none" w="med" len="med"/>
-                      <a:tailEnd type="none" w="med" len="med"/>
-                    </a:lnR>
-                    <a:lnT w="6350" cap="flat" cmpd="sng" algn="ctr">
-                      <a:solidFill>
-                        <a:srgbClr val="000000"/>
-                      </a:solidFill>
-                      <a:prstDash val="solid"/>
-                      <a:round/>
-                      <a:headEnd type="none" w="med" len="med"/>
-                      <a:tailEnd type="none" w="med" len="med"/>
-                    </a:lnT>
-                    <a:lnB w="6350" cap="flat" cmpd="sng" algn="ctr">
-                      <a:solidFill>
-                        <a:srgbClr val="000000"/>
-                      </a:solidFill>
-                      <a:prstDash val="solid"/>
-                      <a:round/>
-                      <a:headEnd type="none" w="med" len="med"/>
-                      <a:tailEnd type="none" w="med" len="med"/>
-                    </a:lnB>
-                    <a:solidFill>
-                      <a:srgbClr val="B8CCE4"/>
-                    </a:solidFill>
-                  </a:tcPr>
-                </a:tc>
-                <a:tc>
-                  <a:txBody>
-                    <a:bodyPr/>
-                    <a:lstStyle/>
-                    <a:p>
-                      <a:pPr algn="ctr" fontAlgn="ctr"/>
-                      <a:r>
-                        <a:rPr lang="en-US" sz="900" b="0" i="0" u="none" strike="noStrike">
-                          <a:solidFill>
-                            <a:srgbClr val="000000"/>
-                          </a:solidFill>
-                          <a:effectLst/>
-                          <a:latin typeface="Calibri"/>
-                        </a:rPr>
-                        <a:t>Everyone</a:t>
-                      </a:r>
-                    </a:p>
-                  </a:txBody>
-                  <a:tcPr marL="9223" marR="9223" marT="9223" marB="0" anchor="ctr">
-                    <a:lnL w="6350" cap="flat" cmpd="sng" algn="ctr">
-                      <a:solidFill>
-                        <a:srgbClr val="000000"/>
-                      </a:solidFill>
-                      <a:prstDash val="solid"/>
-                      <a:round/>
-                      <a:headEnd type="none" w="med" len="med"/>
-                      <a:tailEnd type="none" w="med" len="med"/>
-                    </a:lnL>
-                    <a:lnR w="6350" cap="flat" cmpd="sng" algn="ctr">
-                      <a:solidFill>
-                        <a:srgbClr val="000000"/>
-                      </a:solidFill>
-                      <a:prstDash val="solid"/>
-                      <a:round/>
-                      <a:headEnd type="none" w="med" len="med"/>
-                      <a:tailEnd type="none" w="med" len="med"/>
-                    </a:lnR>
-                    <a:lnT w="6350" cap="flat" cmpd="sng" algn="ctr">
-                      <a:solidFill>
-                        <a:srgbClr val="000000"/>
-                      </a:solidFill>
-                      <a:prstDash val="solid"/>
-                      <a:round/>
-                      <a:headEnd type="none" w="med" len="med"/>
-                      <a:tailEnd type="none" w="med" len="med"/>
-                    </a:lnT>
-                    <a:lnB w="6350" cap="flat" cmpd="sng" algn="ctr">
-                      <a:solidFill>
-                        <a:srgbClr val="000000"/>
-                      </a:solidFill>
-                      <a:prstDash val="solid"/>
-                      <a:round/>
-                      <a:headEnd type="none" w="med" len="med"/>
-                      <a:tailEnd type="none" w="med" len="med"/>
-                    </a:lnB>
-                    <a:solidFill>
-                      <a:srgbClr val="B8CCE4"/>
-                    </a:solidFill>
-                  </a:tcPr>
-                </a:tc>
-              </a:tr>
-              <a:tr h="270904">
-                <a:tc>
-                  <a:txBody>
-                    <a:bodyPr/>
-                    <a:lstStyle/>
-                    <a:p>
-                      <a:pPr algn="ctr" fontAlgn="ctr"/>
-                      <a:r>
-                        <a:rPr lang="en-US" sz="900" b="0" i="0" u="none" strike="noStrike">
-                          <a:solidFill>
-                            <a:srgbClr val="000000"/>
-                          </a:solidFill>
-                          <a:effectLst/>
-                          <a:latin typeface="Calibri"/>
-                        </a:rPr>
-                        <a:t>13</a:t>
-                      </a:r>
-                    </a:p>
-                  </a:txBody>
-                  <a:tcPr marL="9223" marR="9223" marT="9223" marB="0" anchor="ctr">
-                    <a:lnL w="6350" cap="flat" cmpd="sng" algn="ctr">
-                      <a:solidFill>
-                        <a:srgbClr val="000000"/>
-                      </a:solidFill>
-                      <a:prstDash val="solid"/>
-                      <a:round/>
-                      <a:headEnd type="none" w="med" len="med"/>
-                      <a:tailEnd type="none" w="med" len="med"/>
-                    </a:lnL>
-                    <a:lnR w="6350" cap="flat" cmpd="sng" algn="ctr">
-                      <a:solidFill>
-                        <a:srgbClr val="000000"/>
-                      </a:solidFill>
-                      <a:prstDash val="solid"/>
-                      <a:round/>
-                      <a:headEnd type="none" w="med" len="med"/>
-                      <a:tailEnd type="none" w="med" len="med"/>
-                    </a:lnR>
-                    <a:lnT w="6350" cap="flat" cmpd="sng" algn="ctr">
-                      <a:solidFill>
-                        <a:srgbClr val="000000"/>
-                      </a:solidFill>
-                      <a:prstDash val="solid"/>
-                      <a:round/>
-                      <a:headEnd type="none" w="med" len="med"/>
-                      <a:tailEnd type="none" w="med" len="med"/>
-                    </a:lnT>
-                    <a:lnB w="6350" cap="flat" cmpd="sng" algn="ctr">
-                      <a:solidFill>
-                        <a:srgbClr val="000000"/>
-                      </a:solidFill>
-                      <a:prstDash val="solid"/>
-                      <a:round/>
-                      <a:headEnd type="none" w="med" len="med"/>
-                      <a:tailEnd type="none" w="med" len="med"/>
-                    </a:lnB>
-                    <a:solidFill>
-                      <a:srgbClr val="B8CCE4"/>
-                    </a:solidFill>
-                  </a:tcPr>
-                </a:tc>
-                <a:tc>
-                  <a:txBody>
-                    <a:bodyPr/>
-                    <a:lstStyle/>
-                    <a:p>
-                      <a:pPr algn="ctr" fontAlgn="ctr"/>
-                      <a:r>
-                        <a:rPr lang="en-US" sz="900" b="0" i="0" u="none" strike="noStrike">
-                          <a:solidFill>
-                            <a:srgbClr val="000000"/>
-                          </a:solidFill>
-                          <a:effectLst/>
-                          <a:latin typeface="Calibri"/>
-                        </a:rPr>
-                        <a:t>Running Tests in Lab </a:t>
-                      </a:r>
-                    </a:p>
-                  </a:txBody>
-                  <a:tcPr marL="9223" marR="9223" marT="9223" marB="0" anchor="ctr">
-                    <a:lnL w="6350" cap="flat" cmpd="sng" algn="ctr">
-                      <a:solidFill>
-                        <a:srgbClr val="000000"/>
-                      </a:solidFill>
-                      <a:prstDash val="solid"/>
-                      <a:round/>
-                      <a:headEnd type="none" w="med" len="med"/>
-                      <a:tailEnd type="none" w="med" len="med"/>
-                    </a:lnL>
-                    <a:lnR w="6350" cap="flat" cmpd="sng" algn="ctr">
-                      <a:solidFill>
-                        <a:srgbClr val="000000"/>
-                      </a:solidFill>
-                      <a:prstDash val="solid"/>
-                      <a:round/>
-                      <a:headEnd type="none" w="med" len="med"/>
-                      <a:tailEnd type="none" w="med" len="med"/>
-                    </a:lnR>
-                    <a:lnT w="6350" cap="flat" cmpd="sng" algn="ctr">
-                      <a:solidFill>
-                        <a:srgbClr val="000000"/>
-                      </a:solidFill>
-                      <a:prstDash val="solid"/>
-                      <a:round/>
-                      <a:headEnd type="none" w="med" len="med"/>
-                      <a:tailEnd type="none" w="med" len="med"/>
-                    </a:lnT>
-                    <a:lnB w="6350" cap="flat" cmpd="sng" algn="ctr">
-                      <a:solidFill>
-                        <a:srgbClr val="000000"/>
-                      </a:solidFill>
-                      <a:prstDash val="solid"/>
-                      <a:round/>
-                      <a:headEnd type="none" w="med" len="med"/>
-                      <a:tailEnd type="none" w="med" len="med"/>
-                    </a:lnB>
-                    <a:solidFill>
-                      <a:srgbClr val="B8CCE4"/>
-                    </a:solidFill>
-                  </a:tcPr>
-                </a:tc>
-                <a:tc>
-                  <a:txBody>
-                    <a:bodyPr/>
-                    <a:lstStyle/>
-                    <a:p>
-                      <a:pPr algn="ctr" fontAlgn="ctr"/>
-                      <a:r>
-                        <a:rPr lang="en-US" sz="900" b="0" i="0" u="none" strike="noStrike">
-                          <a:solidFill>
-                            <a:srgbClr val="000000"/>
-                          </a:solidFill>
-                          <a:effectLst/>
-                          <a:latin typeface="Calibri"/>
-                        </a:rPr>
-                        <a:t>10/14/15</a:t>
-                      </a:r>
-                    </a:p>
-                  </a:txBody>
-                  <a:tcPr marL="9223" marR="9223" marT="9223" marB="0" anchor="ctr">
-                    <a:lnL w="6350" cap="flat" cmpd="sng" algn="ctr">
-                      <a:solidFill>
-                        <a:srgbClr val="000000"/>
-                      </a:solidFill>
-                      <a:prstDash val="solid"/>
-                      <a:round/>
-                      <a:headEnd type="none" w="med" len="med"/>
-                      <a:tailEnd type="none" w="med" len="med"/>
-                    </a:lnL>
-                    <a:lnR w="6350" cap="flat" cmpd="sng" algn="ctr">
-                      <a:solidFill>
-                        <a:srgbClr val="000000"/>
-                      </a:solidFill>
-                      <a:prstDash val="solid"/>
-                      <a:round/>
-                      <a:headEnd type="none" w="med" len="med"/>
-                      <a:tailEnd type="none" w="med" len="med"/>
-                    </a:lnR>
-                    <a:lnT w="6350" cap="flat" cmpd="sng" algn="ctr">
-                      <a:solidFill>
-                        <a:srgbClr val="000000"/>
-                      </a:solidFill>
-                      <a:prstDash val="solid"/>
-                      <a:round/>
-                      <a:headEnd type="none" w="med" len="med"/>
-                      <a:tailEnd type="none" w="med" len="med"/>
-                    </a:lnT>
-                    <a:lnB w="6350" cap="flat" cmpd="sng" algn="ctr">
-                      <a:solidFill>
-                        <a:srgbClr val="000000"/>
-                      </a:solidFill>
-                      <a:prstDash val="solid"/>
-                      <a:round/>
-                      <a:headEnd type="none" w="med" len="med"/>
-                      <a:tailEnd type="none" w="med" len="med"/>
-                    </a:lnB>
-                    <a:solidFill>
-                      <a:srgbClr val="B8CCE4"/>
-                    </a:solidFill>
-                  </a:tcPr>
-                </a:tc>
-                <a:tc>
-                  <a:txBody>
-                    <a:bodyPr/>
-                    <a:lstStyle/>
-                    <a:p>
-                      <a:pPr algn="ctr" fontAlgn="ctr"/>
-                      <a:r>
-                        <a:rPr lang="en-US" sz="900" b="0" i="0" u="none" strike="noStrike">
-                          <a:solidFill>
-                            <a:srgbClr val="000000"/>
-                          </a:solidFill>
-                          <a:effectLst/>
-                          <a:latin typeface="Calibri"/>
-                        </a:rPr>
-                        <a:t>10/27/15</a:t>
-                      </a:r>
-                    </a:p>
-                  </a:txBody>
-                  <a:tcPr marL="9223" marR="9223" marT="9223" marB="0" anchor="ctr">
-                    <a:lnL w="6350" cap="flat" cmpd="sng" algn="ctr">
-                      <a:solidFill>
-                        <a:srgbClr val="000000"/>
-                      </a:solidFill>
-                      <a:prstDash val="solid"/>
-                      <a:round/>
-                      <a:headEnd type="none" w="med" len="med"/>
-                      <a:tailEnd type="none" w="med" len="med"/>
-                    </a:lnL>
-                    <a:lnR w="6350" cap="flat" cmpd="sng" algn="ctr">
-                      <a:solidFill>
-                        <a:srgbClr val="000000"/>
-                      </a:solidFill>
-                      <a:prstDash val="solid"/>
-                      <a:round/>
-                      <a:headEnd type="none" w="med" len="med"/>
-                      <a:tailEnd type="none" w="med" len="med"/>
-                    </a:lnR>
-                    <a:lnT w="6350" cap="flat" cmpd="sng" algn="ctr">
-                      <a:solidFill>
-                        <a:srgbClr val="000000"/>
-                      </a:solidFill>
-                      <a:prstDash val="solid"/>
-                      <a:round/>
-                      <a:headEnd type="none" w="med" len="med"/>
-                      <a:tailEnd type="none" w="med" len="med"/>
-                    </a:lnT>
-                    <a:lnB w="6350" cap="flat" cmpd="sng" algn="ctr">
-                      <a:solidFill>
-                        <a:srgbClr val="000000"/>
-                      </a:solidFill>
-                      <a:prstDash val="solid"/>
-                      <a:round/>
-                      <a:headEnd type="none" w="med" len="med"/>
-                      <a:tailEnd type="none" w="med" len="med"/>
-                    </a:lnB>
-                    <a:solidFill>
-                      <a:srgbClr val="B8CCE4"/>
-                    </a:solidFill>
-                  </a:tcPr>
-                </a:tc>
-                <a:tc>
-                  <a:txBody>
-                    <a:bodyPr/>
-                    <a:lstStyle/>
-                    <a:p>
-                      <a:pPr algn="ctr" fontAlgn="ctr"/>
-                      <a:r>
-                        <a:rPr lang="en-US" sz="900" b="0" i="0" u="none" strike="noStrike">
-                          <a:solidFill>
-                            <a:srgbClr val="000000"/>
-                          </a:solidFill>
-                          <a:effectLst/>
-                          <a:latin typeface="Calibri"/>
-                        </a:rPr>
-                        <a:t>14d </a:t>
-                      </a:r>
-                    </a:p>
-                  </a:txBody>
-                  <a:tcPr marL="9223" marR="9223" marT="9223" marB="0" anchor="ctr">
-                    <a:lnL w="6350" cap="flat" cmpd="sng" algn="ctr">
-                      <a:solidFill>
-                        <a:srgbClr val="000000"/>
-                      </a:solidFill>
-                      <a:prstDash val="solid"/>
-                      <a:round/>
-                      <a:headEnd type="none" w="med" len="med"/>
-                      <a:tailEnd type="none" w="med" len="med"/>
-                    </a:lnL>
-                    <a:lnR w="6350" cap="flat" cmpd="sng" algn="ctr">
-                      <a:solidFill>
-                        <a:srgbClr val="000000"/>
-                      </a:solidFill>
-                      <a:prstDash val="solid"/>
-                      <a:round/>
-                      <a:headEnd type="none" w="med" len="med"/>
-                      <a:tailEnd type="none" w="med" len="med"/>
-                    </a:lnR>
-                    <a:lnT w="6350" cap="flat" cmpd="sng" algn="ctr">
-                      <a:solidFill>
-                        <a:srgbClr val="000000"/>
-                      </a:solidFill>
-                      <a:prstDash val="solid"/>
-                      <a:round/>
-                      <a:headEnd type="none" w="med" len="med"/>
-                      <a:tailEnd type="none" w="med" len="med"/>
-                    </a:lnT>
-                    <a:lnB w="6350" cap="flat" cmpd="sng" algn="ctr">
-                      <a:solidFill>
-                        <a:srgbClr val="000000"/>
-                      </a:solidFill>
-                      <a:prstDash val="solid"/>
-                      <a:round/>
-                      <a:headEnd type="none" w="med" len="med"/>
-                      <a:tailEnd type="none" w="med" len="med"/>
-                    </a:lnB>
-                    <a:solidFill>
-                      <a:srgbClr val="B8CCE4"/>
-                    </a:solidFill>
-                  </a:tcPr>
-                </a:tc>
-                <a:tc>
-                  <a:txBody>
-                    <a:bodyPr/>
-                    <a:lstStyle/>
-                    <a:p>
-                      <a:pPr algn="ctr" fontAlgn="ctr"/>
-                      <a:r>
-                        <a:rPr lang="en-US" sz="900" b="0" i="0" u="none" strike="noStrike">
-                          <a:solidFill>
-                            <a:srgbClr val="000000"/>
-                          </a:solidFill>
-                          <a:effectLst/>
-                          <a:latin typeface="Calibri"/>
-                        </a:rPr>
-                        <a:t>Everyone</a:t>
-                      </a:r>
-                    </a:p>
-                  </a:txBody>
-                  <a:tcPr marL="9223" marR="9223" marT="9223" marB="0" anchor="ctr">
-                    <a:lnL w="6350" cap="flat" cmpd="sng" algn="ctr">
-                      <a:solidFill>
-                        <a:srgbClr val="000000"/>
-                      </a:solidFill>
-                      <a:prstDash val="solid"/>
-                      <a:round/>
-                      <a:headEnd type="none" w="med" len="med"/>
-                      <a:tailEnd type="none" w="med" len="med"/>
-                    </a:lnL>
-                    <a:lnR w="6350" cap="flat" cmpd="sng" algn="ctr">
-                      <a:solidFill>
-                        <a:srgbClr val="000000"/>
-                      </a:solidFill>
-                      <a:prstDash val="solid"/>
-                      <a:round/>
-                      <a:headEnd type="none" w="med" len="med"/>
-                      <a:tailEnd type="none" w="med" len="med"/>
-                    </a:lnR>
-                    <a:lnT w="6350" cap="flat" cmpd="sng" algn="ctr">
-                      <a:solidFill>
-                        <a:srgbClr val="000000"/>
-                      </a:solidFill>
-                      <a:prstDash val="solid"/>
-                      <a:round/>
-                      <a:headEnd type="none" w="med" len="med"/>
-                      <a:tailEnd type="none" w="med" len="med"/>
-                    </a:lnT>
-                    <a:lnB w="6350" cap="flat" cmpd="sng" algn="ctr">
-                      <a:solidFill>
-                        <a:srgbClr val="000000"/>
-                      </a:solidFill>
-                      <a:prstDash val="solid"/>
-                      <a:round/>
-                      <a:headEnd type="none" w="med" len="med"/>
-                      <a:tailEnd type="none" w="med" len="med"/>
-                    </a:lnB>
-                    <a:solidFill>
-                      <a:srgbClr val="B8CCE4"/>
-                    </a:solidFill>
-                  </a:tcPr>
-                </a:tc>
-              </a:tr>
-              <a:tr h="320322">
-                <a:tc>
-                  <a:txBody>
-                    <a:bodyPr/>
-                    <a:lstStyle/>
-                    <a:p>
-                      <a:pPr algn="ctr" fontAlgn="ctr"/>
-                      <a:r>
-                        <a:rPr lang="en-US" sz="900" b="0" i="0" u="none" strike="noStrike">
-                          <a:solidFill>
-                            <a:srgbClr val="000000"/>
-                          </a:solidFill>
-                          <a:effectLst/>
-                          <a:latin typeface="Calibri"/>
-                        </a:rPr>
-                        <a:t>14</a:t>
-                      </a:r>
-                    </a:p>
-                  </a:txBody>
-                  <a:tcPr marL="9223" marR="9223" marT="9223" marB="0" anchor="ctr">
-                    <a:lnL w="6350" cap="flat" cmpd="sng" algn="ctr">
-                      <a:solidFill>
-                        <a:srgbClr val="000000"/>
-                      </a:solidFill>
-                      <a:prstDash val="solid"/>
-                      <a:round/>
-                      <a:headEnd type="none" w="med" len="med"/>
-                      <a:tailEnd type="none" w="med" len="med"/>
-                    </a:lnL>
-                    <a:lnR w="6350" cap="flat" cmpd="sng" algn="ctr">
-                      <a:solidFill>
-                        <a:srgbClr val="000000"/>
-                      </a:solidFill>
-                      <a:prstDash val="solid"/>
-                      <a:round/>
-                      <a:headEnd type="none" w="med" len="med"/>
-                      <a:tailEnd type="none" w="med" len="med"/>
-                    </a:lnR>
-                    <a:lnT w="6350" cap="flat" cmpd="sng" algn="ctr">
-                      <a:solidFill>
-                        <a:srgbClr val="000000"/>
-                      </a:solidFill>
-                      <a:prstDash val="solid"/>
-                      <a:round/>
-                      <a:headEnd type="none" w="med" len="med"/>
-                      <a:tailEnd type="none" w="med" len="med"/>
-                    </a:lnT>
-                    <a:lnB w="6350" cap="flat" cmpd="sng" algn="ctr">
-                      <a:solidFill>
-                        <a:srgbClr val="000000"/>
-                      </a:solidFill>
-                      <a:prstDash val="solid"/>
-                      <a:round/>
-                      <a:headEnd type="none" w="med" len="med"/>
-                      <a:tailEnd type="none" w="med" len="med"/>
-                    </a:lnB>
-                    <a:solidFill>
-                      <a:srgbClr val="B8CCE4"/>
-                    </a:solidFill>
-                  </a:tcPr>
-                </a:tc>
-                <a:tc>
-                  <a:txBody>
-                    <a:bodyPr/>
-                    <a:lstStyle/>
-                    <a:p>
-                      <a:pPr algn="ctr" fontAlgn="ctr"/>
-                      <a:r>
-                        <a:rPr lang="en-US" sz="900" b="0" i="0" u="none" strike="noStrike">
-                          <a:solidFill>
-                            <a:srgbClr val="000000"/>
-                          </a:solidFill>
-                          <a:effectLst/>
-                          <a:latin typeface="Calibri"/>
-                        </a:rPr>
-                        <a:t>Base Project Complete </a:t>
-                      </a:r>
-                    </a:p>
-                  </a:txBody>
-                  <a:tcPr marL="9223" marR="9223" marT="9223" marB="0" anchor="ctr">
-                    <a:lnL w="6350" cap="flat" cmpd="sng" algn="ctr">
-                      <a:solidFill>
-                        <a:srgbClr val="000000"/>
-                      </a:solidFill>
-                      <a:prstDash val="solid"/>
-                      <a:round/>
-                      <a:headEnd type="none" w="med" len="med"/>
-                      <a:tailEnd type="none" w="med" len="med"/>
-                    </a:lnL>
-                    <a:lnR w="6350" cap="flat" cmpd="sng" algn="ctr">
-                      <a:solidFill>
-                        <a:srgbClr val="000000"/>
-                      </a:solidFill>
-                      <a:prstDash val="solid"/>
-                      <a:round/>
-                      <a:headEnd type="none" w="med" len="med"/>
-                      <a:tailEnd type="none" w="med" len="med"/>
-                    </a:lnR>
-                    <a:lnT w="6350" cap="flat" cmpd="sng" algn="ctr">
-                      <a:solidFill>
-                        <a:srgbClr val="000000"/>
-                      </a:solidFill>
-                      <a:prstDash val="solid"/>
-                      <a:round/>
-                      <a:headEnd type="none" w="med" len="med"/>
-                      <a:tailEnd type="none" w="med" len="med"/>
-                    </a:lnT>
-                    <a:lnB w="6350" cap="flat" cmpd="sng" algn="ctr">
-                      <a:solidFill>
-                        <a:srgbClr val="000000"/>
-                      </a:solidFill>
-                      <a:prstDash val="solid"/>
-                      <a:round/>
-                      <a:headEnd type="none" w="med" len="med"/>
-                      <a:tailEnd type="none" w="med" len="med"/>
-                    </a:lnB>
-                    <a:solidFill>
-                      <a:srgbClr val="B8CCE4"/>
-                    </a:solidFill>
-                  </a:tcPr>
-                </a:tc>
-                <a:tc>
-                  <a:txBody>
-                    <a:bodyPr/>
-                    <a:lstStyle/>
-                    <a:p>
-                      <a:pPr algn="ctr" fontAlgn="ctr"/>
-                      <a:r>
-                        <a:rPr lang="en-US" sz="900" b="0" i="0" u="none" strike="noStrike">
-                          <a:solidFill>
-                            <a:srgbClr val="000000"/>
-                          </a:solidFill>
-                          <a:effectLst/>
-                          <a:latin typeface="Calibri"/>
-                        </a:rPr>
-                        <a:t>8/1/15</a:t>
-                      </a:r>
-                    </a:p>
-                  </a:txBody>
-                  <a:tcPr marL="9223" marR="9223" marT="9223" marB="0" anchor="ctr">
-                    <a:lnL w="6350" cap="flat" cmpd="sng" algn="ctr">
-                      <a:solidFill>
-                        <a:srgbClr val="000000"/>
-                      </a:solidFill>
-                      <a:prstDash val="solid"/>
-                      <a:round/>
-                      <a:headEnd type="none" w="med" len="med"/>
-                      <a:tailEnd type="none" w="med" len="med"/>
-                    </a:lnL>
-                    <a:lnR w="6350" cap="flat" cmpd="sng" algn="ctr">
-                      <a:solidFill>
-                        <a:srgbClr val="000000"/>
-                      </a:solidFill>
-                      <a:prstDash val="solid"/>
-                      <a:round/>
-                      <a:headEnd type="none" w="med" len="med"/>
-                      <a:tailEnd type="none" w="med" len="med"/>
-                    </a:lnR>
-                    <a:lnT w="6350" cap="flat" cmpd="sng" algn="ctr">
-                      <a:solidFill>
-                        <a:srgbClr val="000000"/>
-                      </a:solidFill>
-                      <a:prstDash val="solid"/>
-                      <a:round/>
-                      <a:headEnd type="none" w="med" len="med"/>
-                      <a:tailEnd type="none" w="med" len="med"/>
-                    </a:lnT>
-                    <a:lnB w="6350" cap="flat" cmpd="sng" algn="ctr">
-                      <a:solidFill>
-                        <a:srgbClr val="000000"/>
-                      </a:solidFill>
-                      <a:prstDash val="solid"/>
-                      <a:round/>
-                      <a:headEnd type="none" w="med" len="med"/>
-                      <a:tailEnd type="none" w="med" len="med"/>
-                    </a:lnB>
-                    <a:solidFill>
-                      <a:srgbClr val="B8CCE4"/>
-                    </a:solidFill>
-                  </a:tcPr>
-                </a:tc>
-                <a:tc>
-                  <a:txBody>
-                    <a:bodyPr/>
-                    <a:lstStyle/>
-                    <a:p>
-                      <a:pPr algn="ctr" fontAlgn="ctr"/>
-                      <a:r>
-                        <a:rPr lang="en-US" sz="900" b="0" i="0" u="none" strike="noStrike">
-                          <a:solidFill>
-                            <a:srgbClr val="000000"/>
-                          </a:solidFill>
-                          <a:effectLst/>
-                          <a:latin typeface="Calibri"/>
-                        </a:rPr>
-                        <a:t>8/1/15</a:t>
-                      </a:r>
-                    </a:p>
-                  </a:txBody>
-                  <a:tcPr marL="9223" marR="9223" marT="9223" marB="0" anchor="ctr">
-                    <a:lnL w="6350" cap="flat" cmpd="sng" algn="ctr">
-                      <a:solidFill>
-                        <a:srgbClr val="000000"/>
-                      </a:solidFill>
-                      <a:prstDash val="solid"/>
-                      <a:round/>
-                      <a:headEnd type="none" w="med" len="med"/>
-                      <a:tailEnd type="none" w="med" len="med"/>
-                    </a:lnL>
-                    <a:lnR w="6350" cap="flat" cmpd="sng" algn="ctr">
-                      <a:solidFill>
-                        <a:srgbClr val="000000"/>
-                      </a:solidFill>
-                      <a:prstDash val="solid"/>
-                      <a:round/>
-                      <a:headEnd type="none" w="med" len="med"/>
-                      <a:tailEnd type="none" w="med" len="med"/>
-                    </a:lnR>
-                    <a:lnT w="6350" cap="flat" cmpd="sng" algn="ctr">
-                      <a:solidFill>
-                        <a:srgbClr val="000000"/>
-                      </a:solidFill>
-                      <a:prstDash val="solid"/>
-                      <a:round/>
-                      <a:headEnd type="none" w="med" len="med"/>
-                      <a:tailEnd type="none" w="med" len="med"/>
-                    </a:lnT>
-                    <a:lnB w="6350" cap="flat" cmpd="sng" algn="ctr">
-                      <a:solidFill>
-                        <a:srgbClr val="000000"/>
-                      </a:solidFill>
-                      <a:prstDash val="solid"/>
-                      <a:round/>
-                      <a:headEnd type="none" w="med" len="med"/>
-                      <a:tailEnd type="none" w="med" len="med"/>
-                    </a:lnB>
-                    <a:solidFill>
-                      <a:srgbClr val="B8CCE4"/>
-                    </a:solidFill>
-                  </a:tcPr>
-                </a:tc>
-                <a:tc>
-                  <a:txBody>
-                    <a:bodyPr/>
-                    <a:lstStyle/>
-                    <a:p>
-                      <a:pPr algn="ctr" fontAlgn="ctr"/>
-                      <a:r>
-                        <a:rPr lang="en-US" sz="900" b="0" i="0" u="none" strike="noStrike">
-                          <a:solidFill>
-                            <a:srgbClr val="000000"/>
-                          </a:solidFill>
-                          <a:effectLst/>
-                          <a:latin typeface="Calibri"/>
-                        </a:rPr>
-                        <a:t>0d </a:t>
-                      </a:r>
-                    </a:p>
-                  </a:txBody>
-                  <a:tcPr marL="9223" marR="9223" marT="9223" marB="0" anchor="ctr">
-                    <a:lnL w="6350" cap="flat" cmpd="sng" algn="ctr">
-                      <a:solidFill>
-                        <a:srgbClr val="000000"/>
-                      </a:solidFill>
-                      <a:prstDash val="solid"/>
-                      <a:round/>
-                      <a:headEnd type="none" w="med" len="med"/>
-                      <a:tailEnd type="none" w="med" len="med"/>
-                    </a:lnL>
-                    <a:lnR w="6350" cap="flat" cmpd="sng" algn="ctr">
-                      <a:solidFill>
-                        <a:srgbClr val="000000"/>
-                      </a:solidFill>
-                      <a:prstDash val="solid"/>
-                      <a:round/>
-                      <a:headEnd type="none" w="med" len="med"/>
-                      <a:tailEnd type="none" w="med" len="med"/>
-                    </a:lnR>
-                    <a:lnT w="6350" cap="flat" cmpd="sng" algn="ctr">
-                      <a:solidFill>
-                        <a:srgbClr val="000000"/>
-                      </a:solidFill>
-                      <a:prstDash val="solid"/>
-                      <a:round/>
-                      <a:headEnd type="none" w="med" len="med"/>
-                      <a:tailEnd type="none" w="med" len="med"/>
-                    </a:lnT>
-                    <a:lnB w="6350" cap="flat" cmpd="sng" algn="ctr">
-                      <a:solidFill>
-                        <a:srgbClr val="000000"/>
-                      </a:solidFill>
-                      <a:prstDash val="solid"/>
-                      <a:round/>
-                      <a:headEnd type="none" w="med" len="med"/>
-                      <a:tailEnd type="none" w="med" len="med"/>
-                    </a:lnB>
-                    <a:solidFill>
-                      <a:srgbClr val="B8CCE4"/>
-                    </a:solidFill>
-                  </a:tcPr>
-                </a:tc>
-                <a:tc>
-                  <a:txBody>
-                    <a:bodyPr/>
-                    <a:lstStyle/>
-                    <a:p>
-                      <a:pPr algn="ctr" fontAlgn="ctr"/>
-                      <a:r>
-                        <a:rPr lang="en-US" sz="900" b="0" i="0" u="none" strike="noStrike" dirty="0">
-                          <a:solidFill>
-                            <a:srgbClr val="000000"/>
-                          </a:solidFill>
-                          <a:effectLst/>
-                          <a:latin typeface="Calibri"/>
-                        </a:rPr>
-                        <a:t>Everyone</a:t>
-                      </a:r>
-                    </a:p>
-                  </a:txBody>
-                  <a:tcPr marL="9223" marR="9223" marT="9223" marB="0" anchor="ctr">
-                    <a:lnL w="6350" cap="flat" cmpd="sng" algn="ctr">
-                      <a:solidFill>
-                        <a:srgbClr val="000000"/>
-                      </a:solidFill>
-                      <a:prstDash val="solid"/>
-                      <a:round/>
-                      <a:headEnd type="none" w="med" len="med"/>
-                      <a:tailEnd type="none" w="med" len="med"/>
-                    </a:lnL>
-                    <a:lnR w="6350" cap="flat" cmpd="sng" algn="ctr">
-                      <a:solidFill>
-                        <a:srgbClr val="000000"/>
-                      </a:solidFill>
-                      <a:prstDash val="solid"/>
-                      <a:round/>
-                      <a:headEnd type="none" w="med" len="med"/>
-                      <a:tailEnd type="none" w="med" len="med"/>
-                    </a:lnR>
-                    <a:lnT w="6350" cap="flat" cmpd="sng" algn="ctr">
-                      <a:solidFill>
-                        <a:srgbClr val="000000"/>
-                      </a:solidFill>
-                      <a:prstDash val="solid"/>
-                      <a:round/>
-                      <a:headEnd type="none" w="med" len="med"/>
-                      <a:tailEnd type="none" w="med" len="med"/>
-                    </a:lnT>
-                    <a:lnB w="6350" cap="flat" cmpd="sng" algn="ctr">
-                      <a:solidFill>
-                        <a:srgbClr val="000000"/>
-                      </a:solidFill>
-                      <a:prstDash val="solid"/>
-                      <a:round/>
-                      <a:headEnd type="none" w="med" len="med"/>
-                      <a:tailEnd type="none" w="med" len="med"/>
-                    </a:lnB>
-                    <a:solidFill>
-                      <a:srgbClr val="B8CCE4"/>
-                    </a:solidFill>
-                  </a:tcPr>
-                </a:tc>
-              </a:tr>
-              <a:tr h="270904">
-                <a:tc>
-                  <a:txBody>
-                    <a:bodyPr/>
-                    <a:lstStyle/>
-                    <a:p>
-                      <a:pPr algn="ctr" fontAlgn="ctr"/>
-                      <a:r>
-                        <a:rPr lang="en-US" sz="900" b="0" i="0" u="none" strike="noStrike">
-                          <a:solidFill>
-                            <a:srgbClr val="000000"/>
-                          </a:solidFill>
-                          <a:effectLst/>
-                          <a:latin typeface="Calibri"/>
-                        </a:rPr>
-                        <a:t>15</a:t>
-                      </a:r>
-                    </a:p>
-                  </a:txBody>
-                  <a:tcPr marL="9223" marR="9223" marT="9223" marB="0" anchor="ctr">
-                    <a:lnL w="6350" cap="flat" cmpd="sng" algn="ctr">
-                      <a:solidFill>
-                        <a:srgbClr val="000000"/>
-                      </a:solidFill>
-                      <a:prstDash val="solid"/>
-                      <a:round/>
-                      <a:headEnd type="none" w="med" len="med"/>
-                      <a:tailEnd type="none" w="med" len="med"/>
-                    </a:lnL>
-                    <a:lnR w="6350" cap="flat" cmpd="sng" algn="ctr">
-                      <a:solidFill>
-                        <a:srgbClr val="000000"/>
-                      </a:solidFill>
-                      <a:prstDash val="solid"/>
-                      <a:round/>
-                      <a:headEnd type="none" w="med" len="med"/>
-                      <a:tailEnd type="none" w="med" len="med"/>
-                    </a:lnR>
-                    <a:lnT w="6350" cap="flat" cmpd="sng" algn="ctr">
-                      <a:solidFill>
-                        <a:srgbClr val="000000"/>
-                      </a:solidFill>
-                      <a:prstDash val="solid"/>
-                      <a:round/>
-                      <a:headEnd type="none" w="med" len="med"/>
-                      <a:tailEnd type="none" w="med" len="med"/>
-                    </a:lnT>
-                    <a:lnB w="6350" cap="flat" cmpd="sng" algn="ctr">
-                      <a:solidFill>
-                        <a:srgbClr val="000000"/>
-                      </a:solidFill>
-                      <a:prstDash val="solid"/>
-                      <a:round/>
-                      <a:headEnd type="none" w="med" len="med"/>
-                      <a:tailEnd type="none" w="med" len="med"/>
-                    </a:lnB>
-                    <a:solidFill>
-                      <a:srgbClr val="B8CCE4"/>
-                    </a:solidFill>
-                  </a:tcPr>
-                </a:tc>
-                <a:tc>
-                  <a:txBody>
-                    <a:bodyPr/>
-                    <a:lstStyle/>
-                    <a:p>
-                      <a:pPr algn="ctr" fontAlgn="ctr"/>
-                      <a:r>
-                        <a:rPr lang="en-US" sz="900" b="0" i="0" u="none" strike="noStrike">
-                          <a:solidFill>
-                            <a:srgbClr val="000000"/>
-                          </a:solidFill>
-                          <a:effectLst/>
-                          <a:latin typeface="Calibri"/>
-                        </a:rPr>
-                        <a:t>Advanced Features </a:t>
-                      </a:r>
-                    </a:p>
-                  </a:txBody>
-                  <a:tcPr marL="9223" marR="9223" marT="9223" marB="0" anchor="ctr">
-                    <a:lnL w="6350" cap="flat" cmpd="sng" algn="ctr">
-                      <a:solidFill>
-                        <a:srgbClr val="000000"/>
-                      </a:solidFill>
-                      <a:prstDash val="solid"/>
-                      <a:round/>
-                      <a:headEnd type="none" w="med" len="med"/>
-                      <a:tailEnd type="none" w="med" len="med"/>
-                    </a:lnL>
-                    <a:lnR w="6350" cap="flat" cmpd="sng" algn="ctr">
-                      <a:solidFill>
-                        <a:srgbClr val="000000"/>
-                      </a:solidFill>
-                      <a:prstDash val="solid"/>
-                      <a:round/>
-                      <a:headEnd type="none" w="med" len="med"/>
-                      <a:tailEnd type="none" w="med" len="med"/>
-                    </a:lnR>
-                    <a:lnT w="6350" cap="flat" cmpd="sng" algn="ctr">
-                      <a:solidFill>
-                        <a:srgbClr val="000000"/>
-                      </a:solidFill>
-                      <a:prstDash val="solid"/>
-                      <a:round/>
-                      <a:headEnd type="none" w="med" len="med"/>
-                      <a:tailEnd type="none" w="med" len="med"/>
-                    </a:lnT>
-                    <a:lnB w="6350" cap="flat" cmpd="sng" algn="ctr">
-                      <a:solidFill>
-                        <a:srgbClr val="000000"/>
-                      </a:solidFill>
-                      <a:prstDash val="solid"/>
-                      <a:round/>
-                      <a:headEnd type="none" w="med" len="med"/>
-                      <a:tailEnd type="none" w="med" len="med"/>
-                    </a:lnB>
-                    <a:solidFill>
-                      <a:srgbClr val="B8CCE4"/>
-                    </a:solidFill>
-                  </a:tcPr>
-                </a:tc>
-                <a:tc>
-                  <a:txBody>
-                    <a:bodyPr/>
-                    <a:lstStyle/>
-                    <a:p>
-                      <a:pPr algn="ctr" fontAlgn="ctr"/>
-                      <a:r>
-                        <a:rPr lang="en-US" sz="900" b="0" i="0" u="none" strike="noStrike">
-                          <a:solidFill>
-                            <a:srgbClr val="000000"/>
-                          </a:solidFill>
-                          <a:effectLst/>
-                          <a:latin typeface="Calibri"/>
-                        </a:rPr>
-                        <a:t>10/28/15</a:t>
-                      </a:r>
-                    </a:p>
-                  </a:txBody>
-                  <a:tcPr marL="9223" marR="9223" marT="9223" marB="0" anchor="ctr">
-                    <a:lnL w="6350" cap="flat" cmpd="sng" algn="ctr">
-                      <a:solidFill>
-                        <a:srgbClr val="000000"/>
-                      </a:solidFill>
-                      <a:prstDash val="solid"/>
-                      <a:round/>
-                      <a:headEnd type="none" w="med" len="med"/>
-                      <a:tailEnd type="none" w="med" len="med"/>
-                    </a:lnL>
-                    <a:lnR w="6350" cap="flat" cmpd="sng" algn="ctr">
-                      <a:solidFill>
-                        <a:srgbClr val="000000"/>
-                      </a:solidFill>
-                      <a:prstDash val="solid"/>
-                      <a:round/>
-                      <a:headEnd type="none" w="med" len="med"/>
-                      <a:tailEnd type="none" w="med" len="med"/>
-                    </a:lnR>
-                    <a:lnT w="6350" cap="flat" cmpd="sng" algn="ctr">
-                      <a:solidFill>
-                        <a:srgbClr val="000000"/>
-                      </a:solidFill>
-                      <a:prstDash val="solid"/>
-                      <a:round/>
-                      <a:headEnd type="none" w="med" len="med"/>
-                      <a:tailEnd type="none" w="med" len="med"/>
-                    </a:lnT>
-                    <a:lnB w="6350" cap="flat" cmpd="sng" algn="ctr">
-                      <a:solidFill>
-                        <a:srgbClr val="000000"/>
-                      </a:solidFill>
-                      <a:prstDash val="solid"/>
-                      <a:round/>
-                      <a:headEnd type="none" w="med" len="med"/>
-                      <a:tailEnd type="none" w="med" len="med"/>
-                    </a:lnB>
-                    <a:solidFill>
-                      <a:srgbClr val="B8CCE4"/>
-                    </a:solidFill>
-                  </a:tcPr>
-                </a:tc>
-                <a:tc>
-                  <a:txBody>
-                    <a:bodyPr/>
-                    <a:lstStyle/>
-                    <a:p>
-                      <a:pPr algn="ctr" fontAlgn="ctr"/>
-                      <a:r>
-                        <a:rPr lang="en-US" sz="900" b="0" i="0" u="none" strike="noStrike">
-                          <a:solidFill>
-                            <a:srgbClr val="000000"/>
-                          </a:solidFill>
-                          <a:effectLst/>
-                          <a:latin typeface="Calibri"/>
-                        </a:rPr>
-                        <a:t>11/16/15</a:t>
-                      </a:r>
-                    </a:p>
-                  </a:txBody>
-                  <a:tcPr marL="9223" marR="9223" marT="9223" marB="0" anchor="ctr">
-                    <a:lnL w="6350" cap="flat" cmpd="sng" algn="ctr">
-                      <a:solidFill>
-                        <a:srgbClr val="000000"/>
-                      </a:solidFill>
-                      <a:prstDash val="solid"/>
-                      <a:round/>
-                      <a:headEnd type="none" w="med" len="med"/>
-                      <a:tailEnd type="none" w="med" len="med"/>
-                    </a:lnL>
-                    <a:lnR w="6350" cap="flat" cmpd="sng" algn="ctr">
-                      <a:solidFill>
-                        <a:srgbClr val="000000"/>
-                      </a:solidFill>
-                      <a:prstDash val="solid"/>
-                      <a:round/>
-                      <a:headEnd type="none" w="med" len="med"/>
-                      <a:tailEnd type="none" w="med" len="med"/>
-                    </a:lnR>
-                    <a:lnT w="6350" cap="flat" cmpd="sng" algn="ctr">
-                      <a:solidFill>
-                        <a:srgbClr val="000000"/>
-                      </a:solidFill>
-                      <a:prstDash val="solid"/>
-                      <a:round/>
-                      <a:headEnd type="none" w="med" len="med"/>
-                      <a:tailEnd type="none" w="med" len="med"/>
-                    </a:lnT>
-                    <a:lnB w="6350" cap="flat" cmpd="sng" algn="ctr">
-                      <a:solidFill>
-                        <a:srgbClr val="000000"/>
-                      </a:solidFill>
-                      <a:prstDash val="solid"/>
-                      <a:round/>
-                      <a:headEnd type="none" w="med" len="med"/>
-                      <a:tailEnd type="none" w="med" len="med"/>
-                    </a:lnB>
-                    <a:solidFill>
-                      <a:srgbClr val="B8CCE4"/>
-                    </a:solidFill>
-                  </a:tcPr>
-                </a:tc>
-                <a:tc>
-                  <a:txBody>
-                    <a:bodyPr/>
-                    <a:lstStyle/>
-                    <a:p>
-                      <a:pPr algn="ctr" fontAlgn="ctr"/>
-                      <a:r>
-                        <a:rPr lang="en-US" sz="900" b="0" i="0" u="none" strike="noStrike">
-                          <a:solidFill>
-                            <a:srgbClr val="000000"/>
-                          </a:solidFill>
-                          <a:effectLst/>
-                          <a:latin typeface="Calibri"/>
-                        </a:rPr>
-                        <a:t>20d </a:t>
-                      </a:r>
-                    </a:p>
-                  </a:txBody>
-                  <a:tcPr marL="9223" marR="9223" marT="9223" marB="0" anchor="ctr">
-                    <a:lnL w="6350" cap="flat" cmpd="sng" algn="ctr">
-                      <a:solidFill>
-                        <a:srgbClr val="000000"/>
-                      </a:solidFill>
-                      <a:prstDash val="solid"/>
-                      <a:round/>
-                      <a:headEnd type="none" w="med" len="med"/>
-                      <a:tailEnd type="none" w="med" len="med"/>
-                    </a:lnL>
-                    <a:lnR w="6350" cap="flat" cmpd="sng" algn="ctr">
-                      <a:solidFill>
-                        <a:srgbClr val="000000"/>
-                      </a:solidFill>
-                      <a:prstDash val="solid"/>
-                      <a:round/>
-                      <a:headEnd type="none" w="med" len="med"/>
-                      <a:tailEnd type="none" w="med" len="med"/>
-                    </a:lnR>
-                    <a:lnT w="6350" cap="flat" cmpd="sng" algn="ctr">
-                      <a:solidFill>
-                        <a:srgbClr val="000000"/>
-                      </a:solidFill>
-                      <a:prstDash val="solid"/>
-                      <a:round/>
-                      <a:headEnd type="none" w="med" len="med"/>
-                      <a:tailEnd type="none" w="med" len="med"/>
-                    </a:lnT>
-                    <a:lnB w="6350" cap="flat" cmpd="sng" algn="ctr">
-                      <a:solidFill>
-                        <a:srgbClr val="000000"/>
-                      </a:solidFill>
-                      <a:prstDash val="solid"/>
-                      <a:round/>
-                      <a:headEnd type="none" w="med" len="med"/>
-                      <a:tailEnd type="none" w="med" len="med"/>
-                    </a:lnB>
-                    <a:solidFill>
-                      <a:srgbClr val="B8CCE4"/>
-                    </a:solidFill>
-                  </a:tcPr>
-                </a:tc>
-                <a:tc>
-                  <a:txBody>
-                    <a:bodyPr/>
-                    <a:lstStyle/>
-                    <a:p>
-                      <a:pPr algn="ctr" fontAlgn="ctr"/>
-                      <a:r>
-                        <a:rPr lang="en-US" sz="900" b="0" i="0" u="none" strike="noStrike">
-                          <a:solidFill>
-                            <a:srgbClr val="000000"/>
-                          </a:solidFill>
-                          <a:effectLst/>
-                          <a:latin typeface="Calibri"/>
-                        </a:rPr>
-                        <a:t>Everyone</a:t>
-                      </a:r>
-                    </a:p>
-                  </a:txBody>
-                  <a:tcPr marL="9223" marR="9223" marT="9223" marB="0" anchor="ctr">
-                    <a:lnL w="6350" cap="flat" cmpd="sng" algn="ctr">
-                      <a:solidFill>
-                        <a:srgbClr val="000000"/>
-                      </a:solidFill>
-                      <a:prstDash val="solid"/>
-                      <a:round/>
-                      <a:headEnd type="none" w="med" len="med"/>
-                      <a:tailEnd type="none" w="med" len="med"/>
-                    </a:lnL>
-                    <a:lnR w="6350" cap="flat" cmpd="sng" algn="ctr">
-                      <a:solidFill>
-                        <a:srgbClr val="000000"/>
-                      </a:solidFill>
-                      <a:prstDash val="solid"/>
-                      <a:round/>
-                      <a:headEnd type="none" w="med" len="med"/>
-                      <a:tailEnd type="none" w="med" len="med"/>
-                    </a:lnR>
-                    <a:lnT w="6350" cap="flat" cmpd="sng" algn="ctr">
-                      <a:solidFill>
-                        <a:srgbClr val="000000"/>
-                      </a:solidFill>
-                      <a:prstDash val="solid"/>
-                      <a:round/>
-                      <a:headEnd type="none" w="med" len="med"/>
-                      <a:tailEnd type="none" w="med" len="med"/>
-                    </a:lnT>
-                    <a:lnB w="6350" cap="flat" cmpd="sng" algn="ctr">
-                      <a:solidFill>
-                        <a:srgbClr val="000000"/>
-                      </a:solidFill>
-                      <a:prstDash val="solid"/>
-                      <a:round/>
-                      <a:headEnd type="none" w="med" len="med"/>
-                      <a:tailEnd type="none" w="med" len="med"/>
-                    </a:lnB>
-                    <a:solidFill>
-                      <a:srgbClr val="B8CCE4"/>
-                    </a:solidFill>
-                  </a:tcPr>
-                </a:tc>
-              </a:tr>
-              <a:tr h="270904">
-                <a:tc>
-                  <a:txBody>
-                    <a:bodyPr/>
-                    <a:lstStyle/>
-                    <a:p>
-                      <a:pPr algn="ctr" fontAlgn="ctr"/>
-                      <a:r>
-                        <a:rPr lang="en-US" sz="900" b="0" i="0" u="none" strike="noStrike">
-                          <a:solidFill>
-                            <a:srgbClr val="000000"/>
-                          </a:solidFill>
-                          <a:effectLst/>
-                          <a:latin typeface="Calibri"/>
-                        </a:rPr>
-                        <a:t>16</a:t>
-                      </a:r>
-                    </a:p>
-                  </a:txBody>
-                  <a:tcPr marL="9223" marR="9223" marT="9223" marB="0" anchor="ctr">
-                    <a:lnL w="6350" cap="flat" cmpd="sng" algn="ctr">
-                      <a:solidFill>
-                        <a:srgbClr val="000000"/>
-                      </a:solidFill>
-                      <a:prstDash val="solid"/>
-                      <a:round/>
-                      <a:headEnd type="none" w="med" len="med"/>
-                      <a:tailEnd type="none" w="med" len="med"/>
-                    </a:lnL>
-                    <a:lnR w="6350" cap="flat" cmpd="sng" algn="ctr">
-                      <a:solidFill>
-                        <a:srgbClr val="000000"/>
-                      </a:solidFill>
-                      <a:prstDash val="solid"/>
-                      <a:round/>
-                      <a:headEnd type="none" w="med" len="med"/>
-                      <a:tailEnd type="none" w="med" len="med"/>
-                    </a:lnR>
-                    <a:lnT w="6350" cap="flat" cmpd="sng" algn="ctr">
-                      <a:solidFill>
-                        <a:srgbClr val="000000"/>
-                      </a:solidFill>
-                      <a:prstDash val="solid"/>
-                      <a:round/>
-                      <a:headEnd type="none" w="med" len="med"/>
-                      <a:tailEnd type="none" w="med" len="med"/>
-                    </a:lnT>
-                    <a:lnB w="6350" cap="flat" cmpd="sng" algn="ctr">
-                      <a:solidFill>
-                        <a:srgbClr val="000000"/>
-                      </a:solidFill>
-                      <a:prstDash val="solid"/>
-                      <a:round/>
-                      <a:headEnd type="none" w="med" len="med"/>
-                      <a:tailEnd type="none" w="med" len="med"/>
-                    </a:lnB>
-                    <a:solidFill>
-                      <a:srgbClr val="B8CCE4"/>
-                    </a:solidFill>
-                  </a:tcPr>
-                </a:tc>
-                <a:tc>
-                  <a:txBody>
-                    <a:bodyPr/>
-                    <a:lstStyle/>
-                    <a:p>
-                      <a:pPr algn="ctr" fontAlgn="ctr"/>
-                      <a:r>
-                        <a:rPr lang="en-US" sz="900" b="0" i="0" u="none" strike="noStrike">
-                          <a:solidFill>
-                            <a:srgbClr val="000000"/>
-                          </a:solidFill>
-                          <a:effectLst/>
-                          <a:latin typeface="Calibri"/>
-                        </a:rPr>
-                        <a:t>Presentation Prep </a:t>
-                      </a:r>
-                    </a:p>
-                  </a:txBody>
-                  <a:tcPr marL="9223" marR="9223" marT="9223" marB="0" anchor="ctr">
-                    <a:lnL w="6350" cap="flat" cmpd="sng" algn="ctr">
-                      <a:solidFill>
-                        <a:srgbClr val="000000"/>
-                      </a:solidFill>
-                      <a:prstDash val="solid"/>
-                      <a:round/>
-                      <a:headEnd type="none" w="med" len="med"/>
-                      <a:tailEnd type="none" w="med" len="med"/>
-                    </a:lnL>
-                    <a:lnR w="6350" cap="flat" cmpd="sng" algn="ctr">
-                      <a:solidFill>
-                        <a:srgbClr val="000000"/>
-                      </a:solidFill>
-                      <a:prstDash val="solid"/>
-                      <a:round/>
-                      <a:headEnd type="none" w="med" len="med"/>
-                      <a:tailEnd type="none" w="med" len="med"/>
-                    </a:lnR>
-                    <a:lnT w="6350" cap="flat" cmpd="sng" algn="ctr">
-                      <a:solidFill>
-                        <a:srgbClr val="000000"/>
-                      </a:solidFill>
-                      <a:prstDash val="solid"/>
-                      <a:round/>
-                      <a:headEnd type="none" w="med" len="med"/>
-                      <a:tailEnd type="none" w="med" len="med"/>
-                    </a:lnT>
-                    <a:lnB w="6350" cap="flat" cmpd="sng" algn="ctr">
-                      <a:solidFill>
-                        <a:srgbClr val="000000"/>
-                      </a:solidFill>
-                      <a:prstDash val="solid"/>
-                      <a:round/>
-                      <a:headEnd type="none" w="med" len="med"/>
-                      <a:tailEnd type="none" w="med" len="med"/>
-                    </a:lnB>
-                    <a:solidFill>
-                      <a:srgbClr val="B8CCE4"/>
-                    </a:solidFill>
-                  </a:tcPr>
-                </a:tc>
-                <a:tc>
-                  <a:txBody>
-                    <a:bodyPr/>
-                    <a:lstStyle/>
-                    <a:p>
-                      <a:pPr algn="ctr" fontAlgn="ctr"/>
-                      <a:r>
-                        <a:rPr lang="en-US" sz="900" b="0" i="0" u="none" strike="noStrike">
-                          <a:solidFill>
-                            <a:srgbClr val="000000"/>
-                          </a:solidFill>
-                          <a:effectLst/>
-                          <a:latin typeface="Calibri"/>
-                        </a:rPr>
-                        <a:t>11/17/15</a:t>
-                      </a:r>
-                    </a:p>
-                  </a:txBody>
-                  <a:tcPr marL="9223" marR="9223" marT="9223" marB="0" anchor="ctr">
-                    <a:lnL w="6350" cap="flat" cmpd="sng" algn="ctr">
-                      <a:solidFill>
-                        <a:srgbClr val="000000"/>
-                      </a:solidFill>
-                      <a:prstDash val="solid"/>
-                      <a:round/>
-                      <a:headEnd type="none" w="med" len="med"/>
-                      <a:tailEnd type="none" w="med" len="med"/>
-                    </a:lnL>
-                    <a:lnR w="6350" cap="flat" cmpd="sng" algn="ctr">
-                      <a:solidFill>
-                        <a:srgbClr val="000000"/>
-                      </a:solidFill>
-                      <a:prstDash val="solid"/>
-                      <a:round/>
-                      <a:headEnd type="none" w="med" len="med"/>
-                      <a:tailEnd type="none" w="med" len="med"/>
-                    </a:lnR>
-                    <a:lnT w="6350" cap="flat" cmpd="sng" algn="ctr">
-                      <a:solidFill>
-                        <a:srgbClr val="000000"/>
-                      </a:solidFill>
-                      <a:prstDash val="solid"/>
-                      <a:round/>
-                      <a:headEnd type="none" w="med" len="med"/>
-                      <a:tailEnd type="none" w="med" len="med"/>
-                    </a:lnT>
-                    <a:lnB w="6350" cap="flat" cmpd="sng" algn="ctr">
-                      <a:solidFill>
-                        <a:srgbClr val="000000"/>
-                      </a:solidFill>
-                      <a:prstDash val="solid"/>
-                      <a:round/>
-                      <a:headEnd type="none" w="med" len="med"/>
-                      <a:tailEnd type="none" w="med" len="med"/>
-                    </a:lnB>
-                    <a:solidFill>
-                      <a:srgbClr val="B8CCE4"/>
-                    </a:solidFill>
-                  </a:tcPr>
-                </a:tc>
-                <a:tc>
-                  <a:txBody>
-                    <a:bodyPr/>
-                    <a:lstStyle/>
-                    <a:p>
-                      <a:pPr algn="ctr" fontAlgn="ctr"/>
-                      <a:r>
-                        <a:rPr lang="en-US" sz="900" b="0" i="0" u="none" strike="noStrike">
-                          <a:solidFill>
-                            <a:srgbClr val="000000"/>
-                          </a:solidFill>
-                          <a:effectLst/>
-                          <a:latin typeface="Calibri"/>
-                        </a:rPr>
-                        <a:t>11/30/15</a:t>
-                      </a:r>
-                    </a:p>
-                  </a:txBody>
-                  <a:tcPr marL="9223" marR="9223" marT="9223" marB="0" anchor="ctr">
-                    <a:lnL w="6350" cap="flat" cmpd="sng" algn="ctr">
-                      <a:solidFill>
-                        <a:srgbClr val="000000"/>
-                      </a:solidFill>
-                      <a:prstDash val="solid"/>
-                      <a:round/>
-                      <a:headEnd type="none" w="med" len="med"/>
-                      <a:tailEnd type="none" w="med" len="med"/>
-                    </a:lnL>
-                    <a:lnR w="6350" cap="flat" cmpd="sng" algn="ctr">
-                      <a:solidFill>
-                        <a:srgbClr val="000000"/>
-                      </a:solidFill>
-                      <a:prstDash val="solid"/>
-                      <a:round/>
-                      <a:headEnd type="none" w="med" len="med"/>
-                      <a:tailEnd type="none" w="med" len="med"/>
-                    </a:lnR>
-                    <a:lnT w="6350" cap="flat" cmpd="sng" algn="ctr">
-                      <a:solidFill>
-                        <a:srgbClr val="000000"/>
-                      </a:solidFill>
-                      <a:prstDash val="solid"/>
-                      <a:round/>
-                      <a:headEnd type="none" w="med" len="med"/>
-                      <a:tailEnd type="none" w="med" len="med"/>
-                    </a:lnT>
-                    <a:lnB w="6350" cap="flat" cmpd="sng" algn="ctr">
-                      <a:solidFill>
-                        <a:srgbClr val="000000"/>
-                      </a:solidFill>
-                      <a:prstDash val="solid"/>
-                      <a:round/>
-                      <a:headEnd type="none" w="med" len="med"/>
-                      <a:tailEnd type="none" w="med" len="med"/>
-                    </a:lnB>
-                    <a:solidFill>
-                      <a:srgbClr val="B8CCE4"/>
-                    </a:solidFill>
-                  </a:tcPr>
-                </a:tc>
-                <a:tc>
-                  <a:txBody>
-                    <a:bodyPr/>
-                    <a:lstStyle/>
-                    <a:p>
-                      <a:pPr algn="ctr" fontAlgn="ctr"/>
-                      <a:r>
-                        <a:rPr lang="en-US" sz="900" b="0" i="0" u="none" strike="noStrike">
-                          <a:solidFill>
-                            <a:srgbClr val="000000"/>
-                          </a:solidFill>
-                          <a:effectLst/>
-                          <a:latin typeface="Calibri"/>
-                        </a:rPr>
-                        <a:t>14d </a:t>
-                      </a:r>
-                    </a:p>
-                  </a:txBody>
-                  <a:tcPr marL="9223" marR="9223" marT="9223" marB="0" anchor="ctr">
-                    <a:lnL w="6350" cap="flat" cmpd="sng" algn="ctr">
-                      <a:solidFill>
-                        <a:srgbClr val="000000"/>
-                      </a:solidFill>
-                      <a:prstDash val="solid"/>
-                      <a:round/>
-                      <a:headEnd type="none" w="med" len="med"/>
-                      <a:tailEnd type="none" w="med" len="med"/>
-                    </a:lnL>
-                    <a:lnR w="6350" cap="flat" cmpd="sng" algn="ctr">
-                      <a:solidFill>
-                        <a:srgbClr val="000000"/>
-                      </a:solidFill>
-                      <a:prstDash val="solid"/>
-                      <a:round/>
-                      <a:headEnd type="none" w="med" len="med"/>
-                      <a:tailEnd type="none" w="med" len="med"/>
-                    </a:lnR>
-                    <a:lnT w="6350" cap="flat" cmpd="sng" algn="ctr">
-                      <a:solidFill>
-                        <a:srgbClr val="000000"/>
-                      </a:solidFill>
-                      <a:prstDash val="solid"/>
-                      <a:round/>
-                      <a:headEnd type="none" w="med" len="med"/>
-                      <a:tailEnd type="none" w="med" len="med"/>
-                    </a:lnT>
-                    <a:lnB w="6350" cap="flat" cmpd="sng" algn="ctr">
-                      <a:solidFill>
-                        <a:srgbClr val="000000"/>
-                      </a:solidFill>
-                      <a:prstDash val="solid"/>
-                      <a:round/>
-                      <a:headEnd type="none" w="med" len="med"/>
-                      <a:tailEnd type="none" w="med" len="med"/>
-                    </a:lnB>
-                    <a:solidFill>
-                      <a:srgbClr val="B8CCE4"/>
-                    </a:solidFill>
-                  </a:tcPr>
-                </a:tc>
-                <a:tc>
-                  <a:txBody>
-                    <a:bodyPr/>
-                    <a:lstStyle/>
-                    <a:p>
-                      <a:pPr algn="ctr" fontAlgn="ctr"/>
-                      <a:r>
-                        <a:rPr lang="en-US" sz="900" b="0" i="0" u="none" strike="noStrike" dirty="0">
-                          <a:solidFill>
-                            <a:srgbClr val="000000"/>
-                          </a:solidFill>
-                          <a:effectLst/>
-                          <a:latin typeface="Calibri"/>
-                        </a:rPr>
-                        <a:t>Everyone</a:t>
-                      </a:r>
-                    </a:p>
-                  </a:txBody>
-                  <a:tcPr marL="9223" marR="9223" marT="9223" marB="0" anchor="ctr">
-                    <a:lnL w="6350" cap="flat" cmpd="sng" algn="ctr">
-                      <a:solidFill>
-                        <a:srgbClr val="000000"/>
-                      </a:solidFill>
-                      <a:prstDash val="solid"/>
-                      <a:round/>
-                      <a:headEnd type="none" w="med" len="med"/>
-                      <a:tailEnd type="none" w="med" len="med"/>
-                    </a:lnL>
-                    <a:lnR w="6350" cap="flat" cmpd="sng" algn="ctr">
-                      <a:solidFill>
-                        <a:srgbClr val="000000"/>
-                      </a:solidFill>
-                      <a:prstDash val="solid"/>
-                      <a:round/>
-                      <a:headEnd type="none" w="med" len="med"/>
-                      <a:tailEnd type="none" w="med" len="med"/>
-                    </a:lnR>
-                    <a:lnT w="6350" cap="flat" cmpd="sng" algn="ctr">
-                      <a:solidFill>
-                        <a:srgbClr val="000000"/>
-                      </a:solidFill>
-                      <a:prstDash val="solid"/>
-                      <a:round/>
-                      <a:headEnd type="none" w="med" len="med"/>
-                      <a:tailEnd type="none" w="med" len="med"/>
-                    </a:lnT>
-                    <a:lnB w="6350" cap="flat" cmpd="sng" algn="ctr">
-                      <a:solidFill>
-                        <a:srgbClr val="000000"/>
-                      </a:solidFill>
-                      <a:prstDash val="solid"/>
-                      <a:round/>
-                      <a:headEnd type="none" w="med" len="med"/>
-                      <a:tailEnd type="none" w="med" len="med"/>
-                    </a:lnB>
-                    <a:solidFill>
-                      <a:srgbClr val="B8CCE4"/>
-                    </a:solidFill>
-                  </a:tcPr>
-                </a:tc>
-              </a:tr>
-            </a:tbl>
-          </a:graphicData>
-        </a:graphic>
-      </p:graphicFrame>
     </p:spTree>
     <p:extLst>
       <p:ext uri="{BB962C8B-B14F-4D97-AF65-F5344CB8AC3E}">
@@ -15983,1465 +9513,93 @@
         </p:nvSpPr>
         <p:spPr/>
         <p:txBody>
+          <a:bodyPr>
+            <a:normAutofit fontScale="90000"/>
+          </a:bodyPr>
+          <a:lstStyle/>
+          <a:p>
+            <a:r>
+              <a:rPr lang="en-US" dirty="0" smtClean="0"/>
+              <a:t>What makes Nosferatu special</a:t>
+            </a:r>
+            <a:endParaRPr lang="en-US" dirty="0"/>
+          </a:p>
+        </p:txBody>
+      </p:sp>
+      <p:sp>
+        <p:nvSpPr>
+          <p:cNvPr id="3" name="Content Placeholder 2"/>
+          <p:cNvSpPr>
+            <a:spLocks noGrp="1"/>
+          </p:cNvSpPr>
+          <p:nvPr>
+            <p:ph idx="1"/>
+          </p:nvPr>
+        </p:nvSpPr>
+        <p:spPr/>
+        <p:txBody>
           <a:bodyPr/>
           <a:lstStyle/>
           <a:p>
             <a:r>
               <a:rPr lang="en-US" dirty="0" smtClean="0"/>
-              <a:t>Budget</a:t>
+              <a:t>Compared to Wi-Fi lightbulbs</a:t>
             </a:r>
             <a:endParaRPr lang="en-US" dirty="0"/>
           </a:p>
-        </p:txBody>
-      </p:sp>
-      <p:graphicFrame>
-        <p:nvGraphicFramePr>
-          <p:cNvPr id="4" name="Table 3"/>
-          <p:cNvGraphicFramePr>
-            <a:graphicFrameLocks noGrp="1"/>
-          </p:cNvGraphicFramePr>
-          <p:nvPr>
-            <p:extLst>
-              <p:ext uri="{D42A27DB-BD31-4B8C-83A1-F6EECF244321}">
-                <p14:modId xmlns:p14="http://schemas.microsoft.com/office/powerpoint/2010/main" val="2089835287"/>
-              </p:ext>
-            </p:extLst>
-          </p:nvPr>
-        </p:nvGraphicFramePr>
-        <p:xfrm>
-          <a:off x="685800" y="1360584"/>
-          <a:ext cx="7770813" cy="5209102"/>
-        </p:xfrm>
-        <a:graphic>
-          <a:graphicData uri="http://schemas.openxmlformats.org/drawingml/2006/table">
-            <a:tbl>
-              <a:tblPr>
-                <a:tableStyleId>{3C2FFA5D-87B4-456A-9821-1D502468CF0F}</a:tableStyleId>
-              </a:tblPr>
-              <a:tblGrid>
-                <a:gridCol w="1501806"/>
-                <a:gridCol w="2466269"/>
-                <a:gridCol w="1446694"/>
-                <a:gridCol w="2356044"/>
-              </a:tblGrid>
-              <a:tr h="470985">
-                <a:tc>
-                  <a:txBody>
-                    <a:bodyPr/>
-                    <a:lstStyle/>
-                    <a:p>
-                      <a:pPr algn="l" fontAlgn="b"/>
-                      <a:r>
-                        <a:rPr lang="en-US" sz="1500" u="none" strike="noStrike">
-                          <a:effectLst/>
-                        </a:rPr>
-                        <a:t>Part List</a:t>
-                      </a:r>
-                      <a:endParaRPr lang="en-US" sz="1500" b="1" i="0" u="none" strike="noStrike">
-                        <a:solidFill>
-                          <a:srgbClr val="44546A"/>
-                        </a:solidFill>
-                        <a:effectLst/>
-                        <a:latin typeface="Calibri"/>
-                      </a:endParaRPr>
-                    </a:p>
-                  </a:txBody>
-                  <a:tcPr marL="12700" marR="12700" marT="12700" marB="0" anchor="b"/>
-                </a:tc>
-                <a:tc>
-                  <a:txBody>
-                    <a:bodyPr/>
-                    <a:lstStyle/>
-                    <a:p>
-                      <a:pPr algn="l" fontAlgn="b"/>
-                      <a:r>
-                        <a:rPr lang="en-US" sz="1500" u="none" strike="noStrike" dirty="0">
-                          <a:effectLst/>
-                        </a:rPr>
-                        <a:t>Cost Estimate Per Part</a:t>
-                      </a:r>
-                      <a:endParaRPr lang="en-US" sz="1500" b="1" i="0" u="none" strike="noStrike" dirty="0">
-                        <a:solidFill>
-                          <a:srgbClr val="44546A"/>
-                        </a:solidFill>
-                        <a:effectLst/>
-                        <a:latin typeface="Calibri"/>
-                      </a:endParaRPr>
-                    </a:p>
-                  </a:txBody>
-                  <a:tcPr marL="12700" marR="12700" marT="12700" marB="0" anchor="b"/>
-                </a:tc>
-                <a:tc>
-                  <a:txBody>
-                    <a:bodyPr/>
-                    <a:lstStyle/>
-                    <a:p>
-                      <a:pPr algn="l" fontAlgn="b"/>
-                      <a:r>
-                        <a:rPr lang="en-US" sz="1500" u="none" strike="noStrike">
-                          <a:effectLst/>
-                        </a:rPr>
-                        <a:t>Quantity</a:t>
-                      </a:r>
-                      <a:endParaRPr lang="en-US" sz="1500" b="1" i="0" u="none" strike="noStrike">
-                        <a:solidFill>
-                          <a:srgbClr val="44546A"/>
-                        </a:solidFill>
-                        <a:effectLst/>
-                        <a:latin typeface="Calibri"/>
-                      </a:endParaRPr>
-                    </a:p>
-                  </a:txBody>
-                  <a:tcPr marL="12700" marR="12700" marT="12700" marB="0" anchor="b"/>
-                </a:tc>
-                <a:tc>
-                  <a:txBody>
-                    <a:bodyPr/>
-                    <a:lstStyle/>
-                    <a:p>
-                      <a:pPr algn="r" fontAlgn="b"/>
-                      <a:r>
-                        <a:rPr lang="en-US" sz="1500" u="none" strike="noStrike">
-                          <a:effectLst/>
-                        </a:rPr>
-                        <a:t>Cost Estimate(-tax)</a:t>
-                      </a:r>
-                      <a:endParaRPr lang="en-US" sz="1500" b="1" i="0" u="none" strike="noStrike">
-                        <a:solidFill>
-                          <a:srgbClr val="44546A"/>
-                        </a:solidFill>
-                        <a:effectLst/>
-                        <a:latin typeface="Calibri"/>
-                      </a:endParaRPr>
-                    </a:p>
-                  </a:txBody>
-                  <a:tcPr marL="12700" marR="12700" marT="12700" marB="0" anchor="b"/>
-                </a:tc>
-              </a:tr>
-              <a:tr h="353239">
-                <a:tc>
-                  <a:txBody>
-                    <a:bodyPr/>
-                    <a:lstStyle/>
-                    <a:p>
-                      <a:pPr algn="l" fontAlgn="ctr"/>
-                      <a:r>
-                        <a:rPr lang="en-US" sz="1100" u="none" strike="noStrike">
-                          <a:effectLst/>
-                        </a:rPr>
-                        <a:t>Arduino</a:t>
-                      </a:r>
-                      <a:endParaRPr lang="en-US" sz="1100" b="0" i="0" u="none" strike="noStrike">
-                        <a:solidFill>
-                          <a:srgbClr val="000000"/>
-                        </a:solidFill>
-                        <a:effectLst/>
-                        <a:latin typeface="Calibri"/>
-                      </a:endParaRPr>
-                    </a:p>
-                  </a:txBody>
-                  <a:tcPr marL="12700" marR="12700" marT="12700" marB="0" anchor="ctr"/>
-                </a:tc>
-                <a:tc>
-                  <a:txBody>
-                    <a:bodyPr/>
-                    <a:lstStyle/>
-                    <a:p>
-                      <a:pPr algn="ctr" fontAlgn="ctr"/>
-                      <a:r>
-                        <a:rPr lang="en-US" sz="1100" u="none" strike="noStrike">
-                          <a:effectLst/>
-                        </a:rPr>
-                        <a:t>$10.00</a:t>
-                      </a:r>
-                      <a:endParaRPr lang="en-US" sz="1100" b="0" i="0" u="none" strike="noStrike">
-                        <a:solidFill>
-                          <a:srgbClr val="000000"/>
-                        </a:solidFill>
-                        <a:effectLst/>
-                        <a:latin typeface="Calibri"/>
-                      </a:endParaRPr>
-                    </a:p>
-                  </a:txBody>
-                  <a:tcPr marL="12700" marR="12700" marT="12700" marB="0" anchor="ctr"/>
-                </a:tc>
-                <a:tc>
-                  <a:txBody>
-                    <a:bodyPr/>
-                    <a:lstStyle/>
-                    <a:p>
-                      <a:pPr algn="ctr" fontAlgn="ctr"/>
-                      <a:r>
-                        <a:rPr lang="en-US" sz="1100" u="none" strike="noStrike">
-                          <a:effectLst/>
-                        </a:rPr>
-                        <a:t>4</a:t>
-                      </a:r>
-                      <a:endParaRPr lang="en-US" sz="1100" b="0" i="0" u="none" strike="noStrike">
-                        <a:solidFill>
-                          <a:srgbClr val="000000"/>
-                        </a:solidFill>
-                        <a:effectLst/>
-                        <a:latin typeface="Calibri"/>
-                      </a:endParaRPr>
-                    </a:p>
-                  </a:txBody>
-                  <a:tcPr marL="12700" marR="12700" marT="12700" marB="0" anchor="ctr"/>
-                </a:tc>
-                <a:tc>
-                  <a:txBody>
-                    <a:bodyPr/>
-                    <a:lstStyle/>
-                    <a:p>
-                      <a:pPr algn="r" fontAlgn="ctr"/>
-                      <a:r>
-                        <a:rPr lang="en-US" sz="1100" u="none" strike="noStrike">
-                          <a:effectLst/>
-                        </a:rPr>
-                        <a:t>$40.00</a:t>
-                      </a:r>
-                      <a:endParaRPr lang="en-US" sz="1100" b="0" i="0" u="none" strike="noStrike">
-                        <a:solidFill>
-                          <a:srgbClr val="000000"/>
-                        </a:solidFill>
-                        <a:effectLst/>
-                        <a:latin typeface="Calibri"/>
-                      </a:endParaRPr>
-                    </a:p>
-                  </a:txBody>
-                  <a:tcPr marL="12700" marR="12700" marT="12700" marB="0" anchor="ctr"/>
-                </a:tc>
-              </a:tr>
-              <a:tr h="334400">
-                <a:tc>
-                  <a:txBody>
-                    <a:bodyPr/>
-                    <a:lstStyle/>
-                    <a:p>
-                      <a:pPr algn="l" fontAlgn="b"/>
-                      <a:r>
-                        <a:rPr lang="en-US" sz="1100" u="none" strike="noStrike" dirty="0">
-                          <a:effectLst/>
-                        </a:rPr>
-                        <a:t>Motion Sensor</a:t>
-                      </a:r>
-                      <a:endParaRPr lang="en-US" sz="1100" b="0" i="0" u="none" strike="noStrike" dirty="0">
-                        <a:solidFill>
-                          <a:srgbClr val="000000"/>
-                        </a:solidFill>
-                        <a:effectLst/>
-                        <a:latin typeface="Calibri"/>
-                      </a:endParaRPr>
-                    </a:p>
-                  </a:txBody>
-                  <a:tcPr marL="12700" marR="12700" marT="12700" marB="0" anchor="b"/>
-                </a:tc>
-                <a:tc>
-                  <a:txBody>
-                    <a:bodyPr/>
-                    <a:lstStyle/>
-                    <a:p>
-                      <a:pPr algn="ctr" fontAlgn="ctr"/>
-                      <a:r>
-                        <a:rPr lang="en-US" sz="1100" u="none" strike="noStrike">
-                          <a:effectLst/>
-                        </a:rPr>
-                        <a:t>$10.00</a:t>
-                      </a:r>
-                      <a:endParaRPr lang="en-US" sz="1100" b="0" i="0" u="none" strike="noStrike">
-                        <a:solidFill>
-                          <a:srgbClr val="000000"/>
-                        </a:solidFill>
-                        <a:effectLst/>
-                        <a:latin typeface="Calibri"/>
-                      </a:endParaRPr>
-                    </a:p>
-                  </a:txBody>
-                  <a:tcPr marL="12700" marR="12700" marT="12700" marB="0" anchor="ctr"/>
-                </a:tc>
-                <a:tc>
-                  <a:txBody>
-                    <a:bodyPr/>
-                    <a:lstStyle/>
-                    <a:p>
-                      <a:pPr algn="ctr" fontAlgn="ctr"/>
-                      <a:r>
-                        <a:rPr lang="en-US" sz="1100" u="none" strike="noStrike">
-                          <a:effectLst/>
-                        </a:rPr>
-                        <a:t>4</a:t>
-                      </a:r>
-                      <a:endParaRPr lang="en-US" sz="1100" b="0" i="0" u="none" strike="noStrike">
-                        <a:solidFill>
-                          <a:srgbClr val="000000"/>
-                        </a:solidFill>
-                        <a:effectLst/>
-                        <a:latin typeface="Calibri"/>
-                      </a:endParaRPr>
-                    </a:p>
-                  </a:txBody>
-                  <a:tcPr marL="12700" marR="12700" marT="12700" marB="0" anchor="ctr"/>
-                </a:tc>
-                <a:tc>
-                  <a:txBody>
-                    <a:bodyPr/>
-                    <a:lstStyle/>
-                    <a:p>
-                      <a:pPr algn="r" fontAlgn="ctr"/>
-                      <a:r>
-                        <a:rPr lang="en-US" sz="1100" u="none" strike="noStrike" dirty="0">
-                          <a:effectLst/>
-                        </a:rPr>
-                        <a:t>$40.00</a:t>
-                      </a:r>
-                      <a:endParaRPr lang="en-US" sz="1100" b="0" i="0" u="none" strike="noStrike" dirty="0">
-                        <a:solidFill>
-                          <a:srgbClr val="000000"/>
-                        </a:solidFill>
-                        <a:effectLst/>
-                        <a:latin typeface="Calibri"/>
-                      </a:endParaRPr>
-                    </a:p>
-                  </a:txBody>
-                  <a:tcPr marL="12700" marR="12700" marT="12700" marB="0" anchor="ctr"/>
-                </a:tc>
-              </a:tr>
-              <a:tr h="334400">
-                <a:tc>
-                  <a:txBody>
-                    <a:bodyPr/>
-                    <a:lstStyle/>
-                    <a:p>
-                      <a:pPr algn="l" fontAlgn="b"/>
-                      <a:r>
-                        <a:rPr lang="en-US" sz="1100" u="none" strike="noStrike">
-                          <a:effectLst/>
-                        </a:rPr>
-                        <a:t>Wifi Module</a:t>
-                      </a:r>
-                      <a:endParaRPr lang="en-US" sz="1100" b="0" i="0" u="none" strike="noStrike">
-                        <a:solidFill>
-                          <a:srgbClr val="000000"/>
-                        </a:solidFill>
-                        <a:effectLst/>
-                        <a:latin typeface="Calibri"/>
-                      </a:endParaRPr>
-                    </a:p>
-                  </a:txBody>
-                  <a:tcPr marL="12700" marR="12700" marT="12700" marB="0" anchor="b"/>
-                </a:tc>
-                <a:tc>
-                  <a:txBody>
-                    <a:bodyPr/>
-                    <a:lstStyle/>
-                    <a:p>
-                      <a:pPr algn="ctr" fontAlgn="ctr"/>
-                      <a:r>
-                        <a:rPr lang="en-US" sz="1100" u="none" strike="noStrike">
-                          <a:effectLst/>
-                        </a:rPr>
-                        <a:t>$7.00</a:t>
-                      </a:r>
-                      <a:endParaRPr lang="en-US" sz="1100" b="0" i="0" u="none" strike="noStrike">
-                        <a:solidFill>
-                          <a:srgbClr val="000000"/>
-                        </a:solidFill>
-                        <a:effectLst/>
-                        <a:latin typeface="Calibri"/>
-                      </a:endParaRPr>
-                    </a:p>
-                  </a:txBody>
-                  <a:tcPr marL="12700" marR="12700" marT="12700" marB="0" anchor="ctr"/>
-                </a:tc>
-                <a:tc>
-                  <a:txBody>
-                    <a:bodyPr/>
-                    <a:lstStyle/>
-                    <a:p>
-                      <a:pPr algn="ctr" fontAlgn="ctr"/>
-                      <a:r>
-                        <a:rPr lang="en-US" sz="1100" u="none" strike="noStrike">
-                          <a:effectLst/>
-                        </a:rPr>
-                        <a:t>4</a:t>
-                      </a:r>
-                      <a:endParaRPr lang="en-US" sz="1100" b="0" i="0" u="none" strike="noStrike">
-                        <a:solidFill>
-                          <a:srgbClr val="000000"/>
-                        </a:solidFill>
-                        <a:effectLst/>
-                        <a:latin typeface="Calibri"/>
-                      </a:endParaRPr>
-                    </a:p>
-                  </a:txBody>
-                  <a:tcPr marL="12700" marR="12700" marT="12700" marB="0" anchor="ctr"/>
-                </a:tc>
-                <a:tc>
-                  <a:txBody>
-                    <a:bodyPr/>
-                    <a:lstStyle/>
-                    <a:p>
-                      <a:pPr algn="r" fontAlgn="ctr"/>
-                      <a:r>
-                        <a:rPr lang="en-US" sz="1100" u="none" strike="noStrike">
-                          <a:effectLst/>
-                        </a:rPr>
-                        <a:t>$28.00</a:t>
-                      </a:r>
-                      <a:endParaRPr lang="en-US" sz="1100" b="0" i="0" u="none" strike="noStrike">
-                        <a:solidFill>
-                          <a:srgbClr val="000000"/>
-                        </a:solidFill>
-                        <a:effectLst/>
-                        <a:latin typeface="Calibri"/>
-                      </a:endParaRPr>
-                    </a:p>
-                  </a:txBody>
-                  <a:tcPr marL="12700" marR="12700" marT="12700" marB="0" anchor="ctr"/>
-                </a:tc>
-              </a:tr>
-              <a:tr h="334400">
-                <a:tc>
-                  <a:txBody>
-                    <a:bodyPr/>
-                    <a:lstStyle/>
-                    <a:p>
-                      <a:pPr algn="l" fontAlgn="b"/>
-                      <a:r>
-                        <a:rPr lang="en-US" sz="1100" u="none" strike="noStrike">
-                          <a:effectLst/>
-                        </a:rPr>
-                        <a:t>Relay</a:t>
-                      </a:r>
-                      <a:endParaRPr lang="en-US" sz="1100" b="0" i="0" u="none" strike="noStrike">
-                        <a:solidFill>
-                          <a:srgbClr val="000000"/>
-                        </a:solidFill>
-                        <a:effectLst/>
-                        <a:latin typeface="Calibri"/>
-                      </a:endParaRPr>
-                    </a:p>
-                  </a:txBody>
-                  <a:tcPr marL="12700" marR="12700" marT="12700" marB="0" anchor="b"/>
-                </a:tc>
-                <a:tc>
-                  <a:txBody>
-                    <a:bodyPr/>
-                    <a:lstStyle/>
-                    <a:p>
-                      <a:pPr algn="ctr" fontAlgn="ctr"/>
-                      <a:r>
-                        <a:rPr lang="en-US" sz="1100" u="none" strike="noStrike" dirty="0">
-                          <a:effectLst/>
-                        </a:rPr>
-                        <a:t>$8.00</a:t>
-                      </a:r>
-                      <a:endParaRPr lang="en-US" sz="1100" b="0" i="0" u="none" strike="noStrike" dirty="0">
-                        <a:solidFill>
-                          <a:srgbClr val="000000"/>
-                        </a:solidFill>
-                        <a:effectLst/>
-                        <a:latin typeface="Calibri"/>
-                      </a:endParaRPr>
-                    </a:p>
-                  </a:txBody>
-                  <a:tcPr marL="12700" marR="12700" marT="12700" marB="0" anchor="ctr"/>
-                </a:tc>
-                <a:tc>
-                  <a:txBody>
-                    <a:bodyPr/>
-                    <a:lstStyle/>
-                    <a:p>
-                      <a:pPr algn="ctr" fontAlgn="ctr"/>
-                      <a:r>
-                        <a:rPr lang="en-US" sz="1100" u="none" strike="noStrike">
-                          <a:effectLst/>
-                        </a:rPr>
-                        <a:t>4</a:t>
-                      </a:r>
-                      <a:endParaRPr lang="en-US" sz="1100" b="0" i="0" u="none" strike="noStrike">
-                        <a:solidFill>
-                          <a:srgbClr val="000000"/>
-                        </a:solidFill>
-                        <a:effectLst/>
-                        <a:latin typeface="Calibri"/>
-                      </a:endParaRPr>
-                    </a:p>
-                  </a:txBody>
-                  <a:tcPr marL="12700" marR="12700" marT="12700" marB="0" anchor="ctr"/>
-                </a:tc>
-                <a:tc>
-                  <a:txBody>
-                    <a:bodyPr/>
-                    <a:lstStyle/>
-                    <a:p>
-                      <a:pPr algn="r" fontAlgn="ctr"/>
-                      <a:r>
-                        <a:rPr lang="en-US" sz="1100" u="none" strike="noStrike">
-                          <a:effectLst/>
-                        </a:rPr>
-                        <a:t>$32.00</a:t>
-                      </a:r>
-                      <a:endParaRPr lang="en-US" sz="1100" b="0" i="0" u="none" strike="noStrike">
-                        <a:solidFill>
-                          <a:srgbClr val="000000"/>
-                        </a:solidFill>
-                        <a:effectLst/>
-                        <a:latin typeface="Calibri"/>
-                      </a:endParaRPr>
-                    </a:p>
-                  </a:txBody>
-                  <a:tcPr marL="12700" marR="12700" marT="12700" marB="0" anchor="ctr"/>
-                </a:tc>
-              </a:tr>
-              <a:tr h="334400">
-                <a:tc>
-                  <a:txBody>
-                    <a:bodyPr/>
-                    <a:lstStyle/>
-                    <a:p>
-                      <a:pPr algn="l" fontAlgn="b"/>
-                      <a:r>
-                        <a:rPr lang="en-US" sz="1100" u="none" strike="noStrike">
-                          <a:effectLst/>
-                        </a:rPr>
-                        <a:t>Transformer</a:t>
-                      </a:r>
-                      <a:endParaRPr lang="en-US" sz="1100" b="0" i="0" u="none" strike="noStrike">
-                        <a:solidFill>
-                          <a:srgbClr val="000000"/>
-                        </a:solidFill>
-                        <a:effectLst/>
-                        <a:latin typeface="Calibri"/>
-                      </a:endParaRPr>
-                    </a:p>
-                  </a:txBody>
-                  <a:tcPr marL="12700" marR="12700" marT="12700" marB="0" anchor="b"/>
-                </a:tc>
-                <a:tc>
-                  <a:txBody>
-                    <a:bodyPr/>
-                    <a:lstStyle/>
-                    <a:p>
-                      <a:pPr algn="ctr" fontAlgn="ctr"/>
-                      <a:r>
-                        <a:rPr lang="en-US" sz="1100" u="none" strike="noStrike">
-                          <a:effectLst/>
-                        </a:rPr>
-                        <a:t>$7.00</a:t>
-                      </a:r>
-                      <a:endParaRPr lang="en-US" sz="1100" b="0" i="0" u="none" strike="noStrike">
-                        <a:solidFill>
-                          <a:srgbClr val="000000"/>
-                        </a:solidFill>
-                        <a:effectLst/>
-                        <a:latin typeface="Calibri"/>
-                      </a:endParaRPr>
-                    </a:p>
-                  </a:txBody>
-                  <a:tcPr marL="12700" marR="12700" marT="12700" marB="0" anchor="ctr"/>
-                </a:tc>
-                <a:tc>
-                  <a:txBody>
-                    <a:bodyPr/>
-                    <a:lstStyle/>
-                    <a:p>
-                      <a:pPr algn="ctr" fontAlgn="ctr"/>
-                      <a:r>
-                        <a:rPr lang="en-US" sz="1100" u="none" strike="noStrike">
-                          <a:effectLst/>
-                        </a:rPr>
-                        <a:t>4</a:t>
-                      </a:r>
-                      <a:endParaRPr lang="en-US" sz="1100" b="0" i="0" u="none" strike="noStrike">
-                        <a:solidFill>
-                          <a:srgbClr val="000000"/>
-                        </a:solidFill>
-                        <a:effectLst/>
-                        <a:latin typeface="Calibri"/>
-                      </a:endParaRPr>
-                    </a:p>
-                  </a:txBody>
-                  <a:tcPr marL="12700" marR="12700" marT="12700" marB="0" anchor="ctr"/>
-                </a:tc>
-                <a:tc>
-                  <a:txBody>
-                    <a:bodyPr/>
-                    <a:lstStyle/>
-                    <a:p>
-                      <a:pPr algn="r" fontAlgn="ctr"/>
-                      <a:r>
-                        <a:rPr lang="en-US" sz="1100" u="none" strike="noStrike">
-                          <a:effectLst/>
-                        </a:rPr>
-                        <a:t>$28.00</a:t>
-                      </a:r>
-                      <a:endParaRPr lang="en-US" sz="1100" b="0" i="0" u="none" strike="noStrike">
-                        <a:solidFill>
-                          <a:srgbClr val="000000"/>
-                        </a:solidFill>
-                        <a:effectLst/>
-                        <a:latin typeface="Calibri"/>
-                      </a:endParaRPr>
-                    </a:p>
-                  </a:txBody>
-                  <a:tcPr marL="12700" marR="12700" marT="12700" marB="0" anchor="ctr"/>
-                </a:tc>
-              </a:tr>
-              <a:tr h="334400">
-                <a:tc>
-                  <a:txBody>
-                    <a:bodyPr/>
-                    <a:lstStyle/>
-                    <a:p>
-                      <a:pPr algn="l" fontAlgn="b"/>
-                      <a:r>
-                        <a:rPr lang="en-US" sz="1100" u="none" strike="noStrike">
-                          <a:effectLst/>
-                        </a:rPr>
-                        <a:t>Micro SD Card</a:t>
-                      </a:r>
-                      <a:endParaRPr lang="en-US" sz="1100" b="0" i="0" u="none" strike="noStrike">
-                        <a:solidFill>
-                          <a:srgbClr val="000000"/>
-                        </a:solidFill>
-                        <a:effectLst/>
-                        <a:latin typeface="Calibri"/>
-                      </a:endParaRPr>
-                    </a:p>
-                  </a:txBody>
-                  <a:tcPr marL="12700" marR="12700" marT="12700" marB="0" anchor="b"/>
-                </a:tc>
-                <a:tc>
-                  <a:txBody>
-                    <a:bodyPr/>
-                    <a:lstStyle/>
-                    <a:p>
-                      <a:pPr algn="ctr" fontAlgn="ctr"/>
-                      <a:r>
-                        <a:rPr lang="en-US" sz="1100" u="none" strike="noStrike">
-                          <a:effectLst/>
-                        </a:rPr>
-                        <a:t>$13.00</a:t>
-                      </a:r>
-                      <a:endParaRPr lang="en-US" sz="1100" b="0" i="0" u="none" strike="noStrike">
-                        <a:solidFill>
-                          <a:srgbClr val="000000"/>
-                        </a:solidFill>
-                        <a:effectLst/>
-                        <a:latin typeface="Calibri"/>
-                      </a:endParaRPr>
-                    </a:p>
-                  </a:txBody>
-                  <a:tcPr marL="12700" marR="12700" marT="12700" marB="0" anchor="ctr"/>
-                </a:tc>
-                <a:tc>
-                  <a:txBody>
-                    <a:bodyPr/>
-                    <a:lstStyle/>
-                    <a:p>
-                      <a:pPr algn="ctr" fontAlgn="ctr"/>
-                      <a:r>
-                        <a:rPr lang="en-US" sz="1100" u="none" strike="noStrike">
-                          <a:effectLst/>
-                        </a:rPr>
-                        <a:t>1</a:t>
-                      </a:r>
-                      <a:endParaRPr lang="en-US" sz="1100" b="0" i="0" u="none" strike="noStrike">
-                        <a:solidFill>
-                          <a:srgbClr val="000000"/>
-                        </a:solidFill>
-                        <a:effectLst/>
-                        <a:latin typeface="Calibri"/>
-                      </a:endParaRPr>
-                    </a:p>
-                  </a:txBody>
-                  <a:tcPr marL="12700" marR="12700" marT="12700" marB="0" anchor="ctr"/>
-                </a:tc>
-                <a:tc>
-                  <a:txBody>
-                    <a:bodyPr/>
-                    <a:lstStyle/>
-                    <a:p>
-                      <a:pPr algn="r" fontAlgn="ctr"/>
-                      <a:r>
-                        <a:rPr lang="en-US" sz="1100" u="none" strike="noStrike">
-                          <a:effectLst/>
-                        </a:rPr>
-                        <a:t>$13.00</a:t>
-                      </a:r>
-                      <a:endParaRPr lang="en-US" sz="1100" b="0" i="0" u="none" strike="noStrike">
-                        <a:solidFill>
-                          <a:srgbClr val="000000"/>
-                        </a:solidFill>
-                        <a:effectLst/>
-                        <a:latin typeface="Calibri"/>
-                      </a:endParaRPr>
-                    </a:p>
-                  </a:txBody>
-                  <a:tcPr marL="12700" marR="12700" marT="12700" marB="0" anchor="ctr"/>
-                </a:tc>
-              </a:tr>
-              <a:tr h="334400">
-                <a:tc>
-                  <a:txBody>
-                    <a:bodyPr/>
-                    <a:lstStyle/>
-                    <a:p>
-                      <a:pPr algn="l" fontAlgn="b"/>
-                      <a:r>
-                        <a:rPr lang="en-US" sz="1100" u="none" strike="noStrike">
-                          <a:effectLst/>
-                        </a:rPr>
-                        <a:t>Button</a:t>
-                      </a:r>
-                      <a:endParaRPr lang="en-US" sz="1100" b="0" i="0" u="none" strike="noStrike">
-                        <a:solidFill>
-                          <a:srgbClr val="000000"/>
-                        </a:solidFill>
-                        <a:effectLst/>
-                        <a:latin typeface="Calibri"/>
-                      </a:endParaRPr>
-                    </a:p>
-                  </a:txBody>
-                  <a:tcPr marL="12700" marR="12700" marT="12700" marB="0" anchor="b"/>
-                </a:tc>
-                <a:tc>
-                  <a:txBody>
-                    <a:bodyPr/>
-                    <a:lstStyle/>
-                    <a:p>
-                      <a:pPr algn="ctr" fontAlgn="ctr"/>
-                      <a:r>
-                        <a:rPr lang="en-US" sz="1100" u="none" strike="noStrike">
-                          <a:effectLst/>
-                        </a:rPr>
-                        <a:t>$0.50</a:t>
-                      </a:r>
-                      <a:endParaRPr lang="en-US" sz="1100" b="0" i="0" u="none" strike="noStrike">
-                        <a:solidFill>
-                          <a:srgbClr val="000000"/>
-                        </a:solidFill>
-                        <a:effectLst/>
-                        <a:latin typeface="Calibri"/>
-                      </a:endParaRPr>
-                    </a:p>
-                  </a:txBody>
-                  <a:tcPr marL="12700" marR="12700" marT="12700" marB="0" anchor="ctr"/>
-                </a:tc>
-                <a:tc>
-                  <a:txBody>
-                    <a:bodyPr/>
-                    <a:lstStyle/>
-                    <a:p>
-                      <a:pPr algn="ctr" fontAlgn="ctr"/>
-                      <a:r>
-                        <a:rPr lang="en-US" sz="1100" u="none" strike="noStrike">
-                          <a:effectLst/>
-                        </a:rPr>
-                        <a:t>4</a:t>
-                      </a:r>
-                      <a:endParaRPr lang="en-US" sz="1100" b="0" i="0" u="none" strike="noStrike">
-                        <a:solidFill>
-                          <a:srgbClr val="000000"/>
-                        </a:solidFill>
-                        <a:effectLst/>
-                        <a:latin typeface="Calibri"/>
-                      </a:endParaRPr>
-                    </a:p>
-                  </a:txBody>
-                  <a:tcPr marL="12700" marR="12700" marT="12700" marB="0" anchor="ctr"/>
-                </a:tc>
-                <a:tc>
-                  <a:txBody>
-                    <a:bodyPr/>
-                    <a:lstStyle/>
-                    <a:p>
-                      <a:pPr algn="r" fontAlgn="ctr"/>
-                      <a:r>
-                        <a:rPr lang="en-US" sz="1100" u="none" strike="noStrike">
-                          <a:effectLst/>
-                        </a:rPr>
-                        <a:t>$2.00</a:t>
-                      </a:r>
-                      <a:endParaRPr lang="en-US" sz="1100" b="0" i="0" u="none" strike="noStrike">
-                        <a:solidFill>
-                          <a:srgbClr val="000000"/>
-                        </a:solidFill>
-                        <a:effectLst/>
-                        <a:latin typeface="Calibri"/>
-                      </a:endParaRPr>
-                    </a:p>
-                  </a:txBody>
-                  <a:tcPr marL="12700" marR="12700" marT="12700" marB="0" anchor="ctr"/>
-                </a:tc>
-              </a:tr>
-              <a:tr h="334400">
-                <a:tc>
-                  <a:txBody>
-                    <a:bodyPr/>
-                    <a:lstStyle/>
-                    <a:p>
-                      <a:pPr algn="l" fontAlgn="b"/>
-                      <a:r>
-                        <a:rPr lang="en-US" sz="1100" u="none" strike="noStrike">
-                          <a:effectLst/>
-                        </a:rPr>
-                        <a:t>LED</a:t>
-                      </a:r>
-                      <a:endParaRPr lang="en-US" sz="1100" b="0" i="0" u="none" strike="noStrike">
-                        <a:solidFill>
-                          <a:srgbClr val="000000"/>
-                        </a:solidFill>
-                        <a:effectLst/>
-                        <a:latin typeface="Calibri"/>
-                      </a:endParaRPr>
-                    </a:p>
-                  </a:txBody>
-                  <a:tcPr marL="12700" marR="12700" marT="12700" marB="0" anchor="b"/>
-                </a:tc>
-                <a:tc>
-                  <a:txBody>
-                    <a:bodyPr/>
-                    <a:lstStyle/>
-                    <a:p>
-                      <a:pPr algn="ctr" fontAlgn="ctr"/>
-                      <a:r>
-                        <a:rPr lang="en-US" sz="1100" u="none" strike="noStrike">
-                          <a:effectLst/>
-                        </a:rPr>
-                        <a:t>$0.35</a:t>
-                      </a:r>
-                      <a:endParaRPr lang="en-US" sz="1100" b="0" i="0" u="none" strike="noStrike">
-                        <a:solidFill>
-                          <a:srgbClr val="000000"/>
-                        </a:solidFill>
-                        <a:effectLst/>
-                        <a:latin typeface="Calibri"/>
-                      </a:endParaRPr>
-                    </a:p>
-                  </a:txBody>
-                  <a:tcPr marL="12700" marR="12700" marT="12700" marB="0" anchor="ctr"/>
-                </a:tc>
-                <a:tc>
-                  <a:txBody>
-                    <a:bodyPr/>
-                    <a:lstStyle/>
-                    <a:p>
-                      <a:pPr algn="ctr" fontAlgn="ctr"/>
-                      <a:r>
-                        <a:rPr lang="en-US" sz="1100" u="none" strike="noStrike">
-                          <a:effectLst/>
-                        </a:rPr>
-                        <a:t>4</a:t>
-                      </a:r>
-                      <a:endParaRPr lang="en-US" sz="1100" b="0" i="0" u="none" strike="noStrike">
-                        <a:solidFill>
-                          <a:srgbClr val="000000"/>
-                        </a:solidFill>
-                        <a:effectLst/>
-                        <a:latin typeface="Calibri"/>
-                      </a:endParaRPr>
-                    </a:p>
-                  </a:txBody>
-                  <a:tcPr marL="12700" marR="12700" marT="12700" marB="0" anchor="ctr"/>
-                </a:tc>
-                <a:tc>
-                  <a:txBody>
-                    <a:bodyPr/>
-                    <a:lstStyle/>
-                    <a:p>
-                      <a:pPr algn="r" fontAlgn="ctr"/>
-                      <a:r>
-                        <a:rPr lang="en-US" sz="1100" u="none" strike="noStrike">
-                          <a:effectLst/>
-                        </a:rPr>
-                        <a:t>$1.40</a:t>
-                      </a:r>
-                      <a:endParaRPr lang="en-US" sz="1100" b="0" i="0" u="none" strike="noStrike">
-                        <a:solidFill>
-                          <a:srgbClr val="000000"/>
-                        </a:solidFill>
-                        <a:effectLst/>
-                        <a:latin typeface="Calibri"/>
-                      </a:endParaRPr>
-                    </a:p>
-                  </a:txBody>
-                  <a:tcPr marL="12700" marR="12700" marT="12700" marB="0" anchor="ctr"/>
-                </a:tc>
-              </a:tr>
-              <a:tr h="334400">
-                <a:tc>
-                  <a:txBody>
-                    <a:bodyPr/>
-                    <a:lstStyle/>
-                    <a:p>
-                      <a:pPr algn="l" fontAlgn="b"/>
-                      <a:r>
-                        <a:rPr lang="en-US" sz="1100" u="none" strike="noStrike">
-                          <a:effectLst/>
-                        </a:rPr>
-                        <a:t>Rasberry Pi</a:t>
-                      </a:r>
-                      <a:endParaRPr lang="en-US" sz="1100" b="0" i="0" u="none" strike="noStrike">
-                        <a:solidFill>
-                          <a:srgbClr val="000000"/>
-                        </a:solidFill>
-                        <a:effectLst/>
-                        <a:latin typeface="Calibri"/>
-                      </a:endParaRPr>
-                    </a:p>
-                  </a:txBody>
-                  <a:tcPr marL="12700" marR="12700" marT="12700" marB="0" anchor="b"/>
-                </a:tc>
-                <a:tc>
-                  <a:txBody>
-                    <a:bodyPr/>
-                    <a:lstStyle/>
-                    <a:p>
-                      <a:pPr algn="ctr" fontAlgn="ctr"/>
-                      <a:r>
-                        <a:rPr lang="en-US" sz="1100" u="none" strike="noStrike">
-                          <a:effectLst/>
-                        </a:rPr>
-                        <a:t>$42.00</a:t>
-                      </a:r>
-                      <a:endParaRPr lang="en-US" sz="1100" b="0" i="0" u="none" strike="noStrike">
-                        <a:solidFill>
-                          <a:srgbClr val="000000"/>
-                        </a:solidFill>
-                        <a:effectLst/>
-                        <a:latin typeface="Calibri"/>
-                      </a:endParaRPr>
-                    </a:p>
-                  </a:txBody>
-                  <a:tcPr marL="12700" marR="12700" marT="12700" marB="0" anchor="ctr"/>
-                </a:tc>
-                <a:tc>
-                  <a:txBody>
-                    <a:bodyPr/>
-                    <a:lstStyle/>
-                    <a:p>
-                      <a:pPr algn="ctr" fontAlgn="ctr"/>
-                      <a:r>
-                        <a:rPr lang="en-US" sz="1100" u="none" strike="noStrike">
-                          <a:effectLst/>
-                        </a:rPr>
-                        <a:t>1</a:t>
-                      </a:r>
-                      <a:endParaRPr lang="en-US" sz="1100" b="0" i="0" u="none" strike="noStrike">
-                        <a:solidFill>
-                          <a:srgbClr val="000000"/>
-                        </a:solidFill>
-                        <a:effectLst/>
-                        <a:latin typeface="Calibri"/>
-                      </a:endParaRPr>
-                    </a:p>
-                  </a:txBody>
-                  <a:tcPr marL="12700" marR="12700" marT="12700" marB="0" anchor="ctr"/>
-                </a:tc>
-                <a:tc>
-                  <a:txBody>
-                    <a:bodyPr/>
-                    <a:lstStyle/>
-                    <a:p>
-                      <a:pPr algn="r" fontAlgn="ctr"/>
-                      <a:r>
-                        <a:rPr lang="en-US" sz="1100" u="none" strike="noStrike">
-                          <a:effectLst/>
-                        </a:rPr>
-                        <a:t>$42.00</a:t>
-                      </a:r>
-                      <a:endParaRPr lang="en-US" sz="1100" b="0" i="0" u="none" strike="noStrike">
-                        <a:solidFill>
-                          <a:srgbClr val="000000"/>
-                        </a:solidFill>
-                        <a:effectLst/>
-                        <a:latin typeface="Calibri"/>
-                      </a:endParaRPr>
-                    </a:p>
-                  </a:txBody>
-                  <a:tcPr marL="12700" marR="12700" marT="12700" marB="0" anchor="ctr"/>
-                </a:tc>
-              </a:tr>
-              <a:tr h="334400">
-                <a:tc>
-                  <a:txBody>
-                    <a:bodyPr/>
-                    <a:lstStyle/>
-                    <a:p>
-                      <a:pPr algn="l" fontAlgn="b"/>
-                      <a:r>
-                        <a:rPr lang="en-US" sz="1100" u="none" strike="noStrike">
-                          <a:effectLst/>
-                        </a:rPr>
-                        <a:t>Wifi Source Module</a:t>
-                      </a:r>
-                      <a:endParaRPr lang="en-US" sz="1100" b="0" i="0" u="none" strike="noStrike">
-                        <a:solidFill>
-                          <a:srgbClr val="000000"/>
-                        </a:solidFill>
-                        <a:effectLst/>
-                        <a:latin typeface="Calibri"/>
-                      </a:endParaRPr>
-                    </a:p>
-                  </a:txBody>
-                  <a:tcPr marL="12700" marR="12700" marT="12700" marB="0" anchor="b"/>
-                </a:tc>
-                <a:tc>
-                  <a:txBody>
-                    <a:bodyPr/>
-                    <a:lstStyle/>
-                    <a:p>
-                      <a:pPr algn="ctr" fontAlgn="ctr"/>
-                      <a:r>
-                        <a:rPr lang="en-US" sz="1100" u="none" strike="noStrike">
-                          <a:effectLst/>
-                        </a:rPr>
-                        <a:t>$20.00</a:t>
-                      </a:r>
-                      <a:endParaRPr lang="en-US" sz="1100" b="0" i="0" u="none" strike="noStrike">
-                        <a:solidFill>
-                          <a:srgbClr val="000000"/>
-                        </a:solidFill>
-                        <a:effectLst/>
-                        <a:latin typeface="Calibri"/>
-                      </a:endParaRPr>
-                    </a:p>
-                  </a:txBody>
-                  <a:tcPr marL="12700" marR="12700" marT="12700" marB="0" anchor="ctr"/>
-                </a:tc>
-                <a:tc>
-                  <a:txBody>
-                    <a:bodyPr/>
-                    <a:lstStyle/>
-                    <a:p>
-                      <a:pPr algn="ctr" fontAlgn="ctr"/>
-                      <a:r>
-                        <a:rPr lang="en-US" sz="1100" u="none" strike="noStrike">
-                          <a:effectLst/>
-                        </a:rPr>
-                        <a:t>1</a:t>
-                      </a:r>
-                      <a:endParaRPr lang="en-US" sz="1100" b="0" i="0" u="none" strike="noStrike">
-                        <a:solidFill>
-                          <a:srgbClr val="000000"/>
-                        </a:solidFill>
-                        <a:effectLst/>
-                        <a:latin typeface="Calibri"/>
-                      </a:endParaRPr>
-                    </a:p>
-                  </a:txBody>
-                  <a:tcPr marL="12700" marR="12700" marT="12700" marB="0" anchor="ctr"/>
-                </a:tc>
-                <a:tc>
-                  <a:txBody>
-                    <a:bodyPr/>
-                    <a:lstStyle/>
-                    <a:p>
-                      <a:pPr algn="r" fontAlgn="ctr"/>
-                      <a:r>
-                        <a:rPr lang="en-US" sz="1100" u="none" strike="noStrike">
-                          <a:effectLst/>
-                        </a:rPr>
-                        <a:t>$20.00</a:t>
-                      </a:r>
-                      <a:endParaRPr lang="en-US" sz="1100" b="0" i="0" u="none" strike="noStrike">
-                        <a:solidFill>
-                          <a:srgbClr val="000000"/>
-                        </a:solidFill>
-                        <a:effectLst/>
-                        <a:latin typeface="Calibri"/>
-                      </a:endParaRPr>
-                    </a:p>
-                  </a:txBody>
-                  <a:tcPr marL="12700" marR="12700" marT="12700" marB="0" anchor="ctr"/>
-                </a:tc>
-              </a:tr>
-              <a:tr h="334400">
-                <a:tc>
-                  <a:txBody>
-                    <a:bodyPr/>
-                    <a:lstStyle/>
-                    <a:p>
-                      <a:pPr algn="l" fontAlgn="b"/>
-                      <a:r>
-                        <a:rPr lang="en-US" sz="1100" u="none" strike="noStrike">
-                          <a:effectLst/>
-                        </a:rPr>
-                        <a:t>Wall Adapter</a:t>
-                      </a:r>
-                      <a:endParaRPr lang="en-US" sz="1100" b="0" i="0" u="none" strike="noStrike">
-                        <a:solidFill>
-                          <a:srgbClr val="000000"/>
-                        </a:solidFill>
-                        <a:effectLst/>
-                        <a:latin typeface="Calibri"/>
-                      </a:endParaRPr>
-                    </a:p>
-                  </a:txBody>
-                  <a:tcPr marL="12700" marR="12700" marT="12700" marB="0" anchor="b"/>
-                </a:tc>
-                <a:tc>
-                  <a:txBody>
-                    <a:bodyPr/>
-                    <a:lstStyle/>
-                    <a:p>
-                      <a:pPr algn="ctr" fontAlgn="ctr"/>
-                      <a:r>
-                        <a:rPr lang="en-US" sz="1100" u="none" strike="noStrike" dirty="0">
-                          <a:effectLst/>
-                        </a:rPr>
-                        <a:t>$3.00</a:t>
-                      </a:r>
-                      <a:endParaRPr lang="en-US" sz="1100" b="0" i="0" u="none" strike="noStrike" dirty="0">
-                        <a:solidFill>
-                          <a:srgbClr val="000000"/>
-                        </a:solidFill>
-                        <a:effectLst/>
-                        <a:latin typeface="Calibri"/>
-                      </a:endParaRPr>
-                    </a:p>
-                  </a:txBody>
-                  <a:tcPr marL="12700" marR="12700" marT="12700" marB="0" anchor="ctr"/>
-                </a:tc>
-                <a:tc>
-                  <a:txBody>
-                    <a:bodyPr/>
-                    <a:lstStyle/>
-                    <a:p>
-                      <a:pPr algn="ctr" fontAlgn="ctr"/>
-                      <a:r>
-                        <a:rPr lang="en-US" sz="1100" u="none" strike="noStrike">
-                          <a:effectLst/>
-                        </a:rPr>
-                        <a:t>1</a:t>
-                      </a:r>
-                      <a:endParaRPr lang="en-US" sz="1100" b="0" i="0" u="none" strike="noStrike">
-                        <a:solidFill>
-                          <a:srgbClr val="000000"/>
-                        </a:solidFill>
-                        <a:effectLst/>
-                        <a:latin typeface="Calibri"/>
-                      </a:endParaRPr>
-                    </a:p>
-                  </a:txBody>
-                  <a:tcPr marL="12700" marR="12700" marT="12700" marB="0" anchor="ctr"/>
-                </a:tc>
-                <a:tc>
-                  <a:txBody>
-                    <a:bodyPr/>
-                    <a:lstStyle/>
-                    <a:p>
-                      <a:pPr algn="r" fontAlgn="ctr"/>
-                      <a:r>
-                        <a:rPr lang="en-US" sz="1100" u="none" strike="noStrike">
-                          <a:effectLst/>
-                        </a:rPr>
-                        <a:t>$3.00</a:t>
-                      </a:r>
-                      <a:endParaRPr lang="en-US" sz="1100" b="0" i="0" u="none" strike="noStrike">
-                        <a:solidFill>
-                          <a:srgbClr val="000000"/>
-                        </a:solidFill>
-                        <a:effectLst/>
-                        <a:latin typeface="Calibri"/>
-                      </a:endParaRPr>
-                    </a:p>
-                  </a:txBody>
-                  <a:tcPr marL="12700" marR="12700" marT="12700" marB="0" anchor="ctr"/>
-                </a:tc>
-              </a:tr>
-              <a:tr h="334400">
-                <a:tc>
-                  <a:txBody>
-                    <a:bodyPr/>
-                    <a:lstStyle/>
-                    <a:p>
-                      <a:pPr algn="l" fontAlgn="b"/>
-                      <a:r>
-                        <a:rPr lang="en-US" sz="1100" u="none" strike="noStrike">
-                          <a:effectLst/>
-                        </a:rPr>
-                        <a:t>Programming Board</a:t>
-                      </a:r>
-                      <a:endParaRPr lang="en-US" sz="1100" b="0" i="0" u="none" strike="noStrike">
-                        <a:solidFill>
-                          <a:srgbClr val="000000"/>
-                        </a:solidFill>
-                        <a:effectLst/>
-                        <a:latin typeface="Calibri"/>
-                      </a:endParaRPr>
-                    </a:p>
-                  </a:txBody>
-                  <a:tcPr marL="12700" marR="12700" marT="12700" marB="0" anchor="b"/>
-                </a:tc>
-                <a:tc>
-                  <a:txBody>
-                    <a:bodyPr/>
-                    <a:lstStyle/>
-                    <a:p>
-                      <a:pPr algn="ctr" fontAlgn="ctr"/>
-                      <a:r>
-                        <a:rPr lang="en-US" sz="1100" u="none" strike="noStrike">
-                          <a:effectLst/>
-                        </a:rPr>
-                        <a:t>$15.00</a:t>
-                      </a:r>
-                      <a:endParaRPr lang="en-US" sz="1100" b="0" i="0" u="none" strike="noStrike">
-                        <a:solidFill>
-                          <a:srgbClr val="000000"/>
-                        </a:solidFill>
-                        <a:effectLst/>
-                        <a:latin typeface="Calibri"/>
-                      </a:endParaRPr>
-                    </a:p>
-                  </a:txBody>
-                  <a:tcPr marL="12700" marR="12700" marT="12700" marB="0" anchor="ctr"/>
-                </a:tc>
-                <a:tc>
-                  <a:txBody>
-                    <a:bodyPr/>
-                    <a:lstStyle/>
-                    <a:p>
-                      <a:pPr algn="ctr" fontAlgn="b"/>
-                      <a:r>
-                        <a:rPr lang="en-US" sz="1100" u="none" strike="noStrike">
-                          <a:effectLst/>
-                        </a:rPr>
-                        <a:t>1</a:t>
-                      </a:r>
-                      <a:endParaRPr lang="en-US" sz="1100" b="0" i="0" u="none" strike="noStrike">
-                        <a:solidFill>
-                          <a:srgbClr val="000000"/>
-                        </a:solidFill>
-                        <a:effectLst/>
-                        <a:latin typeface="Calibri"/>
-                      </a:endParaRPr>
-                    </a:p>
-                  </a:txBody>
-                  <a:tcPr marL="12700" marR="12700" marT="12700" marB="0" anchor="b"/>
-                </a:tc>
-                <a:tc>
-                  <a:txBody>
-                    <a:bodyPr/>
-                    <a:lstStyle/>
-                    <a:p>
-                      <a:pPr algn="r" fontAlgn="ctr"/>
-                      <a:r>
-                        <a:rPr lang="en-US" sz="1100" u="none" strike="noStrike" dirty="0">
-                          <a:effectLst/>
-                        </a:rPr>
-                        <a:t>$15.00</a:t>
-                      </a:r>
-                      <a:endParaRPr lang="en-US" sz="1100" b="0" i="0" u="none" strike="noStrike" dirty="0">
-                        <a:solidFill>
-                          <a:srgbClr val="000000"/>
-                        </a:solidFill>
-                        <a:effectLst/>
-                        <a:latin typeface="Calibri"/>
-                      </a:endParaRPr>
-                    </a:p>
-                  </a:txBody>
-                  <a:tcPr marL="12700" marR="12700" marT="12700" marB="0" anchor="ctr"/>
-                </a:tc>
-              </a:tr>
-              <a:tr h="353239">
-                <a:tc>
-                  <a:txBody>
-                    <a:bodyPr/>
-                    <a:lstStyle/>
-                    <a:p>
-                      <a:pPr algn="l" fontAlgn="b"/>
-                      <a:r>
-                        <a:rPr lang="en-US" sz="1100" u="none" strike="noStrike">
-                          <a:effectLst/>
-                        </a:rPr>
-                        <a:t>3D Printing Materials</a:t>
-                      </a:r>
-                      <a:endParaRPr lang="en-US" sz="1100" b="0" i="0" u="none" strike="noStrike">
-                        <a:solidFill>
-                          <a:srgbClr val="000000"/>
-                        </a:solidFill>
-                        <a:effectLst/>
-                        <a:latin typeface="Calibri"/>
-                      </a:endParaRPr>
-                    </a:p>
-                  </a:txBody>
-                  <a:tcPr marL="12700" marR="12700" marT="12700" marB="0" anchor="b"/>
-                </a:tc>
-                <a:tc>
-                  <a:txBody>
-                    <a:bodyPr/>
-                    <a:lstStyle/>
-                    <a:p>
-                      <a:pPr algn="ctr" fontAlgn="b"/>
-                      <a:r>
-                        <a:rPr lang="en-US" sz="1100" u="none" strike="noStrike">
-                          <a:effectLst/>
-                        </a:rPr>
-                        <a:t>$20.00</a:t>
-                      </a:r>
-                      <a:endParaRPr lang="en-US" sz="1100" b="0" i="0" u="none" strike="noStrike">
-                        <a:solidFill>
-                          <a:srgbClr val="000000"/>
-                        </a:solidFill>
-                        <a:effectLst/>
-                        <a:latin typeface="Calibri"/>
-                      </a:endParaRPr>
-                    </a:p>
-                  </a:txBody>
-                  <a:tcPr marL="12700" marR="12700" marT="12700" marB="0" anchor="b"/>
-                </a:tc>
-                <a:tc>
-                  <a:txBody>
-                    <a:bodyPr/>
-                    <a:lstStyle/>
-                    <a:p>
-                      <a:pPr algn="ctr" fontAlgn="ctr"/>
-                      <a:r>
-                        <a:rPr lang="en-US" sz="1100" u="none" strike="noStrike">
-                          <a:effectLst/>
-                        </a:rPr>
-                        <a:t>1</a:t>
-                      </a:r>
-                      <a:endParaRPr lang="en-US" sz="1100" b="0" i="0" u="none" strike="noStrike">
-                        <a:solidFill>
-                          <a:srgbClr val="000000"/>
-                        </a:solidFill>
-                        <a:effectLst/>
-                        <a:latin typeface="Calibri"/>
-                      </a:endParaRPr>
-                    </a:p>
-                  </a:txBody>
-                  <a:tcPr marL="12700" marR="12700" marT="12700" marB="0" anchor="ctr"/>
-                </a:tc>
-                <a:tc>
-                  <a:txBody>
-                    <a:bodyPr/>
-                    <a:lstStyle/>
-                    <a:p>
-                      <a:pPr algn="r" fontAlgn="ctr"/>
-                      <a:r>
-                        <a:rPr lang="en-US" sz="1100" u="none" strike="noStrike">
-                          <a:effectLst/>
-                        </a:rPr>
-                        <a:t>$20.00</a:t>
-                      </a:r>
-                      <a:endParaRPr lang="en-US" sz="1100" b="0" i="0" u="none" strike="noStrike">
-                        <a:solidFill>
-                          <a:srgbClr val="000000"/>
-                        </a:solidFill>
-                        <a:effectLst/>
-                        <a:latin typeface="Calibri"/>
-                      </a:endParaRPr>
-                    </a:p>
-                  </a:txBody>
-                  <a:tcPr marL="12700" marR="12700" marT="12700" marB="0" anchor="ctr"/>
-                </a:tc>
-              </a:tr>
-              <a:tr h="353239">
-                <a:tc>
-                  <a:txBody>
-                    <a:bodyPr/>
-                    <a:lstStyle/>
-                    <a:p>
-                      <a:pPr algn="l" fontAlgn="b"/>
-                      <a:r>
-                        <a:rPr lang="en-US" sz="1100" u="none" strike="noStrike">
-                          <a:effectLst/>
-                        </a:rPr>
-                        <a:t>Totals</a:t>
-                      </a:r>
-                      <a:endParaRPr lang="en-US" sz="1100" b="1" i="0" u="none" strike="noStrike">
-                        <a:solidFill>
-                          <a:srgbClr val="000000"/>
-                        </a:solidFill>
-                        <a:effectLst/>
-                        <a:latin typeface="Calibri"/>
-                      </a:endParaRPr>
-                    </a:p>
-                  </a:txBody>
-                  <a:tcPr marL="12700" marR="12700" marT="12700" marB="0" anchor="b"/>
-                </a:tc>
-                <a:tc>
-                  <a:txBody>
-                    <a:bodyPr/>
-                    <a:lstStyle/>
-                    <a:p>
-                      <a:pPr algn="l" fontAlgn="b"/>
-                      <a:r>
-                        <a:rPr lang="en-US" sz="1100" u="none" strike="noStrike">
-                          <a:effectLst/>
-                        </a:rPr>
-                        <a:t> </a:t>
-                      </a:r>
-                      <a:endParaRPr lang="en-US" sz="1100" b="0" i="0" u="none" strike="noStrike">
-                        <a:solidFill>
-                          <a:srgbClr val="000000"/>
-                        </a:solidFill>
-                        <a:effectLst/>
-                        <a:latin typeface="Calibri"/>
-                      </a:endParaRPr>
-                    </a:p>
-                  </a:txBody>
-                  <a:tcPr marL="12700" marR="12700" marT="12700" marB="0" anchor="b"/>
-                </a:tc>
-                <a:tc>
-                  <a:txBody>
-                    <a:bodyPr/>
-                    <a:lstStyle/>
-                    <a:p>
-                      <a:pPr algn="l" fontAlgn="b"/>
-                      <a:r>
-                        <a:rPr lang="en-US" sz="1100" u="none" strike="noStrike">
-                          <a:effectLst/>
-                        </a:rPr>
-                        <a:t> </a:t>
-                      </a:r>
-                      <a:endParaRPr lang="en-US" sz="1100" b="0" i="0" u="none" strike="noStrike">
-                        <a:solidFill>
-                          <a:srgbClr val="000000"/>
-                        </a:solidFill>
-                        <a:effectLst/>
-                        <a:latin typeface="Calibri"/>
-                      </a:endParaRPr>
-                    </a:p>
-                  </a:txBody>
-                  <a:tcPr marL="12700" marR="12700" marT="12700" marB="0" anchor="b"/>
-                </a:tc>
-                <a:tc>
-                  <a:txBody>
-                    <a:bodyPr/>
-                    <a:lstStyle/>
-                    <a:p>
-                      <a:pPr algn="r" fontAlgn="b"/>
-                      <a:r>
-                        <a:rPr lang="en-US" sz="1100" u="none" strike="noStrike" dirty="0">
-                          <a:effectLst/>
-                        </a:rPr>
-                        <a:t>$284.40</a:t>
-                      </a:r>
-                      <a:endParaRPr lang="en-US" sz="1100" b="0" i="0" u="none" strike="noStrike" dirty="0">
-                        <a:solidFill>
-                          <a:srgbClr val="000000"/>
-                        </a:solidFill>
-                        <a:effectLst/>
-                        <a:latin typeface="Calibri"/>
-                      </a:endParaRPr>
-                    </a:p>
-                  </a:txBody>
-                  <a:tcPr marL="12700" marR="12700" marT="12700" marB="0" anchor="b"/>
-                </a:tc>
-              </a:tr>
-            </a:tbl>
-          </a:graphicData>
-        </a:graphic>
-      </p:graphicFrame>
+          <a:p>
+            <a:pPr lvl="1"/>
+            <a:r>
+              <a:rPr lang="en-US" dirty="0" smtClean="0"/>
+              <a:t>Don’t need to replace an expensive lightbulb whenever it dies</a:t>
+            </a:r>
+          </a:p>
+          <a:p>
+            <a:pPr lvl="1"/>
+            <a:r>
+              <a:rPr lang="en-US" dirty="0" smtClean="0"/>
+              <a:t>More sophisticated and synchronized system/setup</a:t>
+            </a:r>
+          </a:p>
+          <a:p>
+            <a:r>
+              <a:rPr lang="en-US" dirty="0" smtClean="0"/>
+              <a:t>Compared to similar switches (such as the Belkin WeMo)</a:t>
+            </a:r>
+          </a:p>
+          <a:p>
+            <a:pPr lvl="1"/>
+            <a:r>
+              <a:rPr lang="en-US" dirty="0" smtClean="0"/>
+              <a:t>Motion Sensor</a:t>
+            </a:r>
+          </a:p>
+          <a:p>
+            <a:pPr lvl="1"/>
+            <a:r>
+              <a:rPr lang="en-US" dirty="0" smtClean="0"/>
+              <a:t>Rules</a:t>
+            </a:r>
+          </a:p>
+          <a:p>
+            <a:pPr lvl="1"/>
+            <a:r>
+              <a:rPr lang="en-US" dirty="0" smtClean="0"/>
+              <a:t>Web API</a:t>
+            </a:r>
+          </a:p>
+          <a:p>
+            <a:r>
+              <a:rPr lang="en-US" dirty="0" smtClean="0"/>
+              <a:t>Cheaper</a:t>
+            </a:r>
+          </a:p>
+        </p:txBody>
+      </p:sp>
     </p:spTree>
     <p:extLst>
       <p:ext uri="{BB962C8B-B14F-4D97-AF65-F5344CB8AC3E}">
-        <p14:creationId xmlns:p14="http://schemas.microsoft.com/office/powerpoint/2010/main" val="1499879029"/>
+        <p14:creationId xmlns:p14="http://schemas.microsoft.com/office/powerpoint/2010/main" val="3903585292"/>
       </p:ext>
     </p:extLst>
   </p:cSld>
@@ -17485,95 +9643,87 @@
             <p:ph type="title"/>
           </p:nvPr>
         </p:nvSpPr>
+        <p:spPr>
+          <a:xfrm>
+            <a:off x="547777" y="121023"/>
+            <a:ext cx="7770813" cy="1429871"/>
+          </a:xfrm>
+        </p:spPr>
+        <p:txBody>
+          <a:bodyPr/>
+          <a:lstStyle/>
+          <a:p>
+            <a:r>
+              <a:rPr lang="en-US" dirty="0" smtClean="0"/>
+              <a:t>Conclusion</a:t>
+            </a:r>
+            <a:endParaRPr lang="en-US" dirty="0"/>
+          </a:p>
+        </p:txBody>
+      </p:sp>
+      <p:sp>
+        <p:nvSpPr>
+          <p:cNvPr id="3" name="Content Placeholder 2"/>
+          <p:cNvSpPr>
+            <a:spLocks noGrp="1"/>
+          </p:cNvSpPr>
+          <p:nvPr>
+            <p:ph idx="1"/>
+          </p:nvPr>
+        </p:nvSpPr>
         <p:spPr/>
         <p:txBody>
           <a:bodyPr>
-            <a:normAutofit fontScale="90000"/>
+            <a:normAutofit/>
           </a:bodyPr>
           <a:lstStyle/>
           <a:p>
             <a:r>
-              <a:rPr lang="en-US" dirty="0" smtClean="0"/>
-              <a:t>What makes Nosferatu special</a:t>
-            </a:r>
-            <a:endParaRPr lang="en-US" dirty="0"/>
-          </a:p>
-        </p:txBody>
-      </p:sp>
-      <p:sp>
-        <p:nvSpPr>
-          <p:cNvPr id="3" name="Content Placeholder 2"/>
-          <p:cNvSpPr>
-            <a:spLocks noGrp="1"/>
-          </p:cNvSpPr>
-          <p:nvPr>
-            <p:ph idx="1"/>
-          </p:nvPr>
-        </p:nvSpPr>
-        <p:spPr/>
-        <p:txBody>
-          <a:bodyPr/>
-          <a:lstStyle/>
-          <a:p>
-            <a:r>
-              <a:rPr lang="en-US" dirty="0" smtClean="0"/>
-              <a:t>Compared to Wi-Fi lightbulbs</a:t>
-            </a:r>
-            <a:endParaRPr lang="en-US" dirty="0"/>
-          </a:p>
-          <a:p>
-            <a:pPr lvl="1"/>
-            <a:r>
-              <a:rPr lang="en-US" dirty="0" smtClean="0"/>
-              <a:t>Don’t need to replace an expensive lightbulb whenever it dies</a:t>
-            </a:r>
-          </a:p>
-          <a:p>
-            <a:pPr lvl="1"/>
-            <a:r>
-              <a:rPr lang="en-US" dirty="0" smtClean="0"/>
-              <a:t>More sophisticated and synchronized system/setup</a:t>
-            </a:r>
-          </a:p>
-          <a:p>
-            <a:r>
-              <a:rPr lang="en-US" dirty="0" smtClean="0"/>
-              <a:t>Compared to similar switches (such as the Belkin WeMo)</a:t>
-            </a:r>
-          </a:p>
-          <a:p>
-            <a:pPr lvl="1"/>
-            <a:r>
-              <a:rPr lang="en-US" dirty="0" smtClean="0"/>
-              <a:t>Motion Sensor</a:t>
-            </a:r>
-          </a:p>
-          <a:p>
-            <a:pPr lvl="1"/>
-            <a:r>
-              <a:rPr lang="en-US" dirty="0" smtClean="0"/>
-              <a:t>Rules</a:t>
-            </a:r>
-          </a:p>
-          <a:p>
-            <a:pPr lvl="1"/>
-            <a:r>
-              <a:rPr lang="en-US" dirty="0" smtClean="0"/>
-              <a:t>Web API</a:t>
-            </a:r>
-          </a:p>
-          <a:p>
-            <a:r>
-              <a:rPr lang="en-US" dirty="0" smtClean="0"/>
-              <a:t>Cheaper</a:t>
-            </a:r>
+              <a:rPr lang="en-US" dirty="0" smtClean="0">
+                <a:effectLst/>
+              </a:rPr>
+              <a:t>Nosferatu is cheaper than the competition</a:t>
+            </a:r>
+          </a:p>
+          <a:p>
+            <a:r>
+              <a:rPr lang="en-US" dirty="0" smtClean="0">
+                <a:effectLst/>
+              </a:rPr>
+              <a:t>Nosferatu is easier to use</a:t>
+            </a:r>
+          </a:p>
+          <a:p>
+            <a:r>
+              <a:rPr lang="en-US" dirty="0" smtClean="0">
+                <a:effectLst/>
+              </a:rPr>
+              <a:t>Nosferatu is the most convenient way to manage your home </a:t>
+            </a:r>
+            <a:r>
+              <a:rPr lang="en-US" dirty="0" smtClean="0">
+                <a:effectLst/>
+              </a:rPr>
+              <a:t>lighting</a:t>
+            </a:r>
+          </a:p>
+          <a:p>
+            <a:r>
+              <a:rPr lang="en-US" dirty="0" smtClean="0">
+                <a:effectLst/>
+              </a:rPr>
+              <a:t>Thank you to our advisor, John Kimani, for your guidance and support</a:t>
+            </a:r>
+            <a:endParaRPr lang="en-US" dirty="0" smtClean="0">
+              <a:effectLst/>
+            </a:endParaRPr>
           </a:p>
         </p:txBody>
       </p:sp>
     </p:spTree>
     <p:extLst>
       <p:ext uri="{BB962C8B-B14F-4D97-AF65-F5344CB8AC3E}">
-        <p14:creationId xmlns:p14="http://schemas.microsoft.com/office/powerpoint/2010/main" val="3903585292"/>
+        <p14:creationId xmlns:p14="http://schemas.microsoft.com/office/powerpoint/2010/main" val="1206270657"/>
       </p:ext>
     </p:extLst>
   </p:cSld>

--- a/Final Documents/Final Presentation.pptx
+++ b/Final Documents/Final Presentation.pptx
@@ -5,7 +5,7 @@
     <p:sldMasterId id="2147483660" r:id="rId1"/>
   </p:sldMasterIdLst>
   <p:notesMasterIdLst>
-    <p:notesMasterId r:id="rId12"/>
+    <p:notesMasterId r:id="rId14"/>
   </p:notesMasterIdLst>
   <p:sldIdLst>
     <p:sldId id="256" r:id="rId2"/>
@@ -13,11 +13,13 @@
     <p:sldId id="257" r:id="rId4"/>
     <p:sldId id="265" r:id="rId5"/>
     <p:sldId id="258" r:id="rId6"/>
-    <p:sldId id="266" r:id="rId7"/>
-    <p:sldId id="259" r:id="rId8"/>
-    <p:sldId id="263" r:id="rId9"/>
-    <p:sldId id="267" r:id="rId10"/>
-    <p:sldId id="261" r:id="rId11"/>
+    <p:sldId id="268" r:id="rId7"/>
+    <p:sldId id="269" r:id="rId8"/>
+    <p:sldId id="266" r:id="rId9"/>
+    <p:sldId id="259" r:id="rId10"/>
+    <p:sldId id="263" r:id="rId11"/>
+    <p:sldId id="267" r:id="rId12"/>
+    <p:sldId id="261" r:id="rId13"/>
   </p:sldIdLst>
   <p:sldSz cx="9144000" cy="6858000" type="screen4x3"/>
   <p:notesSz cx="6858000" cy="9144000"/>
@@ -217,7 +219,7 @@
           <a:p>
             <a:fld id="{3054C299-8359-5B4D-8FA7-E9A587887A0D}" type="datetimeFigureOut">
               <a:rPr lang="en-US" smtClean="0"/>
-              <a:t>12/1/2015</a:t>
+              <a:t>12/2/2015</a:t>
             </a:fld>
             <a:endParaRPr lang="en-US"/>
           </a:p>
@@ -699,11 +701,7 @@
           <a:p>
             <a:r>
               <a:rPr lang="en-US" sz="1200" dirty="0" smtClean="0"/>
-              <a:t>Need </a:t>
-            </a:r>
-            <a:r>
-              <a:rPr lang="en-US" sz="1200" dirty="0" smtClean="0"/>
-              <a:t>to update this chart: Server is on </a:t>
+              <a:t>Need to update this chart: Server is on </a:t>
             </a:r>
             <a:r>
               <a:rPr lang="en-US" sz="1200" dirty="0" err="1" smtClean="0"/>
@@ -799,11 +797,7 @@
           <a:p>
             <a:r>
               <a:rPr lang="en-US" dirty="0" smtClean="0"/>
-              <a:t>Need </a:t>
-            </a:r>
-            <a:r>
-              <a:rPr lang="en-US" dirty="0" smtClean="0"/>
-              <a:t>to update this:</a:t>
+              <a:t>Need to update this:</a:t>
             </a:r>
           </a:p>
           <a:p>
@@ -863,7 +857,7 @@
           <a:p>
             <a:fld id="{05332D8B-7B6C-A54D-BAC6-226B3ACA1459}" type="slidenum">
               <a:rPr lang="en-US" smtClean="0"/>
-              <a:t>6</a:t>
+              <a:t>8</a:t>
             </a:fld>
             <a:endParaRPr lang="en-US"/>
           </a:p>
@@ -938,7 +932,6 @@
               <a:rPr lang="en-US" baseline="0" dirty="0" smtClean="0"/>
               <a:t>, node fully set up, maybe screenshots of web UI?</a:t>
             </a:r>
-            <a:endParaRPr lang="en-US" baseline="0" dirty="0" smtClean="0"/>
           </a:p>
         </p:txBody>
       </p:sp>
@@ -959,7 +952,7 @@
           <a:p>
             <a:fld id="{05332D8B-7B6C-A54D-BAC6-226B3ACA1459}" type="slidenum">
               <a:rPr lang="en-US" smtClean="0"/>
-              <a:t>7</a:t>
+              <a:t>9</a:t>
             </a:fld>
             <a:endParaRPr lang="en-US"/>
           </a:p>
@@ -1043,7 +1036,7 @@
           <a:p>
             <a:fld id="{05332D8B-7B6C-A54D-BAC6-226B3ACA1459}" type="slidenum">
               <a:rPr lang="en-US" smtClean="0"/>
-              <a:t>8</a:t>
+              <a:t>10</a:t>
             </a:fld>
             <a:endParaRPr lang="en-US"/>
           </a:p>
@@ -1127,7 +1120,7 @@
           <a:p>
             <a:fld id="{05332D8B-7B6C-A54D-BAC6-226B3ACA1459}" type="slidenum">
               <a:rPr lang="en-US" smtClean="0"/>
-              <a:t>9</a:t>
+              <a:t>11</a:t>
             </a:fld>
             <a:endParaRPr lang="en-US"/>
           </a:p>
@@ -1211,7 +1204,7 @@
           <a:p>
             <a:fld id="{05332D8B-7B6C-A54D-BAC6-226B3ACA1459}" type="slidenum">
               <a:rPr lang="en-US" smtClean="0"/>
-              <a:t>10</a:t>
+              <a:t>12</a:t>
             </a:fld>
             <a:endParaRPr lang="en-US"/>
           </a:p>
@@ -1451,7 +1444,7 @@
           <a:p>
             <a:fld id="{651A0C47-018D-4460-B945-BFF7981B6CA6}" type="datetimeFigureOut">
               <a:rPr lang="en-US" smtClean="0"/>
-              <a:t>12/1/2015</a:t>
+              <a:t>12/2/2015</a:t>
             </a:fld>
             <a:endParaRPr lang="en-US"/>
           </a:p>
@@ -1783,7 +1776,7 @@
           <a:p>
             <a:fld id="{651A0C47-018D-4460-B945-BFF7981B6CA6}" type="datetimeFigureOut">
               <a:rPr lang="en-US" smtClean="0"/>
-              <a:t>12/1/2015</a:t>
+              <a:t>12/2/2015</a:t>
             </a:fld>
             <a:endParaRPr lang="en-US"/>
           </a:p>
@@ -2115,7 +2108,7 @@
           <a:p>
             <a:fld id="{651A0C47-018D-4460-B945-BFF7981B6CA6}" type="datetimeFigureOut">
               <a:rPr lang="en-US" smtClean="0"/>
-              <a:t>12/1/2015</a:t>
+              <a:t>12/2/2015</a:t>
             </a:fld>
             <a:endParaRPr lang="en-US"/>
           </a:p>
@@ -2447,7 +2440,7 @@
           <a:p>
             <a:fld id="{651A0C47-018D-4460-B945-BFF7981B6CA6}" type="datetimeFigureOut">
               <a:rPr lang="en-US" smtClean="0"/>
-              <a:t>12/1/2015</a:t>
+              <a:t>12/2/2015</a:t>
             </a:fld>
             <a:endParaRPr lang="en-US"/>
           </a:p>
@@ -3136,7 +3129,7 @@
           <a:p>
             <a:fld id="{651A0C47-018D-4460-B945-BFF7981B6CA6}" type="datetimeFigureOut">
               <a:rPr lang="en-US" smtClean="0"/>
-              <a:t>12/1/2015</a:t>
+              <a:t>12/2/2015</a:t>
             </a:fld>
             <a:endParaRPr lang="en-US"/>
           </a:p>
@@ -3315,7 +3308,7 @@
           <a:p>
             <a:fld id="{651A0C47-018D-4460-B945-BFF7981B6CA6}" type="datetimeFigureOut">
               <a:rPr lang="en-US" smtClean="0"/>
-              <a:t>12/1/2015</a:t>
+              <a:t>12/2/2015</a:t>
             </a:fld>
             <a:endParaRPr lang="en-US"/>
           </a:p>
@@ -3489,7 +3482,7 @@
           <a:p>
             <a:fld id="{651A0C47-018D-4460-B945-BFF7981B6CA6}" type="datetimeFigureOut">
               <a:rPr lang="en-US" smtClean="0"/>
-              <a:t>12/1/2015</a:t>
+              <a:t>12/2/2015</a:t>
             </a:fld>
             <a:endParaRPr lang="en-US"/>
           </a:p>
@@ -3737,7 +3730,7 @@
           <a:p>
             <a:fld id="{651A0C47-018D-4460-B945-BFF7981B6CA6}" type="datetimeFigureOut">
               <a:rPr lang="en-US" smtClean="0"/>
-              <a:t>12/1/2015</a:t>
+              <a:t>12/2/2015</a:t>
             </a:fld>
             <a:endParaRPr lang="en-US"/>
           </a:p>
@@ -4067,7 +4060,7 @@
           <a:p>
             <a:fld id="{651A0C47-018D-4460-B945-BFF7981B6CA6}" type="datetimeFigureOut">
               <a:rPr lang="en-US" smtClean="0"/>
-              <a:t>12/1/2015</a:t>
+              <a:t>12/2/2015</a:t>
             </a:fld>
             <a:endParaRPr lang="en-US"/>
           </a:p>
@@ -4359,7 +4352,7 @@
           <a:p>
             <a:fld id="{651A0C47-018D-4460-B945-BFF7981B6CA6}" type="datetimeFigureOut">
               <a:rPr lang="en-US" smtClean="0"/>
-              <a:t>12/1/2015</a:t>
+              <a:t>12/2/2015</a:t>
             </a:fld>
             <a:endParaRPr lang="en-US"/>
           </a:p>
@@ -4795,7 +4788,7 @@
           <a:p>
             <a:fld id="{651A0C47-018D-4460-B945-BFF7981B6CA6}" type="datetimeFigureOut">
               <a:rPr lang="en-US" smtClean="0"/>
-              <a:t>12/1/2015</a:t>
+              <a:t>12/2/2015</a:t>
             </a:fld>
             <a:endParaRPr lang="en-US"/>
           </a:p>
@@ -4982,7 +4975,7 @@
           <a:p>
             <a:fld id="{651A0C47-018D-4460-B945-BFF7981B6CA6}" type="datetimeFigureOut">
               <a:rPr lang="en-US" smtClean="0"/>
-              <a:t>12/1/2015</a:t>
+              <a:t>12/2/2015</a:t>
             </a:fld>
             <a:endParaRPr lang="en-US"/>
           </a:p>
@@ -5072,7 +5065,7 @@
           <a:p>
             <a:fld id="{651A0C47-018D-4460-B945-BFF7981B6CA6}" type="datetimeFigureOut">
               <a:rPr lang="en-US" smtClean="0"/>
-              <a:t>12/1/2015</a:t>
+              <a:t>12/2/2015</a:t>
             </a:fld>
             <a:endParaRPr lang="en-US"/>
           </a:p>
@@ -5353,7 +5346,7 @@
           <a:p>
             <a:fld id="{651A0C47-018D-4460-B945-BFF7981B6CA6}" type="datetimeFigureOut">
               <a:rPr lang="en-US" smtClean="0"/>
-              <a:t>12/1/2015</a:t>
+              <a:t>12/2/2015</a:t>
             </a:fld>
             <a:endParaRPr lang="en-US"/>
           </a:p>
@@ -5568,7 +5561,7 @@
           <a:p>
             <a:fld id="{651A0C47-018D-4460-B945-BFF7981B6CA6}" type="datetimeFigureOut">
               <a:rPr lang="en-US" smtClean="0"/>
-              <a:t>12/1/2015</a:t>
+              <a:t>12/2/2015</a:t>
             </a:fld>
             <a:endParaRPr lang="en-US"/>
           </a:p>
@@ -6255,6 +6248,253 @@
         </p:nvSpPr>
         <p:spPr/>
         <p:txBody>
+          <a:bodyPr>
+            <a:normAutofit fontScale="90000"/>
+          </a:bodyPr>
+          <a:lstStyle/>
+          <a:p>
+            <a:r>
+              <a:rPr lang="en-US" dirty="0" smtClean="0"/>
+              <a:t>What makes Nosferatu special</a:t>
+            </a:r>
+            <a:endParaRPr lang="en-US" dirty="0"/>
+          </a:p>
+        </p:txBody>
+      </p:sp>
+      <p:sp>
+        <p:nvSpPr>
+          <p:cNvPr id="3" name="Content Placeholder 2"/>
+          <p:cNvSpPr>
+            <a:spLocks noGrp="1"/>
+          </p:cNvSpPr>
+          <p:nvPr>
+            <p:ph idx="1"/>
+          </p:nvPr>
+        </p:nvSpPr>
+        <p:spPr/>
+        <p:txBody>
+          <a:bodyPr/>
+          <a:lstStyle/>
+          <a:p>
+            <a:r>
+              <a:rPr lang="en-US" dirty="0" smtClean="0"/>
+              <a:t>Compared to Wi-Fi lightbulbs</a:t>
+            </a:r>
+            <a:endParaRPr lang="en-US" dirty="0"/>
+          </a:p>
+          <a:p>
+            <a:pPr lvl="1"/>
+            <a:r>
+              <a:rPr lang="en-US" dirty="0" smtClean="0"/>
+              <a:t>Don’t need to replace an expensive lightbulb whenever it dies</a:t>
+            </a:r>
+          </a:p>
+          <a:p>
+            <a:pPr lvl="1"/>
+            <a:r>
+              <a:rPr lang="en-US" dirty="0" smtClean="0"/>
+              <a:t>More sophisticated and synchronized system/setup</a:t>
+            </a:r>
+          </a:p>
+          <a:p>
+            <a:r>
+              <a:rPr lang="en-US" dirty="0" smtClean="0"/>
+              <a:t>Compared to similar switches (such as the Belkin WeMo)</a:t>
+            </a:r>
+          </a:p>
+          <a:p>
+            <a:pPr lvl="1"/>
+            <a:r>
+              <a:rPr lang="en-US" dirty="0" smtClean="0"/>
+              <a:t>Motion Sensor</a:t>
+            </a:r>
+          </a:p>
+          <a:p>
+            <a:pPr lvl="1"/>
+            <a:r>
+              <a:rPr lang="en-US" dirty="0" smtClean="0"/>
+              <a:t>Rules</a:t>
+            </a:r>
+          </a:p>
+          <a:p>
+            <a:pPr lvl="1"/>
+            <a:r>
+              <a:rPr lang="en-US" dirty="0" smtClean="0"/>
+              <a:t>Web API</a:t>
+            </a:r>
+          </a:p>
+          <a:p>
+            <a:r>
+              <a:rPr lang="en-US" dirty="0" smtClean="0"/>
+              <a:t>Cheaper</a:t>
+            </a:r>
+          </a:p>
+        </p:txBody>
+      </p:sp>
+    </p:spTree>
+    <p:extLst>
+      <p:ext uri="{BB962C8B-B14F-4D97-AF65-F5344CB8AC3E}">
+        <p14:creationId xmlns:p14="http://schemas.microsoft.com/office/powerpoint/2010/main" val="3903585292"/>
+      </p:ext>
+    </p:extLst>
+  </p:cSld>
+  <p:clrMapOvr>
+    <a:masterClrMapping/>
+  </p:clrMapOvr>
+  <p:timing>
+    <p:tnLst>
+      <p:par>
+        <p:cTn id="1" dur="indefinite" restart="never" nodeType="tmRoot"/>
+      </p:par>
+    </p:tnLst>
+  </p:timing>
+</p:sld>
+</file>
+
+<file path=ppt/slides/slide11.xml><?xml version="1.0" encoding="utf-8"?>
+<p:sld xmlns:a="http://schemas.openxmlformats.org/drawingml/2006/main" xmlns:r="http://schemas.openxmlformats.org/officeDocument/2006/relationships" xmlns:p="http://schemas.openxmlformats.org/presentationml/2006/main">
+  <p:cSld>
+    <p:spTree>
+      <p:nvGrpSpPr>
+        <p:cNvPr id="1" name=""/>
+        <p:cNvGrpSpPr/>
+        <p:nvPr/>
+      </p:nvGrpSpPr>
+      <p:grpSpPr>
+        <a:xfrm>
+          <a:off x="0" y="0"/>
+          <a:ext cx="0" cy="0"/>
+          <a:chOff x="0" y="0"/>
+          <a:chExt cx="0" cy="0"/>
+        </a:xfrm>
+      </p:grpSpPr>
+      <p:sp>
+        <p:nvSpPr>
+          <p:cNvPr id="2" name="Title 1"/>
+          <p:cNvSpPr>
+            <a:spLocks noGrp="1"/>
+          </p:cNvSpPr>
+          <p:nvPr>
+            <p:ph type="title"/>
+          </p:nvPr>
+        </p:nvSpPr>
+        <p:spPr>
+          <a:xfrm>
+            <a:off x="547777" y="121023"/>
+            <a:ext cx="7770813" cy="1429871"/>
+          </a:xfrm>
+        </p:spPr>
+        <p:txBody>
+          <a:bodyPr/>
+          <a:lstStyle/>
+          <a:p>
+            <a:r>
+              <a:rPr lang="en-US" dirty="0" smtClean="0"/>
+              <a:t>Conclusion</a:t>
+            </a:r>
+            <a:endParaRPr lang="en-US" dirty="0"/>
+          </a:p>
+        </p:txBody>
+      </p:sp>
+      <p:sp>
+        <p:nvSpPr>
+          <p:cNvPr id="3" name="Content Placeholder 2"/>
+          <p:cNvSpPr>
+            <a:spLocks noGrp="1"/>
+          </p:cNvSpPr>
+          <p:nvPr>
+            <p:ph idx="1"/>
+          </p:nvPr>
+        </p:nvSpPr>
+        <p:spPr/>
+        <p:txBody>
+          <a:bodyPr>
+            <a:normAutofit/>
+          </a:bodyPr>
+          <a:lstStyle/>
+          <a:p>
+            <a:r>
+              <a:rPr lang="en-US" dirty="0" smtClean="0">
+                <a:effectLst/>
+              </a:rPr>
+              <a:t>Nosferatu is cheaper than the competition</a:t>
+            </a:r>
+          </a:p>
+          <a:p>
+            <a:r>
+              <a:rPr lang="en-US" dirty="0" smtClean="0">
+                <a:effectLst/>
+              </a:rPr>
+              <a:t>Nosferatu is easier to use</a:t>
+            </a:r>
+          </a:p>
+          <a:p>
+            <a:r>
+              <a:rPr lang="en-US" dirty="0" smtClean="0">
+                <a:effectLst/>
+              </a:rPr>
+              <a:t>Nosferatu is the most convenient way to manage your home lighting</a:t>
+            </a:r>
+          </a:p>
+          <a:p>
+            <a:r>
+              <a:rPr lang="en-US" dirty="0" smtClean="0">
+                <a:effectLst/>
+              </a:rPr>
+              <a:t>Thank you to our advisor, John Kimani, for your guidance and support</a:t>
+            </a:r>
+          </a:p>
+        </p:txBody>
+      </p:sp>
+    </p:spTree>
+    <p:extLst>
+      <p:ext uri="{BB962C8B-B14F-4D97-AF65-F5344CB8AC3E}">
+        <p14:creationId xmlns:p14="http://schemas.microsoft.com/office/powerpoint/2010/main" val="1206270657"/>
+      </p:ext>
+    </p:extLst>
+  </p:cSld>
+  <p:clrMapOvr>
+    <a:masterClrMapping/>
+  </p:clrMapOvr>
+  <p:timing>
+    <p:tnLst>
+      <p:par>
+        <p:cTn id="1" dur="indefinite" restart="never" nodeType="tmRoot"/>
+      </p:par>
+    </p:tnLst>
+  </p:timing>
+</p:sld>
+</file>
+
+<file path=ppt/slides/slide12.xml><?xml version="1.0" encoding="utf-8"?>
+<p:sld xmlns:a="http://schemas.openxmlformats.org/drawingml/2006/main" xmlns:r="http://schemas.openxmlformats.org/officeDocument/2006/relationships" xmlns:p="http://schemas.openxmlformats.org/presentationml/2006/main">
+  <p:cSld>
+    <p:spTree>
+      <p:nvGrpSpPr>
+        <p:cNvPr id="1" name=""/>
+        <p:cNvGrpSpPr/>
+        <p:nvPr/>
+      </p:nvGrpSpPr>
+      <p:grpSpPr>
+        <a:xfrm>
+          <a:off x="0" y="0"/>
+          <a:ext cx="0" cy="0"/>
+          <a:chOff x="0" y="0"/>
+          <a:chExt cx="0" cy="0"/>
+        </a:xfrm>
+      </p:grpSpPr>
+      <p:sp>
+        <p:nvSpPr>
+          <p:cNvPr id="2" name="Title 1"/>
+          <p:cNvSpPr>
+            <a:spLocks noGrp="1"/>
+          </p:cNvSpPr>
+          <p:nvPr>
+            <p:ph type="title"/>
+          </p:nvPr>
+        </p:nvSpPr>
+        <p:spPr/>
+        <p:txBody>
           <a:bodyPr/>
           <a:lstStyle/>
           <a:p>
@@ -7632,6 +7872,234 @@
       </p:grpSpPr>
       <p:pic>
         <p:nvPicPr>
+          <p:cNvPr id="6" name="Picture 5"/>
+          <p:cNvPicPr>
+            <a:picLocks noChangeAspect="1"/>
+          </p:cNvPicPr>
+          <p:nvPr/>
+        </p:nvPicPr>
+        <p:blipFill>
+          <a:blip r:embed="rId2"/>
+          <a:stretch>
+            <a:fillRect/>
+          </a:stretch>
+        </p:blipFill>
+        <p:spPr>
+          <a:xfrm>
+            <a:off x="1370134" y="1691085"/>
+            <a:ext cx="6340794" cy="4309665"/>
+          </a:xfrm>
+          <a:prstGeom prst="rect">
+            <a:avLst/>
+          </a:prstGeom>
+        </p:spPr>
+      </p:pic>
+      <p:sp>
+        <p:nvSpPr>
+          <p:cNvPr id="4" name="Title 1"/>
+          <p:cNvSpPr txBox="1">
+            <a:spLocks/>
+          </p:cNvSpPr>
+          <p:nvPr/>
+        </p:nvSpPr>
+        <p:spPr>
+          <a:xfrm>
+            <a:off x="685800" y="121023"/>
+            <a:ext cx="7770813" cy="1429871"/>
+          </a:xfrm>
+          <a:prstGeom prst="rect">
+            <a:avLst/>
+          </a:prstGeom>
+        </p:spPr>
+        <p:txBody>
+          <a:bodyPr vert="horz" lIns="91440" tIns="45720" rIns="91440" bIns="45720" rtlCol="0" anchor="b" anchorCtr="0">
+            <a:normAutofit/>
+          </a:bodyPr>
+          <a:lstStyle>
+            <a:lvl1pPr algn="ctr" defTabSz="914400" rtl="0" eaLnBrk="1" latinLnBrk="0" hangingPunct="1">
+              <a:spcBef>
+                <a:spcPct val="0"/>
+              </a:spcBef>
+              <a:buNone/>
+              <a:defRPr sz="5400" kern="1200">
+                <a:solidFill>
+                  <a:schemeClr val="tx1"/>
+                </a:solidFill>
+                <a:effectLst>
+                  <a:outerShdw blurRad="50800" dist="50800" dir="5400000" sx="101000" sy="101000" algn="t" rotWithShape="0">
+                    <a:prstClr val="black">
+                      <a:alpha val="40000"/>
+                    </a:prstClr>
+                  </a:outerShdw>
+                </a:effectLst>
+                <a:latin typeface="+mj-lt"/>
+                <a:ea typeface="+mj-ea"/>
+                <a:cs typeface="+mj-cs"/>
+              </a:defRPr>
+            </a:lvl1pPr>
+          </a:lstStyle>
+          <a:p>
+            <a:r>
+              <a:rPr lang="en-US" dirty="0" smtClean="0"/>
+              <a:t>Hardware Schematic</a:t>
+            </a:r>
+            <a:endParaRPr lang="en-US" dirty="0"/>
+          </a:p>
+        </p:txBody>
+      </p:sp>
+    </p:spTree>
+    <p:extLst>
+      <p:ext uri="{BB962C8B-B14F-4D97-AF65-F5344CB8AC3E}">
+        <p14:creationId xmlns:p14="http://schemas.microsoft.com/office/powerpoint/2010/main" val="2034512440"/>
+      </p:ext>
+    </p:extLst>
+  </p:cSld>
+  <p:clrMapOvr>
+    <a:masterClrMapping/>
+  </p:clrMapOvr>
+  <p:timing>
+    <p:tnLst>
+      <p:par>
+        <p:cTn id="1" dur="indefinite" restart="never" nodeType="tmRoot"/>
+      </p:par>
+    </p:tnLst>
+  </p:timing>
+</p:sld>
+</file>
+
+<file path=ppt/slides/slide7.xml><?xml version="1.0" encoding="utf-8"?>
+<p:sld xmlns:a="http://schemas.openxmlformats.org/drawingml/2006/main" xmlns:r="http://schemas.openxmlformats.org/officeDocument/2006/relationships" xmlns:p="http://schemas.openxmlformats.org/presentationml/2006/main">
+  <p:cSld>
+    <p:spTree>
+      <p:nvGrpSpPr>
+        <p:cNvPr id="1" name=""/>
+        <p:cNvGrpSpPr/>
+        <p:nvPr/>
+      </p:nvGrpSpPr>
+      <p:grpSpPr>
+        <a:xfrm>
+          <a:off x="0" y="0"/>
+          <a:ext cx="0" cy="0"/>
+          <a:chOff x="0" y="0"/>
+          <a:chExt cx="0" cy="0"/>
+        </a:xfrm>
+      </p:grpSpPr>
+      <p:pic>
+        <p:nvPicPr>
+          <p:cNvPr id="5" name="Picture 4"/>
+          <p:cNvPicPr>
+            <a:picLocks noChangeAspect="1"/>
+          </p:cNvPicPr>
+          <p:nvPr/>
+        </p:nvPicPr>
+        <p:blipFill>
+          <a:blip r:embed="rId2"/>
+          <a:stretch>
+            <a:fillRect/>
+          </a:stretch>
+        </p:blipFill>
+        <p:spPr>
+          <a:xfrm>
+            <a:off x="1608332" y="2249725"/>
+            <a:ext cx="5812805" cy="2807494"/>
+          </a:xfrm>
+          <a:prstGeom prst="rect">
+            <a:avLst/>
+          </a:prstGeom>
+        </p:spPr>
+      </p:pic>
+      <p:sp>
+        <p:nvSpPr>
+          <p:cNvPr id="6" name="Title 1"/>
+          <p:cNvSpPr txBox="1">
+            <a:spLocks/>
+          </p:cNvSpPr>
+          <p:nvPr/>
+        </p:nvSpPr>
+        <p:spPr>
+          <a:xfrm>
+            <a:off x="685800" y="121023"/>
+            <a:ext cx="7770813" cy="1429871"/>
+          </a:xfrm>
+          <a:prstGeom prst="rect">
+            <a:avLst/>
+          </a:prstGeom>
+        </p:spPr>
+        <p:txBody>
+          <a:bodyPr vert="horz" lIns="91440" tIns="45720" rIns="91440" bIns="45720" rtlCol="0" anchor="b" anchorCtr="0">
+            <a:normAutofit/>
+          </a:bodyPr>
+          <a:lstStyle>
+            <a:lvl1pPr algn="ctr" defTabSz="914400" rtl="0" eaLnBrk="1" latinLnBrk="0" hangingPunct="1">
+              <a:spcBef>
+                <a:spcPct val="0"/>
+              </a:spcBef>
+              <a:buNone/>
+              <a:defRPr sz="5400" kern="1200">
+                <a:solidFill>
+                  <a:schemeClr val="tx1"/>
+                </a:solidFill>
+                <a:effectLst>
+                  <a:outerShdw blurRad="50800" dist="50800" dir="5400000" sx="101000" sy="101000" algn="t" rotWithShape="0">
+                    <a:prstClr val="black">
+                      <a:alpha val="40000"/>
+                    </a:prstClr>
+                  </a:outerShdw>
+                </a:effectLst>
+                <a:latin typeface="+mj-lt"/>
+                <a:ea typeface="+mj-ea"/>
+                <a:cs typeface="+mj-cs"/>
+              </a:defRPr>
+            </a:lvl1pPr>
+          </a:lstStyle>
+          <a:p>
+            <a:r>
+              <a:rPr lang="en-US" dirty="0" smtClean="0"/>
+              <a:t>Relay Schematic</a:t>
+            </a:r>
+            <a:endParaRPr lang="en-US" dirty="0"/>
+          </a:p>
+        </p:txBody>
+      </p:sp>
+    </p:spTree>
+    <p:extLst>
+      <p:ext uri="{BB962C8B-B14F-4D97-AF65-F5344CB8AC3E}">
+        <p14:creationId xmlns:p14="http://schemas.microsoft.com/office/powerpoint/2010/main" val="1173152934"/>
+      </p:ext>
+    </p:extLst>
+  </p:cSld>
+  <p:clrMapOvr>
+    <a:masterClrMapping/>
+  </p:clrMapOvr>
+  <p:timing>
+    <p:tnLst>
+      <p:par>
+        <p:cTn id="1" dur="indefinite" restart="never" nodeType="tmRoot"/>
+      </p:par>
+    </p:tnLst>
+  </p:timing>
+</p:sld>
+</file>
+
+<file path=ppt/slides/slide8.xml><?xml version="1.0" encoding="utf-8"?>
+<p:sld xmlns:a="http://schemas.openxmlformats.org/drawingml/2006/main" xmlns:r="http://schemas.openxmlformats.org/officeDocument/2006/relationships" xmlns:p="http://schemas.openxmlformats.org/presentationml/2006/main">
+  <p:cSld>
+    <p:spTree>
+      <p:nvGrpSpPr>
+        <p:cNvPr id="1" name=""/>
+        <p:cNvGrpSpPr/>
+        <p:nvPr/>
+      </p:nvGrpSpPr>
+      <p:grpSpPr>
+        <a:xfrm>
+          <a:off x="0" y="0"/>
+          <a:ext cx="0" cy="0"/>
+          <a:chOff x="0" y="0"/>
+          <a:chExt cx="0" cy="0"/>
+        </a:xfrm>
+      </p:grpSpPr>
+      <p:pic>
+        <p:nvPicPr>
           <p:cNvPr id="9" name="Picture 8"/>
           <p:cNvPicPr>
             <a:picLocks noChangeAspect="1"/>
@@ -8236,7 +8704,6 @@
               <a:rPr lang="en-US" dirty="0" smtClean="0"/>
               <a:t>Celery</a:t>
             </a:r>
-            <a:endParaRPr lang="en-US" dirty="0" smtClean="0"/>
           </a:p>
         </p:txBody>
       </p:sp>
@@ -9424,198 +9891,6 @@
 </p:sld>
 </file>
 
-<file path=ppt/slides/slide7.xml><?xml version="1.0" encoding="utf-8"?>
-<p:sld xmlns:a="http://schemas.openxmlformats.org/drawingml/2006/main" xmlns:r="http://schemas.openxmlformats.org/officeDocument/2006/relationships" xmlns:p="http://schemas.openxmlformats.org/presentationml/2006/main">
-  <p:cSld>
-    <p:spTree>
-      <p:nvGrpSpPr>
-        <p:cNvPr id="1" name=""/>
-        <p:cNvGrpSpPr/>
-        <p:nvPr/>
-      </p:nvGrpSpPr>
-      <p:grpSpPr>
-        <a:xfrm>
-          <a:off x="0" y="0"/>
-          <a:ext cx="0" cy="0"/>
-          <a:chOff x="0" y="0"/>
-          <a:chExt cx="0" cy="0"/>
-        </a:xfrm>
-      </p:grpSpPr>
-      <p:sp>
-        <p:nvSpPr>
-          <p:cNvPr id="2" name="Title 1"/>
-          <p:cNvSpPr>
-            <a:spLocks noGrp="1"/>
-          </p:cNvSpPr>
-          <p:nvPr>
-            <p:ph type="title"/>
-          </p:nvPr>
-        </p:nvSpPr>
-        <p:spPr/>
-        <p:txBody>
-          <a:bodyPr/>
-          <a:lstStyle/>
-          <a:p>
-            <a:r>
-              <a:rPr lang="en-US" dirty="0" smtClean="0"/>
-              <a:t>Build Process</a:t>
-            </a:r>
-            <a:endParaRPr lang="en-US" dirty="0"/>
-          </a:p>
-        </p:txBody>
-      </p:sp>
-    </p:spTree>
-    <p:extLst>
-      <p:ext uri="{BB962C8B-B14F-4D97-AF65-F5344CB8AC3E}">
-        <p14:creationId xmlns:p14="http://schemas.microsoft.com/office/powerpoint/2010/main" val="3881248493"/>
-      </p:ext>
-    </p:extLst>
-  </p:cSld>
-  <p:clrMapOvr>
-    <a:masterClrMapping/>
-  </p:clrMapOvr>
-  <p:timing>
-    <p:tnLst>
-      <p:par>
-        <p:cTn id="1" dur="indefinite" restart="never" nodeType="tmRoot"/>
-      </p:par>
-    </p:tnLst>
-  </p:timing>
-</p:sld>
-</file>
-
-<file path=ppt/slides/slide8.xml><?xml version="1.0" encoding="utf-8"?>
-<p:sld xmlns:a="http://schemas.openxmlformats.org/drawingml/2006/main" xmlns:r="http://schemas.openxmlformats.org/officeDocument/2006/relationships" xmlns:p="http://schemas.openxmlformats.org/presentationml/2006/main">
-  <p:cSld>
-    <p:spTree>
-      <p:nvGrpSpPr>
-        <p:cNvPr id="1" name=""/>
-        <p:cNvGrpSpPr/>
-        <p:nvPr/>
-      </p:nvGrpSpPr>
-      <p:grpSpPr>
-        <a:xfrm>
-          <a:off x="0" y="0"/>
-          <a:ext cx="0" cy="0"/>
-          <a:chOff x="0" y="0"/>
-          <a:chExt cx="0" cy="0"/>
-        </a:xfrm>
-      </p:grpSpPr>
-      <p:sp>
-        <p:nvSpPr>
-          <p:cNvPr id="2" name="Title 1"/>
-          <p:cNvSpPr>
-            <a:spLocks noGrp="1"/>
-          </p:cNvSpPr>
-          <p:nvPr>
-            <p:ph type="title"/>
-          </p:nvPr>
-        </p:nvSpPr>
-        <p:spPr/>
-        <p:txBody>
-          <a:bodyPr>
-            <a:normAutofit fontScale="90000"/>
-          </a:bodyPr>
-          <a:lstStyle/>
-          <a:p>
-            <a:r>
-              <a:rPr lang="en-US" dirty="0" smtClean="0"/>
-              <a:t>What makes Nosferatu special</a:t>
-            </a:r>
-            <a:endParaRPr lang="en-US" dirty="0"/>
-          </a:p>
-        </p:txBody>
-      </p:sp>
-      <p:sp>
-        <p:nvSpPr>
-          <p:cNvPr id="3" name="Content Placeholder 2"/>
-          <p:cNvSpPr>
-            <a:spLocks noGrp="1"/>
-          </p:cNvSpPr>
-          <p:nvPr>
-            <p:ph idx="1"/>
-          </p:nvPr>
-        </p:nvSpPr>
-        <p:spPr/>
-        <p:txBody>
-          <a:bodyPr/>
-          <a:lstStyle/>
-          <a:p>
-            <a:r>
-              <a:rPr lang="en-US" dirty="0" smtClean="0"/>
-              <a:t>Compared to Wi-Fi lightbulbs</a:t>
-            </a:r>
-            <a:endParaRPr lang="en-US" dirty="0"/>
-          </a:p>
-          <a:p>
-            <a:pPr lvl="1"/>
-            <a:r>
-              <a:rPr lang="en-US" dirty="0" smtClean="0"/>
-              <a:t>Don’t need to replace an expensive lightbulb whenever it dies</a:t>
-            </a:r>
-          </a:p>
-          <a:p>
-            <a:pPr lvl="1"/>
-            <a:r>
-              <a:rPr lang="en-US" dirty="0" smtClean="0"/>
-              <a:t>More sophisticated and synchronized system/setup</a:t>
-            </a:r>
-          </a:p>
-          <a:p>
-            <a:r>
-              <a:rPr lang="en-US" dirty="0" smtClean="0"/>
-              <a:t>Compared to similar switches (such as the Belkin WeMo)</a:t>
-            </a:r>
-          </a:p>
-          <a:p>
-            <a:pPr lvl="1"/>
-            <a:r>
-              <a:rPr lang="en-US" dirty="0" smtClean="0"/>
-              <a:t>Motion Sensor</a:t>
-            </a:r>
-          </a:p>
-          <a:p>
-            <a:pPr lvl="1"/>
-            <a:r>
-              <a:rPr lang="en-US" dirty="0" smtClean="0"/>
-              <a:t>Rules</a:t>
-            </a:r>
-          </a:p>
-          <a:p>
-            <a:pPr lvl="1"/>
-            <a:r>
-              <a:rPr lang="en-US" dirty="0" smtClean="0"/>
-              <a:t>Web API</a:t>
-            </a:r>
-          </a:p>
-          <a:p>
-            <a:r>
-              <a:rPr lang="en-US" dirty="0" smtClean="0"/>
-              <a:t>Cheaper</a:t>
-            </a:r>
-          </a:p>
-        </p:txBody>
-      </p:sp>
-    </p:spTree>
-    <p:extLst>
-      <p:ext uri="{BB962C8B-B14F-4D97-AF65-F5344CB8AC3E}">
-        <p14:creationId xmlns:p14="http://schemas.microsoft.com/office/powerpoint/2010/main" val="3903585292"/>
-      </p:ext>
-    </p:extLst>
-  </p:cSld>
-  <p:clrMapOvr>
-    <a:masterClrMapping/>
-  </p:clrMapOvr>
-  <p:timing>
-    <p:tnLst>
-      <p:par>
-        <p:cTn id="1" dur="indefinite" restart="never" nodeType="tmRoot"/>
-      </p:par>
-    </p:tnLst>
-  </p:timing>
-</p:sld>
-</file>
-
 <file path=ppt/slides/slide9.xml><?xml version="1.0" encoding="utf-8"?>
 <p:sld xmlns:a="http://schemas.openxmlformats.org/drawingml/2006/main" xmlns:r="http://schemas.openxmlformats.org/officeDocument/2006/relationships" xmlns:p="http://schemas.openxmlformats.org/presentationml/2006/main">
   <p:cSld>
@@ -9643,87 +9918,23 @@
             <p:ph type="title"/>
           </p:nvPr>
         </p:nvSpPr>
-        <p:spPr>
-          <a:xfrm>
-            <a:off x="547777" y="121023"/>
-            <a:ext cx="7770813" cy="1429871"/>
-          </a:xfrm>
-        </p:spPr>
+        <p:spPr/>
         <p:txBody>
           <a:bodyPr/>
           <a:lstStyle/>
           <a:p>
             <a:r>
               <a:rPr lang="en-US" dirty="0" smtClean="0"/>
-              <a:t>Conclusion</a:t>
+              <a:t>Build Process</a:t>
             </a:r>
             <a:endParaRPr lang="en-US" dirty="0"/>
-          </a:p>
-        </p:txBody>
-      </p:sp>
-      <p:sp>
-        <p:nvSpPr>
-          <p:cNvPr id="3" name="Content Placeholder 2"/>
-          <p:cNvSpPr>
-            <a:spLocks noGrp="1"/>
-          </p:cNvSpPr>
-          <p:nvPr>
-            <p:ph idx="1"/>
-          </p:nvPr>
-        </p:nvSpPr>
-        <p:spPr/>
-        <p:txBody>
-          <a:bodyPr>
-            <a:normAutofit/>
-          </a:bodyPr>
-          <a:lstStyle/>
-          <a:p>
-            <a:r>
-              <a:rPr lang="en-US" dirty="0" smtClean="0">
-                <a:effectLst/>
-              </a:rPr>
-              <a:t>Nosferatu is cheaper than the competition</a:t>
-            </a:r>
-          </a:p>
-          <a:p>
-            <a:r>
-              <a:rPr lang="en-US" dirty="0" smtClean="0">
-                <a:effectLst/>
-              </a:rPr>
-              <a:t>Nosferatu is easier to use</a:t>
-            </a:r>
-          </a:p>
-          <a:p>
-            <a:r>
-              <a:rPr lang="en-US" dirty="0" smtClean="0">
-                <a:effectLst/>
-              </a:rPr>
-              <a:t>Nosferatu is the most convenient way to manage your home </a:t>
-            </a:r>
-            <a:r>
-              <a:rPr lang="en-US" dirty="0" smtClean="0">
-                <a:effectLst/>
-              </a:rPr>
-              <a:t>lighting</a:t>
-            </a:r>
-          </a:p>
-          <a:p>
-            <a:r>
-              <a:rPr lang="en-US" dirty="0" smtClean="0">
-                <a:effectLst/>
-              </a:rPr>
-              <a:t>Thank you to our advisor, John Kimani, for your guidance and support</a:t>
-            </a:r>
-            <a:endParaRPr lang="en-US" dirty="0" smtClean="0">
-              <a:effectLst/>
-            </a:endParaRPr>
           </a:p>
         </p:txBody>
       </p:sp>
     </p:spTree>
     <p:extLst>
       <p:ext uri="{BB962C8B-B14F-4D97-AF65-F5344CB8AC3E}">
-        <p14:creationId xmlns:p14="http://schemas.microsoft.com/office/powerpoint/2010/main" val="1206270657"/>
+        <p14:creationId xmlns:p14="http://schemas.microsoft.com/office/powerpoint/2010/main" val="3881248493"/>
       </p:ext>
     </p:extLst>
   </p:cSld>

--- a/Final Documents/Final Presentation.pptx
+++ b/Final Documents/Final Presentation.pptx
@@ -5,21 +5,24 @@
     <p:sldMasterId id="2147483660" r:id="rId1"/>
   </p:sldMasterIdLst>
   <p:notesMasterIdLst>
-    <p:notesMasterId r:id="rId14"/>
+    <p:notesMasterId r:id="rId17"/>
   </p:notesMasterIdLst>
   <p:sldIdLst>
     <p:sldId id="256" r:id="rId2"/>
     <p:sldId id="264" r:id="rId3"/>
     <p:sldId id="257" r:id="rId4"/>
-    <p:sldId id="265" r:id="rId5"/>
-    <p:sldId id="258" r:id="rId6"/>
-    <p:sldId id="268" r:id="rId7"/>
-    <p:sldId id="269" r:id="rId8"/>
-    <p:sldId id="266" r:id="rId9"/>
-    <p:sldId id="259" r:id="rId10"/>
-    <p:sldId id="263" r:id="rId11"/>
-    <p:sldId id="267" r:id="rId12"/>
-    <p:sldId id="261" r:id="rId13"/>
+    <p:sldId id="258" r:id="rId5"/>
+    <p:sldId id="268" r:id="rId6"/>
+    <p:sldId id="269" r:id="rId7"/>
+    <p:sldId id="259" r:id="rId8"/>
+    <p:sldId id="273" r:id="rId9"/>
+    <p:sldId id="274" r:id="rId10"/>
+    <p:sldId id="270" r:id="rId11"/>
+    <p:sldId id="271" r:id="rId12"/>
+    <p:sldId id="272" r:id="rId13"/>
+    <p:sldId id="275" r:id="rId14"/>
+    <p:sldId id="267" r:id="rId15"/>
+    <p:sldId id="261" r:id="rId16"/>
   </p:sldIdLst>
   <p:sldSz cx="9144000" cy="6858000" type="screen4x3"/>
   <p:notesSz cx="6858000" cy="9144000"/>
@@ -219,7 +222,7 @@
           <a:p>
             <a:fld id="{3054C299-8359-5B4D-8FA7-E9A587887A0D}" type="datetimeFigureOut">
               <a:rPr lang="en-US" smtClean="0"/>
-              <a:t>12/2/2015</a:t>
+              <a:t>12/2/15</a:t>
             </a:fld>
             <a:endParaRPr lang="en-US"/>
           </a:p>
@@ -732,7 +735,7 @@
           <a:p>
             <a:fld id="{05332D8B-7B6C-A54D-BAC6-226B3ACA1459}" type="slidenum">
               <a:rPr lang="en-US" smtClean="0"/>
-              <a:t>5</a:t>
+              <a:t>4</a:t>
             </a:fld>
             <a:endParaRPr lang="en-US"/>
           </a:p>
@@ -796,47 +799,17 @@
           <a:lstStyle/>
           <a:p>
             <a:r>
-              <a:rPr lang="en-US" dirty="0" smtClean="0"/>
-              <a:t>Need to update this:</a:t>
-            </a:r>
-          </a:p>
-          <a:p>
-            <a:r>
-              <a:rPr lang="en-US" dirty="0" smtClean="0"/>
-              <a:t>Updated screenshot to</a:t>
-            </a:r>
-            <a:r>
               <a:rPr lang="en-US" baseline="0" dirty="0" smtClean="0"/>
-              <a:t> replace hello world</a:t>
-            </a:r>
-          </a:p>
-          <a:p>
+              <a:t>Need to add some pictures of the project- </a:t>
+            </a:r>
+            <a:r>
+              <a:rPr lang="en-US" baseline="0" dirty="0" err="1" smtClean="0"/>
+              <a:t>Rpi</a:t>
+            </a:r>
             <a:r>
               <a:rPr lang="en-US" baseline="0" dirty="0" smtClean="0"/>
-              <a:t>Updated login screenshot</a:t>
-            </a:r>
-            <a:endParaRPr lang="en-US" dirty="0" smtClean="0"/>
-          </a:p>
-          <a:p>
-            <a:r>
-              <a:rPr lang="en-US" dirty="0" smtClean="0"/>
-              <a:t>Update</a:t>
-            </a:r>
-            <a:r>
-              <a:rPr lang="en-US" baseline="0" dirty="0" smtClean="0"/>
-              <a:t> frameworks used</a:t>
-            </a:r>
-          </a:p>
-          <a:p>
-            <a:r>
-              <a:rPr lang="en-US" baseline="0" dirty="0" smtClean="0"/>
-              <a:t>Update software flowchart (mostly </a:t>
-            </a:r>
-            <a:r>
-              <a:rPr lang="en-US" baseline="0" smtClean="0"/>
-              <a:t>the backend)</a:t>
-            </a:r>
-            <a:endParaRPr lang="en-US" dirty="0"/>
+              <a:t>, node fully set up, maybe screenshots of web UI?</a:t>
+            </a:r>
           </a:p>
         </p:txBody>
       </p:sp>
@@ -857,7 +830,7 @@
           <a:p>
             <a:fld id="{05332D8B-7B6C-A54D-BAC6-226B3ACA1459}" type="slidenum">
               <a:rPr lang="en-US" smtClean="0"/>
-              <a:t>8</a:t>
+              <a:t>7</a:t>
             </a:fld>
             <a:endParaRPr lang="en-US"/>
           </a:p>
@@ -866,7 +839,7 @@
     </p:spTree>
     <p:extLst>
       <p:ext uri="{BB962C8B-B14F-4D97-AF65-F5344CB8AC3E}">
-        <p14:creationId xmlns:p14="http://schemas.microsoft.com/office/powerpoint/2010/main" val="3340116549"/>
+        <p14:creationId xmlns:p14="http://schemas.microsoft.com/office/powerpoint/2010/main" val="282400902"/>
       </p:ext>
     </p:extLst>
   </p:cSld>
@@ -920,18 +893,7 @@
           <a:bodyPr/>
           <a:lstStyle/>
           <a:p>
-            <a:r>
-              <a:rPr lang="en-US" baseline="0" dirty="0" smtClean="0"/>
-              <a:t>Need to add some pictures of the project- </a:t>
-            </a:r>
-            <a:r>
-              <a:rPr lang="en-US" baseline="0" dirty="0" err="1" smtClean="0"/>
-              <a:t>Rpi</a:t>
-            </a:r>
-            <a:r>
-              <a:rPr lang="en-US" baseline="0" dirty="0" smtClean="0"/>
-              <a:t>, node fully set up, maybe screenshots of web UI?</a:t>
-            </a:r>
+            <a:endParaRPr lang="en-US" dirty="0"/>
           </a:p>
         </p:txBody>
       </p:sp>
@@ -961,7 +923,7 @@
     </p:spTree>
     <p:extLst>
       <p:ext uri="{BB962C8B-B14F-4D97-AF65-F5344CB8AC3E}">
-        <p14:creationId xmlns:p14="http://schemas.microsoft.com/office/powerpoint/2010/main" val="282400902"/>
+        <p14:creationId xmlns:p14="http://schemas.microsoft.com/office/powerpoint/2010/main" val="1497375528"/>
       </p:ext>
     </p:extLst>
   </p:cSld>
@@ -1036,7 +998,7 @@
           <a:p>
             <a:fld id="{05332D8B-7B6C-A54D-BAC6-226B3ACA1459}" type="slidenum">
               <a:rPr lang="en-US" smtClean="0"/>
-              <a:t>10</a:t>
+              <a:t>14</a:t>
             </a:fld>
             <a:endParaRPr lang="en-US"/>
           </a:p>
@@ -1045,7 +1007,7 @@
     </p:spTree>
     <p:extLst>
       <p:ext uri="{BB962C8B-B14F-4D97-AF65-F5344CB8AC3E}">
-        <p14:creationId xmlns:p14="http://schemas.microsoft.com/office/powerpoint/2010/main" val="30328140"/>
+        <p14:creationId xmlns:p14="http://schemas.microsoft.com/office/powerpoint/2010/main" val="3647391457"/>
       </p:ext>
     </p:extLst>
   </p:cSld>
@@ -1120,91 +1082,7 @@
           <a:p>
             <a:fld id="{05332D8B-7B6C-A54D-BAC6-226B3ACA1459}" type="slidenum">
               <a:rPr lang="en-US" smtClean="0"/>
-              <a:t>11</a:t>
-            </a:fld>
-            <a:endParaRPr lang="en-US"/>
-          </a:p>
-        </p:txBody>
-      </p:sp>
-    </p:spTree>
-    <p:extLst>
-      <p:ext uri="{BB962C8B-B14F-4D97-AF65-F5344CB8AC3E}">
-        <p14:creationId xmlns:p14="http://schemas.microsoft.com/office/powerpoint/2010/main" val="3647391457"/>
-      </p:ext>
-    </p:extLst>
-  </p:cSld>
-  <p:clrMapOvr>
-    <a:masterClrMapping/>
-  </p:clrMapOvr>
-</p:notes>
-</file>
-
-<file path=ppt/notesSlides/notesSlide8.xml><?xml version="1.0" encoding="utf-8"?>
-<p:notes xmlns:a="http://schemas.openxmlformats.org/drawingml/2006/main" xmlns:r="http://schemas.openxmlformats.org/officeDocument/2006/relationships" xmlns:p="http://schemas.openxmlformats.org/presentationml/2006/main">
-  <p:cSld>
-    <p:spTree>
-      <p:nvGrpSpPr>
-        <p:cNvPr id="1" name=""/>
-        <p:cNvGrpSpPr/>
-        <p:nvPr/>
-      </p:nvGrpSpPr>
-      <p:grpSpPr>
-        <a:xfrm>
-          <a:off x="0" y="0"/>
-          <a:ext cx="0" cy="0"/>
-          <a:chOff x="0" y="0"/>
-          <a:chExt cx="0" cy="0"/>
-        </a:xfrm>
-      </p:grpSpPr>
-      <p:sp>
-        <p:nvSpPr>
-          <p:cNvPr id="2" name="Slide Image Placeholder 1"/>
-          <p:cNvSpPr>
-            <a:spLocks noGrp="1" noRot="1" noChangeAspect="1"/>
-          </p:cNvSpPr>
-          <p:nvPr>
-            <p:ph type="sldImg"/>
-          </p:nvPr>
-        </p:nvSpPr>
-        <p:spPr/>
-      </p:sp>
-      <p:sp>
-        <p:nvSpPr>
-          <p:cNvPr id="3" name="Notes Placeholder 2"/>
-          <p:cNvSpPr>
-            <a:spLocks noGrp="1"/>
-          </p:cNvSpPr>
-          <p:nvPr>
-            <p:ph type="body" idx="1"/>
-          </p:nvPr>
-        </p:nvSpPr>
-        <p:spPr/>
-        <p:txBody>
-          <a:bodyPr/>
-          <a:lstStyle/>
-          <a:p>
-            <a:endParaRPr lang="en-US" dirty="0"/>
-          </a:p>
-        </p:txBody>
-      </p:sp>
-      <p:sp>
-        <p:nvSpPr>
-          <p:cNvPr id="4" name="Slide Number Placeholder 3"/>
-          <p:cNvSpPr>
-            <a:spLocks noGrp="1"/>
-          </p:cNvSpPr>
-          <p:nvPr>
-            <p:ph type="sldNum" sz="quarter" idx="10"/>
-          </p:nvPr>
-        </p:nvSpPr>
-        <p:spPr/>
-        <p:txBody>
-          <a:bodyPr/>
-          <a:lstStyle/>
-          <a:p>
-            <a:fld id="{05332D8B-7B6C-A54D-BAC6-226B3ACA1459}" type="slidenum">
-              <a:rPr lang="en-US" smtClean="0"/>
-              <a:t>12</a:t>
+              <a:t>15</a:t>
             </a:fld>
             <a:endParaRPr lang="en-US"/>
           </a:p>
@@ -1444,7 +1322,7 @@
           <a:p>
             <a:fld id="{651A0C47-018D-4460-B945-BFF7981B6CA6}" type="datetimeFigureOut">
               <a:rPr lang="en-US" smtClean="0"/>
-              <a:t>12/2/2015</a:t>
+              <a:t>12/2/15</a:t>
             </a:fld>
             <a:endParaRPr lang="en-US"/>
           </a:p>
@@ -1776,7 +1654,7 @@
           <a:p>
             <a:fld id="{651A0C47-018D-4460-B945-BFF7981B6CA6}" type="datetimeFigureOut">
               <a:rPr lang="en-US" smtClean="0"/>
-              <a:t>12/2/2015</a:t>
+              <a:t>12/2/15</a:t>
             </a:fld>
             <a:endParaRPr lang="en-US"/>
           </a:p>
@@ -2108,7 +1986,7 @@
           <a:p>
             <a:fld id="{651A0C47-018D-4460-B945-BFF7981B6CA6}" type="datetimeFigureOut">
               <a:rPr lang="en-US" smtClean="0"/>
-              <a:t>12/2/2015</a:t>
+              <a:t>12/2/15</a:t>
             </a:fld>
             <a:endParaRPr lang="en-US"/>
           </a:p>
@@ -2440,7 +2318,7 @@
           <a:p>
             <a:fld id="{651A0C47-018D-4460-B945-BFF7981B6CA6}" type="datetimeFigureOut">
               <a:rPr lang="en-US" smtClean="0"/>
-              <a:t>12/2/2015</a:t>
+              <a:t>12/2/15</a:t>
             </a:fld>
             <a:endParaRPr lang="en-US"/>
           </a:p>
@@ -3129,7 +3007,7 @@
           <a:p>
             <a:fld id="{651A0C47-018D-4460-B945-BFF7981B6CA6}" type="datetimeFigureOut">
               <a:rPr lang="en-US" smtClean="0"/>
-              <a:t>12/2/2015</a:t>
+              <a:t>12/2/15</a:t>
             </a:fld>
             <a:endParaRPr lang="en-US"/>
           </a:p>
@@ -3308,7 +3186,7 @@
           <a:p>
             <a:fld id="{651A0C47-018D-4460-B945-BFF7981B6CA6}" type="datetimeFigureOut">
               <a:rPr lang="en-US" smtClean="0"/>
-              <a:t>12/2/2015</a:t>
+              <a:t>12/2/15</a:t>
             </a:fld>
             <a:endParaRPr lang="en-US"/>
           </a:p>
@@ -3482,7 +3360,7 @@
           <a:p>
             <a:fld id="{651A0C47-018D-4460-B945-BFF7981B6CA6}" type="datetimeFigureOut">
               <a:rPr lang="en-US" smtClean="0"/>
-              <a:t>12/2/2015</a:t>
+              <a:t>12/2/15</a:t>
             </a:fld>
             <a:endParaRPr lang="en-US"/>
           </a:p>
@@ -3730,7 +3608,7 @@
           <a:p>
             <a:fld id="{651A0C47-018D-4460-B945-BFF7981B6CA6}" type="datetimeFigureOut">
               <a:rPr lang="en-US" smtClean="0"/>
-              <a:t>12/2/2015</a:t>
+              <a:t>12/2/15</a:t>
             </a:fld>
             <a:endParaRPr lang="en-US"/>
           </a:p>
@@ -4060,7 +3938,7 @@
           <a:p>
             <a:fld id="{651A0C47-018D-4460-B945-BFF7981B6CA6}" type="datetimeFigureOut">
               <a:rPr lang="en-US" smtClean="0"/>
-              <a:t>12/2/2015</a:t>
+              <a:t>12/2/15</a:t>
             </a:fld>
             <a:endParaRPr lang="en-US"/>
           </a:p>
@@ -4352,7 +4230,7 @@
           <a:p>
             <a:fld id="{651A0C47-018D-4460-B945-BFF7981B6CA6}" type="datetimeFigureOut">
               <a:rPr lang="en-US" smtClean="0"/>
-              <a:t>12/2/2015</a:t>
+              <a:t>12/2/15</a:t>
             </a:fld>
             <a:endParaRPr lang="en-US"/>
           </a:p>
@@ -4788,7 +4666,7 @@
           <a:p>
             <a:fld id="{651A0C47-018D-4460-B945-BFF7981B6CA6}" type="datetimeFigureOut">
               <a:rPr lang="en-US" smtClean="0"/>
-              <a:t>12/2/2015</a:t>
+              <a:t>12/2/15</a:t>
             </a:fld>
             <a:endParaRPr lang="en-US"/>
           </a:p>
@@ -4975,7 +4853,7 @@
           <a:p>
             <a:fld id="{651A0C47-018D-4460-B945-BFF7981B6CA6}" type="datetimeFigureOut">
               <a:rPr lang="en-US" smtClean="0"/>
-              <a:t>12/2/2015</a:t>
+              <a:t>12/2/15</a:t>
             </a:fld>
             <a:endParaRPr lang="en-US"/>
           </a:p>
@@ -5065,7 +4943,7 @@
           <a:p>
             <a:fld id="{651A0C47-018D-4460-B945-BFF7981B6CA6}" type="datetimeFigureOut">
               <a:rPr lang="en-US" smtClean="0"/>
-              <a:t>12/2/2015</a:t>
+              <a:t>12/2/15</a:t>
             </a:fld>
             <a:endParaRPr lang="en-US"/>
           </a:p>
@@ -5346,7 +5224,7 @@
           <a:p>
             <a:fld id="{651A0C47-018D-4460-B945-BFF7981B6CA6}" type="datetimeFigureOut">
               <a:rPr lang="en-US" smtClean="0"/>
-              <a:t>12/2/2015</a:t>
+              <a:t>12/2/15</a:t>
             </a:fld>
             <a:endParaRPr lang="en-US"/>
           </a:p>
@@ -5561,7 +5439,7 @@
           <a:p>
             <a:fld id="{651A0C47-018D-4460-B945-BFF7981B6CA6}" type="datetimeFigureOut">
               <a:rPr lang="en-US" smtClean="0"/>
-              <a:t>12/2/2015</a:t>
+              <a:t>12/2/15</a:t>
             </a:fld>
             <a:endParaRPr lang="en-US"/>
           </a:p>
@@ -6238,7 +6116,7 @@
       </p:grpSpPr>
       <p:sp>
         <p:nvSpPr>
-          <p:cNvPr id="2" name="Title 1"/>
+          <p:cNvPr id="186" name="Shape 186"/>
           <p:cNvSpPr>
             <a:spLocks noGrp="1"/>
           </p:cNvSpPr>
@@ -6246,87 +6124,145 @@
             <p:ph type="title"/>
           </p:nvPr>
         </p:nvSpPr>
-        <p:spPr/>
-        <p:txBody>
-          <a:bodyPr>
-            <a:normAutofit fontScale="90000"/>
+        <p:spPr>
+          <a:prstGeom prst="rect">
+            <a:avLst/>
+          </a:prstGeom>
+        </p:spPr>
+        <p:txBody>
+          <a:bodyPr/>
+          <a:lstStyle/>
+          <a:p>
+            <a:r>
+              <a:t>Front End (UI)</a:t>
+            </a:r>
+          </a:p>
+        </p:txBody>
+      </p:sp>
+      <p:pic>
+        <p:nvPicPr>
+          <p:cNvPr id="187" name="2015-12-02-160500_1280x1024_scrot.png"/>
+          <p:cNvPicPr>
+            <a:picLocks noChangeAspect="1"/>
+          </p:cNvPicPr>
+          <p:nvPr/>
+        </p:nvPicPr>
+        <p:blipFill>
+          <a:blip r:embed="rId2">
+            <a:extLst/>
+          </a:blip>
+          <a:stretch>
+            <a:fillRect/>
+          </a:stretch>
+        </p:blipFill>
+        <p:spPr>
+          <a:xfrm>
+            <a:off x="977900" y="254000"/>
+            <a:ext cx="7467600" cy="6350000"/>
+          </a:xfrm>
+          <a:prstGeom prst="rect">
+            <a:avLst/>
+          </a:prstGeom>
+          <a:ln w="12700">
+            <a:miter lim="400000"/>
+          </a:ln>
+        </p:spPr>
+      </p:pic>
+      <p:pic>
+        <p:nvPicPr>
+          <p:cNvPr id="188" name="2015-12-02-160505_1280x1024_scrot.png"/>
+          <p:cNvPicPr>
+            <a:picLocks noChangeAspect="1"/>
+          </p:cNvPicPr>
+          <p:nvPr/>
+        </p:nvPicPr>
+        <p:blipFill>
+          <a:blip r:embed="rId3">
+            <a:extLst/>
+          </a:blip>
+          <a:stretch>
+            <a:fillRect/>
+          </a:stretch>
+        </p:blipFill>
+        <p:spPr>
+          <a:xfrm>
+            <a:off x="704850" y="57150"/>
+            <a:ext cx="7734300" cy="6743700"/>
+          </a:xfrm>
+          <a:prstGeom prst="rect">
+            <a:avLst/>
+          </a:prstGeom>
+          <a:ln w="12700">
+            <a:miter lim="400000"/>
+          </a:ln>
+        </p:spPr>
+      </p:pic>
+      <p:sp>
+        <p:nvSpPr>
+          <p:cNvPr id="189" name="Shape 189"/>
+          <p:cNvSpPr/>
+          <p:nvPr/>
+        </p:nvSpPr>
+        <p:spPr>
+          <a:xfrm>
+            <a:off x="1245053" y="3923030"/>
+            <a:ext cx="2060413" cy="383541"/>
+          </a:xfrm>
+          <a:prstGeom prst="rect">
+            <a:avLst/>
+          </a:prstGeom>
+          <a:ln w="12700">
+            <a:miter lim="400000"/>
+          </a:ln>
+          <a:extLst>
+            <a:ext uri="{C572A759-6A51-4108-AA02-DFA0A04FC94B}">
+              <ma14:wrappingTextBoxFlag xmlns:ma14="http://schemas.microsoft.com/office/mac/drawingml/2011/main" val="1"/>
+            </a:ext>
+          </a:extLst>
+        </p:spPr>
+        <p:txBody>
+          <a:bodyPr wrap="none" lIns="45719" rIns="45719">
+            <a:spAutoFit/>
           </a:bodyPr>
           <a:lstStyle/>
           <a:p>
             <a:r>
-              <a:rPr lang="en-US" dirty="0" smtClean="0"/>
-              <a:t>What makes Nosferatu special</a:t>
-            </a:r>
-            <a:endParaRPr lang="en-US" dirty="0"/>
-          </a:p>
-        </p:txBody>
-      </p:sp>
-      <p:sp>
-        <p:nvSpPr>
-          <p:cNvPr id="3" name="Content Placeholder 2"/>
-          <p:cNvSpPr>
-            <a:spLocks noGrp="1"/>
-          </p:cNvSpPr>
-          <p:nvPr>
-            <p:ph idx="1"/>
-          </p:nvPr>
-        </p:nvSpPr>
-        <p:spPr/>
-        <p:txBody>
-          <a:bodyPr/>
+              <a:t>gorsejoe@gmail.com</a:t>
+            </a:r>
+          </a:p>
+        </p:txBody>
+      </p:sp>
+      <p:sp>
+        <p:nvSpPr>
+          <p:cNvPr id="190" name="Shape 190"/>
+          <p:cNvSpPr/>
+          <p:nvPr/>
+        </p:nvSpPr>
+        <p:spPr>
+          <a:xfrm>
+            <a:off x="1257753" y="4862830"/>
+            <a:ext cx="1475741" cy="383540"/>
+          </a:xfrm>
+          <a:prstGeom prst="rect">
+            <a:avLst/>
+          </a:prstGeom>
+          <a:ln w="12700">
+            <a:miter lim="400000"/>
+          </a:ln>
+          <a:extLst>
+            <a:ext uri="{C572A759-6A51-4108-AA02-DFA0A04FC94B}">
+              <ma14:wrappingTextBoxFlag xmlns:ma14="http://schemas.microsoft.com/office/mac/drawingml/2011/main" val="1"/>
+            </a:ext>
+          </a:extLst>
+        </p:spPr>
+        <p:txBody>
+          <a:bodyPr wrap="none" lIns="45719" rIns="45719">
+            <a:spAutoFit/>
+          </a:bodyPr>
           <a:lstStyle/>
           <a:p>
             <a:r>
-              <a:rPr lang="en-US" dirty="0" smtClean="0"/>
-              <a:t>Compared to Wi-Fi lightbulbs</a:t>
-            </a:r>
-            <a:endParaRPr lang="en-US" dirty="0"/>
-          </a:p>
-          <a:p>
-            <a:pPr lvl="1"/>
-            <a:r>
-              <a:rPr lang="en-US" dirty="0" smtClean="0"/>
-              <a:t>Don’t need to replace an expensive lightbulb whenever it dies</a:t>
-            </a:r>
-          </a:p>
-          <a:p>
-            <a:pPr lvl="1"/>
-            <a:r>
-              <a:rPr lang="en-US" dirty="0" smtClean="0"/>
-              <a:t>More sophisticated and synchronized system/setup</a:t>
-            </a:r>
-          </a:p>
-          <a:p>
-            <a:r>
-              <a:rPr lang="en-US" dirty="0" smtClean="0"/>
-              <a:t>Compared to similar switches (such as the Belkin WeMo)</a:t>
-            </a:r>
-          </a:p>
-          <a:p>
-            <a:pPr lvl="1"/>
-            <a:r>
-              <a:rPr lang="en-US" dirty="0" smtClean="0"/>
-              <a:t>Motion Sensor</a:t>
-            </a:r>
-          </a:p>
-          <a:p>
-            <a:pPr lvl="1"/>
-            <a:r>
-              <a:rPr lang="en-US" dirty="0" smtClean="0"/>
-              <a:t>Rules</a:t>
-            </a:r>
-          </a:p>
-          <a:p>
-            <a:pPr lvl="1"/>
-            <a:r>
-              <a:rPr lang="en-US" dirty="0" smtClean="0"/>
-              <a:t>Web API</a:t>
-            </a:r>
-          </a:p>
-          <a:p>
-            <a:r>
-              <a:rPr lang="en-US" dirty="0" smtClean="0"/>
-              <a:t>Cheaper</a:t>
+              <a:t>************</a:t>
             </a:r>
           </a:p>
         </p:txBody>
@@ -6334,19 +6270,256 @@
     </p:spTree>
     <p:extLst>
       <p:ext uri="{BB962C8B-B14F-4D97-AF65-F5344CB8AC3E}">
-        <p14:creationId xmlns:p14="http://schemas.microsoft.com/office/powerpoint/2010/main" val="3903585292"/>
+        <p14:creationId xmlns:p14="http://schemas.microsoft.com/office/powerpoint/2010/main" val="1184193782"/>
       </p:ext>
     </p:extLst>
   </p:cSld>
   <p:clrMapOvr>
     <a:masterClrMapping/>
   </p:clrMapOvr>
+  <p:transition spd="slow"/>
   <p:timing>
     <p:tnLst>
       <p:par>
-        <p:cTn id="1" dur="indefinite" restart="never" nodeType="tmRoot"/>
+        <p:cTn id="1" dur="indefinite" restart="never" fill="hold" nodeType="tmRoot">
+          <p:childTnLst>
+            <p:seq concurrent="1" prevAc="none" nextAc="seek">
+              <p:cTn id="2" dur="indefinite" fill="hold" nodeType="mainSeq">
+                <p:childTnLst>
+                  <p:par>
+                    <p:cTn id="3" fill="hold">
+                      <p:stCondLst>
+                        <p:cond delay="indefinite"/>
+                      </p:stCondLst>
+                      <p:childTnLst>
+                        <p:par>
+                          <p:cTn id="4" fill="hold">
+                            <p:stCondLst>
+                              <p:cond delay="0"/>
+                            </p:stCondLst>
+                            <p:childTnLst>
+                              <p:par>
+                                <p:cTn id="5" presetID="1" presetClass="entr" presetSubtype="0" fill="hold" grpId="0" nodeType="clickEffect">
+                                  <p:stCondLst>
+                                    <p:cond delay="0"/>
+                                  </p:stCondLst>
+                                  <p:iterate>
+                                    <p:tmAbs val="0"/>
+                                  </p:iterate>
+                                  <p:childTnLst>
+                                    <p:set>
+                                      <p:cBhvr>
+                                        <p:cTn id="6" fill="hold"/>
+                                        <p:tgtEl>
+                                          <p:spTgt spid="187"/>
+                                        </p:tgtEl>
+                                        <p:attrNameLst>
+                                          <p:attrName>style.visibility</p:attrName>
+                                        </p:attrNameLst>
+                                      </p:cBhvr>
+                                      <p:to>
+                                        <p:strVal val="visible"/>
+                                      </p:to>
+                                    </p:set>
+                                  </p:childTnLst>
+                                </p:cTn>
+                              </p:par>
+                            </p:childTnLst>
+                          </p:cTn>
+                        </p:par>
+                      </p:childTnLst>
+                    </p:cTn>
+                  </p:par>
+                  <p:par>
+                    <p:cTn id="7" fill="hold">
+                      <p:stCondLst>
+                        <p:cond delay="indefinite"/>
+                      </p:stCondLst>
+                      <p:childTnLst>
+                        <p:par>
+                          <p:cTn id="8" fill="hold">
+                            <p:stCondLst>
+                              <p:cond delay="0"/>
+                            </p:stCondLst>
+                            <p:childTnLst>
+                              <p:par>
+                                <p:cTn id="9" presetID="1" presetClass="entr" presetSubtype="0" fill="hold" grpId="0" nodeType="clickEffect">
+                                  <p:stCondLst>
+                                    <p:cond delay="0"/>
+                                  </p:stCondLst>
+                                  <p:iterate>
+                                    <p:tmAbs val="0"/>
+                                  </p:iterate>
+                                  <p:childTnLst>
+                                    <p:set>
+                                      <p:cBhvr>
+                                        <p:cTn id="10" fill="hold"/>
+                                        <p:tgtEl>
+                                          <p:spTgt spid="188"/>
+                                        </p:tgtEl>
+                                        <p:attrNameLst>
+                                          <p:attrName>style.visibility</p:attrName>
+                                        </p:attrNameLst>
+                                      </p:cBhvr>
+                                      <p:to>
+                                        <p:strVal val="visible"/>
+                                      </p:to>
+                                    </p:set>
+                                  </p:childTnLst>
+                                </p:cTn>
+                              </p:par>
+                            </p:childTnLst>
+                          </p:cTn>
+                        </p:par>
+                      </p:childTnLst>
+                    </p:cTn>
+                  </p:par>
+                  <p:par>
+                    <p:cTn id="11" fill="hold">
+                      <p:stCondLst>
+                        <p:cond delay="indefinite"/>
+                      </p:stCondLst>
+                      <p:childTnLst>
+                        <p:par>
+                          <p:cTn id="12" fill="hold">
+                            <p:stCondLst>
+                              <p:cond delay="0"/>
+                            </p:stCondLst>
+                            <p:childTnLst>
+                              <p:par>
+                                <p:cTn id="13" presetID="1" presetClass="exit" presetSubtype="0" fill="hold" grpId="1" nodeType="clickEffect">
+                                  <p:stCondLst>
+                                    <p:cond delay="0"/>
+                                  </p:stCondLst>
+                                  <p:iterate>
+                                    <p:tmAbs val="0"/>
+                                  </p:iterate>
+                                  <p:childTnLst>
+                                    <p:set>
+                                      <p:cBhvr>
+                                        <p:cTn id="14" fill="hold">
+                                          <p:stCondLst>
+                                            <p:cond delay="0"/>
+                                          </p:stCondLst>
+                                        </p:cTn>
+                                        <p:tgtEl>
+                                          <p:spTgt spid="188"/>
+                                        </p:tgtEl>
+                                        <p:attrNameLst>
+                                          <p:attrName>style.visibility</p:attrName>
+                                        </p:attrNameLst>
+                                      </p:cBhvr>
+                                      <p:to>
+                                        <p:strVal val="hidden"/>
+                                      </p:to>
+                                    </p:set>
+                                  </p:childTnLst>
+                                </p:cTn>
+                              </p:par>
+                            </p:childTnLst>
+                          </p:cTn>
+                        </p:par>
+                        <p:par>
+                          <p:cTn id="15" fill="hold">
+                            <p:stCondLst>
+                              <p:cond delay="0"/>
+                            </p:stCondLst>
+                            <p:childTnLst>
+                              <p:par>
+                                <p:cTn id="16" presetID="1" presetClass="entr" presetSubtype="0" fill="hold" grpId="0" nodeType="afterEffect">
+                                  <p:stCondLst>
+                                    <p:cond delay="0"/>
+                                  </p:stCondLst>
+                                  <p:iterate>
+                                    <p:tmAbs val="0"/>
+                                  </p:iterate>
+                                  <p:childTnLst>
+                                    <p:set>
+                                      <p:cBhvr>
+                                        <p:cTn id="17" fill="hold"/>
+                                        <p:tgtEl>
+                                          <p:spTgt spid="189"/>
+                                        </p:tgtEl>
+                                        <p:attrNameLst>
+                                          <p:attrName>style.visibility</p:attrName>
+                                        </p:attrNameLst>
+                                      </p:cBhvr>
+                                      <p:to>
+                                        <p:strVal val="visible"/>
+                                      </p:to>
+                                    </p:set>
+                                  </p:childTnLst>
+                                </p:cTn>
+                              </p:par>
+                            </p:childTnLst>
+                          </p:cTn>
+                        </p:par>
+                        <p:par>
+                          <p:cTn id="18" fill="hold">
+                            <p:stCondLst>
+                              <p:cond delay="0"/>
+                            </p:stCondLst>
+                            <p:childTnLst>
+                              <p:par>
+                                <p:cTn id="19" presetID="1" presetClass="entr" presetSubtype="0" fill="hold" grpId="0" nodeType="afterEffect">
+                                  <p:stCondLst>
+                                    <p:cond delay="0"/>
+                                  </p:stCondLst>
+                                  <p:iterate>
+                                    <p:tmAbs val="0"/>
+                                  </p:iterate>
+                                  <p:childTnLst>
+                                    <p:set>
+                                      <p:cBhvr>
+                                        <p:cTn id="20" fill="hold"/>
+                                        <p:tgtEl>
+                                          <p:spTgt spid="190"/>
+                                        </p:tgtEl>
+                                        <p:attrNameLst>
+                                          <p:attrName>style.visibility</p:attrName>
+                                        </p:attrNameLst>
+                                      </p:cBhvr>
+                                      <p:to>
+                                        <p:strVal val="visible"/>
+                                      </p:to>
+                                    </p:set>
+                                  </p:childTnLst>
+                                </p:cTn>
+                              </p:par>
+                            </p:childTnLst>
+                          </p:cTn>
+                        </p:par>
+                      </p:childTnLst>
+                    </p:cTn>
+                  </p:par>
+                </p:childTnLst>
+              </p:cTn>
+              <p:prevCondLst>
+                <p:cond evt="onPrev" delay="0">
+                  <p:tgtEl>
+                    <p:sldTgt/>
+                  </p:tgtEl>
+                </p:cond>
+              </p:prevCondLst>
+              <p:nextCondLst>
+                <p:cond evt="onNext" delay="0">
+                  <p:tgtEl>
+                    <p:sldTgt/>
+                  </p:tgtEl>
+                </p:cond>
+              </p:nextCondLst>
+            </p:seq>
+          </p:childTnLst>
+        </p:cTn>
       </p:par>
     </p:tnLst>
+    <p:bldLst>
+      <p:bldP spid="187" grpId="0" animBg="1" advAuto="0"/>
+      <p:bldP spid="188" grpId="0" animBg="1" advAuto="0"/>
+      <p:bldP spid="188" grpId="1" animBg="1" advAuto="0"/>
+      <p:bldP spid="189" grpId="0" animBg="1" advAuto="0"/>
+      <p:bldP spid="190" grpId="0" animBg="1" advAuto="0"/>
+    </p:bldLst>
   </p:timing>
 </p:sld>
 </file>
@@ -6370,6 +6543,1080 @@
       </p:grpSpPr>
       <p:sp>
         <p:nvSpPr>
+          <p:cNvPr id="192" name="Shape 192"/>
+          <p:cNvSpPr>
+            <a:spLocks noGrp="1"/>
+          </p:cNvSpPr>
+          <p:nvPr>
+            <p:ph type="title"/>
+          </p:nvPr>
+        </p:nvSpPr>
+        <p:spPr>
+          <a:prstGeom prst="rect">
+            <a:avLst/>
+          </a:prstGeom>
+        </p:spPr>
+        <p:txBody>
+          <a:bodyPr/>
+          <a:lstStyle/>
+          <a:p>
+            <a:r>
+              <a:t>Frontend (UI)</a:t>
+            </a:r>
+          </a:p>
+          <a:p>
+            <a:pPr>
+              <a:defRPr sz="3500"/>
+            </a:pPr>
+            <a:r>
+              <a:t>continued…</a:t>
+            </a:r>
+          </a:p>
+        </p:txBody>
+      </p:sp>
+      <p:pic>
+        <p:nvPicPr>
+          <p:cNvPr id="193" name="2015-12-02-184040_1280x1024_scrot.png"/>
+          <p:cNvPicPr>
+            <a:picLocks noChangeAspect="1"/>
+          </p:cNvPicPr>
+          <p:nvPr/>
+        </p:nvPicPr>
+        <p:blipFill>
+          <a:blip r:embed="rId2">
+            <a:extLst/>
+          </a:blip>
+          <a:stretch>
+            <a:fillRect/>
+          </a:stretch>
+        </p:blipFill>
+        <p:spPr>
+          <a:xfrm>
+            <a:off x="0" y="2556762"/>
+            <a:ext cx="9144000" cy="2190960"/>
+          </a:xfrm>
+          <a:prstGeom prst="rect">
+            <a:avLst/>
+          </a:prstGeom>
+          <a:ln w="12700">
+            <a:miter lim="400000"/>
+          </a:ln>
+        </p:spPr>
+      </p:pic>
+      <p:pic>
+        <p:nvPicPr>
+          <p:cNvPr id="194" name="2015-12-02-185750_1280x1024_scrot.png"/>
+          <p:cNvPicPr>
+            <a:picLocks noChangeAspect="1"/>
+          </p:cNvPicPr>
+          <p:nvPr/>
+        </p:nvPicPr>
+        <p:blipFill>
+          <a:blip r:embed="rId3">
+            <a:extLst/>
+          </a:blip>
+          <a:stretch>
+            <a:fillRect/>
+          </a:stretch>
+        </p:blipFill>
+        <p:spPr>
+          <a:xfrm>
+            <a:off x="1816100" y="1681232"/>
+            <a:ext cx="5511800" cy="3060701"/>
+          </a:xfrm>
+          <a:prstGeom prst="rect">
+            <a:avLst/>
+          </a:prstGeom>
+          <a:ln w="12700">
+            <a:miter lim="400000"/>
+          </a:ln>
+        </p:spPr>
+      </p:pic>
+      <p:pic>
+        <p:nvPicPr>
+          <p:cNvPr id="195" name="2015-12-02-200411_1280x1024_scrot.png"/>
+          <p:cNvPicPr>
+            <a:picLocks noChangeAspect="1"/>
+          </p:cNvPicPr>
+          <p:nvPr/>
+        </p:nvPicPr>
+        <p:blipFill>
+          <a:blip r:embed="rId4">
+            <a:extLst/>
+          </a:blip>
+          <a:stretch>
+            <a:fillRect/>
+          </a:stretch>
+        </p:blipFill>
+        <p:spPr>
+          <a:xfrm>
+            <a:off x="141882" y="4872270"/>
+            <a:ext cx="9144001" cy="1615808"/>
+          </a:xfrm>
+          <a:prstGeom prst="rect">
+            <a:avLst/>
+          </a:prstGeom>
+          <a:ln w="12700">
+            <a:miter lim="400000"/>
+          </a:ln>
+        </p:spPr>
+      </p:pic>
+      <p:pic>
+        <p:nvPicPr>
+          <p:cNvPr id="196" name="2015-12-02-200833_1280x1024_scrot.png"/>
+          <p:cNvPicPr>
+            <a:picLocks noChangeAspect="1"/>
+          </p:cNvPicPr>
+          <p:nvPr/>
+        </p:nvPicPr>
+        <p:blipFill>
+          <a:blip r:embed="rId5">
+            <a:extLst/>
+          </a:blip>
+          <a:stretch>
+            <a:fillRect/>
+          </a:stretch>
+        </p:blipFill>
+        <p:spPr>
+          <a:xfrm>
+            <a:off x="412750" y="271611"/>
+            <a:ext cx="8318500" cy="2400301"/>
+          </a:xfrm>
+          <a:prstGeom prst="rect">
+            <a:avLst/>
+          </a:prstGeom>
+          <a:ln w="12700">
+            <a:miter lim="400000"/>
+          </a:ln>
+        </p:spPr>
+      </p:pic>
+      <p:sp>
+        <p:nvSpPr>
+          <p:cNvPr id="197" name="Shape 197"/>
+          <p:cNvSpPr/>
+          <p:nvPr/>
+        </p:nvSpPr>
+        <p:spPr>
+          <a:xfrm>
+            <a:off x="2704744" y="4017243"/>
+            <a:ext cx="479765" cy="455834"/>
+          </a:xfrm>
+          <a:prstGeom prst="star5">
+            <a:avLst>
+              <a:gd name="adj" fmla="val 19100"/>
+              <a:gd name="hf" fmla="val 105146"/>
+              <a:gd name="vf" fmla="val 110557"/>
+            </a:avLst>
+          </a:prstGeom>
+          <a:solidFill>
+            <a:schemeClr val="accent3"/>
+          </a:solidFill>
+          <a:ln w="12700">
+            <a:miter lim="400000"/>
+          </a:ln>
+        </p:spPr>
+        <p:txBody>
+          <a:bodyPr lIns="45719" rIns="45719" anchor="ctr"/>
+          <a:lstStyle/>
+          <a:p>
+            <a:pPr>
+              <a:defRPr>
+                <a:solidFill>
+                  <a:srgbClr val="FFFFFF"/>
+                </a:solidFill>
+              </a:defRPr>
+            </a:pPr>
+            <a:endParaRPr/>
+          </a:p>
+        </p:txBody>
+      </p:sp>
+      <p:sp>
+        <p:nvSpPr>
+          <p:cNvPr id="198" name="Shape 198"/>
+          <p:cNvSpPr/>
+          <p:nvPr/>
+        </p:nvSpPr>
+        <p:spPr>
+          <a:xfrm>
+            <a:off x="7784744" y="4017243"/>
+            <a:ext cx="479764" cy="455834"/>
+          </a:xfrm>
+          <a:prstGeom prst="star5">
+            <a:avLst>
+              <a:gd name="adj" fmla="val 19100"/>
+              <a:gd name="hf" fmla="val 105146"/>
+              <a:gd name="vf" fmla="val 110557"/>
+            </a:avLst>
+          </a:prstGeom>
+          <a:solidFill>
+            <a:schemeClr val="accent3"/>
+          </a:solidFill>
+          <a:ln w="12700">
+            <a:miter lim="400000"/>
+          </a:ln>
+        </p:spPr>
+        <p:txBody>
+          <a:bodyPr lIns="45719" rIns="45719" anchor="ctr"/>
+          <a:lstStyle/>
+          <a:p>
+            <a:pPr>
+              <a:defRPr>
+                <a:solidFill>
+                  <a:srgbClr val="FFFFFF"/>
+                </a:solidFill>
+              </a:defRPr>
+            </a:pPr>
+            <a:endParaRPr/>
+          </a:p>
+        </p:txBody>
+      </p:sp>
+    </p:spTree>
+    <p:extLst>
+      <p:ext uri="{BB962C8B-B14F-4D97-AF65-F5344CB8AC3E}">
+        <p14:creationId xmlns:p14="http://schemas.microsoft.com/office/powerpoint/2010/main" val="724192358"/>
+      </p:ext>
+    </p:extLst>
+  </p:cSld>
+  <p:clrMapOvr>
+    <a:masterClrMapping/>
+  </p:clrMapOvr>
+  <p:transition spd="slow"/>
+  <p:timing>
+    <p:tnLst>
+      <p:par>
+        <p:cTn id="1" dur="indefinite" restart="never" fill="hold" nodeType="tmRoot">
+          <p:childTnLst>
+            <p:seq concurrent="1" prevAc="none" nextAc="seek">
+              <p:cTn id="2" dur="indefinite" fill="hold" nodeType="mainSeq">
+                <p:childTnLst>
+                  <p:par>
+                    <p:cTn id="3" fill="hold">
+                      <p:stCondLst>
+                        <p:cond delay="indefinite"/>
+                      </p:stCondLst>
+                      <p:childTnLst>
+                        <p:par>
+                          <p:cTn id="4" fill="hold">
+                            <p:stCondLst>
+                              <p:cond delay="0"/>
+                            </p:stCondLst>
+                            <p:childTnLst>
+                              <p:par>
+                                <p:cTn id="5" presetID="1" presetClass="entr" presetSubtype="0" fill="hold" grpId="0" nodeType="clickEffect">
+                                  <p:stCondLst>
+                                    <p:cond delay="0"/>
+                                  </p:stCondLst>
+                                  <p:iterate>
+                                    <p:tmAbs val="0"/>
+                                  </p:iterate>
+                                  <p:childTnLst>
+                                    <p:set>
+                                      <p:cBhvr>
+                                        <p:cTn id="6" fill="hold"/>
+                                        <p:tgtEl>
+                                          <p:spTgt spid="194"/>
+                                        </p:tgtEl>
+                                        <p:attrNameLst>
+                                          <p:attrName>style.visibility</p:attrName>
+                                        </p:attrNameLst>
+                                      </p:cBhvr>
+                                      <p:to>
+                                        <p:strVal val="visible"/>
+                                      </p:to>
+                                    </p:set>
+                                  </p:childTnLst>
+                                </p:cTn>
+                              </p:par>
+                            </p:childTnLst>
+                          </p:cTn>
+                        </p:par>
+                      </p:childTnLst>
+                    </p:cTn>
+                  </p:par>
+                  <p:par>
+                    <p:cTn id="7" fill="hold">
+                      <p:stCondLst>
+                        <p:cond delay="indefinite"/>
+                      </p:stCondLst>
+                      <p:childTnLst>
+                        <p:par>
+                          <p:cTn id="8" fill="hold">
+                            <p:stCondLst>
+                              <p:cond delay="0"/>
+                            </p:stCondLst>
+                            <p:childTnLst>
+                              <p:par>
+                                <p:cTn id="9" presetID="1" presetClass="exit" presetSubtype="0" fill="hold" grpId="1" nodeType="clickEffect">
+                                  <p:stCondLst>
+                                    <p:cond delay="0"/>
+                                  </p:stCondLst>
+                                  <p:iterate>
+                                    <p:tmAbs val="0"/>
+                                  </p:iterate>
+                                  <p:childTnLst>
+                                    <p:set>
+                                      <p:cBhvr>
+                                        <p:cTn id="10" fill="hold">
+                                          <p:stCondLst>
+                                            <p:cond delay="0"/>
+                                          </p:stCondLst>
+                                        </p:cTn>
+                                        <p:tgtEl>
+                                          <p:spTgt spid="194"/>
+                                        </p:tgtEl>
+                                        <p:attrNameLst>
+                                          <p:attrName>style.visibility</p:attrName>
+                                        </p:attrNameLst>
+                                      </p:cBhvr>
+                                      <p:to>
+                                        <p:strVal val="hidden"/>
+                                      </p:to>
+                                    </p:set>
+                                  </p:childTnLst>
+                                </p:cTn>
+                              </p:par>
+                            </p:childTnLst>
+                          </p:cTn>
+                        </p:par>
+                        <p:par>
+                          <p:cTn id="11" fill="hold">
+                            <p:stCondLst>
+                              <p:cond delay="0"/>
+                            </p:stCondLst>
+                            <p:childTnLst>
+                              <p:par>
+                                <p:cTn id="12" presetID="1" presetClass="entr" presetSubtype="0" fill="hold" grpId="0" nodeType="afterEffect">
+                                  <p:stCondLst>
+                                    <p:cond delay="0"/>
+                                  </p:stCondLst>
+                                  <p:iterate>
+                                    <p:tmAbs val="0"/>
+                                  </p:iterate>
+                                  <p:childTnLst>
+                                    <p:set>
+                                      <p:cBhvr>
+                                        <p:cTn id="13" fill="hold"/>
+                                        <p:tgtEl>
+                                          <p:spTgt spid="193"/>
+                                        </p:tgtEl>
+                                        <p:attrNameLst>
+                                          <p:attrName>style.visibility</p:attrName>
+                                        </p:attrNameLst>
+                                      </p:cBhvr>
+                                      <p:to>
+                                        <p:strVal val="visible"/>
+                                      </p:to>
+                                    </p:set>
+                                  </p:childTnLst>
+                                </p:cTn>
+                              </p:par>
+                            </p:childTnLst>
+                          </p:cTn>
+                        </p:par>
+                      </p:childTnLst>
+                    </p:cTn>
+                  </p:par>
+                  <p:par>
+                    <p:cTn id="14" fill="hold">
+                      <p:stCondLst>
+                        <p:cond delay="indefinite"/>
+                      </p:stCondLst>
+                      <p:childTnLst>
+                        <p:par>
+                          <p:cTn id="15" fill="hold">
+                            <p:stCondLst>
+                              <p:cond delay="0"/>
+                            </p:stCondLst>
+                            <p:childTnLst>
+                              <p:par>
+                                <p:cTn id="16" presetID="1" presetClass="entr" presetSubtype="0" fill="hold" grpId="0" nodeType="clickEffect">
+                                  <p:stCondLst>
+                                    <p:cond delay="0"/>
+                                  </p:stCondLst>
+                                  <p:iterate>
+                                    <p:tmAbs val="0"/>
+                                  </p:iterate>
+                                  <p:childTnLst>
+                                    <p:set>
+                                      <p:cBhvr>
+                                        <p:cTn id="17" fill="hold"/>
+                                        <p:tgtEl>
+                                          <p:spTgt spid="197"/>
+                                        </p:tgtEl>
+                                        <p:attrNameLst>
+                                          <p:attrName>style.visibility</p:attrName>
+                                        </p:attrNameLst>
+                                      </p:cBhvr>
+                                      <p:to>
+                                        <p:strVal val="visible"/>
+                                      </p:to>
+                                    </p:set>
+                                  </p:childTnLst>
+                                </p:cTn>
+                              </p:par>
+                            </p:childTnLst>
+                          </p:cTn>
+                        </p:par>
+                      </p:childTnLst>
+                    </p:cTn>
+                  </p:par>
+                  <p:par>
+                    <p:cTn id="18" fill="hold">
+                      <p:stCondLst>
+                        <p:cond delay="indefinite"/>
+                      </p:stCondLst>
+                      <p:childTnLst>
+                        <p:par>
+                          <p:cTn id="19" fill="hold">
+                            <p:stCondLst>
+                              <p:cond delay="0"/>
+                            </p:stCondLst>
+                            <p:childTnLst>
+                              <p:par>
+                                <p:cTn id="20" presetID="1" presetClass="entr" presetSubtype="0" fill="hold" grpId="0" nodeType="clickEffect">
+                                  <p:stCondLst>
+                                    <p:cond delay="0"/>
+                                  </p:stCondLst>
+                                  <p:iterate>
+                                    <p:tmAbs val="0"/>
+                                  </p:iterate>
+                                  <p:childTnLst>
+                                    <p:set>
+                                      <p:cBhvr>
+                                        <p:cTn id="21" fill="hold"/>
+                                        <p:tgtEl>
+                                          <p:spTgt spid="196"/>
+                                        </p:tgtEl>
+                                        <p:attrNameLst>
+                                          <p:attrName>style.visibility</p:attrName>
+                                        </p:attrNameLst>
+                                      </p:cBhvr>
+                                      <p:to>
+                                        <p:strVal val="visible"/>
+                                      </p:to>
+                                    </p:set>
+                                  </p:childTnLst>
+                                </p:cTn>
+                              </p:par>
+                            </p:childTnLst>
+                          </p:cTn>
+                        </p:par>
+                      </p:childTnLst>
+                    </p:cTn>
+                  </p:par>
+                  <p:par>
+                    <p:cTn id="22" fill="hold">
+                      <p:stCondLst>
+                        <p:cond delay="indefinite"/>
+                      </p:stCondLst>
+                      <p:childTnLst>
+                        <p:par>
+                          <p:cTn id="23" fill="hold">
+                            <p:stCondLst>
+                              <p:cond delay="0"/>
+                            </p:stCondLst>
+                            <p:childTnLst>
+                              <p:par>
+                                <p:cTn id="24" presetID="1" presetClass="exit" presetSubtype="0" fill="hold" grpId="1" nodeType="clickEffect">
+                                  <p:stCondLst>
+                                    <p:cond delay="0"/>
+                                  </p:stCondLst>
+                                  <p:iterate>
+                                    <p:tmAbs val="0"/>
+                                  </p:iterate>
+                                  <p:childTnLst>
+                                    <p:set>
+                                      <p:cBhvr>
+                                        <p:cTn id="25" fill="hold">
+                                          <p:stCondLst>
+                                            <p:cond delay="0"/>
+                                          </p:stCondLst>
+                                        </p:cTn>
+                                        <p:tgtEl>
+                                          <p:spTgt spid="196"/>
+                                        </p:tgtEl>
+                                        <p:attrNameLst>
+                                          <p:attrName>style.visibility</p:attrName>
+                                        </p:attrNameLst>
+                                      </p:cBhvr>
+                                      <p:to>
+                                        <p:strVal val="hidden"/>
+                                      </p:to>
+                                    </p:set>
+                                  </p:childTnLst>
+                                </p:cTn>
+                              </p:par>
+                            </p:childTnLst>
+                          </p:cTn>
+                        </p:par>
+                        <p:par>
+                          <p:cTn id="26" fill="hold">
+                            <p:stCondLst>
+                              <p:cond delay="0"/>
+                            </p:stCondLst>
+                            <p:childTnLst>
+                              <p:par>
+                                <p:cTn id="27" presetID="1" presetClass="exit" presetSubtype="0" fill="hold" grpId="1" nodeType="afterEffect">
+                                  <p:stCondLst>
+                                    <p:cond delay="0"/>
+                                  </p:stCondLst>
+                                  <p:iterate>
+                                    <p:tmAbs val="0"/>
+                                  </p:iterate>
+                                  <p:childTnLst>
+                                    <p:set>
+                                      <p:cBhvr>
+                                        <p:cTn id="28" fill="hold">
+                                          <p:stCondLst>
+                                            <p:cond delay="0"/>
+                                          </p:stCondLst>
+                                        </p:cTn>
+                                        <p:tgtEl>
+                                          <p:spTgt spid="197"/>
+                                        </p:tgtEl>
+                                        <p:attrNameLst>
+                                          <p:attrName>style.visibility</p:attrName>
+                                        </p:attrNameLst>
+                                      </p:cBhvr>
+                                      <p:to>
+                                        <p:strVal val="hidden"/>
+                                      </p:to>
+                                    </p:set>
+                                  </p:childTnLst>
+                                </p:cTn>
+                              </p:par>
+                            </p:childTnLst>
+                          </p:cTn>
+                        </p:par>
+                        <p:par>
+                          <p:cTn id="29" fill="hold">
+                            <p:stCondLst>
+                              <p:cond delay="0"/>
+                            </p:stCondLst>
+                            <p:childTnLst>
+                              <p:par>
+                                <p:cTn id="30" presetID="1" presetClass="entr" presetSubtype="0" fill="hold" grpId="0" nodeType="afterEffect">
+                                  <p:stCondLst>
+                                    <p:cond delay="0"/>
+                                  </p:stCondLst>
+                                  <p:iterate>
+                                    <p:tmAbs val="0"/>
+                                  </p:iterate>
+                                  <p:childTnLst>
+                                    <p:set>
+                                      <p:cBhvr>
+                                        <p:cTn id="31" fill="hold"/>
+                                        <p:tgtEl>
+                                          <p:spTgt spid="198"/>
+                                        </p:tgtEl>
+                                        <p:attrNameLst>
+                                          <p:attrName>style.visibility</p:attrName>
+                                        </p:attrNameLst>
+                                      </p:cBhvr>
+                                      <p:to>
+                                        <p:strVal val="visible"/>
+                                      </p:to>
+                                    </p:set>
+                                  </p:childTnLst>
+                                </p:cTn>
+                              </p:par>
+                            </p:childTnLst>
+                          </p:cTn>
+                        </p:par>
+                      </p:childTnLst>
+                    </p:cTn>
+                  </p:par>
+                  <p:par>
+                    <p:cTn id="32" fill="hold">
+                      <p:stCondLst>
+                        <p:cond delay="indefinite"/>
+                      </p:stCondLst>
+                      <p:childTnLst>
+                        <p:par>
+                          <p:cTn id="33" fill="hold">
+                            <p:stCondLst>
+                              <p:cond delay="0"/>
+                            </p:stCondLst>
+                            <p:childTnLst>
+                              <p:par>
+                                <p:cTn id="34" presetID="1" presetClass="entr" presetSubtype="0" fill="hold" grpId="0" nodeType="clickEffect">
+                                  <p:stCondLst>
+                                    <p:cond delay="0"/>
+                                  </p:stCondLst>
+                                  <p:iterate>
+                                    <p:tmAbs val="0"/>
+                                  </p:iterate>
+                                  <p:childTnLst>
+                                    <p:set>
+                                      <p:cBhvr>
+                                        <p:cTn id="35" fill="hold"/>
+                                        <p:tgtEl>
+                                          <p:spTgt spid="195"/>
+                                        </p:tgtEl>
+                                        <p:attrNameLst>
+                                          <p:attrName>style.visibility</p:attrName>
+                                        </p:attrNameLst>
+                                      </p:cBhvr>
+                                      <p:to>
+                                        <p:strVal val="visible"/>
+                                      </p:to>
+                                    </p:set>
+                                  </p:childTnLst>
+                                </p:cTn>
+                              </p:par>
+                            </p:childTnLst>
+                          </p:cTn>
+                        </p:par>
+                      </p:childTnLst>
+                    </p:cTn>
+                  </p:par>
+                </p:childTnLst>
+              </p:cTn>
+              <p:prevCondLst>
+                <p:cond evt="onPrev" delay="0">
+                  <p:tgtEl>
+                    <p:sldTgt/>
+                  </p:tgtEl>
+                </p:cond>
+              </p:prevCondLst>
+              <p:nextCondLst>
+                <p:cond evt="onNext" delay="0">
+                  <p:tgtEl>
+                    <p:sldTgt/>
+                  </p:tgtEl>
+                </p:cond>
+              </p:nextCondLst>
+            </p:seq>
+          </p:childTnLst>
+        </p:cTn>
+      </p:par>
+    </p:tnLst>
+    <p:bldLst>
+      <p:bldP spid="193" grpId="0" animBg="1" advAuto="0"/>
+      <p:bldP spid="194" grpId="0" animBg="1" advAuto="0"/>
+      <p:bldP spid="194" grpId="1" animBg="1" advAuto="0"/>
+      <p:bldP spid="195" grpId="0" animBg="1" advAuto="0"/>
+      <p:bldP spid="196" grpId="0" animBg="1" advAuto="0"/>
+      <p:bldP spid="196" grpId="1" animBg="1" advAuto="0"/>
+      <p:bldP spid="197" grpId="0" animBg="1" advAuto="0"/>
+      <p:bldP spid="197" grpId="1" animBg="1" advAuto="0"/>
+      <p:bldP spid="198" grpId="0" animBg="1" advAuto="0"/>
+    </p:bldLst>
+  </p:timing>
+</p:sld>
+</file>
+
+<file path=ppt/slides/slide12.xml><?xml version="1.0" encoding="utf-8"?>
+<p:sld xmlns:a="http://schemas.openxmlformats.org/drawingml/2006/main" xmlns:r="http://schemas.openxmlformats.org/officeDocument/2006/relationships" xmlns:p="http://schemas.openxmlformats.org/presentationml/2006/main">
+  <p:cSld>
+    <p:spTree>
+      <p:nvGrpSpPr>
+        <p:cNvPr id="1" name=""/>
+        <p:cNvGrpSpPr/>
+        <p:nvPr/>
+      </p:nvGrpSpPr>
+      <p:grpSpPr>
+        <a:xfrm>
+          <a:off x="0" y="0"/>
+          <a:ext cx="0" cy="0"/>
+          <a:chOff x="0" y="0"/>
+          <a:chExt cx="0" cy="0"/>
+        </a:xfrm>
+      </p:grpSpPr>
+      <p:sp>
+        <p:nvSpPr>
+          <p:cNvPr id="200" name="Shape 200"/>
+          <p:cNvSpPr>
+            <a:spLocks noGrp="1"/>
+          </p:cNvSpPr>
+          <p:nvPr>
+            <p:ph type="title"/>
+          </p:nvPr>
+        </p:nvSpPr>
+        <p:spPr>
+          <a:prstGeom prst="rect">
+            <a:avLst/>
+          </a:prstGeom>
+        </p:spPr>
+        <p:txBody>
+          <a:bodyPr/>
+          <a:lstStyle/>
+          <a:p>
+            <a:r>
+              <a:t>Frontend (UI)</a:t>
+            </a:r>
+          </a:p>
+          <a:p>
+            <a:pPr>
+              <a:defRPr sz="3500"/>
+            </a:pPr>
+            <a:r>
+              <a:t>continued…</a:t>
+            </a:r>
+          </a:p>
+        </p:txBody>
+      </p:sp>
+      <p:sp>
+        <p:nvSpPr>
+          <p:cNvPr id="201" name="Shape 201"/>
+          <p:cNvSpPr>
+            <a:spLocks noGrp="1"/>
+          </p:cNvSpPr>
+          <p:nvPr>
+            <p:ph type="body" idx="1"/>
+          </p:nvPr>
+        </p:nvSpPr>
+        <p:spPr>
+          <a:prstGeom prst="rect">
+            <a:avLst/>
+          </a:prstGeom>
+        </p:spPr>
+        <p:txBody>
+          <a:bodyPr/>
+          <a:lstStyle/>
+          <a:p>
+            <a:pPr>
+              <a:buBlip>
+                <a:blip r:embed="rId2"/>
+              </a:buBlip>
+            </a:pPr>
+            <a:endParaRPr/>
+          </a:p>
+        </p:txBody>
+      </p:sp>
+      <p:pic>
+        <p:nvPicPr>
+          <p:cNvPr id="202" name="2015-12-02-160412_1280x1024_scrot.png"/>
+          <p:cNvPicPr>
+            <a:picLocks noChangeAspect="1"/>
+          </p:cNvPicPr>
+          <p:nvPr/>
+        </p:nvPicPr>
+        <p:blipFill>
+          <a:blip r:embed="rId3">
+            <a:extLst/>
+          </a:blip>
+          <a:stretch>
+            <a:fillRect/>
+          </a:stretch>
+        </p:blipFill>
+        <p:spPr>
+          <a:xfrm>
+            <a:off x="853865" y="0"/>
+            <a:ext cx="7966992" cy="6858000"/>
+          </a:xfrm>
+          <a:prstGeom prst="rect">
+            <a:avLst/>
+          </a:prstGeom>
+          <a:ln w="12700">
+            <a:miter lim="400000"/>
+          </a:ln>
+        </p:spPr>
+      </p:pic>
+      <p:pic>
+        <p:nvPicPr>
+          <p:cNvPr id="203" name="2015-12-02-160702_1280x1024_scrot.png"/>
+          <p:cNvPicPr>
+            <a:picLocks noChangeAspect="1"/>
+          </p:cNvPicPr>
+          <p:nvPr/>
+        </p:nvPicPr>
+        <p:blipFill>
+          <a:blip r:embed="rId4">
+            <a:extLst/>
+          </a:blip>
+          <a:stretch>
+            <a:fillRect/>
+          </a:stretch>
+        </p:blipFill>
+        <p:spPr>
+          <a:xfrm>
+            <a:off x="0" y="644619"/>
+            <a:ext cx="9144000" cy="5568762"/>
+          </a:xfrm>
+          <a:prstGeom prst="rect">
+            <a:avLst/>
+          </a:prstGeom>
+          <a:ln w="12700">
+            <a:miter lim="400000"/>
+          </a:ln>
+        </p:spPr>
+      </p:pic>
+    </p:spTree>
+    <p:extLst>
+      <p:ext uri="{BB962C8B-B14F-4D97-AF65-F5344CB8AC3E}">
+        <p14:creationId xmlns:p14="http://schemas.microsoft.com/office/powerpoint/2010/main" val="1148160324"/>
+      </p:ext>
+    </p:extLst>
+  </p:cSld>
+  <p:clrMapOvr>
+    <a:masterClrMapping/>
+  </p:clrMapOvr>
+  <p:transition spd="slow"/>
+  <p:timing>
+    <p:tnLst>
+      <p:par>
+        <p:cTn id="1" dur="indefinite" restart="never" fill="hold" nodeType="tmRoot">
+          <p:childTnLst>
+            <p:seq concurrent="1" prevAc="none" nextAc="seek">
+              <p:cTn id="2" dur="indefinite" fill="hold" nodeType="mainSeq">
+                <p:childTnLst>
+                  <p:par>
+                    <p:cTn id="3" fill="hold">
+                      <p:stCondLst>
+                        <p:cond delay="indefinite"/>
+                      </p:stCondLst>
+                      <p:childTnLst>
+                        <p:par>
+                          <p:cTn id="4" fill="hold">
+                            <p:stCondLst>
+                              <p:cond delay="0"/>
+                            </p:stCondLst>
+                            <p:childTnLst>
+                              <p:par>
+                                <p:cTn id="5" presetID="1" presetClass="entr" presetSubtype="0" fill="hold" grpId="0" nodeType="clickEffect">
+                                  <p:stCondLst>
+                                    <p:cond delay="0"/>
+                                  </p:stCondLst>
+                                  <p:iterate>
+                                    <p:tmAbs val="0"/>
+                                  </p:iterate>
+                                  <p:childTnLst>
+                                    <p:set>
+                                      <p:cBhvr>
+                                        <p:cTn id="6" fill="hold"/>
+                                        <p:tgtEl>
+                                          <p:spTgt spid="202"/>
+                                        </p:tgtEl>
+                                        <p:attrNameLst>
+                                          <p:attrName>style.visibility</p:attrName>
+                                        </p:attrNameLst>
+                                      </p:cBhvr>
+                                      <p:to>
+                                        <p:strVal val="visible"/>
+                                      </p:to>
+                                    </p:set>
+                                  </p:childTnLst>
+                                </p:cTn>
+                              </p:par>
+                            </p:childTnLst>
+                          </p:cTn>
+                        </p:par>
+                      </p:childTnLst>
+                    </p:cTn>
+                  </p:par>
+                  <p:par>
+                    <p:cTn id="7" fill="hold">
+                      <p:stCondLst>
+                        <p:cond delay="indefinite"/>
+                      </p:stCondLst>
+                      <p:childTnLst>
+                        <p:par>
+                          <p:cTn id="8" fill="hold">
+                            <p:stCondLst>
+                              <p:cond delay="0"/>
+                            </p:stCondLst>
+                            <p:childTnLst>
+                              <p:par>
+                                <p:cTn id="9" presetID="1" presetClass="exit" presetSubtype="0" fill="hold" grpId="1" nodeType="clickEffect">
+                                  <p:stCondLst>
+                                    <p:cond delay="0"/>
+                                  </p:stCondLst>
+                                  <p:iterate>
+                                    <p:tmAbs val="0"/>
+                                  </p:iterate>
+                                  <p:childTnLst>
+                                    <p:set>
+                                      <p:cBhvr>
+                                        <p:cTn id="10" fill="hold">
+                                          <p:stCondLst>
+                                            <p:cond delay="0"/>
+                                          </p:stCondLst>
+                                        </p:cTn>
+                                        <p:tgtEl>
+                                          <p:spTgt spid="202"/>
+                                        </p:tgtEl>
+                                        <p:attrNameLst>
+                                          <p:attrName>style.visibility</p:attrName>
+                                        </p:attrNameLst>
+                                      </p:cBhvr>
+                                      <p:to>
+                                        <p:strVal val="hidden"/>
+                                      </p:to>
+                                    </p:set>
+                                  </p:childTnLst>
+                                </p:cTn>
+                              </p:par>
+                            </p:childTnLst>
+                          </p:cTn>
+                        </p:par>
+                        <p:par>
+                          <p:cTn id="11" fill="hold">
+                            <p:stCondLst>
+                              <p:cond delay="0"/>
+                            </p:stCondLst>
+                            <p:childTnLst>
+                              <p:par>
+                                <p:cTn id="12" presetID="1" presetClass="entr" presetSubtype="0" fill="hold" grpId="0" nodeType="afterEffect">
+                                  <p:stCondLst>
+                                    <p:cond delay="0"/>
+                                  </p:stCondLst>
+                                  <p:iterate>
+                                    <p:tmAbs val="0"/>
+                                  </p:iterate>
+                                  <p:childTnLst>
+                                    <p:set>
+                                      <p:cBhvr>
+                                        <p:cTn id="13" fill="hold"/>
+                                        <p:tgtEl>
+                                          <p:spTgt spid="203"/>
+                                        </p:tgtEl>
+                                        <p:attrNameLst>
+                                          <p:attrName>style.visibility</p:attrName>
+                                        </p:attrNameLst>
+                                      </p:cBhvr>
+                                      <p:to>
+                                        <p:strVal val="visible"/>
+                                      </p:to>
+                                    </p:set>
+                                  </p:childTnLst>
+                                </p:cTn>
+                              </p:par>
+                            </p:childTnLst>
+                          </p:cTn>
+                        </p:par>
+                      </p:childTnLst>
+                    </p:cTn>
+                  </p:par>
+                </p:childTnLst>
+              </p:cTn>
+              <p:prevCondLst>
+                <p:cond evt="onPrev" delay="0">
+                  <p:tgtEl>
+                    <p:sldTgt/>
+                  </p:tgtEl>
+                </p:cond>
+              </p:prevCondLst>
+              <p:nextCondLst>
+                <p:cond evt="onNext" delay="0">
+                  <p:tgtEl>
+                    <p:sldTgt/>
+                  </p:tgtEl>
+                </p:cond>
+              </p:nextCondLst>
+            </p:seq>
+          </p:childTnLst>
+        </p:cTn>
+      </p:par>
+    </p:tnLst>
+    <p:bldLst>
+      <p:bldP spid="202" grpId="0" animBg="1" advAuto="0"/>
+      <p:bldP spid="202" grpId="1" animBg="1" advAuto="0"/>
+      <p:bldP spid="203" grpId="0" animBg="1" advAuto="0"/>
+    </p:bldLst>
+  </p:timing>
+</p:sld>
+</file>
+
+<file path=ppt/slides/slide13.xml><?xml version="1.0" encoding="utf-8"?>
+<p:sld xmlns:a="http://schemas.openxmlformats.org/drawingml/2006/main" xmlns:r="http://schemas.openxmlformats.org/officeDocument/2006/relationships" xmlns:p="http://schemas.openxmlformats.org/presentationml/2006/main">
+  <p:cSld>
+    <p:spTree>
+      <p:nvGrpSpPr>
+        <p:cNvPr id="1" name=""/>
+        <p:cNvGrpSpPr/>
+        <p:nvPr/>
+      </p:nvGrpSpPr>
+      <p:grpSpPr>
+        <a:xfrm>
+          <a:off x="0" y="0"/>
+          <a:ext cx="0" cy="0"/>
+          <a:chOff x="0" y="0"/>
+          <a:chExt cx="0" cy="0"/>
+        </a:xfrm>
+      </p:grpSpPr>
+      <p:sp>
+        <p:nvSpPr>
+          <p:cNvPr id="2" name="Title 1"/>
+          <p:cNvSpPr>
+            <a:spLocks noGrp="1"/>
+          </p:cNvSpPr>
+          <p:nvPr>
+            <p:ph type="title"/>
+          </p:nvPr>
+        </p:nvSpPr>
+        <p:spPr/>
+        <p:txBody>
+          <a:bodyPr/>
+          <a:lstStyle/>
+          <a:p>
+            <a:r>
+              <a:rPr lang="en-US" dirty="0" smtClean="0"/>
+              <a:t>Changes</a:t>
+            </a:r>
+            <a:endParaRPr lang="en-US" dirty="0"/>
+          </a:p>
+        </p:txBody>
+      </p:sp>
+      <p:sp>
+        <p:nvSpPr>
+          <p:cNvPr id="3" name="Content Placeholder 2"/>
+          <p:cNvSpPr>
+            <a:spLocks noGrp="1"/>
+          </p:cNvSpPr>
+          <p:nvPr>
+            <p:ph idx="1"/>
+          </p:nvPr>
+        </p:nvSpPr>
+        <p:spPr/>
+        <p:txBody>
+          <a:bodyPr/>
+          <a:lstStyle/>
+          <a:p>
+            <a:r>
+              <a:rPr lang="en-US" dirty="0" smtClean="0"/>
+              <a:t>Switched from Arduino Pro Mini with an ESP8266 module to a </a:t>
+            </a:r>
+            <a:r>
+              <a:rPr lang="en-US" smtClean="0"/>
+              <a:t>NodeMCU</a:t>
+            </a:r>
+            <a:endParaRPr lang="en-US"/>
+          </a:p>
+        </p:txBody>
+      </p:sp>
+    </p:spTree>
+    <p:extLst>
+      <p:ext uri="{BB962C8B-B14F-4D97-AF65-F5344CB8AC3E}">
+        <p14:creationId xmlns:p14="http://schemas.microsoft.com/office/powerpoint/2010/main" val="2089127264"/>
+      </p:ext>
+    </p:extLst>
+  </p:cSld>
+  <p:clrMapOvr>
+    <a:masterClrMapping/>
+  </p:clrMapOvr>
+</p:sld>
+</file>
+
+<file path=ppt/slides/slide14.xml><?xml version="1.0" encoding="utf-8"?>
+<p:sld xmlns:a="http://schemas.openxmlformats.org/drawingml/2006/main" xmlns:r="http://schemas.openxmlformats.org/officeDocument/2006/relationships" xmlns:p="http://schemas.openxmlformats.org/presentationml/2006/main">
+  <p:cSld>
+    <p:spTree>
+      <p:nvGrpSpPr>
+        <p:cNvPr id="1" name=""/>
+        <p:cNvGrpSpPr/>
+        <p:nvPr/>
+      </p:nvGrpSpPr>
+      <p:grpSpPr>
+        <a:xfrm>
+          <a:off x="0" y="0"/>
+          <a:ext cx="0" cy="0"/>
+          <a:chOff x="0" y="0"/>
+          <a:chExt cx="0" cy="0"/>
+        </a:xfrm>
+      </p:grpSpPr>
+      <p:sp>
+        <p:nvSpPr>
           <p:cNvPr id="2" name="Title 1"/>
           <p:cNvSpPr>
             <a:spLocks noGrp="1"/>
@@ -6466,7 +7713,7 @@
 </p:sld>
 </file>
 
-<file path=ppt/slides/slide12.xml><?xml version="1.0" encoding="utf-8"?>
+<file path=ppt/slides/slide15.xml><?xml version="1.0" encoding="utf-8"?>
 <p:sld xmlns:a="http://schemas.openxmlformats.org/drawingml/2006/main" xmlns:r="http://schemas.openxmlformats.org/officeDocument/2006/relationships" xmlns:p="http://schemas.openxmlformats.org/presentationml/2006/main">
   <p:cSld>
     <p:spTree>
@@ -6543,66 +7790,6 @@
           <a:chExt cx="0" cy="0"/>
         </a:xfrm>
       </p:grpSpPr>
-      <p:pic>
-        <p:nvPicPr>
-          <p:cNvPr id="6" name="Picture 5" descr="tumblr_lfo0gz7n2T1qc9h2yo1_500.png"/>
-          <p:cNvPicPr>
-            <a:picLocks noChangeAspect="1"/>
-          </p:cNvPicPr>
-          <p:nvPr/>
-        </p:nvPicPr>
-        <p:blipFill>
-          <a:blip r:embed="rId3" cstate="email">
-            <a:extLst>
-              <a:ext uri="{28A0092B-C50C-407E-A947-70E740481C1C}">
-                <a14:useLocalDpi xmlns:a14="http://schemas.microsoft.com/office/drawing/2010/main" val="0"/>
-              </a:ext>
-            </a:extLst>
-          </a:blip>
-          <a:stretch>
-            <a:fillRect/>
-          </a:stretch>
-        </p:blipFill>
-        <p:spPr>
-          <a:xfrm>
-            <a:off x="6314137" y="3408896"/>
-            <a:ext cx="2829863" cy="2829863"/>
-          </a:xfrm>
-          <a:prstGeom prst="rect">
-            <a:avLst/>
-          </a:prstGeom>
-        </p:spPr>
-      </p:pic>
-      <p:pic>
-        <p:nvPicPr>
-          <p:cNvPr id="5" name="Picture 4" descr="giphy.gif"/>
-          <p:cNvPicPr>
-            <a:picLocks noChangeAspect="1"/>
-          </p:cNvPicPr>
-          <p:nvPr/>
-        </p:nvPicPr>
-        <p:blipFill>
-          <a:blip r:embed="rId4" cstate="email">
-            <a:extLst>
-              <a:ext uri="{28A0092B-C50C-407E-A947-70E740481C1C}">
-                <a14:useLocalDpi xmlns:a14="http://schemas.microsoft.com/office/drawing/2010/main" val="0"/>
-              </a:ext>
-            </a:extLst>
-          </a:blip>
-          <a:stretch>
-            <a:fillRect/>
-          </a:stretch>
-        </p:blipFill>
-        <p:spPr>
-          <a:xfrm>
-            <a:off x="2281062" y="3307976"/>
-            <a:ext cx="4051220" cy="3038415"/>
-          </a:xfrm>
-          <a:prstGeom prst="rect">
-            <a:avLst/>
-          </a:prstGeom>
-        </p:spPr>
-      </p:pic>
       <p:sp>
         <p:nvSpPr>
           <p:cNvPr id="2" name="Title 1"/>
@@ -6672,36 +7859,6 @@
           </a:p>
         </p:txBody>
       </p:sp>
-      <p:pic>
-        <p:nvPicPr>
-          <p:cNvPr id="7" name="Picture 6"/>
-          <p:cNvPicPr>
-            <a:picLocks noChangeAspect="1"/>
-          </p:cNvPicPr>
-          <p:nvPr/>
-        </p:nvPicPr>
-        <p:blipFill>
-          <a:blip r:embed="rId5" cstate="email">
-            <a:extLst>
-              <a:ext uri="{28A0092B-C50C-407E-A947-70E740481C1C}">
-                <a14:useLocalDpi xmlns:a14="http://schemas.microsoft.com/office/drawing/2010/main" val="0"/>
-              </a:ext>
-            </a:extLst>
-          </a:blip>
-          <a:stretch>
-            <a:fillRect/>
-          </a:stretch>
-        </p:blipFill>
-        <p:spPr>
-          <a:xfrm>
-            <a:off x="0" y="3301266"/>
-            <a:ext cx="2281062" cy="3045125"/>
-          </a:xfrm>
-          <a:prstGeom prst="rect">
-            <a:avLst/>
-          </a:prstGeom>
-        </p:spPr>
-      </p:pic>
     </p:spTree>
     <p:extLst>
       <p:ext uri="{BB962C8B-B14F-4D97-AF65-F5344CB8AC3E}">
@@ -6746,7 +7903,11 @@
                                           </p:stCondLst>
                                         </p:cTn>
                                         <p:tgtEl>
-                                          <p:spTgt spid="7"/>
+                                          <p:spTgt spid="3">
+                                            <p:txEl>
+                                              <p:pRg st="1" end="1"/>
+                                            </p:txEl>
+                                          </p:spTgt>
                                         </p:tgtEl>
                                         <p:attrNameLst>
                                           <p:attrName>style.visibility</p:attrName>
@@ -6793,146 +7954,6 @@
                                         <p:tgtEl>
                                           <p:spTgt spid="3">
                                             <p:txEl>
-                                              <p:pRg st="1" end="1"/>
-                                            </p:txEl>
-                                          </p:spTgt>
-                                        </p:tgtEl>
-                                        <p:attrNameLst>
-                                          <p:attrName>style.visibility</p:attrName>
-                                        </p:attrNameLst>
-                                      </p:cBhvr>
-                                      <p:to>
-                                        <p:strVal val="visible"/>
-                                      </p:to>
-                                    </p:set>
-                                  </p:childTnLst>
-                                </p:cTn>
-                              </p:par>
-                            </p:childTnLst>
-                          </p:cTn>
-                        </p:par>
-                      </p:childTnLst>
-                    </p:cTn>
-                  </p:par>
-                  <p:par>
-                    <p:cTn id="11" fill="hold">
-                      <p:stCondLst>
-                        <p:cond delay="indefinite"/>
-                      </p:stCondLst>
-                      <p:childTnLst>
-                        <p:par>
-                          <p:cTn id="12" fill="hold">
-                            <p:stCondLst>
-                              <p:cond delay="0"/>
-                            </p:stCondLst>
-                            <p:childTnLst>
-                              <p:par>
-                                <p:cTn id="13" presetID="2" presetClass="entr" presetSubtype="4" fill="hold" nodeType="clickEffect">
-                                  <p:stCondLst>
-                                    <p:cond delay="0"/>
-                                  </p:stCondLst>
-                                  <p:childTnLst>
-                                    <p:set>
-                                      <p:cBhvr>
-                                        <p:cTn id="14" dur="1" fill="hold">
-                                          <p:stCondLst>
-                                            <p:cond delay="0"/>
-                                          </p:stCondLst>
-                                        </p:cTn>
-                                        <p:tgtEl>
-                                          <p:spTgt spid="6"/>
-                                        </p:tgtEl>
-                                        <p:attrNameLst>
-                                          <p:attrName>style.visibility</p:attrName>
-                                        </p:attrNameLst>
-                                      </p:cBhvr>
-                                      <p:to>
-                                        <p:strVal val="visible"/>
-                                      </p:to>
-                                    </p:set>
-                                    <p:anim calcmode="lin" valueType="num">
-                                      <p:cBhvr additive="base">
-                                        <p:cTn id="15" dur="500" fill="hold"/>
-                                        <p:tgtEl>
-                                          <p:spTgt spid="6"/>
-                                        </p:tgtEl>
-                                        <p:attrNameLst>
-                                          <p:attrName>ppt_x</p:attrName>
-                                        </p:attrNameLst>
-                                      </p:cBhvr>
-                                      <p:tavLst>
-                                        <p:tav tm="0">
-                                          <p:val>
-                                            <p:strVal val="#ppt_x"/>
-                                          </p:val>
-                                        </p:tav>
-                                        <p:tav tm="100000">
-                                          <p:val>
-                                            <p:strVal val="#ppt_x"/>
-                                          </p:val>
-                                        </p:tav>
-                                      </p:tavLst>
-                                    </p:anim>
-                                    <p:anim calcmode="lin" valueType="num">
-                                      <p:cBhvr additive="base">
-                                        <p:cTn id="16" dur="500" fill="hold"/>
-                                        <p:tgtEl>
-                                          <p:spTgt spid="6"/>
-                                        </p:tgtEl>
-                                        <p:attrNameLst>
-                                          <p:attrName>ppt_y</p:attrName>
-                                        </p:attrNameLst>
-                                      </p:cBhvr>
-                                      <p:tavLst>
-                                        <p:tav tm="0">
-                                          <p:val>
-                                            <p:strVal val="1+#ppt_h/2"/>
-                                          </p:val>
-                                        </p:tav>
-                                        <p:tav tm="100000">
-                                          <p:val>
-                                            <p:strVal val="#ppt_y"/>
-                                          </p:val>
-                                        </p:tav>
-                                      </p:tavLst>
-                                    </p:anim>
-                                  </p:childTnLst>
-                                </p:cTn>
-                              </p:par>
-                            </p:childTnLst>
-                          </p:cTn>
-                        </p:par>
-                      </p:childTnLst>
-                    </p:cTn>
-                  </p:par>
-                  <p:par>
-                    <p:cTn id="17" fill="hold">
-                      <p:stCondLst>
-                        <p:cond delay="indefinite"/>
-                      </p:stCondLst>
-                      <p:childTnLst>
-                        <p:par>
-                          <p:cTn id="18" fill="hold">
-                            <p:stCondLst>
-                              <p:cond delay="0"/>
-                            </p:stCondLst>
-                            <p:childTnLst>
-                              <p:par>
-                                <p:cTn id="19" presetID="1" presetClass="entr" presetSubtype="0" fill="hold" nodeType="clickEffect">
-                                  <p:stCondLst>
-                                    <p:cond delay="0"/>
-                                  </p:stCondLst>
-                                  <p:childTnLst>
-                                    <p:set>
-                                      <p:cBhvr>
-                                        <p:cTn id="20" dur="1" fill="hold">
-                                          <p:stCondLst>
-                                            <p:cond delay="0"/>
-                                          </p:stCondLst>
-                                        </p:cTn>
-                                        <p:tgtEl>
-                                          <p:spTgt spid="3">
-                                            <p:txEl>
                                               <p:pRg st="2" end="2"/>
                                             </p:txEl>
                                           </p:spTgt>
@@ -6945,59 +7966,6 @@
                                         <p:strVal val="visible"/>
                                       </p:to>
                                     </p:set>
-                                  </p:childTnLst>
-                                </p:cTn>
-                              </p:par>
-                            </p:childTnLst>
-                          </p:cTn>
-                        </p:par>
-                      </p:childTnLst>
-                    </p:cTn>
-                  </p:par>
-                  <p:par>
-                    <p:cTn id="21" fill="hold">
-                      <p:stCondLst>
-                        <p:cond delay="indefinite"/>
-                      </p:stCondLst>
-                      <p:childTnLst>
-                        <p:par>
-                          <p:cTn id="22" fill="hold">
-                            <p:stCondLst>
-                              <p:cond delay="0"/>
-                            </p:stCondLst>
-                            <p:childTnLst>
-                              <p:par>
-                                <p:cTn id="23" presetID="5" presetClass="entr" presetSubtype="10" fill="hold" nodeType="clickEffect">
-                                  <p:stCondLst>
-                                    <p:cond delay="0"/>
-                                  </p:stCondLst>
-                                  <p:childTnLst>
-                                    <p:set>
-                                      <p:cBhvr>
-                                        <p:cTn id="24" dur="1" fill="hold">
-                                          <p:stCondLst>
-                                            <p:cond delay="0"/>
-                                          </p:stCondLst>
-                                        </p:cTn>
-                                        <p:tgtEl>
-                                          <p:spTgt spid="5"/>
-                                        </p:tgtEl>
-                                        <p:attrNameLst>
-                                          <p:attrName>style.visibility</p:attrName>
-                                        </p:attrNameLst>
-                                      </p:cBhvr>
-                                      <p:to>
-                                        <p:strVal val="visible"/>
-                                      </p:to>
-                                    </p:set>
-                                    <p:animEffect transition="in" filter="checkerboard(across)">
-                                      <p:cBhvr>
-                                        <p:cTn id="25" dur="500"/>
-                                        <p:tgtEl>
-                                          <p:spTgt spid="5"/>
-                                        </p:tgtEl>
-                                      </p:cBhvr>
-                                    </p:animEffect>
                                   </p:childTnLst>
                                 </p:cTn>
                               </p:par>
@@ -7200,145 +8168,6 @@
 </file>
 
 <file path=ppt/slides/slide4.xml><?xml version="1.0" encoding="utf-8"?>
-<p:sld xmlns:a="http://schemas.openxmlformats.org/drawingml/2006/main" xmlns:r="http://schemas.openxmlformats.org/officeDocument/2006/relationships" xmlns:p="http://schemas.openxmlformats.org/presentationml/2006/main">
-  <p:cSld>
-    <p:spTree>
-      <p:nvGrpSpPr>
-        <p:cNvPr id="1" name=""/>
-        <p:cNvGrpSpPr/>
-        <p:nvPr/>
-      </p:nvGrpSpPr>
-      <p:grpSpPr>
-        <a:xfrm>
-          <a:off x="0" y="0"/>
-          <a:ext cx="0" cy="0"/>
-          <a:chOff x="0" y="0"/>
-          <a:chExt cx="0" cy="0"/>
-        </a:xfrm>
-      </p:grpSpPr>
-      <p:sp>
-        <p:nvSpPr>
-          <p:cNvPr id="2" name="Title 1"/>
-          <p:cNvSpPr>
-            <a:spLocks noGrp="1"/>
-          </p:cNvSpPr>
-          <p:nvPr>
-            <p:ph type="title"/>
-          </p:nvPr>
-        </p:nvSpPr>
-        <p:spPr/>
-        <p:txBody>
-          <a:bodyPr/>
-          <a:lstStyle/>
-          <a:p>
-            <a:r>
-              <a:rPr lang="en-US" dirty="0" smtClean="0"/>
-              <a:t>Uses</a:t>
-            </a:r>
-            <a:endParaRPr lang="en-US" dirty="0"/>
-          </a:p>
-        </p:txBody>
-      </p:sp>
-      <p:sp>
-        <p:nvSpPr>
-          <p:cNvPr id="3" name="Content Placeholder 2"/>
-          <p:cNvSpPr>
-            <a:spLocks noGrp="1"/>
-          </p:cNvSpPr>
-          <p:nvPr>
-            <p:ph idx="1"/>
-          </p:nvPr>
-        </p:nvSpPr>
-        <p:spPr/>
-        <p:txBody>
-          <a:bodyPr>
-            <a:normAutofit fontScale="92500" lnSpcReduction="10000"/>
-          </a:bodyPr>
-          <a:lstStyle/>
-          <a:p>
-            <a:r>
-              <a:rPr lang="en-US" dirty="0" smtClean="0"/>
-              <a:t>Walk into a room, motion sensor turns light on automatically</a:t>
-            </a:r>
-          </a:p>
-          <a:p>
-            <a:pPr lvl="1"/>
-            <a:r>
-              <a:rPr lang="en-US" dirty="0" smtClean="0"/>
-              <a:t>With rules you can set a switch to not respond to motion at certain times of day</a:t>
-            </a:r>
-          </a:p>
-          <a:p>
-            <a:r>
-              <a:rPr lang="en-US" dirty="0" smtClean="0"/>
-              <a:t>Going away on vacation, can set a schedule to turn on some house lights to deter robbers</a:t>
-            </a:r>
-          </a:p>
-          <a:p>
-            <a:r>
-              <a:rPr lang="en-US" dirty="0" smtClean="0"/>
-              <a:t>Turn off/on a light from your computer or phone anywhere</a:t>
-            </a:r>
-          </a:p>
-          <a:p>
-            <a:pPr lvl="1"/>
-            <a:r>
-              <a:rPr lang="en-US" dirty="0" smtClean="0"/>
-              <a:t>In bed</a:t>
-            </a:r>
-          </a:p>
-          <a:p>
-            <a:pPr lvl="1"/>
-            <a:r>
-              <a:rPr lang="en-US" dirty="0" smtClean="0"/>
-              <a:t>At work</a:t>
-            </a:r>
-          </a:p>
-          <a:p>
-            <a:pPr lvl="1"/>
-            <a:r>
-              <a:rPr lang="en-US" dirty="0" smtClean="0"/>
-              <a:t>At </a:t>
-            </a:r>
-            <a:r>
-              <a:rPr lang="en-US" dirty="0" err="1" smtClean="0"/>
-              <a:t>Conor</a:t>
-            </a:r>
-            <a:r>
-              <a:rPr lang="en-US" dirty="0" smtClean="0"/>
-              <a:t> Larkins</a:t>
-            </a:r>
-          </a:p>
-          <a:p>
-            <a:r>
-              <a:rPr lang="en-US" dirty="0" smtClean="0"/>
-              <a:t>Save on your electric bill by having your lights turn off after time intervals or certain times of day</a:t>
-            </a:r>
-            <a:endParaRPr lang="en-US" dirty="0"/>
-          </a:p>
-        </p:txBody>
-      </p:sp>
-    </p:spTree>
-    <p:extLst>
-      <p:ext uri="{BB962C8B-B14F-4D97-AF65-F5344CB8AC3E}">
-        <p14:creationId xmlns:p14="http://schemas.microsoft.com/office/powerpoint/2010/main" val="2335861722"/>
-      </p:ext>
-    </p:extLst>
-  </p:cSld>
-  <p:clrMapOvr>
-    <a:masterClrMapping/>
-  </p:clrMapOvr>
-  <p:timing>
-    <p:tnLst>
-      <p:par>
-        <p:cTn id="1" dur="indefinite" restart="never" nodeType="tmRoot"/>
-      </p:par>
-    </p:tnLst>
-  </p:timing>
-</p:sld>
-</file>
-
-<file path=ppt/slides/slide5.xml><?xml version="1.0" encoding="utf-8"?>
 <p:sld xmlns:a="http://schemas.openxmlformats.org/drawingml/2006/main" xmlns:r="http://schemas.openxmlformats.org/officeDocument/2006/relationships" xmlns:p="http://schemas.openxmlformats.org/presentationml/2006/main">
   <p:cSld>
     <p:spTree>
@@ -7853,7 +8682,7 @@
 </p:sld>
 </file>
 
-<file path=ppt/slides/slide6.xml><?xml version="1.0" encoding="utf-8"?>
+<file path=ppt/slides/slide5.xml><?xml version="1.0" encoding="utf-8"?>
 <p:sld xmlns:a="http://schemas.openxmlformats.org/drawingml/2006/main" xmlns:r="http://schemas.openxmlformats.org/officeDocument/2006/relationships" xmlns:p="http://schemas.openxmlformats.org/presentationml/2006/main">
   <p:cSld>
     <p:spTree>
@@ -7967,7 +8796,7 @@
 </p:sld>
 </file>
 
-<file path=ppt/slides/slide7.xml><?xml version="1.0" encoding="utf-8"?>
+<file path=ppt/slides/slide6.xml><?xml version="1.0" encoding="utf-8"?>
 <p:sld xmlns:a="http://schemas.openxmlformats.org/drawingml/2006/main" xmlns:r="http://schemas.openxmlformats.org/officeDocument/2006/relationships" xmlns:p="http://schemas.openxmlformats.org/presentationml/2006/main">
   <p:cSld>
     <p:spTree>
@@ -8081,6 +8910,66 @@
 </p:sld>
 </file>
 
+<file path=ppt/slides/slide7.xml><?xml version="1.0" encoding="utf-8"?>
+<p:sld xmlns:a="http://schemas.openxmlformats.org/drawingml/2006/main" xmlns:r="http://schemas.openxmlformats.org/officeDocument/2006/relationships" xmlns:p="http://schemas.openxmlformats.org/presentationml/2006/main">
+  <p:cSld>
+    <p:spTree>
+      <p:nvGrpSpPr>
+        <p:cNvPr id="1" name=""/>
+        <p:cNvGrpSpPr/>
+        <p:nvPr/>
+      </p:nvGrpSpPr>
+      <p:grpSpPr>
+        <a:xfrm>
+          <a:off x="0" y="0"/>
+          <a:ext cx="0" cy="0"/>
+          <a:chOff x="0" y="0"/>
+          <a:chExt cx="0" cy="0"/>
+        </a:xfrm>
+      </p:grpSpPr>
+      <p:sp>
+        <p:nvSpPr>
+          <p:cNvPr id="2" name="Title 1"/>
+          <p:cNvSpPr>
+            <a:spLocks noGrp="1"/>
+          </p:cNvSpPr>
+          <p:nvPr>
+            <p:ph type="title"/>
+          </p:nvPr>
+        </p:nvSpPr>
+        <p:spPr/>
+        <p:txBody>
+          <a:bodyPr/>
+          <a:lstStyle/>
+          <a:p>
+            <a:r>
+              <a:rPr lang="en-US" dirty="0" smtClean="0"/>
+              <a:t>Build Process</a:t>
+            </a:r>
+            <a:endParaRPr lang="en-US" dirty="0"/>
+          </a:p>
+        </p:txBody>
+      </p:sp>
+    </p:spTree>
+    <p:extLst>
+      <p:ext uri="{BB962C8B-B14F-4D97-AF65-F5344CB8AC3E}">
+        <p14:creationId xmlns:p14="http://schemas.microsoft.com/office/powerpoint/2010/main" val="3881248493"/>
+      </p:ext>
+    </p:extLst>
+  </p:cSld>
+  <p:clrMapOvr>
+    <a:masterClrMapping/>
+  </p:clrMapOvr>
+  <p:timing>
+    <p:tnLst>
+      <p:par>
+        <p:cTn id="1" dur="indefinite" restart="never" nodeType="tmRoot"/>
+      </p:par>
+    </p:tnLst>
+  </p:timing>
+</p:sld>
+</file>
+
 <file path=ppt/slides/slide8.xml><?xml version="1.0" encoding="utf-8"?>
 <p:sld xmlns:a="http://schemas.openxmlformats.org/drawingml/2006/main" xmlns:r="http://schemas.openxmlformats.org/officeDocument/2006/relationships" xmlns:p="http://schemas.openxmlformats.org/presentationml/2006/main">
   <p:cSld>
@@ -8098,33 +8987,9 @@
           <a:chExt cx="0" cy="0"/>
         </a:xfrm>
       </p:grpSpPr>
-      <p:pic>
-        <p:nvPicPr>
-          <p:cNvPr id="9" name="Picture 8"/>
-          <p:cNvPicPr>
-            <a:picLocks noChangeAspect="1"/>
-          </p:cNvPicPr>
-          <p:nvPr/>
-        </p:nvPicPr>
-        <p:blipFill>
-          <a:blip r:embed="rId3"/>
-          <a:stretch>
-            <a:fillRect/>
-          </a:stretch>
-        </p:blipFill>
-        <p:spPr>
-          <a:xfrm>
-            <a:off x="0" y="1365854"/>
-            <a:ext cx="9144000" cy="5549403"/>
-          </a:xfrm>
-          <a:prstGeom prst="rect">
-            <a:avLst/>
-          </a:prstGeom>
-        </p:spPr>
-      </p:pic>
-      <p:sp>
-        <p:nvSpPr>
-          <p:cNvPr id="11" name="Title 1"/>
+      <p:sp>
+        <p:nvSpPr>
+          <p:cNvPr id="2" name="Title 1"/>
           <p:cNvSpPr>
             <a:spLocks noGrp="1"/>
           </p:cNvSpPr>
@@ -8132,19 +8997,14 @@
             <p:ph type="title"/>
           </p:nvPr>
         </p:nvSpPr>
-        <p:spPr>
-          <a:xfrm>
-            <a:off x="685800" y="121023"/>
-            <a:ext cx="7770813" cy="1429871"/>
-          </a:xfrm>
-        </p:spPr>
+        <p:spPr/>
         <p:txBody>
           <a:bodyPr/>
           <a:lstStyle/>
           <a:p>
             <a:r>
               <a:rPr lang="en-US" dirty="0" smtClean="0"/>
-              <a:t>Software Layout</a:t>
+              <a:t>Firmware</a:t>
             </a:r>
             <a:endParaRPr lang="en-US" dirty="0"/>
           </a:p>
@@ -8152,1742 +9012,106 @@
       </p:sp>
       <p:sp>
         <p:nvSpPr>
-          <p:cNvPr id="2" name="Rounded Rectangle 1"/>
-          <p:cNvSpPr/>
-          <p:nvPr/>
-        </p:nvSpPr>
-        <p:spPr>
-          <a:xfrm>
-            <a:off x="816746" y="2090554"/>
-            <a:ext cx="1069759" cy="998875"/>
-          </a:xfrm>
-          <a:prstGeom prst="roundRect">
-            <a:avLst/>
-          </a:prstGeom>
-          <a:solidFill>
-            <a:srgbClr val="407320">
-              <a:alpha val="0"/>
-            </a:srgbClr>
-          </a:solidFill>
-          <a:ln w="38100">
-            <a:solidFill>
-              <a:srgbClr val="FF0000"/>
-            </a:solidFill>
-          </a:ln>
-        </p:spPr>
-        <p:style>
-          <a:lnRef idx="1">
-            <a:schemeClr val="accent1"/>
-          </a:lnRef>
-          <a:fillRef idx="3">
-            <a:schemeClr val="accent1"/>
-          </a:fillRef>
-          <a:effectRef idx="2">
-            <a:schemeClr val="accent1"/>
-          </a:effectRef>
-          <a:fontRef idx="minor">
-            <a:schemeClr val="lt1"/>
-          </a:fontRef>
-        </p:style>
-        <p:txBody>
-          <a:bodyPr rtlCol="0" anchor="ctr"/>
+          <p:cNvPr id="3" name="Content Placeholder 2"/>
+          <p:cNvSpPr>
+            <a:spLocks noGrp="1"/>
+          </p:cNvSpPr>
+          <p:nvPr>
+            <p:ph idx="1"/>
+          </p:nvPr>
+        </p:nvSpPr>
+        <p:spPr/>
+        <p:txBody>
+          <a:bodyPr>
+            <a:normAutofit fontScale="92500" lnSpcReduction="10000"/>
+          </a:bodyPr>
           <a:lstStyle/>
           <a:p>
-            <a:pPr algn="ctr"/>
-            <a:endParaRPr lang="en-US"/>
-          </a:p>
-        </p:txBody>
-      </p:sp>
-      <p:sp>
-        <p:nvSpPr>
-          <p:cNvPr id="6" name="Rounded Rectangle 5"/>
-          <p:cNvSpPr/>
-          <p:nvPr/>
-        </p:nvSpPr>
-        <p:spPr>
-          <a:xfrm>
-            <a:off x="766456" y="3832999"/>
-            <a:ext cx="1069759" cy="615114"/>
-          </a:xfrm>
-          <a:prstGeom prst="roundRect">
-            <a:avLst/>
-          </a:prstGeom>
-          <a:solidFill>
-            <a:srgbClr val="407320">
-              <a:alpha val="0"/>
-            </a:srgbClr>
-          </a:solidFill>
-          <a:ln w="38100">
-            <a:solidFill>
-              <a:srgbClr val="FF0000"/>
-            </a:solidFill>
-          </a:ln>
-        </p:spPr>
-        <p:style>
-          <a:lnRef idx="1">
-            <a:schemeClr val="accent1"/>
-          </a:lnRef>
-          <a:fillRef idx="3">
-            <a:schemeClr val="accent1"/>
-          </a:fillRef>
-          <a:effectRef idx="2">
-            <a:schemeClr val="accent1"/>
-          </a:effectRef>
-          <a:fontRef idx="minor">
-            <a:schemeClr val="lt1"/>
-          </a:fontRef>
-        </p:style>
-        <p:txBody>
-          <a:bodyPr rtlCol="0" anchor="ctr"/>
-          <a:lstStyle/>
-          <a:p>
-            <a:pPr algn="ctr"/>
-            <a:endParaRPr lang="en-US"/>
-          </a:p>
-        </p:txBody>
-      </p:sp>
-      <p:sp>
-        <p:nvSpPr>
-          <p:cNvPr id="7" name="Rounded Rectangle 6"/>
-          <p:cNvSpPr/>
-          <p:nvPr/>
-        </p:nvSpPr>
-        <p:spPr>
-          <a:xfrm>
-            <a:off x="2364192" y="2138450"/>
-            <a:ext cx="3227714" cy="821013"/>
-          </a:xfrm>
-          <a:prstGeom prst="roundRect">
-            <a:avLst/>
-          </a:prstGeom>
-          <a:solidFill>
-            <a:srgbClr val="407320">
-              <a:alpha val="0"/>
-            </a:srgbClr>
-          </a:solidFill>
-          <a:ln w="38100">
-            <a:solidFill>
-              <a:srgbClr val="FF0000"/>
-            </a:solidFill>
-          </a:ln>
-        </p:spPr>
-        <p:style>
-          <a:lnRef idx="1">
-            <a:schemeClr val="accent1"/>
-          </a:lnRef>
-          <a:fillRef idx="3">
-            <a:schemeClr val="accent1"/>
-          </a:fillRef>
-          <a:effectRef idx="2">
-            <a:schemeClr val="accent1"/>
-          </a:effectRef>
-          <a:fontRef idx="minor">
-            <a:schemeClr val="lt1"/>
-          </a:fontRef>
-        </p:style>
-        <p:txBody>
-          <a:bodyPr rtlCol="0" anchor="ctr"/>
-          <a:lstStyle/>
-          <a:p>
-            <a:pPr algn="ctr"/>
-            <a:endParaRPr lang="en-US"/>
-          </a:p>
-        </p:txBody>
-      </p:sp>
-      <p:sp>
-        <p:nvSpPr>
-          <p:cNvPr id="10" name="Rounded Rectangle 9"/>
-          <p:cNvSpPr/>
-          <p:nvPr/>
-        </p:nvSpPr>
-        <p:spPr>
-          <a:xfrm>
-            <a:off x="3019027" y="4781812"/>
-            <a:ext cx="1069759" cy="615114"/>
-          </a:xfrm>
-          <a:prstGeom prst="roundRect">
-            <a:avLst/>
-          </a:prstGeom>
-          <a:solidFill>
-            <a:srgbClr val="407320">
-              <a:alpha val="0"/>
-            </a:srgbClr>
-          </a:solidFill>
-          <a:ln w="38100">
-            <a:solidFill>
-              <a:srgbClr val="FF0000"/>
-            </a:solidFill>
-          </a:ln>
-        </p:spPr>
-        <p:style>
-          <a:lnRef idx="1">
-            <a:schemeClr val="accent1"/>
-          </a:lnRef>
-          <a:fillRef idx="3">
-            <a:schemeClr val="accent1"/>
-          </a:fillRef>
-          <a:effectRef idx="2">
-            <a:schemeClr val="accent1"/>
-          </a:effectRef>
-          <a:fontRef idx="minor">
-            <a:schemeClr val="lt1"/>
-          </a:fontRef>
-        </p:style>
-        <p:txBody>
-          <a:bodyPr rtlCol="0" anchor="ctr"/>
-          <a:lstStyle/>
-          <a:p>
-            <a:pPr algn="ctr"/>
-            <a:endParaRPr lang="en-US"/>
-          </a:p>
-        </p:txBody>
-      </p:sp>
-      <p:sp>
-        <p:nvSpPr>
-          <p:cNvPr id="12" name="Rounded Rectangle 11"/>
-          <p:cNvSpPr/>
-          <p:nvPr/>
-        </p:nvSpPr>
-        <p:spPr>
-          <a:xfrm>
-            <a:off x="8074241" y="4911598"/>
-            <a:ext cx="1069759" cy="615114"/>
-          </a:xfrm>
-          <a:prstGeom prst="roundRect">
-            <a:avLst/>
-          </a:prstGeom>
-          <a:solidFill>
-            <a:srgbClr val="407320">
-              <a:alpha val="0"/>
-            </a:srgbClr>
-          </a:solidFill>
-          <a:ln w="38100">
-            <a:solidFill>
-              <a:srgbClr val="FF0000"/>
-            </a:solidFill>
-          </a:ln>
-        </p:spPr>
-        <p:style>
-          <a:lnRef idx="1">
-            <a:schemeClr val="accent1"/>
-          </a:lnRef>
-          <a:fillRef idx="3">
-            <a:schemeClr val="accent1"/>
-          </a:fillRef>
-          <a:effectRef idx="2">
-            <a:schemeClr val="accent1"/>
-          </a:effectRef>
-          <a:fontRef idx="minor">
-            <a:schemeClr val="lt1"/>
-          </a:fontRef>
-        </p:style>
-        <p:txBody>
-          <a:bodyPr rtlCol="0" anchor="ctr"/>
-          <a:lstStyle/>
-          <a:p>
-            <a:pPr algn="ctr"/>
-            <a:endParaRPr lang="en-US"/>
-          </a:p>
-        </p:txBody>
-      </p:sp>
-      <p:sp>
-        <p:nvSpPr>
-          <p:cNvPr id="13" name="Rounded Rectangle 12"/>
-          <p:cNvSpPr/>
-          <p:nvPr/>
-        </p:nvSpPr>
-        <p:spPr>
-          <a:xfrm>
-            <a:off x="5057026" y="4140556"/>
-            <a:ext cx="1069759" cy="615114"/>
-          </a:xfrm>
-          <a:prstGeom prst="roundRect">
-            <a:avLst/>
-          </a:prstGeom>
-          <a:solidFill>
-            <a:srgbClr val="407320">
-              <a:alpha val="0"/>
-            </a:srgbClr>
-          </a:solidFill>
-          <a:ln w="38100">
-            <a:solidFill>
-              <a:srgbClr val="FF0000"/>
-            </a:solidFill>
-          </a:ln>
-        </p:spPr>
-        <p:style>
-          <a:lnRef idx="1">
-            <a:schemeClr val="accent1"/>
-          </a:lnRef>
-          <a:fillRef idx="3">
-            <a:schemeClr val="accent1"/>
-          </a:fillRef>
-          <a:effectRef idx="2">
-            <a:schemeClr val="accent1"/>
-          </a:effectRef>
-          <a:fontRef idx="minor">
-            <a:schemeClr val="lt1"/>
-          </a:fontRef>
-        </p:style>
-        <p:txBody>
-          <a:bodyPr rtlCol="0" anchor="ctr"/>
-          <a:lstStyle/>
-          <a:p>
-            <a:pPr algn="ctr"/>
-            <a:endParaRPr lang="en-US"/>
-          </a:p>
-        </p:txBody>
-      </p:sp>
-      <p:sp>
-        <p:nvSpPr>
-          <p:cNvPr id="14" name="Rounded Rectangle 13"/>
-          <p:cNvSpPr/>
-          <p:nvPr/>
-        </p:nvSpPr>
-        <p:spPr>
-          <a:xfrm>
-            <a:off x="3910614" y="3013025"/>
-            <a:ext cx="1069759" cy="615114"/>
-          </a:xfrm>
-          <a:prstGeom prst="roundRect">
-            <a:avLst/>
-          </a:prstGeom>
-          <a:solidFill>
-            <a:srgbClr val="407320">
-              <a:alpha val="0"/>
-            </a:srgbClr>
-          </a:solidFill>
-          <a:ln w="38100">
-            <a:solidFill>
-              <a:srgbClr val="FF0000"/>
-            </a:solidFill>
-          </a:ln>
-        </p:spPr>
-        <p:style>
-          <a:lnRef idx="1">
-            <a:schemeClr val="accent1"/>
-          </a:lnRef>
-          <a:fillRef idx="3">
-            <a:schemeClr val="accent1"/>
-          </a:fillRef>
-          <a:effectRef idx="2">
-            <a:schemeClr val="accent1"/>
-          </a:effectRef>
-          <a:fontRef idx="minor">
-            <a:schemeClr val="lt1"/>
-          </a:fontRef>
-        </p:style>
-        <p:txBody>
-          <a:bodyPr rtlCol="0" anchor="ctr"/>
-          <a:lstStyle/>
-          <a:p>
-            <a:pPr algn="ctr"/>
-            <a:endParaRPr lang="en-US"/>
-          </a:p>
-        </p:txBody>
-      </p:sp>
-      <p:sp>
-        <p:nvSpPr>
-          <p:cNvPr id="15" name="Rounded Rectangle 14"/>
-          <p:cNvSpPr/>
-          <p:nvPr/>
-        </p:nvSpPr>
-        <p:spPr>
-          <a:xfrm>
-            <a:off x="3892041" y="3959357"/>
-            <a:ext cx="1069759" cy="615114"/>
-          </a:xfrm>
-          <a:prstGeom prst="roundRect">
-            <a:avLst/>
-          </a:prstGeom>
-          <a:solidFill>
-            <a:srgbClr val="407320">
-              <a:alpha val="0"/>
-            </a:srgbClr>
-          </a:solidFill>
-          <a:ln w="38100">
-            <a:solidFill>
-              <a:srgbClr val="FF0000"/>
-            </a:solidFill>
-          </a:ln>
-        </p:spPr>
-        <p:style>
-          <a:lnRef idx="1">
-            <a:schemeClr val="accent1"/>
-          </a:lnRef>
-          <a:fillRef idx="3">
-            <a:schemeClr val="accent1"/>
-          </a:fillRef>
-          <a:effectRef idx="2">
-            <a:schemeClr val="accent1"/>
-          </a:effectRef>
-          <a:fontRef idx="minor">
-            <a:schemeClr val="lt1"/>
-          </a:fontRef>
-        </p:style>
-        <p:txBody>
-          <a:bodyPr rtlCol="0" anchor="ctr"/>
-          <a:lstStyle/>
-          <a:p>
-            <a:pPr algn="ctr"/>
-            <a:endParaRPr lang="en-US"/>
-          </a:p>
-        </p:txBody>
-      </p:sp>
-      <p:pic>
-        <p:nvPicPr>
-          <p:cNvPr id="4" name="Picture 3"/>
-          <p:cNvPicPr>
-            <a:picLocks noChangeAspect="1"/>
-          </p:cNvPicPr>
-          <p:nvPr/>
-        </p:nvPicPr>
-        <p:blipFill>
-          <a:blip r:embed="rId4" cstate="email">
-            <a:extLst>
-              <a:ext uri="{28A0092B-C50C-407E-A947-70E740481C1C}">
-                <a14:useLocalDpi xmlns:a14="http://schemas.microsoft.com/office/drawing/2010/main" val="0"/>
-              </a:ext>
-            </a:extLst>
-          </a:blip>
-          <a:stretch>
-            <a:fillRect/>
-          </a:stretch>
-        </p:blipFill>
-        <p:spPr>
-          <a:xfrm>
-            <a:off x="7406672" y="2874864"/>
-            <a:ext cx="2077275" cy="2077275"/>
-          </a:xfrm>
-          <a:prstGeom prst="rect">
-            <a:avLst/>
-          </a:prstGeom>
-        </p:spPr>
-      </p:pic>
-      <p:sp>
-        <p:nvSpPr>
-          <p:cNvPr id="5" name="Rectangle 4"/>
-          <p:cNvSpPr/>
-          <p:nvPr/>
-        </p:nvSpPr>
-        <p:spPr>
-          <a:xfrm>
-            <a:off x="753453" y="2077451"/>
-            <a:ext cx="6423069" cy="1718825"/>
-          </a:xfrm>
-          <a:prstGeom prst="rect">
-            <a:avLst/>
-          </a:prstGeom>
-        </p:spPr>
-        <p:style>
-          <a:lnRef idx="1">
-            <a:schemeClr val="accent6"/>
-          </a:lnRef>
-          <a:fillRef idx="2">
-            <a:schemeClr val="accent6"/>
-          </a:fillRef>
-          <a:effectRef idx="1">
-            <a:schemeClr val="accent6"/>
-          </a:effectRef>
-          <a:fontRef idx="minor">
-            <a:schemeClr val="dk1"/>
-          </a:fontRef>
-        </p:style>
-        <p:txBody>
-          <a:bodyPr rtlCol="0" anchor="ctr"/>
-          <a:lstStyle/>
-          <a:p>
-            <a:r>
-              <a:rPr lang="en-US" dirty="0"/>
-              <a:t>Coffeescript (JS is the worst</a:t>
-            </a:r>
             <a:r>
               <a:rPr lang="en-US" dirty="0" smtClean="0"/>
-              <a:t>)</a:t>
-            </a:r>
-          </a:p>
-          <a:p>
-            <a:pPr marL="285750" indent="-285750">
-              <a:buFont typeface="Arial" panose="020B0604020202020204" pitchFamily="34" charset="0"/>
-              <a:buChar char="•"/>
-            </a:pPr>
+              <a:t>Developed with Arduino IDE</a:t>
+            </a:r>
+          </a:p>
+          <a:p>
+            <a:pPr lvl="1"/>
             <a:r>
               <a:rPr lang="en-US" dirty="0" smtClean="0"/>
-              <a:t>Angular</a:t>
-            </a:r>
-          </a:p>
-          <a:p>
-            <a:pPr marL="285750" indent="-285750">
-              <a:buFont typeface="Arial" panose="020B0604020202020204" pitchFamily="34" charset="0"/>
-              <a:buChar char="•"/>
-            </a:pPr>
+              <a:t>C/C++ Based</a:t>
+            </a:r>
+          </a:p>
+          <a:p>
             <a:r>
               <a:rPr lang="en-US" dirty="0" smtClean="0"/>
-              <a:t>Ajax</a:t>
+              <a:t>Built in </a:t>
+            </a:r>
+            <a:r>
+              <a:rPr lang="en-US" dirty="0" err="1" smtClean="0"/>
+              <a:t>WiFi</a:t>
+            </a:r>
+            <a:r>
+              <a:rPr lang="en-US" dirty="0" smtClean="0"/>
+              <a:t> to board utilize multiple user libraries</a:t>
+            </a:r>
+          </a:p>
+          <a:p>
+            <a:r>
+              <a:rPr lang="en-US" dirty="0" smtClean="0"/>
+              <a:t>Digital control over all I/O such as:</a:t>
+            </a:r>
+          </a:p>
+          <a:p>
+            <a:pPr lvl="1"/>
+            <a:r>
+              <a:rPr lang="en-US" dirty="0" smtClean="0"/>
+              <a:t>Relay to control lights</a:t>
+            </a:r>
+          </a:p>
+          <a:p>
+            <a:pPr lvl="1"/>
+            <a:r>
+              <a:rPr lang="en-US" dirty="0" smtClean="0"/>
+              <a:t>Motion Control</a:t>
+            </a:r>
+          </a:p>
+          <a:p>
+            <a:pPr lvl="1"/>
+            <a:r>
+              <a:rPr lang="en-US" dirty="0" smtClean="0"/>
+              <a:t>Manual Control</a:t>
+            </a:r>
+          </a:p>
+          <a:p>
+            <a:r>
+              <a:rPr lang="en-US" dirty="0" smtClean="0"/>
+              <a:t>Built in file system</a:t>
+            </a:r>
+          </a:p>
+          <a:p>
+            <a:pPr lvl="1"/>
+            <a:r>
+              <a:rPr lang="en-US" dirty="0" smtClean="0"/>
+              <a:t>Used to store files for backup, or hosting more advanced forms</a:t>
+            </a:r>
+          </a:p>
+          <a:p>
+            <a:r>
+              <a:rPr lang="en-US" dirty="0" smtClean="0"/>
+              <a:t>LUA and Micro Python interpreters for scripting</a:t>
             </a:r>
             <a:endParaRPr lang="en-US" dirty="0"/>
           </a:p>
         </p:txBody>
       </p:sp>
-      <p:sp>
-        <p:nvSpPr>
-          <p:cNvPr id="16" name="Rectangle 15"/>
-          <p:cNvSpPr/>
-          <p:nvPr/>
-        </p:nvSpPr>
-        <p:spPr>
-          <a:xfrm>
-            <a:off x="757846" y="3775764"/>
-            <a:ext cx="6423069" cy="1866647"/>
-          </a:xfrm>
-          <a:prstGeom prst="rect">
-            <a:avLst/>
-          </a:prstGeom>
-          <a:solidFill>
-            <a:schemeClr val="accent3">
-              <a:lumMod val="60000"/>
-              <a:lumOff val="40000"/>
-            </a:schemeClr>
-          </a:solidFill>
-        </p:spPr>
-        <p:style>
-          <a:lnRef idx="1">
-            <a:schemeClr val="accent6"/>
-          </a:lnRef>
-          <a:fillRef idx="2">
-            <a:schemeClr val="accent6"/>
-          </a:fillRef>
-          <a:effectRef idx="1">
-            <a:schemeClr val="accent6"/>
-          </a:effectRef>
-          <a:fontRef idx="minor">
-            <a:schemeClr val="dk1"/>
-          </a:fontRef>
-        </p:style>
-        <p:txBody>
-          <a:bodyPr rtlCol="0" anchor="ctr"/>
-          <a:lstStyle/>
-          <a:p>
-            <a:r>
-              <a:rPr lang="en-US" dirty="0" smtClean="0"/>
-              <a:t>Python</a:t>
-            </a:r>
-          </a:p>
-          <a:p>
-            <a:pPr marL="285750" indent="-285750">
-              <a:buFont typeface="Arial" panose="020B0604020202020204" pitchFamily="34" charset="0"/>
-              <a:buChar char="•"/>
-            </a:pPr>
-            <a:r>
-              <a:rPr lang="en-US" dirty="0" err="1" smtClean="0"/>
-              <a:t>Gunicorn</a:t>
-            </a:r>
-            <a:endParaRPr lang="en-US" dirty="0" smtClean="0"/>
-          </a:p>
-          <a:p>
-            <a:pPr marL="285750" indent="-285750">
-              <a:buFont typeface="Arial" panose="020B0604020202020204" pitchFamily="34" charset="0"/>
-              <a:buChar char="•"/>
-            </a:pPr>
-            <a:r>
-              <a:rPr lang="en-US" dirty="0" err="1" smtClean="0"/>
-              <a:t>SQLAlchemy</a:t>
-            </a:r>
-            <a:endParaRPr lang="en-US" dirty="0" smtClean="0"/>
-          </a:p>
-          <a:p>
-            <a:pPr marL="285750" indent="-285750">
-              <a:buFont typeface="Arial" panose="020B0604020202020204" pitchFamily="34" charset="0"/>
-              <a:buChar char="•"/>
-            </a:pPr>
-            <a:r>
-              <a:rPr lang="en-US" dirty="0" smtClean="0"/>
-              <a:t>Celery</a:t>
-            </a:r>
-          </a:p>
-        </p:txBody>
-      </p:sp>
-      <p:sp>
-        <p:nvSpPr>
-          <p:cNvPr id="17" name="Rectangle 16"/>
-          <p:cNvSpPr/>
-          <p:nvPr/>
-        </p:nvSpPr>
-        <p:spPr>
-          <a:xfrm>
-            <a:off x="762180" y="5637906"/>
-            <a:ext cx="6423069" cy="784561"/>
-          </a:xfrm>
-          <a:prstGeom prst="rect">
-            <a:avLst/>
-          </a:prstGeom>
-          <a:solidFill>
-            <a:schemeClr val="accent1">
-              <a:lumMod val="60000"/>
-              <a:lumOff val="40000"/>
-            </a:schemeClr>
-          </a:solidFill>
-        </p:spPr>
-        <p:style>
-          <a:lnRef idx="1">
-            <a:schemeClr val="accent6"/>
-          </a:lnRef>
-          <a:fillRef idx="2">
-            <a:schemeClr val="accent6"/>
-          </a:fillRef>
-          <a:effectRef idx="1">
-            <a:schemeClr val="accent6"/>
-          </a:effectRef>
-          <a:fontRef idx="minor">
-            <a:schemeClr val="dk1"/>
-          </a:fontRef>
-        </p:style>
-        <p:txBody>
-          <a:bodyPr rtlCol="0" anchor="ctr"/>
-          <a:lstStyle/>
-          <a:p>
-            <a:pPr marL="285750" indent="-285750">
-              <a:buFont typeface="Arial" panose="020B0604020202020204" pitchFamily="34" charset="0"/>
-              <a:buChar char="•"/>
-            </a:pPr>
-            <a:r>
-              <a:rPr lang="en-US" dirty="0" smtClean="0"/>
-              <a:t>PostgreSQL</a:t>
-            </a:r>
-          </a:p>
-        </p:txBody>
-      </p:sp>
-      <p:pic>
-        <p:nvPicPr>
-          <p:cNvPr id="3" name="Picture 2"/>
-          <p:cNvPicPr>
-            <a:picLocks noChangeAspect="1"/>
-          </p:cNvPicPr>
-          <p:nvPr/>
-        </p:nvPicPr>
-        <p:blipFill>
-          <a:blip r:embed="rId5" cstate="email">
-            <a:extLst>
-              <a:ext uri="{28A0092B-C50C-407E-A947-70E740481C1C}">
-                <a14:useLocalDpi xmlns:a14="http://schemas.microsoft.com/office/drawing/2010/main" val="0"/>
-              </a:ext>
-            </a:extLst>
-          </a:blip>
-          <a:stretch>
-            <a:fillRect/>
-          </a:stretch>
-        </p:blipFill>
-        <p:spPr>
-          <a:xfrm>
-            <a:off x="2837817" y="2367195"/>
-            <a:ext cx="2651765" cy="1881600"/>
-          </a:xfrm>
-          <a:prstGeom prst="rect">
-            <a:avLst/>
-          </a:prstGeom>
-        </p:spPr>
-      </p:pic>
-      <p:pic>
-        <p:nvPicPr>
-          <p:cNvPr id="8" name="Picture 7"/>
-          <p:cNvPicPr>
-            <a:picLocks noChangeAspect="1"/>
-          </p:cNvPicPr>
-          <p:nvPr/>
-        </p:nvPicPr>
-        <p:blipFill>
-          <a:blip r:embed="rId6" cstate="email">
-            <a:extLst>
-              <a:ext uri="{28A0092B-C50C-407E-A947-70E740481C1C}">
-                <a14:useLocalDpi xmlns:a14="http://schemas.microsoft.com/office/drawing/2010/main" val="0"/>
-              </a:ext>
-            </a:extLst>
-          </a:blip>
-          <a:stretch>
-            <a:fillRect/>
-          </a:stretch>
-        </p:blipFill>
-        <p:spPr>
-          <a:xfrm>
-            <a:off x="2122027" y="3876331"/>
-            <a:ext cx="2819924" cy="1472492"/>
-          </a:xfrm>
-          <a:prstGeom prst="rect">
-            <a:avLst/>
-          </a:prstGeom>
-        </p:spPr>
-      </p:pic>
     </p:spTree>
     <p:extLst>
       <p:ext uri="{BB962C8B-B14F-4D97-AF65-F5344CB8AC3E}">
-        <p14:creationId xmlns:p14="http://schemas.microsoft.com/office/powerpoint/2010/main" val="803841954"/>
+        <p14:creationId xmlns:p14="http://schemas.microsoft.com/office/powerpoint/2010/main" val="1231492197"/>
       </p:ext>
     </p:extLst>
   </p:cSld>
   <p:clrMapOvr>
     <a:masterClrMapping/>
   </p:clrMapOvr>
-  <mc:AlternateContent xmlns:mc="http://schemas.openxmlformats.org/markup-compatibility/2006" xmlns:p14="http://schemas.microsoft.com/office/powerpoint/2010/main">
-    <mc:Choice Requires="p14">
-      <p:transition p14:dur="0"/>
-    </mc:Choice>
-    <mc:Fallback xmlns="">
-      <p:transition/>
-    </mc:Fallback>
-  </mc:AlternateContent>
-  <p:timing>
-    <p:tnLst>
-      <p:par>
-        <p:cTn id="1" dur="indefinite" restart="never" nodeType="tmRoot">
-          <p:childTnLst>
-            <p:seq concurrent="1" nextAc="seek">
-              <p:cTn id="2" dur="indefinite" nodeType="mainSeq">
-                <p:childTnLst>
-                  <p:par>
-                    <p:cTn id="3" fill="hold">
-                      <p:stCondLst>
-                        <p:cond delay="indefinite"/>
-                      </p:stCondLst>
-                      <p:childTnLst>
-                        <p:par>
-                          <p:cTn id="4" fill="hold">
-                            <p:stCondLst>
-                              <p:cond delay="0"/>
-                            </p:stCondLst>
-                            <p:childTnLst>
-                              <p:par>
-                                <p:cTn id="5" presetID="1" presetClass="entr" presetSubtype="0" fill="hold" grpId="0" nodeType="clickEffect">
-                                  <p:stCondLst>
-                                    <p:cond delay="0"/>
-                                  </p:stCondLst>
-                                  <p:childTnLst>
-                                    <p:set>
-                                      <p:cBhvr>
-                                        <p:cTn id="6" dur="1" fill="hold">
-                                          <p:stCondLst>
-                                            <p:cond delay="0"/>
-                                          </p:stCondLst>
-                                        </p:cTn>
-                                        <p:tgtEl>
-                                          <p:spTgt spid="2"/>
-                                        </p:tgtEl>
-                                        <p:attrNameLst>
-                                          <p:attrName>style.visibility</p:attrName>
-                                        </p:attrNameLst>
-                                      </p:cBhvr>
-                                      <p:to>
-                                        <p:strVal val="visible"/>
-                                      </p:to>
-                                    </p:set>
-                                  </p:childTnLst>
-                                </p:cTn>
-                              </p:par>
-                              <p:par>
-                                <p:cTn id="7" presetID="1" presetClass="entr" presetSubtype="0" fill="hold" nodeType="withEffect">
-                                  <p:stCondLst>
-                                    <p:cond delay="0"/>
-                                  </p:stCondLst>
-                                  <p:childTnLst>
-                                    <p:set>
-                                      <p:cBhvr>
-                                        <p:cTn id="8" dur="1" fill="hold">
-                                          <p:stCondLst>
-                                            <p:cond delay="0"/>
-                                          </p:stCondLst>
-                                        </p:cTn>
-                                        <p:tgtEl>
-                                          <p:spTgt spid="3"/>
-                                        </p:tgtEl>
-                                        <p:attrNameLst>
-                                          <p:attrName>style.visibility</p:attrName>
-                                        </p:attrNameLst>
-                                      </p:cBhvr>
-                                      <p:to>
-                                        <p:strVal val="visible"/>
-                                      </p:to>
-                                    </p:set>
-                                  </p:childTnLst>
-                                </p:cTn>
-                              </p:par>
-                            </p:childTnLst>
-                          </p:cTn>
-                        </p:par>
-                      </p:childTnLst>
-                    </p:cTn>
-                  </p:par>
-                  <p:par>
-                    <p:cTn id="9" fill="hold">
-                      <p:stCondLst>
-                        <p:cond delay="indefinite"/>
-                      </p:stCondLst>
-                      <p:childTnLst>
-                        <p:par>
-                          <p:cTn id="10" fill="hold">
-                            <p:stCondLst>
-                              <p:cond delay="0"/>
-                            </p:stCondLst>
-                            <p:childTnLst>
-                              <p:par>
-                                <p:cTn id="11" presetID="1" presetClass="entr" presetSubtype="0" fill="hold" grpId="0" nodeType="clickEffect">
-                                  <p:stCondLst>
-                                    <p:cond delay="0"/>
-                                  </p:stCondLst>
-                                  <p:childTnLst>
-                                    <p:set>
-                                      <p:cBhvr>
-                                        <p:cTn id="12" dur="1" fill="hold">
-                                          <p:stCondLst>
-                                            <p:cond delay="0"/>
-                                          </p:stCondLst>
-                                        </p:cTn>
-                                        <p:tgtEl>
-                                          <p:spTgt spid="6"/>
-                                        </p:tgtEl>
-                                        <p:attrNameLst>
-                                          <p:attrName>style.visibility</p:attrName>
-                                        </p:attrNameLst>
-                                      </p:cBhvr>
-                                      <p:to>
-                                        <p:strVal val="visible"/>
-                                      </p:to>
-                                    </p:set>
-                                  </p:childTnLst>
-                                </p:cTn>
-                              </p:par>
-                              <p:par>
-                                <p:cTn id="13" presetID="1" presetClass="exit" presetSubtype="0" fill="hold" grpId="1" nodeType="withEffect">
-                                  <p:stCondLst>
-                                    <p:cond delay="0"/>
-                                  </p:stCondLst>
-                                  <p:childTnLst>
-                                    <p:set>
-                                      <p:cBhvr>
-                                        <p:cTn id="14" dur="1" fill="hold">
-                                          <p:stCondLst>
-                                            <p:cond delay="0"/>
-                                          </p:stCondLst>
-                                        </p:cTn>
-                                        <p:tgtEl>
-                                          <p:spTgt spid="2"/>
-                                        </p:tgtEl>
-                                        <p:attrNameLst>
-                                          <p:attrName>style.visibility</p:attrName>
-                                        </p:attrNameLst>
-                                      </p:cBhvr>
-                                      <p:to>
-                                        <p:strVal val="hidden"/>
-                                      </p:to>
-                                    </p:set>
-                                  </p:childTnLst>
-                                </p:cTn>
-                              </p:par>
-                            </p:childTnLst>
-                          </p:cTn>
-                        </p:par>
-                      </p:childTnLst>
-                    </p:cTn>
-                  </p:par>
-                  <p:par>
-                    <p:cTn id="15" fill="hold">
-                      <p:stCondLst>
-                        <p:cond delay="indefinite"/>
-                      </p:stCondLst>
-                      <p:childTnLst>
-                        <p:par>
-                          <p:cTn id="16" fill="hold">
-                            <p:stCondLst>
-                              <p:cond delay="0"/>
-                            </p:stCondLst>
-                            <p:childTnLst>
-                              <p:par>
-                                <p:cTn id="17" presetID="1" presetClass="entr" presetSubtype="0" fill="hold" grpId="0" nodeType="clickEffect">
-                                  <p:stCondLst>
-                                    <p:cond delay="0"/>
-                                  </p:stCondLst>
-                                  <p:childTnLst>
-                                    <p:set>
-                                      <p:cBhvr>
-                                        <p:cTn id="18" dur="1" fill="hold">
-                                          <p:stCondLst>
-                                            <p:cond delay="0"/>
-                                          </p:stCondLst>
-                                        </p:cTn>
-                                        <p:tgtEl>
-                                          <p:spTgt spid="7"/>
-                                        </p:tgtEl>
-                                        <p:attrNameLst>
-                                          <p:attrName>style.visibility</p:attrName>
-                                        </p:attrNameLst>
-                                      </p:cBhvr>
-                                      <p:to>
-                                        <p:strVal val="visible"/>
-                                      </p:to>
-                                    </p:set>
-                                  </p:childTnLst>
-                                </p:cTn>
-                              </p:par>
-                              <p:par>
-                                <p:cTn id="19" presetID="1" presetClass="exit" presetSubtype="0" fill="hold" nodeType="withEffect">
-                                  <p:stCondLst>
-                                    <p:cond delay="0"/>
-                                  </p:stCondLst>
-                                  <p:childTnLst>
-                                    <p:set>
-                                      <p:cBhvr>
-                                        <p:cTn id="20" dur="1" fill="hold">
-                                          <p:stCondLst>
-                                            <p:cond delay="0"/>
-                                          </p:stCondLst>
-                                        </p:cTn>
-                                        <p:tgtEl>
-                                          <p:spTgt spid="3"/>
-                                        </p:tgtEl>
-                                        <p:attrNameLst>
-                                          <p:attrName>style.visibility</p:attrName>
-                                        </p:attrNameLst>
-                                      </p:cBhvr>
-                                      <p:to>
-                                        <p:strVal val="hidden"/>
-                                      </p:to>
-                                    </p:set>
-                                  </p:childTnLst>
-                                </p:cTn>
-                              </p:par>
-                              <p:par>
-                                <p:cTn id="21" presetID="1" presetClass="entr" presetSubtype="0" fill="hold" nodeType="withEffect">
-                                  <p:stCondLst>
-                                    <p:cond delay="0"/>
-                                  </p:stCondLst>
-                                  <p:childTnLst>
-                                    <p:set>
-                                      <p:cBhvr>
-                                        <p:cTn id="22" dur="1" fill="hold">
-                                          <p:stCondLst>
-                                            <p:cond delay="0"/>
-                                          </p:stCondLst>
-                                        </p:cTn>
-                                        <p:tgtEl>
-                                          <p:spTgt spid="8"/>
-                                        </p:tgtEl>
-                                        <p:attrNameLst>
-                                          <p:attrName>style.visibility</p:attrName>
-                                        </p:attrNameLst>
-                                      </p:cBhvr>
-                                      <p:to>
-                                        <p:strVal val="visible"/>
-                                      </p:to>
-                                    </p:set>
-                                  </p:childTnLst>
-                                </p:cTn>
-                              </p:par>
-                              <p:par>
-                                <p:cTn id="23" presetID="1" presetClass="exit" presetSubtype="0" fill="hold" grpId="1" nodeType="withEffect">
-                                  <p:stCondLst>
-                                    <p:cond delay="0"/>
-                                  </p:stCondLst>
-                                  <p:childTnLst>
-                                    <p:set>
-                                      <p:cBhvr>
-                                        <p:cTn id="24" dur="1" fill="hold">
-                                          <p:stCondLst>
-                                            <p:cond delay="0"/>
-                                          </p:stCondLst>
-                                        </p:cTn>
-                                        <p:tgtEl>
-                                          <p:spTgt spid="6"/>
-                                        </p:tgtEl>
-                                        <p:attrNameLst>
-                                          <p:attrName>style.visibility</p:attrName>
-                                        </p:attrNameLst>
-                                      </p:cBhvr>
-                                      <p:to>
-                                        <p:strVal val="hidden"/>
-                                      </p:to>
-                                    </p:set>
-                                  </p:childTnLst>
-                                </p:cTn>
-                              </p:par>
-                            </p:childTnLst>
-                          </p:cTn>
-                        </p:par>
-                      </p:childTnLst>
-                    </p:cTn>
-                  </p:par>
-                  <p:par>
-                    <p:cTn id="25" fill="hold">
-                      <p:stCondLst>
-                        <p:cond delay="indefinite"/>
-                      </p:stCondLst>
-                      <p:childTnLst>
-                        <p:par>
-                          <p:cTn id="26" fill="hold">
-                            <p:stCondLst>
-                              <p:cond delay="0"/>
-                            </p:stCondLst>
-                            <p:childTnLst>
-                              <p:par>
-                                <p:cTn id="27" presetID="1" presetClass="entr" presetSubtype="0" fill="hold" grpId="0" nodeType="clickEffect">
-                                  <p:stCondLst>
-                                    <p:cond delay="0"/>
-                                  </p:stCondLst>
-                                  <p:childTnLst>
-                                    <p:set>
-                                      <p:cBhvr>
-                                        <p:cTn id="28" dur="1" fill="hold">
-                                          <p:stCondLst>
-                                            <p:cond delay="0"/>
-                                          </p:stCondLst>
-                                        </p:cTn>
-                                        <p:tgtEl>
-                                          <p:spTgt spid="10"/>
-                                        </p:tgtEl>
-                                        <p:attrNameLst>
-                                          <p:attrName>style.visibility</p:attrName>
-                                        </p:attrNameLst>
-                                      </p:cBhvr>
-                                      <p:to>
-                                        <p:strVal val="visible"/>
-                                      </p:to>
-                                    </p:set>
-                                  </p:childTnLst>
-                                </p:cTn>
-                              </p:par>
-                              <p:par>
-                                <p:cTn id="29" presetID="1" presetClass="exit" presetSubtype="0" fill="hold" nodeType="withEffect">
-                                  <p:stCondLst>
-                                    <p:cond delay="0"/>
-                                  </p:stCondLst>
-                                  <p:childTnLst>
-                                    <p:set>
-                                      <p:cBhvr>
-                                        <p:cTn id="30" dur="1" fill="hold">
-                                          <p:stCondLst>
-                                            <p:cond delay="0"/>
-                                          </p:stCondLst>
-                                        </p:cTn>
-                                        <p:tgtEl>
-                                          <p:spTgt spid="8"/>
-                                        </p:tgtEl>
-                                        <p:attrNameLst>
-                                          <p:attrName>style.visibility</p:attrName>
-                                        </p:attrNameLst>
-                                      </p:cBhvr>
-                                      <p:to>
-                                        <p:strVal val="hidden"/>
-                                      </p:to>
-                                    </p:set>
-                                  </p:childTnLst>
-                                </p:cTn>
-                              </p:par>
-                              <p:par>
-                                <p:cTn id="31" presetID="1" presetClass="exit" presetSubtype="0" fill="hold" grpId="1" nodeType="withEffect">
-                                  <p:stCondLst>
-                                    <p:cond delay="0"/>
-                                  </p:stCondLst>
-                                  <p:childTnLst>
-                                    <p:set>
-                                      <p:cBhvr>
-                                        <p:cTn id="32" dur="1" fill="hold">
-                                          <p:stCondLst>
-                                            <p:cond delay="0"/>
-                                          </p:stCondLst>
-                                        </p:cTn>
-                                        <p:tgtEl>
-                                          <p:spTgt spid="7"/>
-                                        </p:tgtEl>
-                                        <p:attrNameLst>
-                                          <p:attrName>style.visibility</p:attrName>
-                                        </p:attrNameLst>
-                                      </p:cBhvr>
-                                      <p:to>
-                                        <p:strVal val="hidden"/>
-                                      </p:to>
-                                    </p:set>
-                                  </p:childTnLst>
-                                </p:cTn>
-                              </p:par>
-                            </p:childTnLst>
-                          </p:cTn>
-                        </p:par>
-                      </p:childTnLst>
-                    </p:cTn>
-                  </p:par>
-                  <p:par>
-                    <p:cTn id="33" fill="hold">
-                      <p:stCondLst>
-                        <p:cond delay="indefinite"/>
-                      </p:stCondLst>
-                      <p:childTnLst>
-                        <p:par>
-                          <p:cTn id="34" fill="hold">
-                            <p:stCondLst>
-                              <p:cond delay="0"/>
-                            </p:stCondLst>
-                            <p:childTnLst>
-                              <p:par>
-                                <p:cTn id="35" presetID="1" presetClass="entr" presetSubtype="0" fill="hold" grpId="0" nodeType="clickEffect">
-                                  <p:stCondLst>
-                                    <p:cond delay="0"/>
-                                  </p:stCondLst>
-                                  <p:childTnLst>
-                                    <p:set>
-                                      <p:cBhvr>
-                                        <p:cTn id="36" dur="1" fill="hold">
-                                          <p:stCondLst>
-                                            <p:cond delay="0"/>
-                                          </p:stCondLst>
-                                        </p:cTn>
-                                        <p:tgtEl>
-                                          <p:spTgt spid="12"/>
-                                        </p:tgtEl>
-                                        <p:attrNameLst>
-                                          <p:attrName>style.visibility</p:attrName>
-                                        </p:attrNameLst>
-                                      </p:cBhvr>
-                                      <p:to>
-                                        <p:strVal val="visible"/>
-                                      </p:to>
-                                    </p:set>
-                                  </p:childTnLst>
-                                </p:cTn>
-                              </p:par>
-                              <p:par>
-                                <p:cTn id="37" presetID="1" presetClass="exit" presetSubtype="0" fill="hold" grpId="1" nodeType="withEffect">
-                                  <p:stCondLst>
-                                    <p:cond delay="0"/>
-                                  </p:stCondLst>
-                                  <p:childTnLst>
-                                    <p:set>
-                                      <p:cBhvr>
-                                        <p:cTn id="38" dur="1" fill="hold">
-                                          <p:stCondLst>
-                                            <p:cond delay="0"/>
-                                          </p:stCondLst>
-                                        </p:cTn>
-                                        <p:tgtEl>
-                                          <p:spTgt spid="10"/>
-                                        </p:tgtEl>
-                                        <p:attrNameLst>
-                                          <p:attrName>style.visibility</p:attrName>
-                                        </p:attrNameLst>
-                                      </p:cBhvr>
-                                      <p:to>
-                                        <p:strVal val="hidden"/>
-                                      </p:to>
-                                    </p:set>
-                                  </p:childTnLst>
-                                </p:cTn>
-                              </p:par>
-                            </p:childTnLst>
-                          </p:cTn>
-                        </p:par>
-                      </p:childTnLst>
-                    </p:cTn>
-                  </p:par>
-                  <p:par>
-                    <p:cTn id="39" fill="hold">
-                      <p:stCondLst>
-                        <p:cond delay="indefinite"/>
-                      </p:stCondLst>
-                      <p:childTnLst>
-                        <p:par>
-                          <p:cTn id="40" fill="hold">
-                            <p:stCondLst>
-                              <p:cond delay="0"/>
-                            </p:stCondLst>
-                            <p:childTnLst>
-                              <p:par>
-                                <p:cTn id="41" presetID="1" presetClass="entr" presetSubtype="0" fill="hold" grpId="0" nodeType="clickEffect">
-                                  <p:stCondLst>
-                                    <p:cond delay="0"/>
-                                  </p:stCondLst>
-                                  <p:childTnLst>
-                                    <p:set>
-                                      <p:cBhvr>
-                                        <p:cTn id="42" dur="1" fill="hold">
-                                          <p:stCondLst>
-                                            <p:cond delay="0"/>
-                                          </p:stCondLst>
-                                        </p:cTn>
-                                        <p:tgtEl>
-                                          <p:spTgt spid="13"/>
-                                        </p:tgtEl>
-                                        <p:attrNameLst>
-                                          <p:attrName>style.visibility</p:attrName>
-                                        </p:attrNameLst>
-                                      </p:cBhvr>
-                                      <p:to>
-                                        <p:strVal val="visible"/>
-                                      </p:to>
-                                    </p:set>
-                                  </p:childTnLst>
-                                </p:cTn>
-                              </p:par>
-                              <p:par>
-                                <p:cTn id="43" presetID="1" presetClass="exit" presetSubtype="0" fill="hold" grpId="1" nodeType="withEffect">
-                                  <p:stCondLst>
-                                    <p:cond delay="0"/>
-                                  </p:stCondLst>
-                                  <p:childTnLst>
-                                    <p:set>
-                                      <p:cBhvr>
-                                        <p:cTn id="44" dur="1" fill="hold">
-                                          <p:stCondLst>
-                                            <p:cond delay="0"/>
-                                          </p:stCondLst>
-                                        </p:cTn>
-                                        <p:tgtEl>
-                                          <p:spTgt spid="12"/>
-                                        </p:tgtEl>
-                                        <p:attrNameLst>
-                                          <p:attrName>style.visibility</p:attrName>
-                                        </p:attrNameLst>
-                                      </p:cBhvr>
-                                      <p:to>
-                                        <p:strVal val="hidden"/>
-                                      </p:to>
-                                    </p:set>
-                                  </p:childTnLst>
-                                </p:cTn>
-                              </p:par>
-                            </p:childTnLst>
-                          </p:cTn>
-                        </p:par>
-                      </p:childTnLst>
-                    </p:cTn>
-                  </p:par>
-                  <p:par>
-                    <p:cTn id="45" fill="hold">
-                      <p:stCondLst>
-                        <p:cond delay="indefinite"/>
-                      </p:stCondLst>
-                      <p:childTnLst>
-                        <p:par>
-                          <p:cTn id="46" fill="hold">
-                            <p:stCondLst>
-                              <p:cond delay="0"/>
-                            </p:stCondLst>
-                            <p:childTnLst>
-                              <p:par>
-                                <p:cTn id="47" presetID="1" presetClass="entr" presetSubtype="0" fill="hold" grpId="2" nodeType="clickEffect">
-                                  <p:stCondLst>
-                                    <p:cond delay="0"/>
-                                  </p:stCondLst>
-                                  <p:childTnLst>
-                                    <p:set>
-                                      <p:cBhvr>
-                                        <p:cTn id="48" dur="1" fill="hold">
-                                          <p:stCondLst>
-                                            <p:cond delay="0"/>
-                                          </p:stCondLst>
-                                        </p:cTn>
-                                        <p:tgtEl>
-                                          <p:spTgt spid="7"/>
-                                        </p:tgtEl>
-                                        <p:attrNameLst>
-                                          <p:attrName>style.visibility</p:attrName>
-                                        </p:attrNameLst>
-                                      </p:cBhvr>
-                                      <p:to>
-                                        <p:strVal val="visible"/>
-                                      </p:to>
-                                    </p:set>
-                                  </p:childTnLst>
-                                </p:cTn>
-                              </p:par>
-                              <p:par>
-                                <p:cTn id="49" presetID="1" presetClass="exit" presetSubtype="0" fill="hold" grpId="1" nodeType="withEffect">
-                                  <p:stCondLst>
-                                    <p:cond delay="0"/>
-                                  </p:stCondLst>
-                                  <p:childTnLst>
-                                    <p:set>
-                                      <p:cBhvr>
-                                        <p:cTn id="50" dur="1" fill="hold">
-                                          <p:stCondLst>
-                                            <p:cond delay="0"/>
-                                          </p:stCondLst>
-                                        </p:cTn>
-                                        <p:tgtEl>
-                                          <p:spTgt spid="13"/>
-                                        </p:tgtEl>
-                                        <p:attrNameLst>
-                                          <p:attrName>style.visibility</p:attrName>
-                                        </p:attrNameLst>
-                                      </p:cBhvr>
-                                      <p:to>
-                                        <p:strVal val="hidden"/>
-                                      </p:to>
-                                    </p:set>
-                                  </p:childTnLst>
-                                </p:cTn>
-                              </p:par>
-                            </p:childTnLst>
-                          </p:cTn>
-                        </p:par>
-                      </p:childTnLst>
-                    </p:cTn>
-                  </p:par>
-                  <p:par>
-                    <p:cTn id="51" fill="hold">
-                      <p:stCondLst>
-                        <p:cond delay="indefinite"/>
-                      </p:stCondLst>
-                      <p:childTnLst>
-                        <p:par>
-                          <p:cTn id="52" fill="hold">
-                            <p:stCondLst>
-                              <p:cond delay="0"/>
-                            </p:stCondLst>
-                            <p:childTnLst>
-                              <p:par>
-                                <p:cTn id="53" presetID="1" presetClass="exit" presetSubtype="0" fill="hold" grpId="3" nodeType="clickEffect">
-                                  <p:stCondLst>
-                                    <p:cond delay="0"/>
-                                  </p:stCondLst>
-                                  <p:childTnLst>
-                                    <p:set>
-                                      <p:cBhvr>
-                                        <p:cTn id="54" dur="1" fill="hold">
-                                          <p:stCondLst>
-                                            <p:cond delay="0"/>
-                                          </p:stCondLst>
-                                        </p:cTn>
-                                        <p:tgtEl>
-                                          <p:spTgt spid="7"/>
-                                        </p:tgtEl>
-                                        <p:attrNameLst>
-                                          <p:attrName>style.visibility</p:attrName>
-                                        </p:attrNameLst>
-                                      </p:cBhvr>
-                                      <p:to>
-                                        <p:strVal val="hidden"/>
-                                      </p:to>
-                                    </p:set>
-                                  </p:childTnLst>
-                                </p:cTn>
-                              </p:par>
-                            </p:childTnLst>
-                          </p:cTn>
-                        </p:par>
-                      </p:childTnLst>
-                    </p:cTn>
-                  </p:par>
-                  <p:par>
-                    <p:cTn id="55" fill="hold">
-                      <p:stCondLst>
-                        <p:cond delay="indefinite"/>
-                      </p:stCondLst>
-                      <p:childTnLst>
-                        <p:par>
-                          <p:cTn id="56" fill="hold">
-                            <p:stCondLst>
-                              <p:cond delay="0"/>
-                            </p:stCondLst>
-                            <p:childTnLst>
-                              <p:par>
-                                <p:cTn id="57" presetID="1" presetClass="entr" presetSubtype="0" fill="hold" grpId="0" nodeType="clickEffect">
-                                  <p:stCondLst>
-                                    <p:cond delay="0"/>
-                                  </p:stCondLst>
-                                  <p:childTnLst>
-                                    <p:set>
-                                      <p:cBhvr>
-                                        <p:cTn id="58" dur="1" fill="hold">
-                                          <p:stCondLst>
-                                            <p:cond delay="0"/>
-                                          </p:stCondLst>
-                                        </p:cTn>
-                                        <p:tgtEl>
-                                          <p:spTgt spid="14"/>
-                                        </p:tgtEl>
-                                        <p:attrNameLst>
-                                          <p:attrName>style.visibility</p:attrName>
-                                        </p:attrNameLst>
-                                      </p:cBhvr>
-                                      <p:to>
-                                        <p:strVal val="visible"/>
-                                      </p:to>
-                                    </p:set>
-                                  </p:childTnLst>
-                                </p:cTn>
-                              </p:par>
-                            </p:childTnLst>
-                          </p:cTn>
-                        </p:par>
-                      </p:childTnLst>
-                    </p:cTn>
-                  </p:par>
-                  <p:par>
-                    <p:cTn id="59" fill="hold">
-                      <p:stCondLst>
-                        <p:cond delay="indefinite"/>
-                      </p:stCondLst>
-                      <p:childTnLst>
-                        <p:par>
-                          <p:cTn id="60" fill="hold">
-                            <p:stCondLst>
-                              <p:cond delay="0"/>
-                            </p:stCondLst>
-                            <p:childTnLst>
-                              <p:par>
-                                <p:cTn id="61" presetID="1" presetClass="entr" presetSubtype="0" fill="hold" grpId="0" nodeType="clickEffect">
-                                  <p:stCondLst>
-                                    <p:cond delay="0"/>
-                                  </p:stCondLst>
-                                  <p:childTnLst>
-                                    <p:set>
-                                      <p:cBhvr>
-                                        <p:cTn id="62" dur="1" fill="hold">
-                                          <p:stCondLst>
-                                            <p:cond delay="0"/>
-                                          </p:stCondLst>
-                                        </p:cTn>
-                                        <p:tgtEl>
-                                          <p:spTgt spid="15"/>
-                                        </p:tgtEl>
-                                        <p:attrNameLst>
-                                          <p:attrName>style.visibility</p:attrName>
-                                        </p:attrNameLst>
-                                      </p:cBhvr>
-                                      <p:to>
-                                        <p:strVal val="visible"/>
-                                      </p:to>
-                                    </p:set>
-                                  </p:childTnLst>
-                                </p:cTn>
-                              </p:par>
-                              <p:par>
-                                <p:cTn id="63" presetID="1" presetClass="exit" presetSubtype="0" fill="hold" grpId="1" nodeType="withEffect">
-                                  <p:stCondLst>
-                                    <p:cond delay="0"/>
-                                  </p:stCondLst>
-                                  <p:childTnLst>
-                                    <p:set>
-                                      <p:cBhvr>
-                                        <p:cTn id="64" dur="1" fill="hold">
-                                          <p:stCondLst>
-                                            <p:cond delay="0"/>
-                                          </p:stCondLst>
-                                        </p:cTn>
-                                        <p:tgtEl>
-                                          <p:spTgt spid="14"/>
-                                        </p:tgtEl>
-                                        <p:attrNameLst>
-                                          <p:attrName>style.visibility</p:attrName>
-                                        </p:attrNameLst>
-                                      </p:cBhvr>
-                                      <p:to>
-                                        <p:strVal val="hidden"/>
-                                      </p:to>
-                                    </p:set>
-                                  </p:childTnLst>
-                                </p:cTn>
-                              </p:par>
-                            </p:childTnLst>
-                          </p:cTn>
-                        </p:par>
-                      </p:childTnLst>
-                    </p:cTn>
-                  </p:par>
-                  <p:par>
-                    <p:cTn id="65" fill="hold">
-                      <p:stCondLst>
-                        <p:cond delay="indefinite"/>
-                      </p:stCondLst>
-                      <p:childTnLst>
-                        <p:par>
-                          <p:cTn id="66" fill="hold">
-                            <p:stCondLst>
-                              <p:cond delay="0"/>
-                            </p:stCondLst>
-                            <p:childTnLst>
-                              <p:par>
-                                <p:cTn id="67" presetID="1" presetClass="entr" presetSubtype="0" fill="hold" grpId="2" nodeType="clickEffect">
-                                  <p:stCondLst>
-                                    <p:cond delay="0"/>
-                                  </p:stCondLst>
-                                  <p:childTnLst>
-                                    <p:set>
-                                      <p:cBhvr>
-                                        <p:cTn id="68" dur="1" fill="hold">
-                                          <p:stCondLst>
-                                            <p:cond delay="0"/>
-                                          </p:stCondLst>
-                                        </p:cTn>
-                                        <p:tgtEl>
-                                          <p:spTgt spid="12"/>
-                                        </p:tgtEl>
-                                        <p:attrNameLst>
-                                          <p:attrName>style.visibility</p:attrName>
-                                        </p:attrNameLst>
-                                      </p:cBhvr>
-                                      <p:to>
-                                        <p:strVal val="visible"/>
-                                      </p:to>
-                                    </p:set>
-                                  </p:childTnLst>
-                                </p:cTn>
-                              </p:par>
-                              <p:par>
-                                <p:cTn id="69" presetID="1" presetClass="exit" presetSubtype="0" fill="hold" grpId="1" nodeType="withEffect">
-                                  <p:stCondLst>
-                                    <p:cond delay="0"/>
-                                  </p:stCondLst>
-                                  <p:childTnLst>
-                                    <p:set>
-                                      <p:cBhvr>
-                                        <p:cTn id="70" dur="1" fill="hold">
-                                          <p:stCondLst>
-                                            <p:cond delay="0"/>
-                                          </p:stCondLst>
-                                        </p:cTn>
-                                        <p:tgtEl>
-                                          <p:spTgt spid="15"/>
-                                        </p:tgtEl>
-                                        <p:attrNameLst>
-                                          <p:attrName>style.visibility</p:attrName>
-                                        </p:attrNameLst>
-                                      </p:cBhvr>
-                                      <p:to>
-                                        <p:strVal val="hidden"/>
-                                      </p:to>
-                                    </p:set>
-                                  </p:childTnLst>
-                                </p:cTn>
-                              </p:par>
-                            </p:childTnLst>
-                          </p:cTn>
-                        </p:par>
-                      </p:childTnLst>
-                    </p:cTn>
-                  </p:par>
-                  <p:par>
-                    <p:cTn id="71" fill="hold">
-                      <p:stCondLst>
-                        <p:cond delay="indefinite"/>
-                      </p:stCondLst>
-                      <p:childTnLst>
-                        <p:par>
-                          <p:cTn id="72" fill="hold">
-                            <p:stCondLst>
-                              <p:cond delay="0"/>
-                            </p:stCondLst>
-                            <p:childTnLst>
-                              <p:par>
-                                <p:cTn id="73" presetID="1" presetClass="entr" presetSubtype="0" fill="hold" nodeType="clickEffect">
-                                  <p:stCondLst>
-                                    <p:cond delay="0"/>
-                                  </p:stCondLst>
-                                  <p:childTnLst>
-                                    <p:set>
-                                      <p:cBhvr>
-                                        <p:cTn id="74" dur="1" fill="hold">
-                                          <p:stCondLst>
-                                            <p:cond delay="0"/>
-                                          </p:stCondLst>
-                                        </p:cTn>
-                                        <p:tgtEl>
-                                          <p:spTgt spid="4"/>
-                                        </p:tgtEl>
-                                        <p:attrNameLst>
-                                          <p:attrName>style.visibility</p:attrName>
-                                        </p:attrNameLst>
-                                      </p:cBhvr>
-                                      <p:to>
-                                        <p:strVal val="visible"/>
-                                      </p:to>
-                                    </p:set>
-                                  </p:childTnLst>
-                                </p:cTn>
-                              </p:par>
-                            </p:childTnLst>
-                          </p:cTn>
-                        </p:par>
-                      </p:childTnLst>
-                    </p:cTn>
-                  </p:par>
-                  <p:par>
-                    <p:cTn id="75" fill="hold">
-                      <p:stCondLst>
-                        <p:cond delay="indefinite"/>
-                      </p:stCondLst>
-                      <p:childTnLst>
-                        <p:par>
-                          <p:cTn id="76" fill="hold">
-                            <p:stCondLst>
-                              <p:cond delay="0"/>
-                            </p:stCondLst>
-                            <p:childTnLst>
-                              <p:par>
-                                <p:cTn id="77" presetID="1" presetClass="entr" presetSubtype="0" fill="hold" grpId="0" nodeType="clickEffect">
-                                  <p:stCondLst>
-                                    <p:cond delay="0"/>
-                                  </p:stCondLst>
-                                  <p:childTnLst>
-                                    <p:set>
-                                      <p:cBhvr>
-                                        <p:cTn id="78" dur="1" fill="hold">
-                                          <p:stCondLst>
-                                            <p:cond delay="0"/>
-                                          </p:stCondLst>
-                                        </p:cTn>
-                                        <p:tgtEl>
-                                          <p:spTgt spid="5"/>
-                                        </p:tgtEl>
-                                        <p:attrNameLst>
-                                          <p:attrName>style.visibility</p:attrName>
-                                        </p:attrNameLst>
-                                      </p:cBhvr>
-                                      <p:to>
-                                        <p:strVal val="visible"/>
-                                      </p:to>
-                                    </p:set>
-                                  </p:childTnLst>
-                                </p:cTn>
-                              </p:par>
-                            </p:childTnLst>
-                          </p:cTn>
-                        </p:par>
-                      </p:childTnLst>
-                    </p:cTn>
-                  </p:par>
-                  <p:par>
-                    <p:cTn id="79" fill="hold">
-                      <p:stCondLst>
-                        <p:cond delay="indefinite"/>
-                      </p:stCondLst>
-                      <p:childTnLst>
-                        <p:par>
-                          <p:cTn id="80" fill="hold">
-                            <p:stCondLst>
-                              <p:cond delay="0"/>
-                            </p:stCondLst>
-                            <p:childTnLst>
-                              <p:par>
-                                <p:cTn id="81" presetID="1" presetClass="entr" presetSubtype="0" fill="hold" grpId="0" nodeType="clickEffect">
-                                  <p:stCondLst>
-                                    <p:cond delay="0"/>
-                                  </p:stCondLst>
-                                  <p:childTnLst>
-                                    <p:set>
-                                      <p:cBhvr>
-                                        <p:cTn id="82" dur="1" fill="hold">
-                                          <p:stCondLst>
-                                            <p:cond delay="0"/>
-                                          </p:stCondLst>
-                                        </p:cTn>
-                                        <p:tgtEl>
-                                          <p:spTgt spid="16"/>
-                                        </p:tgtEl>
-                                        <p:attrNameLst>
-                                          <p:attrName>style.visibility</p:attrName>
-                                        </p:attrNameLst>
-                                      </p:cBhvr>
-                                      <p:to>
-                                        <p:strVal val="visible"/>
-                                      </p:to>
-                                    </p:set>
-                                  </p:childTnLst>
-                                </p:cTn>
-                              </p:par>
-                            </p:childTnLst>
-                          </p:cTn>
-                        </p:par>
-                      </p:childTnLst>
-                    </p:cTn>
-                  </p:par>
-                  <p:par>
-                    <p:cTn id="83" fill="hold">
-                      <p:stCondLst>
-                        <p:cond delay="indefinite"/>
-                      </p:stCondLst>
-                      <p:childTnLst>
-                        <p:par>
-                          <p:cTn id="84" fill="hold">
-                            <p:stCondLst>
-                              <p:cond delay="0"/>
-                            </p:stCondLst>
-                            <p:childTnLst>
-                              <p:par>
-                                <p:cTn id="85" presetID="1" presetClass="entr" presetSubtype="0" fill="hold" grpId="0" nodeType="clickEffect">
-                                  <p:stCondLst>
-                                    <p:cond delay="0"/>
-                                  </p:stCondLst>
-                                  <p:childTnLst>
-                                    <p:set>
-                                      <p:cBhvr>
-                                        <p:cTn id="86" dur="1" fill="hold">
-                                          <p:stCondLst>
-                                            <p:cond delay="0"/>
-                                          </p:stCondLst>
-                                        </p:cTn>
-                                        <p:tgtEl>
-                                          <p:spTgt spid="17"/>
-                                        </p:tgtEl>
-                                        <p:attrNameLst>
-                                          <p:attrName>style.visibility</p:attrName>
-                                        </p:attrNameLst>
-                                      </p:cBhvr>
-                                      <p:to>
-                                        <p:strVal val="visible"/>
-                                      </p:to>
-                                    </p:set>
-                                  </p:childTnLst>
-                                </p:cTn>
-                              </p:par>
-                            </p:childTnLst>
-                          </p:cTn>
-                        </p:par>
-                      </p:childTnLst>
-                    </p:cTn>
-                  </p:par>
-                </p:childTnLst>
-              </p:cTn>
-              <p:prevCondLst>
-                <p:cond evt="onPrev" delay="0">
-                  <p:tgtEl>
-                    <p:sldTgt/>
-                  </p:tgtEl>
-                </p:cond>
-              </p:prevCondLst>
-              <p:nextCondLst>
-                <p:cond evt="onNext" delay="0">
-                  <p:tgtEl>
-                    <p:sldTgt/>
-                  </p:tgtEl>
-                </p:cond>
-              </p:nextCondLst>
-            </p:seq>
-          </p:childTnLst>
-        </p:cTn>
-      </p:par>
-    </p:tnLst>
-    <p:bldLst>
-      <p:bldP spid="2" grpId="0" animBg="1"/>
-      <p:bldP spid="2" grpId="1" animBg="1"/>
-      <p:bldP spid="6" grpId="0" animBg="1"/>
-      <p:bldP spid="6" grpId="1" animBg="1"/>
-      <p:bldP spid="7" grpId="0" animBg="1"/>
-      <p:bldP spid="7" grpId="1" animBg="1"/>
-      <p:bldP spid="7" grpId="2" animBg="1"/>
-      <p:bldP spid="7" grpId="3" animBg="1"/>
-      <p:bldP spid="10" grpId="0" animBg="1"/>
-      <p:bldP spid="10" grpId="1" animBg="1"/>
-      <p:bldP spid="12" grpId="0" animBg="1"/>
-      <p:bldP spid="12" grpId="1" animBg="1"/>
-      <p:bldP spid="12" grpId="2" animBg="1"/>
-      <p:bldP spid="13" grpId="0" animBg="1"/>
-      <p:bldP spid="13" grpId="1" animBg="1"/>
-      <p:bldP spid="14" grpId="0" animBg="1"/>
-      <p:bldP spid="14" grpId="1" animBg="1"/>
-      <p:bldP spid="15" grpId="0" animBg="1"/>
-      <p:bldP spid="15" grpId="1" animBg="1"/>
-      <p:bldP spid="5" grpId="0" animBg="1"/>
-      <p:bldP spid="16" grpId="0" animBg="1"/>
-      <p:bldP spid="17" grpId="0" animBg="1"/>
-    </p:bldLst>
-  </p:timing>
 </p:sld>
 </file>
 
@@ -9925,29 +9149,80 @@
           <a:p>
             <a:r>
               <a:rPr lang="en-US" dirty="0" smtClean="0"/>
-              <a:t>Build Process</a:t>
+              <a:t>Initial User Setup</a:t>
             </a:r>
             <a:endParaRPr lang="en-US" dirty="0"/>
           </a:p>
         </p:txBody>
       </p:sp>
+      <p:sp>
+        <p:nvSpPr>
+          <p:cNvPr id="3" name="Content Placeholder 2"/>
+          <p:cNvSpPr>
+            <a:spLocks noGrp="1"/>
+          </p:cNvSpPr>
+          <p:nvPr>
+            <p:ph idx="1"/>
+          </p:nvPr>
+        </p:nvSpPr>
+        <p:spPr>
+          <a:xfrm>
+            <a:off x="470647" y="1356052"/>
+            <a:ext cx="8332694" cy="1333360"/>
+          </a:xfrm>
+        </p:spPr>
+        <p:txBody>
+          <a:bodyPr/>
+          <a:lstStyle/>
+          <a:p>
+            <a:r>
+              <a:rPr lang="en-US" dirty="0" smtClean="0"/>
+              <a:t>If Node is not paired a basic webpage will be hosted for the user to input the SSID and Password of the connection point</a:t>
+            </a:r>
+            <a:endParaRPr lang="en-US" dirty="0"/>
+          </a:p>
+        </p:txBody>
+      </p:sp>
+      <p:pic>
+        <p:nvPicPr>
+          <p:cNvPr id="4" name="Picture 3"/>
+          <p:cNvPicPr>
+            <a:picLocks noChangeAspect="1"/>
+          </p:cNvPicPr>
+          <p:nvPr/>
+        </p:nvPicPr>
+        <p:blipFill>
+          <a:blip r:embed="rId3">
+            <a:extLst>
+              <a:ext uri="{28A0092B-C50C-407E-A947-70E740481C1C}">
+                <a14:useLocalDpi xmlns:a14="http://schemas.microsoft.com/office/drawing/2010/main" val="0"/>
+              </a:ext>
+            </a:extLst>
+          </a:blip>
+          <a:stretch>
+            <a:fillRect/>
+          </a:stretch>
+        </p:blipFill>
+        <p:spPr>
+          <a:xfrm>
+            <a:off x="1546412" y="2785923"/>
+            <a:ext cx="4851400" cy="2641600"/>
+          </a:xfrm>
+          <a:prstGeom prst="rect">
+            <a:avLst/>
+          </a:prstGeom>
+        </p:spPr>
+      </p:pic>
     </p:spTree>
     <p:extLst>
       <p:ext uri="{BB962C8B-B14F-4D97-AF65-F5344CB8AC3E}">
-        <p14:creationId xmlns:p14="http://schemas.microsoft.com/office/powerpoint/2010/main" val="3881248493"/>
+        <p14:creationId xmlns:p14="http://schemas.microsoft.com/office/powerpoint/2010/main" val="392100371"/>
       </p:ext>
     </p:extLst>
   </p:cSld>
   <p:clrMapOvr>
     <a:masterClrMapping/>
   </p:clrMapOvr>
-  <p:timing>
-    <p:tnLst>
-      <p:par>
-        <p:cTn id="1" dur="indefinite" restart="never" nodeType="tmRoot"/>
-      </p:par>
-    </p:tnLst>
-  </p:timing>
 </p:sld>
 </file>
 

--- a/Final Documents/Final Presentation.pptx
+++ b/Final Documents/Final Presentation.pptx
@@ -5,24 +5,23 @@
     <p:sldMasterId id="2147483660" r:id="rId1"/>
   </p:sldMasterIdLst>
   <p:notesMasterIdLst>
-    <p:notesMasterId r:id="rId17"/>
+    <p:notesMasterId r:id="rId16"/>
   </p:notesMasterIdLst>
   <p:sldIdLst>
     <p:sldId id="256" r:id="rId2"/>
-    <p:sldId id="264" r:id="rId3"/>
-    <p:sldId id="257" r:id="rId4"/>
-    <p:sldId id="258" r:id="rId5"/>
-    <p:sldId id="268" r:id="rId6"/>
-    <p:sldId id="269" r:id="rId7"/>
-    <p:sldId id="259" r:id="rId8"/>
-    <p:sldId id="273" r:id="rId9"/>
-    <p:sldId id="274" r:id="rId10"/>
-    <p:sldId id="270" r:id="rId11"/>
-    <p:sldId id="271" r:id="rId12"/>
-    <p:sldId id="272" r:id="rId13"/>
-    <p:sldId id="275" r:id="rId14"/>
-    <p:sldId id="267" r:id="rId15"/>
-    <p:sldId id="261" r:id="rId16"/>
+    <p:sldId id="257" r:id="rId3"/>
+    <p:sldId id="258" r:id="rId4"/>
+    <p:sldId id="268" r:id="rId5"/>
+    <p:sldId id="269" r:id="rId6"/>
+    <p:sldId id="273" r:id="rId7"/>
+    <p:sldId id="274" r:id="rId8"/>
+    <p:sldId id="270" r:id="rId9"/>
+    <p:sldId id="271" r:id="rId10"/>
+    <p:sldId id="272" r:id="rId11"/>
+    <p:sldId id="259" r:id="rId12"/>
+    <p:sldId id="275" r:id="rId13"/>
+    <p:sldId id="267" r:id="rId14"/>
+    <p:sldId id="261" r:id="rId15"/>
   </p:sldIdLst>
   <p:sldSz cx="9144000" cy="6858000" type="screen4x3"/>
   <p:notesSz cx="6858000" cy="9144000"/>
@@ -222,7 +221,7 @@
           <a:p>
             <a:fld id="{3054C299-8359-5B4D-8FA7-E9A587887A0D}" type="datetimeFigureOut">
               <a:rPr lang="en-US" smtClean="0"/>
-              <a:t>12/2/15</a:t>
+              <a:t>12/2/2015</a:t>
             </a:fld>
             <a:endParaRPr lang="en-US"/>
           </a:p>
@@ -534,7 +533,10 @@
           <a:bodyPr/>
           <a:lstStyle/>
           <a:p>
-            <a:endParaRPr lang="en-US" dirty="0"/>
+            <a:r>
+              <a:rPr lang="en-US" dirty="0" smtClean="0"/>
+              <a:t>Connor</a:t>
+            </a:r>
           </a:p>
         </p:txBody>
       </p:sp>
@@ -555,7 +557,7 @@
           <a:p>
             <a:fld id="{05332D8B-7B6C-A54D-BAC6-226B3ACA1459}" type="slidenum">
               <a:rPr lang="en-US" smtClean="0"/>
-              <a:t>2</a:t>
+              <a:t>1</a:t>
             </a:fld>
             <a:endParaRPr lang="en-US"/>
           </a:p>
@@ -564,7 +566,547 @@
     </p:spTree>
     <p:extLst>
       <p:ext uri="{BB962C8B-B14F-4D97-AF65-F5344CB8AC3E}">
-        <p14:creationId xmlns:p14="http://schemas.microsoft.com/office/powerpoint/2010/main" val="1583942582"/>
+        <p14:creationId xmlns:p14="http://schemas.microsoft.com/office/powerpoint/2010/main" val="3184888756"/>
+      </p:ext>
+    </p:extLst>
+  </p:cSld>
+  <p:clrMapOvr>
+    <a:masterClrMapping/>
+  </p:clrMapOvr>
+</p:notes>
+</file>
+
+<file path=ppt/notesSlides/notesSlide10.xml><?xml version="1.0" encoding="utf-8"?>
+<p:notes xmlns:a="http://schemas.openxmlformats.org/drawingml/2006/main" xmlns:r="http://schemas.openxmlformats.org/officeDocument/2006/relationships" xmlns:p="http://schemas.openxmlformats.org/presentationml/2006/main">
+  <p:cSld>
+    <p:spTree>
+      <p:nvGrpSpPr>
+        <p:cNvPr id="1" name=""/>
+        <p:cNvGrpSpPr/>
+        <p:nvPr/>
+      </p:nvGrpSpPr>
+      <p:grpSpPr>
+        <a:xfrm>
+          <a:off x="0" y="0"/>
+          <a:ext cx="0" cy="0"/>
+          <a:chOff x="0" y="0"/>
+          <a:chExt cx="0" cy="0"/>
+        </a:xfrm>
+      </p:grpSpPr>
+      <p:sp>
+        <p:nvSpPr>
+          <p:cNvPr id="2" name="Slide Image Placeholder 1"/>
+          <p:cNvSpPr>
+            <a:spLocks noGrp="1" noRot="1" noChangeAspect="1"/>
+          </p:cNvSpPr>
+          <p:nvPr>
+            <p:ph type="sldImg"/>
+          </p:nvPr>
+        </p:nvSpPr>
+        <p:spPr/>
+      </p:sp>
+      <p:sp>
+        <p:nvSpPr>
+          <p:cNvPr id="3" name="Notes Placeholder 2"/>
+          <p:cNvSpPr>
+            <a:spLocks noGrp="1"/>
+          </p:cNvSpPr>
+          <p:nvPr>
+            <p:ph type="body" idx="1"/>
+          </p:nvPr>
+        </p:nvSpPr>
+        <p:spPr/>
+        <p:txBody>
+          <a:bodyPr/>
+          <a:lstStyle/>
+          <a:p>
+            <a:r>
+              <a:rPr lang="en-US" dirty="0" smtClean="0"/>
+              <a:t>Dan</a:t>
+            </a:r>
+            <a:endParaRPr lang="en-US" dirty="0"/>
+          </a:p>
+        </p:txBody>
+      </p:sp>
+      <p:sp>
+        <p:nvSpPr>
+          <p:cNvPr id="4" name="Slide Number Placeholder 3"/>
+          <p:cNvSpPr>
+            <a:spLocks noGrp="1"/>
+          </p:cNvSpPr>
+          <p:nvPr>
+            <p:ph type="sldNum" sz="quarter" idx="10"/>
+          </p:nvPr>
+        </p:nvSpPr>
+        <p:spPr/>
+        <p:txBody>
+          <a:bodyPr/>
+          <a:lstStyle/>
+          <a:p>
+            <a:fld id="{05332D8B-7B6C-A54D-BAC6-226B3ACA1459}" type="slidenum">
+              <a:rPr lang="en-US" smtClean="0"/>
+              <a:t>10</a:t>
+            </a:fld>
+            <a:endParaRPr lang="en-US"/>
+          </a:p>
+        </p:txBody>
+      </p:sp>
+    </p:spTree>
+    <p:extLst>
+      <p:ext uri="{BB962C8B-B14F-4D97-AF65-F5344CB8AC3E}">
+        <p14:creationId xmlns:p14="http://schemas.microsoft.com/office/powerpoint/2010/main" val="2807868745"/>
+      </p:ext>
+    </p:extLst>
+  </p:cSld>
+  <p:clrMapOvr>
+    <a:masterClrMapping/>
+  </p:clrMapOvr>
+</p:notes>
+</file>
+
+<file path=ppt/notesSlides/notesSlide11.xml><?xml version="1.0" encoding="utf-8"?>
+<p:notes xmlns:a="http://schemas.openxmlformats.org/drawingml/2006/main" xmlns:r="http://schemas.openxmlformats.org/officeDocument/2006/relationships" xmlns:p="http://schemas.openxmlformats.org/presentationml/2006/main">
+  <p:cSld>
+    <p:spTree>
+      <p:nvGrpSpPr>
+        <p:cNvPr id="1" name=""/>
+        <p:cNvGrpSpPr/>
+        <p:nvPr/>
+      </p:nvGrpSpPr>
+      <p:grpSpPr>
+        <a:xfrm>
+          <a:off x="0" y="0"/>
+          <a:ext cx="0" cy="0"/>
+          <a:chOff x="0" y="0"/>
+          <a:chExt cx="0" cy="0"/>
+        </a:xfrm>
+      </p:grpSpPr>
+      <p:sp>
+        <p:nvSpPr>
+          <p:cNvPr id="2" name="Slide Image Placeholder 1"/>
+          <p:cNvSpPr>
+            <a:spLocks noGrp="1" noRot="1" noChangeAspect="1"/>
+          </p:cNvSpPr>
+          <p:nvPr>
+            <p:ph type="sldImg"/>
+          </p:nvPr>
+        </p:nvSpPr>
+        <p:spPr/>
+      </p:sp>
+      <p:sp>
+        <p:nvSpPr>
+          <p:cNvPr id="3" name="Notes Placeholder 2"/>
+          <p:cNvSpPr>
+            <a:spLocks noGrp="1"/>
+          </p:cNvSpPr>
+          <p:nvPr>
+            <p:ph type="body" idx="1"/>
+          </p:nvPr>
+        </p:nvSpPr>
+        <p:spPr/>
+        <p:txBody>
+          <a:bodyPr/>
+          <a:lstStyle/>
+          <a:p>
+            <a:r>
+              <a:rPr lang="en-US" baseline="0" dirty="0" smtClean="0"/>
+              <a:t>Connor</a:t>
+            </a:r>
+          </a:p>
+          <a:p>
+            <a:r>
+              <a:rPr lang="en-US" baseline="0" dirty="0" smtClean="0"/>
+              <a:t>Need to add some pictures of the project- </a:t>
+            </a:r>
+            <a:r>
+              <a:rPr lang="en-US" baseline="0" dirty="0" err="1" smtClean="0"/>
+              <a:t>Rpi</a:t>
+            </a:r>
+            <a:r>
+              <a:rPr lang="en-US" baseline="0" dirty="0" smtClean="0"/>
+              <a:t>, node fully set up</a:t>
+            </a:r>
+          </a:p>
+        </p:txBody>
+      </p:sp>
+      <p:sp>
+        <p:nvSpPr>
+          <p:cNvPr id="4" name="Slide Number Placeholder 3"/>
+          <p:cNvSpPr>
+            <a:spLocks noGrp="1"/>
+          </p:cNvSpPr>
+          <p:nvPr>
+            <p:ph type="sldNum" sz="quarter" idx="10"/>
+          </p:nvPr>
+        </p:nvSpPr>
+        <p:spPr/>
+        <p:txBody>
+          <a:bodyPr/>
+          <a:lstStyle/>
+          <a:p>
+            <a:fld id="{05332D8B-7B6C-A54D-BAC6-226B3ACA1459}" type="slidenum">
+              <a:rPr lang="en-US" smtClean="0"/>
+              <a:t>11</a:t>
+            </a:fld>
+            <a:endParaRPr lang="en-US"/>
+          </a:p>
+        </p:txBody>
+      </p:sp>
+    </p:spTree>
+    <p:extLst>
+      <p:ext uri="{BB962C8B-B14F-4D97-AF65-F5344CB8AC3E}">
+        <p14:creationId xmlns:p14="http://schemas.microsoft.com/office/powerpoint/2010/main" val="282400902"/>
+      </p:ext>
+    </p:extLst>
+  </p:cSld>
+  <p:clrMapOvr>
+    <a:masterClrMapping/>
+  </p:clrMapOvr>
+</p:notes>
+</file>
+
+<file path=ppt/notesSlides/notesSlide12.xml><?xml version="1.0" encoding="utf-8"?>
+<p:notes xmlns:a="http://schemas.openxmlformats.org/drawingml/2006/main" xmlns:r="http://schemas.openxmlformats.org/officeDocument/2006/relationships" xmlns:p="http://schemas.openxmlformats.org/presentationml/2006/main">
+  <p:cSld>
+    <p:spTree>
+      <p:nvGrpSpPr>
+        <p:cNvPr id="1" name=""/>
+        <p:cNvGrpSpPr/>
+        <p:nvPr/>
+      </p:nvGrpSpPr>
+      <p:grpSpPr>
+        <a:xfrm>
+          <a:off x="0" y="0"/>
+          <a:ext cx="0" cy="0"/>
+          <a:chOff x="0" y="0"/>
+          <a:chExt cx="0" cy="0"/>
+        </a:xfrm>
+      </p:grpSpPr>
+      <p:sp>
+        <p:nvSpPr>
+          <p:cNvPr id="2" name="Slide Image Placeholder 1"/>
+          <p:cNvSpPr>
+            <a:spLocks noGrp="1" noRot="1" noChangeAspect="1"/>
+          </p:cNvSpPr>
+          <p:nvPr>
+            <p:ph type="sldImg"/>
+          </p:nvPr>
+        </p:nvSpPr>
+        <p:spPr/>
+      </p:sp>
+      <p:sp>
+        <p:nvSpPr>
+          <p:cNvPr id="3" name="Notes Placeholder 2"/>
+          <p:cNvSpPr>
+            <a:spLocks noGrp="1"/>
+          </p:cNvSpPr>
+          <p:nvPr>
+            <p:ph type="body" idx="1"/>
+          </p:nvPr>
+        </p:nvSpPr>
+        <p:spPr/>
+        <p:txBody>
+          <a:bodyPr/>
+          <a:lstStyle/>
+          <a:p>
+            <a:r>
+              <a:rPr lang="en-US" dirty="0" smtClean="0"/>
+              <a:t>Gunnar</a:t>
+            </a:r>
+          </a:p>
+          <a:p>
+            <a:pPr marL="228600" indent="-228600">
+              <a:buAutoNum type="arabicParenR"/>
+            </a:pPr>
+            <a:r>
+              <a:rPr lang="en-US" dirty="0" smtClean="0"/>
+              <a:t>Newer MCU offered more reliable communication with server.</a:t>
+            </a:r>
+            <a:r>
+              <a:rPr lang="en-US" baseline="0" dirty="0" smtClean="0"/>
+              <a:t> Also offered additional functionality such as </a:t>
+            </a:r>
+            <a:r>
+              <a:rPr lang="en-US" baseline="0" dirty="0" err="1" smtClean="0"/>
+              <a:t>Lua</a:t>
+            </a:r>
+            <a:r>
+              <a:rPr lang="en-US" baseline="0" dirty="0" smtClean="0"/>
+              <a:t> and </a:t>
+            </a:r>
+            <a:r>
+              <a:rPr lang="en-US" baseline="0" dirty="0" err="1" smtClean="0"/>
+              <a:t>MicroPython</a:t>
+            </a:r>
+            <a:r>
+              <a:rPr lang="en-US" baseline="0" dirty="0" smtClean="0"/>
+              <a:t> </a:t>
+            </a:r>
+            <a:r>
+              <a:rPr lang="en-US" baseline="0" dirty="0" err="1" smtClean="0"/>
+              <a:t>interpretors</a:t>
+            </a:r>
+            <a:r>
+              <a:rPr lang="en-US" baseline="0" dirty="0" smtClean="0"/>
+              <a:t>.</a:t>
+            </a:r>
+          </a:p>
+          <a:p>
+            <a:pPr marL="228600" indent="-228600">
+              <a:buAutoNum type="arabicParenR"/>
+            </a:pPr>
+            <a:r>
+              <a:rPr lang="en-US" baseline="0" dirty="0" smtClean="0"/>
+              <a:t>Celery was slow to develop with and didn’t work reliably.</a:t>
+            </a:r>
+            <a:endParaRPr lang="en-US" dirty="0" smtClean="0"/>
+          </a:p>
+        </p:txBody>
+      </p:sp>
+      <p:sp>
+        <p:nvSpPr>
+          <p:cNvPr id="4" name="Slide Number Placeholder 3"/>
+          <p:cNvSpPr>
+            <a:spLocks noGrp="1"/>
+          </p:cNvSpPr>
+          <p:nvPr>
+            <p:ph type="sldNum" sz="quarter" idx="10"/>
+          </p:nvPr>
+        </p:nvSpPr>
+        <p:spPr/>
+        <p:txBody>
+          <a:bodyPr/>
+          <a:lstStyle/>
+          <a:p>
+            <a:fld id="{05332D8B-7B6C-A54D-BAC6-226B3ACA1459}" type="slidenum">
+              <a:rPr lang="en-US" smtClean="0"/>
+              <a:t>12</a:t>
+            </a:fld>
+            <a:endParaRPr lang="en-US"/>
+          </a:p>
+        </p:txBody>
+      </p:sp>
+    </p:spTree>
+    <p:extLst>
+      <p:ext uri="{BB962C8B-B14F-4D97-AF65-F5344CB8AC3E}">
+        <p14:creationId xmlns:p14="http://schemas.microsoft.com/office/powerpoint/2010/main" val="3034888795"/>
+      </p:ext>
+    </p:extLst>
+  </p:cSld>
+  <p:clrMapOvr>
+    <a:masterClrMapping/>
+  </p:clrMapOvr>
+</p:notes>
+</file>
+
+<file path=ppt/notesSlides/notesSlide13.xml><?xml version="1.0" encoding="utf-8"?>
+<p:notes xmlns:a="http://schemas.openxmlformats.org/drawingml/2006/main" xmlns:r="http://schemas.openxmlformats.org/officeDocument/2006/relationships" xmlns:p="http://schemas.openxmlformats.org/presentationml/2006/main">
+  <p:cSld>
+    <p:spTree>
+      <p:nvGrpSpPr>
+        <p:cNvPr id="1" name=""/>
+        <p:cNvGrpSpPr/>
+        <p:nvPr/>
+      </p:nvGrpSpPr>
+      <p:grpSpPr>
+        <a:xfrm>
+          <a:off x="0" y="0"/>
+          <a:ext cx="0" cy="0"/>
+          <a:chOff x="0" y="0"/>
+          <a:chExt cx="0" cy="0"/>
+        </a:xfrm>
+      </p:grpSpPr>
+      <p:sp>
+        <p:nvSpPr>
+          <p:cNvPr id="2" name="Slide Image Placeholder 1"/>
+          <p:cNvSpPr>
+            <a:spLocks noGrp="1" noRot="1" noChangeAspect="1"/>
+          </p:cNvSpPr>
+          <p:nvPr>
+            <p:ph type="sldImg"/>
+          </p:nvPr>
+        </p:nvSpPr>
+        <p:spPr/>
+      </p:sp>
+      <p:sp>
+        <p:nvSpPr>
+          <p:cNvPr id="3" name="Notes Placeholder 2"/>
+          <p:cNvSpPr>
+            <a:spLocks noGrp="1"/>
+          </p:cNvSpPr>
+          <p:nvPr>
+            <p:ph type="body" idx="1"/>
+          </p:nvPr>
+        </p:nvSpPr>
+        <p:spPr/>
+        <p:txBody>
+          <a:bodyPr/>
+          <a:lstStyle/>
+          <a:p>
+            <a:r>
+              <a:rPr lang="en-US" dirty="0" smtClean="0"/>
+              <a:t>Gunnar</a:t>
+            </a:r>
+          </a:p>
+          <a:p>
+            <a:pPr marL="228600" indent="-228600">
+              <a:buAutoNum type="arabicParenR"/>
+            </a:pPr>
+            <a:r>
+              <a:rPr lang="en-US" baseline="0" dirty="0" smtClean="0"/>
+              <a:t>Such as rules that control more than 1 light</a:t>
+            </a:r>
+          </a:p>
+          <a:p>
+            <a:pPr marL="228600" indent="-228600">
+              <a:buAutoNum type="arabicParenR"/>
+            </a:pPr>
+            <a:r>
+              <a:rPr lang="en-US" baseline="0" dirty="0" smtClean="0"/>
+              <a:t>The login page for the Node is clearly basic and could be much more interactive</a:t>
+            </a:r>
+          </a:p>
+          <a:p>
+            <a:pPr marL="228600" indent="-228600">
+              <a:buAutoNum type="arabicParenR"/>
+            </a:pPr>
+            <a:r>
+              <a:rPr lang="en-US" baseline="0" dirty="0" smtClean="0"/>
+              <a:t>Obvious</a:t>
+            </a:r>
+          </a:p>
+          <a:p>
+            <a:pPr marL="228600" indent="-228600">
+              <a:buAutoNum type="arabicParenR"/>
+            </a:pPr>
+            <a:r>
+              <a:rPr lang="en-US" baseline="0" dirty="0" smtClean="0"/>
+              <a:t>To lower our power consumption</a:t>
+            </a:r>
+          </a:p>
+          <a:p>
+            <a:pPr marL="228600" indent="-228600">
+              <a:buAutoNum type="arabicParenR"/>
+            </a:pPr>
+            <a:r>
+              <a:rPr lang="en-US" baseline="0" smtClean="0"/>
+              <a:t>obvious</a:t>
+            </a:r>
+            <a:endParaRPr lang="en-US" baseline="0" dirty="0" smtClean="0"/>
+          </a:p>
+        </p:txBody>
+      </p:sp>
+      <p:sp>
+        <p:nvSpPr>
+          <p:cNvPr id="4" name="Slide Number Placeholder 3"/>
+          <p:cNvSpPr>
+            <a:spLocks noGrp="1"/>
+          </p:cNvSpPr>
+          <p:nvPr>
+            <p:ph type="sldNum" sz="quarter" idx="10"/>
+          </p:nvPr>
+        </p:nvSpPr>
+        <p:spPr/>
+        <p:txBody>
+          <a:bodyPr/>
+          <a:lstStyle/>
+          <a:p>
+            <a:fld id="{05332D8B-7B6C-A54D-BAC6-226B3ACA1459}" type="slidenum">
+              <a:rPr lang="en-US" smtClean="0"/>
+              <a:t>13</a:t>
+            </a:fld>
+            <a:endParaRPr lang="en-US"/>
+          </a:p>
+        </p:txBody>
+      </p:sp>
+    </p:spTree>
+    <p:extLst>
+      <p:ext uri="{BB962C8B-B14F-4D97-AF65-F5344CB8AC3E}">
+        <p14:creationId xmlns:p14="http://schemas.microsoft.com/office/powerpoint/2010/main" val="3647391457"/>
+      </p:ext>
+    </p:extLst>
+  </p:cSld>
+  <p:clrMapOvr>
+    <a:masterClrMapping/>
+  </p:clrMapOvr>
+</p:notes>
+</file>
+
+<file path=ppt/notesSlides/notesSlide14.xml><?xml version="1.0" encoding="utf-8"?>
+<p:notes xmlns:a="http://schemas.openxmlformats.org/drawingml/2006/main" xmlns:r="http://schemas.openxmlformats.org/officeDocument/2006/relationships" xmlns:p="http://schemas.openxmlformats.org/presentationml/2006/main">
+  <p:cSld>
+    <p:spTree>
+      <p:nvGrpSpPr>
+        <p:cNvPr id="1" name=""/>
+        <p:cNvGrpSpPr/>
+        <p:nvPr/>
+      </p:nvGrpSpPr>
+      <p:grpSpPr>
+        <a:xfrm>
+          <a:off x="0" y="0"/>
+          <a:ext cx="0" cy="0"/>
+          <a:chOff x="0" y="0"/>
+          <a:chExt cx="0" cy="0"/>
+        </a:xfrm>
+      </p:grpSpPr>
+      <p:sp>
+        <p:nvSpPr>
+          <p:cNvPr id="2" name="Slide Image Placeholder 1"/>
+          <p:cNvSpPr>
+            <a:spLocks noGrp="1" noRot="1" noChangeAspect="1"/>
+          </p:cNvSpPr>
+          <p:nvPr>
+            <p:ph type="sldImg"/>
+          </p:nvPr>
+        </p:nvSpPr>
+        <p:spPr/>
+      </p:sp>
+      <p:sp>
+        <p:nvSpPr>
+          <p:cNvPr id="3" name="Notes Placeholder 2"/>
+          <p:cNvSpPr>
+            <a:spLocks noGrp="1"/>
+          </p:cNvSpPr>
+          <p:nvPr>
+            <p:ph type="body" idx="1"/>
+          </p:nvPr>
+        </p:nvSpPr>
+        <p:spPr/>
+        <p:txBody>
+          <a:bodyPr/>
+          <a:lstStyle/>
+          <a:p>
+            <a:endParaRPr lang="en-US" dirty="0"/>
+          </a:p>
+        </p:txBody>
+      </p:sp>
+      <p:sp>
+        <p:nvSpPr>
+          <p:cNvPr id="4" name="Slide Number Placeholder 3"/>
+          <p:cNvSpPr>
+            <a:spLocks noGrp="1"/>
+          </p:cNvSpPr>
+          <p:nvPr>
+            <p:ph type="sldNum" sz="quarter" idx="10"/>
+          </p:nvPr>
+        </p:nvSpPr>
+        <p:spPr/>
+        <p:txBody>
+          <a:bodyPr/>
+          <a:lstStyle/>
+          <a:p>
+            <a:fld id="{05332D8B-7B6C-A54D-BAC6-226B3ACA1459}" type="slidenum">
+              <a:rPr lang="en-US" smtClean="0"/>
+              <a:t>14</a:t>
+            </a:fld>
+            <a:endParaRPr lang="en-US"/>
+          </a:p>
+        </p:txBody>
+      </p:sp>
+    </p:spTree>
+    <p:extLst>
+      <p:ext uri="{BB962C8B-B14F-4D97-AF65-F5344CB8AC3E}">
+        <p14:creationId xmlns:p14="http://schemas.microsoft.com/office/powerpoint/2010/main" val="1274451902"/>
       </p:ext>
     </p:extLst>
   </p:cSld>
@@ -618,7 +1160,10 @@
           <a:bodyPr/>
           <a:lstStyle/>
           <a:p>
-            <a:endParaRPr lang="en-US" dirty="0"/>
+            <a:r>
+              <a:rPr lang="en-US" dirty="0" smtClean="0"/>
+              <a:t>Connor</a:t>
+            </a:r>
           </a:p>
         </p:txBody>
       </p:sp>
@@ -639,7 +1184,7 @@
           <a:p>
             <a:fld id="{05332D8B-7B6C-A54D-BAC6-226B3ACA1459}" type="slidenum">
               <a:rPr lang="en-US" smtClean="0"/>
-              <a:t>3</a:t>
+              <a:t>2</a:t>
             </a:fld>
             <a:endParaRPr lang="en-US"/>
           </a:p>
@@ -704,6 +1249,12 @@
           <a:p>
             <a:r>
               <a:rPr lang="en-US" sz="1200" dirty="0" smtClean="0"/>
+              <a:t>Chris</a:t>
+            </a:r>
+          </a:p>
+          <a:p>
+            <a:r>
+              <a:rPr lang="en-US" sz="1200" dirty="0" smtClean="0"/>
               <a:t>Need to update this chart: Server is on </a:t>
             </a:r>
             <a:r>
@@ -735,7 +1286,7 @@
           <a:p>
             <a:fld id="{05332D8B-7B6C-A54D-BAC6-226B3ACA1459}" type="slidenum">
               <a:rPr lang="en-US" smtClean="0"/>
-              <a:t>4</a:t>
+              <a:t>3</a:t>
             </a:fld>
             <a:endParaRPr lang="en-US"/>
           </a:p>
@@ -799,17 +1350,10 @@
           <a:lstStyle/>
           <a:p>
             <a:r>
-              <a:rPr lang="en-US" baseline="0" dirty="0" smtClean="0"/>
-              <a:t>Need to add some pictures of the project- </a:t>
-            </a:r>
-            <a:r>
-              <a:rPr lang="en-US" baseline="0" dirty="0" err="1" smtClean="0"/>
-              <a:t>Rpi</a:t>
-            </a:r>
-            <a:r>
-              <a:rPr lang="en-US" baseline="0" dirty="0" smtClean="0"/>
-              <a:t>, node fully set up, maybe screenshots of web UI?</a:t>
-            </a:r>
+              <a:rPr lang="en-US" dirty="0" smtClean="0"/>
+              <a:t>Chris</a:t>
+            </a:r>
+            <a:endParaRPr lang="en-US" dirty="0"/>
           </a:p>
         </p:txBody>
       </p:sp>
@@ -830,7 +1374,7 @@
           <a:p>
             <a:fld id="{05332D8B-7B6C-A54D-BAC6-226B3ACA1459}" type="slidenum">
               <a:rPr lang="en-US" smtClean="0"/>
-              <a:t>7</a:t>
+              <a:t>4</a:t>
             </a:fld>
             <a:endParaRPr lang="en-US"/>
           </a:p>
@@ -839,7 +1383,7 @@
     </p:spTree>
     <p:extLst>
       <p:ext uri="{BB962C8B-B14F-4D97-AF65-F5344CB8AC3E}">
-        <p14:creationId xmlns:p14="http://schemas.microsoft.com/office/powerpoint/2010/main" val="282400902"/>
+        <p14:creationId xmlns:p14="http://schemas.microsoft.com/office/powerpoint/2010/main" val="3787983306"/>
       </p:ext>
     </p:extLst>
   </p:cSld>
@@ -893,6 +1437,10 @@
           <a:bodyPr/>
           <a:lstStyle/>
           <a:p>
+            <a:r>
+              <a:rPr lang="en-US" dirty="0" smtClean="0"/>
+              <a:t>Chris</a:t>
+            </a:r>
             <a:endParaRPr lang="en-US" dirty="0"/>
           </a:p>
         </p:txBody>
@@ -914,7 +1462,7 @@
           <a:p>
             <a:fld id="{05332D8B-7B6C-A54D-BAC6-226B3ACA1459}" type="slidenum">
               <a:rPr lang="en-US" smtClean="0"/>
-              <a:t>9</a:t>
+              <a:t>5</a:t>
             </a:fld>
             <a:endParaRPr lang="en-US"/>
           </a:p>
@@ -923,7 +1471,7 @@
     </p:spTree>
     <p:extLst>
       <p:ext uri="{BB962C8B-B14F-4D97-AF65-F5344CB8AC3E}">
-        <p14:creationId xmlns:p14="http://schemas.microsoft.com/office/powerpoint/2010/main" val="1497375528"/>
+        <p14:creationId xmlns:p14="http://schemas.microsoft.com/office/powerpoint/2010/main" val="635031201"/>
       </p:ext>
     </p:extLst>
   </p:cSld>
@@ -977,6 +1525,10 @@
           <a:bodyPr/>
           <a:lstStyle/>
           <a:p>
+            <a:r>
+              <a:rPr lang="en-US" dirty="0" smtClean="0"/>
+              <a:t>Connor</a:t>
+            </a:r>
             <a:endParaRPr lang="en-US" dirty="0"/>
           </a:p>
         </p:txBody>
@@ -998,7 +1550,7 @@
           <a:p>
             <a:fld id="{05332D8B-7B6C-A54D-BAC6-226B3ACA1459}" type="slidenum">
               <a:rPr lang="en-US" smtClean="0"/>
-              <a:t>14</a:t>
+              <a:t>6</a:t>
             </a:fld>
             <a:endParaRPr lang="en-US"/>
           </a:p>
@@ -1007,7 +1559,7 @@
     </p:spTree>
     <p:extLst>
       <p:ext uri="{BB962C8B-B14F-4D97-AF65-F5344CB8AC3E}">
-        <p14:creationId xmlns:p14="http://schemas.microsoft.com/office/powerpoint/2010/main" val="3647391457"/>
+        <p14:creationId xmlns:p14="http://schemas.microsoft.com/office/powerpoint/2010/main" val="2590561099"/>
       </p:ext>
     </p:extLst>
   </p:cSld>
@@ -1061,6 +1613,10 @@
           <a:bodyPr/>
           <a:lstStyle/>
           <a:p>
+            <a:r>
+              <a:rPr lang="en-US" dirty="0" smtClean="0"/>
+              <a:t>Joe</a:t>
+            </a:r>
             <a:endParaRPr lang="en-US" dirty="0"/>
           </a:p>
         </p:txBody>
@@ -1082,7 +1638,7 @@
           <a:p>
             <a:fld id="{05332D8B-7B6C-A54D-BAC6-226B3ACA1459}" type="slidenum">
               <a:rPr lang="en-US" smtClean="0"/>
-              <a:t>15</a:t>
+              <a:t>7</a:t>
             </a:fld>
             <a:endParaRPr lang="en-US"/>
           </a:p>
@@ -1091,7 +1647,182 @@
     </p:spTree>
     <p:extLst>
       <p:ext uri="{BB962C8B-B14F-4D97-AF65-F5344CB8AC3E}">
-        <p14:creationId xmlns:p14="http://schemas.microsoft.com/office/powerpoint/2010/main" val="1274451902"/>
+        <p14:creationId xmlns:p14="http://schemas.microsoft.com/office/powerpoint/2010/main" val="1497375528"/>
+      </p:ext>
+    </p:extLst>
+  </p:cSld>
+  <p:clrMapOvr>
+    <a:masterClrMapping/>
+  </p:clrMapOvr>
+</p:notes>
+</file>
+
+<file path=ppt/notesSlides/notesSlide8.xml><?xml version="1.0" encoding="utf-8"?>
+<p:notes xmlns:a="http://schemas.openxmlformats.org/drawingml/2006/main" xmlns:r="http://schemas.openxmlformats.org/officeDocument/2006/relationships" xmlns:p="http://schemas.openxmlformats.org/presentationml/2006/main">
+  <p:cSld>
+    <p:spTree>
+      <p:nvGrpSpPr>
+        <p:cNvPr id="1" name=""/>
+        <p:cNvGrpSpPr/>
+        <p:nvPr/>
+      </p:nvGrpSpPr>
+      <p:grpSpPr>
+        <a:xfrm>
+          <a:off x="0" y="0"/>
+          <a:ext cx="0" cy="0"/>
+          <a:chOff x="0" y="0"/>
+          <a:chExt cx="0" cy="0"/>
+        </a:xfrm>
+      </p:grpSpPr>
+      <p:sp>
+        <p:nvSpPr>
+          <p:cNvPr id="2" name="Slide Image Placeholder 1"/>
+          <p:cNvSpPr>
+            <a:spLocks noGrp="1" noRot="1" noChangeAspect="1"/>
+          </p:cNvSpPr>
+          <p:nvPr>
+            <p:ph type="sldImg"/>
+          </p:nvPr>
+        </p:nvSpPr>
+        <p:spPr/>
+      </p:sp>
+      <p:sp>
+        <p:nvSpPr>
+          <p:cNvPr id="3" name="Notes Placeholder 2"/>
+          <p:cNvSpPr>
+            <a:spLocks noGrp="1"/>
+          </p:cNvSpPr>
+          <p:nvPr>
+            <p:ph type="body" idx="1"/>
+          </p:nvPr>
+        </p:nvSpPr>
+        <p:spPr/>
+        <p:txBody>
+          <a:bodyPr/>
+          <a:lstStyle/>
+          <a:p>
+            <a:r>
+              <a:rPr lang="en-US" dirty="0" smtClean="0"/>
+              <a:t>Dan</a:t>
+            </a:r>
+            <a:endParaRPr lang="en-US" dirty="0"/>
+          </a:p>
+        </p:txBody>
+      </p:sp>
+      <p:sp>
+        <p:nvSpPr>
+          <p:cNvPr id="4" name="Slide Number Placeholder 3"/>
+          <p:cNvSpPr>
+            <a:spLocks noGrp="1"/>
+          </p:cNvSpPr>
+          <p:nvPr>
+            <p:ph type="sldNum" sz="quarter" idx="10"/>
+          </p:nvPr>
+        </p:nvSpPr>
+        <p:spPr/>
+        <p:txBody>
+          <a:bodyPr/>
+          <a:lstStyle/>
+          <a:p>
+            <a:fld id="{05332D8B-7B6C-A54D-BAC6-226B3ACA1459}" type="slidenum">
+              <a:rPr lang="en-US" smtClean="0"/>
+              <a:t>8</a:t>
+            </a:fld>
+            <a:endParaRPr lang="en-US"/>
+          </a:p>
+        </p:txBody>
+      </p:sp>
+    </p:spTree>
+    <p:extLst>
+      <p:ext uri="{BB962C8B-B14F-4D97-AF65-F5344CB8AC3E}">
+        <p14:creationId xmlns:p14="http://schemas.microsoft.com/office/powerpoint/2010/main" val="2873250089"/>
+      </p:ext>
+    </p:extLst>
+  </p:cSld>
+  <p:clrMapOvr>
+    <a:masterClrMapping/>
+  </p:clrMapOvr>
+</p:notes>
+</file>
+
+<file path=ppt/notesSlides/notesSlide9.xml><?xml version="1.0" encoding="utf-8"?>
+<p:notes xmlns:a="http://schemas.openxmlformats.org/drawingml/2006/main" xmlns:r="http://schemas.openxmlformats.org/officeDocument/2006/relationships" xmlns:p="http://schemas.openxmlformats.org/presentationml/2006/main">
+  <p:cSld>
+    <p:spTree>
+      <p:nvGrpSpPr>
+        <p:cNvPr id="1" name=""/>
+        <p:cNvGrpSpPr/>
+        <p:nvPr/>
+      </p:nvGrpSpPr>
+      <p:grpSpPr>
+        <a:xfrm>
+          <a:off x="0" y="0"/>
+          <a:ext cx="0" cy="0"/>
+          <a:chOff x="0" y="0"/>
+          <a:chExt cx="0" cy="0"/>
+        </a:xfrm>
+      </p:grpSpPr>
+      <p:sp>
+        <p:nvSpPr>
+          <p:cNvPr id="2" name="Slide Image Placeholder 1"/>
+          <p:cNvSpPr>
+            <a:spLocks noGrp="1" noRot="1" noChangeAspect="1"/>
+          </p:cNvSpPr>
+          <p:nvPr>
+            <p:ph type="sldImg"/>
+          </p:nvPr>
+        </p:nvSpPr>
+        <p:spPr/>
+      </p:sp>
+      <p:sp>
+        <p:nvSpPr>
+          <p:cNvPr id="3" name="Notes Placeholder 2"/>
+          <p:cNvSpPr>
+            <a:spLocks noGrp="1"/>
+          </p:cNvSpPr>
+          <p:nvPr>
+            <p:ph type="body" idx="1"/>
+          </p:nvPr>
+        </p:nvSpPr>
+        <p:spPr/>
+        <p:txBody>
+          <a:bodyPr/>
+          <a:lstStyle/>
+          <a:p>
+            <a:r>
+              <a:rPr lang="en-US" dirty="0" smtClean="0"/>
+              <a:t>Joe</a:t>
+            </a:r>
+          </a:p>
+        </p:txBody>
+      </p:sp>
+      <p:sp>
+        <p:nvSpPr>
+          <p:cNvPr id="4" name="Slide Number Placeholder 3"/>
+          <p:cNvSpPr>
+            <a:spLocks noGrp="1"/>
+          </p:cNvSpPr>
+          <p:nvPr>
+            <p:ph type="sldNum" sz="quarter" idx="10"/>
+          </p:nvPr>
+        </p:nvSpPr>
+        <p:spPr/>
+        <p:txBody>
+          <a:bodyPr/>
+          <a:lstStyle/>
+          <a:p>
+            <a:fld id="{05332D8B-7B6C-A54D-BAC6-226B3ACA1459}" type="slidenum">
+              <a:rPr lang="en-US" smtClean="0"/>
+              <a:t>9</a:t>
+            </a:fld>
+            <a:endParaRPr lang="en-US"/>
+          </a:p>
+        </p:txBody>
+      </p:sp>
+    </p:spTree>
+    <p:extLst>
+      <p:ext uri="{BB962C8B-B14F-4D97-AF65-F5344CB8AC3E}">
+        <p14:creationId xmlns:p14="http://schemas.microsoft.com/office/powerpoint/2010/main" val="317035198"/>
       </p:ext>
     </p:extLst>
   </p:cSld>
@@ -1322,7 +2053,7 @@
           <a:p>
             <a:fld id="{651A0C47-018D-4460-B945-BFF7981B6CA6}" type="datetimeFigureOut">
               <a:rPr lang="en-US" smtClean="0"/>
-              <a:t>12/2/15</a:t>
+              <a:t>12/2/2015</a:t>
             </a:fld>
             <a:endParaRPr lang="en-US"/>
           </a:p>
@@ -1654,7 +2385,7 @@
           <a:p>
             <a:fld id="{651A0C47-018D-4460-B945-BFF7981B6CA6}" type="datetimeFigureOut">
               <a:rPr lang="en-US" smtClean="0"/>
-              <a:t>12/2/15</a:t>
+              <a:t>12/2/2015</a:t>
             </a:fld>
             <a:endParaRPr lang="en-US"/>
           </a:p>
@@ -1986,7 +2717,7 @@
           <a:p>
             <a:fld id="{651A0C47-018D-4460-B945-BFF7981B6CA6}" type="datetimeFigureOut">
               <a:rPr lang="en-US" smtClean="0"/>
-              <a:t>12/2/15</a:t>
+              <a:t>12/2/2015</a:t>
             </a:fld>
             <a:endParaRPr lang="en-US"/>
           </a:p>
@@ -2318,7 +3049,7 @@
           <a:p>
             <a:fld id="{651A0C47-018D-4460-B945-BFF7981B6CA6}" type="datetimeFigureOut">
               <a:rPr lang="en-US" smtClean="0"/>
-              <a:t>12/2/15</a:t>
+              <a:t>12/2/2015</a:t>
             </a:fld>
             <a:endParaRPr lang="en-US"/>
           </a:p>
@@ -3007,7 +3738,7 @@
           <a:p>
             <a:fld id="{651A0C47-018D-4460-B945-BFF7981B6CA6}" type="datetimeFigureOut">
               <a:rPr lang="en-US" smtClean="0"/>
-              <a:t>12/2/15</a:t>
+              <a:t>12/2/2015</a:t>
             </a:fld>
             <a:endParaRPr lang="en-US"/>
           </a:p>
@@ -3186,7 +3917,7 @@
           <a:p>
             <a:fld id="{651A0C47-018D-4460-B945-BFF7981B6CA6}" type="datetimeFigureOut">
               <a:rPr lang="en-US" smtClean="0"/>
-              <a:t>12/2/15</a:t>
+              <a:t>12/2/2015</a:t>
             </a:fld>
             <a:endParaRPr lang="en-US"/>
           </a:p>
@@ -3360,7 +4091,7 @@
           <a:p>
             <a:fld id="{651A0C47-018D-4460-B945-BFF7981B6CA6}" type="datetimeFigureOut">
               <a:rPr lang="en-US" smtClean="0"/>
-              <a:t>12/2/15</a:t>
+              <a:t>12/2/2015</a:t>
             </a:fld>
             <a:endParaRPr lang="en-US"/>
           </a:p>
@@ -3608,7 +4339,7 @@
           <a:p>
             <a:fld id="{651A0C47-018D-4460-B945-BFF7981B6CA6}" type="datetimeFigureOut">
               <a:rPr lang="en-US" smtClean="0"/>
-              <a:t>12/2/15</a:t>
+              <a:t>12/2/2015</a:t>
             </a:fld>
             <a:endParaRPr lang="en-US"/>
           </a:p>
@@ -3938,7 +4669,7 @@
           <a:p>
             <a:fld id="{651A0C47-018D-4460-B945-BFF7981B6CA6}" type="datetimeFigureOut">
               <a:rPr lang="en-US" smtClean="0"/>
-              <a:t>12/2/15</a:t>
+              <a:t>12/2/2015</a:t>
             </a:fld>
             <a:endParaRPr lang="en-US"/>
           </a:p>
@@ -4230,7 +4961,7 @@
           <a:p>
             <a:fld id="{651A0C47-018D-4460-B945-BFF7981B6CA6}" type="datetimeFigureOut">
               <a:rPr lang="en-US" smtClean="0"/>
-              <a:t>12/2/15</a:t>
+              <a:t>12/2/2015</a:t>
             </a:fld>
             <a:endParaRPr lang="en-US"/>
           </a:p>
@@ -4666,7 +5397,7 @@
           <a:p>
             <a:fld id="{651A0C47-018D-4460-B945-BFF7981B6CA6}" type="datetimeFigureOut">
               <a:rPr lang="en-US" smtClean="0"/>
-              <a:t>12/2/15</a:t>
+              <a:t>12/2/2015</a:t>
             </a:fld>
             <a:endParaRPr lang="en-US"/>
           </a:p>
@@ -4853,7 +5584,7 @@
           <a:p>
             <a:fld id="{651A0C47-018D-4460-B945-BFF7981B6CA6}" type="datetimeFigureOut">
               <a:rPr lang="en-US" smtClean="0"/>
-              <a:t>12/2/15</a:t>
+              <a:t>12/2/2015</a:t>
             </a:fld>
             <a:endParaRPr lang="en-US"/>
           </a:p>
@@ -4943,7 +5674,7 @@
           <a:p>
             <a:fld id="{651A0C47-018D-4460-B945-BFF7981B6CA6}" type="datetimeFigureOut">
               <a:rPr lang="en-US" smtClean="0"/>
-              <a:t>12/2/15</a:t>
+              <a:t>12/2/2015</a:t>
             </a:fld>
             <a:endParaRPr lang="en-US"/>
           </a:p>
@@ -5224,7 +5955,7 @@
           <a:p>
             <a:fld id="{651A0C47-018D-4460-B945-BFF7981B6CA6}" type="datetimeFigureOut">
               <a:rPr lang="en-US" smtClean="0"/>
-              <a:t>12/2/15</a:t>
+              <a:t>12/2/2015</a:t>
             </a:fld>
             <a:endParaRPr lang="en-US"/>
           </a:p>
@@ -5439,7 +6170,7 @@
           <a:p>
             <a:fld id="{651A0C47-018D-4460-B945-BFF7981B6CA6}" type="datetimeFigureOut">
               <a:rPr lang="en-US" smtClean="0"/>
-              <a:t>12/2/15</a:t>
+              <a:t>12/2/2015</a:t>
             </a:fld>
             <a:endParaRPr lang="en-US"/>
           </a:p>
@@ -5923,7 +6654,7 @@
           <p:nvPr/>
         </p:nvPicPr>
         <p:blipFill>
-          <a:blip r:embed="rId2">
+          <a:blip r:embed="rId3">
             <a:alphaModFix amt="10000"/>
             <a:extLst>
               <a:ext uri="{28A0092B-C50C-407E-A947-70E740481C1C}">
@@ -6116,6 +6847,2238 @@
       </p:grpSpPr>
       <p:sp>
         <p:nvSpPr>
+          <p:cNvPr id="200" name="Shape 200"/>
+          <p:cNvSpPr>
+            <a:spLocks noGrp="1"/>
+          </p:cNvSpPr>
+          <p:nvPr>
+            <p:ph type="title"/>
+          </p:nvPr>
+        </p:nvSpPr>
+        <p:spPr>
+          <a:prstGeom prst="rect">
+            <a:avLst/>
+          </a:prstGeom>
+        </p:spPr>
+        <p:txBody>
+          <a:bodyPr/>
+          <a:lstStyle/>
+          <a:p>
+            <a:r>
+              <a:t>Frontend (UI)</a:t>
+            </a:r>
+          </a:p>
+          <a:p>
+            <a:pPr>
+              <a:defRPr sz="3500"/>
+            </a:pPr>
+            <a:r>
+              <a:t>continued…</a:t>
+            </a:r>
+          </a:p>
+        </p:txBody>
+      </p:sp>
+      <p:sp>
+        <p:nvSpPr>
+          <p:cNvPr id="201" name="Shape 201"/>
+          <p:cNvSpPr>
+            <a:spLocks noGrp="1"/>
+          </p:cNvSpPr>
+          <p:nvPr>
+            <p:ph type="body" idx="1"/>
+          </p:nvPr>
+        </p:nvSpPr>
+        <p:spPr>
+          <a:prstGeom prst="rect">
+            <a:avLst/>
+          </a:prstGeom>
+        </p:spPr>
+        <p:txBody>
+          <a:bodyPr/>
+          <a:lstStyle/>
+          <a:p>
+            <a:pPr>
+              <a:buBlip>
+                <a:blip r:embed="rId3"/>
+              </a:buBlip>
+            </a:pPr>
+            <a:endParaRPr/>
+          </a:p>
+        </p:txBody>
+      </p:sp>
+      <p:pic>
+        <p:nvPicPr>
+          <p:cNvPr id="202" name="2015-12-02-160412_1280x1024_scrot.png"/>
+          <p:cNvPicPr>
+            <a:picLocks noChangeAspect="1"/>
+          </p:cNvPicPr>
+          <p:nvPr/>
+        </p:nvPicPr>
+        <p:blipFill>
+          <a:blip r:embed="rId4">
+            <a:extLst/>
+          </a:blip>
+          <a:stretch>
+            <a:fillRect/>
+          </a:stretch>
+        </p:blipFill>
+        <p:spPr>
+          <a:xfrm>
+            <a:off x="1156292" y="978875"/>
+            <a:ext cx="6829825" cy="5879124"/>
+          </a:xfrm>
+          <a:prstGeom prst="rect">
+            <a:avLst/>
+          </a:prstGeom>
+          <a:ln w="12700">
+            <a:miter lim="400000"/>
+          </a:ln>
+        </p:spPr>
+      </p:pic>
+      <p:pic>
+        <p:nvPicPr>
+          <p:cNvPr id="203" name="2015-12-02-160702_1280x1024_scrot.png"/>
+          <p:cNvPicPr>
+            <a:picLocks noChangeAspect="1"/>
+          </p:cNvPicPr>
+          <p:nvPr/>
+        </p:nvPicPr>
+        <p:blipFill>
+          <a:blip r:embed="rId5">
+            <a:extLst/>
+          </a:blip>
+          <a:stretch>
+            <a:fillRect/>
+          </a:stretch>
+        </p:blipFill>
+        <p:spPr>
+          <a:xfrm>
+            <a:off x="286799" y="978875"/>
+            <a:ext cx="8568813" cy="5218469"/>
+          </a:xfrm>
+          <a:prstGeom prst="rect">
+            <a:avLst/>
+          </a:prstGeom>
+          <a:ln w="12700">
+            <a:miter lim="400000"/>
+          </a:ln>
+        </p:spPr>
+      </p:pic>
+    </p:spTree>
+    <p:extLst>
+      <p:ext uri="{BB962C8B-B14F-4D97-AF65-F5344CB8AC3E}">
+        <p14:creationId xmlns:p14="http://schemas.microsoft.com/office/powerpoint/2010/main" val="1148160324"/>
+      </p:ext>
+    </p:extLst>
+  </p:cSld>
+  <p:clrMapOvr>
+    <a:masterClrMapping/>
+  </p:clrMapOvr>
+  <p:transition spd="slow"/>
+  <p:timing>
+    <p:tnLst>
+      <p:par>
+        <p:cTn id="1" dur="indefinite" restart="never" fill="hold" nodeType="tmRoot">
+          <p:childTnLst>
+            <p:seq concurrent="1" prevAc="none" nextAc="seek">
+              <p:cTn id="2" dur="indefinite" fill="hold" nodeType="mainSeq">
+                <p:childTnLst>
+                  <p:par>
+                    <p:cTn id="3" fill="hold">
+                      <p:stCondLst>
+                        <p:cond delay="indefinite"/>
+                      </p:stCondLst>
+                      <p:childTnLst>
+                        <p:par>
+                          <p:cTn id="4" fill="hold">
+                            <p:stCondLst>
+                              <p:cond delay="0"/>
+                            </p:stCondLst>
+                            <p:childTnLst>
+                              <p:par>
+                                <p:cTn id="5" presetID="1" presetClass="entr" presetSubtype="0" fill="hold" grpId="0" nodeType="clickEffect">
+                                  <p:stCondLst>
+                                    <p:cond delay="0"/>
+                                  </p:stCondLst>
+                                  <p:iterate>
+                                    <p:tmAbs val="0"/>
+                                  </p:iterate>
+                                  <p:childTnLst>
+                                    <p:set>
+                                      <p:cBhvr>
+                                        <p:cTn id="6" fill="hold"/>
+                                        <p:tgtEl>
+                                          <p:spTgt spid="202"/>
+                                        </p:tgtEl>
+                                        <p:attrNameLst>
+                                          <p:attrName>style.visibility</p:attrName>
+                                        </p:attrNameLst>
+                                      </p:cBhvr>
+                                      <p:to>
+                                        <p:strVal val="visible"/>
+                                      </p:to>
+                                    </p:set>
+                                  </p:childTnLst>
+                                </p:cTn>
+                              </p:par>
+                            </p:childTnLst>
+                          </p:cTn>
+                        </p:par>
+                      </p:childTnLst>
+                    </p:cTn>
+                  </p:par>
+                  <p:par>
+                    <p:cTn id="7" fill="hold">
+                      <p:stCondLst>
+                        <p:cond delay="indefinite"/>
+                      </p:stCondLst>
+                      <p:childTnLst>
+                        <p:par>
+                          <p:cTn id="8" fill="hold">
+                            <p:stCondLst>
+                              <p:cond delay="0"/>
+                            </p:stCondLst>
+                            <p:childTnLst>
+                              <p:par>
+                                <p:cTn id="9" presetID="1" presetClass="exit" presetSubtype="0" fill="hold" grpId="1" nodeType="clickEffect">
+                                  <p:stCondLst>
+                                    <p:cond delay="0"/>
+                                  </p:stCondLst>
+                                  <p:iterate>
+                                    <p:tmAbs val="0"/>
+                                  </p:iterate>
+                                  <p:childTnLst>
+                                    <p:set>
+                                      <p:cBhvr>
+                                        <p:cTn id="10" fill="hold">
+                                          <p:stCondLst>
+                                            <p:cond delay="0"/>
+                                          </p:stCondLst>
+                                        </p:cTn>
+                                        <p:tgtEl>
+                                          <p:spTgt spid="202"/>
+                                        </p:tgtEl>
+                                        <p:attrNameLst>
+                                          <p:attrName>style.visibility</p:attrName>
+                                        </p:attrNameLst>
+                                      </p:cBhvr>
+                                      <p:to>
+                                        <p:strVal val="hidden"/>
+                                      </p:to>
+                                    </p:set>
+                                  </p:childTnLst>
+                                </p:cTn>
+                              </p:par>
+                            </p:childTnLst>
+                          </p:cTn>
+                        </p:par>
+                        <p:par>
+                          <p:cTn id="11" fill="hold">
+                            <p:stCondLst>
+                              <p:cond delay="0"/>
+                            </p:stCondLst>
+                            <p:childTnLst>
+                              <p:par>
+                                <p:cTn id="12" presetID="1" presetClass="entr" presetSubtype="0" fill="hold" grpId="0" nodeType="afterEffect">
+                                  <p:stCondLst>
+                                    <p:cond delay="0"/>
+                                  </p:stCondLst>
+                                  <p:iterate>
+                                    <p:tmAbs val="0"/>
+                                  </p:iterate>
+                                  <p:childTnLst>
+                                    <p:set>
+                                      <p:cBhvr>
+                                        <p:cTn id="13" fill="hold"/>
+                                        <p:tgtEl>
+                                          <p:spTgt spid="203"/>
+                                        </p:tgtEl>
+                                        <p:attrNameLst>
+                                          <p:attrName>style.visibility</p:attrName>
+                                        </p:attrNameLst>
+                                      </p:cBhvr>
+                                      <p:to>
+                                        <p:strVal val="visible"/>
+                                      </p:to>
+                                    </p:set>
+                                  </p:childTnLst>
+                                </p:cTn>
+                              </p:par>
+                            </p:childTnLst>
+                          </p:cTn>
+                        </p:par>
+                      </p:childTnLst>
+                    </p:cTn>
+                  </p:par>
+                </p:childTnLst>
+              </p:cTn>
+              <p:prevCondLst>
+                <p:cond evt="onPrev" delay="0">
+                  <p:tgtEl>
+                    <p:sldTgt/>
+                  </p:tgtEl>
+                </p:cond>
+              </p:prevCondLst>
+              <p:nextCondLst>
+                <p:cond evt="onNext" delay="0">
+                  <p:tgtEl>
+                    <p:sldTgt/>
+                  </p:tgtEl>
+                </p:cond>
+              </p:nextCondLst>
+            </p:seq>
+          </p:childTnLst>
+        </p:cTn>
+      </p:par>
+    </p:tnLst>
+    <p:bldLst>
+      <p:bldP spid="202" grpId="0" animBg="1" advAuto="0"/>
+      <p:bldP spid="202" grpId="1" animBg="1" advAuto="0"/>
+      <p:bldP spid="203" grpId="0" animBg="1" advAuto="0"/>
+    </p:bldLst>
+  </p:timing>
+</p:sld>
+</file>
+
+<file path=ppt/slides/slide11.xml><?xml version="1.0" encoding="utf-8"?>
+<p:sld xmlns:a="http://schemas.openxmlformats.org/drawingml/2006/main" xmlns:r="http://schemas.openxmlformats.org/officeDocument/2006/relationships" xmlns:p="http://schemas.openxmlformats.org/presentationml/2006/main">
+  <p:cSld>
+    <p:spTree>
+      <p:nvGrpSpPr>
+        <p:cNvPr id="1" name=""/>
+        <p:cNvGrpSpPr/>
+        <p:nvPr/>
+      </p:nvGrpSpPr>
+      <p:grpSpPr>
+        <a:xfrm>
+          <a:off x="0" y="0"/>
+          <a:ext cx="0" cy="0"/>
+          <a:chOff x="0" y="0"/>
+          <a:chExt cx="0" cy="0"/>
+        </a:xfrm>
+      </p:grpSpPr>
+      <p:sp>
+        <p:nvSpPr>
+          <p:cNvPr id="2" name="Title 1"/>
+          <p:cNvSpPr>
+            <a:spLocks noGrp="1"/>
+          </p:cNvSpPr>
+          <p:nvPr>
+            <p:ph type="title"/>
+          </p:nvPr>
+        </p:nvSpPr>
+        <p:spPr/>
+        <p:txBody>
+          <a:bodyPr/>
+          <a:lstStyle/>
+          <a:p>
+            <a:r>
+              <a:rPr lang="en-US" dirty="0" smtClean="0"/>
+              <a:t>Build Process</a:t>
+            </a:r>
+            <a:endParaRPr lang="en-US" dirty="0"/>
+          </a:p>
+        </p:txBody>
+      </p:sp>
+      <p:pic>
+        <p:nvPicPr>
+          <p:cNvPr id="1026" name="Picture 2" descr="https://lh6.googleusercontent.com/-xiQwrmXF5B4/Vl9a-ea6KoI/AAAAAAAAAGU/pVPoHLpKc4E/w737-h553-no/2015-12-02.jpg"/>
+          <p:cNvPicPr>
+            <a:picLocks noChangeAspect="1" noChangeArrowheads="1"/>
+          </p:cNvPicPr>
+          <p:nvPr/>
+        </p:nvPicPr>
+        <p:blipFill>
+          <a:blip r:embed="rId3">
+            <a:extLst>
+              <a:ext uri="{28A0092B-C50C-407E-A947-70E740481C1C}">
+                <a14:useLocalDpi xmlns:a14="http://schemas.microsoft.com/office/drawing/2010/main" val="0"/>
+              </a:ext>
+            </a:extLst>
+          </a:blip>
+          <a:srcRect/>
+          <a:stretch>
+            <a:fillRect/>
+          </a:stretch>
+        </p:blipFill>
+        <p:spPr bwMode="auto">
+          <a:xfrm>
+            <a:off x="1061243" y="1351226"/>
+            <a:ext cx="7019925" cy="5267326"/>
+          </a:xfrm>
+          <a:prstGeom prst="rect">
+            <a:avLst/>
+          </a:prstGeom>
+          <a:noFill/>
+          <a:extLst>
+            <a:ext uri="{909E8E84-426E-40DD-AFC4-6F175D3DCCD1}">
+              <a14:hiddenFill xmlns:a14="http://schemas.microsoft.com/office/drawing/2010/main">
+                <a:solidFill>
+                  <a:srgbClr val="FFFFFF"/>
+                </a:solidFill>
+              </a14:hiddenFill>
+            </a:ext>
+          </a:extLst>
+        </p:spPr>
+      </p:pic>
+      <p:pic>
+        <p:nvPicPr>
+          <p:cNvPr id="3" name="Picture 2"/>
+          <p:cNvPicPr>
+            <a:picLocks noChangeAspect="1"/>
+          </p:cNvPicPr>
+          <p:nvPr/>
+        </p:nvPicPr>
+        <p:blipFill>
+          <a:blip r:embed="rId4" cstate="email">
+            <a:extLst>
+              <a:ext uri="{28A0092B-C50C-407E-A947-70E740481C1C}">
+                <a14:useLocalDpi xmlns:a14="http://schemas.microsoft.com/office/drawing/2010/main" val="0"/>
+              </a:ext>
+            </a:extLst>
+          </a:blip>
+          <a:stretch>
+            <a:fillRect/>
+          </a:stretch>
+        </p:blipFill>
+        <p:spPr>
+          <a:xfrm>
+            <a:off x="1061243" y="1351226"/>
+            <a:ext cx="7064829" cy="5267326"/>
+          </a:xfrm>
+          <a:prstGeom prst="rect">
+            <a:avLst/>
+          </a:prstGeom>
+        </p:spPr>
+      </p:pic>
+      <p:pic>
+        <p:nvPicPr>
+          <p:cNvPr id="4" name="Picture 3"/>
+          <p:cNvPicPr>
+            <a:picLocks noChangeAspect="1"/>
+          </p:cNvPicPr>
+          <p:nvPr/>
+        </p:nvPicPr>
+        <p:blipFill>
+          <a:blip r:embed="rId5" cstate="email">
+            <a:extLst>
+              <a:ext uri="{28A0092B-C50C-407E-A947-70E740481C1C}">
+                <a14:useLocalDpi xmlns:a14="http://schemas.microsoft.com/office/drawing/2010/main" val="0"/>
+              </a:ext>
+            </a:extLst>
+          </a:blip>
+          <a:stretch>
+            <a:fillRect/>
+          </a:stretch>
+        </p:blipFill>
+        <p:spPr>
+          <a:xfrm>
+            <a:off x="1061243" y="1351226"/>
+            <a:ext cx="7064829" cy="5267326"/>
+          </a:xfrm>
+          <a:prstGeom prst="rect">
+            <a:avLst/>
+          </a:prstGeom>
+        </p:spPr>
+      </p:pic>
+      <p:pic>
+        <p:nvPicPr>
+          <p:cNvPr id="5" name="Picture 4"/>
+          <p:cNvPicPr>
+            <a:picLocks noChangeAspect="1"/>
+          </p:cNvPicPr>
+          <p:nvPr/>
+        </p:nvPicPr>
+        <p:blipFill>
+          <a:blip r:embed="rId6" cstate="email">
+            <a:extLst>
+              <a:ext uri="{28A0092B-C50C-407E-A947-70E740481C1C}">
+                <a14:useLocalDpi xmlns:a14="http://schemas.microsoft.com/office/drawing/2010/main" val="0"/>
+              </a:ext>
+            </a:extLst>
+          </a:blip>
+          <a:stretch>
+            <a:fillRect/>
+          </a:stretch>
+        </p:blipFill>
+        <p:spPr>
+          <a:xfrm>
+            <a:off x="1061243" y="1351226"/>
+            <a:ext cx="7097028" cy="5291224"/>
+          </a:xfrm>
+          <a:prstGeom prst="rect">
+            <a:avLst/>
+          </a:prstGeom>
+        </p:spPr>
+      </p:pic>
+    </p:spTree>
+    <p:extLst>
+      <p:ext uri="{BB962C8B-B14F-4D97-AF65-F5344CB8AC3E}">
+        <p14:creationId xmlns:p14="http://schemas.microsoft.com/office/powerpoint/2010/main" val="3881248493"/>
+      </p:ext>
+    </p:extLst>
+  </p:cSld>
+  <p:clrMapOvr>
+    <a:masterClrMapping/>
+  </p:clrMapOvr>
+  <p:timing>
+    <p:tnLst>
+      <p:par>
+        <p:cTn id="1" dur="indefinite" restart="never" nodeType="tmRoot">
+          <p:childTnLst>
+            <p:seq concurrent="1" nextAc="seek">
+              <p:cTn id="2" dur="indefinite" nodeType="mainSeq">
+                <p:childTnLst>
+                  <p:par>
+                    <p:cTn id="3" fill="hold">
+                      <p:stCondLst>
+                        <p:cond delay="indefinite"/>
+                      </p:stCondLst>
+                      <p:childTnLst>
+                        <p:par>
+                          <p:cTn id="4" fill="hold">
+                            <p:stCondLst>
+                              <p:cond delay="0"/>
+                            </p:stCondLst>
+                            <p:childTnLst>
+                              <p:par>
+                                <p:cTn id="5" presetID="1" presetClass="entr" presetSubtype="0" fill="hold" nodeType="clickEffect">
+                                  <p:stCondLst>
+                                    <p:cond delay="0"/>
+                                  </p:stCondLst>
+                                  <p:childTnLst>
+                                    <p:set>
+                                      <p:cBhvr>
+                                        <p:cTn id="6" dur="1" fill="hold">
+                                          <p:stCondLst>
+                                            <p:cond delay="0"/>
+                                          </p:stCondLst>
+                                        </p:cTn>
+                                        <p:tgtEl>
+                                          <p:spTgt spid="1026"/>
+                                        </p:tgtEl>
+                                        <p:attrNameLst>
+                                          <p:attrName>style.visibility</p:attrName>
+                                        </p:attrNameLst>
+                                      </p:cBhvr>
+                                      <p:to>
+                                        <p:strVal val="visible"/>
+                                      </p:to>
+                                    </p:set>
+                                  </p:childTnLst>
+                                </p:cTn>
+                              </p:par>
+                            </p:childTnLst>
+                          </p:cTn>
+                        </p:par>
+                      </p:childTnLst>
+                    </p:cTn>
+                  </p:par>
+                  <p:par>
+                    <p:cTn id="7" fill="hold">
+                      <p:stCondLst>
+                        <p:cond delay="indefinite"/>
+                      </p:stCondLst>
+                      <p:childTnLst>
+                        <p:par>
+                          <p:cTn id="8" fill="hold">
+                            <p:stCondLst>
+                              <p:cond delay="0"/>
+                            </p:stCondLst>
+                            <p:childTnLst>
+                              <p:par>
+                                <p:cTn id="9" presetID="1" presetClass="entr" presetSubtype="0" fill="hold" nodeType="clickEffect">
+                                  <p:stCondLst>
+                                    <p:cond delay="0"/>
+                                  </p:stCondLst>
+                                  <p:childTnLst>
+                                    <p:set>
+                                      <p:cBhvr>
+                                        <p:cTn id="10" dur="1" fill="hold">
+                                          <p:stCondLst>
+                                            <p:cond delay="0"/>
+                                          </p:stCondLst>
+                                        </p:cTn>
+                                        <p:tgtEl>
+                                          <p:spTgt spid="3"/>
+                                        </p:tgtEl>
+                                        <p:attrNameLst>
+                                          <p:attrName>style.visibility</p:attrName>
+                                        </p:attrNameLst>
+                                      </p:cBhvr>
+                                      <p:to>
+                                        <p:strVal val="visible"/>
+                                      </p:to>
+                                    </p:set>
+                                  </p:childTnLst>
+                                </p:cTn>
+                              </p:par>
+                            </p:childTnLst>
+                          </p:cTn>
+                        </p:par>
+                      </p:childTnLst>
+                    </p:cTn>
+                  </p:par>
+                  <p:par>
+                    <p:cTn id="11" fill="hold">
+                      <p:stCondLst>
+                        <p:cond delay="indefinite"/>
+                      </p:stCondLst>
+                      <p:childTnLst>
+                        <p:par>
+                          <p:cTn id="12" fill="hold">
+                            <p:stCondLst>
+                              <p:cond delay="0"/>
+                            </p:stCondLst>
+                            <p:childTnLst>
+                              <p:par>
+                                <p:cTn id="13" presetID="1" presetClass="entr" presetSubtype="0" fill="hold" nodeType="clickEffect">
+                                  <p:stCondLst>
+                                    <p:cond delay="0"/>
+                                  </p:stCondLst>
+                                  <p:childTnLst>
+                                    <p:set>
+                                      <p:cBhvr>
+                                        <p:cTn id="14" dur="1" fill="hold">
+                                          <p:stCondLst>
+                                            <p:cond delay="0"/>
+                                          </p:stCondLst>
+                                        </p:cTn>
+                                        <p:tgtEl>
+                                          <p:spTgt spid="4"/>
+                                        </p:tgtEl>
+                                        <p:attrNameLst>
+                                          <p:attrName>style.visibility</p:attrName>
+                                        </p:attrNameLst>
+                                      </p:cBhvr>
+                                      <p:to>
+                                        <p:strVal val="visible"/>
+                                      </p:to>
+                                    </p:set>
+                                  </p:childTnLst>
+                                </p:cTn>
+                              </p:par>
+                            </p:childTnLst>
+                          </p:cTn>
+                        </p:par>
+                      </p:childTnLst>
+                    </p:cTn>
+                  </p:par>
+                  <p:par>
+                    <p:cTn id="15" fill="hold">
+                      <p:stCondLst>
+                        <p:cond delay="indefinite"/>
+                      </p:stCondLst>
+                      <p:childTnLst>
+                        <p:par>
+                          <p:cTn id="16" fill="hold">
+                            <p:stCondLst>
+                              <p:cond delay="0"/>
+                            </p:stCondLst>
+                            <p:childTnLst>
+                              <p:par>
+                                <p:cTn id="17" presetID="1" presetClass="entr" presetSubtype="0" fill="hold" nodeType="clickEffect">
+                                  <p:stCondLst>
+                                    <p:cond delay="0"/>
+                                  </p:stCondLst>
+                                  <p:childTnLst>
+                                    <p:set>
+                                      <p:cBhvr>
+                                        <p:cTn id="18" dur="1" fill="hold">
+                                          <p:stCondLst>
+                                            <p:cond delay="0"/>
+                                          </p:stCondLst>
+                                        </p:cTn>
+                                        <p:tgtEl>
+                                          <p:spTgt spid="5"/>
+                                        </p:tgtEl>
+                                        <p:attrNameLst>
+                                          <p:attrName>style.visibility</p:attrName>
+                                        </p:attrNameLst>
+                                      </p:cBhvr>
+                                      <p:to>
+                                        <p:strVal val="visible"/>
+                                      </p:to>
+                                    </p:set>
+                                  </p:childTnLst>
+                                </p:cTn>
+                              </p:par>
+                            </p:childTnLst>
+                          </p:cTn>
+                        </p:par>
+                      </p:childTnLst>
+                    </p:cTn>
+                  </p:par>
+                </p:childTnLst>
+              </p:cTn>
+              <p:prevCondLst>
+                <p:cond evt="onPrev" delay="0">
+                  <p:tgtEl>
+                    <p:sldTgt/>
+                  </p:tgtEl>
+                </p:cond>
+              </p:prevCondLst>
+              <p:nextCondLst>
+                <p:cond evt="onNext" delay="0">
+                  <p:tgtEl>
+                    <p:sldTgt/>
+                  </p:tgtEl>
+                </p:cond>
+              </p:nextCondLst>
+            </p:seq>
+          </p:childTnLst>
+        </p:cTn>
+      </p:par>
+    </p:tnLst>
+  </p:timing>
+</p:sld>
+</file>
+
+<file path=ppt/slides/slide12.xml><?xml version="1.0" encoding="utf-8"?>
+<p:sld xmlns:a="http://schemas.openxmlformats.org/drawingml/2006/main" xmlns:r="http://schemas.openxmlformats.org/officeDocument/2006/relationships" xmlns:p="http://schemas.openxmlformats.org/presentationml/2006/main">
+  <p:cSld>
+    <p:spTree>
+      <p:nvGrpSpPr>
+        <p:cNvPr id="1" name=""/>
+        <p:cNvGrpSpPr/>
+        <p:nvPr/>
+      </p:nvGrpSpPr>
+      <p:grpSpPr>
+        <a:xfrm>
+          <a:off x="0" y="0"/>
+          <a:ext cx="0" cy="0"/>
+          <a:chOff x="0" y="0"/>
+          <a:chExt cx="0" cy="0"/>
+        </a:xfrm>
+      </p:grpSpPr>
+      <p:sp>
+        <p:nvSpPr>
+          <p:cNvPr id="2" name="Title 1"/>
+          <p:cNvSpPr>
+            <a:spLocks noGrp="1"/>
+          </p:cNvSpPr>
+          <p:nvPr>
+            <p:ph type="title"/>
+          </p:nvPr>
+        </p:nvSpPr>
+        <p:spPr/>
+        <p:txBody>
+          <a:bodyPr/>
+          <a:lstStyle/>
+          <a:p>
+            <a:r>
+              <a:rPr lang="en-US" dirty="0" smtClean="0"/>
+              <a:t>Changes from Proposal</a:t>
+            </a:r>
+            <a:endParaRPr lang="en-US" dirty="0"/>
+          </a:p>
+        </p:txBody>
+      </p:sp>
+      <p:sp>
+        <p:nvSpPr>
+          <p:cNvPr id="3" name="Content Placeholder 2"/>
+          <p:cNvSpPr>
+            <a:spLocks noGrp="1"/>
+          </p:cNvSpPr>
+          <p:nvPr>
+            <p:ph idx="1"/>
+          </p:nvPr>
+        </p:nvSpPr>
+        <p:spPr/>
+        <p:txBody>
+          <a:bodyPr/>
+          <a:lstStyle/>
+          <a:p>
+            <a:r>
+              <a:rPr lang="en-US" dirty="0" smtClean="0"/>
+              <a:t>Switched from Arduino Pro Mini with an ESP8266 module to a </a:t>
+            </a:r>
+            <a:r>
+              <a:rPr lang="en-US" dirty="0" err="1" smtClean="0"/>
+              <a:t>NodeMCU</a:t>
+            </a:r>
+            <a:endParaRPr lang="en-US" dirty="0" smtClean="0"/>
+          </a:p>
+          <a:p>
+            <a:r>
+              <a:rPr lang="en-US" dirty="0" smtClean="0"/>
+              <a:t>Developed with Celery, then switched to an in-memory SQLite database</a:t>
+            </a:r>
+            <a:endParaRPr lang="en-US" dirty="0"/>
+          </a:p>
+        </p:txBody>
+      </p:sp>
+    </p:spTree>
+    <p:extLst>
+      <p:ext uri="{BB962C8B-B14F-4D97-AF65-F5344CB8AC3E}">
+        <p14:creationId xmlns:p14="http://schemas.microsoft.com/office/powerpoint/2010/main" val="2089127264"/>
+      </p:ext>
+    </p:extLst>
+  </p:cSld>
+  <p:clrMapOvr>
+    <a:masterClrMapping/>
+  </p:clrMapOvr>
+  <p:timing>
+    <p:tnLst>
+      <p:par>
+        <p:cTn id="1" dur="indefinite" restart="never" nodeType="tmRoot"/>
+      </p:par>
+    </p:tnLst>
+  </p:timing>
+</p:sld>
+</file>
+
+<file path=ppt/slides/slide13.xml><?xml version="1.0" encoding="utf-8"?>
+<p:sld xmlns:a="http://schemas.openxmlformats.org/drawingml/2006/main" xmlns:r="http://schemas.openxmlformats.org/officeDocument/2006/relationships" xmlns:p="http://schemas.openxmlformats.org/presentationml/2006/main">
+  <p:cSld>
+    <p:spTree>
+      <p:nvGrpSpPr>
+        <p:cNvPr id="1" name=""/>
+        <p:cNvGrpSpPr/>
+        <p:nvPr/>
+      </p:nvGrpSpPr>
+      <p:grpSpPr>
+        <a:xfrm>
+          <a:off x="0" y="0"/>
+          <a:ext cx="0" cy="0"/>
+          <a:chOff x="0" y="0"/>
+          <a:chExt cx="0" cy="0"/>
+        </a:xfrm>
+      </p:grpSpPr>
+      <p:sp>
+        <p:nvSpPr>
+          <p:cNvPr id="2" name="Title 1"/>
+          <p:cNvSpPr>
+            <a:spLocks noGrp="1"/>
+          </p:cNvSpPr>
+          <p:nvPr>
+            <p:ph type="title"/>
+          </p:nvPr>
+        </p:nvSpPr>
+        <p:spPr>
+          <a:xfrm>
+            <a:off x="547777" y="121023"/>
+            <a:ext cx="7770813" cy="1429871"/>
+          </a:xfrm>
+        </p:spPr>
+        <p:txBody>
+          <a:bodyPr/>
+          <a:lstStyle/>
+          <a:p>
+            <a:r>
+              <a:rPr lang="en-US" dirty="0" smtClean="0"/>
+              <a:t>Future Development</a:t>
+            </a:r>
+            <a:endParaRPr lang="en-US" dirty="0"/>
+          </a:p>
+        </p:txBody>
+      </p:sp>
+      <p:sp>
+        <p:nvSpPr>
+          <p:cNvPr id="3" name="Content Placeholder 2"/>
+          <p:cNvSpPr>
+            <a:spLocks noGrp="1"/>
+          </p:cNvSpPr>
+          <p:nvPr>
+            <p:ph idx="1"/>
+          </p:nvPr>
+        </p:nvSpPr>
+        <p:spPr/>
+        <p:txBody>
+          <a:bodyPr>
+            <a:normAutofit/>
+          </a:bodyPr>
+          <a:lstStyle/>
+          <a:p>
+            <a:r>
+              <a:rPr lang="en-US" dirty="0" smtClean="0">
+                <a:effectLst/>
+              </a:rPr>
+              <a:t>More advanced schedules/rules</a:t>
+            </a:r>
+          </a:p>
+          <a:p>
+            <a:r>
+              <a:rPr lang="en-US" dirty="0" smtClean="0">
+                <a:effectLst/>
+              </a:rPr>
+              <a:t>More advanced UI on the Node</a:t>
+            </a:r>
+          </a:p>
+          <a:p>
+            <a:r>
+              <a:rPr lang="en-US" dirty="0" smtClean="0">
+                <a:effectLst/>
+              </a:rPr>
+              <a:t>Front end could easily hook into 3</a:t>
+            </a:r>
+            <a:r>
+              <a:rPr lang="en-US" baseline="30000" dirty="0" smtClean="0">
+                <a:effectLst/>
+              </a:rPr>
+              <a:t>rd</a:t>
+            </a:r>
+            <a:r>
+              <a:rPr lang="en-US" dirty="0" smtClean="0">
+                <a:effectLst/>
+              </a:rPr>
+              <a:t> party home automation</a:t>
+            </a:r>
+          </a:p>
+          <a:p>
+            <a:pPr lvl="1"/>
+            <a:r>
+              <a:rPr lang="en-US" dirty="0" smtClean="0">
+                <a:effectLst/>
+              </a:rPr>
+              <a:t> like the Nest thermostat!</a:t>
+            </a:r>
+          </a:p>
+          <a:p>
+            <a:r>
+              <a:rPr lang="en-US" dirty="0" smtClean="0">
+                <a:effectLst/>
+              </a:rPr>
+              <a:t>Utilize  deep-sleep mode on the microcontroller</a:t>
+            </a:r>
+          </a:p>
+          <a:p>
+            <a:r>
+              <a:rPr lang="en-US" dirty="0" smtClean="0">
+                <a:effectLst/>
+              </a:rPr>
+              <a:t>Dan is not a UI designer, all the UI clearly needs work!</a:t>
+            </a:r>
+          </a:p>
+          <a:p>
+            <a:endParaRPr lang="en-US" dirty="0" smtClean="0">
+              <a:effectLst/>
+            </a:endParaRPr>
+          </a:p>
+        </p:txBody>
+      </p:sp>
+    </p:spTree>
+    <p:extLst>
+      <p:ext uri="{BB962C8B-B14F-4D97-AF65-F5344CB8AC3E}">
+        <p14:creationId xmlns:p14="http://schemas.microsoft.com/office/powerpoint/2010/main" val="1206270657"/>
+      </p:ext>
+    </p:extLst>
+  </p:cSld>
+  <p:clrMapOvr>
+    <a:masterClrMapping/>
+  </p:clrMapOvr>
+  <p:timing>
+    <p:tnLst>
+      <p:par>
+        <p:cTn id="1" dur="indefinite" restart="never" nodeType="tmRoot"/>
+      </p:par>
+    </p:tnLst>
+  </p:timing>
+</p:sld>
+</file>
+
+<file path=ppt/slides/slide14.xml><?xml version="1.0" encoding="utf-8"?>
+<p:sld xmlns:a="http://schemas.openxmlformats.org/drawingml/2006/main" xmlns:r="http://schemas.openxmlformats.org/officeDocument/2006/relationships" xmlns:p="http://schemas.openxmlformats.org/presentationml/2006/main">
+  <p:cSld>
+    <p:spTree>
+      <p:nvGrpSpPr>
+        <p:cNvPr id="1" name=""/>
+        <p:cNvGrpSpPr/>
+        <p:nvPr/>
+      </p:nvGrpSpPr>
+      <p:grpSpPr>
+        <a:xfrm>
+          <a:off x="0" y="0"/>
+          <a:ext cx="0" cy="0"/>
+          <a:chOff x="0" y="0"/>
+          <a:chExt cx="0" cy="0"/>
+        </a:xfrm>
+      </p:grpSpPr>
+      <p:sp>
+        <p:nvSpPr>
+          <p:cNvPr id="2" name="Title 1"/>
+          <p:cNvSpPr>
+            <a:spLocks noGrp="1"/>
+          </p:cNvSpPr>
+          <p:nvPr>
+            <p:ph type="title"/>
+          </p:nvPr>
+        </p:nvSpPr>
+        <p:spPr/>
+        <p:txBody>
+          <a:bodyPr/>
+          <a:lstStyle/>
+          <a:p>
+            <a:r>
+              <a:rPr lang="en-US" dirty="0" smtClean="0"/>
+              <a:t>Questions?</a:t>
+            </a:r>
+            <a:endParaRPr lang="en-US" dirty="0"/>
+          </a:p>
+        </p:txBody>
+      </p:sp>
+      <p:sp>
+        <p:nvSpPr>
+          <p:cNvPr id="3" name="Content Placeholder 2"/>
+          <p:cNvSpPr>
+            <a:spLocks noGrp="1"/>
+          </p:cNvSpPr>
+          <p:nvPr>
+            <p:ph idx="1"/>
+          </p:nvPr>
+        </p:nvSpPr>
+        <p:spPr/>
+        <p:txBody>
+          <a:bodyPr/>
+          <a:lstStyle/>
+          <a:p>
+            <a:r>
+              <a:rPr lang="en-US" dirty="0">
+                <a:effectLst/>
+              </a:rPr>
+              <a:t>Thank you to our advisor, John Kimani, for your guidance and support</a:t>
+            </a:r>
+          </a:p>
+          <a:p>
+            <a:endParaRPr lang="en-US" dirty="0"/>
+          </a:p>
+        </p:txBody>
+      </p:sp>
+    </p:spTree>
+    <p:extLst>
+      <p:ext uri="{BB962C8B-B14F-4D97-AF65-F5344CB8AC3E}">
+        <p14:creationId xmlns:p14="http://schemas.microsoft.com/office/powerpoint/2010/main" val="1079122949"/>
+      </p:ext>
+    </p:extLst>
+  </p:cSld>
+  <p:clrMapOvr>
+    <a:masterClrMapping/>
+  </p:clrMapOvr>
+  <p:timing>
+    <p:tnLst>
+      <p:par>
+        <p:cTn id="1" dur="indefinite" restart="never" nodeType="tmRoot"/>
+      </p:par>
+    </p:tnLst>
+  </p:timing>
+</p:sld>
+</file>
+
+<file path=ppt/slides/slide2.xml><?xml version="1.0" encoding="utf-8"?>
+<p:sld xmlns:a="http://schemas.openxmlformats.org/drawingml/2006/main" xmlns:r="http://schemas.openxmlformats.org/officeDocument/2006/relationships" xmlns:p="http://schemas.openxmlformats.org/presentationml/2006/main">
+  <p:cSld>
+    <p:spTree>
+      <p:nvGrpSpPr>
+        <p:cNvPr id="1" name=""/>
+        <p:cNvGrpSpPr/>
+        <p:nvPr/>
+      </p:nvGrpSpPr>
+      <p:grpSpPr>
+        <a:xfrm>
+          <a:off x="0" y="0"/>
+          <a:ext cx="0" cy="0"/>
+          <a:chOff x="0" y="0"/>
+          <a:chExt cx="0" cy="0"/>
+        </a:xfrm>
+      </p:grpSpPr>
+      <p:sp>
+        <p:nvSpPr>
+          <p:cNvPr id="2" name="Title 1"/>
+          <p:cNvSpPr>
+            <a:spLocks noGrp="1"/>
+          </p:cNvSpPr>
+          <p:nvPr>
+            <p:ph type="title"/>
+          </p:nvPr>
+        </p:nvSpPr>
+        <p:spPr/>
+        <p:txBody>
+          <a:bodyPr/>
+          <a:lstStyle/>
+          <a:p>
+            <a:r>
+              <a:rPr lang="en-US" dirty="0" smtClean="0"/>
+              <a:t>Introduction</a:t>
+            </a:r>
+            <a:endParaRPr lang="en-US" dirty="0"/>
+          </a:p>
+        </p:txBody>
+      </p:sp>
+      <p:sp>
+        <p:nvSpPr>
+          <p:cNvPr id="3" name="Content Placeholder 2"/>
+          <p:cNvSpPr>
+            <a:spLocks noGrp="1"/>
+          </p:cNvSpPr>
+          <p:nvPr>
+            <p:ph idx="1"/>
+          </p:nvPr>
+        </p:nvSpPr>
+        <p:spPr>
+          <a:xfrm>
+            <a:off x="685800" y="1869141"/>
+            <a:ext cx="7770813" cy="2031205"/>
+          </a:xfrm>
+        </p:spPr>
+        <p:txBody>
+          <a:bodyPr/>
+          <a:lstStyle/>
+          <a:p>
+            <a:r>
+              <a:rPr lang="en-US" dirty="0" err="1">
+                <a:effectLst/>
+              </a:rPr>
+              <a:t>Nosferatu</a:t>
+            </a:r>
+            <a:r>
+              <a:rPr lang="en-US" dirty="0">
+                <a:effectLst/>
+              </a:rPr>
+              <a:t> is an energy efficient, convenient new way to control your home </a:t>
+            </a:r>
+            <a:r>
+              <a:rPr lang="en-US" dirty="0" smtClean="0">
+                <a:effectLst/>
+              </a:rPr>
+              <a:t>lighting.  Bringing </a:t>
+            </a:r>
+            <a:r>
+              <a:rPr lang="en-US" dirty="0">
+                <a:effectLst/>
+              </a:rPr>
+              <a:t>Wi-Fi and motion sensors to your light switches allows you to set schedules and rules </a:t>
+            </a:r>
+            <a:r>
+              <a:rPr lang="en-US" dirty="0" smtClean="0">
+                <a:effectLst/>
+              </a:rPr>
+              <a:t>to manage </a:t>
+            </a:r>
+            <a:r>
+              <a:rPr lang="en-US" dirty="0">
+                <a:effectLst/>
+              </a:rPr>
+              <a:t>your home lighting</a:t>
+            </a:r>
+            <a:r>
+              <a:rPr lang="en-US" dirty="0" smtClean="0">
+                <a:effectLst/>
+              </a:rPr>
+              <a:t>, as well as save </a:t>
+            </a:r>
+            <a:r>
+              <a:rPr lang="en-US" dirty="0">
+                <a:effectLst/>
+              </a:rPr>
+              <a:t>money, energy and time.</a:t>
+            </a:r>
+          </a:p>
+          <a:p>
+            <a:pPr marL="0" indent="0">
+              <a:buNone/>
+            </a:pPr>
+            <a:endParaRPr lang="en-US" dirty="0"/>
+          </a:p>
+        </p:txBody>
+      </p:sp>
+      <p:pic>
+        <p:nvPicPr>
+          <p:cNvPr id="4" name="Picture 3" descr="tumblr_lp1w7deZBC1qjdk2k.gif"/>
+          <p:cNvPicPr>
+            <a:picLocks noChangeAspect="1"/>
+          </p:cNvPicPr>
+          <p:nvPr/>
+        </p:nvPicPr>
+        <p:blipFill>
+          <a:blip r:embed="rId3" cstate="email">
+            <a:extLst>
+              <a:ext uri="{28A0092B-C50C-407E-A947-70E740481C1C}">
+                <a14:useLocalDpi xmlns:a14="http://schemas.microsoft.com/office/drawing/2010/main" val="0"/>
+              </a:ext>
+            </a:extLst>
+          </a:blip>
+          <a:stretch>
+            <a:fillRect/>
+          </a:stretch>
+        </p:blipFill>
+        <p:spPr>
+          <a:xfrm>
+            <a:off x="2086356" y="3689033"/>
+            <a:ext cx="4250460" cy="2830806"/>
+          </a:xfrm>
+          <a:prstGeom prst="rect">
+            <a:avLst/>
+          </a:prstGeom>
+        </p:spPr>
+      </p:pic>
+    </p:spTree>
+    <p:extLst>
+      <p:ext uri="{BB962C8B-B14F-4D97-AF65-F5344CB8AC3E}">
+        <p14:creationId xmlns:p14="http://schemas.microsoft.com/office/powerpoint/2010/main" val="3161070435"/>
+      </p:ext>
+    </p:extLst>
+  </p:cSld>
+  <p:clrMapOvr>
+    <a:masterClrMapping/>
+  </p:clrMapOvr>
+  <p:timing>
+    <p:tnLst>
+      <p:par>
+        <p:cTn id="1" dur="indefinite" restart="never" nodeType="tmRoot"/>
+      </p:par>
+    </p:tnLst>
+  </p:timing>
+</p:sld>
+</file>
+
+<file path=ppt/slides/slide3.xml><?xml version="1.0" encoding="utf-8"?>
+<p:sld xmlns:a="http://schemas.openxmlformats.org/drawingml/2006/main" xmlns:r="http://schemas.openxmlformats.org/officeDocument/2006/relationships" xmlns:p="http://schemas.openxmlformats.org/presentationml/2006/main">
+  <p:cSld>
+    <p:spTree>
+      <p:nvGrpSpPr>
+        <p:cNvPr id="1" name=""/>
+        <p:cNvGrpSpPr/>
+        <p:nvPr/>
+      </p:nvGrpSpPr>
+      <p:grpSpPr>
+        <a:xfrm>
+          <a:off x="0" y="0"/>
+          <a:ext cx="0" cy="0"/>
+          <a:chOff x="0" y="0"/>
+          <a:chExt cx="0" cy="0"/>
+        </a:xfrm>
+      </p:grpSpPr>
+      <p:sp>
+        <p:nvSpPr>
+          <p:cNvPr id="2" name="Title 1"/>
+          <p:cNvSpPr>
+            <a:spLocks noGrp="1"/>
+          </p:cNvSpPr>
+          <p:nvPr>
+            <p:ph type="title"/>
+          </p:nvPr>
+        </p:nvSpPr>
+        <p:spPr/>
+        <p:txBody>
+          <a:bodyPr>
+            <a:normAutofit/>
+          </a:bodyPr>
+          <a:lstStyle/>
+          <a:p>
+            <a:r>
+              <a:rPr lang="en-US" dirty="0" smtClean="0"/>
+              <a:t>Hardware Layout</a:t>
+            </a:r>
+            <a:endParaRPr lang="en-US" dirty="0"/>
+          </a:p>
+        </p:txBody>
+      </p:sp>
+      <p:pic>
+        <p:nvPicPr>
+          <p:cNvPr id="6" name="Picture 5"/>
+          <p:cNvPicPr>
+            <a:picLocks noChangeAspect="1"/>
+          </p:cNvPicPr>
+          <p:nvPr/>
+        </p:nvPicPr>
+        <p:blipFill>
+          <a:blip r:embed="rId3"/>
+          <a:stretch>
+            <a:fillRect/>
+          </a:stretch>
+        </p:blipFill>
+        <p:spPr>
+          <a:xfrm>
+            <a:off x="0" y="1308754"/>
+            <a:ext cx="9144000" cy="5549247"/>
+          </a:xfrm>
+          <a:prstGeom prst="rect">
+            <a:avLst/>
+          </a:prstGeom>
+        </p:spPr>
+      </p:pic>
+      <p:sp>
+        <p:nvSpPr>
+          <p:cNvPr id="3" name="Rectangle 2"/>
+          <p:cNvSpPr/>
+          <p:nvPr/>
+        </p:nvSpPr>
+        <p:spPr>
+          <a:xfrm>
+            <a:off x="-1587" y="1429824"/>
+            <a:ext cx="6305909" cy="1727744"/>
+          </a:xfrm>
+          <a:prstGeom prst="rect">
+            <a:avLst/>
+          </a:prstGeom>
+          <a:solidFill>
+            <a:schemeClr val="tx1"/>
+          </a:solidFill>
+          <a:ln>
+            <a:solidFill>
+              <a:schemeClr val="tx1"/>
+            </a:solidFill>
+          </a:ln>
+          <a:effectLst/>
+        </p:spPr>
+        <p:style>
+          <a:lnRef idx="1">
+            <a:schemeClr val="accent1"/>
+          </a:lnRef>
+          <a:fillRef idx="3">
+            <a:schemeClr val="accent1"/>
+          </a:fillRef>
+          <a:effectRef idx="2">
+            <a:schemeClr val="accent1"/>
+          </a:effectRef>
+          <a:fontRef idx="minor">
+            <a:schemeClr val="lt1"/>
+          </a:fontRef>
+        </p:style>
+        <p:txBody>
+          <a:bodyPr rtlCol="0" anchor="ctr"/>
+          <a:lstStyle/>
+          <a:p>
+            <a:pPr algn="ctr"/>
+            <a:endParaRPr lang="en-US"/>
+          </a:p>
+        </p:txBody>
+      </p:sp>
+      <p:sp>
+        <p:nvSpPr>
+          <p:cNvPr id="5" name="Rectangle 4"/>
+          <p:cNvSpPr/>
+          <p:nvPr/>
+        </p:nvSpPr>
+        <p:spPr>
+          <a:xfrm>
+            <a:off x="-1" y="3036497"/>
+            <a:ext cx="6305909" cy="3821503"/>
+          </a:xfrm>
+          <a:prstGeom prst="rect">
+            <a:avLst/>
+          </a:prstGeom>
+          <a:solidFill>
+            <a:schemeClr val="tx1"/>
+          </a:solidFill>
+          <a:ln>
+            <a:solidFill>
+              <a:schemeClr val="tx1"/>
+            </a:solidFill>
+          </a:ln>
+          <a:effectLst/>
+        </p:spPr>
+        <p:style>
+          <a:lnRef idx="1">
+            <a:schemeClr val="accent1"/>
+          </a:lnRef>
+          <a:fillRef idx="3">
+            <a:schemeClr val="accent1"/>
+          </a:fillRef>
+          <a:effectRef idx="2">
+            <a:schemeClr val="accent1"/>
+          </a:effectRef>
+          <a:fontRef idx="minor">
+            <a:schemeClr val="lt1"/>
+          </a:fontRef>
+        </p:style>
+        <p:txBody>
+          <a:bodyPr rtlCol="0" anchor="ctr"/>
+          <a:lstStyle/>
+          <a:p>
+            <a:pPr algn="ctr"/>
+            <a:endParaRPr lang="en-US" dirty="0"/>
+          </a:p>
+        </p:txBody>
+      </p:sp>
+      <p:sp>
+        <p:nvSpPr>
+          <p:cNvPr id="7" name="Rectangle 6"/>
+          <p:cNvSpPr/>
+          <p:nvPr/>
+        </p:nvSpPr>
+        <p:spPr>
+          <a:xfrm>
+            <a:off x="6305909" y="1308754"/>
+            <a:ext cx="2838091" cy="2245329"/>
+          </a:xfrm>
+          <a:prstGeom prst="rect">
+            <a:avLst/>
+          </a:prstGeom>
+          <a:solidFill>
+            <a:schemeClr val="tx1"/>
+          </a:solidFill>
+          <a:ln>
+            <a:solidFill>
+              <a:schemeClr val="tx1"/>
+            </a:solidFill>
+          </a:ln>
+          <a:effectLst/>
+        </p:spPr>
+        <p:style>
+          <a:lnRef idx="1">
+            <a:schemeClr val="accent1"/>
+          </a:lnRef>
+          <a:fillRef idx="3">
+            <a:schemeClr val="accent1"/>
+          </a:fillRef>
+          <a:effectRef idx="2">
+            <a:schemeClr val="accent1"/>
+          </a:effectRef>
+          <a:fontRef idx="minor">
+            <a:schemeClr val="lt1"/>
+          </a:fontRef>
+        </p:style>
+        <p:txBody>
+          <a:bodyPr rtlCol="0" anchor="ctr"/>
+          <a:lstStyle/>
+          <a:p>
+            <a:pPr algn="ctr"/>
+            <a:endParaRPr lang="en-US"/>
+          </a:p>
+        </p:txBody>
+      </p:sp>
+      <p:sp>
+        <p:nvSpPr>
+          <p:cNvPr id="8" name="Rectangle 7"/>
+          <p:cNvSpPr/>
+          <p:nvPr/>
+        </p:nvSpPr>
+        <p:spPr>
+          <a:xfrm>
+            <a:off x="6305909" y="3554083"/>
+            <a:ext cx="2838091" cy="3303917"/>
+          </a:xfrm>
+          <a:prstGeom prst="rect">
+            <a:avLst/>
+          </a:prstGeom>
+          <a:solidFill>
+            <a:schemeClr val="tx1"/>
+          </a:solidFill>
+          <a:ln>
+            <a:solidFill>
+              <a:schemeClr val="tx1"/>
+            </a:solidFill>
+          </a:ln>
+          <a:effectLst/>
+        </p:spPr>
+        <p:style>
+          <a:lnRef idx="1">
+            <a:schemeClr val="accent1"/>
+          </a:lnRef>
+          <a:fillRef idx="3">
+            <a:schemeClr val="accent1"/>
+          </a:fillRef>
+          <a:effectRef idx="2">
+            <a:schemeClr val="accent1"/>
+          </a:effectRef>
+          <a:fontRef idx="minor">
+            <a:schemeClr val="lt1"/>
+          </a:fontRef>
+        </p:style>
+        <p:txBody>
+          <a:bodyPr rtlCol="0" anchor="ctr"/>
+          <a:lstStyle/>
+          <a:p>
+            <a:pPr algn="ctr"/>
+            <a:endParaRPr lang="en-US"/>
+          </a:p>
+        </p:txBody>
+      </p:sp>
+    </p:spTree>
+    <p:extLst>
+      <p:ext uri="{BB962C8B-B14F-4D97-AF65-F5344CB8AC3E}">
+        <p14:creationId xmlns:p14="http://schemas.microsoft.com/office/powerpoint/2010/main" val="4287587443"/>
+      </p:ext>
+    </p:extLst>
+  </p:cSld>
+  <p:clrMapOvr>
+    <a:masterClrMapping/>
+  </p:clrMapOvr>
+  <p:timing>
+    <p:tnLst>
+      <p:par>
+        <p:cTn id="1" dur="indefinite" restart="never" nodeType="tmRoot">
+          <p:childTnLst>
+            <p:seq concurrent="1" nextAc="seek">
+              <p:cTn id="2" dur="indefinite" nodeType="mainSeq">
+                <p:childTnLst>
+                  <p:par>
+                    <p:cTn id="3" fill="hold">
+                      <p:stCondLst>
+                        <p:cond delay="indefinite"/>
+                      </p:stCondLst>
+                      <p:childTnLst>
+                        <p:par>
+                          <p:cTn id="4" fill="hold">
+                            <p:stCondLst>
+                              <p:cond delay="0"/>
+                            </p:stCondLst>
+                            <p:childTnLst>
+                              <p:par>
+                                <p:cTn id="5" presetID="10" presetClass="exit" presetSubtype="0" fill="hold" grpId="0" nodeType="clickEffect">
+                                  <p:stCondLst>
+                                    <p:cond delay="0"/>
+                                  </p:stCondLst>
+                                  <p:childTnLst>
+                                    <p:animEffect transition="out" filter="fade">
+                                      <p:cBhvr>
+                                        <p:cTn id="6" dur="500"/>
+                                        <p:tgtEl>
+                                          <p:spTgt spid="7"/>
+                                        </p:tgtEl>
+                                      </p:cBhvr>
+                                    </p:animEffect>
+                                    <p:set>
+                                      <p:cBhvr>
+                                        <p:cTn id="7" dur="1" fill="hold">
+                                          <p:stCondLst>
+                                            <p:cond delay="499"/>
+                                          </p:stCondLst>
+                                        </p:cTn>
+                                        <p:tgtEl>
+                                          <p:spTgt spid="7"/>
+                                        </p:tgtEl>
+                                        <p:attrNameLst>
+                                          <p:attrName>style.visibility</p:attrName>
+                                        </p:attrNameLst>
+                                      </p:cBhvr>
+                                      <p:to>
+                                        <p:strVal val="hidden"/>
+                                      </p:to>
+                                    </p:set>
+                                  </p:childTnLst>
+                                </p:cTn>
+                              </p:par>
+                            </p:childTnLst>
+                          </p:cTn>
+                        </p:par>
+                      </p:childTnLst>
+                    </p:cTn>
+                  </p:par>
+                  <p:par>
+                    <p:cTn id="8" fill="hold">
+                      <p:stCondLst>
+                        <p:cond delay="indefinite"/>
+                      </p:stCondLst>
+                      <p:childTnLst>
+                        <p:par>
+                          <p:cTn id="9" fill="hold">
+                            <p:stCondLst>
+                              <p:cond delay="0"/>
+                            </p:stCondLst>
+                            <p:childTnLst>
+                              <p:par>
+                                <p:cTn id="10" presetID="10" presetClass="exit" presetSubtype="0" fill="hold" grpId="0" nodeType="clickEffect">
+                                  <p:stCondLst>
+                                    <p:cond delay="0"/>
+                                  </p:stCondLst>
+                                  <p:childTnLst>
+                                    <p:animEffect transition="out" filter="fade">
+                                      <p:cBhvr>
+                                        <p:cTn id="11" dur="500"/>
+                                        <p:tgtEl>
+                                          <p:spTgt spid="3"/>
+                                        </p:tgtEl>
+                                      </p:cBhvr>
+                                    </p:animEffect>
+                                    <p:set>
+                                      <p:cBhvr>
+                                        <p:cTn id="12" dur="1" fill="hold">
+                                          <p:stCondLst>
+                                            <p:cond delay="499"/>
+                                          </p:stCondLst>
+                                        </p:cTn>
+                                        <p:tgtEl>
+                                          <p:spTgt spid="3"/>
+                                        </p:tgtEl>
+                                        <p:attrNameLst>
+                                          <p:attrName>style.visibility</p:attrName>
+                                        </p:attrNameLst>
+                                      </p:cBhvr>
+                                      <p:to>
+                                        <p:strVal val="hidden"/>
+                                      </p:to>
+                                    </p:set>
+                                  </p:childTnLst>
+                                </p:cTn>
+                              </p:par>
+                            </p:childTnLst>
+                          </p:cTn>
+                        </p:par>
+                      </p:childTnLst>
+                    </p:cTn>
+                  </p:par>
+                  <p:par>
+                    <p:cTn id="13" fill="hold">
+                      <p:stCondLst>
+                        <p:cond delay="indefinite"/>
+                      </p:stCondLst>
+                      <p:childTnLst>
+                        <p:par>
+                          <p:cTn id="14" fill="hold">
+                            <p:stCondLst>
+                              <p:cond delay="0"/>
+                            </p:stCondLst>
+                            <p:childTnLst>
+                              <p:par>
+                                <p:cTn id="15" presetID="10" presetClass="exit" presetSubtype="0" fill="hold" grpId="0" nodeType="clickEffect">
+                                  <p:stCondLst>
+                                    <p:cond delay="0"/>
+                                  </p:stCondLst>
+                                  <p:childTnLst>
+                                    <p:animEffect transition="out" filter="fade">
+                                      <p:cBhvr>
+                                        <p:cTn id="16" dur="500"/>
+                                        <p:tgtEl>
+                                          <p:spTgt spid="5"/>
+                                        </p:tgtEl>
+                                      </p:cBhvr>
+                                    </p:animEffect>
+                                    <p:set>
+                                      <p:cBhvr>
+                                        <p:cTn id="17" dur="1" fill="hold">
+                                          <p:stCondLst>
+                                            <p:cond delay="499"/>
+                                          </p:stCondLst>
+                                        </p:cTn>
+                                        <p:tgtEl>
+                                          <p:spTgt spid="5"/>
+                                        </p:tgtEl>
+                                        <p:attrNameLst>
+                                          <p:attrName>style.visibility</p:attrName>
+                                        </p:attrNameLst>
+                                      </p:cBhvr>
+                                      <p:to>
+                                        <p:strVal val="hidden"/>
+                                      </p:to>
+                                    </p:set>
+                                  </p:childTnLst>
+                                </p:cTn>
+                              </p:par>
+                            </p:childTnLst>
+                          </p:cTn>
+                        </p:par>
+                      </p:childTnLst>
+                    </p:cTn>
+                  </p:par>
+                  <p:par>
+                    <p:cTn id="18" fill="hold">
+                      <p:stCondLst>
+                        <p:cond delay="indefinite"/>
+                      </p:stCondLst>
+                      <p:childTnLst>
+                        <p:par>
+                          <p:cTn id="19" fill="hold">
+                            <p:stCondLst>
+                              <p:cond delay="0"/>
+                            </p:stCondLst>
+                            <p:childTnLst>
+                              <p:par>
+                                <p:cTn id="20" presetID="10" presetClass="exit" presetSubtype="0" fill="hold" grpId="0" nodeType="clickEffect">
+                                  <p:stCondLst>
+                                    <p:cond delay="0"/>
+                                  </p:stCondLst>
+                                  <p:childTnLst>
+                                    <p:animEffect transition="out" filter="fade">
+                                      <p:cBhvr>
+                                        <p:cTn id="21" dur="500"/>
+                                        <p:tgtEl>
+                                          <p:spTgt spid="8"/>
+                                        </p:tgtEl>
+                                      </p:cBhvr>
+                                    </p:animEffect>
+                                    <p:set>
+                                      <p:cBhvr>
+                                        <p:cTn id="22" dur="1" fill="hold">
+                                          <p:stCondLst>
+                                            <p:cond delay="499"/>
+                                          </p:stCondLst>
+                                        </p:cTn>
+                                        <p:tgtEl>
+                                          <p:spTgt spid="8"/>
+                                        </p:tgtEl>
+                                        <p:attrNameLst>
+                                          <p:attrName>style.visibility</p:attrName>
+                                        </p:attrNameLst>
+                                      </p:cBhvr>
+                                      <p:to>
+                                        <p:strVal val="hidden"/>
+                                      </p:to>
+                                    </p:set>
+                                  </p:childTnLst>
+                                </p:cTn>
+                              </p:par>
+                            </p:childTnLst>
+                          </p:cTn>
+                        </p:par>
+                      </p:childTnLst>
+                    </p:cTn>
+                  </p:par>
+                </p:childTnLst>
+              </p:cTn>
+              <p:prevCondLst>
+                <p:cond evt="onPrev" delay="0">
+                  <p:tgtEl>
+                    <p:sldTgt/>
+                  </p:tgtEl>
+                </p:cond>
+              </p:prevCondLst>
+              <p:nextCondLst>
+                <p:cond evt="onNext" delay="0">
+                  <p:tgtEl>
+                    <p:sldTgt/>
+                  </p:tgtEl>
+                </p:cond>
+              </p:nextCondLst>
+            </p:seq>
+          </p:childTnLst>
+        </p:cTn>
+      </p:par>
+    </p:tnLst>
+    <p:bldLst>
+      <p:bldP spid="3" grpId="0" animBg="1"/>
+      <p:bldP spid="5" grpId="0" animBg="1"/>
+      <p:bldP spid="7" grpId="0" animBg="1"/>
+      <p:bldP spid="8" grpId="0" animBg="1"/>
+    </p:bldLst>
+  </p:timing>
+</p:sld>
+</file>
+
+<file path=ppt/slides/slide4.xml><?xml version="1.0" encoding="utf-8"?>
+<p:sld xmlns:a="http://schemas.openxmlformats.org/drawingml/2006/main" xmlns:r="http://schemas.openxmlformats.org/officeDocument/2006/relationships" xmlns:p="http://schemas.openxmlformats.org/presentationml/2006/main">
+  <p:cSld>
+    <p:spTree>
+      <p:nvGrpSpPr>
+        <p:cNvPr id="1" name=""/>
+        <p:cNvGrpSpPr/>
+        <p:nvPr/>
+      </p:nvGrpSpPr>
+      <p:grpSpPr>
+        <a:xfrm>
+          <a:off x="0" y="0"/>
+          <a:ext cx="0" cy="0"/>
+          <a:chOff x="0" y="0"/>
+          <a:chExt cx="0" cy="0"/>
+        </a:xfrm>
+      </p:grpSpPr>
+      <p:pic>
+        <p:nvPicPr>
+          <p:cNvPr id="6" name="Picture 5"/>
+          <p:cNvPicPr>
+            <a:picLocks noChangeAspect="1"/>
+          </p:cNvPicPr>
+          <p:nvPr/>
+        </p:nvPicPr>
+        <p:blipFill>
+          <a:blip r:embed="rId3"/>
+          <a:stretch>
+            <a:fillRect/>
+          </a:stretch>
+        </p:blipFill>
+        <p:spPr>
+          <a:xfrm>
+            <a:off x="1370134" y="1691085"/>
+            <a:ext cx="6340794" cy="4309665"/>
+          </a:xfrm>
+          <a:prstGeom prst="rect">
+            <a:avLst/>
+          </a:prstGeom>
+        </p:spPr>
+      </p:pic>
+      <p:sp>
+        <p:nvSpPr>
+          <p:cNvPr id="4" name="Title 1"/>
+          <p:cNvSpPr txBox="1">
+            <a:spLocks/>
+          </p:cNvSpPr>
+          <p:nvPr/>
+        </p:nvSpPr>
+        <p:spPr>
+          <a:xfrm>
+            <a:off x="685800" y="121023"/>
+            <a:ext cx="7770813" cy="1429871"/>
+          </a:xfrm>
+          <a:prstGeom prst="rect">
+            <a:avLst/>
+          </a:prstGeom>
+        </p:spPr>
+        <p:txBody>
+          <a:bodyPr vert="horz" lIns="91440" tIns="45720" rIns="91440" bIns="45720" rtlCol="0" anchor="b" anchorCtr="0">
+            <a:normAutofit/>
+          </a:bodyPr>
+          <a:lstStyle>
+            <a:lvl1pPr algn="ctr" defTabSz="914400" rtl="0" eaLnBrk="1" latinLnBrk="0" hangingPunct="1">
+              <a:spcBef>
+                <a:spcPct val="0"/>
+              </a:spcBef>
+              <a:buNone/>
+              <a:defRPr sz="5400" kern="1200">
+                <a:solidFill>
+                  <a:schemeClr val="tx1"/>
+                </a:solidFill>
+                <a:effectLst>
+                  <a:outerShdw blurRad="50800" dist="50800" dir="5400000" sx="101000" sy="101000" algn="t" rotWithShape="0">
+                    <a:prstClr val="black">
+                      <a:alpha val="40000"/>
+                    </a:prstClr>
+                  </a:outerShdw>
+                </a:effectLst>
+                <a:latin typeface="+mj-lt"/>
+                <a:ea typeface="+mj-ea"/>
+                <a:cs typeface="+mj-cs"/>
+              </a:defRPr>
+            </a:lvl1pPr>
+          </a:lstStyle>
+          <a:p>
+            <a:r>
+              <a:rPr lang="en-US" dirty="0" smtClean="0"/>
+              <a:t>Hardware Schematic</a:t>
+            </a:r>
+            <a:endParaRPr lang="en-US" dirty="0"/>
+          </a:p>
+        </p:txBody>
+      </p:sp>
+    </p:spTree>
+    <p:extLst>
+      <p:ext uri="{BB962C8B-B14F-4D97-AF65-F5344CB8AC3E}">
+        <p14:creationId xmlns:p14="http://schemas.microsoft.com/office/powerpoint/2010/main" val="2034512440"/>
+      </p:ext>
+    </p:extLst>
+  </p:cSld>
+  <p:clrMapOvr>
+    <a:masterClrMapping/>
+  </p:clrMapOvr>
+  <p:timing>
+    <p:tnLst>
+      <p:par>
+        <p:cTn id="1" dur="indefinite" restart="never" nodeType="tmRoot"/>
+      </p:par>
+    </p:tnLst>
+  </p:timing>
+</p:sld>
+</file>
+
+<file path=ppt/slides/slide5.xml><?xml version="1.0" encoding="utf-8"?>
+<p:sld xmlns:a="http://schemas.openxmlformats.org/drawingml/2006/main" xmlns:r="http://schemas.openxmlformats.org/officeDocument/2006/relationships" xmlns:p="http://schemas.openxmlformats.org/presentationml/2006/main">
+  <p:cSld>
+    <p:spTree>
+      <p:nvGrpSpPr>
+        <p:cNvPr id="1" name=""/>
+        <p:cNvGrpSpPr/>
+        <p:nvPr/>
+      </p:nvGrpSpPr>
+      <p:grpSpPr>
+        <a:xfrm>
+          <a:off x="0" y="0"/>
+          <a:ext cx="0" cy="0"/>
+          <a:chOff x="0" y="0"/>
+          <a:chExt cx="0" cy="0"/>
+        </a:xfrm>
+      </p:grpSpPr>
+      <p:pic>
+        <p:nvPicPr>
+          <p:cNvPr id="5" name="Picture 4"/>
+          <p:cNvPicPr>
+            <a:picLocks noChangeAspect="1"/>
+          </p:cNvPicPr>
+          <p:nvPr/>
+        </p:nvPicPr>
+        <p:blipFill>
+          <a:blip r:embed="rId3"/>
+          <a:stretch>
+            <a:fillRect/>
+          </a:stretch>
+        </p:blipFill>
+        <p:spPr>
+          <a:xfrm>
+            <a:off x="1608332" y="2249725"/>
+            <a:ext cx="5812805" cy="2807494"/>
+          </a:xfrm>
+          <a:prstGeom prst="rect">
+            <a:avLst/>
+          </a:prstGeom>
+        </p:spPr>
+      </p:pic>
+      <p:sp>
+        <p:nvSpPr>
+          <p:cNvPr id="6" name="Title 1"/>
+          <p:cNvSpPr txBox="1">
+            <a:spLocks/>
+          </p:cNvSpPr>
+          <p:nvPr/>
+        </p:nvSpPr>
+        <p:spPr>
+          <a:xfrm>
+            <a:off x="685800" y="121023"/>
+            <a:ext cx="7770813" cy="1429871"/>
+          </a:xfrm>
+          <a:prstGeom prst="rect">
+            <a:avLst/>
+          </a:prstGeom>
+        </p:spPr>
+        <p:txBody>
+          <a:bodyPr vert="horz" lIns="91440" tIns="45720" rIns="91440" bIns="45720" rtlCol="0" anchor="b" anchorCtr="0">
+            <a:normAutofit/>
+          </a:bodyPr>
+          <a:lstStyle>
+            <a:lvl1pPr algn="ctr" defTabSz="914400" rtl="0" eaLnBrk="1" latinLnBrk="0" hangingPunct="1">
+              <a:spcBef>
+                <a:spcPct val="0"/>
+              </a:spcBef>
+              <a:buNone/>
+              <a:defRPr sz="5400" kern="1200">
+                <a:solidFill>
+                  <a:schemeClr val="tx1"/>
+                </a:solidFill>
+                <a:effectLst>
+                  <a:outerShdw blurRad="50800" dist="50800" dir="5400000" sx="101000" sy="101000" algn="t" rotWithShape="0">
+                    <a:prstClr val="black">
+                      <a:alpha val="40000"/>
+                    </a:prstClr>
+                  </a:outerShdw>
+                </a:effectLst>
+                <a:latin typeface="+mj-lt"/>
+                <a:ea typeface="+mj-ea"/>
+                <a:cs typeface="+mj-cs"/>
+              </a:defRPr>
+            </a:lvl1pPr>
+          </a:lstStyle>
+          <a:p>
+            <a:r>
+              <a:rPr lang="en-US" dirty="0" smtClean="0"/>
+              <a:t>Relay Schematic</a:t>
+            </a:r>
+            <a:endParaRPr lang="en-US" dirty="0"/>
+          </a:p>
+        </p:txBody>
+      </p:sp>
+    </p:spTree>
+    <p:extLst>
+      <p:ext uri="{BB962C8B-B14F-4D97-AF65-F5344CB8AC3E}">
+        <p14:creationId xmlns:p14="http://schemas.microsoft.com/office/powerpoint/2010/main" val="1173152934"/>
+      </p:ext>
+    </p:extLst>
+  </p:cSld>
+  <p:clrMapOvr>
+    <a:masterClrMapping/>
+  </p:clrMapOvr>
+  <p:timing>
+    <p:tnLst>
+      <p:par>
+        <p:cTn id="1" dur="indefinite" restart="never" nodeType="tmRoot"/>
+      </p:par>
+    </p:tnLst>
+  </p:timing>
+</p:sld>
+</file>
+
+<file path=ppt/slides/slide6.xml><?xml version="1.0" encoding="utf-8"?>
+<p:sld xmlns:a="http://schemas.openxmlformats.org/drawingml/2006/main" xmlns:r="http://schemas.openxmlformats.org/officeDocument/2006/relationships" xmlns:p="http://schemas.openxmlformats.org/presentationml/2006/main">
+  <p:cSld>
+    <p:spTree>
+      <p:nvGrpSpPr>
+        <p:cNvPr id="1" name=""/>
+        <p:cNvGrpSpPr/>
+        <p:nvPr/>
+      </p:nvGrpSpPr>
+      <p:grpSpPr>
+        <a:xfrm>
+          <a:off x="0" y="0"/>
+          <a:ext cx="0" cy="0"/>
+          <a:chOff x="0" y="0"/>
+          <a:chExt cx="0" cy="0"/>
+        </a:xfrm>
+      </p:grpSpPr>
+      <p:sp>
+        <p:nvSpPr>
+          <p:cNvPr id="2" name="Title 1"/>
+          <p:cNvSpPr>
+            <a:spLocks noGrp="1"/>
+          </p:cNvSpPr>
+          <p:nvPr>
+            <p:ph type="title"/>
+          </p:nvPr>
+        </p:nvSpPr>
+        <p:spPr/>
+        <p:txBody>
+          <a:bodyPr/>
+          <a:lstStyle/>
+          <a:p>
+            <a:r>
+              <a:rPr lang="en-US" dirty="0" smtClean="0"/>
+              <a:t>Firmware</a:t>
+            </a:r>
+            <a:endParaRPr lang="en-US" dirty="0"/>
+          </a:p>
+        </p:txBody>
+      </p:sp>
+      <p:sp>
+        <p:nvSpPr>
+          <p:cNvPr id="3" name="Content Placeholder 2"/>
+          <p:cNvSpPr>
+            <a:spLocks noGrp="1"/>
+          </p:cNvSpPr>
+          <p:nvPr>
+            <p:ph idx="1"/>
+          </p:nvPr>
+        </p:nvSpPr>
+        <p:spPr/>
+        <p:txBody>
+          <a:bodyPr>
+            <a:normAutofit fontScale="92500" lnSpcReduction="10000"/>
+          </a:bodyPr>
+          <a:lstStyle/>
+          <a:p>
+            <a:r>
+              <a:rPr lang="en-US" dirty="0" smtClean="0"/>
+              <a:t>Developed with Arduino IDE</a:t>
+            </a:r>
+          </a:p>
+          <a:p>
+            <a:pPr lvl="1"/>
+            <a:r>
+              <a:rPr lang="en-US" dirty="0" smtClean="0"/>
+              <a:t>C/C++ Based</a:t>
+            </a:r>
+          </a:p>
+          <a:p>
+            <a:r>
+              <a:rPr lang="en-US" dirty="0" smtClean="0"/>
+              <a:t>Built in </a:t>
+            </a:r>
+            <a:r>
+              <a:rPr lang="en-US" dirty="0" err="1" smtClean="0"/>
+              <a:t>WiFi</a:t>
+            </a:r>
+            <a:r>
+              <a:rPr lang="en-US" dirty="0" smtClean="0"/>
+              <a:t> to board utilize multiple user libraries</a:t>
+            </a:r>
+          </a:p>
+          <a:p>
+            <a:r>
+              <a:rPr lang="en-US" dirty="0" smtClean="0"/>
+              <a:t>Digital control over all I/O such as:</a:t>
+            </a:r>
+          </a:p>
+          <a:p>
+            <a:pPr lvl="1"/>
+            <a:r>
+              <a:rPr lang="en-US" dirty="0" smtClean="0"/>
+              <a:t>Relay to control lights</a:t>
+            </a:r>
+          </a:p>
+          <a:p>
+            <a:pPr lvl="1"/>
+            <a:r>
+              <a:rPr lang="en-US" dirty="0" smtClean="0"/>
+              <a:t>Motion Control</a:t>
+            </a:r>
+          </a:p>
+          <a:p>
+            <a:pPr lvl="1"/>
+            <a:r>
+              <a:rPr lang="en-US" dirty="0" smtClean="0"/>
+              <a:t>Manual Control</a:t>
+            </a:r>
+          </a:p>
+          <a:p>
+            <a:r>
+              <a:rPr lang="en-US" dirty="0" smtClean="0"/>
+              <a:t>Built in file system</a:t>
+            </a:r>
+          </a:p>
+          <a:p>
+            <a:pPr lvl="1"/>
+            <a:r>
+              <a:rPr lang="en-US" dirty="0" smtClean="0"/>
+              <a:t>Used to store files for backup, or hosting more advanced forms</a:t>
+            </a:r>
+          </a:p>
+          <a:p>
+            <a:r>
+              <a:rPr lang="en-US" dirty="0" smtClean="0"/>
+              <a:t>LUA and Micro Python interpreters for scripting</a:t>
+            </a:r>
+            <a:endParaRPr lang="en-US" dirty="0"/>
+          </a:p>
+        </p:txBody>
+      </p:sp>
+    </p:spTree>
+    <p:extLst>
+      <p:ext uri="{BB962C8B-B14F-4D97-AF65-F5344CB8AC3E}">
+        <p14:creationId xmlns:p14="http://schemas.microsoft.com/office/powerpoint/2010/main" val="1231492197"/>
+      </p:ext>
+    </p:extLst>
+  </p:cSld>
+  <p:clrMapOvr>
+    <a:masterClrMapping/>
+  </p:clrMapOvr>
+  <p:timing>
+    <p:tnLst>
+      <p:par>
+        <p:cTn id="1" dur="indefinite" restart="never" nodeType="tmRoot"/>
+      </p:par>
+    </p:tnLst>
+  </p:timing>
+</p:sld>
+</file>
+
+<file path=ppt/slides/slide7.xml><?xml version="1.0" encoding="utf-8"?>
+<p:sld xmlns:a="http://schemas.openxmlformats.org/drawingml/2006/main" xmlns:r="http://schemas.openxmlformats.org/officeDocument/2006/relationships" xmlns:p="http://schemas.openxmlformats.org/presentationml/2006/main">
+  <p:cSld>
+    <p:spTree>
+      <p:nvGrpSpPr>
+        <p:cNvPr id="1" name=""/>
+        <p:cNvGrpSpPr/>
+        <p:nvPr/>
+      </p:nvGrpSpPr>
+      <p:grpSpPr>
+        <a:xfrm>
+          <a:off x="0" y="0"/>
+          <a:ext cx="0" cy="0"/>
+          <a:chOff x="0" y="0"/>
+          <a:chExt cx="0" cy="0"/>
+        </a:xfrm>
+      </p:grpSpPr>
+      <p:sp>
+        <p:nvSpPr>
+          <p:cNvPr id="2" name="Title 1"/>
+          <p:cNvSpPr>
+            <a:spLocks noGrp="1"/>
+          </p:cNvSpPr>
+          <p:nvPr>
+            <p:ph type="title"/>
+          </p:nvPr>
+        </p:nvSpPr>
+        <p:spPr/>
+        <p:txBody>
+          <a:bodyPr/>
+          <a:lstStyle/>
+          <a:p>
+            <a:r>
+              <a:rPr lang="en-US" dirty="0" smtClean="0"/>
+              <a:t>Initial User Setup</a:t>
+            </a:r>
+            <a:endParaRPr lang="en-US" dirty="0"/>
+          </a:p>
+        </p:txBody>
+      </p:sp>
+      <p:sp>
+        <p:nvSpPr>
+          <p:cNvPr id="3" name="Content Placeholder 2"/>
+          <p:cNvSpPr>
+            <a:spLocks noGrp="1"/>
+          </p:cNvSpPr>
+          <p:nvPr>
+            <p:ph idx="1"/>
+          </p:nvPr>
+        </p:nvSpPr>
+        <p:spPr>
+          <a:xfrm>
+            <a:off x="470647" y="1356052"/>
+            <a:ext cx="8332694" cy="1333360"/>
+          </a:xfrm>
+        </p:spPr>
+        <p:txBody>
+          <a:bodyPr/>
+          <a:lstStyle/>
+          <a:p>
+            <a:r>
+              <a:rPr lang="en-US" dirty="0" smtClean="0"/>
+              <a:t>If Node is not paired </a:t>
+            </a:r>
+            <a:r>
+              <a:rPr lang="en-US" dirty="0" smtClean="0"/>
+              <a:t>with a server, a </a:t>
+            </a:r>
+            <a:r>
+              <a:rPr lang="en-US" dirty="0" smtClean="0"/>
+              <a:t>basic webpage will be hosted for the user to input the SSID and Password of the </a:t>
+            </a:r>
+            <a:r>
+              <a:rPr lang="en-US" dirty="0" smtClean="0"/>
+              <a:t>server’s connection </a:t>
+            </a:r>
+            <a:r>
+              <a:rPr lang="en-US" dirty="0" smtClean="0"/>
+              <a:t>point</a:t>
+            </a:r>
+            <a:endParaRPr lang="en-US" dirty="0"/>
+          </a:p>
+        </p:txBody>
+      </p:sp>
+      <p:pic>
+        <p:nvPicPr>
+          <p:cNvPr id="4" name="Picture 3"/>
+          <p:cNvPicPr>
+            <a:picLocks noChangeAspect="1"/>
+          </p:cNvPicPr>
+          <p:nvPr/>
+        </p:nvPicPr>
+        <p:blipFill>
+          <a:blip r:embed="rId3" cstate="email">
+            <a:extLst>
+              <a:ext uri="{28A0092B-C50C-407E-A947-70E740481C1C}">
+                <a14:useLocalDpi xmlns:a14="http://schemas.microsoft.com/office/drawing/2010/main" val="0"/>
+              </a:ext>
+            </a:extLst>
+          </a:blip>
+          <a:stretch>
+            <a:fillRect/>
+          </a:stretch>
+        </p:blipFill>
+        <p:spPr>
+          <a:xfrm>
+            <a:off x="1546412" y="2785923"/>
+            <a:ext cx="4851400" cy="2641600"/>
+          </a:xfrm>
+          <a:prstGeom prst="rect">
+            <a:avLst/>
+          </a:prstGeom>
+        </p:spPr>
+      </p:pic>
+    </p:spTree>
+    <p:extLst>
+      <p:ext uri="{BB962C8B-B14F-4D97-AF65-F5344CB8AC3E}">
+        <p14:creationId xmlns:p14="http://schemas.microsoft.com/office/powerpoint/2010/main" val="392100371"/>
+      </p:ext>
+    </p:extLst>
+  </p:cSld>
+  <p:clrMapOvr>
+    <a:masterClrMapping/>
+  </p:clrMapOvr>
+  <p:timing>
+    <p:tnLst>
+      <p:par>
+        <p:cTn id="1" dur="indefinite" restart="never" nodeType="tmRoot"/>
+      </p:par>
+    </p:tnLst>
+  </p:timing>
+</p:sld>
+</file>
+
+<file path=ppt/slides/slide8.xml><?xml version="1.0" encoding="utf-8"?>
+<p:sld xmlns:a="http://schemas.openxmlformats.org/drawingml/2006/main" xmlns:r="http://schemas.openxmlformats.org/officeDocument/2006/relationships" xmlns:p="http://schemas.openxmlformats.org/presentationml/2006/main">
+  <p:cSld>
+    <p:spTree>
+      <p:nvGrpSpPr>
+        <p:cNvPr id="1" name=""/>
+        <p:cNvGrpSpPr/>
+        <p:nvPr/>
+      </p:nvGrpSpPr>
+      <p:grpSpPr>
+        <a:xfrm>
+          <a:off x="0" y="0"/>
+          <a:ext cx="0" cy="0"/>
+          <a:chOff x="0" y="0"/>
+          <a:chExt cx="0" cy="0"/>
+        </a:xfrm>
+      </p:grpSpPr>
+      <p:sp>
+        <p:nvSpPr>
           <p:cNvPr id="186" name="Shape 186"/>
           <p:cNvSpPr>
             <a:spLocks noGrp="1"/>
@@ -6148,7 +9111,7 @@
           <p:nvPr/>
         </p:nvPicPr>
         <p:blipFill>
-          <a:blip r:embed="rId2">
+          <a:blip r:embed="rId3">
             <a:extLst/>
           </a:blip>
           <a:stretch>
@@ -6157,8 +9120,8 @@
         </p:blipFill>
         <p:spPr>
           <a:xfrm>
-            <a:off x="977900" y="254000"/>
-            <a:ext cx="7467600" cy="6350000"/>
+            <a:off x="1385042" y="1287109"/>
+            <a:ext cx="6365977" cy="5413246"/>
           </a:xfrm>
           <a:prstGeom prst="rect">
             <a:avLst/>
@@ -6177,7 +9140,7 @@
           <p:nvPr/>
         </p:nvPicPr>
         <p:blipFill>
-          <a:blip r:embed="rId3">
+          <a:blip r:embed="rId4">
             <a:extLst/>
           </a:blip>
           <a:stretch>
@@ -6186,8 +9149,8 @@
         </p:blipFill>
         <p:spPr>
           <a:xfrm>
-            <a:off x="704850" y="57150"/>
-            <a:ext cx="7734300" cy="6743700"/>
+            <a:off x="1385042" y="1287109"/>
+            <a:ext cx="6359626" cy="5545093"/>
           </a:xfrm>
           <a:prstGeom prst="rect">
             <a:avLst/>
@@ -6197,76 +9160,6 @@
           </a:ln>
         </p:spPr>
       </p:pic>
-      <p:sp>
-        <p:nvSpPr>
-          <p:cNvPr id="189" name="Shape 189"/>
-          <p:cNvSpPr/>
-          <p:nvPr/>
-        </p:nvSpPr>
-        <p:spPr>
-          <a:xfrm>
-            <a:off x="1245053" y="3923030"/>
-            <a:ext cx="2060413" cy="383541"/>
-          </a:xfrm>
-          <a:prstGeom prst="rect">
-            <a:avLst/>
-          </a:prstGeom>
-          <a:ln w="12700">
-            <a:miter lim="400000"/>
-          </a:ln>
-          <a:extLst>
-            <a:ext uri="{C572A759-6A51-4108-AA02-DFA0A04FC94B}">
-              <ma14:wrappingTextBoxFlag xmlns:ma14="http://schemas.microsoft.com/office/mac/drawingml/2011/main" val="1"/>
-            </a:ext>
-          </a:extLst>
-        </p:spPr>
-        <p:txBody>
-          <a:bodyPr wrap="none" lIns="45719" rIns="45719">
-            <a:spAutoFit/>
-          </a:bodyPr>
-          <a:lstStyle/>
-          <a:p>
-            <a:r>
-              <a:t>gorsejoe@gmail.com</a:t>
-            </a:r>
-          </a:p>
-        </p:txBody>
-      </p:sp>
-      <p:sp>
-        <p:nvSpPr>
-          <p:cNvPr id="190" name="Shape 190"/>
-          <p:cNvSpPr/>
-          <p:nvPr/>
-        </p:nvSpPr>
-        <p:spPr>
-          <a:xfrm>
-            <a:off x="1257753" y="4862830"/>
-            <a:ext cx="1475741" cy="383540"/>
-          </a:xfrm>
-          <a:prstGeom prst="rect">
-            <a:avLst/>
-          </a:prstGeom>
-          <a:ln w="12700">
-            <a:miter lim="400000"/>
-          </a:ln>
-          <a:extLst>
-            <a:ext uri="{C572A759-6A51-4108-AA02-DFA0A04FC94B}">
-              <ma14:wrappingTextBoxFlag xmlns:ma14="http://schemas.microsoft.com/office/mac/drawingml/2011/main" val="1"/>
-            </a:ext>
-          </a:extLst>
-        </p:spPr>
-        <p:txBody>
-          <a:bodyPr wrap="none" lIns="45719" rIns="45719">
-            <a:spAutoFit/>
-          </a:bodyPr>
-          <a:lstStyle/>
-          <a:p>
-            <a:r>
-              <a:t>************</a:t>
-            </a:r>
-          </a:p>
-        </p:txBody>
-      </p:sp>
     </p:spTree>
     <p:extLst>
       <p:ext uri="{BB962C8B-B14F-4D97-AF65-F5344CB8AC3E}">
@@ -6419,76 +9312,6 @@
                             </p:childTnLst>
                           </p:cTn>
                         </p:par>
-                        <p:par>
-                          <p:cTn id="15" fill="hold">
-                            <p:stCondLst>
-                              <p:cond delay="0"/>
-                            </p:stCondLst>
-                            <p:childTnLst>
-                              <p:par>
-                                <p:cTn id="16" presetID="1" presetClass="entr" presetSubtype="0" fill="hold" grpId="0" nodeType="afterEffect">
-                                  <p:stCondLst>
-                                    <p:cond delay="0"/>
-                                  </p:stCondLst>
-                                  <p:iterate>
-                                    <p:tmAbs val="0"/>
-                                  </p:iterate>
-                                  <p:childTnLst>
-                                    <p:set>
-                                      <p:cBhvr>
-                                        <p:cTn id="17" fill="hold"/>
-                                        <p:tgtEl>
-                                          <p:spTgt spid="189"/>
-                                        </p:tgtEl>
-                                        <p:attrNameLst>
-                                          <p:attrName>style.visibility</p:attrName>
-                                        </p:attrNameLst>
-                                      </p:cBhvr>
-                                      <p:to>
-                                        <p:strVal val="visible"/>
-                                      </p:to>
-                                    </p:set>
-                                  </p:childTnLst>
-                                </p:cTn>
-                              </p:par>
-                            </p:childTnLst>
-                          </p:cTn>
-                        </p:par>
-                        <p:par>
-                          <p:cTn id="18" fill="hold">
-                            <p:stCondLst>
-                              <p:cond delay="0"/>
-                            </p:stCondLst>
-                            <p:childTnLst>
-                              <p:par>
-                                <p:cTn id="19" presetID="1" presetClass="entr" presetSubtype="0" fill="hold" grpId="0" nodeType="afterEffect">
-                                  <p:stCondLst>
-                                    <p:cond delay="0"/>
-                                  </p:stCondLst>
-                                  <p:iterate>
-                                    <p:tmAbs val="0"/>
-                                  </p:iterate>
-                                  <p:childTnLst>
-                                    <p:set>
-                                      <p:cBhvr>
-                                        <p:cTn id="20" fill="hold"/>
-                                        <p:tgtEl>
-                                          <p:spTgt spid="190"/>
-                                        </p:tgtEl>
-                                        <p:attrNameLst>
-                                          <p:attrName>style.visibility</p:attrName>
-                                        </p:attrNameLst>
-                                      </p:cBhvr>
-                                      <p:to>
-                                        <p:strVal val="visible"/>
-                                      </p:to>
-                                    </p:set>
-                                  </p:childTnLst>
-                                </p:cTn>
-                              </p:par>
-                            </p:childTnLst>
-                          </p:cTn>
-                        </p:par>
                       </p:childTnLst>
                     </p:cTn>
                   </p:par>
@@ -6517,14 +9340,12 @@
       <p:bldP spid="187" grpId="0" animBg="1" advAuto="0"/>
       <p:bldP spid="188" grpId="0" animBg="1" advAuto="0"/>
       <p:bldP spid="188" grpId="1" animBg="1" advAuto="0"/>
-      <p:bldP spid="189" grpId="0" animBg="1" advAuto="0"/>
-      <p:bldP spid="190" grpId="0" animBg="1" advAuto="0"/>
     </p:bldLst>
   </p:timing>
 </p:sld>
 </file>
 
-<file path=ppt/slides/slide11.xml><?xml version="1.0" encoding="utf-8"?>
+<file path=ppt/slides/slide9.xml><?xml version="1.0" encoding="utf-8"?>
 <p:sld xmlns:a="http://schemas.openxmlformats.org/drawingml/2006/main" xmlns:r="http://schemas.openxmlformats.org/officeDocument/2006/relationships" xmlns:p="http://schemas.openxmlformats.org/presentationml/2006/main">
   <p:cSld>
     <p:spTree>
@@ -6583,7 +9404,7 @@
           <p:nvPr/>
         </p:nvPicPr>
         <p:blipFill>
-          <a:blip r:embed="rId2">
+          <a:blip r:embed="rId3">
             <a:extLst/>
           </a:blip>
           <a:stretch>
@@ -6612,7 +9433,7 @@
           <p:nvPr/>
         </p:nvPicPr>
         <p:blipFill>
-          <a:blip r:embed="rId3">
+          <a:blip r:embed="rId4">
             <a:extLst/>
           </a:blip>
           <a:stretch>
@@ -6641,7 +9462,7 @@
           <p:nvPr/>
         </p:nvPicPr>
         <p:blipFill>
-          <a:blip r:embed="rId4">
+          <a:blip r:embed="rId5">
             <a:extLst/>
           </a:blip>
           <a:stretch>
@@ -6670,7 +9491,7 @@
           <p:nvPr/>
         </p:nvPicPr>
         <p:blipFill>
-          <a:blip r:embed="rId5">
+          <a:blip r:embed="rId6">
             <a:extLst/>
           </a:blip>
           <a:stretch>
@@ -6679,7 +9500,7 @@
         </p:blipFill>
         <p:spPr>
           <a:xfrm>
-            <a:off x="412750" y="271611"/>
+            <a:off x="141882" y="4547650"/>
             <a:ext cx="8318500" cy="2400301"/>
           </a:xfrm>
           <a:prstGeom prst="rect">
@@ -7203,2026 +10024,6 @@
       <p:bldP spid="198" grpId="0" animBg="1" advAuto="0"/>
     </p:bldLst>
   </p:timing>
-</p:sld>
-</file>
-
-<file path=ppt/slides/slide12.xml><?xml version="1.0" encoding="utf-8"?>
-<p:sld xmlns:a="http://schemas.openxmlformats.org/drawingml/2006/main" xmlns:r="http://schemas.openxmlformats.org/officeDocument/2006/relationships" xmlns:p="http://schemas.openxmlformats.org/presentationml/2006/main">
-  <p:cSld>
-    <p:spTree>
-      <p:nvGrpSpPr>
-        <p:cNvPr id="1" name=""/>
-        <p:cNvGrpSpPr/>
-        <p:nvPr/>
-      </p:nvGrpSpPr>
-      <p:grpSpPr>
-        <a:xfrm>
-          <a:off x="0" y="0"/>
-          <a:ext cx="0" cy="0"/>
-          <a:chOff x="0" y="0"/>
-          <a:chExt cx="0" cy="0"/>
-        </a:xfrm>
-      </p:grpSpPr>
-      <p:sp>
-        <p:nvSpPr>
-          <p:cNvPr id="200" name="Shape 200"/>
-          <p:cNvSpPr>
-            <a:spLocks noGrp="1"/>
-          </p:cNvSpPr>
-          <p:nvPr>
-            <p:ph type="title"/>
-          </p:nvPr>
-        </p:nvSpPr>
-        <p:spPr>
-          <a:prstGeom prst="rect">
-            <a:avLst/>
-          </a:prstGeom>
-        </p:spPr>
-        <p:txBody>
-          <a:bodyPr/>
-          <a:lstStyle/>
-          <a:p>
-            <a:r>
-              <a:t>Frontend (UI)</a:t>
-            </a:r>
-          </a:p>
-          <a:p>
-            <a:pPr>
-              <a:defRPr sz="3500"/>
-            </a:pPr>
-            <a:r>
-              <a:t>continued…</a:t>
-            </a:r>
-          </a:p>
-        </p:txBody>
-      </p:sp>
-      <p:sp>
-        <p:nvSpPr>
-          <p:cNvPr id="201" name="Shape 201"/>
-          <p:cNvSpPr>
-            <a:spLocks noGrp="1"/>
-          </p:cNvSpPr>
-          <p:nvPr>
-            <p:ph type="body" idx="1"/>
-          </p:nvPr>
-        </p:nvSpPr>
-        <p:spPr>
-          <a:prstGeom prst="rect">
-            <a:avLst/>
-          </a:prstGeom>
-        </p:spPr>
-        <p:txBody>
-          <a:bodyPr/>
-          <a:lstStyle/>
-          <a:p>
-            <a:pPr>
-              <a:buBlip>
-                <a:blip r:embed="rId2"/>
-              </a:buBlip>
-            </a:pPr>
-            <a:endParaRPr/>
-          </a:p>
-        </p:txBody>
-      </p:sp>
-      <p:pic>
-        <p:nvPicPr>
-          <p:cNvPr id="202" name="2015-12-02-160412_1280x1024_scrot.png"/>
-          <p:cNvPicPr>
-            <a:picLocks noChangeAspect="1"/>
-          </p:cNvPicPr>
-          <p:nvPr/>
-        </p:nvPicPr>
-        <p:blipFill>
-          <a:blip r:embed="rId3">
-            <a:extLst/>
-          </a:blip>
-          <a:stretch>
-            <a:fillRect/>
-          </a:stretch>
-        </p:blipFill>
-        <p:spPr>
-          <a:xfrm>
-            <a:off x="853865" y="0"/>
-            <a:ext cx="7966992" cy="6858000"/>
-          </a:xfrm>
-          <a:prstGeom prst="rect">
-            <a:avLst/>
-          </a:prstGeom>
-          <a:ln w="12700">
-            <a:miter lim="400000"/>
-          </a:ln>
-        </p:spPr>
-      </p:pic>
-      <p:pic>
-        <p:nvPicPr>
-          <p:cNvPr id="203" name="2015-12-02-160702_1280x1024_scrot.png"/>
-          <p:cNvPicPr>
-            <a:picLocks noChangeAspect="1"/>
-          </p:cNvPicPr>
-          <p:nvPr/>
-        </p:nvPicPr>
-        <p:blipFill>
-          <a:blip r:embed="rId4">
-            <a:extLst/>
-          </a:blip>
-          <a:stretch>
-            <a:fillRect/>
-          </a:stretch>
-        </p:blipFill>
-        <p:spPr>
-          <a:xfrm>
-            <a:off x="0" y="644619"/>
-            <a:ext cx="9144000" cy="5568762"/>
-          </a:xfrm>
-          <a:prstGeom prst="rect">
-            <a:avLst/>
-          </a:prstGeom>
-          <a:ln w="12700">
-            <a:miter lim="400000"/>
-          </a:ln>
-        </p:spPr>
-      </p:pic>
-    </p:spTree>
-    <p:extLst>
-      <p:ext uri="{BB962C8B-B14F-4D97-AF65-F5344CB8AC3E}">
-        <p14:creationId xmlns:p14="http://schemas.microsoft.com/office/powerpoint/2010/main" val="1148160324"/>
-      </p:ext>
-    </p:extLst>
-  </p:cSld>
-  <p:clrMapOvr>
-    <a:masterClrMapping/>
-  </p:clrMapOvr>
-  <p:transition spd="slow"/>
-  <p:timing>
-    <p:tnLst>
-      <p:par>
-        <p:cTn id="1" dur="indefinite" restart="never" fill="hold" nodeType="tmRoot">
-          <p:childTnLst>
-            <p:seq concurrent="1" prevAc="none" nextAc="seek">
-              <p:cTn id="2" dur="indefinite" fill="hold" nodeType="mainSeq">
-                <p:childTnLst>
-                  <p:par>
-                    <p:cTn id="3" fill="hold">
-                      <p:stCondLst>
-                        <p:cond delay="indefinite"/>
-                      </p:stCondLst>
-                      <p:childTnLst>
-                        <p:par>
-                          <p:cTn id="4" fill="hold">
-                            <p:stCondLst>
-                              <p:cond delay="0"/>
-                            </p:stCondLst>
-                            <p:childTnLst>
-                              <p:par>
-                                <p:cTn id="5" presetID="1" presetClass="entr" presetSubtype="0" fill="hold" grpId="0" nodeType="clickEffect">
-                                  <p:stCondLst>
-                                    <p:cond delay="0"/>
-                                  </p:stCondLst>
-                                  <p:iterate>
-                                    <p:tmAbs val="0"/>
-                                  </p:iterate>
-                                  <p:childTnLst>
-                                    <p:set>
-                                      <p:cBhvr>
-                                        <p:cTn id="6" fill="hold"/>
-                                        <p:tgtEl>
-                                          <p:spTgt spid="202"/>
-                                        </p:tgtEl>
-                                        <p:attrNameLst>
-                                          <p:attrName>style.visibility</p:attrName>
-                                        </p:attrNameLst>
-                                      </p:cBhvr>
-                                      <p:to>
-                                        <p:strVal val="visible"/>
-                                      </p:to>
-                                    </p:set>
-                                  </p:childTnLst>
-                                </p:cTn>
-                              </p:par>
-                            </p:childTnLst>
-                          </p:cTn>
-                        </p:par>
-                      </p:childTnLst>
-                    </p:cTn>
-                  </p:par>
-                  <p:par>
-                    <p:cTn id="7" fill="hold">
-                      <p:stCondLst>
-                        <p:cond delay="indefinite"/>
-                      </p:stCondLst>
-                      <p:childTnLst>
-                        <p:par>
-                          <p:cTn id="8" fill="hold">
-                            <p:stCondLst>
-                              <p:cond delay="0"/>
-                            </p:stCondLst>
-                            <p:childTnLst>
-                              <p:par>
-                                <p:cTn id="9" presetID="1" presetClass="exit" presetSubtype="0" fill="hold" grpId="1" nodeType="clickEffect">
-                                  <p:stCondLst>
-                                    <p:cond delay="0"/>
-                                  </p:stCondLst>
-                                  <p:iterate>
-                                    <p:tmAbs val="0"/>
-                                  </p:iterate>
-                                  <p:childTnLst>
-                                    <p:set>
-                                      <p:cBhvr>
-                                        <p:cTn id="10" fill="hold">
-                                          <p:stCondLst>
-                                            <p:cond delay="0"/>
-                                          </p:stCondLst>
-                                        </p:cTn>
-                                        <p:tgtEl>
-                                          <p:spTgt spid="202"/>
-                                        </p:tgtEl>
-                                        <p:attrNameLst>
-                                          <p:attrName>style.visibility</p:attrName>
-                                        </p:attrNameLst>
-                                      </p:cBhvr>
-                                      <p:to>
-                                        <p:strVal val="hidden"/>
-                                      </p:to>
-                                    </p:set>
-                                  </p:childTnLst>
-                                </p:cTn>
-                              </p:par>
-                            </p:childTnLst>
-                          </p:cTn>
-                        </p:par>
-                        <p:par>
-                          <p:cTn id="11" fill="hold">
-                            <p:stCondLst>
-                              <p:cond delay="0"/>
-                            </p:stCondLst>
-                            <p:childTnLst>
-                              <p:par>
-                                <p:cTn id="12" presetID="1" presetClass="entr" presetSubtype="0" fill="hold" grpId="0" nodeType="afterEffect">
-                                  <p:stCondLst>
-                                    <p:cond delay="0"/>
-                                  </p:stCondLst>
-                                  <p:iterate>
-                                    <p:tmAbs val="0"/>
-                                  </p:iterate>
-                                  <p:childTnLst>
-                                    <p:set>
-                                      <p:cBhvr>
-                                        <p:cTn id="13" fill="hold"/>
-                                        <p:tgtEl>
-                                          <p:spTgt spid="203"/>
-                                        </p:tgtEl>
-                                        <p:attrNameLst>
-                                          <p:attrName>style.visibility</p:attrName>
-                                        </p:attrNameLst>
-                                      </p:cBhvr>
-                                      <p:to>
-                                        <p:strVal val="visible"/>
-                                      </p:to>
-                                    </p:set>
-                                  </p:childTnLst>
-                                </p:cTn>
-                              </p:par>
-                            </p:childTnLst>
-                          </p:cTn>
-                        </p:par>
-                      </p:childTnLst>
-                    </p:cTn>
-                  </p:par>
-                </p:childTnLst>
-              </p:cTn>
-              <p:prevCondLst>
-                <p:cond evt="onPrev" delay="0">
-                  <p:tgtEl>
-                    <p:sldTgt/>
-                  </p:tgtEl>
-                </p:cond>
-              </p:prevCondLst>
-              <p:nextCondLst>
-                <p:cond evt="onNext" delay="0">
-                  <p:tgtEl>
-                    <p:sldTgt/>
-                  </p:tgtEl>
-                </p:cond>
-              </p:nextCondLst>
-            </p:seq>
-          </p:childTnLst>
-        </p:cTn>
-      </p:par>
-    </p:tnLst>
-    <p:bldLst>
-      <p:bldP spid="202" grpId="0" animBg="1" advAuto="0"/>
-      <p:bldP spid="202" grpId="1" animBg="1" advAuto="0"/>
-      <p:bldP spid="203" grpId="0" animBg="1" advAuto="0"/>
-    </p:bldLst>
-  </p:timing>
-</p:sld>
-</file>
-
-<file path=ppt/slides/slide13.xml><?xml version="1.0" encoding="utf-8"?>
-<p:sld xmlns:a="http://schemas.openxmlformats.org/drawingml/2006/main" xmlns:r="http://schemas.openxmlformats.org/officeDocument/2006/relationships" xmlns:p="http://schemas.openxmlformats.org/presentationml/2006/main">
-  <p:cSld>
-    <p:spTree>
-      <p:nvGrpSpPr>
-        <p:cNvPr id="1" name=""/>
-        <p:cNvGrpSpPr/>
-        <p:nvPr/>
-      </p:nvGrpSpPr>
-      <p:grpSpPr>
-        <a:xfrm>
-          <a:off x="0" y="0"/>
-          <a:ext cx="0" cy="0"/>
-          <a:chOff x="0" y="0"/>
-          <a:chExt cx="0" cy="0"/>
-        </a:xfrm>
-      </p:grpSpPr>
-      <p:sp>
-        <p:nvSpPr>
-          <p:cNvPr id="2" name="Title 1"/>
-          <p:cNvSpPr>
-            <a:spLocks noGrp="1"/>
-          </p:cNvSpPr>
-          <p:nvPr>
-            <p:ph type="title"/>
-          </p:nvPr>
-        </p:nvSpPr>
-        <p:spPr/>
-        <p:txBody>
-          <a:bodyPr/>
-          <a:lstStyle/>
-          <a:p>
-            <a:r>
-              <a:rPr lang="en-US" dirty="0" smtClean="0"/>
-              <a:t>Changes</a:t>
-            </a:r>
-            <a:endParaRPr lang="en-US" dirty="0"/>
-          </a:p>
-        </p:txBody>
-      </p:sp>
-      <p:sp>
-        <p:nvSpPr>
-          <p:cNvPr id="3" name="Content Placeholder 2"/>
-          <p:cNvSpPr>
-            <a:spLocks noGrp="1"/>
-          </p:cNvSpPr>
-          <p:nvPr>
-            <p:ph idx="1"/>
-          </p:nvPr>
-        </p:nvSpPr>
-        <p:spPr/>
-        <p:txBody>
-          <a:bodyPr/>
-          <a:lstStyle/>
-          <a:p>
-            <a:r>
-              <a:rPr lang="en-US" dirty="0" smtClean="0"/>
-              <a:t>Switched from Arduino Pro Mini with an ESP8266 module to a </a:t>
-            </a:r>
-            <a:r>
-              <a:rPr lang="en-US" smtClean="0"/>
-              <a:t>NodeMCU</a:t>
-            </a:r>
-            <a:endParaRPr lang="en-US"/>
-          </a:p>
-        </p:txBody>
-      </p:sp>
-    </p:spTree>
-    <p:extLst>
-      <p:ext uri="{BB962C8B-B14F-4D97-AF65-F5344CB8AC3E}">
-        <p14:creationId xmlns:p14="http://schemas.microsoft.com/office/powerpoint/2010/main" val="2089127264"/>
-      </p:ext>
-    </p:extLst>
-  </p:cSld>
-  <p:clrMapOvr>
-    <a:masterClrMapping/>
-  </p:clrMapOvr>
-</p:sld>
-</file>
-
-<file path=ppt/slides/slide14.xml><?xml version="1.0" encoding="utf-8"?>
-<p:sld xmlns:a="http://schemas.openxmlformats.org/drawingml/2006/main" xmlns:r="http://schemas.openxmlformats.org/officeDocument/2006/relationships" xmlns:p="http://schemas.openxmlformats.org/presentationml/2006/main">
-  <p:cSld>
-    <p:spTree>
-      <p:nvGrpSpPr>
-        <p:cNvPr id="1" name=""/>
-        <p:cNvGrpSpPr/>
-        <p:nvPr/>
-      </p:nvGrpSpPr>
-      <p:grpSpPr>
-        <a:xfrm>
-          <a:off x="0" y="0"/>
-          <a:ext cx="0" cy="0"/>
-          <a:chOff x="0" y="0"/>
-          <a:chExt cx="0" cy="0"/>
-        </a:xfrm>
-      </p:grpSpPr>
-      <p:sp>
-        <p:nvSpPr>
-          <p:cNvPr id="2" name="Title 1"/>
-          <p:cNvSpPr>
-            <a:spLocks noGrp="1"/>
-          </p:cNvSpPr>
-          <p:nvPr>
-            <p:ph type="title"/>
-          </p:nvPr>
-        </p:nvSpPr>
-        <p:spPr>
-          <a:xfrm>
-            <a:off x="547777" y="121023"/>
-            <a:ext cx="7770813" cy="1429871"/>
-          </a:xfrm>
-        </p:spPr>
-        <p:txBody>
-          <a:bodyPr/>
-          <a:lstStyle/>
-          <a:p>
-            <a:r>
-              <a:rPr lang="en-US" dirty="0" smtClean="0"/>
-              <a:t>Conclusion</a:t>
-            </a:r>
-            <a:endParaRPr lang="en-US" dirty="0"/>
-          </a:p>
-        </p:txBody>
-      </p:sp>
-      <p:sp>
-        <p:nvSpPr>
-          <p:cNvPr id="3" name="Content Placeholder 2"/>
-          <p:cNvSpPr>
-            <a:spLocks noGrp="1"/>
-          </p:cNvSpPr>
-          <p:nvPr>
-            <p:ph idx="1"/>
-          </p:nvPr>
-        </p:nvSpPr>
-        <p:spPr/>
-        <p:txBody>
-          <a:bodyPr>
-            <a:normAutofit/>
-          </a:bodyPr>
-          <a:lstStyle/>
-          <a:p>
-            <a:r>
-              <a:rPr lang="en-US" dirty="0" smtClean="0">
-                <a:effectLst/>
-              </a:rPr>
-              <a:t>Nosferatu is cheaper than the competition</a:t>
-            </a:r>
-          </a:p>
-          <a:p>
-            <a:r>
-              <a:rPr lang="en-US" dirty="0" smtClean="0">
-                <a:effectLst/>
-              </a:rPr>
-              <a:t>Nosferatu is easier to use</a:t>
-            </a:r>
-          </a:p>
-          <a:p>
-            <a:r>
-              <a:rPr lang="en-US" dirty="0" smtClean="0">
-                <a:effectLst/>
-              </a:rPr>
-              <a:t>Nosferatu is the most convenient way to manage your home lighting</a:t>
-            </a:r>
-          </a:p>
-          <a:p>
-            <a:r>
-              <a:rPr lang="en-US" dirty="0" smtClean="0">
-                <a:effectLst/>
-              </a:rPr>
-              <a:t>Thank you to our advisor, John Kimani, for your guidance and support</a:t>
-            </a:r>
-          </a:p>
-        </p:txBody>
-      </p:sp>
-    </p:spTree>
-    <p:extLst>
-      <p:ext uri="{BB962C8B-B14F-4D97-AF65-F5344CB8AC3E}">
-        <p14:creationId xmlns:p14="http://schemas.microsoft.com/office/powerpoint/2010/main" val="1206270657"/>
-      </p:ext>
-    </p:extLst>
-  </p:cSld>
-  <p:clrMapOvr>
-    <a:masterClrMapping/>
-  </p:clrMapOvr>
-  <p:timing>
-    <p:tnLst>
-      <p:par>
-        <p:cTn id="1" dur="indefinite" restart="never" nodeType="tmRoot"/>
-      </p:par>
-    </p:tnLst>
-  </p:timing>
-</p:sld>
-</file>
-
-<file path=ppt/slides/slide15.xml><?xml version="1.0" encoding="utf-8"?>
-<p:sld xmlns:a="http://schemas.openxmlformats.org/drawingml/2006/main" xmlns:r="http://schemas.openxmlformats.org/officeDocument/2006/relationships" xmlns:p="http://schemas.openxmlformats.org/presentationml/2006/main">
-  <p:cSld>
-    <p:spTree>
-      <p:nvGrpSpPr>
-        <p:cNvPr id="1" name=""/>
-        <p:cNvGrpSpPr/>
-        <p:nvPr/>
-      </p:nvGrpSpPr>
-      <p:grpSpPr>
-        <a:xfrm>
-          <a:off x="0" y="0"/>
-          <a:ext cx="0" cy="0"/>
-          <a:chOff x="0" y="0"/>
-          <a:chExt cx="0" cy="0"/>
-        </a:xfrm>
-      </p:grpSpPr>
-      <p:sp>
-        <p:nvSpPr>
-          <p:cNvPr id="2" name="Title 1"/>
-          <p:cNvSpPr>
-            <a:spLocks noGrp="1"/>
-          </p:cNvSpPr>
-          <p:nvPr>
-            <p:ph type="title"/>
-          </p:nvPr>
-        </p:nvSpPr>
-        <p:spPr/>
-        <p:txBody>
-          <a:bodyPr/>
-          <a:lstStyle/>
-          <a:p>
-            <a:r>
-              <a:rPr lang="en-US" dirty="0" smtClean="0"/>
-              <a:t>Questions?</a:t>
-            </a:r>
-            <a:endParaRPr lang="en-US" dirty="0"/>
-          </a:p>
-        </p:txBody>
-      </p:sp>
-    </p:spTree>
-    <p:extLst>
-      <p:ext uri="{BB962C8B-B14F-4D97-AF65-F5344CB8AC3E}">
-        <p14:creationId xmlns:p14="http://schemas.microsoft.com/office/powerpoint/2010/main" val="1079122949"/>
-      </p:ext>
-    </p:extLst>
-  </p:cSld>
-  <p:clrMapOvr>
-    <a:masterClrMapping/>
-  </p:clrMapOvr>
-  <p:timing>
-    <p:tnLst>
-      <p:par>
-        <p:cTn id="1" dur="indefinite" restart="never" nodeType="tmRoot"/>
-      </p:par>
-    </p:tnLst>
-  </p:timing>
-</p:sld>
-</file>
-
-<file path=ppt/slides/slide2.xml><?xml version="1.0" encoding="utf-8"?>
-<p:sld xmlns:a="http://schemas.openxmlformats.org/drawingml/2006/main" xmlns:r="http://schemas.openxmlformats.org/officeDocument/2006/relationships" xmlns:p="http://schemas.openxmlformats.org/presentationml/2006/main">
-  <p:cSld>
-    <p:spTree>
-      <p:nvGrpSpPr>
-        <p:cNvPr id="1" name=""/>
-        <p:cNvGrpSpPr/>
-        <p:nvPr/>
-      </p:nvGrpSpPr>
-      <p:grpSpPr>
-        <a:xfrm>
-          <a:off x="0" y="0"/>
-          <a:ext cx="0" cy="0"/>
-          <a:chOff x="0" y="0"/>
-          <a:chExt cx="0" cy="0"/>
-        </a:xfrm>
-      </p:grpSpPr>
-      <p:sp>
-        <p:nvSpPr>
-          <p:cNvPr id="2" name="Title 1"/>
-          <p:cNvSpPr>
-            <a:spLocks noGrp="1"/>
-          </p:cNvSpPr>
-          <p:nvPr>
-            <p:ph type="title"/>
-          </p:nvPr>
-        </p:nvSpPr>
-        <p:spPr>
-          <a:xfrm>
-            <a:off x="685800" y="121023"/>
-            <a:ext cx="7770813" cy="1429871"/>
-          </a:xfrm>
-        </p:spPr>
-        <p:txBody>
-          <a:bodyPr/>
-          <a:lstStyle/>
-          <a:p>
-            <a:r>
-              <a:rPr lang="en-US" dirty="0" smtClean="0"/>
-              <a:t>The Problem</a:t>
-            </a:r>
-            <a:endParaRPr lang="en-US" dirty="0"/>
-          </a:p>
-        </p:txBody>
-      </p:sp>
-      <p:sp>
-        <p:nvSpPr>
-          <p:cNvPr id="3" name="Content Placeholder 2"/>
-          <p:cNvSpPr>
-            <a:spLocks noGrp="1"/>
-          </p:cNvSpPr>
-          <p:nvPr>
-            <p:ph idx="1"/>
-          </p:nvPr>
-        </p:nvSpPr>
-        <p:spPr>
-          <a:xfrm>
-            <a:off x="685800" y="1460188"/>
-            <a:ext cx="7770813" cy="1629508"/>
-          </a:xfrm>
-        </p:spPr>
-        <p:txBody>
-          <a:bodyPr>
-            <a:normAutofit fontScale="92500"/>
-          </a:bodyPr>
-          <a:lstStyle/>
-          <a:p>
-            <a:r>
-              <a:rPr lang="en-US" dirty="0" smtClean="0"/>
-              <a:t>Forgetting to turn your lights off when you leave your house</a:t>
-            </a:r>
-          </a:p>
-          <a:p>
-            <a:r>
-              <a:rPr lang="en-US" dirty="0" smtClean="0"/>
-              <a:t>Needing to get out of your comfortable bed to turn off lights</a:t>
-            </a:r>
-          </a:p>
-          <a:p>
-            <a:r>
-              <a:rPr lang="en-US" dirty="0" smtClean="0"/>
-              <a:t>Bumping into furniture on your way to the bathroom late at night</a:t>
-            </a:r>
-          </a:p>
-        </p:txBody>
-      </p:sp>
-    </p:spTree>
-    <p:extLst>
-      <p:ext uri="{BB962C8B-B14F-4D97-AF65-F5344CB8AC3E}">
-        <p14:creationId xmlns:p14="http://schemas.microsoft.com/office/powerpoint/2010/main" val="3920223107"/>
-      </p:ext>
-    </p:extLst>
-  </p:cSld>
-  <p:clrMapOvr>
-    <a:masterClrMapping/>
-  </p:clrMapOvr>
-  <p:timing>
-    <p:tnLst>
-      <p:par>
-        <p:cTn id="1" dur="indefinite" restart="never" nodeType="tmRoot">
-          <p:childTnLst>
-            <p:seq concurrent="1" nextAc="seek">
-              <p:cTn id="2" dur="indefinite" nodeType="mainSeq">
-                <p:childTnLst>
-                  <p:par>
-                    <p:cTn id="3" fill="hold">
-                      <p:stCondLst>
-                        <p:cond delay="indefinite"/>
-                      </p:stCondLst>
-                      <p:childTnLst>
-                        <p:par>
-                          <p:cTn id="4" fill="hold">
-                            <p:stCondLst>
-                              <p:cond delay="0"/>
-                            </p:stCondLst>
-                            <p:childTnLst>
-                              <p:par>
-                                <p:cTn id="5" presetID="1" presetClass="entr" presetSubtype="0" fill="hold" nodeType="clickEffect">
-                                  <p:stCondLst>
-                                    <p:cond delay="0"/>
-                                  </p:stCondLst>
-                                  <p:childTnLst>
-                                    <p:set>
-                                      <p:cBhvr>
-                                        <p:cTn id="6" dur="1" fill="hold">
-                                          <p:stCondLst>
-                                            <p:cond delay="0"/>
-                                          </p:stCondLst>
-                                        </p:cTn>
-                                        <p:tgtEl>
-                                          <p:spTgt spid="3">
-                                            <p:txEl>
-                                              <p:pRg st="1" end="1"/>
-                                            </p:txEl>
-                                          </p:spTgt>
-                                        </p:tgtEl>
-                                        <p:attrNameLst>
-                                          <p:attrName>style.visibility</p:attrName>
-                                        </p:attrNameLst>
-                                      </p:cBhvr>
-                                      <p:to>
-                                        <p:strVal val="visible"/>
-                                      </p:to>
-                                    </p:set>
-                                  </p:childTnLst>
-                                </p:cTn>
-                              </p:par>
-                            </p:childTnLst>
-                          </p:cTn>
-                        </p:par>
-                      </p:childTnLst>
-                    </p:cTn>
-                  </p:par>
-                  <p:par>
-                    <p:cTn id="7" fill="hold">
-                      <p:stCondLst>
-                        <p:cond delay="indefinite"/>
-                      </p:stCondLst>
-                      <p:childTnLst>
-                        <p:par>
-                          <p:cTn id="8" fill="hold">
-                            <p:stCondLst>
-                              <p:cond delay="0"/>
-                            </p:stCondLst>
-                            <p:childTnLst>
-                              <p:par>
-                                <p:cTn id="9" presetID="1" presetClass="entr" presetSubtype="0" fill="hold" nodeType="clickEffect">
-                                  <p:stCondLst>
-                                    <p:cond delay="0"/>
-                                  </p:stCondLst>
-                                  <p:childTnLst>
-                                    <p:set>
-                                      <p:cBhvr>
-                                        <p:cTn id="10" dur="1" fill="hold">
-                                          <p:stCondLst>
-                                            <p:cond delay="0"/>
-                                          </p:stCondLst>
-                                        </p:cTn>
-                                        <p:tgtEl>
-                                          <p:spTgt spid="3">
-                                            <p:txEl>
-                                              <p:pRg st="2" end="2"/>
-                                            </p:txEl>
-                                          </p:spTgt>
-                                        </p:tgtEl>
-                                        <p:attrNameLst>
-                                          <p:attrName>style.visibility</p:attrName>
-                                        </p:attrNameLst>
-                                      </p:cBhvr>
-                                      <p:to>
-                                        <p:strVal val="visible"/>
-                                      </p:to>
-                                    </p:set>
-                                  </p:childTnLst>
-                                </p:cTn>
-                              </p:par>
-                            </p:childTnLst>
-                          </p:cTn>
-                        </p:par>
-                      </p:childTnLst>
-                    </p:cTn>
-                  </p:par>
-                </p:childTnLst>
-              </p:cTn>
-              <p:prevCondLst>
-                <p:cond evt="onPrev" delay="0">
-                  <p:tgtEl>
-                    <p:sldTgt/>
-                  </p:tgtEl>
-                </p:cond>
-              </p:prevCondLst>
-              <p:nextCondLst>
-                <p:cond evt="onNext" delay="0">
-                  <p:tgtEl>
-                    <p:sldTgt/>
-                  </p:tgtEl>
-                </p:cond>
-              </p:nextCondLst>
-            </p:seq>
-          </p:childTnLst>
-        </p:cTn>
-      </p:par>
-    </p:tnLst>
-  </p:timing>
-</p:sld>
-</file>
-
-<file path=ppt/slides/slide3.xml><?xml version="1.0" encoding="utf-8"?>
-<p:sld xmlns:a="http://schemas.openxmlformats.org/drawingml/2006/main" xmlns:r="http://schemas.openxmlformats.org/officeDocument/2006/relationships" xmlns:p="http://schemas.openxmlformats.org/presentationml/2006/main">
-  <p:cSld>
-    <p:spTree>
-      <p:nvGrpSpPr>
-        <p:cNvPr id="1" name=""/>
-        <p:cNvGrpSpPr/>
-        <p:nvPr/>
-      </p:nvGrpSpPr>
-      <p:grpSpPr>
-        <a:xfrm>
-          <a:off x="0" y="0"/>
-          <a:ext cx="0" cy="0"/>
-          <a:chOff x="0" y="0"/>
-          <a:chExt cx="0" cy="0"/>
-        </a:xfrm>
-      </p:grpSpPr>
-      <p:sp>
-        <p:nvSpPr>
-          <p:cNvPr id="2" name="Title 1"/>
-          <p:cNvSpPr>
-            <a:spLocks noGrp="1"/>
-          </p:cNvSpPr>
-          <p:nvPr>
-            <p:ph type="title"/>
-          </p:nvPr>
-        </p:nvSpPr>
-        <p:spPr/>
-        <p:txBody>
-          <a:bodyPr/>
-          <a:lstStyle/>
-          <a:p>
-            <a:r>
-              <a:rPr lang="en-US" dirty="0" smtClean="0"/>
-              <a:t>Introduction</a:t>
-            </a:r>
-            <a:endParaRPr lang="en-US" dirty="0"/>
-          </a:p>
-        </p:txBody>
-      </p:sp>
-      <p:sp>
-        <p:nvSpPr>
-          <p:cNvPr id="3" name="Content Placeholder 2"/>
-          <p:cNvSpPr>
-            <a:spLocks noGrp="1"/>
-          </p:cNvSpPr>
-          <p:nvPr>
-            <p:ph idx="1"/>
-          </p:nvPr>
-        </p:nvSpPr>
-        <p:spPr>
-          <a:xfrm>
-            <a:off x="685800" y="1869141"/>
-            <a:ext cx="7770813" cy="2031205"/>
-          </a:xfrm>
-        </p:spPr>
-        <p:txBody>
-          <a:bodyPr/>
-          <a:lstStyle/>
-          <a:p>
-            <a:r>
-              <a:rPr lang="en-US" dirty="0" err="1">
-                <a:effectLst/>
-              </a:rPr>
-              <a:t>Nosferatu</a:t>
-            </a:r>
-            <a:r>
-              <a:rPr lang="en-US" dirty="0">
-                <a:effectLst/>
-              </a:rPr>
-              <a:t> is an energy efficient, convenient new way to control your home </a:t>
-            </a:r>
-            <a:r>
-              <a:rPr lang="en-US" dirty="0" smtClean="0">
-                <a:effectLst/>
-              </a:rPr>
-              <a:t>lighting.  Bringing </a:t>
-            </a:r>
-            <a:r>
-              <a:rPr lang="en-US" dirty="0">
-                <a:effectLst/>
-              </a:rPr>
-              <a:t>Wi-Fi and motion sensors to your light switches allows you to set schedules and rules </a:t>
-            </a:r>
-            <a:r>
-              <a:rPr lang="en-US" dirty="0" smtClean="0">
-                <a:effectLst/>
-              </a:rPr>
-              <a:t>to manage </a:t>
-            </a:r>
-            <a:r>
-              <a:rPr lang="en-US" dirty="0">
-                <a:effectLst/>
-              </a:rPr>
-              <a:t>your home lighting</a:t>
-            </a:r>
-            <a:r>
-              <a:rPr lang="en-US" dirty="0" smtClean="0">
-                <a:effectLst/>
-              </a:rPr>
-              <a:t>, as well as save </a:t>
-            </a:r>
-            <a:r>
-              <a:rPr lang="en-US" dirty="0">
-                <a:effectLst/>
-              </a:rPr>
-              <a:t>money, energy and time.</a:t>
-            </a:r>
-          </a:p>
-          <a:p>
-            <a:pPr marL="0" indent="0">
-              <a:buNone/>
-            </a:pPr>
-            <a:endParaRPr lang="en-US" dirty="0"/>
-          </a:p>
-        </p:txBody>
-      </p:sp>
-      <p:pic>
-        <p:nvPicPr>
-          <p:cNvPr id="4" name="Picture 3" descr="tumblr_lp1w7deZBC1qjdk2k.gif"/>
-          <p:cNvPicPr>
-            <a:picLocks noChangeAspect="1"/>
-          </p:cNvPicPr>
-          <p:nvPr/>
-        </p:nvPicPr>
-        <p:blipFill>
-          <a:blip r:embed="rId3" cstate="email">
-            <a:extLst>
-              <a:ext uri="{28A0092B-C50C-407E-A947-70E740481C1C}">
-                <a14:useLocalDpi xmlns:a14="http://schemas.microsoft.com/office/drawing/2010/main" val="0"/>
-              </a:ext>
-            </a:extLst>
-          </a:blip>
-          <a:stretch>
-            <a:fillRect/>
-          </a:stretch>
-        </p:blipFill>
-        <p:spPr>
-          <a:xfrm>
-            <a:off x="2086356" y="3689033"/>
-            <a:ext cx="4250460" cy="2830806"/>
-          </a:xfrm>
-          <a:prstGeom prst="rect">
-            <a:avLst/>
-          </a:prstGeom>
-        </p:spPr>
-      </p:pic>
-    </p:spTree>
-    <p:extLst>
-      <p:ext uri="{BB962C8B-B14F-4D97-AF65-F5344CB8AC3E}">
-        <p14:creationId xmlns:p14="http://schemas.microsoft.com/office/powerpoint/2010/main" val="3161070435"/>
-      </p:ext>
-    </p:extLst>
-  </p:cSld>
-  <p:clrMapOvr>
-    <a:masterClrMapping/>
-  </p:clrMapOvr>
-  <p:timing>
-    <p:tnLst>
-      <p:par>
-        <p:cTn id="1" dur="indefinite" restart="never" nodeType="tmRoot"/>
-      </p:par>
-    </p:tnLst>
-  </p:timing>
-</p:sld>
-</file>
-
-<file path=ppt/slides/slide4.xml><?xml version="1.0" encoding="utf-8"?>
-<p:sld xmlns:a="http://schemas.openxmlformats.org/drawingml/2006/main" xmlns:r="http://schemas.openxmlformats.org/officeDocument/2006/relationships" xmlns:p="http://schemas.openxmlformats.org/presentationml/2006/main">
-  <p:cSld>
-    <p:spTree>
-      <p:nvGrpSpPr>
-        <p:cNvPr id="1" name=""/>
-        <p:cNvGrpSpPr/>
-        <p:nvPr/>
-      </p:nvGrpSpPr>
-      <p:grpSpPr>
-        <a:xfrm>
-          <a:off x="0" y="0"/>
-          <a:ext cx="0" cy="0"/>
-          <a:chOff x="0" y="0"/>
-          <a:chExt cx="0" cy="0"/>
-        </a:xfrm>
-      </p:grpSpPr>
-      <p:sp>
-        <p:nvSpPr>
-          <p:cNvPr id="2" name="Title 1"/>
-          <p:cNvSpPr>
-            <a:spLocks noGrp="1"/>
-          </p:cNvSpPr>
-          <p:nvPr>
-            <p:ph type="title"/>
-          </p:nvPr>
-        </p:nvSpPr>
-        <p:spPr/>
-        <p:txBody>
-          <a:bodyPr>
-            <a:normAutofit/>
-          </a:bodyPr>
-          <a:lstStyle/>
-          <a:p>
-            <a:r>
-              <a:rPr lang="en-US" dirty="0" smtClean="0"/>
-              <a:t>Hardware Layout</a:t>
-            </a:r>
-            <a:endParaRPr lang="en-US" dirty="0"/>
-          </a:p>
-        </p:txBody>
-      </p:sp>
-      <p:pic>
-        <p:nvPicPr>
-          <p:cNvPr id="6" name="Picture 5"/>
-          <p:cNvPicPr>
-            <a:picLocks noChangeAspect="1"/>
-          </p:cNvPicPr>
-          <p:nvPr/>
-        </p:nvPicPr>
-        <p:blipFill>
-          <a:blip r:embed="rId3"/>
-          <a:stretch>
-            <a:fillRect/>
-          </a:stretch>
-        </p:blipFill>
-        <p:spPr>
-          <a:xfrm>
-            <a:off x="0" y="1308754"/>
-            <a:ext cx="9144000" cy="5549247"/>
-          </a:xfrm>
-          <a:prstGeom prst="rect">
-            <a:avLst/>
-          </a:prstGeom>
-        </p:spPr>
-      </p:pic>
-      <p:sp>
-        <p:nvSpPr>
-          <p:cNvPr id="3" name="Rectangle 2"/>
-          <p:cNvSpPr/>
-          <p:nvPr/>
-        </p:nvSpPr>
-        <p:spPr>
-          <a:xfrm>
-            <a:off x="-1587" y="1429824"/>
-            <a:ext cx="6305909" cy="1727744"/>
-          </a:xfrm>
-          <a:prstGeom prst="rect">
-            <a:avLst/>
-          </a:prstGeom>
-          <a:solidFill>
-            <a:schemeClr val="tx1"/>
-          </a:solidFill>
-          <a:ln>
-            <a:solidFill>
-              <a:schemeClr val="tx1"/>
-            </a:solidFill>
-          </a:ln>
-          <a:effectLst/>
-        </p:spPr>
-        <p:style>
-          <a:lnRef idx="1">
-            <a:schemeClr val="accent1"/>
-          </a:lnRef>
-          <a:fillRef idx="3">
-            <a:schemeClr val="accent1"/>
-          </a:fillRef>
-          <a:effectRef idx="2">
-            <a:schemeClr val="accent1"/>
-          </a:effectRef>
-          <a:fontRef idx="minor">
-            <a:schemeClr val="lt1"/>
-          </a:fontRef>
-        </p:style>
-        <p:txBody>
-          <a:bodyPr rtlCol="0" anchor="ctr"/>
-          <a:lstStyle/>
-          <a:p>
-            <a:pPr algn="ctr"/>
-            <a:endParaRPr lang="en-US"/>
-          </a:p>
-        </p:txBody>
-      </p:sp>
-      <p:sp>
-        <p:nvSpPr>
-          <p:cNvPr id="5" name="Rectangle 4"/>
-          <p:cNvSpPr/>
-          <p:nvPr/>
-        </p:nvSpPr>
-        <p:spPr>
-          <a:xfrm>
-            <a:off x="-1" y="3036497"/>
-            <a:ext cx="6305909" cy="3821503"/>
-          </a:xfrm>
-          <a:prstGeom prst="rect">
-            <a:avLst/>
-          </a:prstGeom>
-          <a:solidFill>
-            <a:schemeClr val="tx1"/>
-          </a:solidFill>
-          <a:ln>
-            <a:solidFill>
-              <a:schemeClr val="tx1"/>
-            </a:solidFill>
-          </a:ln>
-          <a:effectLst/>
-        </p:spPr>
-        <p:style>
-          <a:lnRef idx="1">
-            <a:schemeClr val="accent1"/>
-          </a:lnRef>
-          <a:fillRef idx="3">
-            <a:schemeClr val="accent1"/>
-          </a:fillRef>
-          <a:effectRef idx="2">
-            <a:schemeClr val="accent1"/>
-          </a:effectRef>
-          <a:fontRef idx="minor">
-            <a:schemeClr val="lt1"/>
-          </a:fontRef>
-        </p:style>
-        <p:txBody>
-          <a:bodyPr rtlCol="0" anchor="ctr"/>
-          <a:lstStyle/>
-          <a:p>
-            <a:pPr algn="ctr"/>
-            <a:endParaRPr lang="en-US" dirty="0"/>
-          </a:p>
-        </p:txBody>
-      </p:sp>
-      <p:sp>
-        <p:nvSpPr>
-          <p:cNvPr id="7" name="Rectangle 6"/>
-          <p:cNvSpPr/>
-          <p:nvPr/>
-        </p:nvSpPr>
-        <p:spPr>
-          <a:xfrm>
-            <a:off x="6305909" y="1308754"/>
-            <a:ext cx="2838091" cy="2245329"/>
-          </a:xfrm>
-          <a:prstGeom prst="rect">
-            <a:avLst/>
-          </a:prstGeom>
-          <a:solidFill>
-            <a:schemeClr val="tx1"/>
-          </a:solidFill>
-          <a:ln>
-            <a:solidFill>
-              <a:schemeClr val="tx1"/>
-            </a:solidFill>
-          </a:ln>
-          <a:effectLst/>
-        </p:spPr>
-        <p:style>
-          <a:lnRef idx="1">
-            <a:schemeClr val="accent1"/>
-          </a:lnRef>
-          <a:fillRef idx="3">
-            <a:schemeClr val="accent1"/>
-          </a:fillRef>
-          <a:effectRef idx="2">
-            <a:schemeClr val="accent1"/>
-          </a:effectRef>
-          <a:fontRef idx="minor">
-            <a:schemeClr val="lt1"/>
-          </a:fontRef>
-        </p:style>
-        <p:txBody>
-          <a:bodyPr rtlCol="0" anchor="ctr"/>
-          <a:lstStyle/>
-          <a:p>
-            <a:pPr algn="ctr"/>
-            <a:endParaRPr lang="en-US"/>
-          </a:p>
-        </p:txBody>
-      </p:sp>
-      <p:sp>
-        <p:nvSpPr>
-          <p:cNvPr id="8" name="Rectangle 7"/>
-          <p:cNvSpPr/>
-          <p:nvPr/>
-        </p:nvSpPr>
-        <p:spPr>
-          <a:xfrm>
-            <a:off x="6305909" y="3554083"/>
-            <a:ext cx="2838091" cy="3303917"/>
-          </a:xfrm>
-          <a:prstGeom prst="rect">
-            <a:avLst/>
-          </a:prstGeom>
-          <a:solidFill>
-            <a:schemeClr val="tx1"/>
-          </a:solidFill>
-          <a:ln>
-            <a:solidFill>
-              <a:schemeClr val="tx1"/>
-            </a:solidFill>
-          </a:ln>
-          <a:effectLst/>
-        </p:spPr>
-        <p:style>
-          <a:lnRef idx="1">
-            <a:schemeClr val="accent1"/>
-          </a:lnRef>
-          <a:fillRef idx="3">
-            <a:schemeClr val="accent1"/>
-          </a:fillRef>
-          <a:effectRef idx="2">
-            <a:schemeClr val="accent1"/>
-          </a:effectRef>
-          <a:fontRef idx="minor">
-            <a:schemeClr val="lt1"/>
-          </a:fontRef>
-        </p:style>
-        <p:txBody>
-          <a:bodyPr rtlCol="0" anchor="ctr"/>
-          <a:lstStyle/>
-          <a:p>
-            <a:pPr algn="ctr"/>
-            <a:endParaRPr lang="en-US"/>
-          </a:p>
-        </p:txBody>
-      </p:sp>
-    </p:spTree>
-    <p:extLst>
-      <p:ext uri="{BB962C8B-B14F-4D97-AF65-F5344CB8AC3E}">
-        <p14:creationId xmlns:p14="http://schemas.microsoft.com/office/powerpoint/2010/main" val="4287587443"/>
-      </p:ext>
-    </p:extLst>
-  </p:cSld>
-  <p:clrMapOvr>
-    <a:masterClrMapping/>
-  </p:clrMapOvr>
-  <p:timing>
-    <p:tnLst>
-      <p:par>
-        <p:cTn id="1" dur="indefinite" restart="never" nodeType="tmRoot">
-          <p:childTnLst>
-            <p:seq concurrent="1" nextAc="seek">
-              <p:cTn id="2" dur="indefinite" nodeType="mainSeq">
-                <p:childTnLst>
-                  <p:par>
-                    <p:cTn id="3" fill="hold">
-                      <p:stCondLst>
-                        <p:cond delay="indefinite"/>
-                      </p:stCondLst>
-                      <p:childTnLst>
-                        <p:par>
-                          <p:cTn id="4" fill="hold">
-                            <p:stCondLst>
-                              <p:cond delay="0"/>
-                            </p:stCondLst>
-                            <p:childTnLst>
-                              <p:par>
-                                <p:cTn id="5" presetID="10" presetClass="exit" presetSubtype="0" fill="hold" grpId="0" nodeType="clickEffect">
-                                  <p:stCondLst>
-                                    <p:cond delay="0"/>
-                                  </p:stCondLst>
-                                  <p:childTnLst>
-                                    <p:animEffect transition="out" filter="fade">
-                                      <p:cBhvr>
-                                        <p:cTn id="6" dur="500"/>
-                                        <p:tgtEl>
-                                          <p:spTgt spid="7"/>
-                                        </p:tgtEl>
-                                      </p:cBhvr>
-                                    </p:animEffect>
-                                    <p:set>
-                                      <p:cBhvr>
-                                        <p:cTn id="7" dur="1" fill="hold">
-                                          <p:stCondLst>
-                                            <p:cond delay="499"/>
-                                          </p:stCondLst>
-                                        </p:cTn>
-                                        <p:tgtEl>
-                                          <p:spTgt spid="7"/>
-                                        </p:tgtEl>
-                                        <p:attrNameLst>
-                                          <p:attrName>style.visibility</p:attrName>
-                                        </p:attrNameLst>
-                                      </p:cBhvr>
-                                      <p:to>
-                                        <p:strVal val="hidden"/>
-                                      </p:to>
-                                    </p:set>
-                                  </p:childTnLst>
-                                </p:cTn>
-                              </p:par>
-                            </p:childTnLst>
-                          </p:cTn>
-                        </p:par>
-                      </p:childTnLst>
-                    </p:cTn>
-                  </p:par>
-                  <p:par>
-                    <p:cTn id="8" fill="hold">
-                      <p:stCondLst>
-                        <p:cond delay="indefinite"/>
-                      </p:stCondLst>
-                      <p:childTnLst>
-                        <p:par>
-                          <p:cTn id="9" fill="hold">
-                            <p:stCondLst>
-                              <p:cond delay="0"/>
-                            </p:stCondLst>
-                            <p:childTnLst>
-                              <p:par>
-                                <p:cTn id="10" presetID="10" presetClass="exit" presetSubtype="0" fill="hold" grpId="0" nodeType="clickEffect">
-                                  <p:stCondLst>
-                                    <p:cond delay="0"/>
-                                  </p:stCondLst>
-                                  <p:childTnLst>
-                                    <p:animEffect transition="out" filter="fade">
-                                      <p:cBhvr>
-                                        <p:cTn id="11" dur="500"/>
-                                        <p:tgtEl>
-                                          <p:spTgt spid="3"/>
-                                        </p:tgtEl>
-                                      </p:cBhvr>
-                                    </p:animEffect>
-                                    <p:set>
-                                      <p:cBhvr>
-                                        <p:cTn id="12" dur="1" fill="hold">
-                                          <p:stCondLst>
-                                            <p:cond delay="499"/>
-                                          </p:stCondLst>
-                                        </p:cTn>
-                                        <p:tgtEl>
-                                          <p:spTgt spid="3"/>
-                                        </p:tgtEl>
-                                        <p:attrNameLst>
-                                          <p:attrName>style.visibility</p:attrName>
-                                        </p:attrNameLst>
-                                      </p:cBhvr>
-                                      <p:to>
-                                        <p:strVal val="hidden"/>
-                                      </p:to>
-                                    </p:set>
-                                  </p:childTnLst>
-                                </p:cTn>
-                              </p:par>
-                            </p:childTnLst>
-                          </p:cTn>
-                        </p:par>
-                      </p:childTnLst>
-                    </p:cTn>
-                  </p:par>
-                  <p:par>
-                    <p:cTn id="13" fill="hold">
-                      <p:stCondLst>
-                        <p:cond delay="indefinite"/>
-                      </p:stCondLst>
-                      <p:childTnLst>
-                        <p:par>
-                          <p:cTn id="14" fill="hold">
-                            <p:stCondLst>
-                              <p:cond delay="0"/>
-                            </p:stCondLst>
-                            <p:childTnLst>
-                              <p:par>
-                                <p:cTn id="15" presetID="10" presetClass="exit" presetSubtype="0" fill="hold" grpId="0" nodeType="clickEffect">
-                                  <p:stCondLst>
-                                    <p:cond delay="0"/>
-                                  </p:stCondLst>
-                                  <p:childTnLst>
-                                    <p:animEffect transition="out" filter="fade">
-                                      <p:cBhvr>
-                                        <p:cTn id="16" dur="500"/>
-                                        <p:tgtEl>
-                                          <p:spTgt spid="5"/>
-                                        </p:tgtEl>
-                                      </p:cBhvr>
-                                    </p:animEffect>
-                                    <p:set>
-                                      <p:cBhvr>
-                                        <p:cTn id="17" dur="1" fill="hold">
-                                          <p:stCondLst>
-                                            <p:cond delay="499"/>
-                                          </p:stCondLst>
-                                        </p:cTn>
-                                        <p:tgtEl>
-                                          <p:spTgt spid="5"/>
-                                        </p:tgtEl>
-                                        <p:attrNameLst>
-                                          <p:attrName>style.visibility</p:attrName>
-                                        </p:attrNameLst>
-                                      </p:cBhvr>
-                                      <p:to>
-                                        <p:strVal val="hidden"/>
-                                      </p:to>
-                                    </p:set>
-                                  </p:childTnLst>
-                                </p:cTn>
-                              </p:par>
-                            </p:childTnLst>
-                          </p:cTn>
-                        </p:par>
-                      </p:childTnLst>
-                    </p:cTn>
-                  </p:par>
-                  <p:par>
-                    <p:cTn id="18" fill="hold">
-                      <p:stCondLst>
-                        <p:cond delay="indefinite"/>
-                      </p:stCondLst>
-                      <p:childTnLst>
-                        <p:par>
-                          <p:cTn id="19" fill="hold">
-                            <p:stCondLst>
-                              <p:cond delay="0"/>
-                            </p:stCondLst>
-                            <p:childTnLst>
-                              <p:par>
-                                <p:cTn id="20" presetID="10" presetClass="exit" presetSubtype="0" fill="hold" grpId="0" nodeType="clickEffect">
-                                  <p:stCondLst>
-                                    <p:cond delay="0"/>
-                                  </p:stCondLst>
-                                  <p:childTnLst>
-                                    <p:animEffect transition="out" filter="fade">
-                                      <p:cBhvr>
-                                        <p:cTn id="21" dur="500"/>
-                                        <p:tgtEl>
-                                          <p:spTgt spid="8"/>
-                                        </p:tgtEl>
-                                      </p:cBhvr>
-                                    </p:animEffect>
-                                    <p:set>
-                                      <p:cBhvr>
-                                        <p:cTn id="22" dur="1" fill="hold">
-                                          <p:stCondLst>
-                                            <p:cond delay="499"/>
-                                          </p:stCondLst>
-                                        </p:cTn>
-                                        <p:tgtEl>
-                                          <p:spTgt spid="8"/>
-                                        </p:tgtEl>
-                                        <p:attrNameLst>
-                                          <p:attrName>style.visibility</p:attrName>
-                                        </p:attrNameLst>
-                                      </p:cBhvr>
-                                      <p:to>
-                                        <p:strVal val="hidden"/>
-                                      </p:to>
-                                    </p:set>
-                                  </p:childTnLst>
-                                </p:cTn>
-                              </p:par>
-                            </p:childTnLst>
-                          </p:cTn>
-                        </p:par>
-                      </p:childTnLst>
-                    </p:cTn>
-                  </p:par>
-                </p:childTnLst>
-              </p:cTn>
-              <p:prevCondLst>
-                <p:cond evt="onPrev" delay="0">
-                  <p:tgtEl>
-                    <p:sldTgt/>
-                  </p:tgtEl>
-                </p:cond>
-              </p:prevCondLst>
-              <p:nextCondLst>
-                <p:cond evt="onNext" delay="0">
-                  <p:tgtEl>
-                    <p:sldTgt/>
-                  </p:tgtEl>
-                </p:cond>
-              </p:nextCondLst>
-            </p:seq>
-          </p:childTnLst>
-        </p:cTn>
-      </p:par>
-    </p:tnLst>
-    <p:bldLst>
-      <p:bldP spid="3" grpId="0" animBg="1"/>
-      <p:bldP spid="5" grpId="0" animBg="1"/>
-      <p:bldP spid="7" grpId="0" animBg="1"/>
-      <p:bldP spid="8" grpId="0" animBg="1"/>
-    </p:bldLst>
-  </p:timing>
-</p:sld>
-</file>
-
-<file path=ppt/slides/slide5.xml><?xml version="1.0" encoding="utf-8"?>
-<p:sld xmlns:a="http://schemas.openxmlformats.org/drawingml/2006/main" xmlns:r="http://schemas.openxmlformats.org/officeDocument/2006/relationships" xmlns:p="http://schemas.openxmlformats.org/presentationml/2006/main">
-  <p:cSld>
-    <p:spTree>
-      <p:nvGrpSpPr>
-        <p:cNvPr id="1" name=""/>
-        <p:cNvGrpSpPr/>
-        <p:nvPr/>
-      </p:nvGrpSpPr>
-      <p:grpSpPr>
-        <a:xfrm>
-          <a:off x="0" y="0"/>
-          <a:ext cx="0" cy="0"/>
-          <a:chOff x="0" y="0"/>
-          <a:chExt cx="0" cy="0"/>
-        </a:xfrm>
-      </p:grpSpPr>
-      <p:pic>
-        <p:nvPicPr>
-          <p:cNvPr id="6" name="Picture 5"/>
-          <p:cNvPicPr>
-            <a:picLocks noChangeAspect="1"/>
-          </p:cNvPicPr>
-          <p:nvPr/>
-        </p:nvPicPr>
-        <p:blipFill>
-          <a:blip r:embed="rId2"/>
-          <a:stretch>
-            <a:fillRect/>
-          </a:stretch>
-        </p:blipFill>
-        <p:spPr>
-          <a:xfrm>
-            <a:off x="1370134" y="1691085"/>
-            <a:ext cx="6340794" cy="4309665"/>
-          </a:xfrm>
-          <a:prstGeom prst="rect">
-            <a:avLst/>
-          </a:prstGeom>
-        </p:spPr>
-      </p:pic>
-      <p:sp>
-        <p:nvSpPr>
-          <p:cNvPr id="4" name="Title 1"/>
-          <p:cNvSpPr txBox="1">
-            <a:spLocks/>
-          </p:cNvSpPr>
-          <p:nvPr/>
-        </p:nvSpPr>
-        <p:spPr>
-          <a:xfrm>
-            <a:off x="685800" y="121023"/>
-            <a:ext cx="7770813" cy="1429871"/>
-          </a:xfrm>
-          <a:prstGeom prst="rect">
-            <a:avLst/>
-          </a:prstGeom>
-        </p:spPr>
-        <p:txBody>
-          <a:bodyPr vert="horz" lIns="91440" tIns="45720" rIns="91440" bIns="45720" rtlCol="0" anchor="b" anchorCtr="0">
-            <a:normAutofit/>
-          </a:bodyPr>
-          <a:lstStyle>
-            <a:lvl1pPr algn="ctr" defTabSz="914400" rtl="0" eaLnBrk="1" latinLnBrk="0" hangingPunct="1">
-              <a:spcBef>
-                <a:spcPct val="0"/>
-              </a:spcBef>
-              <a:buNone/>
-              <a:defRPr sz="5400" kern="1200">
-                <a:solidFill>
-                  <a:schemeClr val="tx1"/>
-                </a:solidFill>
-                <a:effectLst>
-                  <a:outerShdw blurRad="50800" dist="50800" dir="5400000" sx="101000" sy="101000" algn="t" rotWithShape="0">
-                    <a:prstClr val="black">
-                      <a:alpha val="40000"/>
-                    </a:prstClr>
-                  </a:outerShdw>
-                </a:effectLst>
-                <a:latin typeface="+mj-lt"/>
-                <a:ea typeface="+mj-ea"/>
-                <a:cs typeface="+mj-cs"/>
-              </a:defRPr>
-            </a:lvl1pPr>
-          </a:lstStyle>
-          <a:p>
-            <a:r>
-              <a:rPr lang="en-US" dirty="0" smtClean="0"/>
-              <a:t>Hardware Schematic</a:t>
-            </a:r>
-            <a:endParaRPr lang="en-US" dirty="0"/>
-          </a:p>
-        </p:txBody>
-      </p:sp>
-    </p:spTree>
-    <p:extLst>
-      <p:ext uri="{BB962C8B-B14F-4D97-AF65-F5344CB8AC3E}">
-        <p14:creationId xmlns:p14="http://schemas.microsoft.com/office/powerpoint/2010/main" val="2034512440"/>
-      </p:ext>
-    </p:extLst>
-  </p:cSld>
-  <p:clrMapOvr>
-    <a:masterClrMapping/>
-  </p:clrMapOvr>
-  <p:timing>
-    <p:tnLst>
-      <p:par>
-        <p:cTn id="1" dur="indefinite" restart="never" nodeType="tmRoot"/>
-      </p:par>
-    </p:tnLst>
-  </p:timing>
-</p:sld>
-</file>
-
-<file path=ppt/slides/slide6.xml><?xml version="1.0" encoding="utf-8"?>
-<p:sld xmlns:a="http://schemas.openxmlformats.org/drawingml/2006/main" xmlns:r="http://schemas.openxmlformats.org/officeDocument/2006/relationships" xmlns:p="http://schemas.openxmlformats.org/presentationml/2006/main">
-  <p:cSld>
-    <p:spTree>
-      <p:nvGrpSpPr>
-        <p:cNvPr id="1" name=""/>
-        <p:cNvGrpSpPr/>
-        <p:nvPr/>
-      </p:nvGrpSpPr>
-      <p:grpSpPr>
-        <a:xfrm>
-          <a:off x="0" y="0"/>
-          <a:ext cx="0" cy="0"/>
-          <a:chOff x="0" y="0"/>
-          <a:chExt cx="0" cy="0"/>
-        </a:xfrm>
-      </p:grpSpPr>
-      <p:pic>
-        <p:nvPicPr>
-          <p:cNvPr id="5" name="Picture 4"/>
-          <p:cNvPicPr>
-            <a:picLocks noChangeAspect="1"/>
-          </p:cNvPicPr>
-          <p:nvPr/>
-        </p:nvPicPr>
-        <p:blipFill>
-          <a:blip r:embed="rId2"/>
-          <a:stretch>
-            <a:fillRect/>
-          </a:stretch>
-        </p:blipFill>
-        <p:spPr>
-          <a:xfrm>
-            <a:off x="1608332" y="2249725"/>
-            <a:ext cx="5812805" cy="2807494"/>
-          </a:xfrm>
-          <a:prstGeom prst="rect">
-            <a:avLst/>
-          </a:prstGeom>
-        </p:spPr>
-      </p:pic>
-      <p:sp>
-        <p:nvSpPr>
-          <p:cNvPr id="6" name="Title 1"/>
-          <p:cNvSpPr txBox="1">
-            <a:spLocks/>
-          </p:cNvSpPr>
-          <p:nvPr/>
-        </p:nvSpPr>
-        <p:spPr>
-          <a:xfrm>
-            <a:off x="685800" y="121023"/>
-            <a:ext cx="7770813" cy="1429871"/>
-          </a:xfrm>
-          <a:prstGeom prst="rect">
-            <a:avLst/>
-          </a:prstGeom>
-        </p:spPr>
-        <p:txBody>
-          <a:bodyPr vert="horz" lIns="91440" tIns="45720" rIns="91440" bIns="45720" rtlCol="0" anchor="b" anchorCtr="0">
-            <a:normAutofit/>
-          </a:bodyPr>
-          <a:lstStyle>
-            <a:lvl1pPr algn="ctr" defTabSz="914400" rtl="0" eaLnBrk="1" latinLnBrk="0" hangingPunct="1">
-              <a:spcBef>
-                <a:spcPct val="0"/>
-              </a:spcBef>
-              <a:buNone/>
-              <a:defRPr sz="5400" kern="1200">
-                <a:solidFill>
-                  <a:schemeClr val="tx1"/>
-                </a:solidFill>
-                <a:effectLst>
-                  <a:outerShdw blurRad="50800" dist="50800" dir="5400000" sx="101000" sy="101000" algn="t" rotWithShape="0">
-                    <a:prstClr val="black">
-                      <a:alpha val="40000"/>
-                    </a:prstClr>
-                  </a:outerShdw>
-                </a:effectLst>
-                <a:latin typeface="+mj-lt"/>
-                <a:ea typeface="+mj-ea"/>
-                <a:cs typeface="+mj-cs"/>
-              </a:defRPr>
-            </a:lvl1pPr>
-          </a:lstStyle>
-          <a:p>
-            <a:r>
-              <a:rPr lang="en-US" dirty="0" smtClean="0"/>
-              <a:t>Relay Schematic</a:t>
-            </a:r>
-            <a:endParaRPr lang="en-US" dirty="0"/>
-          </a:p>
-        </p:txBody>
-      </p:sp>
-    </p:spTree>
-    <p:extLst>
-      <p:ext uri="{BB962C8B-B14F-4D97-AF65-F5344CB8AC3E}">
-        <p14:creationId xmlns:p14="http://schemas.microsoft.com/office/powerpoint/2010/main" val="1173152934"/>
-      </p:ext>
-    </p:extLst>
-  </p:cSld>
-  <p:clrMapOvr>
-    <a:masterClrMapping/>
-  </p:clrMapOvr>
-  <p:timing>
-    <p:tnLst>
-      <p:par>
-        <p:cTn id="1" dur="indefinite" restart="never" nodeType="tmRoot"/>
-      </p:par>
-    </p:tnLst>
-  </p:timing>
-</p:sld>
-</file>
-
-<file path=ppt/slides/slide7.xml><?xml version="1.0" encoding="utf-8"?>
-<p:sld xmlns:a="http://schemas.openxmlformats.org/drawingml/2006/main" xmlns:r="http://schemas.openxmlformats.org/officeDocument/2006/relationships" xmlns:p="http://schemas.openxmlformats.org/presentationml/2006/main">
-  <p:cSld>
-    <p:spTree>
-      <p:nvGrpSpPr>
-        <p:cNvPr id="1" name=""/>
-        <p:cNvGrpSpPr/>
-        <p:nvPr/>
-      </p:nvGrpSpPr>
-      <p:grpSpPr>
-        <a:xfrm>
-          <a:off x="0" y="0"/>
-          <a:ext cx="0" cy="0"/>
-          <a:chOff x="0" y="0"/>
-          <a:chExt cx="0" cy="0"/>
-        </a:xfrm>
-      </p:grpSpPr>
-      <p:sp>
-        <p:nvSpPr>
-          <p:cNvPr id="2" name="Title 1"/>
-          <p:cNvSpPr>
-            <a:spLocks noGrp="1"/>
-          </p:cNvSpPr>
-          <p:nvPr>
-            <p:ph type="title"/>
-          </p:nvPr>
-        </p:nvSpPr>
-        <p:spPr/>
-        <p:txBody>
-          <a:bodyPr/>
-          <a:lstStyle/>
-          <a:p>
-            <a:r>
-              <a:rPr lang="en-US" dirty="0" smtClean="0"/>
-              <a:t>Build Process</a:t>
-            </a:r>
-            <a:endParaRPr lang="en-US" dirty="0"/>
-          </a:p>
-        </p:txBody>
-      </p:sp>
-    </p:spTree>
-    <p:extLst>
-      <p:ext uri="{BB962C8B-B14F-4D97-AF65-F5344CB8AC3E}">
-        <p14:creationId xmlns:p14="http://schemas.microsoft.com/office/powerpoint/2010/main" val="3881248493"/>
-      </p:ext>
-    </p:extLst>
-  </p:cSld>
-  <p:clrMapOvr>
-    <a:masterClrMapping/>
-  </p:clrMapOvr>
-  <p:timing>
-    <p:tnLst>
-      <p:par>
-        <p:cTn id="1" dur="indefinite" restart="never" nodeType="tmRoot"/>
-      </p:par>
-    </p:tnLst>
-  </p:timing>
-</p:sld>
-</file>
-
-<file path=ppt/slides/slide8.xml><?xml version="1.0" encoding="utf-8"?>
-<p:sld xmlns:a="http://schemas.openxmlformats.org/drawingml/2006/main" xmlns:r="http://schemas.openxmlformats.org/officeDocument/2006/relationships" xmlns:p="http://schemas.openxmlformats.org/presentationml/2006/main">
-  <p:cSld>
-    <p:spTree>
-      <p:nvGrpSpPr>
-        <p:cNvPr id="1" name=""/>
-        <p:cNvGrpSpPr/>
-        <p:nvPr/>
-      </p:nvGrpSpPr>
-      <p:grpSpPr>
-        <a:xfrm>
-          <a:off x="0" y="0"/>
-          <a:ext cx="0" cy="0"/>
-          <a:chOff x="0" y="0"/>
-          <a:chExt cx="0" cy="0"/>
-        </a:xfrm>
-      </p:grpSpPr>
-      <p:sp>
-        <p:nvSpPr>
-          <p:cNvPr id="2" name="Title 1"/>
-          <p:cNvSpPr>
-            <a:spLocks noGrp="1"/>
-          </p:cNvSpPr>
-          <p:nvPr>
-            <p:ph type="title"/>
-          </p:nvPr>
-        </p:nvSpPr>
-        <p:spPr/>
-        <p:txBody>
-          <a:bodyPr/>
-          <a:lstStyle/>
-          <a:p>
-            <a:r>
-              <a:rPr lang="en-US" dirty="0" smtClean="0"/>
-              <a:t>Firmware</a:t>
-            </a:r>
-            <a:endParaRPr lang="en-US" dirty="0"/>
-          </a:p>
-        </p:txBody>
-      </p:sp>
-      <p:sp>
-        <p:nvSpPr>
-          <p:cNvPr id="3" name="Content Placeholder 2"/>
-          <p:cNvSpPr>
-            <a:spLocks noGrp="1"/>
-          </p:cNvSpPr>
-          <p:nvPr>
-            <p:ph idx="1"/>
-          </p:nvPr>
-        </p:nvSpPr>
-        <p:spPr/>
-        <p:txBody>
-          <a:bodyPr>
-            <a:normAutofit fontScale="92500" lnSpcReduction="10000"/>
-          </a:bodyPr>
-          <a:lstStyle/>
-          <a:p>
-            <a:r>
-              <a:rPr lang="en-US" dirty="0" smtClean="0"/>
-              <a:t>Developed with Arduino IDE</a:t>
-            </a:r>
-          </a:p>
-          <a:p>
-            <a:pPr lvl="1"/>
-            <a:r>
-              <a:rPr lang="en-US" dirty="0" smtClean="0"/>
-              <a:t>C/C++ Based</a:t>
-            </a:r>
-          </a:p>
-          <a:p>
-            <a:r>
-              <a:rPr lang="en-US" dirty="0" smtClean="0"/>
-              <a:t>Built in </a:t>
-            </a:r>
-            <a:r>
-              <a:rPr lang="en-US" dirty="0" err="1" smtClean="0"/>
-              <a:t>WiFi</a:t>
-            </a:r>
-            <a:r>
-              <a:rPr lang="en-US" dirty="0" smtClean="0"/>
-              <a:t> to board utilize multiple user libraries</a:t>
-            </a:r>
-          </a:p>
-          <a:p>
-            <a:r>
-              <a:rPr lang="en-US" dirty="0" smtClean="0"/>
-              <a:t>Digital control over all I/O such as:</a:t>
-            </a:r>
-          </a:p>
-          <a:p>
-            <a:pPr lvl="1"/>
-            <a:r>
-              <a:rPr lang="en-US" dirty="0" smtClean="0"/>
-              <a:t>Relay to control lights</a:t>
-            </a:r>
-          </a:p>
-          <a:p>
-            <a:pPr lvl="1"/>
-            <a:r>
-              <a:rPr lang="en-US" dirty="0" smtClean="0"/>
-              <a:t>Motion Control</a:t>
-            </a:r>
-          </a:p>
-          <a:p>
-            <a:pPr lvl="1"/>
-            <a:r>
-              <a:rPr lang="en-US" dirty="0" smtClean="0"/>
-              <a:t>Manual Control</a:t>
-            </a:r>
-          </a:p>
-          <a:p>
-            <a:r>
-              <a:rPr lang="en-US" dirty="0" smtClean="0"/>
-              <a:t>Built in file system</a:t>
-            </a:r>
-          </a:p>
-          <a:p>
-            <a:pPr lvl="1"/>
-            <a:r>
-              <a:rPr lang="en-US" dirty="0" smtClean="0"/>
-              <a:t>Used to store files for backup, or hosting more advanced forms</a:t>
-            </a:r>
-          </a:p>
-          <a:p>
-            <a:r>
-              <a:rPr lang="en-US" dirty="0" smtClean="0"/>
-              <a:t>LUA and Micro Python interpreters for scripting</a:t>
-            </a:r>
-            <a:endParaRPr lang="en-US" dirty="0"/>
-          </a:p>
-        </p:txBody>
-      </p:sp>
-    </p:spTree>
-    <p:extLst>
-      <p:ext uri="{BB962C8B-B14F-4D97-AF65-F5344CB8AC3E}">
-        <p14:creationId xmlns:p14="http://schemas.microsoft.com/office/powerpoint/2010/main" val="1231492197"/>
-      </p:ext>
-    </p:extLst>
-  </p:cSld>
-  <p:clrMapOvr>
-    <a:masterClrMapping/>
-  </p:clrMapOvr>
-</p:sld>
-</file>
-
-<file path=ppt/slides/slide9.xml><?xml version="1.0" encoding="utf-8"?>
-<p:sld xmlns:a="http://schemas.openxmlformats.org/drawingml/2006/main" xmlns:r="http://schemas.openxmlformats.org/officeDocument/2006/relationships" xmlns:p="http://schemas.openxmlformats.org/presentationml/2006/main">
-  <p:cSld>
-    <p:spTree>
-      <p:nvGrpSpPr>
-        <p:cNvPr id="1" name=""/>
-        <p:cNvGrpSpPr/>
-        <p:nvPr/>
-      </p:nvGrpSpPr>
-      <p:grpSpPr>
-        <a:xfrm>
-          <a:off x="0" y="0"/>
-          <a:ext cx="0" cy="0"/>
-          <a:chOff x="0" y="0"/>
-          <a:chExt cx="0" cy="0"/>
-        </a:xfrm>
-      </p:grpSpPr>
-      <p:sp>
-        <p:nvSpPr>
-          <p:cNvPr id="2" name="Title 1"/>
-          <p:cNvSpPr>
-            <a:spLocks noGrp="1"/>
-          </p:cNvSpPr>
-          <p:nvPr>
-            <p:ph type="title"/>
-          </p:nvPr>
-        </p:nvSpPr>
-        <p:spPr/>
-        <p:txBody>
-          <a:bodyPr/>
-          <a:lstStyle/>
-          <a:p>
-            <a:r>
-              <a:rPr lang="en-US" dirty="0" smtClean="0"/>
-              <a:t>Initial User Setup</a:t>
-            </a:r>
-            <a:endParaRPr lang="en-US" dirty="0"/>
-          </a:p>
-        </p:txBody>
-      </p:sp>
-      <p:sp>
-        <p:nvSpPr>
-          <p:cNvPr id="3" name="Content Placeholder 2"/>
-          <p:cNvSpPr>
-            <a:spLocks noGrp="1"/>
-          </p:cNvSpPr>
-          <p:nvPr>
-            <p:ph idx="1"/>
-          </p:nvPr>
-        </p:nvSpPr>
-        <p:spPr>
-          <a:xfrm>
-            <a:off x="470647" y="1356052"/>
-            <a:ext cx="8332694" cy="1333360"/>
-          </a:xfrm>
-        </p:spPr>
-        <p:txBody>
-          <a:bodyPr/>
-          <a:lstStyle/>
-          <a:p>
-            <a:r>
-              <a:rPr lang="en-US" dirty="0" smtClean="0"/>
-              <a:t>If Node is not paired a basic webpage will be hosted for the user to input the SSID and Password of the connection point</a:t>
-            </a:r>
-            <a:endParaRPr lang="en-US" dirty="0"/>
-          </a:p>
-        </p:txBody>
-      </p:sp>
-      <p:pic>
-        <p:nvPicPr>
-          <p:cNvPr id="4" name="Picture 3"/>
-          <p:cNvPicPr>
-            <a:picLocks noChangeAspect="1"/>
-          </p:cNvPicPr>
-          <p:nvPr/>
-        </p:nvPicPr>
-        <p:blipFill>
-          <a:blip r:embed="rId3">
-            <a:extLst>
-              <a:ext uri="{28A0092B-C50C-407E-A947-70E740481C1C}">
-                <a14:useLocalDpi xmlns:a14="http://schemas.microsoft.com/office/drawing/2010/main" val="0"/>
-              </a:ext>
-            </a:extLst>
-          </a:blip>
-          <a:stretch>
-            <a:fillRect/>
-          </a:stretch>
-        </p:blipFill>
-        <p:spPr>
-          <a:xfrm>
-            <a:off x="1546412" y="2785923"/>
-            <a:ext cx="4851400" cy="2641600"/>
-          </a:xfrm>
-          <a:prstGeom prst="rect">
-            <a:avLst/>
-          </a:prstGeom>
-        </p:spPr>
-      </p:pic>
-    </p:spTree>
-    <p:extLst>
-      <p:ext uri="{BB962C8B-B14F-4D97-AF65-F5344CB8AC3E}">
-        <p14:creationId xmlns:p14="http://schemas.microsoft.com/office/powerpoint/2010/main" val="392100371"/>
-      </p:ext>
-    </p:extLst>
-  </p:cSld>
-  <p:clrMapOvr>
-    <a:masterClrMapping/>
-  </p:clrMapOvr>
 </p:sld>
 </file>
 

--- a/Final Documents/Final Presentation.pptx
+++ b/Final Documents/Final Presentation.pptx
@@ -5,23 +5,24 @@
     <p:sldMasterId id="2147483660" r:id="rId1"/>
   </p:sldMasterIdLst>
   <p:notesMasterIdLst>
-    <p:notesMasterId r:id="rId16"/>
+    <p:notesMasterId r:id="rId17"/>
   </p:notesMasterIdLst>
   <p:sldIdLst>
     <p:sldId id="256" r:id="rId2"/>
     <p:sldId id="257" r:id="rId3"/>
-    <p:sldId id="258" r:id="rId4"/>
-    <p:sldId id="268" r:id="rId5"/>
-    <p:sldId id="269" r:id="rId6"/>
-    <p:sldId id="273" r:id="rId7"/>
-    <p:sldId id="274" r:id="rId8"/>
-    <p:sldId id="270" r:id="rId9"/>
-    <p:sldId id="271" r:id="rId10"/>
-    <p:sldId id="272" r:id="rId11"/>
-    <p:sldId id="259" r:id="rId12"/>
-    <p:sldId id="275" r:id="rId13"/>
-    <p:sldId id="267" r:id="rId14"/>
-    <p:sldId id="261" r:id="rId15"/>
+    <p:sldId id="276" r:id="rId4"/>
+    <p:sldId id="258" r:id="rId5"/>
+    <p:sldId id="268" r:id="rId6"/>
+    <p:sldId id="269" r:id="rId7"/>
+    <p:sldId id="273" r:id="rId8"/>
+    <p:sldId id="274" r:id="rId9"/>
+    <p:sldId id="270" r:id="rId10"/>
+    <p:sldId id="271" r:id="rId11"/>
+    <p:sldId id="272" r:id="rId12"/>
+    <p:sldId id="259" r:id="rId13"/>
+    <p:sldId id="275" r:id="rId14"/>
+    <p:sldId id="267" r:id="rId15"/>
+    <p:sldId id="261" r:id="rId16"/>
   </p:sldIdLst>
   <p:sldSz cx="9144000" cy="6858000" type="screen4x3"/>
   <p:notesSz cx="6858000" cy="9144000"/>
@@ -221,7 +222,7 @@
           <a:p>
             <a:fld id="{3054C299-8359-5B4D-8FA7-E9A587887A0D}" type="datetimeFigureOut">
               <a:rPr lang="en-US" smtClean="0"/>
-              <a:t>12/2/2015</a:t>
+              <a:t>12/3/15</a:t>
             </a:fld>
             <a:endParaRPr lang="en-US"/>
           </a:p>
@@ -622,9 +623,8 @@
           <a:p>
             <a:r>
               <a:rPr lang="en-US" dirty="0" smtClean="0"/>
-              <a:t>Dan</a:t>
-            </a:r>
-            <a:endParaRPr lang="en-US" dirty="0"/>
+              <a:t>Joe</a:t>
+            </a:r>
           </a:p>
         </p:txBody>
       </p:sp>
@@ -654,7 +654,7 @@
     </p:spTree>
     <p:extLst>
       <p:ext uri="{BB962C8B-B14F-4D97-AF65-F5344CB8AC3E}">
-        <p14:creationId xmlns:p14="http://schemas.microsoft.com/office/powerpoint/2010/main" val="2807868745"/>
+        <p14:creationId xmlns:p14="http://schemas.microsoft.com/office/powerpoint/2010/main" val="317035198"/>
       </p:ext>
     </p:extLst>
   </p:cSld>
@@ -709,23 +709,10 @@
           <a:lstStyle/>
           <a:p>
             <a:r>
-              <a:rPr lang="en-US" baseline="0" dirty="0" smtClean="0"/>
-              <a:t>Connor</a:t>
-            </a:r>
-          </a:p>
-          <a:p>
-            <a:r>
-              <a:rPr lang="en-US" baseline="0" dirty="0" smtClean="0"/>
-              <a:t>Need to add some pictures of the project- </a:t>
-            </a:r>
-            <a:r>
-              <a:rPr lang="en-US" baseline="0" dirty="0" err="1" smtClean="0"/>
-              <a:t>Rpi</a:t>
-            </a:r>
-            <a:r>
-              <a:rPr lang="en-US" baseline="0" dirty="0" smtClean="0"/>
-              <a:t>, node fully set up</a:t>
-            </a:r>
+              <a:rPr lang="en-US" dirty="0" smtClean="0"/>
+              <a:t>Dan</a:t>
+            </a:r>
+            <a:endParaRPr lang="en-US" dirty="0"/>
           </a:p>
         </p:txBody>
       </p:sp>
@@ -755,7 +742,7 @@
     </p:spTree>
     <p:extLst>
       <p:ext uri="{BB962C8B-B14F-4D97-AF65-F5344CB8AC3E}">
-        <p14:creationId xmlns:p14="http://schemas.microsoft.com/office/powerpoint/2010/main" val="282400902"/>
+        <p14:creationId xmlns:p14="http://schemas.microsoft.com/office/powerpoint/2010/main" val="2807868745"/>
       </p:ext>
     </p:extLst>
   </p:cSld>
@@ -810,56 +797,10 @@
           <a:lstStyle/>
           <a:p>
             <a:r>
-              <a:rPr lang="en-US" dirty="0" smtClean="0"/>
+              <a:rPr lang="en-US" baseline="0" dirty="0" smtClean="0"/>
               <a:t>Gunnar</a:t>
             </a:r>
-          </a:p>
-          <a:p>
-            <a:pPr marL="228600" indent="-228600">
-              <a:buAutoNum type="arabicParenR"/>
-            </a:pPr>
-            <a:r>
-              <a:rPr lang="en-US" dirty="0" smtClean="0"/>
-              <a:t>Newer MCU offered more reliable communication with server.</a:t>
-            </a:r>
-            <a:r>
-              <a:rPr lang="en-US" baseline="0" dirty="0" smtClean="0"/>
-              <a:t> Also offered additional functionality such as </a:t>
-            </a:r>
-            <a:r>
-              <a:rPr lang="en-US" baseline="0" dirty="0" err="1" smtClean="0"/>
-              <a:t>Lua</a:t>
-            </a:r>
-            <a:r>
-              <a:rPr lang="en-US" baseline="0" dirty="0" smtClean="0"/>
-              <a:t> and </a:t>
-            </a:r>
-            <a:r>
-              <a:rPr lang="en-US" baseline="0" dirty="0" err="1" smtClean="0"/>
-              <a:t>MicroPython</a:t>
-            </a:r>
-            <a:r>
-              <a:rPr lang="en-US" baseline="0" dirty="0" smtClean="0"/>
-              <a:t> </a:t>
-            </a:r>
-            <a:r>
-              <a:rPr lang="en-US" baseline="0" dirty="0" err="1" smtClean="0"/>
-              <a:t>interpretors</a:t>
-            </a:r>
-            <a:r>
-              <a:rPr lang="en-US" baseline="0" dirty="0" smtClean="0"/>
-              <a:t>.</a:t>
-            </a:r>
-          </a:p>
-          <a:p>
-            <a:pPr marL="228600" indent="-228600">
-              <a:buAutoNum type="arabicParenR"/>
-            </a:pPr>
-            <a:r>
-              <a:rPr lang="en-US" baseline="0" dirty="0" smtClean="0"/>
-              <a:t>Celery was slow to develop with and didn’t work reliably.</a:t>
-            </a:r>
-            <a:endParaRPr lang="en-US" dirty="0" smtClean="0"/>
+            <a:endParaRPr lang="en-US" baseline="0" dirty="0" smtClean="0"/>
           </a:p>
         </p:txBody>
       </p:sp>
@@ -889,7 +830,7 @@
     </p:spTree>
     <p:extLst>
       <p:ext uri="{BB962C8B-B14F-4D97-AF65-F5344CB8AC3E}">
-        <p14:creationId xmlns:p14="http://schemas.microsoft.com/office/powerpoint/2010/main" val="3034888795"/>
+        <p14:creationId xmlns:p14="http://schemas.microsoft.com/office/powerpoint/2010/main" val="282400902"/>
       </p:ext>
     </p:extLst>
   </p:cSld>
@@ -953,8 +894,36 @@
               <a:buAutoNum type="arabicParenR"/>
             </a:pPr>
             <a:r>
+              <a:rPr lang="en-US" dirty="0" smtClean="0"/>
+              <a:t>Newer MCU offered more reliable communication with server.</a:t>
+            </a:r>
+            <a:r>
               <a:rPr lang="en-US" baseline="0" dirty="0" smtClean="0"/>
-              <a:t>Such as rules that control more than 1 light</a:t>
+              <a:t> Also offered additional functionality such as </a:t>
+            </a:r>
+            <a:r>
+              <a:rPr lang="en-US" baseline="0" dirty="0" err="1" smtClean="0"/>
+              <a:t>Lua</a:t>
+            </a:r>
+            <a:r>
+              <a:rPr lang="en-US" baseline="0" dirty="0" smtClean="0"/>
+              <a:t> and </a:t>
+            </a:r>
+            <a:r>
+              <a:rPr lang="en-US" baseline="0" dirty="0" err="1" smtClean="0"/>
+              <a:t>MicroPython</a:t>
+            </a:r>
+            <a:r>
+              <a:rPr lang="en-US" baseline="0" dirty="0" smtClean="0"/>
+              <a:t> </a:t>
+            </a:r>
+            <a:r>
+              <a:rPr lang="en-US" baseline="0" dirty="0" err="1" smtClean="0"/>
+              <a:t>interpretors</a:t>
+            </a:r>
+            <a:r>
+              <a:rPr lang="en-US" baseline="0" dirty="0" smtClean="0"/>
+              <a:t>.</a:t>
             </a:r>
           </a:p>
           <a:p>
@@ -963,36 +932,9 @@
             </a:pPr>
             <a:r>
               <a:rPr lang="en-US" baseline="0" dirty="0" smtClean="0"/>
-              <a:t>The login page for the Node is clearly basic and could be much more interactive</a:t>
-            </a:r>
-          </a:p>
-          <a:p>
-            <a:pPr marL="228600" indent="-228600">
-              <a:buAutoNum type="arabicParenR"/>
-            </a:pPr>
-            <a:r>
-              <a:rPr lang="en-US" baseline="0" dirty="0" smtClean="0"/>
-              <a:t>Obvious</a:t>
-            </a:r>
-          </a:p>
-          <a:p>
-            <a:pPr marL="228600" indent="-228600">
-              <a:buAutoNum type="arabicParenR"/>
-            </a:pPr>
-            <a:r>
-              <a:rPr lang="en-US" baseline="0" dirty="0" smtClean="0"/>
-              <a:t>To lower our power consumption</a:t>
-            </a:r>
-          </a:p>
-          <a:p>
-            <a:pPr marL="228600" indent="-228600">
-              <a:buAutoNum type="arabicParenR"/>
-            </a:pPr>
-            <a:r>
-              <a:rPr lang="en-US" baseline="0" smtClean="0"/>
-              <a:t>obvious</a:t>
-            </a:r>
-            <a:endParaRPr lang="en-US" baseline="0" dirty="0" smtClean="0"/>
+              <a:t>Celery was slow to develop with and didn’t work reliably.</a:t>
+            </a:r>
+            <a:endParaRPr lang="en-US" dirty="0" smtClean="0"/>
           </a:p>
         </p:txBody>
       </p:sp>
@@ -1022,7 +964,7 @@
     </p:spTree>
     <p:extLst>
       <p:ext uri="{BB962C8B-B14F-4D97-AF65-F5344CB8AC3E}">
-        <p14:creationId xmlns:p14="http://schemas.microsoft.com/office/powerpoint/2010/main" val="3647391457"/>
+        <p14:creationId xmlns:p14="http://schemas.microsoft.com/office/powerpoint/2010/main" val="3034888795"/>
       </p:ext>
     </p:extLst>
   </p:cSld>
@@ -1076,6 +1018,139 @@
           <a:bodyPr/>
           <a:lstStyle/>
           <a:p>
+            <a:r>
+              <a:rPr lang="en-US" dirty="0" smtClean="0"/>
+              <a:t>Gunnar</a:t>
+            </a:r>
+          </a:p>
+          <a:p>
+            <a:pPr marL="228600" indent="-228600">
+              <a:buAutoNum type="arabicParenR"/>
+            </a:pPr>
+            <a:r>
+              <a:rPr lang="en-US" baseline="0" dirty="0" smtClean="0"/>
+              <a:t>Such as rules that control more than 1 light</a:t>
+            </a:r>
+          </a:p>
+          <a:p>
+            <a:pPr marL="228600" indent="-228600">
+              <a:buAutoNum type="arabicParenR"/>
+            </a:pPr>
+            <a:r>
+              <a:rPr lang="en-US" baseline="0" dirty="0" smtClean="0"/>
+              <a:t>The login page for the Node is clearly basic and could be much more interactive</a:t>
+            </a:r>
+          </a:p>
+          <a:p>
+            <a:pPr marL="228600" indent="-228600">
+              <a:buAutoNum type="arabicParenR"/>
+            </a:pPr>
+            <a:r>
+              <a:rPr lang="en-US" baseline="0" dirty="0" smtClean="0"/>
+              <a:t>Obvious</a:t>
+            </a:r>
+          </a:p>
+          <a:p>
+            <a:pPr marL="228600" indent="-228600">
+              <a:buAutoNum type="arabicParenR"/>
+            </a:pPr>
+            <a:r>
+              <a:rPr lang="en-US" baseline="0" dirty="0" smtClean="0"/>
+              <a:t>To lower our power consumption</a:t>
+            </a:r>
+          </a:p>
+          <a:p>
+            <a:pPr marL="228600" indent="-228600">
+              <a:buAutoNum type="arabicParenR"/>
+            </a:pPr>
+            <a:r>
+              <a:rPr lang="en-US" baseline="0" smtClean="0"/>
+              <a:t>obvious</a:t>
+            </a:r>
+            <a:endParaRPr lang="en-US" baseline="0" dirty="0" smtClean="0"/>
+          </a:p>
+        </p:txBody>
+      </p:sp>
+      <p:sp>
+        <p:nvSpPr>
+          <p:cNvPr id="4" name="Slide Number Placeholder 3"/>
+          <p:cNvSpPr>
+            <a:spLocks noGrp="1"/>
+          </p:cNvSpPr>
+          <p:nvPr>
+            <p:ph type="sldNum" sz="quarter" idx="10"/>
+          </p:nvPr>
+        </p:nvSpPr>
+        <p:spPr/>
+        <p:txBody>
+          <a:bodyPr/>
+          <a:lstStyle/>
+          <a:p>
+            <a:fld id="{05332D8B-7B6C-A54D-BAC6-226B3ACA1459}" type="slidenum">
+              <a:rPr lang="en-US" smtClean="0"/>
+              <a:t>14</a:t>
+            </a:fld>
+            <a:endParaRPr lang="en-US"/>
+          </a:p>
+        </p:txBody>
+      </p:sp>
+    </p:spTree>
+    <p:extLst>
+      <p:ext uri="{BB962C8B-B14F-4D97-AF65-F5344CB8AC3E}">
+        <p14:creationId xmlns:p14="http://schemas.microsoft.com/office/powerpoint/2010/main" val="3647391457"/>
+      </p:ext>
+    </p:extLst>
+  </p:cSld>
+  <p:clrMapOvr>
+    <a:masterClrMapping/>
+  </p:clrMapOvr>
+</p:notes>
+</file>
+
+<file path=ppt/notesSlides/notesSlide15.xml><?xml version="1.0" encoding="utf-8"?>
+<p:notes xmlns:a="http://schemas.openxmlformats.org/drawingml/2006/main" xmlns:r="http://schemas.openxmlformats.org/officeDocument/2006/relationships" xmlns:p="http://schemas.openxmlformats.org/presentationml/2006/main">
+  <p:cSld>
+    <p:spTree>
+      <p:nvGrpSpPr>
+        <p:cNvPr id="1" name=""/>
+        <p:cNvGrpSpPr/>
+        <p:nvPr/>
+      </p:nvGrpSpPr>
+      <p:grpSpPr>
+        <a:xfrm>
+          <a:off x="0" y="0"/>
+          <a:ext cx="0" cy="0"/>
+          <a:chOff x="0" y="0"/>
+          <a:chExt cx="0" cy="0"/>
+        </a:xfrm>
+      </p:grpSpPr>
+      <p:sp>
+        <p:nvSpPr>
+          <p:cNvPr id="2" name="Slide Image Placeholder 1"/>
+          <p:cNvSpPr>
+            <a:spLocks noGrp="1" noRot="1" noChangeAspect="1"/>
+          </p:cNvSpPr>
+          <p:nvPr>
+            <p:ph type="sldImg"/>
+          </p:nvPr>
+        </p:nvSpPr>
+        <p:spPr/>
+      </p:sp>
+      <p:sp>
+        <p:nvSpPr>
+          <p:cNvPr id="3" name="Notes Placeholder 2"/>
+          <p:cNvSpPr>
+            <a:spLocks noGrp="1"/>
+          </p:cNvSpPr>
+          <p:nvPr>
+            <p:ph type="body" idx="1"/>
+          </p:nvPr>
+        </p:nvSpPr>
+        <p:spPr/>
+        <p:txBody>
+          <a:bodyPr/>
+          <a:lstStyle/>
+          <a:p>
             <a:endParaRPr lang="en-US" dirty="0"/>
           </a:p>
         </p:txBody>
@@ -1097,7 +1172,7 @@
           <a:p>
             <a:fld id="{05332D8B-7B6C-A54D-BAC6-226B3ACA1459}" type="slidenum">
               <a:rPr lang="en-US" smtClean="0"/>
-              <a:t>14</a:t>
+              <a:t>15</a:t>
             </a:fld>
             <a:endParaRPr lang="en-US"/>
           </a:p>
@@ -1248,24 +1323,10 @@
           <a:lstStyle/>
           <a:p>
             <a:r>
-              <a:rPr lang="en-US" sz="1200" dirty="0" smtClean="0"/>
-              <a:t>Chris</a:t>
-            </a:r>
-          </a:p>
-          <a:p>
-            <a:r>
-              <a:rPr lang="en-US" sz="1200" dirty="0" smtClean="0"/>
-              <a:t>Need to update this chart: Server is on </a:t>
-            </a:r>
-            <a:r>
-              <a:rPr lang="en-US" sz="1200" dirty="0" err="1" smtClean="0"/>
-              <a:t>Rpi</a:t>
-            </a:r>
-            <a:r>
-              <a:rPr lang="en-US" sz="1200" dirty="0" smtClean="0"/>
-              <a:t>, not external. Joe doesn’t have Visio so can someone else do that?</a:t>
-            </a:r>
-            <a:endParaRPr lang="en-US" dirty="0"/>
+              <a:rPr lang="en-US" smtClean="0"/>
+              <a:t>Connor</a:t>
+            </a:r>
+            <a:endParaRPr lang="en-US"/>
           </a:p>
         </p:txBody>
       </p:sp>
@@ -1295,7 +1356,7 @@
     </p:spTree>
     <p:extLst>
       <p:ext uri="{BB962C8B-B14F-4D97-AF65-F5344CB8AC3E}">
-        <p14:creationId xmlns:p14="http://schemas.microsoft.com/office/powerpoint/2010/main" val="184800196"/>
+        <p14:creationId xmlns:p14="http://schemas.microsoft.com/office/powerpoint/2010/main" val="1588661941"/>
       </p:ext>
     </p:extLst>
   </p:cSld>
@@ -1350,8 +1411,22 @@
           <a:lstStyle/>
           <a:p>
             <a:r>
-              <a:rPr lang="en-US" dirty="0" smtClean="0"/>
+              <a:rPr lang="en-US" sz="1200" dirty="0" smtClean="0"/>
               <a:t>Chris</a:t>
+            </a:r>
+          </a:p>
+          <a:p>
+            <a:r>
+              <a:rPr lang="en-US" sz="1200" dirty="0" smtClean="0"/>
+              <a:t>Need to update this chart: Server is on </a:t>
+            </a:r>
+            <a:r>
+              <a:rPr lang="en-US" sz="1200" dirty="0" err="1" smtClean="0"/>
+              <a:t>Rpi</a:t>
+            </a:r>
+            <a:r>
+              <a:rPr lang="en-US" sz="1200" dirty="0" smtClean="0"/>
+              <a:t>, not external. Joe doesn’t have Visio so can someone else do that?</a:t>
             </a:r>
             <a:endParaRPr lang="en-US" dirty="0"/>
           </a:p>
@@ -1383,7 +1458,7 @@
     </p:spTree>
     <p:extLst>
       <p:ext uri="{BB962C8B-B14F-4D97-AF65-F5344CB8AC3E}">
-        <p14:creationId xmlns:p14="http://schemas.microsoft.com/office/powerpoint/2010/main" val="3787983306"/>
+        <p14:creationId xmlns:p14="http://schemas.microsoft.com/office/powerpoint/2010/main" val="184800196"/>
       </p:ext>
     </p:extLst>
   </p:cSld>
@@ -1471,7 +1546,7 @@
     </p:spTree>
     <p:extLst>
       <p:ext uri="{BB962C8B-B14F-4D97-AF65-F5344CB8AC3E}">
-        <p14:creationId xmlns:p14="http://schemas.microsoft.com/office/powerpoint/2010/main" val="635031201"/>
+        <p14:creationId xmlns:p14="http://schemas.microsoft.com/office/powerpoint/2010/main" val="3787983306"/>
       </p:ext>
     </p:extLst>
   </p:cSld>
@@ -1527,7 +1602,7 @@
           <a:p>
             <a:r>
               <a:rPr lang="en-US" dirty="0" smtClean="0"/>
-              <a:t>Connor</a:t>
+              <a:t>Chris</a:t>
             </a:r>
             <a:endParaRPr lang="en-US" dirty="0"/>
           </a:p>
@@ -1559,7 +1634,7 @@
     </p:spTree>
     <p:extLst>
       <p:ext uri="{BB962C8B-B14F-4D97-AF65-F5344CB8AC3E}">
-        <p14:creationId xmlns:p14="http://schemas.microsoft.com/office/powerpoint/2010/main" val="2590561099"/>
+        <p14:creationId xmlns:p14="http://schemas.microsoft.com/office/powerpoint/2010/main" val="635031201"/>
       </p:ext>
     </p:extLst>
   </p:cSld>
@@ -1615,7 +1690,7 @@
           <a:p>
             <a:r>
               <a:rPr lang="en-US" dirty="0" smtClean="0"/>
-              <a:t>Joe</a:t>
+              <a:t>Connor</a:t>
             </a:r>
             <a:endParaRPr lang="en-US" dirty="0"/>
           </a:p>
@@ -1647,7 +1722,7 @@
     </p:spTree>
     <p:extLst>
       <p:ext uri="{BB962C8B-B14F-4D97-AF65-F5344CB8AC3E}">
-        <p14:creationId xmlns:p14="http://schemas.microsoft.com/office/powerpoint/2010/main" val="1497375528"/>
+        <p14:creationId xmlns:p14="http://schemas.microsoft.com/office/powerpoint/2010/main" val="2590561099"/>
       </p:ext>
     </p:extLst>
   </p:cSld>
@@ -1703,7 +1778,7 @@
           <a:p>
             <a:r>
               <a:rPr lang="en-US" dirty="0" smtClean="0"/>
-              <a:t>Dan</a:t>
+              <a:t>Joe</a:t>
             </a:r>
             <a:endParaRPr lang="en-US" dirty="0"/>
           </a:p>
@@ -1735,7 +1810,7 @@
     </p:spTree>
     <p:extLst>
       <p:ext uri="{BB962C8B-B14F-4D97-AF65-F5344CB8AC3E}">
-        <p14:creationId xmlns:p14="http://schemas.microsoft.com/office/powerpoint/2010/main" val="2873250089"/>
+        <p14:creationId xmlns:p14="http://schemas.microsoft.com/office/powerpoint/2010/main" val="1497375528"/>
       </p:ext>
     </p:extLst>
   </p:cSld>
@@ -1791,8 +1866,9 @@
           <a:p>
             <a:r>
               <a:rPr lang="en-US" dirty="0" smtClean="0"/>
-              <a:t>Joe</a:t>
-            </a:r>
+              <a:t>Dan</a:t>
+            </a:r>
+            <a:endParaRPr lang="en-US" dirty="0"/>
           </a:p>
         </p:txBody>
       </p:sp>
@@ -1822,7 +1898,7 @@
     </p:spTree>
     <p:extLst>
       <p:ext uri="{BB962C8B-B14F-4D97-AF65-F5344CB8AC3E}">
-        <p14:creationId xmlns:p14="http://schemas.microsoft.com/office/powerpoint/2010/main" val="317035198"/>
+        <p14:creationId xmlns:p14="http://schemas.microsoft.com/office/powerpoint/2010/main" val="2873250089"/>
       </p:ext>
     </p:extLst>
   </p:cSld>
@@ -2053,7 +2129,7 @@
           <a:p>
             <a:fld id="{651A0C47-018D-4460-B945-BFF7981B6CA6}" type="datetimeFigureOut">
               <a:rPr lang="en-US" smtClean="0"/>
-              <a:t>12/2/2015</a:t>
+              <a:t>12/3/15</a:t>
             </a:fld>
             <a:endParaRPr lang="en-US"/>
           </a:p>
@@ -2385,7 +2461,7 @@
           <a:p>
             <a:fld id="{651A0C47-018D-4460-B945-BFF7981B6CA6}" type="datetimeFigureOut">
               <a:rPr lang="en-US" smtClean="0"/>
-              <a:t>12/2/2015</a:t>
+              <a:t>12/3/15</a:t>
             </a:fld>
             <a:endParaRPr lang="en-US"/>
           </a:p>
@@ -2717,7 +2793,7 @@
           <a:p>
             <a:fld id="{651A0C47-018D-4460-B945-BFF7981B6CA6}" type="datetimeFigureOut">
               <a:rPr lang="en-US" smtClean="0"/>
-              <a:t>12/2/2015</a:t>
+              <a:t>12/3/15</a:t>
             </a:fld>
             <a:endParaRPr lang="en-US"/>
           </a:p>
@@ -3049,7 +3125,7 @@
           <a:p>
             <a:fld id="{651A0C47-018D-4460-B945-BFF7981B6CA6}" type="datetimeFigureOut">
               <a:rPr lang="en-US" smtClean="0"/>
-              <a:t>12/2/2015</a:t>
+              <a:t>12/3/15</a:t>
             </a:fld>
             <a:endParaRPr lang="en-US"/>
           </a:p>
@@ -3738,7 +3814,7 @@
           <a:p>
             <a:fld id="{651A0C47-018D-4460-B945-BFF7981B6CA6}" type="datetimeFigureOut">
               <a:rPr lang="en-US" smtClean="0"/>
-              <a:t>12/2/2015</a:t>
+              <a:t>12/3/15</a:t>
             </a:fld>
             <a:endParaRPr lang="en-US"/>
           </a:p>
@@ -3917,7 +3993,7 @@
           <a:p>
             <a:fld id="{651A0C47-018D-4460-B945-BFF7981B6CA6}" type="datetimeFigureOut">
               <a:rPr lang="en-US" smtClean="0"/>
-              <a:t>12/2/2015</a:t>
+              <a:t>12/3/15</a:t>
             </a:fld>
             <a:endParaRPr lang="en-US"/>
           </a:p>
@@ -4091,7 +4167,7 @@
           <a:p>
             <a:fld id="{651A0C47-018D-4460-B945-BFF7981B6CA6}" type="datetimeFigureOut">
               <a:rPr lang="en-US" smtClean="0"/>
-              <a:t>12/2/2015</a:t>
+              <a:t>12/3/15</a:t>
             </a:fld>
             <a:endParaRPr lang="en-US"/>
           </a:p>
@@ -4339,7 +4415,7 @@
           <a:p>
             <a:fld id="{651A0C47-018D-4460-B945-BFF7981B6CA6}" type="datetimeFigureOut">
               <a:rPr lang="en-US" smtClean="0"/>
-              <a:t>12/2/2015</a:t>
+              <a:t>12/3/15</a:t>
             </a:fld>
             <a:endParaRPr lang="en-US"/>
           </a:p>
@@ -4669,7 +4745,7 @@
           <a:p>
             <a:fld id="{651A0C47-018D-4460-B945-BFF7981B6CA6}" type="datetimeFigureOut">
               <a:rPr lang="en-US" smtClean="0"/>
-              <a:t>12/2/2015</a:t>
+              <a:t>12/3/15</a:t>
             </a:fld>
             <a:endParaRPr lang="en-US"/>
           </a:p>
@@ -4961,7 +5037,7 @@
           <a:p>
             <a:fld id="{651A0C47-018D-4460-B945-BFF7981B6CA6}" type="datetimeFigureOut">
               <a:rPr lang="en-US" smtClean="0"/>
-              <a:t>12/2/2015</a:t>
+              <a:t>12/3/15</a:t>
             </a:fld>
             <a:endParaRPr lang="en-US"/>
           </a:p>
@@ -5397,7 +5473,7 @@
           <a:p>
             <a:fld id="{651A0C47-018D-4460-B945-BFF7981B6CA6}" type="datetimeFigureOut">
               <a:rPr lang="en-US" smtClean="0"/>
-              <a:t>12/2/2015</a:t>
+              <a:t>12/3/15</a:t>
             </a:fld>
             <a:endParaRPr lang="en-US"/>
           </a:p>
@@ -5584,7 +5660,7 @@
           <a:p>
             <a:fld id="{651A0C47-018D-4460-B945-BFF7981B6CA6}" type="datetimeFigureOut">
               <a:rPr lang="en-US" smtClean="0"/>
-              <a:t>12/2/2015</a:t>
+              <a:t>12/3/15</a:t>
             </a:fld>
             <a:endParaRPr lang="en-US"/>
           </a:p>
@@ -5674,7 +5750,7 @@
           <a:p>
             <a:fld id="{651A0C47-018D-4460-B945-BFF7981B6CA6}" type="datetimeFigureOut">
               <a:rPr lang="en-US" smtClean="0"/>
-              <a:t>12/2/2015</a:t>
+              <a:t>12/3/15</a:t>
             </a:fld>
             <a:endParaRPr lang="en-US"/>
           </a:p>
@@ -5955,7 +6031,7 @@
           <a:p>
             <a:fld id="{651A0C47-018D-4460-B945-BFF7981B6CA6}" type="datetimeFigureOut">
               <a:rPr lang="en-US" smtClean="0"/>
-              <a:t>12/2/2015</a:t>
+              <a:t>12/3/15</a:t>
             </a:fld>
             <a:endParaRPr lang="en-US"/>
           </a:p>
@@ -6170,7 +6246,7 @@
           <a:p>
             <a:fld id="{651A0C47-018D-4460-B945-BFF7981B6CA6}" type="datetimeFigureOut">
               <a:rPr lang="en-US" smtClean="0"/>
-              <a:t>12/2/2015</a:t>
+              <a:t>12/3/15</a:t>
             </a:fld>
             <a:endParaRPr lang="en-US"/>
           </a:p>
@@ -6829,2523 +6905,6 @@
 </file>
 
 <file path=ppt/slides/slide10.xml><?xml version="1.0" encoding="utf-8"?>
-<p:sld xmlns:a="http://schemas.openxmlformats.org/drawingml/2006/main" xmlns:r="http://schemas.openxmlformats.org/officeDocument/2006/relationships" xmlns:p="http://schemas.openxmlformats.org/presentationml/2006/main">
-  <p:cSld>
-    <p:spTree>
-      <p:nvGrpSpPr>
-        <p:cNvPr id="1" name=""/>
-        <p:cNvGrpSpPr/>
-        <p:nvPr/>
-      </p:nvGrpSpPr>
-      <p:grpSpPr>
-        <a:xfrm>
-          <a:off x="0" y="0"/>
-          <a:ext cx="0" cy="0"/>
-          <a:chOff x="0" y="0"/>
-          <a:chExt cx="0" cy="0"/>
-        </a:xfrm>
-      </p:grpSpPr>
-      <p:sp>
-        <p:nvSpPr>
-          <p:cNvPr id="200" name="Shape 200"/>
-          <p:cNvSpPr>
-            <a:spLocks noGrp="1"/>
-          </p:cNvSpPr>
-          <p:nvPr>
-            <p:ph type="title"/>
-          </p:nvPr>
-        </p:nvSpPr>
-        <p:spPr>
-          <a:prstGeom prst="rect">
-            <a:avLst/>
-          </a:prstGeom>
-        </p:spPr>
-        <p:txBody>
-          <a:bodyPr/>
-          <a:lstStyle/>
-          <a:p>
-            <a:r>
-              <a:t>Frontend (UI)</a:t>
-            </a:r>
-          </a:p>
-          <a:p>
-            <a:pPr>
-              <a:defRPr sz="3500"/>
-            </a:pPr>
-            <a:r>
-              <a:t>continued…</a:t>
-            </a:r>
-          </a:p>
-        </p:txBody>
-      </p:sp>
-      <p:sp>
-        <p:nvSpPr>
-          <p:cNvPr id="201" name="Shape 201"/>
-          <p:cNvSpPr>
-            <a:spLocks noGrp="1"/>
-          </p:cNvSpPr>
-          <p:nvPr>
-            <p:ph type="body" idx="1"/>
-          </p:nvPr>
-        </p:nvSpPr>
-        <p:spPr>
-          <a:prstGeom prst="rect">
-            <a:avLst/>
-          </a:prstGeom>
-        </p:spPr>
-        <p:txBody>
-          <a:bodyPr/>
-          <a:lstStyle/>
-          <a:p>
-            <a:pPr>
-              <a:buBlip>
-                <a:blip r:embed="rId3"/>
-              </a:buBlip>
-            </a:pPr>
-            <a:endParaRPr/>
-          </a:p>
-        </p:txBody>
-      </p:sp>
-      <p:pic>
-        <p:nvPicPr>
-          <p:cNvPr id="202" name="2015-12-02-160412_1280x1024_scrot.png"/>
-          <p:cNvPicPr>
-            <a:picLocks noChangeAspect="1"/>
-          </p:cNvPicPr>
-          <p:nvPr/>
-        </p:nvPicPr>
-        <p:blipFill>
-          <a:blip r:embed="rId4">
-            <a:extLst/>
-          </a:blip>
-          <a:stretch>
-            <a:fillRect/>
-          </a:stretch>
-        </p:blipFill>
-        <p:spPr>
-          <a:xfrm>
-            <a:off x="1156292" y="978875"/>
-            <a:ext cx="6829825" cy="5879124"/>
-          </a:xfrm>
-          <a:prstGeom prst="rect">
-            <a:avLst/>
-          </a:prstGeom>
-          <a:ln w="12700">
-            <a:miter lim="400000"/>
-          </a:ln>
-        </p:spPr>
-      </p:pic>
-      <p:pic>
-        <p:nvPicPr>
-          <p:cNvPr id="203" name="2015-12-02-160702_1280x1024_scrot.png"/>
-          <p:cNvPicPr>
-            <a:picLocks noChangeAspect="1"/>
-          </p:cNvPicPr>
-          <p:nvPr/>
-        </p:nvPicPr>
-        <p:blipFill>
-          <a:blip r:embed="rId5">
-            <a:extLst/>
-          </a:blip>
-          <a:stretch>
-            <a:fillRect/>
-          </a:stretch>
-        </p:blipFill>
-        <p:spPr>
-          <a:xfrm>
-            <a:off x="286799" y="978875"/>
-            <a:ext cx="8568813" cy="5218469"/>
-          </a:xfrm>
-          <a:prstGeom prst="rect">
-            <a:avLst/>
-          </a:prstGeom>
-          <a:ln w="12700">
-            <a:miter lim="400000"/>
-          </a:ln>
-        </p:spPr>
-      </p:pic>
-    </p:spTree>
-    <p:extLst>
-      <p:ext uri="{BB962C8B-B14F-4D97-AF65-F5344CB8AC3E}">
-        <p14:creationId xmlns:p14="http://schemas.microsoft.com/office/powerpoint/2010/main" val="1148160324"/>
-      </p:ext>
-    </p:extLst>
-  </p:cSld>
-  <p:clrMapOvr>
-    <a:masterClrMapping/>
-  </p:clrMapOvr>
-  <p:transition spd="slow"/>
-  <p:timing>
-    <p:tnLst>
-      <p:par>
-        <p:cTn id="1" dur="indefinite" restart="never" fill="hold" nodeType="tmRoot">
-          <p:childTnLst>
-            <p:seq concurrent="1" prevAc="none" nextAc="seek">
-              <p:cTn id="2" dur="indefinite" fill="hold" nodeType="mainSeq">
-                <p:childTnLst>
-                  <p:par>
-                    <p:cTn id="3" fill="hold">
-                      <p:stCondLst>
-                        <p:cond delay="indefinite"/>
-                      </p:stCondLst>
-                      <p:childTnLst>
-                        <p:par>
-                          <p:cTn id="4" fill="hold">
-                            <p:stCondLst>
-                              <p:cond delay="0"/>
-                            </p:stCondLst>
-                            <p:childTnLst>
-                              <p:par>
-                                <p:cTn id="5" presetID="1" presetClass="entr" presetSubtype="0" fill="hold" grpId="0" nodeType="clickEffect">
-                                  <p:stCondLst>
-                                    <p:cond delay="0"/>
-                                  </p:stCondLst>
-                                  <p:iterate>
-                                    <p:tmAbs val="0"/>
-                                  </p:iterate>
-                                  <p:childTnLst>
-                                    <p:set>
-                                      <p:cBhvr>
-                                        <p:cTn id="6" fill="hold"/>
-                                        <p:tgtEl>
-                                          <p:spTgt spid="202"/>
-                                        </p:tgtEl>
-                                        <p:attrNameLst>
-                                          <p:attrName>style.visibility</p:attrName>
-                                        </p:attrNameLst>
-                                      </p:cBhvr>
-                                      <p:to>
-                                        <p:strVal val="visible"/>
-                                      </p:to>
-                                    </p:set>
-                                  </p:childTnLst>
-                                </p:cTn>
-                              </p:par>
-                            </p:childTnLst>
-                          </p:cTn>
-                        </p:par>
-                      </p:childTnLst>
-                    </p:cTn>
-                  </p:par>
-                  <p:par>
-                    <p:cTn id="7" fill="hold">
-                      <p:stCondLst>
-                        <p:cond delay="indefinite"/>
-                      </p:stCondLst>
-                      <p:childTnLst>
-                        <p:par>
-                          <p:cTn id="8" fill="hold">
-                            <p:stCondLst>
-                              <p:cond delay="0"/>
-                            </p:stCondLst>
-                            <p:childTnLst>
-                              <p:par>
-                                <p:cTn id="9" presetID="1" presetClass="exit" presetSubtype="0" fill="hold" grpId="1" nodeType="clickEffect">
-                                  <p:stCondLst>
-                                    <p:cond delay="0"/>
-                                  </p:stCondLst>
-                                  <p:iterate>
-                                    <p:tmAbs val="0"/>
-                                  </p:iterate>
-                                  <p:childTnLst>
-                                    <p:set>
-                                      <p:cBhvr>
-                                        <p:cTn id="10" fill="hold">
-                                          <p:stCondLst>
-                                            <p:cond delay="0"/>
-                                          </p:stCondLst>
-                                        </p:cTn>
-                                        <p:tgtEl>
-                                          <p:spTgt spid="202"/>
-                                        </p:tgtEl>
-                                        <p:attrNameLst>
-                                          <p:attrName>style.visibility</p:attrName>
-                                        </p:attrNameLst>
-                                      </p:cBhvr>
-                                      <p:to>
-                                        <p:strVal val="hidden"/>
-                                      </p:to>
-                                    </p:set>
-                                  </p:childTnLst>
-                                </p:cTn>
-                              </p:par>
-                            </p:childTnLst>
-                          </p:cTn>
-                        </p:par>
-                        <p:par>
-                          <p:cTn id="11" fill="hold">
-                            <p:stCondLst>
-                              <p:cond delay="0"/>
-                            </p:stCondLst>
-                            <p:childTnLst>
-                              <p:par>
-                                <p:cTn id="12" presetID="1" presetClass="entr" presetSubtype="0" fill="hold" grpId="0" nodeType="afterEffect">
-                                  <p:stCondLst>
-                                    <p:cond delay="0"/>
-                                  </p:stCondLst>
-                                  <p:iterate>
-                                    <p:tmAbs val="0"/>
-                                  </p:iterate>
-                                  <p:childTnLst>
-                                    <p:set>
-                                      <p:cBhvr>
-                                        <p:cTn id="13" fill="hold"/>
-                                        <p:tgtEl>
-                                          <p:spTgt spid="203"/>
-                                        </p:tgtEl>
-                                        <p:attrNameLst>
-                                          <p:attrName>style.visibility</p:attrName>
-                                        </p:attrNameLst>
-                                      </p:cBhvr>
-                                      <p:to>
-                                        <p:strVal val="visible"/>
-                                      </p:to>
-                                    </p:set>
-                                  </p:childTnLst>
-                                </p:cTn>
-                              </p:par>
-                            </p:childTnLst>
-                          </p:cTn>
-                        </p:par>
-                      </p:childTnLst>
-                    </p:cTn>
-                  </p:par>
-                </p:childTnLst>
-              </p:cTn>
-              <p:prevCondLst>
-                <p:cond evt="onPrev" delay="0">
-                  <p:tgtEl>
-                    <p:sldTgt/>
-                  </p:tgtEl>
-                </p:cond>
-              </p:prevCondLst>
-              <p:nextCondLst>
-                <p:cond evt="onNext" delay="0">
-                  <p:tgtEl>
-                    <p:sldTgt/>
-                  </p:tgtEl>
-                </p:cond>
-              </p:nextCondLst>
-            </p:seq>
-          </p:childTnLst>
-        </p:cTn>
-      </p:par>
-    </p:tnLst>
-    <p:bldLst>
-      <p:bldP spid="202" grpId="0" animBg="1" advAuto="0"/>
-      <p:bldP spid="202" grpId="1" animBg="1" advAuto="0"/>
-      <p:bldP spid="203" grpId="0" animBg="1" advAuto="0"/>
-    </p:bldLst>
-  </p:timing>
-</p:sld>
-</file>
-
-<file path=ppt/slides/slide11.xml><?xml version="1.0" encoding="utf-8"?>
-<p:sld xmlns:a="http://schemas.openxmlformats.org/drawingml/2006/main" xmlns:r="http://schemas.openxmlformats.org/officeDocument/2006/relationships" xmlns:p="http://schemas.openxmlformats.org/presentationml/2006/main">
-  <p:cSld>
-    <p:spTree>
-      <p:nvGrpSpPr>
-        <p:cNvPr id="1" name=""/>
-        <p:cNvGrpSpPr/>
-        <p:nvPr/>
-      </p:nvGrpSpPr>
-      <p:grpSpPr>
-        <a:xfrm>
-          <a:off x="0" y="0"/>
-          <a:ext cx="0" cy="0"/>
-          <a:chOff x="0" y="0"/>
-          <a:chExt cx="0" cy="0"/>
-        </a:xfrm>
-      </p:grpSpPr>
-      <p:sp>
-        <p:nvSpPr>
-          <p:cNvPr id="2" name="Title 1"/>
-          <p:cNvSpPr>
-            <a:spLocks noGrp="1"/>
-          </p:cNvSpPr>
-          <p:nvPr>
-            <p:ph type="title"/>
-          </p:nvPr>
-        </p:nvSpPr>
-        <p:spPr/>
-        <p:txBody>
-          <a:bodyPr/>
-          <a:lstStyle/>
-          <a:p>
-            <a:r>
-              <a:rPr lang="en-US" dirty="0" smtClean="0"/>
-              <a:t>Build Process</a:t>
-            </a:r>
-            <a:endParaRPr lang="en-US" dirty="0"/>
-          </a:p>
-        </p:txBody>
-      </p:sp>
-      <p:pic>
-        <p:nvPicPr>
-          <p:cNvPr id="1026" name="Picture 2" descr="https://lh6.googleusercontent.com/-xiQwrmXF5B4/Vl9a-ea6KoI/AAAAAAAAAGU/pVPoHLpKc4E/w737-h553-no/2015-12-02.jpg"/>
-          <p:cNvPicPr>
-            <a:picLocks noChangeAspect="1" noChangeArrowheads="1"/>
-          </p:cNvPicPr>
-          <p:nvPr/>
-        </p:nvPicPr>
-        <p:blipFill>
-          <a:blip r:embed="rId3">
-            <a:extLst>
-              <a:ext uri="{28A0092B-C50C-407E-A947-70E740481C1C}">
-                <a14:useLocalDpi xmlns:a14="http://schemas.microsoft.com/office/drawing/2010/main" val="0"/>
-              </a:ext>
-            </a:extLst>
-          </a:blip>
-          <a:srcRect/>
-          <a:stretch>
-            <a:fillRect/>
-          </a:stretch>
-        </p:blipFill>
-        <p:spPr bwMode="auto">
-          <a:xfrm>
-            <a:off x="1061243" y="1351226"/>
-            <a:ext cx="7019925" cy="5267326"/>
-          </a:xfrm>
-          <a:prstGeom prst="rect">
-            <a:avLst/>
-          </a:prstGeom>
-          <a:noFill/>
-          <a:extLst>
-            <a:ext uri="{909E8E84-426E-40DD-AFC4-6F175D3DCCD1}">
-              <a14:hiddenFill xmlns:a14="http://schemas.microsoft.com/office/drawing/2010/main">
-                <a:solidFill>
-                  <a:srgbClr val="FFFFFF"/>
-                </a:solidFill>
-              </a14:hiddenFill>
-            </a:ext>
-          </a:extLst>
-        </p:spPr>
-      </p:pic>
-      <p:pic>
-        <p:nvPicPr>
-          <p:cNvPr id="3" name="Picture 2"/>
-          <p:cNvPicPr>
-            <a:picLocks noChangeAspect="1"/>
-          </p:cNvPicPr>
-          <p:nvPr/>
-        </p:nvPicPr>
-        <p:blipFill>
-          <a:blip r:embed="rId4" cstate="email">
-            <a:extLst>
-              <a:ext uri="{28A0092B-C50C-407E-A947-70E740481C1C}">
-                <a14:useLocalDpi xmlns:a14="http://schemas.microsoft.com/office/drawing/2010/main" val="0"/>
-              </a:ext>
-            </a:extLst>
-          </a:blip>
-          <a:stretch>
-            <a:fillRect/>
-          </a:stretch>
-        </p:blipFill>
-        <p:spPr>
-          <a:xfrm>
-            <a:off x="1061243" y="1351226"/>
-            <a:ext cx="7064829" cy="5267326"/>
-          </a:xfrm>
-          <a:prstGeom prst="rect">
-            <a:avLst/>
-          </a:prstGeom>
-        </p:spPr>
-      </p:pic>
-      <p:pic>
-        <p:nvPicPr>
-          <p:cNvPr id="4" name="Picture 3"/>
-          <p:cNvPicPr>
-            <a:picLocks noChangeAspect="1"/>
-          </p:cNvPicPr>
-          <p:nvPr/>
-        </p:nvPicPr>
-        <p:blipFill>
-          <a:blip r:embed="rId5" cstate="email">
-            <a:extLst>
-              <a:ext uri="{28A0092B-C50C-407E-A947-70E740481C1C}">
-                <a14:useLocalDpi xmlns:a14="http://schemas.microsoft.com/office/drawing/2010/main" val="0"/>
-              </a:ext>
-            </a:extLst>
-          </a:blip>
-          <a:stretch>
-            <a:fillRect/>
-          </a:stretch>
-        </p:blipFill>
-        <p:spPr>
-          <a:xfrm>
-            <a:off x="1061243" y="1351226"/>
-            <a:ext cx="7064829" cy="5267326"/>
-          </a:xfrm>
-          <a:prstGeom prst="rect">
-            <a:avLst/>
-          </a:prstGeom>
-        </p:spPr>
-      </p:pic>
-      <p:pic>
-        <p:nvPicPr>
-          <p:cNvPr id="5" name="Picture 4"/>
-          <p:cNvPicPr>
-            <a:picLocks noChangeAspect="1"/>
-          </p:cNvPicPr>
-          <p:nvPr/>
-        </p:nvPicPr>
-        <p:blipFill>
-          <a:blip r:embed="rId6" cstate="email">
-            <a:extLst>
-              <a:ext uri="{28A0092B-C50C-407E-A947-70E740481C1C}">
-                <a14:useLocalDpi xmlns:a14="http://schemas.microsoft.com/office/drawing/2010/main" val="0"/>
-              </a:ext>
-            </a:extLst>
-          </a:blip>
-          <a:stretch>
-            <a:fillRect/>
-          </a:stretch>
-        </p:blipFill>
-        <p:spPr>
-          <a:xfrm>
-            <a:off x="1061243" y="1351226"/>
-            <a:ext cx="7097028" cy="5291224"/>
-          </a:xfrm>
-          <a:prstGeom prst="rect">
-            <a:avLst/>
-          </a:prstGeom>
-        </p:spPr>
-      </p:pic>
-    </p:spTree>
-    <p:extLst>
-      <p:ext uri="{BB962C8B-B14F-4D97-AF65-F5344CB8AC3E}">
-        <p14:creationId xmlns:p14="http://schemas.microsoft.com/office/powerpoint/2010/main" val="3881248493"/>
-      </p:ext>
-    </p:extLst>
-  </p:cSld>
-  <p:clrMapOvr>
-    <a:masterClrMapping/>
-  </p:clrMapOvr>
-  <p:timing>
-    <p:tnLst>
-      <p:par>
-        <p:cTn id="1" dur="indefinite" restart="never" nodeType="tmRoot">
-          <p:childTnLst>
-            <p:seq concurrent="1" nextAc="seek">
-              <p:cTn id="2" dur="indefinite" nodeType="mainSeq">
-                <p:childTnLst>
-                  <p:par>
-                    <p:cTn id="3" fill="hold">
-                      <p:stCondLst>
-                        <p:cond delay="indefinite"/>
-                      </p:stCondLst>
-                      <p:childTnLst>
-                        <p:par>
-                          <p:cTn id="4" fill="hold">
-                            <p:stCondLst>
-                              <p:cond delay="0"/>
-                            </p:stCondLst>
-                            <p:childTnLst>
-                              <p:par>
-                                <p:cTn id="5" presetID="1" presetClass="entr" presetSubtype="0" fill="hold" nodeType="clickEffect">
-                                  <p:stCondLst>
-                                    <p:cond delay="0"/>
-                                  </p:stCondLst>
-                                  <p:childTnLst>
-                                    <p:set>
-                                      <p:cBhvr>
-                                        <p:cTn id="6" dur="1" fill="hold">
-                                          <p:stCondLst>
-                                            <p:cond delay="0"/>
-                                          </p:stCondLst>
-                                        </p:cTn>
-                                        <p:tgtEl>
-                                          <p:spTgt spid="1026"/>
-                                        </p:tgtEl>
-                                        <p:attrNameLst>
-                                          <p:attrName>style.visibility</p:attrName>
-                                        </p:attrNameLst>
-                                      </p:cBhvr>
-                                      <p:to>
-                                        <p:strVal val="visible"/>
-                                      </p:to>
-                                    </p:set>
-                                  </p:childTnLst>
-                                </p:cTn>
-                              </p:par>
-                            </p:childTnLst>
-                          </p:cTn>
-                        </p:par>
-                      </p:childTnLst>
-                    </p:cTn>
-                  </p:par>
-                  <p:par>
-                    <p:cTn id="7" fill="hold">
-                      <p:stCondLst>
-                        <p:cond delay="indefinite"/>
-                      </p:stCondLst>
-                      <p:childTnLst>
-                        <p:par>
-                          <p:cTn id="8" fill="hold">
-                            <p:stCondLst>
-                              <p:cond delay="0"/>
-                            </p:stCondLst>
-                            <p:childTnLst>
-                              <p:par>
-                                <p:cTn id="9" presetID="1" presetClass="entr" presetSubtype="0" fill="hold" nodeType="clickEffect">
-                                  <p:stCondLst>
-                                    <p:cond delay="0"/>
-                                  </p:stCondLst>
-                                  <p:childTnLst>
-                                    <p:set>
-                                      <p:cBhvr>
-                                        <p:cTn id="10" dur="1" fill="hold">
-                                          <p:stCondLst>
-                                            <p:cond delay="0"/>
-                                          </p:stCondLst>
-                                        </p:cTn>
-                                        <p:tgtEl>
-                                          <p:spTgt spid="3"/>
-                                        </p:tgtEl>
-                                        <p:attrNameLst>
-                                          <p:attrName>style.visibility</p:attrName>
-                                        </p:attrNameLst>
-                                      </p:cBhvr>
-                                      <p:to>
-                                        <p:strVal val="visible"/>
-                                      </p:to>
-                                    </p:set>
-                                  </p:childTnLst>
-                                </p:cTn>
-                              </p:par>
-                            </p:childTnLst>
-                          </p:cTn>
-                        </p:par>
-                      </p:childTnLst>
-                    </p:cTn>
-                  </p:par>
-                  <p:par>
-                    <p:cTn id="11" fill="hold">
-                      <p:stCondLst>
-                        <p:cond delay="indefinite"/>
-                      </p:stCondLst>
-                      <p:childTnLst>
-                        <p:par>
-                          <p:cTn id="12" fill="hold">
-                            <p:stCondLst>
-                              <p:cond delay="0"/>
-                            </p:stCondLst>
-                            <p:childTnLst>
-                              <p:par>
-                                <p:cTn id="13" presetID="1" presetClass="entr" presetSubtype="0" fill="hold" nodeType="clickEffect">
-                                  <p:stCondLst>
-                                    <p:cond delay="0"/>
-                                  </p:stCondLst>
-                                  <p:childTnLst>
-                                    <p:set>
-                                      <p:cBhvr>
-                                        <p:cTn id="14" dur="1" fill="hold">
-                                          <p:stCondLst>
-                                            <p:cond delay="0"/>
-                                          </p:stCondLst>
-                                        </p:cTn>
-                                        <p:tgtEl>
-                                          <p:spTgt spid="4"/>
-                                        </p:tgtEl>
-                                        <p:attrNameLst>
-                                          <p:attrName>style.visibility</p:attrName>
-                                        </p:attrNameLst>
-                                      </p:cBhvr>
-                                      <p:to>
-                                        <p:strVal val="visible"/>
-                                      </p:to>
-                                    </p:set>
-                                  </p:childTnLst>
-                                </p:cTn>
-                              </p:par>
-                            </p:childTnLst>
-                          </p:cTn>
-                        </p:par>
-                      </p:childTnLst>
-                    </p:cTn>
-                  </p:par>
-                  <p:par>
-                    <p:cTn id="15" fill="hold">
-                      <p:stCondLst>
-                        <p:cond delay="indefinite"/>
-                      </p:stCondLst>
-                      <p:childTnLst>
-                        <p:par>
-                          <p:cTn id="16" fill="hold">
-                            <p:stCondLst>
-                              <p:cond delay="0"/>
-                            </p:stCondLst>
-                            <p:childTnLst>
-                              <p:par>
-                                <p:cTn id="17" presetID="1" presetClass="entr" presetSubtype="0" fill="hold" nodeType="clickEffect">
-                                  <p:stCondLst>
-                                    <p:cond delay="0"/>
-                                  </p:stCondLst>
-                                  <p:childTnLst>
-                                    <p:set>
-                                      <p:cBhvr>
-                                        <p:cTn id="18" dur="1" fill="hold">
-                                          <p:stCondLst>
-                                            <p:cond delay="0"/>
-                                          </p:stCondLst>
-                                        </p:cTn>
-                                        <p:tgtEl>
-                                          <p:spTgt spid="5"/>
-                                        </p:tgtEl>
-                                        <p:attrNameLst>
-                                          <p:attrName>style.visibility</p:attrName>
-                                        </p:attrNameLst>
-                                      </p:cBhvr>
-                                      <p:to>
-                                        <p:strVal val="visible"/>
-                                      </p:to>
-                                    </p:set>
-                                  </p:childTnLst>
-                                </p:cTn>
-                              </p:par>
-                            </p:childTnLst>
-                          </p:cTn>
-                        </p:par>
-                      </p:childTnLst>
-                    </p:cTn>
-                  </p:par>
-                </p:childTnLst>
-              </p:cTn>
-              <p:prevCondLst>
-                <p:cond evt="onPrev" delay="0">
-                  <p:tgtEl>
-                    <p:sldTgt/>
-                  </p:tgtEl>
-                </p:cond>
-              </p:prevCondLst>
-              <p:nextCondLst>
-                <p:cond evt="onNext" delay="0">
-                  <p:tgtEl>
-                    <p:sldTgt/>
-                  </p:tgtEl>
-                </p:cond>
-              </p:nextCondLst>
-            </p:seq>
-          </p:childTnLst>
-        </p:cTn>
-      </p:par>
-    </p:tnLst>
-  </p:timing>
-</p:sld>
-</file>
-
-<file path=ppt/slides/slide12.xml><?xml version="1.0" encoding="utf-8"?>
-<p:sld xmlns:a="http://schemas.openxmlformats.org/drawingml/2006/main" xmlns:r="http://schemas.openxmlformats.org/officeDocument/2006/relationships" xmlns:p="http://schemas.openxmlformats.org/presentationml/2006/main">
-  <p:cSld>
-    <p:spTree>
-      <p:nvGrpSpPr>
-        <p:cNvPr id="1" name=""/>
-        <p:cNvGrpSpPr/>
-        <p:nvPr/>
-      </p:nvGrpSpPr>
-      <p:grpSpPr>
-        <a:xfrm>
-          <a:off x="0" y="0"/>
-          <a:ext cx="0" cy="0"/>
-          <a:chOff x="0" y="0"/>
-          <a:chExt cx="0" cy="0"/>
-        </a:xfrm>
-      </p:grpSpPr>
-      <p:sp>
-        <p:nvSpPr>
-          <p:cNvPr id="2" name="Title 1"/>
-          <p:cNvSpPr>
-            <a:spLocks noGrp="1"/>
-          </p:cNvSpPr>
-          <p:nvPr>
-            <p:ph type="title"/>
-          </p:nvPr>
-        </p:nvSpPr>
-        <p:spPr/>
-        <p:txBody>
-          <a:bodyPr/>
-          <a:lstStyle/>
-          <a:p>
-            <a:r>
-              <a:rPr lang="en-US" dirty="0" smtClean="0"/>
-              <a:t>Changes from Proposal</a:t>
-            </a:r>
-            <a:endParaRPr lang="en-US" dirty="0"/>
-          </a:p>
-        </p:txBody>
-      </p:sp>
-      <p:sp>
-        <p:nvSpPr>
-          <p:cNvPr id="3" name="Content Placeholder 2"/>
-          <p:cNvSpPr>
-            <a:spLocks noGrp="1"/>
-          </p:cNvSpPr>
-          <p:nvPr>
-            <p:ph idx="1"/>
-          </p:nvPr>
-        </p:nvSpPr>
-        <p:spPr/>
-        <p:txBody>
-          <a:bodyPr/>
-          <a:lstStyle/>
-          <a:p>
-            <a:r>
-              <a:rPr lang="en-US" dirty="0" smtClean="0"/>
-              <a:t>Switched from Arduino Pro Mini with an ESP8266 module to a </a:t>
-            </a:r>
-            <a:r>
-              <a:rPr lang="en-US" dirty="0" err="1" smtClean="0"/>
-              <a:t>NodeMCU</a:t>
-            </a:r>
-            <a:endParaRPr lang="en-US" dirty="0" smtClean="0"/>
-          </a:p>
-          <a:p>
-            <a:r>
-              <a:rPr lang="en-US" dirty="0" smtClean="0"/>
-              <a:t>Developed with Celery, then switched to an in-memory SQLite database</a:t>
-            </a:r>
-            <a:endParaRPr lang="en-US" dirty="0"/>
-          </a:p>
-        </p:txBody>
-      </p:sp>
-    </p:spTree>
-    <p:extLst>
-      <p:ext uri="{BB962C8B-B14F-4D97-AF65-F5344CB8AC3E}">
-        <p14:creationId xmlns:p14="http://schemas.microsoft.com/office/powerpoint/2010/main" val="2089127264"/>
-      </p:ext>
-    </p:extLst>
-  </p:cSld>
-  <p:clrMapOvr>
-    <a:masterClrMapping/>
-  </p:clrMapOvr>
-  <p:timing>
-    <p:tnLst>
-      <p:par>
-        <p:cTn id="1" dur="indefinite" restart="never" nodeType="tmRoot"/>
-      </p:par>
-    </p:tnLst>
-  </p:timing>
-</p:sld>
-</file>
-
-<file path=ppt/slides/slide13.xml><?xml version="1.0" encoding="utf-8"?>
-<p:sld xmlns:a="http://schemas.openxmlformats.org/drawingml/2006/main" xmlns:r="http://schemas.openxmlformats.org/officeDocument/2006/relationships" xmlns:p="http://schemas.openxmlformats.org/presentationml/2006/main">
-  <p:cSld>
-    <p:spTree>
-      <p:nvGrpSpPr>
-        <p:cNvPr id="1" name=""/>
-        <p:cNvGrpSpPr/>
-        <p:nvPr/>
-      </p:nvGrpSpPr>
-      <p:grpSpPr>
-        <a:xfrm>
-          <a:off x="0" y="0"/>
-          <a:ext cx="0" cy="0"/>
-          <a:chOff x="0" y="0"/>
-          <a:chExt cx="0" cy="0"/>
-        </a:xfrm>
-      </p:grpSpPr>
-      <p:sp>
-        <p:nvSpPr>
-          <p:cNvPr id="2" name="Title 1"/>
-          <p:cNvSpPr>
-            <a:spLocks noGrp="1"/>
-          </p:cNvSpPr>
-          <p:nvPr>
-            <p:ph type="title"/>
-          </p:nvPr>
-        </p:nvSpPr>
-        <p:spPr>
-          <a:xfrm>
-            <a:off x="547777" y="121023"/>
-            <a:ext cx="7770813" cy="1429871"/>
-          </a:xfrm>
-        </p:spPr>
-        <p:txBody>
-          <a:bodyPr/>
-          <a:lstStyle/>
-          <a:p>
-            <a:r>
-              <a:rPr lang="en-US" dirty="0" smtClean="0"/>
-              <a:t>Future Development</a:t>
-            </a:r>
-            <a:endParaRPr lang="en-US" dirty="0"/>
-          </a:p>
-        </p:txBody>
-      </p:sp>
-      <p:sp>
-        <p:nvSpPr>
-          <p:cNvPr id="3" name="Content Placeholder 2"/>
-          <p:cNvSpPr>
-            <a:spLocks noGrp="1"/>
-          </p:cNvSpPr>
-          <p:nvPr>
-            <p:ph idx="1"/>
-          </p:nvPr>
-        </p:nvSpPr>
-        <p:spPr/>
-        <p:txBody>
-          <a:bodyPr>
-            <a:normAutofit/>
-          </a:bodyPr>
-          <a:lstStyle/>
-          <a:p>
-            <a:r>
-              <a:rPr lang="en-US" dirty="0" smtClean="0">
-                <a:effectLst/>
-              </a:rPr>
-              <a:t>More advanced schedules/rules</a:t>
-            </a:r>
-          </a:p>
-          <a:p>
-            <a:r>
-              <a:rPr lang="en-US" dirty="0" smtClean="0">
-                <a:effectLst/>
-              </a:rPr>
-              <a:t>More advanced UI on the Node</a:t>
-            </a:r>
-          </a:p>
-          <a:p>
-            <a:r>
-              <a:rPr lang="en-US" dirty="0" smtClean="0">
-                <a:effectLst/>
-              </a:rPr>
-              <a:t>Front end could easily hook into 3</a:t>
-            </a:r>
-            <a:r>
-              <a:rPr lang="en-US" baseline="30000" dirty="0" smtClean="0">
-                <a:effectLst/>
-              </a:rPr>
-              <a:t>rd</a:t>
-            </a:r>
-            <a:r>
-              <a:rPr lang="en-US" dirty="0" smtClean="0">
-                <a:effectLst/>
-              </a:rPr>
-              <a:t> party home automation</a:t>
-            </a:r>
-          </a:p>
-          <a:p>
-            <a:pPr lvl="1"/>
-            <a:r>
-              <a:rPr lang="en-US" dirty="0" smtClean="0">
-                <a:effectLst/>
-              </a:rPr>
-              <a:t> like the Nest thermostat!</a:t>
-            </a:r>
-          </a:p>
-          <a:p>
-            <a:r>
-              <a:rPr lang="en-US" dirty="0" smtClean="0">
-                <a:effectLst/>
-              </a:rPr>
-              <a:t>Utilize  deep-sleep mode on the microcontroller</a:t>
-            </a:r>
-          </a:p>
-          <a:p>
-            <a:r>
-              <a:rPr lang="en-US" dirty="0" smtClean="0">
-                <a:effectLst/>
-              </a:rPr>
-              <a:t>Dan is not a UI designer, all the UI clearly needs work!</a:t>
-            </a:r>
-          </a:p>
-          <a:p>
-            <a:endParaRPr lang="en-US" dirty="0" smtClean="0">
-              <a:effectLst/>
-            </a:endParaRPr>
-          </a:p>
-        </p:txBody>
-      </p:sp>
-    </p:spTree>
-    <p:extLst>
-      <p:ext uri="{BB962C8B-B14F-4D97-AF65-F5344CB8AC3E}">
-        <p14:creationId xmlns:p14="http://schemas.microsoft.com/office/powerpoint/2010/main" val="1206270657"/>
-      </p:ext>
-    </p:extLst>
-  </p:cSld>
-  <p:clrMapOvr>
-    <a:masterClrMapping/>
-  </p:clrMapOvr>
-  <p:timing>
-    <p:tnLst>
-      <p:par>
-        <p:cTn id="1" dur="indefinite" restart="never" nodeType="tmRoot"/>
-      </p:par>
-    </p:tnLst>
-  </p:timing>
-</p:sld>
-</file>
-
-<file path=ppt/slides/slide14.xml><?xml version="1.0" encoding="utf-8"?>
-<p:sld xmlns:a="http://schemas.openxmlformats.org/drawingml/2006/main" xmlns:r="http://schemas.openxmlformats.org/officeDocument/2006/relationships" xmlns:p="http://schemas.openxmlformats.org/presentationml/2006/main">
-  <p:cSld>
-    <p:spTree>
-      <p:nvGrpSpPr>
-        <p:cNvPr id="1" name=""/>
-        <p:cNvGrpSpPr/>
-        <p:nvPr/>
-      </p:nvGrpSpPr>
-      <p:grpSpPr>
-        <a:xfrm>
-          <a:off x="0" y="0"/>
-          <a:ext cx="0" cy="0"/>
-          <a:chOff x="0" y="0"/>
-          <a:chExt cx="0" cy="0"/>
-        </a:xfrm>
-      </p:grpSpPr>
-      <p:sp>
-        <p:nvSpPr>
-          <p:cNvPr id="2" name="Title 1"/>
-          <p:cNvSpPr>
-            <a:spLocks noGrp="1"/>
-          </p:cNvSpPr>
-          <p:nvPr>
-            <p:ph type="title"/>
-          </p:nvPr>
-        </p:nvSpPr>
-        <p:spPr/>
-        <p:txBody>
-          <a:bodyPr/>
-          <a:lstStyle/>
-          <a:p>
-            <a:r>
-              <a:rPr lang="en-US" dirty="0" smtClean="0"/>
-              <a:t>Questions?</a:t>
-            </a:r>
-            <a:endParaRPr lang="en-US" dirty="0"/>
-          </a:p>
-        </p:txBody>
-      </p:sp>
-      <p:sp>
-        <p:nvSpPr>
-          <p:cNvPr id="3" name="Content Placeholder 2"/>
-          <p:cNvSpPr>
-            <a:spLocks noGrp="1"/>
-          </p:cNvSpPr>
-          <p:nvPr>
-            <p:ph idx="1"/>
-          </p:nvPr>
-        </p:nvSpPr>
-        <p:spPr/>
-        <p:txBody>
-          <a:bodyPr/>
-          <a:lstStyle/>
-          <a:p>
-            <a:r>
-              <a:rPr lang="en-US" dirty="0">
-                <a:effectLst/>
-              </a:rPr>
-              <a:t>Thank you to our advisor, John Kimani, for your guidance and support</a:t>
-            </a:r>
-          </a:p>
-          <a:p>
-            <a:endParaRPr lang="en-US" dirty="0"/>
-          </a:p>
-        </p:txBody>
-      </p:sp>
-    </p:spTree>
-    <p:extLst>
-      <p:ext uri="{BB962C8B-B14F-4D97-AF65-F5344CB8AC3E}">
-        <p14:creationId xmlns:p14="http://schemas.microsoft.com/office/powerpoint/2010/main" val="1079122949"/>
-      </p:ext>
-    </p:extLst>
-  </p:cSld>
-  <p:clrMapOvr>
-    <a:masterClrMapping/>
-  </p:clrMapOvr>
-  <p:timing>
-    <p:tnLst>
-      <p:par>
-        <p:cTn id="1" dur="indefinite" restart="never" nodeType="tmRoot"/>
-      </p:par>
-    </p:tnLst>
-  </p:timing>
-</p:sld>
-</file>
-
-<file path=ppt/slides/slide2.xml><?xml version="1.0" encoding="utf-8"?>
-<p:sld xmlns:a="http://schemas.openxmlformats.org/drawingml/2006/main" xmlns:r="http://schemas.openxmlformats.org/officeDocument/2006/relationships" xmlns:p="http://schemas.openxmlformats.org/presentationml/2006/main">
-  <p:cSld>
-    <p:spTree>
-      <p:nvGrpSpPr>
-        <p:cNvPr id="1" name=""/>
-        <p:cNvGrpSpPr/>
-        <p:nvPr/>
-      </p:nvGrpSpPr>
-      <p:grpSpPr>
-        <a:xfrm>
-          <a:off x="0" y="0"/>
-          <a:ext cx="0" cy="0"/>
-          <a:chOff x="0" y="0"/>
-          <a:chExt cx="0" cy="0"/>
-        </a:xfrm>
-      </p:grpSpPr>
-      <p:sp>
-        <p:nvSpPr>
-          <p:cNvPr id="2" name="Title 1"/>
-          <p:cNvSpPr>
-            <a:spLocks noGrp="1"/>
-          </p:cNvSpPr>
-          <p:nvPr>
-            <p:ph type="title"/>
-          </p:nvPr>
-        </p:nvSpPr>
-        <p:spPr/>
-        <p:txBody>
-          <a:bodyPr/>
-          <a:lstStyle/>
-          <a:p>
-            <a:r>
-              <a:rPr lang="en-US" dirty="0" smtClean="0"/>
-              <a:t>Introduction</a:t>
-            </a:r>
-            <a:endParaRPr lang="en-US" dirty="0"/>
-          </a:p>
-        </p:txBody>
-      </p:sp>
-      <p:sp>
-        <p:nvSpPr>
-          <p:cNvPr id="3" name="Content Placeholder 2"/>
-          <p:cNvSpPr>
-            <a:spLocks noGrp="1"/>
-          </p:cNvSpPr>
-          <p:nvPr>
-            <p:ph idx="1"/>
-          </p:nvPr>
-        </p:nvSpPr>
-        <p:spPr>
-          <a:xfrm>
-            <a:off x="685800" y="1869141"/>
-            <a:ext cx="7770813" cy="2031205"/>
-          </a:xfrm>
-        </p:spPr>
-        <p:txBody>
-          <a:bodyPr/>
-          <a:lstStyle/>
-          <a:p>
-            <a:r>
-              <a:rPr lang="en-US" dirty="0" err="1">
-                <a:effectLst/>
-              </a:rPr>
-              <a:t>Nosferatu</a:t>
-            </a:r>
-            <a:r>
-              <a:rPr lang="en-US" dirty="0">
-                <a:effectLst/>
-              </a:rPr>
-              <a:t> is an energy efficient, convenient new way to control your home </a:t>
-            </a:r>
-            <a:r>
-              <a:rPr lang="en-US" dirty="0" smtClean="0">
-                <a:effectLst/>
-              </a:rPr>
-              <a:t>lighting.  Bringing </a:t>
-            </a:r>
-            <a:r>
-              <a:rPr lang="en-US" dirty="0">
-                <a:effectLst/>
-              </a:rPr>
-              <a:t>Wi-Fi and motion sensors to your light switches allows you to set schedules and rules </a:t>
-            </a:r>
-            <a:r>
-              <a:rPr lang="en-US" dirty="0" smtClean="0">
-                <a:effectLst/>
-              </a:rPr>
-              <a:t>to manage </a:t>
-            </a:r>
-            <a:r>
-              <a:rPr lang="en-US" dirty="0">
-                <a:effectLst/>
-              </a:rPr>
-              <a:t>your home lighting</a:t>
-            </a:r>
-            <a:r>
-              <a:rPr lang="en-US" dirty="0" smtClean="0">
-                <a:effectLst/>
-              </a:rPr>
-              <a:t>, as well as save </a:t>
-            </a:r>
-            <a:r>
-              <a:rPr lang="en-US" dirty="0">
-                <a:effectLst/>
-              </a:rPr>
-              <a:t>money, energy and time.</a:t>
-            </a:r>
-          </a:p>
-          <a:p>
-            <a:pPr marL="0" indent="0">
-              <a:buNone/>
-            </a:pPr>
-            <a:endParaRPr lang="en-US" dirty="0"/>
-          </a:p>
-        </p:txBody>
-      </p:sp>
-      <p:pic>
-        <p:nvPicPr>
-          <p:cNvPr id="4" name="Picture 3" descr="tumblr_lp1w7deZBC1qjdk2k.gif"/>
-          <p:cNvPicPr>
-            <a:picLocks noChangeAspect="1"/>
-          </p:cNvPicPr>
-          <p:nvPr/>
-        </p:nvPicPr>
-        <p:blipFill>
-          <a:blip r:embed="rId3" cstate="email">
-            <a:extLst>
-              <a:ext uri="{28A0092B-C50C-407E-A947-70E740481C1C}">
-                <a14:useLocalDpi xmlns:a14="http://schemas.microsoft.com/office/drawing/2010/main" val="0"/>
-              </a:ext>
-            </a:extLst>
-          </a:blip>
-          <a:stretch>
-            <a:fillRect/>
-          </a:stretch>
-        </p:blipFill>
-        <p:spPr>
-          <a:xfrm>
-            <a:off x="2086356" y="3689033"/>
-            <a:ext cx="4250460" cy="2830806"/>
-          </a:xfrm>
-          <a:prstGeom prst="rect">
-            <a:avLst/>
-          </a:prstGeom>
-        </p:spPr>
-      </p:pic>
-    </p:spTree>
-    <p:extLst>
-      <p:ext uri="{BB962C8B-B14F-4D97-AF65-F5344CB8AC3E}">
-        <p14:creationId xmlns:p14="http://schemas.microsoft.com/office/powerpoint/2010/main" val="3161070435"/>
-      </p:ext>
-    </p:extLst>
-  </p:cSld>
-  <p:clrMapOvr>
-    <a:masterClrMapping/>
-  </p:clrMapOvr>
-  <p:timing>
-    <p:tnLst>
-      <p:par>
-        <p:cTn id="1" dur="indefinite" restart="never" nodeType="tmRoot"/>
-      </p:par>
-    </p:tnLst>
-  </p:timing>
-</p:sld>
-</file>
-
-<file path=ppt/slides/slide3.xml><?xml version="1.0" encoding="utf-8"?>
-<p:sld xmlns:a="http://schemas.openxmlformats.org/drawingml/2006/main" xmlns:r="http://schemas.openxmlformats.org/officeDocument/2006/relationships" xmlns:p="http://schemas.openxmlformats.org/presentationml/2006/main">
-  <p:cSld>
-    <p:spTree>
-      <p:nvGrpSpPr>
-        <p:cNvPr id="1" name=""/>
-        <p:cNvGrpSpPr/>
-        <p:nvPr/>
-      </p:nvGrpSpPr>
-      <p:grpSpPr>
-        <a:xfrm>
-          <a:off x="0" y="0"/>
-          <a:ext cx="0" cy="0"/>
-          <a:chOff x="0" y="0"/>
-          <a:chExt cx="0" cy="0"/>
-        </a:xfrm>
-      </p:grpSpPr>
-      <p:sp>
-        <p:nvSpPr>
-          <p:cNvPr id="2" name="Title 1"/>
-          <p:cNvSpPr>
-            <a:spLocks noGrp="1"/>
-          </p:cNvSpPr>
-          <p:nvPr>
-            <p:ph type="title"/>
-          </p:nvPr>
-        </p:nvSpPr>
-        <p:spPr/>
-        <p:txBody>
-          <a:bodyPr>
-            <a:normAutofit/>
-          </a:bodyPr>
-          <a:lstStyle/>
-          <a:p>
-            <a:r>
-              <a:rPr lang="en-US" dirty="0" smtClean="0"/>
-              <a:t>Hardware Layout</a:t>
-            </a:r>
-            <a:endParaRPr lang="en-US" dirty="0"/>
-          </a:p>
-        </p:txBody>
-      </p:sp>
-      <p:pic>
-        <p:nvPicPr>
-          <p:cNvPr id="6" name="Picture 5"/>
-          <p:cNvPicPr>
-            <a:picLocks noChangeAspect="1"/>
-          </p:cNvPicPr>
-          <p:nvPr/>
-        </p:nvPicPr>
-        <p:blipFill>
-          <a:blip r:embed="rId3"/>
-          <a:stretch>
-            <a:fillRect/>
-          </a:stretch>
-        </p:blipFill>
-        <p:spPr>
-          <a:xfrm>
-            <a:off x="0" y="1308754"/>
-            <a:ext cx="9144000" cy="5549247"/>
-          </a:xfrm>
-          <a:prstGeom prst="rect">
-            <a:avLst/>
-          </a:prstGeom>
-        </p:spPr>
-      </p:pic>
-      <p:sp>
-        <p:nvSpPr>
-          <p:cNvPr id="3" name="Rectangle 2"/>
-          <p:cNvSpPr/>
-          <p:nvPr/>
-        </p:nvSpPr>
-        <p:spPr>
-          <a:xfrm>
-            <a:off x="-1587" y="1429824"/>
-            <a:ext cx="6305909" cy="1727744"/>
-          </a:xfrm>
-          <a:prstGeom prst="rect">
-            <a:avLst/>
-          </a:prstGeom>
-          <a:solidFill>
-            <a:schemeClr val="tx1"/>
-          </a:solidFill>
-          <a:ln>
-            <a:solidFill>
-              <a:schemeClr val="tx1"/>
-            </a:solidFill>
-          </a:ln>
-          <a:effectLst/>
-        </p:spPr>
-        <p:style>
-          <a:lnRef idx="1">
-            <a:schemeClr val="accent1"/>
-          </a:lnRef>
-          <a:fillRef idx="3">
-            <a:schemeClr val="accent1"/>
-          </a:fillRef>
-          <a:effectRef idx="2">
-            <a:schemeClr val="accent1"/>
-          </a:effectRef>
-          <a:fontRef idx="minor">
-            <a:schemeClr val="lt1"/>
-          </a:fontRef>
-        </p:style>
-        <p:txBody>
-          <a:bodyPr rtlCol="0" anchor="ctr"/>
-          <a:lstStyle/>
-          <a:p>
-            <a:pPr algn="ctr"/>
-            <a:endParaRPr lang="en-US"/>
-          </a:p>
-        </p:txBody>
-      </p:sp>
-      <p:sp>
-        <p:nvSpPr>
-          <p:cNvPr id="5" name="Rectangle 4"/>
-          <p:cNvSpPr/>
-          <p:nvPr/>
-        </p:nvSpPr>
-        <p:spPr>
-          <a:xfrm>
-            <a:off x="-1" y="3036497"/>
-            <a:ext cx="6305909" cy="3821503"/>
-          </a:xfrm>
-          <a:prstGeom prst="rect">
-            <a:avLst/>
-          </a:prstGeom>
-          <a:solidFill>
-            <a:schemeClr val="tx1"/>
-          </a:solidFill>
-          <a:ln>
-            <a:solidFill>
-              <a:schemeClr val="tx1"/>
-            </a:solidFill>
-          </a:ln>
-          <a:effectLst/>
-        </p:spPr>
-        <p:style>
-          <a:lnRef idx="1">
-            <a:schemeClr val="accent1"/>
-          </a:lnRef>
-          <a:fillRef idx="3">
-            <a:schemeClr val="accent1"/>
-          </a:fillRef>
-          <a:effectRef idx="2">
-            <a:schemeClr val="accent1"/>
-          </a:effectRef>
-          <a:fontRef idx="minor">
-            <a:schemeClr val="lt1"/>
-          </a:fontRef>
-        </p:style>
-        <p:txBody>
-          <a:bodyPr rtlCol="0" anchor="ctr"/>
-          <a:lstStyle/>
-          <a:p>
-            <a:pPr algn="ctr"/>
-            <a:endParaRPr lang="en-US" dirty="0"/>
-          </a:p>
-        </p:txBody>
-      </p:sp>
-      <p:sp>
-        <p:nvSpPr>
-          <p:cNvPr id="7" name="Rectangle 6"/>
-          <p:cNvSpPr/>
-          <p:nvPr/>
-        </p:nvSpPr>
-        <p:spPr>
-          <a:xfrm>
-            <a:off x="6305909" y="1308754"/>
-            <a:ext cx="2838091" cy="2245329"/>
-          </a:xfrm>
-          <a:prstGeom prst="rect">
-            <a:avLst/>
-          </a:prstGeom>
-          <a:solidFill>
-            <a:schemeClr val="tx1"/>
-          </a:solidFill>
-          <a:ln>
-            <a:solidFill>
-              <a:schemeClr val="tx1"/>
-            </a:solidFill>
-          </a:ln>
-          <a:effectLst/>
-        </p:spPr>
-        <p:style>
-          <a:lnRef idx="1">
-            <a:schemeClr val="accent1"/>
-          </a:lnRef>
-          <a:fillRef idx="3">
-            <a:schemeClr val="accent1"/>
-          </a:fillRef>
-          <a:effectRef idx="2">
-            <a:schemeClr val="accent1"/>
-          </a:effectRef>
-          <a:fontRef idx="minor">
-            <a:schemeClr val="lt1"/>
-          </a:fontRef>
-        </p:style>
-        <p:txBody>
-          <a:bodyPr rtlCol="0" anchor="ctr"/>
-          <a:lstStyle/>
-          <a:p>
-            <a:pPr algn="ctr"/>
-            <a:endParaRPr lang="en-US"/>
-          </a:p>
-        </p:txBody>
-      </p:sp>
-      <p:sp>
-        <p:nvSpPr>
-          <p:cNvPr id="8" name="Rectangle 7"/>
-          <p:cNvSpPr/>
-          <p:nvPr/>
-        </p:nvSpPr>
-        <p:spPr>
-          <a:xfrm>
-            <a:off x="6305909" y="3554083"/>
-            <a:ext cx="2838091" cy="3303917"/>
-          </a:xfrm>
-          <a:prstGeom prst="rect">
-            <a:avLst/>
-          </a:prstGeom>
-          <a:solidFill>
-            <a:schemeClr val="tx1"/>
-          </a:solidFill>
-          <a:ln>
-            <a:solidFill>
-              <a:schemeClr val="tx1"/>
-            </a:solidFill>
-          </a:ln>
-          <a:effectLst/>
-        </p:spPr>
-        <p:style>
-          <a:lnRef idx="1">
-            <a:schemeClr val="accent1"/>
-          </a:lnRef>
-          <a:fillRef idx="3">
-            <a:schemeClr val="accent1"/>
-          </a:fillRef>
-          <a:effectRef idx="2">
-            <a:schemeClr val="accent1"/>
-          </a:effectRef>
-          <a:fontRef idx="minor">
-            <a:schemeClr val="lt1"/>
-          </a:fontRef>
-        </p:style>
-        <p:txBody>
-          <a:bodyPr rtlCol="0" anchor="ctr"/>
-          <a:lstStyle/>
-          <a:p>
-            <a:pPr algn="ctr"/>
-            <a:endParaRPr lang="en-US"/>
-          </a:p>
-        </p:txBody>
-      </p:sp>
-    </p:spTree>
-    <p:extLst>
-      <p:ext uri="{BB962C8B-B14F-4D97-AF65-F5344CB8AC3E}">
-        <p14:creationId xmlns:p14="http://schemas.microsoft.com/office/powerpoint/2010/main" val="4287587443"/>
-      </p:ext>
-    </p:extLst>
-  </p:cSld>
-  <p:clrMapOvr>
-    <a:masterClrMapping/>
-  </p:clrMapOvr>
-  <p:timing>
-    <p:tnLst>
-      <p:par>
-        <p:cTn id="1" dur="indefinite" restart="never" nodeType="tmRoot">
-          <p:childTnLst>
-            <p:seq concurrent="1" nextAc="seek">
-              <p:cTn id="2" dur="indefinite" nodeType="mainSeq">
-                <p:childTnLst>
-                  <p:par>
-                    <p:cTn id="3" fill="hold">
-                      <p:stCondLst>
-                        <p:cond delay="indefinite"/>
-                      </p:stCondLst>
-                      <p:childTnLst>
-                        <p:par>
-                          <p:cTn id="4" fill="hold">
-                            <p:stCondLst>
-                              <p:cond delay="0"/>
-                            </p:stCondLst>
-                            <p:childTnLst>
-                              <p:par>
-                                <p:cTn id="5" presetID="10" presetClass="exit" presetSubtype="0" fill="hold" grpId="0" nodeType="clickEffect">
-                                  <p:stCondLst>
-                                    <p:cond delay="0"/>
-                                  </p:stCondLst>
-                                  <p:childTnLst>
-                                    <p:animEffect transition="out" filter="fade">
-                                      <p:cBhvr>
-                                        <p:cTn id="6" dur="500"/>
-                                        <p:tgtEl>
-                                          <p:spTgt spid="7"/>
-                                        </p:tgtEl>
-                                      </p:cBhvr>
-                                    </p:animEffect>
-                                    <p:set>
-                                      <p:cBhvr>
-                                        <p:cTn id="7" dur="1" fill="hold">
-                                          <p:stCondLst>
-                                            <p:cond delay="499"/>
-                                          </p:stCondLst>
-                                        </p:cTn>
-                                        <p:tgtEl>
-                                          <p:spTgt spid="7"/>
-                                        </p:tgtEl>
-                                        <p:attrNameLst>
-                                          <p:attrName>style.visibility</p:attrName>
-                                        </p:attrNameLst>
-                                      </p:cBhvr>
-                                      <p:to>
-                                        <p:strVal val="hidden"/>
-                                      </p:to>
-                                    </p:set>
-                                  </p:childTnLst>
-                                </p:cTn>
-                              </p:par>
-                            </p:childTnLst>
-                          </p:cTn>
-                        </p:par>
-                      </p:childTnLst>
-                    </p:cTn>
-                  </p:par>
-                  <p:par>
-                    <p:cTn id="8" fill="hold">
-                      <p:stCondLst>
-                        <p:cond delay="indefinite"/>
-                      </p:stCondLst>
-                      <p:childTnLst>
-                        <p:par>
-                          <p:cTn id="9" fill="hold">
-                            <p:stCondLst>
-                              <p:cond delay="0"/>
-                            </p:stCondLst>
-                            <p:childTnLst>
-                              <p:par>
-                                <p:cTn id="10" presetID="10" presetClass="exit" presetSubtype="0" fill="hold" grpId="0" nodeType="clickEffect">
-                                  <p:stCondLst>
-                                    <p:cond delay="0"/>
-                                  </p:stCondLst>
-                                  <p:childTnLst>
-                                    <p:animEffect transition="out" filter="fade">
-                                      <p:cBhvr>
-                                        <p:cTn id="11" dur="500"/>
-                                        <p:tgtEl>
-                                          <p:spTgt spid="3"/>
-                                        </p:tgtEl>
-                                      </p:cBhvr>
-                                    </p:animEffect>
-                                    <p:set>
-                                      <p:cBhvr>
-                                        <p:cTn id="12" dur="1" fill="hold">
-                                          <p:stCondLst>
-                                            <p:cond delay="499"/>
-                                          </p:stCondLst>
-                                        </p:cTn>
-                                        <p:tgtEl>
-                                          <p:spTgt spid="3"/>
-                                        </p:tgtEl>
-                                        <p:attrNameLst>
-                                          <p:attrName>style.visibility</p:attrName>
-                                        </p:attrNameLst>
-                                      </p:cBhvr>
-                                      <p:to>
-                                        <p:strVal val="hidden"/>
-                                      </p:to>
-                                    </p:set>
-                                  </p:childTnLst>
-                                </p:cTn>
-                              </p:par>
-                            </p:childTnLst>
-                          </p:cTn>
-                        </p:par>
-                      </p:childTnLst>
-                    </p:cTn>
-                  </p:par>
-                  <p:par>
-                    <p:cTn id="13" fill="hold">
-                      <p:stCondLst>
-                        <p:cond delay="indefinite"/>
-                      </p:stCondLst>
-                      <p:childTnLst>
-                        <p:par>
-                          <p:cTn id="14" fill="hold">
-                            <p:stCondLst>
-                              <p:cond delay="0"/>
-                            </p:stCondLst>
-                            <p:childTnLst>
-                              <p:par>
-                                <p:cTn id="15" presetID="10" presetClass="exit" presetSubtype="0" fill="hold" grpId="0" nodeType="clickEffect">
-                                  <p:stCondLst>
-                                    <p:cond delay="0"/>
-                                  </p:stCondLst>
-                                  <p:childTnLst>
-                                    <p:animEffect transition="out" filter="fade">
-                                      <p:cBhvr>
-                                        <p:cTn id="16" dur="500"/>
-                                        <p:tgtEl>
-                                          <p:spTgt spid="5"/>
-                                        </p:tgtEl>
-                                      </p:cBhvr>
-                                    </p:animEffect>
-                                    <p:set>
-                                      <p:cBhvr>
-                                        <p:cTn id="17" dur="1" fill="hold">
-                                          <p:stCondLst>
-                                            <p:cond delay="499"/>
-                                          </p:stCondLst>
-                                        </p:cTn>
-                                        <p:tgtEl>
-                                          <p:spTgt spid="5"/>
-                                        </p:tgtEl>
-                                        <p:attrNameLst>
-                                          <p:attrName>style.visibility</p:attrName>
-                                        </p:attrNameLst>
-                                      </p:cBhvr>
-                                      <p:to>
-                                        <p:strVal val="hidden"/>
-                                      </p:to>
-                                    </p:set>
-                                  </p:childTnLst>
-                                </p:cTn>
-                              </p:par>
-                            </p:childTnLst>
-                          </p:cTn>
-                        </p:par>
-                      </p:childTnLst>
-                    </p:cTn>
-                  </p:par>
-                  <p:par>
-                    <p:cTn id="18" fill="hold">
-                      <p:stCondLst>
-                        <p:cond delay="indefinite"/>
-                      </p:stCondLst>
-                      <p:childTnLst>
-                        <p:par>
-                          <p:cTn id="19" fill="hold">
-                            <p:stCondLst>
-                              <p:cond delay="0"/>
-                            </p:stCondLst>
-                            <p:childTnLst>
-                              <p:par>
-                                <p:cTn id="20" presetID="10" presetClass="exit" presetSubtype="0" fill="hold" grpId="0" nodeType="clickEffect">
-                                  <p:stCondLst>
-                                    <p:cond delay="0"/>
-                                  </p:stCondLst>
-                                  <p:childTnLst>
-                                    <p:animEffect transition="out" filter="fade">
-                                      <p:cBhvr>
-                                        <p:cTn id="21" dur="500"/>
-                                        <p:tgtEl>
-                                          <p:spTgt spid="8"/>
-                                        </p:tgtEl>
-                                      </p:cBhvr>
-                                    </p:animEffect>
-                                    <p:set>
-                                      <p:cBhvr>
-                                        <p:cTn id="22" dur="1" fill="hold">
-                                          <p:stCondLst>
-                                            <p:cond delay="499"/>
-                                          </p:stCondLst>
-                                        </p:cTn>
-                                        <p:tgtEl>
-                                          <p:spTgt spid="8"/>
-                                        </p:tgtEl>
-                                        <p:attrNameLst>
-                                          <p:attrName>style.visibility</p:attrName>
-                                        </p:attrNameLst>
-                                      </p:cBhvr>
-                                      <p:to>
-                                        <p:strVal val="hidden"/>
-                                      </p:to>
-                                    </p:set>
-                                  </p:childTnLst>
-                                </p:cTn>
-                              </p:par>
-                            </p:childTnLst>
-                          </p:cTn>
-                        </p:par>
-                      </p:childTnLst>
-                    </p:cTn>
-                  </p:par>
-                </p:childTnLst>
-              </p:cTn>
-              <p:prevCondLst>
-                <p:cond evt="onPrev" delay="0">
-                  <p:tgtEl>
-                    <p:sldTgt/>
-                  </p:tgtEl>
-                </p:cond>
-              </p:prevCondLst>
-              <p:nextCondLst>
-                <p:cond evt="onNext" delay="0">
-                  <p:tgtEl>
-                    <p:sldTgt/>
-                  </p:tgtEl>
-                </p:cond>
-              </p:nextCondLst>
-            </p:seq>
-          </p:childTnLst>
-        </p:cTn>
-      </p:par>
-    </p:tnLst>
-    <p:bldLst>
-      <p:bldP spid="3" grpId="0" animBg="1"/>
-      <p:bldP spid="5" grpId="0" animBg="1"/>
-      <p:bldP spid="7" grpId="0" animBg="1"/>
-      <p:bldP spid="8" grpId="0" animBg="1"/>
-    </p:bldLst>
-  </p:timing>
-</p:sld>
-</file>
-
-<file path=ppt/slides/slide4.xml><?xml version="1.0" encoding="utf-8"?>
-<p:sld xmlns:a="http://schemas.openxmlformats.org/drawingml/2006/main" xmlns:r="http://schemas.openxmlformats.org/officeDocument/2006/relationships" xmlns:p="http://schemas.openxmlformats.org/presentationml/2006/main">
-  <p:cSld>
-    <p:spTree>
-      <p:nvGrpSpPr>
-        <p:cNvPr id="1" name=""/>
-        <p:cNvGrpSpPr/>
-        <p:nvPr/>
-      </p:nvGrpSpPr>
-      <p:grpSpPr>
-        <a:xfrm>
-          <a:off x="0" y="0"/>
-          <a:ext cx="0" cy="0"/>
-          <a:chOff x="0" y="0"/>
-          <a:chExt cx="0" cy="0"/>
-        </a:xfrm>
-      </p:grpSpPr>
-      <p:pic>
-        <p:nvPicPr>
-          <p:cNvPr id="6" name="Picture 5"/>
-          <p:cNvPicPr>
-            <a:picLocks noChangeAspect="1"/>
-          </p:cNvPicPr>
-          <p:nvPr/>
-        </p:nvPicPr>
-        <p:blipFill>
-          <a:blip r:embed="rId3"/>
-          <a:stretch>
-            <a:fillRect/>
-          </a:stretch>
-        </p:blipFill>
-        <p:spPr>
-          <a:xfrm>
-            <a:off x="1370134" y="1691085"/>
-            <a:ext cx="6340794" cy="4309665"/>
-          </a:xfrm>
-          <a:prstGeom prst="rect">
-            <a:avLst/>
-          </a:prstGeom>
-        </p:spPr>
-      </p:pic>
-      <p:sp>
-        <p:nvSpPr>
-          <p:cNvPr id="4" name="Title 1"/>
-          <p:cNvSpPr txBox="1">
-            <a:spLocks/>
-          </p:cNvSpPr>
-          <p:nvPr/>
-        </p:nvSpPr>
-        <p:spPr>
-          <a:xfrm>
-            <a:off x="685800" y="121023"/>
-            <a:ext cx="7770813" cy="1429871"/>
-          </a:xfrm>
-          <a:prstGeom prst="rect">
-            <a:avLst/>
-          </a:prstGeom>
-        </p:spPr>
-        <p:txBody>
-          <a:bodyPr vert="horz" lIns="91440" tIns="45720" rIns="91440" bIns="45720" rtlCol="0" anchor="b" anchorCtr="0">
-            <a:normAutofit/>
-          </a:bodyPr>
-          <a:lstStyle>
-            <a:lvl1pPr algn="ctr" defTabSz="914400" rtl="0" eaLnBrk="1" latinLnBrk="0" hangingPunct="1">
-              <a:spcBef>
-                <a:spcPct val="0"/>
-              </a:spcBef>
-              <a:buNone/>
-              <a:defRPr sz="5400" kern="1200">
-                <a:solidFill>
-                  <a:schemeClr val="tx1"/>
-                </a:solidFill>
-                <a:effectLst>
-                  <a:outerShdw blurRad="50800" dist="50800" dir="5400000" sx="101000" sy="101000" algn="t" rotWithShape="0">
-                    <a:prstClr val="black">
-                      <a:alpha val="40000"/>
-                    </a:prstClr>
-                  </a:outerShdw>
-                </a:effectLst>
-                <a:latin typeface="+mj-lt"/>
-                <a:ea typeface="+mj-ea"/>
-                <a:cs typeface="+mj-cs"/>
-              </a:defRPr>
-            </a:lvl1pPr>
-          </a:lstStyle>
-          <a:p>
-            <a:r>
-              <a:rPr lang="en-US" dirty="0" smtClean="0"/>
-              <a:t>Hardware Schematic</a:t>
-            </a:r>
-            <a:endParaRPr lang="en-US" dirty="0"/>
-          </a:p>
-        </p:txBody>
-      </p:sp>
-    </p:spTree>
-    <p:extLst>
-      <p:ext uri="{BB962C8B-B14F-4D97-AF65-F5344CB8AC3E}">
-        <p14:creationId xmlns:p14="http://schemas.microsoft.com/office/powerpoint/2010/main" val="2034512440"/>
-      </p:ext>
-    </p:extLst>
-  </p:cSld>
-  <p:clrMapOvr>
-    <a:masterClrMapping/>
-  </p:clrMapOvr>
-  <p:timing>
-    <p:tnLst>
-      <p:par>
-        <p:cTn id="1" dur="indefinite" restart="never" nodeType="tmRoot"/>
-      </p:par>
-    </p:tnLst>
-  </p:timing>
-</p:sld>
-</file>
-
-<file path=ppt/slides/slide5.xml><?xml version="1.0" encoding="utf-8"?>
-<p:sld xmlns:a="http://schemas.openxmlformats.org/drawingml/2006/main" xmlns:r="http://schemas.openxmlformats.org/officeDocument/2006/relationships" xmlns:p="http://schemas.openxmlformats.org/presentationml/2006/main">
-  <p:cSld>
-    <p:spTree>
-      <p:nvGrpSpPr>
-        <p:cNvPr id="1" name=""/>
-        <p:cNvGrpSpPr/>
-        <p:nvPr/>
-      </p:nvGrpSpPr>
-      <p:grpSpPr>
-        <a:xfrm>
-          <a:off x="0" y="0"/>
-          <a:ext cx="0" cy="0"/>
-          <a:chOff x="0" y="0"/>
-          <a:chExt cx="0" cy="0"/>
-        </a:xfrm>
-      </p:grpSpPr>
-      <p:pic>
-        <p:nvPicPr>
-          <p:cNvPr id="5" name="Picture 4"/>
-          <p:cNvPicPr>
-            <a:picLocks noChangeAspect="1"/>
-          </p:cNvPicPr>
-          <p:nvPr/>
-        </p:nvPicPr>
-        <p:blipFill>
-          <a:blip r:embed="rId3"/>
-          <a:stretch>
-            <a:fillRect/>
-          </a:stretch>
-        </p:blipFill>
-        <p:spPr>
-          <a:xfrm>
-            <a:off x="1608332" y="2249725"/>
-            <a:ext cx="5812805" cy="2807494"/>
-          </a:xfrm>
-          <a:prstGeom prst="rect">
-            <a:avLst/>
-          </a:prstGeom>
-        </p:spPr>
-      </p:pic>
-      <p:sp>
-        <p:nvSpPr>
-          <p:cNvPr id="6" name="Title 1"/>
-          <p:cNvSpPr txBox="1">
-            <a:spLocks/>
-          </p:cNvSpPr>
-          <p:nvPr/>
-        </p:nvSpPr>
-        <p:spPr>
-          <a:xfrm>
-            <a:off x="685800" y="121023"/>
-            <a:ext cx="7770813" cy="1429871"/>
-          </a:xfrm>
-          <a:prstGeom prst="rect">
-            <a:avLst/>
-          </a:prstGeom>
-        </p:spPr>
-        <p:txBody>
-          <a:bodyPr vert="horz" lIns="91440" tIns="45720" rIns="91440" bIns="45720" rtlCol="0" anchor="b" anchorCtr="0">
-            <a:normAutofit/>
-          </a:bodyPr>
-          <a:lstStyle>
-            <a:lvl1pPr algn="ctr" defTabSz="914400" rtl="0" eaLnBrk="1" latinLnBrk="0" hangingPunct="1">
-              <a:spcBef>
-                <a:spcPct val="0"/>
-              </a:spcBef>
-              <a:buNone/>
-              <a:defRPr sz="5400" kern="1200">
-                <a:solidFill>
-                  <a:schemeClr val="tx1"/>
-                </a:solidFill>
-                <a:effectLst>
-                  <a:outerShdw blurRad="50800" dist="50800" dir="5400000" sx="101000" sy="101000" algn="t" rotWithShape="0">
-                    <a:prstClr val="black">
-                      <a:alpha val="40000"/>
-                    </a:prstClr>
-                  </a:outerShdw>
-                </a:effectLst>
-                <a:latin typeface="+mj-lt"/>
-                <a:ea typeface="+mj-ea"/>
-                <a:cs typeface="+mj-cs"/>
-              </a:defRPr>
-            </a:lvl1pPr>
-          </a:lstStyle>
-          <a:p>
-            <a:r>
-              <a:rPr lang="en-US" dirty="0" smtClean="0"/>
-              <a:t>Relay Schematic</a:t>
-            </a:r>
-            <a:endParaRPr lang="en-US" dirty="0"/>
-          </a:p>
-        </p:txBody>
-      </p:sp>
-    </p:spTree>
-    <p:extLst>
-      <p:ext uri="{BB962C8B-B14F-4D97-AF65-F5344CB8AC3E}">
-        <p14:creationId xmlns:p14="http://schemas.microsoft.com/office/powerpoint/2010/main" val="1173152934"/>
-      </p:ext>
-    </p:extLst>
-  </p:cSld>
-  <p:clrMapOvr>
-    <a:masterClrMapping/>
-  </p:clrMapOvr>
-  <p:timing>
-    <p:tnLst>
-      <p:par>
-        <p:cTn id="1" dur="indefinite" restart="never" nodeType="tmRoot"/>
-      </p:par>
-    </p:tnLst>
-  </p:timing>
-</p:sld>
-</file>
-
-<file path=ppt/slides/slide6.xml><?xml version="1.0" encoding="utf-8"?>
-<p:sld xmlns:a="http://schemas.openxmlformats.org/drawingml/2006/main" xmlns:r="http://schemas.openxmlformats.org/officeDocument/2006/relationships" xmlns:p="http://schemas.openxmlformats.org/presentationml/2006/main">
-  <p:cSld>
-    <p:spTree>
-      <p:nvGrpSpPr>
-        <p:cNvPr id="1" name=""/>
-        <p:cNvGrpSpPr/>
-        <p:nvPr/>
-      </p:nvGrpSpPr>
-      <p:grpSpPr>
-        <a:xfrm>
-          <a:off x="0" y="0"/>
-          <a:ext cx="0" cy="0"/>
-          <a:chOff x="0" y="0"/>
-          <a:chExt cx="0" cy="0"/>
-        </a:xfrm>
-      </p:grpSpPr>
-      <p:sp>
-        <p:nvSpPr>
-          <p:cNvPr id="2" name="Title 1"/>
-          <p:cNvSpPr>
-            <a:spLocks noGrp="1"/>
-          </p:cNvSpPr>
-          <p:nvPr>
-            <p:ph type="title"/>
-          </p:nvPr>
-        </p:nvSpPr>
-        <p:spPr/>
-        <p:txBody>
-          <a:bodyPr/>
-          <a:lstStyle/>
-          <a:p>
-            <a:r>
-              <a:rPr lang="en-US" dirty="0" smtClean="0"/>
-              <a:t>Firmware</a:t>
-            </a:r>
-            <a:endParaRPr lang="en-US" dirty="0"/>
-          </a:p>
-        </p:txBody>
-      </p:sp>
-      <p:sp>
-        <p:nvSpPr>
-          <p:cNvPr id="3" name="Content Placeholder 2"/>
-          <p:cNvSpPr>
-            <a:spLocks noGrp="1"/>
-          </p:cNvSpPr>
-          <p:nvPr>
-            <p:ph idx="1"/>
-          </p:nvPr>
-        </p:nvSpPr>
-        <p:spPr/>
-        <p:txBody>
-          <a:bodyPr>
-            <a:normAutofit fontScale="92500" lnSpcReduction="10000"/>
-          </a:bodyPr>
-          <a:lstStyle/>
-          <a:p>
-            <a:r>
-              <a:rPr lang="en-US" dirty="0" smtClean="0"/>
-              <a:t>Developed with Arduino IDE</a:t>
-            </a:r>
-          </a:p>
-          <a:p>
-            <a:pPr lvl="1"/>
-            <a:r>
-              <a:rPr lang="en-US" dirty="0" smtClean="0"/>
-              <a:t>C/C++ Based</a:t>
-            </a:r>
-          </a:p>
-          <a:p>
-            <a:r>
-              <a:rPr lang="en-US" dirty="0" smtClean="0"/>
-              <a:t>Built in </a:t>
-            </a:r>
-            <a:r>
-              <a:rPr lang="en-US" dirty="0" err="1" smtClean="0"/>
-              <a:t>WiFi</a:t>
-            </a:r>
-            <a:r>
-              <a:rPr lang="en-US" dirty="0" smtClean="0"/>
-              <a:t> to board utilize multiple user libraries</a:t>
-            </a:r>
-          </a:p>
-          <a:p>
-            <a:r>
-              <a:rPr lang="en-US" dirty="0" smtClean="0"/>
-              <a:t>Digital control over all I/O such as:</a:t>
-            </a:r>
-          </a:p>
-          <a:p>
-            <a:pPr lvl="1"/>
-            <a:r>
-              <a:rPr lang="en-US" dirty="0" smtClean="0"/>
-              <a:t>Relay to control lights</a:t>
-            </a:r>
-          </a:p>
-          <a:p>
-            <a:pPr lvl="1"/>
-            <a:r>
-              <a:rPr lang="en-US" dirty="0" smtClean="0"/>
-              <a:t>Motion Control</a:t>
-            </a:r>
-          </a:p>
-          <a:p>
-            <a:pPr lvl="1"/>
-            <a:r>
-              <a:rPr lang="en-US" dirty="0" smtClean="0"/>
-              <a:t>Manual Control</a:t>
-            </a:r>
-          </a:p>
-          <a:p>
-            <a:r>
-              <a:rPr lang="en-US" dirty="0" smtClean="0"/>
-              <a:t>Built in file system</a:t>
-            </a:r>
-          </a:p>
-          <a:p>
-            <a:pPr lvl="1"/>
-            <a:r>
-              <a:rPr lang="en-US" dirty="0" smtClean="0"/>
-              <a:t>Used to store files for backup, or hosting more advanced forms</a:t>
-            </a:r>
-          </a:p>
-          <a:p>
-            <a:r>
-              <a:rPr lang="en-US" dirty="0" smtClean="0"/>
-              <a:t>LUA and Micro Python interpreters for scripting</a:t>
-            </a:r>
-            <a:endParaRPr lang="en-US" dirty="0"/>
-          </a:p>
-        </p:txBody>
-      </p:sp>
-    </p:spTree>
-    <p:extLst>
-      <p:ext uri="{BB962C8B-B14F-4D97-AF65-F5344CB8AC3E}">
-        <p14:creationId xmlns:p14="http://schemas.microsoft.com/office/powerpoint/2010/main" val="1231492197"/>
-      </p:ext>
-    </p:extLst>
-  </p:cSld>
-  <p:clrMapOvr>
-    <a:masterClrMapping/>
-  </p:clrMapOvr>
-  <p:timing>
-    <p:tnLst>
-      <p:par>
-        <p:cTn id="1" dur="indefinite" restart="never" nodeType="tmRoot"/>
-      </p:par>
-    </p:tnLst>
-  </p:timing>
-</p:sld>
-</file>
-
-<file path=ppt/slides/slide7.xml><?xml version="1.0" encoding="utf-8"?>
-<p:sld xmlns:a="http://schemas.openxmlformats.org/drawingml/2006/main" xmlns:r="http://schemas.openxmlformats.org/officeDocument/2006/relationships" xmlns:p="http://schemas.openxmlformats.org/presentationml/2006/main">
-  <p:cSld>
-    <p:spTree>
-      <p:nvGrpSpPr>
-        <p:cNvPr id="1" name=""/>
-        <p:cNvGrpSpPr/>
-        <p:nvPr/>
-      </p:nvGrpSpPr>
-      <p:grpSpPr>
-        <a:xfrm>
-          <a:off x="0" y="0"/>
-          <a:ext cx="0" cy="0"/>
-          <a:chOff x="0" y="0"/>
-          <a:chExt cx="0" cy="0"/>
-        </a:xfrm>
-      </p:grpSpPr>
-      <p:sp>
-        <p:nvSpPr>
-          <p:cNvPr id="2" name="Title 1"/>
-          <p:cNvSpPr>
-            <a:spLocks noGrp="1"/>
-          </p:cNvSpPr>
-          <p:nvPr>
-            <p:ph type="title"/>
-          </p:nvPr>
-        </p:nvSpPr>
-        <p:spPr/>
-        <p:txBody>
-          <a:bodyPr/>
-          <a:lstStyle/>
-          <a:p>
-            <a:r>
-              <a:rPr lang="en-US" dirty="0" smtClean="0"/>
-              <a:t>Initial User Setup</a:t>
-            </a:r>
-            <a:endParaRPr lang="en-US" dirty="0"/>
-          </a:p>
-        </p:txBody>
-      </p:sp>
-      <p:sp>
-        <p:nvSpPr>
-          <p:cNvPr id="3" name="Content Placeholder 2"/>
-          <p:cNvSpPr>
-            <a:spLocks noGrp="1"/>
-          </p:cNvSpPr>
-          <p:nvPr>
-            <p:ph idx="1"/>
-          </p:nvPr>
-        </p:nvSpPr>
-        <p:spPr>
-          <a:xfrm>
-            <a:off x="470647" y="1356052"/>
-            <a:ext cx="8332694" cy="1333360"/>
-          </a:xfrm>
-        </p:spPr>
-        <p:txBody>
-          <a:bodyPr/>
-          <a:lstStyle/>
-          <a:p>
-            <a:r>
-              <a:rPr lang="en-US" dirty="0" smtClean="0"/>
-              <a:t>If Node is not paired </a:t>
-            </a:r>
-            <a:r>
-              <a:rPr lang="en-US" dirty="0" smtClean="0"/>
-              <a:t>with a server, a </a:t>
-            </a:r>
-            <a:r>
-              <a:rPr lang="en-US" dirty="0" smtClean="0"/>
-              <a:t>basic webpage will be hosted for the user to input the SSID and Password of the </a:t>
-            </a:r>
-            <a:r>
-              <a:rPr lang="en-US" dirty="0" smtClean="0"/>
-              <a:t>server’s connection </a:t>
-            </a:r>
-            <a:r>
-              <a:rPr lang="en-US" dirty="0" smtClean="0"/>
-              <a:t>point</a:t>
-            </a:r>
-            <a:endParaRPr lang="en-US" dirty="0"/>
-          </a:p>
-        </p:txBody>
-      </p:sp>
-      <p:pic>
-        <p:nvPicPr>
-          <p:cNvPr id="4" name="Picture 3"/>
-          <p:cNvPicPr>
-            <a:picLocks noChangeAspect="1"/>
-          </p:cNvPicPr>
-          <p:nvPr/>
-        </p:nvPicPr>
-        <p:blipFill>
-          <a:blip r:embed="rId3" cstate="email">
-            <a:extLst>
-              <a:ext uri="{28A0092B-C50C-407E-A947-70E740481C1C}">
-                <a14:useLocalDpi xmlns:a14="http://schemas.microsoft.com/office/drawing/2010/main" val="0"/>
-              </a:ext>
-            </a:extLst>
-          </a:blip>
-          <a:stretch>
-            <a:fillRect/>
-          </a:stretch>
-        </p:blipFill>
-        <p:spPr>
-          <a:xfrm>
-            <a:off x="1546412" y="2785923"/>
-            <a:ext cx="4851400" cy="2641600"/>
-          </a:xfrm>
-          <a:prstGeom prst="rect">
-            <a:avLst/>
-          </a:prstGeom>
-        </p:spPr>
-      </p:pic>
-    </p:spTree>
-    <p:extLst>
-      <p:ext uri="{BB962C8B-B14F-4D97-AF65-F5344CB8AC3E}">
-        <p14:creationId xmlns:p14="http://schemas.microsoft.com/office/powerpoint/2010/main" val="392100371"/>
-      </p:ext>
-    </p:extLst>
-  </p:cSld>
-  <p:clrMapOvr>
-    <a:masterClrMapping/>
-  </p:clrMapOvr>
-  <p:timing>
-    <p:tnLst>
-      <p:par>
-        <p:cTn id="1" dur="indefinite" restart="never" nodeType="tmRoot"/>
-      </p:par>
-    </p:tnLst>
-  </p:timing>
-</p:sld>
-</file>
-
-<file path=ppt/slides/slide8.xml><?xml version="1.0" encoding="utf-8"?>
-<p:sld xmlns:a="http://schemas.openxmlformats.org/drawingml/2006/main" xmlns:r="http://schemas.openxmlformats.org/officeDocument/2006/relationships" xmlns:p="http://schemas.openxmlformats.org/presentationml/2006/main">
-  <p:cSld>
-    <p:spTree>
-      <p:nvGrpSpPr>
-        <p:cNvPr id="1" name=""/>
-        <p:cNvGrpSpPr/>
-        <p:nvPr/>
-      </p:nvGrpSpPr>
-      <p:grpSpPr>
-        <a:xfrm>
-          <a:off x="0" y="0"/>
-          <a:ext cx="0" cy="0"/>
-          <a:chOff x="0" y="0"/>
-          <a:chExt cx="0" cy="0"/>
-        </a:xfrm>
-      </p:grpSpPr>
-      <p:sp>
-        <p:nvSpPr>
-          <p:cNvPr id="186" name="Shape 186"/>
-          <p:cNvSpPr>
-            <a:spLocks noGrp="1"/>
-          </p:cNvSpPr>
-          <p:nvPr>
-            <p:ph type="title"/>
-          </p:nvPr>
-        </p:nvSpPr>
-        <p:spPr>
-          <a:prstGeom prst="rect">
-            <a:avLst/>
-          </a:prstGeom>
-        </p:spPr>
-        <p:txBody>
-          <a:bodyPr/>
-          <a:lstStyle/>
-          <a:p>
-            <a:r>
-              <a:t>Front End (UI)</a:t>
-            </a:r>
-          </a:p>
-        </p:txBody>
-      </p:sp>
-      <p:pic>
-        <p:nvPicPr>
-          <p:cNvPr id="187" name="2015-12-02-160500_1280x1024_scrot.png"/>
-          <p:cNvPicPr>
-            <a:picLocks noChangeAspect="1"/>
-          </p:cNvPicPr>
-          <p:nvPr/>
-        </p:nvPicPr>
-        <p:blipFill>
-          <a:blip r:embed="rId3">
-            <a:extLst/>
-          </a:blip>
-          <a:stretch>
-            <a:fillRect/>
-          </a:stretch>
-        </p:blipFill>
-        <p:spPr>
-          <a:xfrm>
-            <a:off x="1385042" y="1287109"/>
-            <a:ext cx="6365977" cy="5413246"/>
-          </a:xfrm>
-          <a:prstGeom prst="rect">
-            <a:avLst/>
-          </a:prstGeom>
-          <a:ln w="12700">
-            <a:miter lim="400000"/>
-          </a:ln>
-        </p:spPr>
-      </p:pic>
-      <p:pic>
-        <p:nvPicPr>
-          <p:cNvPr id="188" name="2015-12-02-160505_1280x1024_scrot.png"/>
-          <p:cNvPicPr>
-            <a:picLocks noChangeAspect="1"/>
-          </p:cNvPicPr>
-          <p:nvPr/>
-        </p:nvPicPr>
-        <p:blipFill>
-          <a:blip r:embed="rId4">
-            <a:extLst/>
-          </a:blip>
-          <a:stretch>
-            <a:fillRect/>
-          </a:stretch>
-        </p:blipFill>
-        <p:spPr>
-          <a:xfrm>
-            <a:off x="1385042" y="1287109"/>
-            <a:ext cx="6359626" cy="5545093"/>
-          </a:xfrm>
-          <a:prstGeom prst="rect">
-            <a:avLst/>
-          </a:prstGeom>
-          <a:ln w="12700">
-            <a:miter lim="400000"/>
-          </a:ln>
-        </p:spPr>
-      </p:pic>
-    </p:spTree>
-    <p:extLst>
-      <p:ext uri="{BB962C8B-B14F-4D97-AF65-F5344CB8AC3E}">
-        <p14:creationId xmlns:p14="http://schemas.microsoft.com/office/powerpoint/2010/main" val="1184193782"/>
-      </p:ext>
-    </p:extLst>
-  </p:cSld>
-  <p:clrMapOvr>
-    <a:masterClrMapping/>
-  </p:clrMapOvr>
-  <p:transition spd="slow"/>
-  <p:timing>
-    <p:tnLst>
-      <p:par>
-        <p:cTn id="1" dur="indefinite" restart="never" fill="hold" nodeType="tmRoot">
-          <p:childTnLst>
-            <p:seq concurrent="1" prevAc="none" nextAc="seek">
-              <p:cTn id="2" dur="indefinite" fill="hold" nodeType="mainSeq">
-                <p:childTnLst>
-                  <p:par>
-                    <p:cTn id="3" fill="hold">
-                      <p:stCondLst>
-                        <p:cond delay="indefinite"/>
-                      </p:stCondLst>
-                      <p:childTnLst>
-                        <p:par>
-                          <p:cTn id="4" fill="hold">
-                            <p:stCondLst>
-                              <p:cond delay="0"/>
-                            </p:stCondLst>
-                            <p:childTnLst>
-                              <p:par>
-                                <p:cTn id="5" presetID="1" presetClass="entr" presetSubtype="0" fill="hold" grpId="0" nodeType="clickEffect">
-                                  <p:stCondLst>
-                                    <p:cond delay="0"/>
-                                  </p:stCondLst>
-                                  <p:iterate>
-                                    <p:tmAbs val="0"/>
-                                  </p:iterate>
-                                  <p:childTnLst>
-                                    <p:set>
-                                      <p:cBhvr>
-                                        <p:cTn id="6" fill="hold"/>
-                                        <p:tgtEl>
-                                          <p:spTgt spid="187"/>
-                                        </p:tgtEl>
-                                        <p:attrNameLst>
-                                          <p:attrName>style.visibility</p:attrName>
-                                        </p:attrNameLst>
-                                      </p:cBhvr>
-                                      <p:to>
-                                        <p:strVal val="visible"/>
-                                      </p:to>
-                                    </p:set>
-                                  </p:childTnLst>
-                                </p:cTn>
-                              </p:par>
-                            </p:childTnLst>
-                          </p:cTn>
-                        </p:par>
-                      </p:childTnLst>
-                    </p:cTn>
-                  </p:par>
-                  <p:par>
-                    <p:cTn id="7" fill="hold">
-                      <p:stCondLst>
-                        <p:cond delay="indefinite"/>
-                      </p:stCondLst>
-                      <p:childTnLst>
-                        <p:par>
-                          <p:cTn id="8" fill="hold">
-                            <p:stCondLst>
-                              <p:cond delay="0"/>
-                            </p:stCondLst>
-                            <p:childTnLst>
-                              <p:par>
-                                <p:cTn id="9" presetID="1" presetClass="entr" presetSubtype="0" fill="hold" grpId="0" nodeType="clickEffect">
-                                  <p:stCondLst>
-                                    <p:cond delay="0"/>
-                                  </p:stCondLst>
-                                  <p:iterate>
-                                    <p:tmAbs val="0"/>
-                                  </p:iterate>
-                                  <p:childTnLst>
-                                    <p:set>
-                                      <p:cBhvr>
-                                        <p:cTn id="10" fill="hold"/>
-                                        <p:tgtEl>
-                                          <p:spTgt spid="188"/>
-                                        </p:tgtEl>
-                                        <p:attrNameLst>
-                                          <p:attrName>style.visibility</p:attrName>
-                                        </p:attrNameLst>
-                                      </p:cBhvr>
-                                      <p:to>
-                                        <p:strVal val="visible"/>
-                                      </p:to>
-                                    </p:set>
-                                  </p:childTnLst>
-                                </p:cTn>
-                              </p:par>
-                            </p:childTnLst>
-                          </p:cTn>
-                        </p:par>
-                      </p:childTnLst>
-                    </p:cTn>
-                  </p:par>
-                  <p:par>
-                    <p:cTn id="11" fill="hold">
-                      <p:stCondLst>
-                        <p:cond delay="indefinite"/>
-                      </p:stCondLst>
-                      <p:childTnLst>
-                        <p:par>
-                          <p:cTn id="12" fill="hold">
-                            <p:stCondLst>
-                              <p:cond delay="0"/>
-                            </p:stCondLst>
-                            <p:childTnLst>
-                              <p:par>
-                                <p:cTn id="13" presetID="1" presetClass="exit" presetSubtype="0" fill="hold" grpId="1" nodeType="clickEffect">
-                                  <p:stCondLst>
-                                    <p:cond delay="0"/>
-                                  </p:stCondLst>
-                                  <p:iterate>
-                                    <p:tmAbs val="0"/>
-                                  </p:iterate>
-                                  <p:childTnLst>
-                                    <p:set>
-                                      <p:cBhvr>
-                                        <p:cTn id="14" fill="hold">
-                                          <p:stCondLst>
-                                            <p:cond delay="0"/>
-                                          </p:stCondLst>
-                                        </p:cTn>
-                                        <p:tgtEl>
-                                          <p:spTgt spid="188"/>
-                                        </p:tgtEl>
-                                        <p:attrNameLst>
-                                          <p:attrName>style.visibility</p:attrName>
-                                        </p:attrNameLst>
-                                      </p:cBhvr>
-                                      <p:to>
-                                        <p:strVal val="hidden"/>
-                                      </p:to>
-                                    </p:set>
-                                  </p:childTnLst>
-                                </p:cTn>
-                              </p:par>
-                            </p:childTnLst>
-                          </p:cTn>
-                        </p:par>
-                      </p:childTnLst>
-                    </p:cTn>
-                  </p:par>
-                </p:childTnLst>
-              </p:cTn>
-              <p:prevCondLst>
-                <p:cond evt="onPrev" delay="0">
-                  <p:tgtEl>
-                    <p:sldTgt/>
-                  </p:tgtEl>
-                </p:cond>
-              </p:prevCondLst>
-              <p:nextCondLst>
-                <p:cond evt="onNext" delay="0">
-                  <p:tgtEl>
-                    <p:sldTgt/>
-                  </p:tgtEl>
-                </p:cond>
-              </p:nextCondLst>
-            </p:seq>
-          </p:childTnLst>
-        </p:cTn>
-      </p:par>
-    </p:tnLst>
-    <p:bldLst>
-      <p:bldP spid="187" grpId="0" animBg="1" advAuto="0"/>
-      <p:bldP spid="188" grpId="0" animBg="1" advAuto="0"/>
-      <p:bldP spid="188" grpId="1" animBg="1" advAuto="0"/>
-    </p:bldLst>
-  </p:timing>
-</p:sld>
-</file>
-
-<file path=ppt/slides/slide9.xml><?xml version="1.0" encoding="utf-8"?>
 <p:sld xmlns:a="http://schemas.openxmlformats.org/drawingml/2006/main" xmlns:r="http://schemas.openxmlformats.org/officeDocument/2006/relationships" xmlns:p="http://schemas.openxmlformats.org/presentationml/2006/main">
   <p:cSld>
     <p:spTree>
@@ -10022,6 +7581,2595 @@
       <p:bldP spid="197" grpId="0" animBg="1" advAuto="0"/>
       <p:bldP spid="197" grpId="1" animBg="1" advAuto="0"/>
       <p:bldP spid="198" grpId="0" animBg="1" advAuto="0"/>
+    </p:bldLst>
+  </p:timing>
+</p:sld>
+</file>
+
+<file path=ppt/slides/slide11.xml><?xml version="1.0" encoding="utf-8"?>
+<p:sld xmlns:a="http://schemas.openxmlformats.org/drawingml/2006/main" xmlns:r="http://schemas.openxmlformats.org/officeDocument/2006/relationships" xmlns:p="http://schemas.openxmlformats.org/presentationml/2006/main">
+  <p:cSld>
+    <p:spTree>
+      <p:nvGrpSpPr>
+        <p:cNvPr id="1" name=""/>
+        <p:cNvGrpSpPr/>
+        <p:nvPr/>
+      </p:nvGrpSpPr>
+      <p:grpSpPr>
+        <a:xfrm>
+          <a:off x="0" y="0"/>
+          <a:ext cx="0" cy="0"/>
+          <a:chOff x="0" y="0"/>
+          <a:chExt cx="0" cy="0"/>
+        </a:xfrm>
+      </p:grpSpPr>
+      <p:sp>
+        <p:nvSpPr>
+          <p:cNvPr id="200" name="Shape 200"/>
+          <p:cNvSpPr>
+            <a:spLocks noGrp="1"/>
+          </p:cNvSpPr>
+          <p:nvPr>
+            <p:ph type="title"/>
+          </p:nvPr>
+        </p:nvSpPr>
+        <p:spPr>
+          <a:prstGeom prst="rect">
+            <a:avLst/>
+          </a:prstGeom>
+        </p:spPr>
+        <p:txBody>
+          <a:bodyPr/>
+          <a:lstStyle/>
+          <a:p>
+            <a:r>
+              <a:t>Frontend (UI)</a:t>
+            </a:r>
+          </a:p>
+          <a:p>
+            <a:pPr>
+              <a:defRPr sz="3500"/>
+            </a:pPr>
+            <a:r>
+              <a:t>continued…</a:t>
+            </a:r>
+          </a:p>
+        </p:txBody>
+      </p:sp>
+      <p:sp>
+        <p:nvSpPr>
+          <p:cNvPr id="201" name="Shape 201"/>
+          <p:cNvSpPr>
+            <a:spLocks noGrp="1"/>
+          </p:cNvSpPr>
+          <p:nvPr>
+            <p:ph type="body" idx="1"/>
+          </p:nvPr>
+        </p:nvSpPr>
+        <p:spPr>
+          <a:prstGeom prst="rect">
+            <a:avLst/>
+          </a:prstGeom>
+        </p:spPr>
+        <p:txBody>
+          <a:bodyPr/>
+          <a:lstStyle/>
+          <a:p>
+            <a:pPr>
+              <a:buBlip>
+                <a:blip r:embed="rId3"/>
+              </a:buBlip>
+            </a:pPr>
+            <a:endParaRPr/>
+          </a:p>
+        </p:txBody>
+      </p:sp>
+      <p:pic>
+        <p:nvPicPr>
+          <p:cNvPr id="202" name="2015-12-02-160412_1280x1024_scrot.png"/>
+          <p:cNvPicPr>
+            <a:picLocks noChangeAspect="1"/>
+          </p:cNvPicPr>
+          <p:nvPr/>
+        </p:nvPicPr>
+        <p:blipFill>
+          <a:blip r:embed="rId4">
+            <a:extLst/>
+          </a:blip>
+          <a:stretch>
+            <a:fillRect/>
+          </a:stretch>
+        </p:blipFill>
+        <p:spPr>
+          <a:xfrm>
+            <a:off x="1156292" y="978875"/>
+            <a:ext cx="6829825" cy="5879124"/>
+          </a:xfrm>
+          <a:prstGeom prst="rect">
+            <a:avLst/>
+          </a:prstGeom>
+          <a:ln w="12700">
+            <a:miter lim="400000"/>
+          </a:ln>
+        </p:spPr>
+      </p:pic>
+      <p:pic>
+        <p:nvPicPr>
+          <p:cNvPr id="203" name="2015-12-02-160702_1280x1024_scrot.png"/>
+          <p:cNvPicPr>
+            <a:picLocks noChangeAspect="1"/>
+          </p:cNvPicPr>
+          <p:nvPr/>
+        </p:nvPicPr>
+        <p:blipFill>
+          <a:blip r:embed="rId5">
+            <a:extLst/>
+          </a:blip>
+          <a:stretch>
+            <a:fillRect/>
+          </a:stretch>
+        </p:blipFill>
+        <p:spPr>
+          <a:xfrm>
+            <a:off x="286799" y="978875"/>
+            <a:ext cx="8568813" cy="5218469"/>
+          </a:xfrm>
+          <a:prstGeom prst="rect">
+            <a:avLst/>
+          </a:prstGeom>
+          <a:ln w="12700">
+            <a:miter lim="400000"/>
+          </a:ln>
+        </p:spPr>
+      </p:pic>
+    </p:spTree>
+    <p:extLst>
+      <p:ext uri="{BB962C8B-B14F-4D97-AF65-F5344CB8AC3E}">
+        <p14:creationId xmlns:p14="http://schemas.microsoft.com/office/powerpoint/2010/main" val="1148160324"/>
+      </p:ext>
+    </p:extLst>
+  </p:cSld>
+  <p:clrMapOvr>
+    <a:masterClrMapping/>
+  </p:clrMapOvr>
+  <p:transition spd="slow"/>
+  <p:timing>
+    <p:tnLst>
+      <p:par>
+        <p:cTn id="1" dur="indefinite" restart="never" fill="hold" nodeType="tmRoot">
+          <p:childTnLst>
+            <p:seq concurrent="1" prevAc="none" nextAc="seek">
+              <p:cTn id="2" dur="indefinite" fill="hold" nodeType="mainSeq">
+                <p:childTnLst>
+                  <p:par>
+                    <p:cTn id="3" fill="hold">
+                      <p:stCondLst>
+                        <p:cond delay="indefinite"/>
+                      </p:stCondLst>
+                      <p:childTnLst>
+                        <p:par>
+                          <p:cTn id="4" fill="hold">
+                            <p:stCondLst>
+                              <p:cond delay="0"/>
+                            </p:stCondLst>
+                            <p:childTnLst>
+                              <p:par>
+                                <p:cTn id="5" presetID="1" presetClass="entr" presetSubtype="0" fill="hold" grpId="0" nodeType="clickEffect">
+                                  <p:stCondLst>
+                                    <p:cond delay="0"/>
+                                  </p:stCondLst>
+                                  <p:iterate>
+                                    <p:tmAbs val="0"/>
+                                  </p:iterate>
+                                  <p:childTnLst>
+                                    <p:set>
+                                      <p:cBhvr>
+                                        <p:cTn id="6" fill="hold"/>
+                                        <p:tgtEl>
+                                          <p:spTgt spid="202"/>
+                                        </p:tgtEl>
+                                        <p:attrNameLst>
+                                          <p:attrName>style.visibility</p:attrName>
+                                        </p:attrNameLst>
+                                      </p:cBhvr>
+                                      <p:to>
+                                        <p:strVal val="visible"/>
+                                      </p:to>
+                                    </p:set>
+                                  </p:childTnLst>
+                                </p:cTn>
+                              </p:par>
+                            </p:childTnLst>
+                          </p:cTn>
+                        </p:par>
+                      </p:childTnLst>
+                    </p:cTn>
+                  </p:par>
+                  <p:par>
+                    <p:cTn id="7" fill="hold">
+                      <p:stCondLst>
+                        <p:cond delay="indefinite"/>
+                      </p:stCondLst>
+                      <p:childTnLst>
+                        <p:par>
+                          <p:cTn id="8" fill="hold">
+                            <p:stCondLst>
+                              <p:cond delay="0"/>
+                            </p:stCondLst>
+                            <p:childTnLst>
+                              <p:par>
+                                <p:cTn id="9" presetID="1" presetClass="exit" presetSubtype="0" fill="hold" grpId="1" nodeType="clickEffect">
+                                  <p:stCondLst>
+                                    <p:cond delay="0"/>
+                                  </p:stCondLst>
+                                  <p:iterate>
+                                    <p:tmAbs val="0"/>
+                                  </p:iterate>
+                                  <p:childTnLst>
+                                    <p:set>
+                                      <p:cBhvr>
+                                        <p:cTn id="10" fill="hold">
+                                          <p:stCondLst>
+                                            <p:cond delay="0"/>
+                                          </p:stCondLst>
+                                        </p:cTn>
+                                        <p:tgtEl>
+                                          <p:spTgt spid="202"/>
+                                        </p:tgtEl>
+                                        <p:attrNameLst>
+                                          <p:attrName>style.visibility</p:attrName>
+                                        </p:attrNameLst>
+                                      </p:cBhvr>
+                                      <p:to>
+                                        <p:strVal val="hidden"/>
+                                      </p:to>
+                                    </p:set>
+                                  </p:childTnLst>
+                                </p:cTn>
+                              </p:par>
+                            </p:childTnLst>
+                          </p:cTn>
+                        </p:par>
+                        <p:par>
+                          <p:cTn id="11" fill="hold">
+                            <p:stCondLst>
+                              <p:cond delay="0"/>
+                            </p:stCondLst>
+                            <p:childTnLst>
+                              <p:par>
+                                <p:cTn id="12" presetID="1" presetClass="entr" presetSubtype="0" fill="hold" grpId="0" nodeType="afterEffect">
+                                  <p:stCondLst>
+                                    <p:cond delay="0"/>
+                                  </p:stCondLst>
+                                  <p:iterate>
+                                    <p:tmAbs val="0"/>
+                                  </p:iterate>
+                                  <p:childTnLst>
+                                    <p:set>
+                                      <p:cBhvr>
+                                        <p:cTn id="13" fill="hold"/>
+                                        <p:tgtEl>
+                                          <p:spTgt spid="203"/>
+                                        </p:tgtEl>
+                                        <p:attrNameLst>
+                                          <p:attrName>style.visibility</p:attrName>
+                                        </p:attrNameLst>
+                                      </p:cBhvr>
+                                      <p:to>
+                                        <p:strVal val="visible"/>
+                                      </p:to>
+                                    </p:set>
+                                  </p:childTnLst>
+                                </p:cTn>
+                              </p:par>
+                            </p:childTnLst>
+                          </p:cTn>
+                        </p:par>
+                      </p:childTnLst>
+                    </p:cTn>
+                  </p:par>
+                </p:childTnLst>
+              </p:cTn>
+              <p:prevCondLst>
+                <p:cond evt="onPrev" delay="0">
+                  <p:tgtEl>
+                    <p:sldTgt/>
+                  </p:tgtEl>
+                </p:cond>
+              </p:prevCondLst>
+              <p:nextCondLst>
+                <p:cond evt="onNext" delay="0">
+                  <p:tgtEl>
+                    <p:sldTgt/>
+                  </p:tgtEl>
+                </p:cond>
+              </p:nextCondLst>
+            </p:seq>
+          </p:childTnLst>
+        </p:cTn>
+      </p:par>
+    </p:tnLst>
+    <p:bldLst>
+      <p:bldP spid="202" grpId="0" animBg="1" advAuto="0"/>
+      <p:bldP spid="202" grpId="1" animBg="1" advAuto="0"/>
+      <p:bldP spid="203" grpId="0" animBg="1" advAuto="0"/>
+    </p:bldLst>
+  </p:timing>
+</p:sld>
+</file>
+
+<file path=ppt/slides/slide12.xml><?xml version="1.0" encoding="utf-8"?>
+<p:sld xmlns:a="http://schemas.openxmlformats.org/drawingml/2006/main" xmlns:r="http://schemas.openxmlformats.org/officeDocument/2006/relationships" xmlns:p="http://schemas.openxmlformats.org/presentationml/2006/main">
+  <p:cSld>
+    <p:spTree>
+      <p:nvGrpSpPr>
+        <p:cNvPr id="1" name=""/>
+        <p:cNvGrpSpPr/>
+        <p:nvPr/>
+      </p:nvGrpSpPr>
+      <p:grpSpPr>
+        <a:xfrm>
+          <a:off x="0" y="0"/>
+          <a:ext cx="0" cy="0"/>
+          <a:chOff x="0" y="0"/>
+          <a:chExt cx="0" cy="0"/>
+        </a:xfrm>
+      </p:grpSpPr>
+      <p:sp>
+        <p:nvSpPr>
+          <p:cNvPr id="2" name="Title 1"/>
+          <p:cNvSpPr>
+            <a:spLocks noGrp="1"/>
+          </p:cNvSpPr>
+          <p:nvPr>
+            <p:ph type="title"/>
+          </p:nvPr>
+        </p:nvSpPr>
+        <p:spPr/>
+        <p:txBody>
+          <a:bodyPr/>
+          <a:lstStyle/>
+          <a:p>
+            <a:r>
+              <a:rPr lang="en-US" dirty="0" smtClean="0"/>
+              <a:t>Build Process</a:t>
+            </a:r>
+            <a:endParaRPr lang="en-US" dirty="0"/>
+          </a:p>
+        </p:txBody>
+      </p:sp>
+      <p:pic>
+        <p:nvPicPr>
+          <p:cNvPr id="1026" name="Picture 2" descr="https://lh6.googleusercontent.com/-xiQwrmXF5B4/Vl9a-ea6KoI/AAAAAAAAAGU/pVPoHLpKc4E/w737-h553-no/2015-12-02.jpg"/>
+          <p:cNvPicPr>
+            <a:picLocks noChangeAspect="1" noChangeArrowheads="1"/>
+          </p:cNvPicPr>
+          <p:nvPr/>
+        </p:nvPicPr>
+        <p:blipFill>
+          <a:blip r:embed="rId3">
+            <a:extLst>
+              <a:ext uri="{28A0092B-C50C-407E-A947-70E740481C1C}">
+                <a14:useLocalDpi xmlns:a14="http://schemas.microsoft.com/office/drawing/2010/main" val="0"/>
+              </a:ext>
+            </a:extLst>
+          </a:blip>
+          <a:srcRect/>
+          <a:stretch>
+            <a:fillRect/>
+          </a:stretch>
+        </p:blipFill>
+        <p:spPr bwMode="auto">
+          <a:xfrm>
+            <a:off x="1061243" y="1351226"/>
+            <a:ext cx="7019925" cy="5267326"/>
+          </a:xfrm>
+          <a:prstGeom prst="rect">
+            <a:avLst/>
+          </a:prstGeom>
+          <a:noFill/>
+          <a:extLst>
+            <a:ext uri="{909E8E84-426E-40DD-AFC4-6F175D3DCCD1}">
+              <a14:hiddenFill xmlns:a14="http://schemas.microsoft.com/office/drawing/2010/main">
+                <a:solidFill>
+                  <a:srgbClr val="FFFFFF"/>
+                </a:solidFill>
+              </a14:hiddenFill>
+            </a:ext>
+          </a:extLst>
+        </p:spPr>
+      </p:pic>
+      <p:pic>
+        <p:nvPicPr>
+          <p:cNvPr id="3" name="Picture 2"/>
+          <p:cNvPicPr>
+            <a:picLocks noChangeAspect="1"/>
+          </p:cNvPicPr>
+          <p:nvPr/>
+        </p:nvPicPr>
+        <p:blipFill>
+          <a:blip r:embed="rId4" cstate="email">
+            <a:extLst>
+              <a:ext uri="{28A0092B-C50C-407E-A947-70E740481C1C}">
+                <a14:useLocalDpi xmlns:a14="http://schemas.microsoft.com/office/drawing/2010/main" val="0"/>
+              </a:ext>
+            </a:extLst>
+          </a:blip>
+          <a:stretch>
+            <a:fillRect/>
+          </a:stretch>
+        </p:blipFill>
+        <p:spPr>
+          <a:xfrm>
+            <a:off x="1061243" y="1351226"/>
+            <a:ext cx="7064829" cy="5267326"/>
+          </a:xfrm>
+          <a:prstGeom prst="rect">
+            <a:avLst/>
+          </a:prstGeom>
+        </p:spPr>
+      </p:pic>
+      <p:pic>
+        <p:nvPicPr>
+          <p:cNvPr id="4" name="Picture 3"/>
+          <p:cNvPicPr>
+            <a:picLocks noChangeAspect="1"/>
+          </p:cNvPicPr>
+          <p:nvPr/>
+        </p:nvPicPr>
+        <p:blipFill>
+          <a:blip r:embed="rId5" cstate="email">
+            <a:extLst>
+              <a:ext uri="{28A0092B-C50C-407E-A947-70E740481C1C}">
+                <a14:useLocalDpi xmlns:a14="http://schemas.microsoft.com/office/drawing/2010/main" val="0"/>
+              </a:ext>
+            </a:extLst>
+          </a:blip>
+          <a:stretch>
+            <a:fillRect/>
+          </a:stretch>
+        </p:blipFill>
+        <p:spPr>
+          <a:xfrm>
+            <a:off x="1061243" y="1351226"/>
+            <a:ext cx="7064829" cy="5267326"/>
+          </a:xfrm>
+          <a:prstGeom prst="rect">
+            <a:avLst/>
+          </a:prstGeom>
+        </p:spPr>
+      </p:pic>
+      <p:pic>
+        <p:nvPicPr>
+          <p:cNvPr id="5" name="Picture 4"/>
+          <p:cNvPicPr>
+            <a:picLocks noChangeAspect="1"/>
+          </p:cNvPicPr>
+          <p:nvPr/>
+        </p:nvPicPr>
+        <p:blipFill>
+          <a:blip r:embed="rId6" cstate="email">
+            <a:extLst>
+              <a:ext uri="{28A0092B-C50C-407E-A947-70E740481C1C}">
+                <a14:useLocalDpi xmlns:a14="http://schemas.microsoft.com/office/drawing/2010/main" val="0"/>
+              </a:ext>
+            </a:extLst>
+          </a:blip>
+          <a:stretch>
+            <a:fillRect/>
+          </a:stretch>
+        </p:blipFill>
+        <p:spPr>
+          <a:xfrm>
+            <a:off x="1061243" y="1351226"/>
+            <a:ext cx="7097028" cy="5291224"/>
+          </a:xfrm>
+          <a:prstGeom prst="rect">
+            <a:avLst/>
+          </a:prstGeom>
+        </p:spPr>
+      </p:pic>
+    </p:spTree>
+    <p:extLst>
+      <p:ext uri="{BB962C8B-B14F-4D97-AF65-F5344CB8AC3E}">
+        <p14:creationId xmlns:p14="http://schemas.microsoft.com/office/powerpoint/2010/main" val="3881248493"/>
+      </p:ext>
+    </p:extLst>
+  </p:cSld>
+  <p:clrMapOvr>
+    <a:masterClrMapping/>
+  </p:clrMapOvr>
+  <p:timing>
+    <p:tnLst>
+      <p:par>
+        <p:cTn id="1" dur="indefinite" restart="never" nodeType="tmRoot">
+          <p:childTnLst>
+            <p:seq concurrent="1" nextAc="seek">
+              <p:cTn id="2" dur="indefinite" nodeType="mainSeq">
+                <p:childTnLst>
+                  <p:par>
+                    <p:cTn id="3" fill="hold">
+                      <p:stCondLst>
+                        <p:cond delay="indefinite"/>
+                      </p:stCondLst>
+                      <p:childTnLst>
+                        <p:par>
+                          <p:cTn id="4" fill="hold">
+                            <p:stCondLst>
+                              <p:cond delay="0"/>
+                            </p:stCondLst>
+                            <p:childTnLst>
+                              <p:par>
+                                <p:cTn id="5" presetID="1" presetClass="entr" presetSubtype="0" fill="hold" nodeType="clickEffect">
+                                  <p:stCondLst>
+                                    <p:cond delay="0"/>
+                                  </p:stCondLst>
+                                  <p:childTnLst>
+                                    <p:set>
+                                      <p:cBhvr>
+                                        <p:cTn id="6" dur="1" fill="hold">
+                                          <p:stCondLst>
+                                            <p:cond delay="0"/>
+                                          </p:stCondLst>
+                                        </p:cTn>
+                                        <p:tgtEl>
+                                          <p:spTgt spid="1026"/>
+                                        </p:tgtEl>
+                                        <p:attrNameLst>
+                                          <p:attrName>style.visibility</p:attrName>
+                                        </p:attrNameLst>
+                                      </p:cBhvr>
+                                      <p:to>
+                                        <p:strVal val="visible"/>
+                                      </p:to>
+                                    </p:set>
+                                  </p:childTnLst>
+                                </p:cTn>
+                              </p:par>
+                            </p:childTnLst>
+                          </p:cTn>
+                        </p:par>
+                      </p:childTnLst>
+                    </p:cTn>
+                  </p:par>
+                  <p:par>
+                    <p:cTn id="7" fill="hold">
+                      <p:stCondLst>
+                        <p:cond delay="indefinite"/>
+                      </p:stCondLst>
+                      <p:childTnLst>
+                        <p:par>
+                          <p:cTn id="8" fill="hold">
+                            <p:stCondLst>
+                              <p:cond delay="0"/>
+                            </p:stCondLst>
+                            <p:childTnLst>
+                              <p:par>
+                                <p:cTn id="9" presetID="1" presetClass="entr" presetSubtype="0" fill="hold" nodeType="clickEffect">
+                                  <p:stCondLst>
+                                    <p:cond delay="0"/>
+                                  </p:stCondLst>
+                                  <p:childTnLst>
+                                    <p:set>
+                                      <p:cBhvr>
+                                        <p:cTn id="10" dur="1" fill="hold">
+                                          <p:stCondLst>
+                                            <p:cond delay="0"/>
+                                          </p:stCondLst>
+                                        </p:cTn>
+                                        <p:tgtEl>
+                                          <p:spTgt spid="3"/>
+                                        </p:tgtEl>
+                                        <p:attrNameLst>
+                                          <p:attrName>style.visibility</p:attrName>
+                                        </p:attrNameLst>
+                                      </p:cBhvr>
+                                      <p:to>
+                                        <p:strVal val="visible"/>
+                                      </p:to>
+                                    </p:set>
+                                  </p:childTnLst>
+                                </p:cTn>
+                              </p:par>
+                            </p:childTnLst>
+                          </p:cTn>
+                        </p:par>
+                      </p:childTnLst>
+                    </p:cTn>
+                  </p:par>
+                  <p:par>
+                    <p:cTn id="11" fill="hold">
+                      <p:stCondLst>
+                        <p:cond delay="indefinite"/>
+                      </p:stCondLst>
+                      <p:childTnLst>
+                        <p:par>
+                          <p:cTn id="12" fill="hold">
+                            <p:stCondLst>
+                              <p:cond delay="0"/>
+                            </p:stCondLst>
+                            <p:childTnLst>
+                              <p:par>
+                                <p:cTn id="13" presetID="1" presetClass="entr" presetSubtype="0" fill="hold" nodeType="clickEffect">
+                                  <p:stCondLst>
+                                    <p:cond delay="0"/>
+                                  </p:stCondLst>
+                                  <p:childTnLst>
+                                    <p:set>
+                                      <p:cBhvr>
+                                        <p:cTn id="14" dur="1" fill="hold">
+                                          <p:stCondLst>
+                                            <p:cond delay="0"/>
+                                          </p:stCondLst>
+                                        </p:cTn>
+                                        <p:tgtEl>
+                                          <p:spTgt spid="4"/>
+                                        </p:tgtEl>
+                                        <p:attrNameLst>
+                                          <p:attrName>style.visibility</p:attrName>
+                                        </p:attrNameLst>
+                                      </p:cBhvr>
+                                      <p:to>
+                                        <p:strVal val="visible"/>
+                                      </p:to>
+                                    </p:set>
+                                  </p:childTnLst>
+                                </p:cTn>
+                              </p:par>
+                            </p:childTnLst>
+                          </p:cTn>
+                        </p:par>
+                      </p:childTnLst>
+                    </p:cTn>
+                  </p:par>
+                  <p:par>
+                    <p:cTn id="15" fill="hold">
+                      <p:stCondLst>
+                        <p:cond delay="indefinite"/>
+                      </p:stCondLst>
+                      <p:childTnLst>
+                        <p:par>
+                          <p:cTn id="16" fill="hold">
+                            <p:stCondLst>
+                              <p:cond delay="0"/>
+                            </p:stCondLst>
+                            <p:childTnLst>
+                              <p:par>
+                                <p:cTn id="17" presetID="1" presetClass="entr" presetSubtype="0" fill="hold" nodeType="clickEffect">
+                                  <p:stCondLst>
+                                    <p:cond delay="0"/>
+                                  </p:stCondLst>
+                                  <p:childTnLst>
+                                    <p:set>
+                                      <p:cBhvr>
+                                        <p:cTn id="18" dur="1" fill="hold">
+                                          <p:stCondLst>
+                                            <p:cond delay="0"/>
+                                          </p:stCondLst>
+                                        </p:cTn>
+                                        <p:tgtEl>
+                                          <p:spTgt spid="5"/>
+                                        </p:tgtEl>
+                                        <p:attrNameLst>
+                                          <p:attrName>style.visibility</p:attrName>
+                                        </p:attrNameLst>
+                                      </p:cBhvr>
+                                      <p:to>
+                                        <p:strVal val="visible"/>
+                                      </p:to>
+                                    </p:set>
+                                  </p:childTnLst>
+                                </p:cTn>
+                              </p:par>
+                            </p:childTnLst>
+                          </p:cTn>
+                        </p:par>
+                      </p:childTnLst>
+                    </p:cTn>
+                  </p:par>
+                </p:childTnLst>
+              </p:cTn>
+              <p:prevCondLst>
+                <p:cond evt="onPrev" delay="0">
+                  <p:tgtEl>
+                    <p:sldTgt/>
+                  </p:tgtEl>
+                </p:cond>
+              </p:prevCondLst>
+              <p:nextCondLst>
+                <p:cond evt="onNext" delay="0">
+                  <p:tgtEl>
+                    <p:sldTgt/>
+                  </p:tgtEl>
+                </p:cond>
+              </p:nextCondLst>
+            </p:seq>
+          </p:childTnLst>
+        </p:cTn>
+      </p:par>
+    </p:tnLst>
+  </p:timing>
+</p:sld>
+</file>
+
+<file path=ppt/slides/slide13.xml><?xml version="1.0" encoding="utf-8"?>
+<p:sld xmlns:a="http://schemas.openxmlformats.org/drawingml/2006/main" xmlns:r="http://schemas.openxmlformats.org/officeDocument/2006/relationships" xmlns:p="http://schemas.openxmlformats.org/presentationml/2006/main">
+  <p:cSld>
+    <p:spTree>
+      <p:nvGrpSpPr>
+        <p:cNvPr id="1" name=""/>
+        <p:cNvGrpSpPr/>
+        <p:nvPr/>
+      </p:nvGrpSpPr>
+      <p:grpSpPr>
+        <a:xfrm>
+          <a:off x="0" y="0"/>
+          <a:ext cx="0" cy="0"/>
+          <a:chOff x="0" y="0"/>
+          <a:chExt cx="0" cy="0"/>
+        </a:xfrm>
+      </p:grpSpPr>
+      <p:sp>
+        <p:nvSpPr>
+          <p:cNvPr id="2" name="Title 1"/>
+          <p:cNvSpPr>
+            <a:spLocks noGrp="1"/>
+          </p:cNvSpPr>
+          <p:nvPr>
+            <p:ph type="title"/>
+          </p:nvPr>
+        </p:nvSpPr>
+        <p:spPr/>
+        <p:txBody>
+          <a:bodyPr/>
+          <a:lstStyle/>
+          <a:p>
+            <a:r>
+              <a:rPr lang="en-US" dirty="0" smtClean="0"/>
+              <a:t>Changes from Proposal</a:t>
+            </a:r>
+            <a:endParaRPr lang="en-US" dirty="0"/>
+          </a:p>
+        </p:txBody>
+      </p:sp>
+      <p:sp>
+        <p:nvSpPr>
+          <p:cNvPr id="3" name="Content Placeholder 2"/>
+          <p:cNvSpPr>
+            <a:spLocks noGrp="1"/>
+          </p:cNvSpPr>
+          <p:nvPr>
+            <p:ph idx="1"/>
+          </p:nvPr>
+        </p:nvSpPr>
+        <p:spPr/>
+        <p:txBody>
+          <a:bodyPr/>
+          <a:lstStyle/>
+          <a:p>
+            <a:r>
+              <a:rPr lang="en-US" dirty="0" smtClean="0"/>
+              <a:t>Switched from Arduino Pro Mini with an ESP8266 module to a </a:t>
+            </a:r>
+            <a:r>
+              <a:rPr lang="en-US" dirty="0" err="1" smtClean="0"/>
+              <a:t>NodeMCU</a:t>
+            </a:r>
+            <a:endParaRPr lang="en-US" dirty="0" smtClean="0"/>
+          </a:p>
+          <a:p>
+            <a:r>
+              <a:rPr lang="en-US" dirty="0" smtClean="0"/>
+              <a:t>Developed with Celery, then switched to an in-memory SQLite database</a:t>
+            </a:r>
+            <a:endParaRPr lang="en-US" dirty="0"/>
+          </a:p>
+        </p:txBody>
+      </p:sp>
+    </p:spTree>
+    <p:extLst>
+      <p:ext uri="{BB962C8B-B14F-4D97-AF65-F5344CB8AC3E}">
+        <p14:creationId xmlns:p14="http://schemas.microsoft.com/office/powerpoint/2010/main" val="2089127264"/>
+      </p:ext>
+    </p:extLst>
+  </p:cSld>
+  <p:clrMapOvr>
+    <a:masterClrMapping/>
+  </p:clrMapOvr>
+  <p:timing>
+    <p:tnLst>
+      <p:par>
+        <p:cTn id="1" dur="indefinite" restart="never" nodeType="tmRoot"/>
+      </p:par>
+    </p:tnLst>
+  </p:timing>
+</p:sld>
+</file>
+
+<file path=ppt/slides/slide14.xml><?xml version="1.0" encoding="utf-8"?>
+<p:sld xmlns:a="http://schemas.openxmlformats.org/drawingml/2006/main" xmlns:r="http://schemas.openxmlformats.org/officeDocument/2006/relationships" xmlns:p="http://schemas.openxmlformats.org/presentationml/2006/main">
+  <p:cSld>
+    <p:spTree>
+      <p:nvGrpSpPr>
+        <p:cNvPr id="1" name=""/>
+        <p:cNvGrpSpPr/>
+        <p:nvPr/>
+      </p:nvGrpSpPr>
+      <p:grpSpPr>
+        <a:xfrm>
+          <a:off x="0" y="0"/>
+          <a:ext cx="0" cy="0"/>
+          <a:chOff x="0" y="0"/>
+          <a:chExt cx="0" cy="0"/>
+        </a:xfrm>
+      </p:grpSpPr>
+      <p:sp>
+        <p:nvSpPr>
+          <p:cNvPr id="2" name="Title 1"/>
+          <p:cNvSpPr>
+            <a:spLocks noGrp="1"/>
+          </p:cNvSpPr>
+          <p:nvPr>
+            <p:ph type="title"/>
+          </p:nvPr>
+        </p:nvSpPr>
+        <p:spPr>
+          <a:xfrm>
+            <a:off x="547777" y="121023"/>
+            <a:ext cx="7770813" cy="1429871"/>
+          </a:xfrm>
+        </p:spPr>
+        <p:txBody>
+          <a:bodyPr/>
+          <a:lstStyle/>
+          <a:p>
+            <a:r>
+              <a:rPr lang="en-US" dirty="0" smtClean="0"/>
+              <a:t>Future Development</a:t>
+            </a:r>
+            <a:endParaRPr lang="en-US" dirty="0"/>
+          </a:p>
+        </p:txBody>
+      </p:sp>
+      <p:sp>
+        <p:nvSpPr>
+          <p:cNvPr id="3" name="Content Placeholder 2"/>
+          <p:cNvSpPr>
+            <a:spLocks noGrp="1"/>
+          </p:cNvSpPr>
+          <p:nvPr>
+            <p:ph idx="1"/>
+          </p:nvPr>
+        </p:nvSpPr>
+        <p:spPr/>
+        <p:txBody>
+          <a:bodyPr>
+            <a:normAutofit/>
+          </a:bodyPr>
+          <a:lstStyle/>
+          <a:p>
+            <a:r>
+              <a:rPr lang="en-US" dirty="0" smtClean="0">
+                <a:effectLst/>
+              </a:rPr>
+              <a:t>More advanced schedules/rules</a:t>
+            </a:r>
+          </a:p>
+          <a:p>
+            <a:r>
+              <a:rPr lang="en-US" dirty="0" smtClean="0">
+                <a:effectLst/>
+              </a:rPr>
+              <a:t>More advanced UI on the Node</a:t>
+            </a:r>
+          </a:p>
+          <a:p>
+            <a:r>
+              <a:rPr lang="en-US" dirty="0" smtClean="0">
+                <a:effectLst/>
+              </a:rPr>
+              <a:t>Front end could easily hook into 3</a:t>
+            </a:r>
+            <a:r>
+              <a:rPr lang="en-US" baseline="30000" dirty="0" smtClean="0">
+                <a:effectLst/>
+              </a:rPr>
+              <a:t>rd</a:t>
+            </a:r>
+            <a:r>
+              <a:rPr lang="en-US" dirty="0" smtClean="0">
+                <a:effectLst/>
+              </a:rPr>
+              <a:t> party home automation</a:t>
+            </a:r>
+          </a:p>
+          <a:p>
+            <a:pPr lvl="1"/>
+            <a:r>
+              <a:rPr lang="en-US" dirty="0" smtClean="0">
+                <a:effectLst/>
+              </a:rPr>
+              <a:t> like the Nest thermostat!</a:t>
+            </a:r>
+          </a:p>
+          <a:p>
+            <a:r>
+              <a:rPr lang="en-US" dirty="0" smtClean="0">
+                <a:effectLst/>
+              </a:rPr>
+              <a:t>Utilize  deep-sleep mode on the microcontroller</a:t>
+            </a:r>
+          </a:p>
+          <a:p>
+            <a:r>
+              <a:rPr lang="en-US" dirty="0" smtClean="0">
+                <a:effectLst/>
+              </a:rPr>
+              <a:t>Dan is not a UI designer, all the UI clearly needs work!</a:t>
+            </a:r>
+          </a:p>
+          <a:p>
+            <a:endParaRPr lang="en-US" dirty="0" smtClean="0">
+              <a:effectLst/>
+            </a:endParaRPr>
+          </a:p>
+        </p:txBody>
+      </p:sp>
+    </p:spTree>
+    <p:extLst>
+      <p:ext uri="{BB962C8B-B14F-4D97-AF65-F5344CB8AC3E}">
+        <p14:creationId xmlns:p14="http://schemas.microsoft.com/office/powerpoint/2010/main" val="1206270657"/>
+      </p:ext>
+    </p:extLst>
+  </p:cSld>
+  <p:clrMapOvr>
+    <a:masterClrMapping/>
+  </p:clrMapOvr>
+  <p:timing>
+    <p:tnLst>
+      <p:par>
+        <p:cTn id="1" dur="indefinite" restart="never" nodeType="tmRoot"/>
+      </p:par>
+    </p:tnLst>
+  </p:timing>
+</p:sld>
+</file>
+
+<file path=ppt/slides/slide15.xml><?xml version="1.0" encoding="utf-8"?>
+<p:sld xmlns:a="http://schemas.openxmlformats.org/drawingml/2006/main" xmlns:r="http://schemas.openxmlformats.org/officeDocument/2006/relationships" xmlns:p="http://schemas.openxmlformats.org/presentationml/2006/main">
+  <p:cSld>
+    <p:spTree>
+      <p:nvGrpSpPr>
+        <p:cNvPr id="1" name=""/>
+        <p:cNvGrpSpPr/>
+        <p:nvPr/>
+      </p:nvGrpSpPr>
+      <p:grpSpPr>
+        <a:xfrm>
+          <a:off x="0" y="0"/>
+          <a:ext cx="0" cy="0"/>
+          <a:chOff x="0" y="0"/>
+          <a:chExt cx="0" cy="0"/>
+        </a:xfrm>
+      </p:grpSpPr>
+      <p:sp>
+        <p:nvSpPr>
+          <p:cNvPr id="2" name="Title 1"/>
+          <p:cNvSpPr>
+            <a:spLocks noGrp="1"/>
+          </p:cNvSpPr>
+          <p:nvPr>
+            <p:ph type="title"/>
+          </p:nvPr>
+        </p:nvSpPr>
+        <p:spPr/>
+        <p:txBody>
+          <a:bodyPr/>
+          <a:lstStyle/>
+          <a:p>
+            <a:r>
+              <a:rPr lang="en-US" dirty="0" smtClean="0"/>
+              <a:t>Questions?</a:t>
+            </a:r>
+            <a:endParaRPr lang="en-US" dirty="0"/>
+          </a:p>
+        </p:txBody>
+      </p:sp>
+      <p:sp>
+        <p:nvSpPr>
+          <p:cNvPr id="3" name="Content Placeholder 2"/>
+          <p:cNvSpPr>
+            <a:spLocks noGrp="1"/>
+          </p:cNvSpPr>
+          <p:nvPr>
+            <p:ph idx="1"/>
+          </p:nvPr>
+        </p:nvSpPr>
+        <p:spPr/>
+        <p:txBody>
+          <a:bodyPr/>
+          <a:lstStyle/>
+          <a:p>
+            <a:r>
+              <a:rPr lang="en-US" dirty="0">
+                <a:effectLst/>
+              </a:rPr>
+              <a:t>Thank you to our advisor, John Kimani, for your guidance and support</a:t>
+            </a:r>
+          </a:p>
+          <a:p>
+            <a:endParaRPr lang="en-US" dirty="0"/>
+          </a:p>
+        </p:txBody>
+      </p:sp>
+    </p:spTree>
+    <p:extLst>
+      <p:ext uri="{BB962C8B-B14F-4D97-AF65-F5344CB8AC3E}">
+        <p14:creationId xmlns:p14="http://schemas.microsoft.com/office/powerpoint/2010/main" val="1079122949"/>
+      </p:ext>
+    </p:extLst>
+  </p:cSld>
+  <p:clrMapOvr>
+    <a:masterClrMapping/>
+  </p:clrMapOvr>
+  <p:timing>
+    <p:tnLst>
+      <p:par>
+        <p:cTn id="1" dur="indefinite" restart="never" nodeType="tmRoot"/>
+      </p:par>
+    </p:tnLst>
+  </p:timing>
+</p:sld>
+</file>
+
+<file path=ppt/slides/slide2.xml><?xml version="1.0" encoding="utf-8"?>
+<p:sld xmlns:a="http://schemas.openxmlformats.org/drawingml/2006/main" xmlns:r="http://schemas.openxmlformats.org/officeDocument/2006/relationships" xmlns:p="http://schemas.openxmlformats.org/presentationml/2006/main">
+  <p:cSld>
+    <p:spTree>
+      <p:nvGrpSpPr>
+        <p:cNvPr id="1" name=""/>
+        <p:cNvGrpSpPr/>
+        <p:nvPr/>
+      </p:nvGrpSpPr>
+      <p:grpSpPr>
+        <a:xfrm>
+          <a:off x="0" y="0"/>
+          <a:ext cx="0" cy="0"/>
+          <a:chOff x="0" y="0"/>
+          <a:chExt cx="0" cy="0"/>
+        </a:xfrm>
+      </p:grpSpPr>
+      <p:sp>
+        <p:nvSpPr>
+          <p:cNvPr id="2" name="Title 1"/>
+          <p:cNvSpPr>
+            <a:spLocks noGrp="1"/>
+          </p:cNvSpPr>
+          <p:nvPr>
+            <p:ph type="title"/>
+          </p:nvPr>
+        </p:nvSpPr>
+        <p:spPr/>
+        <p:txBody>
+          <a:bodyPr/>
+          <a:lstStyle/>
+          <a:p>
+            <a:r>
+              <a:rPr lang="en-US" dirty="0" smtClean="0"/>
+              <a:t>Introduction</a:t>
+            </a:r>
+            <a:endParaRPr lang="en-US" dirty="0"/>
+          </a:p>
+        </p:txBody>
+      </p:sp>
+      <p:sp>
+        <p:nvSpPr>
+          <p:cNvPr id="3" name="Content Placeholder 2"/>
+          <p:cNvSpPr>
+            <a:spLocks noGrp="1"/>
+          </p:cNvSpPr>
+          <p:nvPr>
+            <p:ph idx="1"/>
+          </p:nvPr>
+        </p:nvSpPr>
+        <p:spPr>
+          <a:xfrm>
+            <a:off x="685800" y="1869141"/>
+            <a:ext cx="7770813" cy="2031205"/>
+          </a:xfrm>
+        </p:spPr>
+        <p:txBody>
+          <a:bodyPr/>
+          <a:lstStyle/>
+          <a:p>
+            <a:r>
+              <a:rPr lang="en-US" dirty="0" err="1">
+                <a:effectLst/>
+              </a:rPr>
+              <a:t>Nosferatu</a:t>
+            </a:r>
+            <a:r>
+              <a:rPr lang="en-US" dirty="0">
+                <a:effectLst/>
+              </a:rPr>
+              <a:t> is an energy efficient, convenient new way to control your home </a:t>
+            </a:r>
+            <a:r>
+              <a:rPr lang="en-US" dirty="0" smtClean="0">
+                <a:effectLst/>
+              </a:rPr>
+              <a:t>lighting.  Bringing </a:t>
+            </a:r>
+            <a:r>
+              <a:rPr lang="en-US" dirty="0">
+                <a:effectLst/>
+              </a:rPr>
+              <a:t>Wi-Fi and motion sensors to your light switches allows you to set schedules and rules </a:t>
+            </a:r>
+            <a:r>
+              <a:rPr lang="en-US" dirty="0" smtClean="0">
+                <a:effectLst/>
+              </a:rPr>
+              <a:t>to manage </a:t>
+            </a:r>
+            <a:r>
+              <a:rPr lang="en-US" dirty="0">
+                <a:effectLst/>
+              </a:rPr>
+              <a:t>your home lighting</a:t>
+            </a:r>
+            <a:r>
+              <a:rPr lang="en-US" dirty="0" smtClean="0">
+                <a:effectLst/>
+              </a:rPr>
+              <a:t>, as well as save </a:t>
+            </a:r>
+            <a:r>
+              <a:rPr lang="en-US" dirty="0">
+                <a:effectLst/>
+              </a:rPr>
+              <a:t>money, energy and time.</a:t>
+            </a:r>
+          </a:p>
+          <a:p>
+            <a:pPr marL="0" indent="0">
+              <a:buNone/>
+            </a:pPr>
+            <a:endParaRPr lang="en-US" dirty="0"/>
+          </a:p>
+        </p:txBody>
+      </p:sp>
+      <p:pic>
+        <p:nvPicPr>
+          <p:cNvPr id="4" name="Picture 3" descr="tumblr_lp1w7deZBC1qjdk2k.gif"/>
+          <p:cNvPicPr>
+            <a:picLocks noChangeAspect="1"/>
+          </p:cNvPicPr>
+          <p:nvPr/>
+        </p:nvPicPr>
+        <p:blipFill>
+          <a:blip r:embed="rId3" cstate="email">
+            <a:extLst>
+              <a:ext uri="{28A0092B-C50C-407E-A947-70E740481C1C}">
+                <a14:useLocalDpi xmlns:a14="http://schemas.microsoft.com/office/drawing/2010/main" val="0"/>
+              </a:ext>
+            </a:extLst>
+          </a:blip>
+          <a:stretch>
+            <a:fillRect/>
+          </a:stretch>
+        </p:blipFill>
+        <p:spPr>
+          <a:xfrm>
+            <a:off x="2086356" y="3689033"/>
+            <a:ext cx="4250460" cy="2830806"/>
+          </a:xfrm>
+          <a:prstGeom prst="rect">
+            <a:avLst/>
+          </a:prstGeom>
+        </p:spPr>
+      </p:pic>
+    </p:spTree>
+    <p:extLst>
+      <p:ext uri="{BB962C8B-B14F-4D97-AF65-F5344CB8AC3E}">
+        <p14:creationId xmlns:p14="http://schemas.microsoft.com/office/powerpoint/2010/main" val="3161070435"/>
+      </p:ext>
+    </p:extLst>
+  </p:cSld>
+  <p:clrMapOvr>
+    <a:masterClrMapping/>
+  </p:clrMapOvr>
+  <p:timing>
+    <p:tnLst>
+      <p:par>
+        <p:cTn id="1" dur="indefinite" restart="never" nodeType="tmRoot"/>
+      </p:par>
+    </p:tnLst>
+  </p:timing>
+</p:sld>
+</file>
+
+<file path=ppt/slides/slide3.xml><?xml version="1.0" encoding="utf-8"?>
+<p:sld xmlns:a="http://schemas.openxmlformats.org/drawingml/2006/main" xmlns:r="http://schemas.openxmlformats.org/officeDocument/2006/relationships" xmlns:p="http://schemas.openxmlformats.org/presentationml/2006/main">
+  <p:cSld>
+    <p:spTree>
+      <p:nvGrpSpPr>
+        <p:cNvPr id="1" name=""/>
+        <p:cNvGrpSpPr/>
+        <p:nvPr/>
+      </p:nvGrpSpPr>
+      <p:grpSpPr>
+        <a:xfrm>
+          <a:off x="0" y="0"/>
+          <a:ext cx="0" cy="0"/>
+          <a:chOff x="0" y="0"/>
+          <a:chExt cx="0" cy="0"/>
+        </a:xfrm>
+      </p:grpSpPr>
+      <p:sp>
+        <p:nvSpPr>
+          <p:cNvPr id="2" name="Title 1"/>
+          <p:cNvSpPr>
+            <a:spLocks noGrp="1"/>
+          </p:cNvSpPr>
+          <p:nvPr>
+            <p:ph type="title"/>
+          </p:nvPr>
+        </p:nvSpPr>
+        <p:spPr/>
+        <p:txBody>
+          <a:bodyPr/>
+          <a:lstStyle/>
+          <a:p>
+            <a:r>
+              <a:rPr lang="en-US" dirty="0" smtClean="0"/>
+              <a:t>Design Concept</a:t>
+            </a:r>
+            <a:endParaRPr lang="en-US" dirty="0"/>
+          </a:p>
+        </p:txBody>
+      </p:sp>
+      <p:sp>
+        <p:nvSpPr>
+          <p:cNvPr id="3" name="Content Placeholder 2"/>
+          <p:cNvSpPr>
+            <a:spLocks noGrp="1"/>
+          </p:cNvSpPr>
+          <p:nvPr>
+            <p:ph idx="1"/>
+          </p:nvPr>
+        </p:nvSpPr>
+        <p:spPr/>
+        <p:txBody>
+          <a:bodyPr/>
+          <a:lstStyle/>
+          <a:p>
+            <a:r>
+              <a:rPr lang="en-US" dirty="0" smtClean="0"/>
+              <a:t>Provide an easy to use solution for home lighting</a:t>
+            </a:r>
+          </a:p>
+          <a:p>
+            <a:r>
+              <a:rPr lang="en-US" dirty="0" smtClean="0"/>
+              <a:t>Provide an easy and effective way to save energy in homes</a:t>
+            </a:r>
+          </a:p>
+          <a:p>
+            <a:r>
+              <a:rPr lang="en-US" dirty="0" smtClean="0"/>
+              <a:t>Keep the design open to be integrated with other smart devices</a:t>
+            </a:r>
+            <a:endParaRPr lang="en-US" dirty="0"/>
+          </a:p>
+        </p:txBody>
+      </p:sp>
+    </p:spTree>
+    <p:extLst>
+      <p:ext uri="{BB962C8B-B14F-4D97-AF65-F5344CB8AC3E}">
+        <p14:creationId xmlns:p14="http://schemas.microsoft.com/office/powerpoint/2010/main" val="1378707480"/>
+      </p:ext>
+    </p:extLst>
+  </p:cSld>
+  <p:clrMapOvr>
+    <a:masterClrMapping/>
+  </p:clrMapOvr>
+</p:sld>
+</file>
+
+<file path=ppt/slides/slide4.xml><?xml version="1.0" encoding="utf-8"?>
+<p:sld xmlns:a="http://schemas.openxmlformats.org/drawingml/2006/main" xmlns:r="http://schemas.openxmlformats.org/officeDocument/2006/relationships" xmlns:p="http://schemas.openxmlformats.org/presentationml/2006/main">
+  <p:cSld>
+    <p:spTree>
+      <p:nvGrpSpPr>
+        <p:cNvPr id="1" name=""/>
+        <p:cNvGrpSpPr/>
+        <p:nvPr/>
+      </p:nvGrpSpPr>
+      <p:grpSpPr>
+        <a:xfrm>
+          <a:off x="0" y="0"/>
+          <a:ext cx="0" cy="0"/>
+          <a:chOff x="0" y="0"/>
+          <a:chExt cx="0" cy="0"/>
+        </a:xfrm>
+      </p:grpSpPr>
+      <p:sp>
+        <p:nvSpPr>
+          <p:cNvPr id="2" name="Title 1"/>
+          <p:cNvSpPr>
+            <a:spLocks noGrp="1"/>
+          </p:cNvSpPr>
+          <p:nvPr>
+            <p:ph type="title"/>
+          </p:nvPr>
+        </p:nvSpPr>
+        <p:spPr/>
+        <p:txBody>
+          <a:bodyPr>
+            <a:normAutofit/>
+          </a:bodyPr>
+          <a:lstStyle/>
+          <a:p>
+            <a:r>
+              <a:rPr lang="en-US" dirty="0" smtClean="0"/>
+              <a:t>Hardware Layout</a:t>
+            </a:r>
+            <a:endParaRPr lang="en-US" dirty="0"/>
+          </a:p>
+        </p:txBody>
+      </p:sp>
+      <p:pic>
+        <p:nvPicPr>
+          <p:cNvPr id="6" name="Picture 5"/>
+          <p:cNvPicPr>
+            <a:picLocks noChangeAspect="1"/>
+          </p:cNvPicPr>
+          <p:nvPr/>
+        </p:nvPicPr>
+        <p:blipFill>
+          <a:blip r:embed="rId3"/>
+          <a:stretch>
+            <a:fillRect/>
+          </a:stretch>
+        </p:blipFill>
+        <p:spPr>
+          <a:xfrm>
+            <a:off x="0" y="1308754"/>
+            <a:ext cx="9144000" cy="5549247"/>
+          </a:xfrm>
+          <a:prstGeom prst="rect">
+            <a:avLst/>
+          </a:prstGeom>
+        </p:spPr>
+      </p:pic>
+      <p:sp>
+        <p:nvSpPr>
+          <p:cNvPr id="3" name="Rectangle 2"/>
+          <p:cNvSpPr/>
+          <p:nvPr/>
+        </p:nvSpPr>
+        <p:spPr>
+          <a:xfrm>
+            <a:off x="-1587" y="1429824"/>
+            <a:ext cx="6305909" cy="1727744"/>
+          </a:xfrm>
+          <a:prstGeom prst="rect">
+            <a:avLst/>
+          </a:prstGeom>
+          <a:solidFill>
+            <a:schemeClr val="tx1"/>
+          </a:solidFill>
+          <a:ln>
+            <a:solidFill>
+              <a:schemeClr val="tx1"/>
+            </a:solidFill>
+          </a:ln>
+          <a:effectLst/>
+        </p:spPr>
+        <p:style>
+          <a:lnRef idx="1">
+            <a:schemeClr val="accent1"/>
+          </a:lnRef>
+          <a:fillRef idx="3">
+            <a:schemeClr val="accent1"/>
+          </a:fillRef>
+          <a:effectRef idx="2">
+            <a:schemeClr val="accent1"/>
+          </a:effectRef>
+          <a:fontRef idx="minor">
+            <a:schemeClr val="lt1"/>
+          </a:fontRef>
+        </p:style>
+        <p:txBody>
+          <a:bodyPr rtlCol="0" anchor="ctr"/>
+          <a:lstStyle/>
+          <a:p>
+            <a:pPr algn="ctr"/>
+            <a:endParaRPr lang="en-US"/>
+          </a:p>
+        </p:txBody>
+      </p:sp>
+      <p:sp>
+        <p:nvSpPr>
+          <p:cNvPr id="5" name="Rectangle 4"/>
+          <p:cNvSpPr/>
+          <p:nvPr/>
+        </p:nvSpPr>
+        <p:spPr>
+          <a:xfrm>
+            <a:off x="-1" y="3036497"/>
+            <a:ext cx="6305909" cy="3821503"/>
+          </a:xfrm>
+          <a:prstGeom prst="rect">
+            <a:avLst/>
+          </a:prstGeom>
+          <a:solidFill>
+            <a:schemeClr val="tx1"/>
+          </a:solidFill>
+          <a:ln>
+            <a:solidFill>
+              <a:schemeClr val="tx1"/>
+            </a:solidFill>
+          </a:ln>
+          <a:effectLst/>
+        </p:spPr>
+        <p:style>
+          <a:lnRef idx="1">
+            <a:schemeClr val="accent1"/>
+          </a:lnRef>
+          <a:fillRef idx="3">
+            <a:schemeClr val="accent1"/>
+          </a:fillRef>
+          <a:effectRef idx="2">
+            <a:schemeClr val="accent1"/>
+          </a:effectRef>
+          <a:fontRef idx="minor">
+            <a:schemeClr val="lt1"/>
+          </a:fontRef>
+        </p:style>
+        <p:txBody>
+          <a:bodyPr rtlCol="0" anchor="ctr"/>
+          <a:lstStyle/>
+          <a:p>
+            <a:pPr algn="ctr"/>
+            <a:endParaRPr lang="en-US" dirty="0"/>
+          </a:p>
+        </p:txBody>
+      </p:sp>
+      <p:sp>
+        <p:nvSpPr>
+          <p:cNvPr id="7" name="Rectangle 6"/>
+          <p:cNvSpPr/>
+          <p:nvPr/>
+        </p:nvSpPr>
+        <p:spPr>
+          <a:xfrm>
+            <a:off x="6305909" y="1308754"/>
+            <a:ext cx="2838091" cy="2245329"/>
+          </a:xfrm>
+          <a:prstGeom prst="rect">
+            <a:avLst/>
+          </a:prstGeom>
+          <a:solidFill>
+            <a:schemeClr val="tx1"/>
+          </a:solidFill>
+          <a:ln>
+            <a:solidFill>
+              <a:schemeClr val="tx1"/>
+            </a:solidFill>
+          </a:ln>
+          <a:effectLst/>
+        </p:spPr>
+        <p:style>
+          <a:lnRef idx="1">
+            <a:schemeClr val="accent1"/>
+          </a:lnRef>
+          <a:fillRef idx="3">
+            <a:schemeClr val="accent1"/>
+          </a:fillRef>
+          <a:effectRef idx="2">
+            <a:schemeClr val="accent1"/>
+          </a:effectRef>
+          <a:fontRef idx="minor">
+            <a:schemeClr val="lt1"/>
+          </a:fontRef>
+        </p:style>
+        <p:txBody>
+          <a:bodyPr rtlCol="0" anchor="ctr"/>
+          <a:lstStyle/>
+          <a:p>
+            <a:pPr algn="ctr"/>
+            <a:endParaRPr lang="en-US"/>
+          </a:p>
+        </p:txBody>
+      </p:sp>
+      <p:sp>
+        <p:nvSpPr>
+          <p:cNvPr id="8" name="Rectangle 7"/>
+          <p:cNvSpPr/>
+          <p:nvPr/>
+        </p:nvSpPr>
+        <p:spPr>
+          <a:xfrm>
+            <a:off x="6305909" y="3554083"/>
+            <a:ext cx="2838091" cy="3303917"/>
+          </a:xfrm>
+          <a:prstGeom prst="rect">
+            <a:avLst/>
+          </a:prstGeom>
+          <a:solidFill>
+            <a:schemeClr val="tx1"/>
+          </a:solidFill>
+          <a:ln>
+            <a:solidFill>
+              <a:schemeClr val="tx1"/>
+            </a:solidFill>
+          </a:ln>
+          <a:effectLst/>
+        </p:spPr>
+        <p:style>
+          <a:lnRef idx="1">
+            <a:schemeClr val="accent1"/>
+          </a:lnRef>
+          <a:fillRef idx="3">
+            <a:schemeClr val="accent1"/>
+          </a:fillRef>
+          <a:effectRef idx="2">
+            <a:schemeClr val="accent1"/>
+          </a:effectRef>
+          <a:fontRef idx="minor">
+            <a:schemeClr val="lt1"/>
+          </a:fontRef>
+        </p:style>
+        <p:txBody>
+          <a:bodyPr rtlCol="0" anchor="ctr"/>
+          <a:lstStyle/>
+          <a:p>
+            <a:pPr algn="ctr"/>
+            <a:endParaRPr lang="en-US"/>
+          </a:p>
+        </p:txBody>
+      </p:sp>
+    </p:spTree>
+    <p:extLst>
+      <p:ext uri="{BB962C8B-B14F-4D97-AF65-F5344CB8AC3E}">
+        <p14:creationId xmlns:p14="http://schemas.microsoft.com/office/powerpoint/2010/main" val="4287587443"/>
+      </p:ext>
+    </p:extLst>
+  </p:cSld>
+  <p:clrMapOvr>
+    <a:masterClrMapping/>
+  </p:clrMapOvr>
+  <p:timing>
+    <p:tnLst>
+      <p:par>
+        <p:cTn id="1" dur="indefinite" restart="never" nodeType="tmRoot">
+          <p:childTnLst>
+            <p:seq concurrent="1" nextAc="seek">
+              <p:cTn id="2" dur="indefinite" nodeType="mainSeq">
+                <p:childTnLst>
+                  <p:par>
+                    <p:cTn id="3" fill="hold">
+                      <p:stCondLst>
+                        <p:cond delay="indefinite"/>
+                      </p:stCondLst>
+                      <p:childTnLst>
+                        <p:par>
+                          <p:cTn id="4" fill="hold">
+                            <p:stCondLst>
+                              <p:cond delay="0"/>
+                            </p:stCondLst>
+                            <p:childTnLst>
+                              <p:par>
+                                <p:cTn id="5" presetID="10" presetClass="exit" presetSubtype="0" fill="hold" grpId="0" nodeType="clickEffect">
+                                  <p:stCondLst>
+                                    <p:cond delay="0"/>
+                                  </p:stCondLst>
+                                  <p:childTnLst>
+                                    <p:animEffect transition="out" filter="fade">
+                                      <p:cBhvr>
+                                        <p:cTn id="6" dur="500"/>
+                                        <p:tgtEl>
+                                          <p:spTgt spid="7"/>
+                                        </p:tgtEl>
+                                      </p:cBhvr>
+                                    </p:animEffect>
+                                    <p:set>
+                                      <p:cBhvr>
+                                        <p:cTn id="7" dur="1" fill="hold">
+                                          <p:stCondLst>
+                                            <p:cond delay="499"/>
+                                          </p:stCondLst>
+                                        </p:cTn>
+                                        <p:tgtEl>
+                                          <p:spTgt spid="7"/>
+                                        </p:tgtEl>
+                                        <p:attrNameLst>
+                                          <p:attrName>style.visibility</p:attrName>
+                                        </p:attrNameLst>
+                                      </p:cBhvr>
+                                      <p:to>
+                                        <p:strVal val="hidden"/>
+                                      </p:to>
+                                    </p:set>
+                                  </p:childTnLst>
+                                </p:cTn>
+                              </p:par>
+                            </p:childTnLst>
+                          </p:cTn>
+                        </p:par>
+                      </p:childTnLst>
+                    </p:cTn>
+                  </p:par>
+                  <p:par>
+                    <p:cTn id="8" fill="hold">
+                      <p:stCondLst>
+                        <p:cond delay="indefinite"/>
+                      </p:stCondLst>
+                      <p:childTnLst>
+                        <p:par>
+                          <p:cTn id="9" fill="hold">
+                            <p:stCondLst>
+                              <p:cond delay="0"/>
+                            </p:stCondLst>
+                            <p:childTnLst>
+                              <p:par>
+                                <p:cTn id="10" presetID="10" presetClass="exit" presetSubtype="0" fill="hold" grpId="0" nodeType="clickEffect">
+                                  <p:stCondLst>
+                                    <p:cond delay="0"/>
+                                  </p:stCondLst>
+                                  <p:childTnLst>
+                                    <p:animEffect transition="out" filter="fade">
+                                      <p:cBhvr>
+                                        <p:cTn id="11" dur="500"/>
+                                        <p:tgtEl>
+                                          <p:spTgt spid="3"/>
+                                        </p:tgtEl>
+                                      </p:cBhvr>
+                                    </p:animEffect>
+                                    <p:set>
+                                      <p:cBhvr>
+                                        <p:cTn id="12" dur="1" fill="hold">
+                                          <p:stCondLst>
+                                            <p:cond delay="499"/>
+                                          </p:stCondLst>
+                                        </p:cTn>
+                                        <p:tgtEl>
+                                          <p:spTgt spid="3"/>
+                                        </p:tgtEl>
+                                        <p:attrNameLst>
+                                          <p:attrName>style.visibility</p:attrName>
+                                        </p:attrNameLst>
+                                      </p:cBhvr>
+                                      <p:to>
+                                        <p:strVal val="hidden"/>
+                                      </p:to>
+                                    </p:set>
+                                  </p:childTnLst>
+                                </p:cTn>
+                              </p:par>
+                            </p:childTnLst>
+                          </p:cTn>
+                        </p:par>
+                      </p:childTnLst>
+                    </p:cTn>
+                  </p:par>
+                  <p:par>
+                    <p:cTn id="13" fill="hold">
+                      <p:stCondLst>
+                        <p:cond delay="indefinite"/>
+                      </p:stCondLst>
+                      <p:childTnLst>
+                        <p:par>
+                          <p:cTn id="14" fill="hold">
+                            <p:stCondLst>
+                              <p:cond delay="0"/>
+                            </p:stCondLst>
+                            <p:childTnLst>
+                              <p:par>
+                                <p:cTn id="15" presetID="10" presetClass="exit" presetSubtype="0" fill="hold" grpId="0" nodeType="clickEffect">
+                                  <p:stCondLst>
+                                    <p:cond delay="0"/>
+                                  </p:stCondLst>
+                                  <p:childTnLst>
+                                    <p:animEffect transition="out" filter="fade">
+                                      <p:cBhvr>
+                                        <p:cTn id="16" dur="500"/>
+                                        <p:tgtEl>
+                                          <p:spTgt spid="5"/>
+                                        </p:tgtEl>
+                                      </p:cBhvr>
+                                    </p:animEffect>
+                                    <p:set>
+                                      <p:cBhvr>
+                                        <p:cTn id="17" dur="1" fill="hold">
+                                          <p:stCondLst>
+                                            <p:cond delay="499"/>
+                                          </p:stCondLst>
+                                        </p:cTn>
+                                        <p:tgtEl>
+                                          <p:spTgt spid="5"/>
+                                        </p:tgtEl>
+                                        <p:attrNameLst>
+                                          <p:attrName>style.visibility</p:attrName>
+                                        </p:attrNameLst>
+                                      </p:cBhvr>
+                                      <p:to>
+                                        <p:strVal val="hidden"/>
+                                      </p:to>
+                                    </p:set>
+                                  </p:childTnLst>
+                                </p:cTn>
+                              </p:par>
+                            </p:childTnLst>
+                          </p:cTn>
+                        </p:par>
+                      </p:childTnLst>
+                    </p:cTn>
+                  </p:par>
+                  <p:par>
+                    <p:cTn id="18" fill="hold">
+                      <p:stCondLst>
+                        <p:cond delay="indefinite"/>
+                      </p:stCondLst>
+                      <p:childTnLst>
+                        <p:par>
+                          <p:cTn id="19" fill="hold">
+                            <p:stCondLst>
+                              <p:cond delay="0"/>
+                            </p:stCondLst>
+                            <p:childTnLst>
+                              <p:par>
+                                <p:cTn id="20" presetID="10" presetClass="exit" presetSubtype="0" fill="hold" grpId="0" nodeType="clickEffect">
+                                  <p:stCondLst>
+                                    <p:cond delay="0"/>
+                                  </p:stCondLst>
+                                  <p:childTnLst>
+                                    <p:animEffect transition="out" filter="fade">
+                                      <p:cBhvr>
+                                        <p:cTn id="21" dur="500"/>
+                                        <p:tgtEl>
+                                          <p:spTgt spid="8"/>
+                                        </p:tgtEl>
+                                      </p:cBhvr>
+                                    </p:animEffect>
+                                    <p:set>
+                                      <p:cBhvr>
+                                        <p:cTn id="22" dur="1" fill="hold">
+                                          <p:stCondLst>
+                                            <p:cond delay="499"/>
+                                          </p:stCondLst>
+                                        </p:cTn>
+                                        <p:tgtEl>
+                                          <p:spTgt spid="8"/>
+                                        </p:tgtEl>
+                                        <p:attrNameLst>
+                                          <p:attrName>style.visibility</p:attrName>
+                                        </p:attrNameLst>
+                                      </p:cBhvr>
+                                      <p:to>
+                                        <p:strVal val="hidden"/>
+                                      </p:to>
+                                    </p:set>
+                                  </p:childTnLst>
+                                </p:cTn>
+                              </p:par>
+                            </p:childTnLst>
+                          </p:cTn>
+                        </p:par>
+                      </p:childTnLst>
+                    </p:cTn>
+                  </p:par>
+                </p:childTnLst>
+              </p:cTn>
+              <p:prevCondLst>
+                <p:cond evt="onPrev" delay="0">
+                  <p:tgtEl>
+                    <p:sldTgt/>
+                  </p:tgtEl>
+                </p:cond>
+              </p:prevCondLst>
+              <p:nextCondLst>
+                <p:cond evt="onNext" delay="0">
+                  <p:tgtEl>
+                    <p:sldTgt/>
+                  </p:tgtEl>
+                </p:cond>
+              </p:nextCondLst>
+            </p:seq>
+          </p:childTnLst>
+        </p:cTn>
+      </p:par>
+    </p:tnLst>
+    <p:bldLst>
+      <p:bldP spid="3" grpId="0" animBg="1"/>
+      <p:bldP spid="5" grpId="0" animBg="1"/>
+      <p:bldP spid="7" grpId="0" animBg="1"/>
+      <p:bldP spid="8" grpId="0" animBg="1"/>
+    </p:bldLst>
+  </p:timing>
+</p:sld>
+</file>
+
+<file path=ppt/slides/slide5.xml><?xml version="1.0" encoding="utf-8"?>
+<p:sld xmlns:a="http://schemas.openxmlformats.org/drawingml/2006/main" xmlns:r="http://schemas.openxmlformats.org/officeDocument/2006/relationships" xmlns:p="http://schemas.openxmlformats.org/presentationml/2006/main">
+  <p:cSld>
+    <p:spTree>
+      <p:nvGrpSpPr>
+        <p:cNvPr id="1" name=""/>
+        <p:cNvGrpSpPr/>
+        <p:nvPr/>
+      </p:nvGrpSpPr>
+      <p:grpSpPr>
+        <a:xfrm>
+          <a:off x="0" y="0"/>
+          <a:ext cx="0" cy="0"/>
+          <a:chOff x="0" y="0"/>
+          <a:chExt cx="0" cy="0"/>
+        </a:xfrm>
+      </p:grpSpPr>
+      <p:pic>
+        <p:nvPicPr>
+          <p:cNvPr id="6" name="Picture 5"/>
+          <p:cNvPicPr>
+            <a:picLocks noChangeAspect="1"/>
+          </p:cNvPicPr>
+          <p:nvPr/>
+        </p:nvPicPr>
+        <p:blipFill>
+          <a:blip r:embed="rId3"/>
+          <a:stretch>
+            <a:fillRect/>
+          </a:stretch>
+        </p:blipFill>
+        <p:spPr>
+          <a:xfrm>
+            <a:off x="1370134" y="1691085"/>
+            <a:ext cx="6340794" cy="4309665"/>
+          </a:xfrm>
+          <a:prstGeom prst="rect">
+            <a:avLst/>
+          </a:prstGeom>
+        </p:spPr>
+      </p:pic>
+      <p:sp>
+        <p:nvSpPr>
+          <p:cNvPr id="4" name="Title 1"/>
+          <p:cNvSpPr txBox="1">
+            <a:spLocks/>
+          </p:cNvSpPr>
+          <p:nvPr/>
+        </p:nvSpPr>
+        <p:spPr>
+          <a:xfrm>
+            <a:off x="685800" y="121023"/>
+            <a:ext cx="7770813" cy="1429871"/>
+          </a:xfrm>
+          <a:prstGeom prst="rect">
+            <a:avLst/>
+          </a:prstGeom>
+        </p:spPr>
+        <p:txBody>
+          <a:bodyPr vert="horz" lIns="91440" tIns="45720" rIns="91440" bIns="45720" rtlCol="0" anchor="b" anchorCtr="0">
+            <a:normAutofit/>
+          </a:bodyPr>
+          <a:lstStyle>
+            <a:lvl1pPr algn="ctr" defTabSz="914400" rtl="0" eaLnBrk="1" latinLnBrk="0" hangingPunct="1">
+              <a:spcBef>
+                <a:spcPct val="0"/>
+              </a:spcBef>
+              <a:buNone/>
+              <a:defRPr sz="5400" kern="1200">
+                <a:solidFill>
+                  <a:schemeClr val="tx1"/>
+                </a:solidFill>
+                <a:effectLst>
+                  <a:outerShdw blurRad="50800" dist="50800" dir="5400000" sx="101000" sy="101000" algn="t" rotWithShape="0">
+                    <a:prstClr val="black">
+                      <a:alpha val="40000"/>
+                    </a:prstClr>
+                  </a:outerShdw>
+                </a:effectLst>
+                <a:latin typeface="+mj-lt"/>
+                <a:ea typeface="+mj-ea"/>
+                <a:cs typeface="+mj-cs"/>
+              </a:defRPr>
+            </a:lvl1pPr>
+          </a:lstStyle>
+          <a:p>
+            <a:r>
+              <a:rPr lang="en-US" dirty="0" smtClean="0"/>
+              <a:t>Hardware Schematic</a:t>
+            </a:r>
+            <a:endParaRPr lang="en-US" dirty="0"/>
+          </a:p>
+        </p:txBody>
+      </p:sp>
+    </p:spTree>
+    <p:extLst>
+      <p:ext uri="{BB962C8B-B14F-4D97-AF65-F5344CB8AC3E}">
+        <p14:creationId xmlns:p14="http://schemas.microsoft.com/office/powerpoint/2010/main" val="2034512440"/>
+      </p:ext>
+    </p:extLst>
+  </p:cSld>
+  <p:clrMapOvr>
+    <a:masterClrMapping/>
+  </p:clrMapOvr>
+  <p:timing>
+    <p:tnLst>
+      <p:par>
+        <p:cTn id="1" dur="indefinite" restart="never" nodeType="tmRoot"/>
+      </p:par>
+    </p:tnLst>
+  </p:timing>
+</p:sld>
+</file>
+
+<file path=ppt/slides/slide6.xml><?xml version="1.0" encoding="utf-8"?>
+<p:sld xmlns:a="http://schemas.openxmlformats.org/drawingml/2006/main" xmlns:r="http://schemas.openxmlformats.org/officeDocument/2006/relationships" xmlns:p="http://schemas.openxmlformats.org/presentationml/2006/main">
+  <p:cSld>
+    <p:spTree>
+      <p:nvGrpSpPr>
+        <p:cNvPr id="1" name=""/>
+        <p:cNvGrpSpPr/>
+        <p:nvPr/>
+      </p:nvGrpSpPr>
+      <p:grpSpPr>
+        <a:xfrm>
+          <a:off x="0" y="0"/>
+          <a:ext cx="0" cy="0"/>
+          <a:chOff x="0" y="0"/>
+          <a:chExt cx="0" cy="0"/>
+        </a:xfrm>
+      </p:grpSpPr>
+      <p:pic>
+        <p:nvPicPr>
+          <p:cNvPr id="5" name="Picture 4"/>
+          <p:cNvPicPr>
+            <a:picLocks noChangeAspect="1"/>
+          </p:cNvPicPr>
+          <p:nvPr/>
+        </p:nvPicPr>
+        <p:blipFill>
+          <a:blip r:embed="rId3"/>
+          <a:stretch>
+            <a:fillRect/>
+          </a:stretch>
+        </p:blipFill>
+        <p:spPr>
+          <a:xfrm>
+            <a:off x="1608332" y="2249725"/>
+            <a:ext cx="5812805" cy="2807494"/>
+          </a:xfrm>
+          <a:prstGeom prst="rect">
+            <a:avLst/>
+          </a:prstGeom>
+        </p:spPr>
+      </p:pic>
+      <p:sp>
+        <p:nvSpPr>
+          <p:cNvPr id="6" name="Title 1"/>
+          <p:cNvSpPr txBox="1">
+            <a:spLocks/>
+          </p:cNvSpPr>
+          <p:nvPr/>
+        </p:nvSpPr>
+        <p:spPr>
+          <a:xfrm>
+            <a:off x="685800" y="121023"/>
+            <a:ext cx="7770813" cy="1429871"/>
+          </a:xfrm>
+          <a:prstGeom prst="rect">
+            <a:avLst/>
+          </a:prstGeom>
+        </p:spPr>
+        <p:txBody>
+          <a:bodyPr vert="horz" lIns="91440" tIns="45720" rIns="91440" bIns="45720" rtlCol="0" anchor="b" anchorCtr="0">
+            <a:normAutofit/>
+          </a:bodyPr>
+          <a:lstStyle>
+            <a:lvl1pPr algn="ctr" defTabSz="914400" rtl="0" eaLnBrk="1" latinLnBrk="0" hangingPunct="1">
+              <a:spcBef>
+                <a:spcPct val="0"/>
+              </a:spcBef>
+              <a:buNone/>
+              <a:defRPr sz="5400" kern="1200">
+                <a:solidFill>
+                  <a:schemeClr val="tx1"/>
+                </a:solidFill>
+                <a:effectLst>
+                  <a:outerShdw blurRad="50800" dist="50800" dir="5400000" sx="101000" sy="101000" algn="t" rotWithShape="0">
+                    <a:prstClr val="black">
+                      <a:alpha val="40000"/>
+                    </a:prstClr>
+                  </a:outerShdw>
+                </a:effectLst>
+                <a:latin typeface="+mj-lt"/>
+                <a:ea typeface="+mj-ea"/>
+                <a:cs typeface="+mj-cs"/>
+              </a:defRPr>
+            </a:lvl1pPr>
+          </a:lstStyle>
+          <a:p>
+            <a:r>
+              <a:rPr lang="en-US" dirty="0" smtClean="0"/>
+              <a:t>Relay Schematic</a:t>
+            </a:r>
+            <a:endParaRPr lang="en-US" dirty="0"/>
+          </a:p>
+        </p:txBody>
+      </p:sp>
+    </p:spTree>
+    <p:extLst>
+      <p:ext uri="{BB962C8B-B14F-4D97-AF65-F5344CB8AC3E}">
+        <p14:creationId xmlns:p14="http://schemas.microsoft.com/office/powerpoint/2010/main" val="1173152934"/>
+      </p:ext>
+    </p:extLst>
+  </p:cSld>
+  <p:clrMapOvr>
+    <a:masterClrMapping/>
+  </p:clrMapOvr>
+  <p:timing>
+    <p:tnLst>
+      <p:par>
+        <p:cTn id="1" dur="indefinite" restart="never" nodeType="tmRoot"/>
+      </p:par>
+    </p:tnLst>
+  </p:timing>
+</p:sld>
+</file>
+
+<file path=ppt/slides/slide7.xml><?xml version="1.0" encoding="utf-8"?>
+<p:sld xmlns:a="http://schemas.openxmlformats.org/drawingml/2006/main" xmlns:r="http://schemas.openxmlformats.org/officeDocument/2006/relationships" xmlns:p="http://schemas.openxmlformats.org/presentationml/2006/main">
+  <p:cSld>
+    <p:spTree>
+      <p:nvGrpSpPr>
+        <p:cNvPr id="1" name=""/>
+        <p:cNvGrpSpPr/>
+        <p:nvPr/>
+      </p:nvGrpSpPr>
+      <p:grpSpPr>
+        <a:xfrm>
+          <a:off x="0" y="0"/>
+          <a:ext cx="0" cy="0"/>
+          <a:chOff x="0" y="0"/>
+          <a:chExt cx="0" cy="0"/>
+        </a:xfrm>
+      </p:grpSpPr>
+      <p:sp>
+        <p:nvSpPr>
+          <p:cNvPr id="2" name="Title 1"/>
+          <p:cNvSpPr>
+            <a:spLocks noGrp="1"/>
+          </p:cNvSpPr>
+          <p:nvPr>
+            <p:ph type="title"/>
+          </p:nvPr>
+        </p:nvSpPr>
+        <p:spPr/>
+        <p:txBody>
+          <a:bodyPr/>
+          <a:lstStyle/>
+          <a:p>
+            <a:r>
+              <a:rPr lang="en-US" dirty="0" smtClean="0"/>
+              <a:t>Firmware</a:t>
+            </a:r>
+            <a:endParaRPr lang="en-US" dirty="0"/>
+          </a:p>
+        </p:txBody>
+      </p:sp>
+      <p:sp>
+        <p:nvSpPr>
+          <p:cNvPr id="3" name="Content Placeholder 2"/>
+          <p:cNvSpPr>
+            <a:spLocks noGrp="1"/>
+          </p:cNvSpPr>
+          <p:nvPr>
+            <p:ph idx="1"/>
+          </p:nvPr>
+        </p:nvSpPr>
+        <p:spPr/>
+        <p:txBody>
+          <a:bodyPr>
+            <a:normAutofit fontScale="92500" lnSpcReduction="10000"/>
+          </a:bodyPr>
+          <a:lstStyle/>
+          <a:p>
+            <a:r>
+              <a:rPr lang="en-US" dirty="0" smtClean="0"/>
+              <a:t>Developed with Arduino IDE</a:t>
+            </a:r>
+          </a:p>
+          <a:p>
+            <a:pPr lvl="1"/>
+            <a:r>
+              <a:rPr lang="en-US" dirty="0" smtClean="0"/>
+              <a:t>C/C++ Based</a:t>
+            </a:r>
+          </a:p>
+          <a:p>
+            <a:r>
+              <a:rPr lang="en-US" dirty="0" smtClean="0"/>
+              <a:t>Built in </a:t>
+            </a:r>
+            <a:r>
+              <a:rPr lang="en-US" dirty="0" err="1" smtClean="0"/>
+              <a:t>WiFi</a:t>
+            </a:r>
+            <a:r>
+              <a:rPr lang="en-US" dirty="0" smtClean="0"/>
+              <a:t> to board utilize multiple user libraries</a:t>
+            </a:r>
+          </a:p>
+          <a:p>
+            <a:r>
+              <a:rPr lang="en-US" dirty="0" smtClean="0"/>
+              <a:t>Digital control over all I/O such as:</a:t>
+            </a:r>
+          </a:p>
+          <a:p>
+            <a:pPr lvl="1"/>
+            <a:r>
+              <a:rPr lang="en-US" dirty="0" smtClean="0"/>
+              <a:t>Relay to control lights</a:t>
+            </a:r>
+          </a:p>
+          <a:p>
+            <a:pPr lvl="1"/>
+            <a:r>
+              <a:rPr lang="en-US" dirty="0" smtClean="0"/>
+              <a:t>Motion Control</a:t>
+            </a:r>
+          </a:p>
+          <a:p>
+            <a:pPr lvl="1"/>
+            <a:r>
+              <a:rPr lang="en-US" dirty="0" smtClean="0"/>
+              <a:t>Manual Control</a:t>
+            </a:r>
+          </a:p>
+          <a:p>
+            <a:r>
+              <a:rPr lang="en-US" dirty="0" smtClean="0"/>
+              <a:t>Built in file system</a:t>
+            </a:r>
+          </a:p>
+          <a:p>
+            <a:pPr lvl="1"/>
+            <a:r>
+              <a:rPr lang="en-US" dirty="0" smtClean="0"/>
+              <a:t>Used to store files for backup, or hosting more advanced forms</a:t>
+            </a:r>
+          </a:p>
+          <a:p>
+            <a:r>
+              <a:rPr lang="en-US" dirty="0" smtClean="0"/>
+              <a:t>LUA and Micro Python interpreters for scripting</a:t>
+            </a:r>
+            <a:endParaRPr lang="en-US" dirty="0"/>
+          </a:p>
+        </p:txBody>
+      </p:sp>
+    </p:spTree>
+    <p:extLst>
+      <p:ext uri="{BB962C8B-B14F-4D97-AF65-F5344CB8AC3E}">
+        <p14:creationId xmlns:p14="http://schemas.microsoft.com/office/powerpoint/2010/main" val="1231492197"/>
+      </p:ext>
+    </p:extLst>
+  </p:cSld>
+  <p:clrMapOvr>
+    <a:masterClrMapping/>
+  </p:clrMapOvr>
+  <p:timing>
+    <p:tnLst>
+      <p:par>
+        <p:cTn id="1" dur="indefinite" restart="never" nodeType="tmRoot"/>
+      </p:par>
+    </p:tnLst>
+  </p:timing>
+</p:sld>
+</file>
+
+<file path=ppt/slides/slide8.xml><?xml version="1.0" encoding="utf-8"?>
+<p:sld xmlns:a="http://schemas.openxmlformats.org/drawingml/2006/main" xmlns:r="http://schemas.openxmlformats.org/officeDocument/2006/relationships" xmlns:p="http://schemas.openxmlformats.org/presentationml/2006/main">
+  <p:cSld>
+    <p:spTree>
+      <p:nvGrpSpPr>
+        <p:cNvPr id="1" name=""/>
+        <p:cNvGrpSpPr/>
+        <p:nvPr/>
+      </p:nvGrpSpPr>
+      <p:grpSpPr>
+        <a:xfrm>
+          <a:off x="0" y="0"/>
+          <a:ext cx="0" cy="0"/>
+          <a:chOff x="0" y="0"/>
+          <a:chExt cx="0" cy="0"/>
+        </a:xfrm>
+      </p:grpSpPr>
+      <p:sp>
+        <p:nvSpPr>
+          <p:cNvPr id="2" name="Title 1"/>
+          <p:cNvSpPr>
+            <a:spLocks noGrp="1"/>
+          </p:cNvSpPr>
+          <p:nvPr>
+            <p:ph type="title"/>
+          </p:nvPr>
+        </p:nvSpPr>
+        <p:spPr/>
+        <p:txBody>
+          <a:bodyPr/>
+          <a:lstStyle/>
+          <a:p>
+            <a:r>
+              <a:rPr lang="en-US" dirty="0" smtClean="0"/>
+              <a:t>Initial User Setup</a:t>
+            </a:r>
+            <a:endParaRPr lang="en-US" dirty="0"/>
+          </a:p>
+        </p:txBody>
+      </p:sp>
+      <p:sp>
+        <p:nvSpPr>
+          <p:cNvPr id="3" name="Content Placeholder 2"/>
+          <p:cNvSpPr>
+            <a:spLocks noGrp="1"/>
+          </p:cNvSpPr>
+          <p:nvPr>
+            <p:ph idx="1"/>
+          </p:nvPr>
+        </p:nvSpPr>
+        <p:spPr>
+          <a:xfrm>
+            <a:off x="470647" y="1356052"/>
+            <a:ext cx="8332694" cy="1333360"/>
+          </a:xfrm>
+        </p:spPr>
+        <p:txBody>
+          <a:bodyPr/>
+          <a:lstStyle/>
+          <a:p>
+            <a:r>
+              <a:rPr lang="en-US" dirty="0" smtClean="0"/>
+              <a:t>If Node is not paired with a server, a basic webpage will be hosted for the user to input the SSID and Password of the server’s connection point</a:t>
+            </a:r>
+            <a:endParaRPr lang="en-US" dirty="0"/>
+          </a:p>
+        </p:txBody>
+      </p:sp>
+      <p:pic>
+        <p:nvPicPr>
+          <p:cNvPr id="4" name="Picture 3"/>
+          <p:cNvPicPr>
+            <a:picLocks noChangeAspect="1"/>
+          </p:cNvPicPr>
+          <p:nvPr/>
+        </p:nvPicPr>
+        <p:blipFill>
+          <a:blip r:embed="rId3" cstate="email">
+            <a:extLst>
+              <a:ext uri="{28A0092B-C50C-407E-A947-70E740481C1C}">
+                <a14:useLocalDpi xmlns:a14="http://schemas.microsoft.com/office/drawing/2010/main" val="0"/>
+              </a:ext>
+            </a:extLst>
+          </a:blip>
+          <a:stretch>
+            <a:fillRect/>
+          </a:stretch>
+        </p:blipFill>
+        <p:spPr>
+          <a:xfrm>
+            <a:off x="1546412" y="2785923"/>
+            <a:ext cx="4851400" cy="2641600"/>
+          </a:xfrm>
+          <a:prstGeom prst="rect">
+            <a:avLst/>
+          </a:prstGeom>
+        </p:spPr>
+      </p:pic>
+    </p:spTree>
+    <p:extLst>
+      <p:ext uri="{BB962C8B-B14F-4D97-AF65-F5344CB8AC3E}">
+        <p14:creationId xmlns:p14="http://schemas.microsoft.com/office/powerpoint/2010/main" val="392100371"/>
+      </p:ext>
+    </p:extLst>
+  </p:cSld>
+  <p:clrMapOvr>
+    <a:masterClrMapping/>
+  </p:clrMapOvr>
+  <p:timing>
+    <p:tnLst>
+      <p:par>
+        <p:cTn id="1" dur="indefinite" restart="never" nodeType="tmRoot"/>
+      </p:par>
+    </p:tnLst>
+  </p:timing>
+</p:sld>
+</file>
+
+<file path=ppt/slides/slide9.xml><?xml version="1.0" encoding="utf-8"?>
+<p:sld xmlns:a="http://schemas.openxmlformats.org/drawingml/2006/main" xmlns:r="http://schemas.openxmlformats.org/officeDocument/2006/relationships" xmlns:p="http://schemas.openxmlformats.org/presentationml/2006/main">
+  <p:cSld>
+    <p:spTree>
+      <p:nvGrpSpPr>
+        <p:cNvPr id="1" name=""/>
+        <p:cNvGrpSpPr/>
+        <p:nvPr/>
+      </p:nvGrpSpPr>
+      <p:grpSpPr>
+        <a:xfrm>
+          <a:off x="0" y="0"/>
+          <a:ext cx="0" cy="0"/>
+          <a:chOff x="0" y="0"/>
+          <a:chExt cx="0" cy="0"/>
+        </a:xfrm>
+      </p:grpSpPr>
+      <p:sp>
+        <p:nvSpPr>
+          <p:cNvPr id="186" name="Shape 186"/>
+          <p:cNvSpPr>
+            <a:spLocks noGrp="1"/>
+          </p:cNvSpPr>
+          <p:nvPr>
+            <p:ph type="title"/>
+          </p:nvPr>
+        </p:nvSpPr>
+        <p:spPr>
+          <a:prstGeom prst="rect">
+            <a:avLst/>
+          </a:prstGeom>
+        </p:spPr>
+        <p:txBody>
+          <a:bodyPr/>
+          <a:lstStyle/>
+          <a:p>
+            <a:r>
+              <a:t>Front End (UI)</a:t>
+            </a:r>
+          </a:p>
+        </p:txBody>
+      </p:sp>
+      <p:pic>
+        <p:nvPicPr>
+          <p:cNvPr id="187" name="2015-12-02-160500_1280x1024_scrot.png"/>
+          <p:cNvPicPr>
+            <a:picLocks noChangeAspect="1"/>
+          </p:cNvPicPr>
+          <p:nvPr/>
+        </p:nvPicPr>
+        <p:blipFill>
+          <a:blip r:embed="rId3">
+            <a:extLst/>
+          </a:blip>
+          <a:stretch>
+            <a:fillRect/>
+          </a:stretch>
+        </p:blipFill>
+        <p:spPr>
+          <a:xfrm>
+            <a:off x="1385042" y="1287109"/>
+            <a:ext cx="6365977" cy="5413246"/>
+          </a:xfrm>
+          <a:prstGeom prst="rect">
+            <a:avLst/>
+          </a:prstGeom>
+          <a:ln w="12700">
+            <a:miter lim="400000"/>
+          </a:ln>
+        </p:spPr>
+      </p:pic>
+      <p:pic>
+        <p:nvPicPr>
+          <p:cNvPr id="188" name="2015-12-02-160505_1280x1024_scrot.png"/>
+          <p:cNvPicPr>
+            <a:picLocks noChangeAspect="1"/>
+          </p:cNvPicPr>
+          <p:nvPr/>
+        </p:nvPicPr>
+        <p:blipFill>
+          <a:blip r:embed="rId4">
+            <a:extLst/>
+          </a:blip>
+          <a:stretch>
+            <a:fillRect/>
+          </a:stretch>
+        </p:blipFill>
+        <p:spPr>
+          <a:xfrm>
+            <a:off x="1385042" y="1287109"/>
+            <a:ext cx="6359626" cy="5545093"/>
+          </a:xfrm>
+          <a:prstGeom prst="rect">
+            <a:avLst/>
+          </a:prstGeom>
+          <a:ln w="12700">
+            <a:miter lim="400000"/>
+          </a:ln>
+        </p:spPr>
+      </p:pic>
+    </p:spTree>
+    <p:extLst>
+      <p:ext uri="{BB962C8B-B14F-4D97-AF65-F5344CB8AC3E}">
+        <p14:creationId xmlns:p14="http://schemas.microsoft.com/office/powerpoint/2010/main" val="1184193782"/>
+      </p:ext>
+    </p:extLst>
+  </p:cSld>
+  <p:clrMapOvr>
+    <a:masterClrMapping/>
+  </p:clrMapOvr>
+  <p:transition spd="slow"/>
+  <p:timing>
+    <p:tnLst>
+      <p:par>
+        <p:cTn id="1" dur="indefinite" restart="never" fill="hold" nodeType="tmRoot">
+          <p:childTnLst>
+            <p:seq concurrent="1" prevAc="none" nextAc="seek">
+              <p:cTn id="2" dur="indefinite" fill="hold" nodeType="mainSeq">
+                <p:childTnLst>
+                  <p:par>
+                    <p:cTn id="3" fill="hold">
+                      <p:stCondLst>
+                        <p:cond delay="indefinite"/>
+                      </p:stCondLst>
+                      <p:childTnLst>
+                        <p:par>
+                          <p:cTn id="4" fill="hold">
+                            <p:stCondLst>
+                              <p:cond delay="0"/>
+                            </p:stCondLst>
+                            <p:childTnLst>
+                              <p:par>
+                                <p:cTn id="5" presetID="1" presetClass="entr" presetSubtype="0" fill="hold" grpId="0" nodeType="clickEffect">
+                                  <p:stCondLst>
+                                    <p:cond delay="0"/>
+                                  </p:stCondLst>
+                                  <p:iterate>
+                                    <p:tmAbs val="0"/>
+                                  </p:iterate>
+                                  <p:childTnLst>
+                                    <p:set>
+                                      <p:cBhvr>
+                                        <p:cTn id="6" fill="hold"/>
+                                        <p:tgtEl>
+                                          <p:spTgt spid="187"/>
+                                        </p:tgtEl>
+                                        <p:attrNameLst>
+                                          <p:attrName>style.visibility</p:attrName>
+                                        </p:attrNameLst>
+                                      </p:cBhvr>
+                                      <p:to>
+                                        <p:strVal val="visible"/>
+                                      </p:to>
+                                    </p:set>
+                                  </p:childTnLst>
+                                </p:cTn>
+                              </p:par>
+                            </p:childTnLst>
+                          </p:cTn>
+                        </p:par>
+                      </p:childTnLst>
+                    </p:cTn>
+                  </p:par>
+                  <p:par>
+                    <p:cTn id="7" fill="hold">
+                      <p:stCondLst>
+                        <p:cond delay="indefinite"/>
+                      </p:stCondLst>
+                      <p:childTnLst>
+                        <p:par>
+                          <p:cTn id="8" fill="hold">
+                            <p:stCondLst>
+                              <p:cond delay="0"/>
+                            </p:stCondLst>
+                            <p:childTnLst>
+                              <p:par>
+                                <p:cTn id="9" presetID="1" presetClass="entr" presetSubtype="0" fill="hold" grpId="0" nodeType="clickEffect">
+                                  <p:stCondLst>
+                                    <p:cond delay="0"/>
+                                  </p:stCondLst>
+                                  <p:iterate>
+                                    <p:tmAbs val="0"/>
+                                  </p:iterate>
+                                  <p:childTnLst>
+                                    <p:set>
+                                      <p:cBhvr>
+                                        <p:cTn id="10" fill="hold"/>
+                                        <p:tgtEl>
+                                          <p:spTgt spid="188"/>
+                                        </p:tgtEl>
+                                        <p:attrNameLst>
+                                          <p:attrName>style.visibility</p:attrName>
+                                        </p:attrNameLst>
+                                      </p:cBhvr>
+                                      <p:to>
+                                        <p:strVal val="visible"/>
+                                      </p:to>
+                                    </p:set>
+                                  </p:childTnLst>
+                                </p:cTn>
+                              </p:par>
+                            </p:childTnLst>
+                          </p:cTn>
+                        </p:par>
+                      </p:childTnLst>
+                    </p:cTn>
+                  </p:par>
+                  <p:par>
+                    <p:cTn id="11" fill="hold">
+                      <p:stCondLst>
+                        <p:cond delay="indefinite"/>
+                      </p:stCondLst>
+                      <p:childTnLst>
+                        <p:par>
+                          <p:cTn id="12" fill="hold">
+                            <p:stCondLst>
+                              <p:cond delay="0"/>
+                            </p:stCondLst>
+                            <p:childTnLst>
+                              <p:par>
+                                <p:cTn id="13" presetID="1" presetClass="exit" presetSubtype="0" fill="hold" grpId="1" nodeType="clickEffect">
+                                  <p:stCondLst>
+                                    <p:cond delay="0"/>
+                                  </p:stCondLst>
+                                  <p:iterate>
+                                    <p:tmAbs val="0"/>
+                                  </p:iterate>
+                                  <p:childTnLst>
+                                    <p:set>
+                                      <p:cBhvr>
+                                        <p:cTn id="14" fill="hold">
+                                          <p:stCondLst>
+                                            <p:cond delay="0"/>
+                                          </p:stCondLst>
+                                        </p:cTn>
+                                        <p:tgtEl>
+                                          <p:spTgt spid="188"/>
+                                        </p:tgtEl>
+                                        <p:attrNameLst>
+                                          <p:attrName>style.visibility</p:attrName>
+                                        </p:attrNameLst>
+                                      </p:cBhvr>
+                                      <p:to>
+                                        <p:strVal val="hidden"/>
+                                      </p:to>
+                                    </p:set>
+                                  </p:childTnLst>
+                                </p:cTn>
+                              </p:par>
+                            </p:childTnLst>
+                          </p:cTn>
+                        </p:par>
+                      </p:childTnLst>
+                    </p:cTn>
+                  </p:par>
+                </p:childTnLst>
+              </p:cTn>
+              <p:prevCondLst>
+                <p:cond evt="onPrev" delay="0">
+                  <p:tgtEl>
+                    <p:sldTgt/>
+                  </p:tgtEl>
+                </p:cond>
+              </p:prevCondLst>
+              <p:nextCondLst>
+                <p:cond evt="onNext" delay="0">
+                  <p:tgtEl>
+                    <p:sldTgt/>
+                  </p:tgtEl>
+                </p:cond>
+              </p:nextCondLst>
+            </p:seq>
+          </p:childTnLst>
+        </p:cTn>
+      </p:par>
+    </p:tnLst>
+    <p:bldLst>
+      <p:bldP spid="187" grpId="0" animBg="1" advAuto="0"/>
+      <p:bldP spid="188" grpId="0" animBg="1" advAuto="0"/>
+      <p:bldP spid="188" grpId="1" animBg="1" advAuto="0"/>
     </p:bldLst>
   </p:timing>
 </p:sld>
